--- a/slides/MLLib.pptx
+++ b/slides/MLLib.pptx
@@ -5,10 +5,10 @@
     <p:sldMasterId id="2147483672" r:id="rId1"/>
   </p:sldMasterIdLst>
   <p:notesMasterIdLst>
-    <p:notesMasterId r:id="rId38"/>
+    <p:notesMasterId r:id="rId41"/>
   </p:notesMasterIdLst>
   <p:handoutMasterIdLst>
-    <p:handoutMasterId r:id="rId39"/>
+    <p:handoutMasterId r:id="rId42"/>
   </p:handoutMasterIdLst>
   <p:sldIdLst>
     <p:sldId id="258" r:id="rId2"/>
@@ -18,35 +18,38 @@
     <p:sldId id="359" r:id="rId6"/>
     <p:sldId id="366" r:id="rId7"/>
     <p:sldId id="368" r:id="rId8"/>
-    <p:sldId id="367" r:id="rId9"/>
-    <p:sldId id="337" r:id="rId10"/>
-    <p:sldId id="338" r:id="rId11"/>
-    <p:sldId id="339" r:id="rId12"/>
-    <p:sldId id="340" r:id="rId13"/>
-    <p:sldId id="341" r:id="rId14"/>
-    <p:sldId id="342" r:id="rId15"/>
-    <p:sldId id="343" r:id="rId16"/>
-    <p:sldId id="344" r:id="rId17"/>
-    <p:sldId id="346" r:id="rId18"/>
-    <p:sldId id="348" r:id="rId19"/>
-    <p:sldId id="349" r:id="rId20"/>
-    <p:sldId id="350" r:id="rId21"/>
-    <p:sldId id="351" r:id="rId22"/>
-    <p:sldId id="352" r:id="rId23"/>
-    <p:sldId id="353" r:id="rId24"/>
-    <p:sldId id="354" r:id="rId25"/>
-    <p:sldId id="355" r:id="rId26"/>
-    <p:sldId id="356" r:id="rId27"/>
-    <p:sldId id="357" r:id="rId28"/>
-    <p:sldId id="347" r:id="rId29"/>
-    <p:sldId id="360" r:id="rId30"/>
-    <p:sldId id="361" r:id="rId31"/>
-    <p:sldId id="362" r:id="rId32"/>
-    <p:sldId id="363" r:id="rId33"/>
-    <p:sldId id="364" r:id="rId34"/>
-    <p:sldId id="365" r:id="rId35"/>
-    <p:sldId id="328" r:id="rId36"/>
-    <p:sldId id="275" r:id="rId37"/>
+    <p:sldId id="369" r:id="rId9"/>
+    <p:sldId id="372" r:id="rId10"/>
+    <p:sldId id="367" r:id="rId11"/>
+    <p:sldId id="337" r:id="rId12"/>
+    <p:sldId id="338" r:id="rId13"/>
+    <p:sldId id="339" r:id="rId14"/>
+    <p:sldId id="340" r:id="rId15"/>
+    <p:sldId id="341" r:id="rId16"/>
+    <p:sldId id="342" r:id="rId17"/>
+    <p:sldId id="343" r:id="rId18"/>
+    <p:sldId id="344" r:id="rId19"/>
+    <p:sldId id="371" r:id="rId20"/>
+    <p:sldId id="346" r:id="rId21"/>
+    <p:sldId id="348" r:id="rId22"/>
+    <p:sldId id="349" r:id="rId23"/>
+    <p:sldId id="350" r:id="rId24"/>
+    <p:sldId id="351" r:id="rId25"/>
+    <p:sldId id="352" r:id="rId26"/>
+    <p:sldId id="353" r:id="rId27"/>
+    <p:sldId id="354" r:id="rId28"/>
+    <p:sldId id="355" r:id="rId29"/>
+    <p:sldId id="357" r:id="rId30"/>
+    <p:sldId id="356" r:id="rId31"/>
+    <p:sldId id="360" r:id="rId32"/>
+    <p:sldId id="361" r:id="rId33"/>
+    <p:sldId id="362" r:id="rId34"/>
+    <p:sldId id="363" r:id="rId35"/>
+    <p:sldId id="364" r:id="rId36"/>
+    <p:sldId id="365" r:id="rId37"/>
+    <p:sldId id="370" r:id="rId38"/>
+    <p:sldId id="328" r:id="rId39"/>
+    <p:sldId id="275" r:id="rId40"/>
   </p:sldIdLst>
   <p:sldSz cx="9144000" cy="6858000" type="screen4x3"/>
   <p:notesSz cx="6858000" cy="9144000"/>
@@ -231,7 +234,7 @@
             <a:fld id="{F417C17C-C22B-5A4D-86C6-03CADFB916E7}" type="datetimeFigureOut">
               <a:rPr lang="en-US" smtClean="0"/>
               <a:pPr/>
-              <a:t>3/15/2015</a:t>
+              <a:t>3/23/2015</a:t>
             </a:fld>
             <a:endParaRPr lang="en-US"/>
           </a:p>
@@ -399,7 +402,7 @@
             <a:fld id="{F94EDEDA-1CEA-BB4E-9B95-2149BD5068F1}" type="datetimeFigureOut">
               <a:rPr lang="en-US" smtClean="0"/>
               <a:pPr/>
-              <a:t>3/15/2015</a:t>
+              <a:t>3/23/2015</a:t>
             </a:fld>
             <a:endParaRPr lang="en-US"/>
           </a:p>
@@ -871,7 +874,7 @@
             <a:fld id="{9F1B846B-8A2D-1B40-9656-03CBE7C30F89}" type="datetime1">
               <a:rPr lang="en-US" smtClean="0"/>
               <a:pPr/>
-              <a:t>3/15/2015</a:t>
+              <a:t>3/23/2015</a:t>
             </a:fld>
             <a:endParaRPr lang="en-US"/>
           </a:p>
@@ -1330,7 +1333,7 @@
             <a:fld id="{3AC6D651-2F6B-4F44-9AC2-2874A650DFFF}" type="datetime1">
               <a:rPr lang="en-US" smtClean="0"/>
               <a:pPr/>
-              <a:t>3/15/2015</a:t>
+              <a:t>3/23/2015</a:t>
             </a:fld>
             <a:endParaRPr lang="en-US"/>
           </a:p>
@@ -1879,7 +1882,7 @@
             <a:fld id="{2F9368DD-AF8D-A84E-B015-C56E16CCA0B8}" type="datetime1">
               <a:rPr lang="en-US" smtClean="0"/>
               <a:pPr/>
-              <a:t>3/15/2015</a:t>
+              <a:t>3/23/2015</a:t>
             </a:fld>
             <a:endParaRPr lang="en-US"/>
           </a:p>
@@ -2021,7 +2024,7 @@
             <a:fld id="{51EECA03-0EFE-AE49-AEC4-FF5FAA3318FF}" type="datetime1">
               <a:rPr lang="en-US" smtClean="0"/>
               <a:pPr/>
-              <a:t>3/15/2015</a:t>
+              <a:t>3/23/2015</a:t>
             </a:fld>
             <a:endParaRPr lang="en-US"/>
           </a:p>
@@ -2365,7 +2368,7 @@
             <a:fld id="{AC99F442-9D35-CD43-AF7C-482407A7E448}" type="datetime1">
               <a:rPr lang="en-US" smtClean="0"/>
               <a:pPr/>
-              <a:t>3/15/2015</a:t>
+              <a:t>3/23/2015</a:t>
             </a:fld>
             <a:endParaRPr lang="en-US"/>
           </a:p>
@@ -2696,7 +2699,7 @@
             <a:fld id="{6FF29FFD-6E86-7D41-8B06-D97C95FD9989}" type="datetime1">
               <a:rPr lang="en-US" smtClean="0"/>
               <a:pPr/>
-              <a:t>3/15/2015</a:t>
+              <a:t>3/23/2015</a:t>
             </a:fld>
             <a:endParaRPr lang="en-US"/>
           </a:p>
@@ -3000,7 +3003,7 @@
             <a:fld id="{A7DDD598-7C70-AD4A-A0DD-92D30AAA5510}" type="datetime1">
               <a:rPr lang="en-US" smtClean="0"/>
               <a:pPr/>
-              <a:t>3/15/2015</a:t>
+              <a:t>3/23/2015</a:t>
             </a:fld>
             <a:endParaRPr lang="en-US"/>
           </a:p>
@@ -3393,7 +3396,7 @@
             <a:fld id="{69AB95C5-5C4D-2440-955D-3D443FE41120}" type="datetime1">
               <a:rPr lang="en-US" smtClean="0"/>
               <a:pPr/>
-              <a:t>3/15/2015</a:t>
+              <a:t>3/23/2015</a:t>
             </a:fld>
             <a:endParaRPr lang="en-US"/>
           </a:p>
@@ -3819,7 +3822,7 @@
             <a:fld id="{7A3B19C7-97AD-7A44-9B9C-A4CD352EDF8C}" type="datetime1">
               <a:rPr lang="en-US" smtClean="0"/>
               <a:pPr/>
-              <a:t>3/15/2015</a:t>
+              <a:t>3/23/2015</a:t>
             </a:fld>
             <a:endParaRPr lang="en-US"/>
           </a:p>
@@ -4373,7 +4376,7 @@
             <a:fld id="{400A512E-66E8-C943-9CDD-ABCDE7307FC5}" type="datetime1">
               <a:rPr lang="en-US" smtClean="0"/>
               <a:pPr/>
-              <a:t>3/15/2015</a:t>
+              <a:t>3/23/2015</a:t>
             </a:fld>
             <a:endParaRPr lang="en-US"/>
           </a:p>
@@ -4737,7 +4740,7 @@
             <a:fld id="{275737D3-87B9-8A41-9F3E-456EAA10E2F7}" type="datetime1">
               <a:rPr lang="en-US" smtClean="0"/>
               <a:pPr/>
-              <a:t>3/15/2015</a:t>
+              <a:t>3/23/2015</a:t>
             </a:fld>
             <a:endParaRPr lang="en-US"/>
           </a:p>
@@ -4958,7 +4961,7 @@
             <a:fld id="{3B13B7C4-28A5-CB48-9F90-61EEE4FDDD8B}" type="datetime1">
               <a:rPr lang="en-US" smtClean="0"/>
               <a:pPr/>
-              <a:t>3/15/2015</a:t>
+              <a:t>3/23/2015</a:t>
             </a:fld>
             <a:endParaRPr lang="en-US"/>
           </a:p>
@@ -5271,7 +5274,7 @@
             <a:fld id="{FB820ADC-A989-0B43-894B-CC8B88A6A058}" type="datetime1">
               <a:rPr lang="en-US" smtClean="0"/>
               <a:pPr/>
-              <a:t>3/15/2015</a:t>
+              <a:t>3/23/2015</a:t>
             </a:fld>
             <a:endParaRPr lang="en-US"/>
           </a:p>
@@ -5533,7 +5536,7 @@
             <a:fld id="{6EFD7B0D-1D9A-AA44-8AA0-36F432394321}" type="datetime1">
               <a:rPr lang="en-US" smtClean="0"/>
               <a:pPr/>
-              <a:t>3/15/2015</a:t>
+              <a:t>3/23/2015</a:t>
             </a:fld>
             <a:endParaRPr lang="en-US"/>
           </a:p>
@@ -5928,7 +5931,7 @@
             <a:fld id="{8391D6BE-CC5A-F441-BF5C-132B93EAE0B9}" type="datetime1">
               <a:rPr lang="en-US" smtClean="0"/>
               <a:pPr/>
-              <a:t>3/15/2015</a:t>
+              <a:t>3/23/2015</a:t>
             </a:fld>
             <a:endParaRPr lang="en-US"/>
           </a:p>
@@ -6522,7 +6525,7 @@
             <a:fld id="{7F9E5D33-2821-C642-A5E0-67CD027085C0}" type="datetime1">
               <a:rPr lang="en-US" smtClean="0"/>
               <a:pPr/>
-              <a:t>3/15/2015</a:t>
+              <a:t>3/23/2015</a:t>
             </a:fld>
             <a:endParaRPr lang="en-US"/>
           </a:p>
@@ -7043,7 +7046,7 @@
             <a:fld id="{B4EE926D-75E4-7C4A-80EF-E6F745BAF0A6}" type="datetime1">
               <a:rPr lang="en-US" smtClean="0"/>
               <a:pPr/>
-              <a:t>3/15/2015</a:t>
+              <a:t>3/23/2015</a:t>
             </a:fld>
             <a:endParaRPr lang="en-US"/>
           </a:p>
@@ -7422,7 +7425,7 @@
             <a:fld id="{1799AEC9-6A91-FD48-8C26-85D761A9AB9A}" type="datetime1">
               <a:rPr lang="en-US" smtClean="0"/>
               <a:pPr/>
-              <a:t>3/15/2015</a:t>
+              <a:t>3/23/2015</a:t>
             </a:fld>
             <a:endParaRPr lang="en-US"/>
           </a:p>
@@ -7827,7 +7830,7 @@
             <a:fld id="{72AB3F87-F2CF-AA47-8A3C-25D7BBB8800D}" type="datetime1">
               <a:rPr lang="en-US" smtClean="0"/>
               <a:pPr/>
-              <a:t>3/15/2015</a:t>
+              <a:t>3/23/2015</a:t>
             </a:fld>
             <a:endParaRPr lang="en-US"/>
           </a:p>
@@ -8253,7 +8256,7 @@
             <a:fld id="{017A4C3A-78B7-E146-B561-C5924296E830}" type="datetime1">
               <a:rPr lang="en-US" smtClean="0"/>
               <a:pPr/>
-              <a:t>3/15/2015</a:t>
+              <a:t>3/23/2015</a:t>
             </a:fld>
             <a:endParaRPr lang="en-US"/>
           </a:p>
@@ -8642,7 +8645,7 @@
             <a:fld id="{9F7D4429-93BD-BC4F-94A7-C9B3C2CD0DC0}" type="datetime1">
               <a:rPr lang="en-US" smtClean="0"/>
               <a:pPr/>
-              <a:t>3/15/2015</a:t>
+              <a:t>3/23/2015</a:t>
             </a:fld>
             <a:endParaRPr lang="en-US"/>
           </a:p>
@@ -9240,6 +9243,280 @@
           <a:p>
             <a:r>
               <a:rPr lang="en-US" dirty="0" smtClean="0"/>
+              <a:t>Preparing Text</a:t>
+            </a:r>
+            <a:endParaRPr lang="en-US" dirty="0"/>
+          </a:p>
+        </p:txBody>
+      </p:sp>
+      <p:sp>
+        <p:nvSpPr>
+          <p:cNvPr id="3" name="Content Placeholder 2"/>
+          <p:cNvSpPr>
+            <a:spLocks noGrp="1"/>
+          </p:cNvSpPr>
+          <p:nvPr>
+            <p:ph idx="1"/>
+          </p:nvPr>
+        </p:nvSpPr>
+        <p:spPr/>
+        <p:txBody>
+          <a:bodyPr/>
+          <a:lstStyle/>
+          <a:p>
+            <a:r>
+              <a:rPr lang="en-US" dirty="0" smtClean="0"/>
+              <a:t>Normally, very common words like “the,” “of”, or “and” are removed – these are called stop words.</a:t>
+            </a:r>
+          </a:p>
+          <a:p>
+            <a:r>
+              <a:rPr lang="en-US" dirty="0" smtClean="0"/>
+              <a:t>Words are usually “stemmed” down to their root – we use a package called “snowball” to accomplish this.</a:t>
+            </a:r>
+          </a:p>
+          <a:p>
+            <a:r>
+              <a:rPr lang="en-US" dirty="0" smtClean="0"/>
+              <a:t>We also clean up text, removing numbers, punctuation, and </a:t>
+            </a:r>
+            <a:r>
+              <a:rPr lang="en-US" dirty="0" err="1" smtClean="0"/>
+              <a:t>superflous</a:t>
+            </a:r>
+            <a:r>
+              <a:rPr lang="en-US" dirty="0" smtClean="0"/>
+              <a:t> whitespace.</a:t>
+            </a:r>
+          </a:p>
+          <a:p>
+            <a:r>
+              <a:rPr lang="en-US" dirty="0" smtClean="0"/>
+              <a:t>At the end, we have a dictionary of words, and for each document we have each of the terms as a vector dimension.</a:t>
+            </a:r>
+          </a:p>
+        </p:txBody>
+      </p:sp>
+      <p:sp>
+        <p:nvSpPr>
+          <p:cNvPr id="4" name="Footer Placeholder 3"/>
+          <p:cNvSpPr>
+            <a:spLocks noGrp="1"/>
+          </p:cNvSpPr>
+          <p:nvPr>
+            <p:ph type="ftr" sz="quarter" idx="11"/>
+          </p:nvPr>
+        </p:nvSpPr>
+        <p:spPr/>
+        <p:txBody>
+          <a:bodyPr/>
+          <a:lstStyle/>
+          <a:p>
+            <a:r>
+              <a:rPr lang="en-US" smtClean="0"/>
+              <a:t>(c) ElephantScale.com 2014</a:t>
+            </a:r>
+            <a:endParaRPr lang="en-US"/>
+          </a:p>
+        </p:txBody>
+      </p:sp>
+      <p:sp>
+        <p:nvSpPr>
+          <p:cNvPr id="5" name="Slide Number Placeholder 4"/>
+          <p:cNvSpPr>
+            <a:spLocks noGrp="1"/>
+          </p:cNvSpPr>
+          <p:nvPr>
+            <p:ph type="sldNum" sz="quarter" idx="12"/>
+          </p:nvPr>
+        </p:nvSpPr>
+        <p:spPr/>
+        <p:txBody>
+          <a:bodyPr/>
+          <a:lstStyle/>
+          <a:p>
+            <a:fld id="{4AD8DDEF-9CD1-B641-ADE5-2BEE59567BE6}" type="slidenum">
+              <a:rPr lang="en-US" smtClean="0"/>
+              <a:pPr/>
+              <a:t>10</a:t>
+            </a:fld>
+            <a:endParaRPr lang="en-US"/>
+          </a:p>
+        </p:txBody>
+      </p:sp>
+    </p:spTree>
+    <p:extLst>
+      <p:ext uri="{BB962C8B-B14F-4D97-AF65-F5344CB8AC3E}">
+        <p14:creationId xmlns:p14="http://schemas.microsoft.com/office/powerpoint/2010/main" xmlns="" val="1413752634"/>
+      </p:ext>
+    </p:extLst>
+  </p:cSld>
+  <p:clrMapOvr>
+    <a:masterClrMapping/>
+  </p:clrMapOvr>
+  <p:timing>
+    <p:tnLst>
+      <p:par>
+        <p:cTn id="1" dur="indefinite" restart="never" nodeType="tmRoot"/>
+      </p:par>
+    </p:tnLst>
+  </p:timing>
+</p:sld>
+</file>
+
+<file path=ppt/slides/slide11.xml><?xml version="1.0" encoding="utf-8"?>
+<p:sld xmlns:a="http://schemas.openxmlformats.org/drawingml/2006/main" xmlns:r="http://schemas.openxmlformats.org/officeDocument/2006/relationships" xmlns:p="http://schemas.openxmlformats.org/presentationml/2006/main">
+  <p:cSld>
+    <p:spTree>
+      <p:nvGrpSpPr>
+        <p:cNvPr id="1" name=""/>
+        <p:cNvGrpSpPr/>
+        <p:nvPr/>
+      </p:nvGrpSpPr>
+      <p:grpSpPr>
+        <a:xfrm>
+          <a:off x="0" y="0"/>
+          <a:ext cx="0" cy="0"/>
+          <a:chOff x="0" y="0"/>
+          <a:chExt cx="0" cy="0"/>
+        </a:xfrm>
+      </p:grpSpPr>
+      <p:sp>
+        <p:nvSpPr>
+          <p:cNvPr id="2" name="Title 1"/>
+          <p:cNvSpPr>
+            <a:spLocks noGrp="1"/>
+          </p:cNvSpPr>
+          <p:nvPr>
+            <p:ph type="title"/>
+          </p:nvPr>
+        </p:nvSpPr>
+        <p:spPr/>
+        <p:txBody>
+          <a:bodyPr/>
+          <a:lstStyle/>
+          <a:p>
+            <a:r>
+              <a:rPr lang="en-US" dirty="0" smtClean="0"/>
+              <a:t>Next : Clustering</a:t>
+            </a:r>
+            <a:endParaRPr lang="en-US" dirty="0"/>
+          </a:p>
+        </p:txBody>
+      </p:sp>
+      <p:sp>
+        <p:nvSpPr>
+          <p:cNvPr id="3" name="Content Placeholder 2"/>
+          <p:cNvSpPr>
+            <a:spLocks noGrp="1"/>
+          </p:cNvSpPr>
+          <p:nvPr>
+            <p:ph idx="1"/>
+          </p:nvPr>
+        </p:nvSpPr>
+        <p:spPr/>
+        <p:txBody>
+          <a:bodyPr/>
+          <a:lstStyle/>
+          <a:p>
+            <a:endParaRPr lang="en-US"/>
+          </a:p>
+        </p:txBody>
+      </p:sp>
+      <p:sp>
+        <p:nvSpPr>
+          <p:cNvPr id="4" name="Footer Placeholder 3"/>
+          <p:cNvSpPr>
+            <a:spLocks noGrp="1"/>
+          </p:cNvSpPr>
+          <p:nvPr>
+            <p:ph type="ftr" sz="quarter" idx="11"/>
+          </p:nvPr>
+        </p:nvSpPr>
+        <p:spPr/>
+        <p:txBody>
+          <a:bodyPr/>
+          <a:lstStyle/>
+          <a:p>
+            <a:r>
+              <a:rPr lang="en-US" smtClean="0"/>
+              <a:t>(c) ElephantScale.com 2014</a:t>
+            </a:r>
+            <a:endParaRPr lang="en-US"/>
+          </a:p>
+        </p:txBody>
+      </p:sp>
+      <p:sp>
+        <p:nvSpPr>
+          <p:cNvPr id="5" name="Slide Number Placeholder 4"/>
+          <p:cNvSpPr>
+            <a:spLocks noGrp="1"/>
+          </p:cNvSpPr>
+          <p:nvPr>
+            <p:ph type="sldNum" sz="quarter" idx="12"/>
+          </p:nvPr>
+        </p:nvSpPr>
+        <p:spPr/>
+        <p:txBody>
+          <a:bodyPr/>
+          <a:lstStyle/>
+          <a:p>
+            <a:fld id="{4AD8DDEF-9CD1-B641-ADE5-2BEE59567BE6}" type="slidenum">
+              <a:rPr lang="en-US" smtClean="0"/>
+              <a:pPr/>
+              <a:t>11</a:t>
+            </a:fld>
+            <a:endParaRPr lang="en-US"/>
+          </a:p>
+        </p:txBody>
+      </p:sp>
+    </p:spTree>
+    <p:extLst>
+      <p:ext uri="{BB962C8B-B14F-4D97-AF65-F5344CB8AC3E}">
+        <p14:creationId xmlns:p14="http://schemas.microsoft.com/office/powerpoint/2010/main" xmlns="" val="2260624955"/>
+      </p:ext>
+    </p:extLst>
+  </p:cSld>
+  <p:clrMapOvr>
+    <a:masterClrMapping/>
+  </p:clrMapOvr>
+</p:sld>
+</file>
+
+<file path=ppt/slides/slide12.xml><?xml version="1.0" encoding="utf-8"?>
+<p:sld xmlns:a="http://schemas.openxmlformats.org/drawingml/2006/main" xmlns:r="http://schemas.openxmlformats.org/officeDocument/2006/relationships" xmlns:p="http://schemas.openxmlformats.org/presentationml/2006/main">
+  <p:cSld>
+    <p:spTree>
+      <p:nvGrpSpPr>
+        <p:cNvPr id="1" name=""/>
+        <p:cNvGrpSpPr/>
+        <p:nvPr/>
+      </p:nvGrpSpPr>
+      <p:grpSpPr>
+        <a:xfrm>
+          <a:off x="0" y="0"/>
+          <a:ext cx="0" cy="0"/>
+          <a:chOff x="0" y="0"/>
+          <a:chExt cx="0" cy="0"/>
+        </a:xfrm>
+      </p:grpSpPr>
+      <p:sp>
+        <p:nvSpPr>
+          <p:cNvPr id="2" name="Title 1"/>
+          <p:cNvSpPr>
+            <a:spLocks noGrp="1"/>
+          </p:cNvSpPr>
+          <p:nvPr>
+            <p:ph type="title"/>
+          </p:nvPr>
+        </p:nvSpPr>
+        <p:spPr/>
+        <p:txBody>
+          <a:bodyPr/>
+          <a:lstStyle/>
+          <a:p>
+            <a:r>
+              <a:rPr lang="en-US" dirty="0" smtClean="0"/>
               <a:t>Clustering Applications</a:t>
             </a:r>
             <a:endParaRPr lang="en-US" dirty="0"/>
@@ -9306,7 +9583,7 @@
             <a:fld id="{4AD8DDEF-9CD1-B641-ADE5-2BEE59567BE6}" type="slidenum">
               <a:rPr lang="en-US" smtClean="0"/>
               <a:pPr/>
-              <a:t>10</a:t>
+              <a:t>12</a:t>
             </a:fld>
             <a:endParaRPr lang="en-US"/>
           </a:p>
@@ -9465,7 +9742,7 @@
 </p:sld>
 </file>
 
-<file path=ppt/slides/slide11.xml><?xml version="1.0" encoding="utf-8"?>
+<file path=ppt/slides/slide13.xml><?xml version="1.0" encoding="utf-8"?>
 <p:sld xmlns:a="http://schemas.openxmlformats.org/drawingml/2006/main" xmlns:r="http://schemas.openxmlformats.org/officeDocument/2006/relationships" xmlns:p="http://schemas.openxmlformats.org/presentationml/2006/main">
   <p:cSld>
     <p:spTree>
@@ -9533,11 +9810,7 @@
           <a:p>
             <a:r>
               <a:rPr lang="en-US" dirty="0" smtClean="0"/>
-              <a:t>Simplest </a:t>
-            </a:r>
-            <a:r>
-              <a:rPr lang="en-US" dirty="0" smtClean="0"/>
-              <a:t>is k-means</a:t>
+              <a:t>Simplest is k-means</a:t>
             </a:r>
           </a:p>
           <a:p>
@@ -9592,7 +9865,7 @@
             <a:fld id="{4AD8DDEF-9CD1-B641-ADE5-2BEE59567BE6}" type="slidenum">
               <a:rPr lang="en-US" smtClean="0"/>
               <a:pPr/>
-              <a:t>11</a:t>
+              <a:t>13</a:t>
             </a:fld>
             <a:endParaRPr lang="en-US"/>
           </a:p>
@@ -9642,7 +9915,7 @@
 </p:sld>
 </file>
 
-<file path=ppt/slides/slide12.xml><?xml version="1.0" encoding="utf-8"?>
+<file path=ppt/slides/slide14.xml><?xml version="1.0" encoding="utf-8"?>
 <p:sld xmlns:a="http://schemas.openxmlformats.org/drawingml/2006/main" xmlns:r="http://schemas.openxmlformats.org/officeDocument/2006/relationships" xmlns:p="http://schemas.openxmlformats.org/presentationml/2006/main">
   <p:cSld>
     <p:spTree>
@@ -9701,7 +9974,6 @@
               <a:rPr lang="en-US" dirty="0" smtClean="0"/>
               <a:t>K-Means: Simplest Clustering Algorithm.</a:t>
             </a:r>
-            <a:endParaRPr lang="en-US" dirty="0" smtClean="0"/>
           </a:p>
           <a:p>
             <a:r>
@@ -9788,7 +10060,7 @@
             <a:fld id="{4AD8DDEF-9CD1-B641-ADE5-2BEE59567BE6}" type="slidenum">
               <a:rPr lang="en-US" smtClean="0"/>
               <a:pPr/>
-              <a:t>12</a:t>
+              <a:t>14</a:t>
             </a:fld>
             <a:endParaRPr lang="en-US"/>
           </a:p>
@@ -9862,7 +10134,7 @@
 </p:sld>
 </file>
 
-<file path=ppt/slides/slide13.xml><?xml version="1.0" encoding="utf-8"?>
+<file path=ppt/slides/slide15.xml><?xml version="1.0" encoding="utf-8"?>
 <p:sld xmlns:a="http://schemas.openxmlformats.org/drawingml/2006/main" xmlns:r="http://schemas.openxmlformats.org/officeDocument/2006/relationships" xmlns:p="http://schemas.openxmlformats.org/presentationml/2006/main">
   <p:cSld>
     <p:spTree>
@@ -10001,7 +10273,7 @@
             <a:fld id="{4AD8DDEF-9CD1-B641-ADE5-2BEE59567BE6}" type="slidenum">
               <a:rPr lang="en-US" smtClean="0"/>
               <a:pPr/>
-              <a:t>13</a:t>
+              <a:t>15</a:t>
             </a:fld>
             <a:endParaRPr lang="en-US"/>
           </a:p>
@@ -10075,391 +10347,6 @@
 </p:sld>
 </file>
 
-<file path=ppt/slides/slide14.xml><?xml version="1.0" encoding="utf-8"?>
-<p:sld xmlns:a="http://schemas.openxmlformats.org/drawingml/2006/main" xmlns:r="http://schemas.openxmlformats.org/officeDocument/2006/relationships" xmlns:p="http://schemas.openxmlformats.org/presentationml/2006/main">
-  <p:cSld>
-    <p:spTree>
-      <p:nvGrpSpPr>
-        <p:cNvPr id="1" name=""/>
-        <p:cNvGrpSpPr/>
-        <p:nvPr/>
-      </p:nvGrpSpPr>
-      <p:grpSpPr>
-        <a:xfrm>
-          <a:off x="0" y="0"/>
-          <a:ext cx="0" cy="0"/>
-          <a:chOff x="0" y="0"/>
-          <a:chExt cx="0" cy="0"/>
-        </a:xfrm>
-      </p:grpSpPr>
-      <p:sp>
-        <p:nvSpPr>
-          <p:cNvPr id="2" name="Title 1"/>
-          <p:cNvSpPr>
-            <a:spLocks noGrp="1"/>
-          </p:cNvSpPr>
-          <p:nvPr>
-            <p:ph type="title"/>
-          </p:nvPr>
-        </p:nvSpPr>
-        <p:spPr/>
-        <p:txBody>
-          <a:bodyPr/>
-          <a:lstStyle/>
-          <a:p>
-            <a:r>
-              <a:rPr lang="en-US" dirty="0" smtClean="0"/>
-              <a:t>K-Means Distance Measurements</a:t>
-            </a:r>
-            <a:endParaRPr lang="en-US" dirty="0"/>
-          </a:p>
-        </p:txBody>
-      </p:sp>
-      <p:sp>
-        <p:nvSpPr>
-          <p:cNvPr id="3" name="Content Placeholder 2"/>
-          <p:cNvSpPr>
-            <a:spLocks noGrp="1"/>
-          </p:cNvSpPr>
-          <p:nvPr>
-            <p:ph idx="1"/>
-          </p:nvPr>
-        </p:nvSpPr>
-        <p:spPr/>
-        <p:txBody>
-          <a:bodyPr/>
-          <a:lstStyle/>
-          <a:p>
-            <a:r>
-              <a:rPr lang="en-US" dirty="0" smtClean="0"/>
-              <a:t>Ways to Determine Distance</a:t>
-            </a:r>
-            <a:endParaRPr lang="en-US" dirty="0" smtClean="0"/>
-          </a:p>
-          <a:p>
-            <a:pPr lvl="1"/>
-            <a:r>
-              <a:rPr lang="en-US" dirty="0" smtClean="0"/>
-              <a:t>Euclidian distance – </a:t>
-            </a:r>
-            <a:r>
-              <a:rPr lang="en-US" dirty="0" smtClean="0"/>
-              <a:t>(most obvious) Euclidian</a:t>
-            </a:r>
-            <a:r>
-              <a:rPr lang="en-US" dirty="0" smtClean="0"/>
-              <a:t>, which takes the distance in Euclidian space</a:t>
-            </a:r>
-          </a:p>
-          <a:p>
-            <a:pPr lvl="1"/>
-            <a:r>
-              <a:rPr lang="en-US" dirty="0" smtClean="0"/>
-              <a:t>Cosine Distance – </a:t>
-            </a:r>
-            <a:r>
-              <a:rPr lang="en-US" dirty="0" smtClean="0"/>
-              <a:t>cosine of angle between vectors – ignores magnitude</a:t>
-            </a:r>
-            <a:endParaRPr lang="en-US" dirty="0" smtClean="0"/>
-          </a:p>
-          <a:p>
-            <a:pPr lvl="1"/>
-            <a:r>
-              <a:rPr lang="en-US" dirty="0" smtClean="0"/>
-              <a:t>Manhattan distance: Effectively counts the number of square blocks one would “walk” to get there without cutting corners.</a:t>
-            </a:r>
-          </a:p>
-          <a:p>
-            <a:pPr lvl="1"/>
-            <a:r>
-              <a:rPr lang="en-US" dirty="0" err="1" smtClean="0"/>
-              <a:t>Tanimoto</a:t>
-            </a:r>
-            <a:r>
-              <a:rPr lang="en-US" dirty="0" smtClean="0"/>
-              <a:t> distance  Take both angle and magnitude into account.</a:t>
-            </a:r>
-          </a:p>
-          <a:p>
-            <a:r>
-              <a:rPr lang="en-US" dirty="0" smtClean="0"/>
-              <a:t>Most algorithms attempt to balance the</a:t>
-            </a:r>
-          </a:p>
-          <a:p>
-            <a:pPr lvl="1"/>
-            <a:r>
-              <a:rPr lang="en-US" dirty="0" smtClean="0"/>
-              <a:t>Magnitude</a:t>
-            </a:r>
-          </a:p>
-          <a:p>
-            <a:pPr lvl="1"/>
-            <a:r>
-              <a:rPr lang="en-US" dirty="0" smtClean="0"/>
-              <a:t>Angle</a:t>
-            </a:r>
-            <a:endParaRPr lang="en-US" dirty="0" smtClean="0"/>
-          </a:p>
-          <a:p>
-            <a:pPr lvl="1"/>
-            <a:endParaRPr lang="en-US" dirty="0" smtClean="0"/>
-          </a:p>
-        </p:txBody>
-      </p:sp>
-      <p:sp>
-        <p:nvSpPr>
-          <p:cNvPr id="4" name="Footer Placeholder 3"/>
-          <p:cNvSpPr>
-            <a:spLocks noGrp="1"/>
-          </p:cNvSpPr>
-          <p:nvPr>
-            <p:ph type="ftr" sz="quarter" idx="11"/>
-          </p:nvPr>
-        </p:nvSpPr>
-        <p:spPr/>
-        <p:txBody>
-          <a:bodyPr/>
-          <a:lstStyle/>
-          <a:p>
-            <a:r>
-              <a:rPr lang="en-US" smtClean="0"/>
-              <a:t>(c) ElephantScale.com 2014</a:t>
-            </a:r>
-            <a:endParaRPr lang="en-US"/>
-          </a:p>
-        </p:txBody>
-      </p:sp>
-      <p:sp>
-        <p:nvSpPr>
-          <p:cNvPr id="5" name="Slide Number Placeholder 4"/>
-          <p:cNvSpPr>
-            <a:spLocks noGrp="1"/>
-          </p:cNvSpPr>
-          <p:nvPr>
-            <p:ph type="sldNum" sz="quarter" idx="12"/>
-          </p:nvPr>
-        </p:nvSpPr>
-        <p:spPr/>
-        <p:txBody>
-          <a:bodyPr/>
-          <a:lstStyle/>
-          <a:p>
-            <a:fld id="{4AD8DDEF-9CD1-B641-ADE5-2BEE59567BE6}" type="slidenum">
-              <a:rPr lang="en-US" smtClean="0"/>
-              <a:pPr/>
-              <a:t>14</a:t>
-            </a:fld>
-            <a:endParaRPr lang="en-US"/>
-          </a:p>
-        </p:txBody>
-      </p:sp>
-    </p:spTree>
-    <p:extLst>
-      <p:ext uri="{BB962C8B-B14F-4D97-AF65-F5344CB8AC3E}">
-        <p14:creationId xmlns:p14="http://schemas.microsoft.com/office/powerpoint/2010/main" xmlns="" val="3017253226"/>
-      </p:ext>
-    </p:extLst>
-  </p:cSld>
-  <p:clrMapOvr>
-    <a:masterClrMapping/>
-  </p:clrMapOvr>
-  <p:timing>
-    <p:tnLst>
-      <p:par>
-        <p:cTn id="1" dur="indefinite" restart="never" nodeType="tmRoot"/>
-      </p:par>
-    </p:tnLst>
-  </p:timing>
-</p:sld>
-</file>
-
-<file path=ppt/slides/slide15.xml><?xml version="1.0" encoding="utf-8"?>
-<p:sld xmlns:a="http://schemas.openxmlformats.org/drawingml/2006/main" xmlns:r="http://schemas.openxmlformats.org/officeDocument/2006/relationships" xmlns:p="http://schemas.openxmlformats.org/presentationml/2006/main">
-  <p:cSld>
-    <p:spTree>
-      <p:nvGrpSpPr>
-        <p:cNvPr id="1" name=""/>
-        <p:cNvGrpSpPr/>
-        <p:nvPr/>
-      </p:nvGrpSpPr>
-      <p:grpSpPr>
-        <a:xfrm>
-          <a:off x="0" y="0"/>
-          <a:ext cx="0" cy="0"/>
-          <a:chOff x="0" y="0"/>
-          <a:chExt cx="0" cy="0"/>
-        </a:xfrm>
-      </p:grpSpPr>
-      <p:sp>
-        <p:nvSpPr>
-          <p:cNvPr id="2" name="Title 1"/>
-          <p:cNvSpPr>
-            <a:spLocks noGrp="1"/>
-          </p:cNvSpPr>
-          <p:nvPr>
-            <p:ph type="title"/>
-          </p:nvPr>
-        </p:nvSpPr>
-        <p:spPr/>
-        <p:txBody>
-          <a:bodyPr/>
-          <a:lstStyle/>
-          <a:p>
-            <a:r>
-              <a:rPr lang="en-US" dirty="0" smtClean="0"/>
-              <a:t>K-Means Clustering Summary</a:t>
-            </a:r>
-            <a:endParaRPr lang="en-US" dirty="0"/>
-          </a:p>
-        </p:txBody>
-      </p:sp>
-      <p:sp>
-        <p:nvSpPr>
-          <p:cNvPr id="3" name="Content Placeholder 2"/>
-          <p:cNvSpPr>
-            <a:spLocks noGrp="1"/>
-          </p:cNvSpPr>
-          <p:nvPr>
-            <p:ph idx="1"/>
-          </p:nvPr>
-        </p:nvSpPr>
-        <p:spPr/>
-        <p:txBody>
-          <a:bodyPr/>
-          <a:lstStyle/>
-          <a:p>
-            <a:r>
-              <a:rPr lang="en-US" dirty="0" smtClean="0"/>
-              <a:t>K-Means is simple</a:t>
-            </a:r>
-          </a:p>
-          <a:p>
-            <a:pPr lvl="1"/>
-            <a:r>
-              <a:rPr lang="en-US" dirty="0" smtClean="0"/>
-              <a:t>Well-Understood.</a:t>
-            </a:r>
-            <a:endParaRPr lang="en-US" dirty="0" smtClean="0"/>
-          </a:p>
-          <a:p>
-            <a:r>
-              <a:rPr lang="en-US" dirty="0" smtClean="0"/>
-              <a:t>Disadvantages are that:</a:t>
-            </a:r>
-          </a:p>
-          <a:p>
-            <a:pPr lvl="1"/>
-            <a:r>
-              <a:rPr lang="en-US" dirty="0" smtClean="0"/>
-              <a:t>Value of k must be known in advance – which may mean running the exercise many times to get optimum results.</a:t>
-            </a:r>
-          </a:p>
-          <a:p>
-            <a:pPr lvl="1"/>
-            <a:r>
-              <a:rPr lang="en-US" dirty="0" smtClean="0"/>
-              <a:t>Initial </a:t>
-            </a:r>
-            <a:r>
-              <a:rPr lang="en-US" dirty="0" err="1" smtClean="0"/>
-              <a:t>centroid</a:t>
-            </a:r>
-            <a:r>
-              <a:rPr lang="en-US" dirty="0" smtClean="0"/>
-              <a:t> positions are important; may cause long convergence.</a:t>
-            </a:r>
-            <a:endParaRPr lang="en-US" dirty="0" smtClean="0"/>
-          </a:p>
-          <a:p>
-            <a:pPr lvl="1"/>
-            <a:r>
-              <a:rPr lang="en-US" dirty="0" smtClean="0"/>
-              <a:t>Dense groupings of points are not especially considered</a:t>
-            </a:r>
-          </a:p>
-          <a:p>
-            <a:pPr lvl="2"/>
-            <a:r>
-              <a:rPr lang="en-US" dirty="0" smtClean="0"/>
-              <a:t>Outliers may bias results.</a:t>
-            </a:r>
-            <a:endParaRPr lang="en-US" dirty="0" smtClean="0"/>
-          </a:p>
-          <a:p>
-            <a:pPr lvl="1"/>
-            <a:endParaRPr lang="en-US" dirty="0" smtClean="0"/>
-          </a:p>
-        </p:txBody>
-      </p:sp>
-      <p:sp>
-        <p:nvSpPr>
-          <p:cNvPr id="4" name="Footer Placeholder 3"/>
-          <p:cNvSpPr>
-            <a:spLocks noGrp="1"/>
-          </p:cNvSpPr>
-          <p:nvPr>
-            <p:ph type="ftr" sz="quarter" idx="11"/>
-          </p:nvPr>
-        </p:nvSpPr>
-        <p:spPr/>
-        <p:txBody>
-          <a:bodyPr/>
-          <a:lstStyle/>
-          <a:p>
-            <a:r>
-              <a:rPr lang="en-US" smtClean="0"/>
-              <a:t>(c) ElephantScale.com 2014</a:t>
-            </a:r>
-            <a:endParaRPr lang="en-US"/>
-          </a:p>
-        </p:txBody>
-      </p:sp>
-      <p:sp>
-        <p:nvSpPr>
-          <p:cNvPr id="5" name="Slide Number Placeholder 4"/>
-          <p:cNvSpPr>
-            <a:spLocks noGrp="1"/>
-          </p:cNvSpPr>
-          <p:nvPr>
-            <p:ph type="sldNum" sz="quarter" idx="12"/>
-          </p:nvPr>
-        </p:nvSpPr>
-        <p:spPr/>
-        <p:txBody>
-          <a:bodyPr/>
-          <a:lstStyle/>
-          <a:p>
-            <a:fld id="{4AD8DDEF-9CD1-B641-ADE5-2BEE59567BE6}" type="slidenum">
-              <a:rPr lang="en-US" smtClean="0"/>
-              <a:pPr/>
-              <a:t>15</a:t>
-            </a:fld>
-            <a:endParaRPr lang="en-US"/>
-          </a:p>
-        </p:txBody>
-      </p:sp>
-    </p:spTree>
-    <p:extLst>
-      <p:ext uri="{BB962C8B-B14F-4D97-AF65-F5344CB8AC3E}">
-        <p14:creationId xmlns:p14="http://schemas.microsoft.com/office/powerpoint/2010/main" xmlns="" val="1791869827"/>
-      </p:ext>
-    </p:extLst>
-  </p:cSld>
-  <p:clrMapOvr>
-    <a:masterClrMapping/>
-  </p:clrMapOvr>
-  <p:timing>
-    <p:tnLst>
-      <p:par>
-        <p:cTn id="1" dur="indefinite" restart="never" nodeType="tmRoot"/>
-      </p:par>
-    </p:tnLst>
-  </p:timing>
-</p:sld>
-</file>
-
 <file path=ppt/slides/slide16.xml><?xml version="1.0" encoding="utf-8"?>
 <p:sld xmlns:a="http://schemas.openxmlformats.org/drawingml/2006/main" xmlns:r="http://schemas.openxmlformats.org/officeDocument/2006/relationships" xmlns:p="http://schemas.openxmlformats.org/presentationml/2006/main">
   <p:cSld>
@@ -10494,93 +10381,83 @@
           <a:p>
             <a:r>
               <a:rPr lang="en-US" dirty="0" smtClean="0"/>
-              <a:t>K-Means in </a:t>
-            </a:r>
+              <a:t>K-Means Distance Measurements</a:t>
+            </a:r>
+            <a:endParaRPr lang="en-US" dirty="0"/>
+          </a:p>
+        </p:txBody>
+      </p:sp>
+      <p:sp>
+        <p:nvSpPr>
+          <p:cNvPr id="3" name="Content Placeholder 2"/>
+          <p:cNvSpPr>
+            <a:spLocks noGrp="1"/>
+          </p:cNvSpPr>
+          <p:nvPr>
+            <p:ph idx="1"/>
+          </p:nvPr>
+        </p:nvSpPr>
+        <p:spPr/>
+        <p:txBody>
+          <a:bodyPr/>
+          <a:lstStyle/>
+          <a:p>
+            <a:r>
+              <a:rPr lang="en-US" dirty="0" smtClean="0"/>
+              <a:t>Ways to Determine Distance</a:t>
+            </a:r>
+          </a:p>
+          <a:p>
+            <a:pPr lvl="1"/>
+            <a:r>
+              <a:rPr lang="en-US" dirty="0" smtClean="0"/>
+              <a:t>Euclidian distance – (most obvious) Euclidian, which takes the distance in Euclidian space</a:t>
+            </a:r>
+          </a:p>
+          <a:p>
+            <a:pPr lvl="1"/>
+            <a:r>
+              <a:rPr lang="en-US" dirty="0" smtClean="0"/>
+              <a:t>Cosine Distance – cosine of angle between vectors – ignores magnitude</a:t>
+            </a:r>
+          </a:p>
+          <a:p>
+            <a:pPr lvl="1"/>
+            <a:r>
+              <a:rPr lang="en-US" dirty="0" smtClean="0"/>
+              <a:t>Manhattan distance: Effectively counts the number of square blocks one would “walk” to get there without cutting corners.</a:t>
+            </a:r>
+          </a:p>
+          <a:p>
+            <a:pPr lvl="1"/>
             <a:r>
               <a:rPr lang="en-US" dirty="0" err="1" smtClean="0"/>
-              <a:t>MLLib</a:t>
-            </a:r>
-            <a:endParaRPr lang="en-US" dirty="0"/>
-          </a:p>
-        </p:txBody>
-      </p:sp>
-      <p:sp>
-        <p:nvSpPr>
-          <p:cNvPr id="3" name="Content Placeholder 2"/>
-          <p:cNvSpPr>
-            <a:spLocks noGrp="1"/>
-          </p:cNvSpPr>
-          <p:nvPr>
-            <p:ph idx="1"/>
-          </p:nvPr>
-        </p:nvSpPr>
-        <p:spPr/>
-        <p:txBody>
-          <a:bodyPr/>
-          <a:lstStyle/>
-          <a:p>
-            <a:r>
-              <a:rPr lang="en-US" dirty="0" err="1" smtClean="0"/>
-              <a:t>MLLib</a:t>
-            </a:r>
-            <a:r>
-              <a:rPr lang="en-US" dirty="0" smtClean="0"/>
-              <a:t> has </a:t>
-            </a:r>
-            <a:r>
-              <a:rPr lang="en-US" dirty="0" smtClean="0"/>
-              <a:t>a built-in function called </a:t>
-            </a:r>
-            <a:r>
-              <a:rPr lang="en-US" dirty="0" err="1" smtClean="0"/>
-              <a:t>kmeans</a:t>
-            </a:r>
-            <a:r>
-              <a:rPr lang="en-US" dirty="0" smtClean="0"/>
-              <a:t>, which performs the k-means clustering.</a:t>
-            </a:r>
-          </a:p>
-          <a:p>
-            <a:r>
-              <a:rPr lang="en-US" dirty="0" smtClean="0"/>
-              <a:t>Default values: just provide </a:t>
-            </a:r>
-            <a:r>
-              <a:rPr lang="en-US" dirty="0" err="1" smtClean="0"/>
-              <a:t>kmeans</a:t>
-            </a:r>
-            <a:r>
-              <a:rPr lang="en-US" dirty="0" smtClean="0"/>
-              <a:t>(</a:t>
-            </a:r>
-            <a:r>
-              <a:rPr lang="en-US" dirty="0" err="1" smtClean="0"/>
-              <a:t>df</a:t>
-            </a:r>
-            <a:r>
-              <a:rPr lang="en-US" dirty="0" smtClean="0"/>
-              <a:t>, value-of-k)</a:t>
-            </a:r>
-          </a:p>
-          <a:p>
-            <a:endParaRPr lang="en-US" dirty="0"/>
-          </a:p>
-          <a:p>
-            <a:r>
-              <a:rPr lang="en-US" dirty="0" smtClean="0"/>
-              <a:t>Lab : </a:t>
-            </a:r>
-            <a:r>
-              <a:rPr lang="en-US" dirty="0" err="1" smtClean="0"/>
-              <a:t>kmeans-mtcars.scala</a:t>
-            </a:r>
-            <a:endParaRPr lang="en-US" dirty="0" smtClean="0"/>
-          </a:p>
-          <a:p>
-            <a:pPr>
-              <a:buNone/>
-            </a:pPr>
-            <a:endParaRPr lang="en-US" dirty="0" smtClean="0"/>
+              <a:t>Tanimoto</a:t>
+            </a:r>
+            <a:r>
+              <a:rPr lang="en-US" dirty="0" smtClean="0"/>
+              <a:t> distance  Take both angle and magnitude into account.</a:t>
+            </a:r>
+          </a:p>
+          <a:p>
+            <a:r>
+              <a:rPr lang="en-US" dirty="0" smtClean="0"/>
+              <a:t>Most algorithms attempt to balance the</a:t>
+            </a:r>
+          </a:p>
+          <a:p>
+            <a:pPr lvl="1"/>
+            <a:r>
+              <a:rPr lang="en-US" dirty="0" smtClean="0"/>
+              <a:t>Magnitude</a:t>
+            </a:r>
+          </a:p>
+          <a:p>
+            <a:pPr lvl="1"/>
+            <a:r>
+              <a:rPr lang="en-US" dirty="0" smtClean="0"/>
+              <a:t>Angle</a:t>
+            </a:r>
           </a:p>
           <a:p>
             <a:pPr lvl="1"/>
@@ -10638,7 +10515,7 @@
     </p:spTree>
     <p:extLst>
       <p:ext uri="{BB962C8B-B14F-4D97-AF65-F5344CB8AC3E}">
-        <p14:creationId xmlns:p14="http://schemas.microsoft.com/office/powerpoint/2010/main" xmlns="" val="1791294177"/>
+        <p14:creationId xmlns:p14="http://schemas.microsoft.com/office/powerpoint/2010/main" xmlns="" val="3017253226"/>
       </p:ext>
     </p:extLst>
   </p:cSld>
@@ -10689,7 +10566,7 @@
           <a:p>
             <a:r>
               <a:rPr lang="en-US" dirty="0" smtClean="0"/>
-              <a:t>Next : Recommendations</a:t>
+              <a:t>K-Means Clustering Summary</a:t>
             </a:r>
             <a:endParaRPr lang="en-US" dirty="0"/>
           </a:p>
@@ -10710,7 +10587,63 @@
           <a:bodyPr/>
           <a:lstStyle/>
           <a:p>
-            <a:endParaRPr lang="en-US"/>
+            <a:r>
+              <a:rPr lang="en-US" dirty="0" smtClean="0"/>
+              <a:t>K-Means is simple</a:t>
+            </a:r>
+          </a:p>
+          <a:p>
+            <a:pPr lvl="1"/>
+            <a:r>
+              <a:rPr lang="en-US" dirty="0" smtClean="0"/>
+              <a:t>Well-Understood.</a:t>
+            </a:r>
+          </a:p>
+          <a:p>
+            <a:r>
+              <a:rPr lang="en-US" dirty="0" smtClean="0"/>
+              <a:t>Disadvantages are that:</a:t>
+            </a:r>
+          </a:p>
+          <a:p>
+            <a:pPr lvl="1"/>
+            <a:r>
+              <a:rPr lang="en-US" dirty="0" smtClean="0"/>
+              <a:t>Value of k must be known in advance – which may mean running the exercise many times to get optimum results.</a:t>
+            </a:r>
+          </a:p>
+          <a:p>
+            <a:pPr lvl="1"/>
+            <a:r>
+              <a:rPr lang="en-US" dirty="0" smtClean="0"/>
+              <a:t>Initial </a:t>
+            </a:r>
+            <a:r>
+              <a:rPr lang="en-US" dirty="0" err="1" smtClean="0"/>
+              <a:t>centroid</a:t>
+            </a:r>
+            <a:r>
+              <a:rPr lang="en-US" dirty="0" smtClean="0"/>
+              <a:t> positions are important; may cause long convergence.</a:t>
+            </a:r>
+          </a:p>
+          <a:p>
+            <a:pPr lvl="1"/>
+            <a:r>
+              <a:rPr lang="en-US" dirty="0" smtClean="0"/>
+              <a:t>Dense groupings of points are not especially considered</a:t>
+            </a:r>
+          </a:p>
+          <a:p>
+            <a:pPr lvl="2"/>
+            <a:r>
+              <a:rPr lang="en-US" dirty="0" smtClean="0"/>
+              <a:t>Outliers may bias results.</a:t>
+            </a:r>
+          </a:p>
+          <a:p>
+            <a:pPr lvl="1"/>
+            <a:endParaRPr lang="en-US" dirty="0" smtClean="0"/>
           </a:p>
         </p:txBody>
       </p:sp>
@@ -10764,7 +10697,7 @@
     </p:spTree>
     <p:extLst>
       <p:ext uri="{BB962C8B-B14F-4D97-AF65-F5344CB8AC3E}">
-        <p14:creationId xmlns:p14="http://schemas.microsoft.com/office/powerpoint/2010/main" xmlns="" val="1934961268"/>
+        <p14:creationId xmlns:p14="http://schemas.microsoft.com/office/powerpoint/2010/main" xmlns="" val="1791869827"/>
       </p:ext>
     </p:extLst>
   </p:cSld>
@@ -10815,40 +10748,99 @@
           <a:p>
             <a:r>
               <a:rPr lang="en-US" dirty="0" smtClean="0"/>
-              <a:t>Recommendations Are Every Where : Amazon</a:t>
+              <a:t>K-Means in </a:t>
+            </a:r>
+            <a:r>
+              <a:rPr lang="en-US" dirty="0" err="1" smtClean="0"/>
+              <a:t>MLLib</a:t>
             </a:r>
             <a:endParaRPr lang="en-US" dirty="0"/>
           </a:p>
         </p:txBody>
       </p:sp>
-      <p:pic>
-        <p:nvPicPr>
-          <p:cNvPr id="5" name="Content Placeholder 4" descr="Screen Shot 2014-06-17 at 11.11.05 PM.png"/>
-          <p:cNvPicPr>
-            <a:picLocks noGrp="1" noChangeAspect="1"/>
-          </p:cNvPicPr>
+      <p:sp>
+        <p:nvSpPr>
+          <p:cNvPr id="3" name="Content Placeholder 2"/>
+          <p:cNvSpPr>
+            <a:spLocks noGrp="1"/>
+          </p:cNvSpPr>
           <p:nvPr>
             <p:ph idx="1"/>
           </p:nvPr>
-        </p:nvPicPr>
-        <p:blipFill>
-          <a:blip r:embed="rId2">
-            <a:extLst>
-              <a:ext uri="{28A0092B-C50C-407E-A947-70E740481C1C}">
-                <a14:useLocalDpi xmlns:a14="http://schemas.microsoft.com/office/drawing/2010/main" xmlns="" val="0"/>
-              </a:ext>
-            </a:extLst>
-          </a:blip>
-          <a:srcRect t="-8666" b="-8666"/>
-          <a:stretch>
-            <a:fillRect/>
-          </a:stretch>
-        </p:blipFill>
-        <p:spPr/>
-      </p:pic>
-      <p:sp>
-        <p:nvSpPr>
-          <p:cNvPr id="3" name="Footer Placeholder 2"/>
+        </p:nvSpPr>
+        <p:spPr/>
+        <p:txBody>
+          <a:bodyPr/>
+          <a:lstStyle/>
+          <a:p>
+            <a:r>
+              <a:rPr lang="en-US" dirty="0" err="1" smtClean="0"/>
+              <a:t>MLLib</a:t>
+            </a:r>
+            <a:r>
+              <a:rPr lang="en-US" dirty="0" smtClean="0"/>
+              <a:t> has a built-in function called </a:t>
+            </a:r>
+            <a:r>
+              <a:rPr lang="en-US" dirty="0" err="1" smtClean="0"/>
+              <a:t>kmeans</a:t>
+            </a:r>
+            <a:r>
+              <a:rPr lang="en-US" dirty="0" smtClean="0"/>
+              <a:t>, which performs the k-means clustering.</a:t>
+            </a:r>
+          </a:p>
+          <a:p>
+            <a:r>
+              <a:rPr lang="en-US" dirty="0" smtClean="0"/>
+              <a:t>Default values: just provide </a:t>
+            </a:r>
+            <a:r>
+              <a:rPr lang="en-US" dirty="0" err="1" smtClean="0"/>
+              <a:t>kmeans</a:t>
+            </a:r>
+            <a:r>
+              <a:rPr lang="en-US" dirty="0" smtClean="0"/>
+              <a:t>(</a:t>
+            </a:r>
+            <a:r>
+              <a:rPr lang="en-US" dirty="0" err="1" smtClean="0"/>
+              <a:t>df</a:t>
+            </a:r>
+            <a:r>
+              <a:rPr lang="en-US" dirty="0" smtClean="0"/>
+              <a:t>, value-of-k)</a:t>
+            </a:r>
+          </a:p>
+          <a:p>
+            <a:endParaRPr lang="en-US" dirty="0"/>
+          </a:p>
+          <a:p>
+            <a:r>
+              <a:rPr lang="en-US" dirty="0" smtClean="0"/>
+              <a:t>Lab : </a:t>
+            </a:r>
+            <a:r>
+              <a:rPr lang="en-US" dirty="0" err="1" smtClean="0"/>
+              <a:t>kmeans-mtcars.scala</a:t>
+            </a:r>
+            <a:endParaRPr lang="en-US" dirty="0" smtClean="0"/>
+          </a:p>
+          <a:p>
+            <a:pPr>
+              <a:buNone/>
+            </a:pPr>
+            <a:endParaRPr lang="en-US" dirty="0" smtClean="0"/>
+          </a:p>
+          <a:p>
+            <a:pPr lvl="1"/>
+            <a:endParaRPr lang="en-US" dirty="0" smtClean="0"/>
+          </a:p>
+        </p:txBody>
+      </p:sp>
+      <p:sp>
+        <p:nvSpPr>
+          <p:cNvPr id="4" name="Footer Placeholder 3"/>
           <p:cNvSpPr>
             <a:spLocks noGrp="1"/>
           </p:cNvSpPr>
@@ -10871,7 +10863,7 @@
       </p:sp>
       <p:sp>
         <p:nvSpPr>
-          <p:cNvPr id="4" name="Slide Number Placeholder 3"/>
+          <p:cNvPr id="5" name="Slide Number Placeholder 4"/>
           <p:cNvSpPr>
             <a:spLocks noGrp="1"/>
           </p:cNvSpPr>
@@ -10896,7 +10888,7 @@
     </p:spTree>
     <p:extLst>
       <p:ext uri="{BB962C8B-B14F-4D97-AF65-F5344CB8AC3E}">
-        <p14:creationId xmlns:p14="http://schemas.microsoft.com/office/powerpoint/2010/main" xmlns="" val="3618916858"/>
+        <p14:creationId xmlns:p14="http://schemas.microsoft.com/office/powerpoint/2010/main" xmlns="" val="1791294177"/>
       </p:ext>
     </p:extLst>
   </p:cSld>
@@ -10930,30 +10922,6 @@
           <a:chExt cx="0" cy="0"/>
         </a:xfrm>
       </p:grpSpPr>
-      <p:pic>
-        <p:nvPicPr>
-          <p:cNvPr id="9" name="Picture 8"/>
-          <p:cNvPicPr>
-            <a:picLocks noChangeAspect="1"/>
-          </p:cNvPicPr>
-          <p:nvPr/>
-        </p:nvPicPr>
-        <p:blipFill>
-          <a:blip r:embed="rId2"/>
-          <a:stretch>
-            <a:fillRect/>
-          </a:stretch>
-        </p:blipFill>
-        <p:spPr>
-          <a:xfrm>
-            <a:off x="2749258" y="3776524"/>
-            <a:ext cx="3390900" cy="2540000"/>
-          </a:xfrm>
-          <a:prstGeom prst="rect">
-            <a:avLst/>
-          </a:prstGeom>
-        </p:spPr>
-      </p:pic>
       <p:sp>
         <p:nvSpPr>
           <p:cNvPr id="2" name="Title 1"/>
@@ -10971,7 +10939,7 @@
           <a:p>
             <a:r>
               <a:rPr lang="en-US" dirty="0" smtClean="0"/>
-              <a:t>Recommended : Amazon Prime</a:t>
+              <a:t>Clustering Lab</a:t>
             </a:r>
             <a:endParaRPr lang="en-US" dirty="0"/>
           </a:p>
@@ -10993,109 +10961,41 @@
           <a:lstStyle/>
           <a:p>
             <a:r>
-              <a:rPr lang="en-US" dirty="0" smtClean="0"/>
-              <a:t> </a:t>
-            </a:r>
-            <a:endParaRPr lang="en-US" dirty="0"/>
-          </a:p>
-        </p:txBody>
-      </p:sp>
-      <p:pic>
-        <p:nvPicPr>
-          <p:cNvPr id="5" name="Picture 4"/>
-          <p:cNvPicPr>
-            <a:picLocks noChangeAspect="1"/>
-          </p:cNvPicPr>
-          <p:nvPr/>
-        </p:nvPicPr>
-        <p:blipFill>
-          <a:blip r:embed="rId3"/>
-          <a:stretch>
-            <a:fillRect/>
-          </a:stretch>
-        </p:blipFill>
-        <p:spPr>
-          <a:xfrm>
-            <a:off x="5055707" y="1691716"/>
-            <a:ext cx="2915218" cy="2183684"/>
-          </a:xfrm>
-          <a:prstGeom prst="rect">
-            <a:avLst/>
-          </a:prstGeom>
-        </p:spPr>
-      </p:pic>
-      <p:pic>
-        <p:nvPicPr>
-          <p:cNvPr id="6" name="Picture 5"/>
-          <p:cNvPicPr>
-            <a:picLocks noChangeAspect="1"/>
-          </p:cNvPicPr>
-          <p:nvPr/>
-        </p:nvPicPr>
-        <p:blipFill>
-          <a:blip r:embed="rId4"/>
-          <a:stretch>
-            <a:fillRect/>
-          </a:stretch>
-        </p:blipFill>
-        <p:spPr>
-          <a:xfrm>
-            <a:off x="6229779" y="4375496"/>
-            <a:ext cx="2583133" cy="1934931"/>
-          </a:xfrm>
-          <a:prstGeom prst="rect">
-            <a:avLst/>
-          </a:prstGeom>
-        </p:spPr>
-      </p:pic>
-      <p:pic>
-        <p:nvPicPr>
-          <p:cNvPr id="7" name="Picture 6"/>
-          <p:cNvPicPr>
-            <a:picLocks noChangeAspect="1"/>
-          </p:cNvPicPr>
-          <p:nvPr/>
-        </p:nvPicPr>
-        <p:blipFill>
-          <a:blip r:embed="rId5"/>
-          <a:stretch>
-            <a:fillRect/>
-          </a:stretch>
-        </p:blipFill>
-        <p:spPr>
-          <a:xfrm>
-            <a:off x="144440" y="4513537"/>
-            <a:ext cx="2726898" cy="2042620"/>
-          </a:xfrm>
-          <a:prstGeom prst="rect">
-            <a:avLst/>
-          </a:prstGeom>
-        </p:spPr>
-      </p:pic>
-      <p:pic>
-        <p:nvPicPr>
-          <p:cNvPr id="8" name="Picture 7"/>
-          <p:cNvPicPr>
-            <a:picLocks noChangeAspect="1"/>
-          </p:cNvPicPr>
-          <p:nvPr/>
-        </p:nvPicPr>
-        <p:blipFill>
-          <a:blip r:embed="rId6"/>
-          <a:stretch>
-            <a:fillRect/>
-          </a:stretch>
-        </p:blipFill>
-        <p:spPr>
-          <a:xfrm>
-            <a:off x="162642" y="1835496"/>
-            <a:ext cx="3390900" cy="2540000"/>
-          </a:xfrm>
-          <a:prstGeom prst="rect">
-            <a:avLst/>
-          </a:prstGeom>
-        </p:spPr>
-      </p:pic>
+              <a:rPr lang="en-US" dirty="0" err="1" smtClean="0"/>
+              <a:t>Mtcars</a:t>
+            </a:r>
+            <a:r>
+              <a:rPr lang="en-US" dirty="0" smtClean="0"/>
+              <a:t> dataset: data about car models.</a:t>
+            </a:r>
+          </a:p>
+          <a:p>
+            <a:r>
+              <a:rPr lang="en-US" dirty="0" smtClean="0"/>
+              <a:t>location   : </a:t>
+            </a:r>
+            <a:r>
+              <a:rPr lang="en-US" dirty="0" err="1" smtClean="0"/>
+              <a:t>mllib</a:t>
+            </a:r>
+            <a:r>
+              <a:rPr lang="en-US" dirty="0" smtClean="0"/>
+              <a:t>/</a:t>
+            </a:r>
+            <a:r>
+              <a:rPr lang="en-US" dirty="0" err="1" smtClean="0"/>
+              <a:t>kmeans</a:t>
+            </a:r>
+            <a:endParaRPr lang="en-US" dirty="0" smtClean="0"/>
+          </a:p>
+          <a:p>
+            <a:r>
+              <a:rPr lang="en-US" dirty="0" smtClean="0"/>
+              <a:t>Try out the solution line-by-line</a:t>
+            </a:r>
+          </a:p>
+        </p:txBody>
+      </p:sp>
       <p:sp>
         <p:nvSpPr>
           <p:cNvPr id="4" name="Footer Placeholder 3"/>
@@ -11121,7 +11021,7 @@
       </p:sp>
       <p:sp>
         <p:nvSpPr>
-          <p:cNvPr id="10" name="Slide Number Placeholder 9"/>
+          <p:cNvPr id="5" name="Slide Number Placeholder 4"/>
           <p:cNvSpPr>
             <a:spLocks noGrp="1"/>
           </p:cNvSpPr>
@@ -11146,7 +11046,7 @@
     </p:spTree>
     <p:extLst>
       <p:ext uri="{BB962C8B-B14F-4D97-AF65-F5344CB8AC3E}">
-        <p14:creationId xmlns:p14="http://schemas.microsoft.com/office/powerpoint/2010/main" xmlns="" val="3527473027"/>
+        <p14:creationId xmlns:p14="http://schemas.microsoft.com/office/powerpoint/2010/main" xmlns="" val="3599210062"/>
       </p:ext>
     </p:extLst>
   </p:cSld>
@@ -12103,40 +12003,34 @@
           <a:p>
             <a:r>
               <a:rPr lang="en-US" dirty="0" smtClean="0"/>
-              <a:t>Recommendations From Netflix (With Profiles)</a:t>
+              <a:t>Next : Recommendations</a:t>
             </a:r>
             <a:endParaRPr lang="en-US" dirty="0"/>
           </a:p>
         </p:txBody>
       </p:sp>
-      <p:pic>
-        <p:nvPicPr>
-          <p:cNvPr id="4" name="Content Placeholder 3" descr="Screen Shot 2014-06-17 at 11.14.01 PM.png"/>
-          <p:cNvPicPr>
-            <a:picLocks noGrp="1" noChangeAspect="1"/>
-          </p:cNvPicPr>
+      <p:sp>
+        <p:nvSpPr>
+          <p:cNvPr id="3" name="Content Placeholder 2"/>
+          <p:cNvSpPr>
+            <a:spLocks noGrp="1"/>
+          </p:cNvSpPr>
           <p:nvPr>
             <p:ph idx="1"/>
           </p:nvPr>
-        </p:nvPicPr>
-        <p:blipFill>
-          <a:blip r:embed="rId2">
-            <a:extLst>
-              <a:ext uri="{28A0092B-C50C-407E-A947-70E740481C1C}">
-                <a14:useLocalDpi xmlns:a14="http://schemas.microsoft.com/office/drawing/2010/main" xmlns="" val="0"/>
-              </a:ext>
-            </a:extLst>
-          </a:blip>
-          <a:srcRect t="-736" b="-736"/>
-          <a:stretch>
-            <a:fillRect/>
-          </a:stretch>
-        </p:blipFill>
-        <p:spPr/>
-      </p:pic>
-      <p:sp>
-        <p:nvSpPr>
-          <p:cNvPr id="3" name="Footer Placeholder 2"/>
+        </p:nvSpPr>
+        <p:spPr/>
+        <p:txBody>
+          <a:bodyPr/>
+          <a:lstStyle/>
+          <a:p>
+            <a:endParaRPr lang="en-US"/>
+          </a:p>
+        </p:txBody>
+      </p:sp>
+      <p:sp>
+        <p:nvSpPr>
+          <p:cNvPr id="4" name="Footer Placeholder 3"/>
           <p:cNvSpPr>
             <a:spLocks noGrp="1"/>
           </p:cNvSpPr>
@@ -12184,7 +12078,7 @@
     </p:spTree>
     <p:extLst>
       <p:ext uri="{BB962C8B-B14F-4D97-AF65-F5344CB8AC3E}">
-        <p14:creationId xmlns:p14="http://schemas.microsoft.com/office/powerpoint/2010/main" xmlns="" val="3992340815"/>
+        <p14:creationId xmlns:p14="http://schemas.microsoft.com/office/powerpoint/2010/main" xmlns="" val="1934961268"/>
       </p:ext>
     </p:extLst>
   </p:cSld>
@@ -12235,81 +12129,40 @@
           <a:p>
             <a:r>
               <a:rPr lang="en-US" dirty="0" smtClean="0"/>
-              <a:t>Recommendations</a:t>
+              <a:t>Recommendations Are Everywhere : Amazon</a:t>
             </a:r>
             <a:endParaRPr lang="en-US" dirty="0"/>
           </a:p>
         </p:txBody>
       </p:sp>
-      <p:sp>
-        <p:nvSpPr>
-          <p:cNvPr id="3" name="Content Placeholder 2"/>
-          <p:cNvSpPr>
-            <a:spLocks noGrp="1"/>
-          </p:cNvSpPr>
+      <p:pic>
+        <p:nvPicPr>
+          <p:cNvPr id="5" name="Content Placeholder 4" descr="Screen Shot 2014-06-17 at 11.11.05 PM.png"/>
+          <p:cNvPicPr>
+            <a:picLocks noGrp="1" noChangeAspect="1"/>
+          </p:cNvPicPr>
           <p:nvPr>
             <p:ph idx="1"/>
           </p:nvPr>
-        </p:nvSpPr>
-        <p:spPr/>
-        <p:txBody>
-          <a:bodyPr>
-            <a:normAutofit/>
-          </a:bodyPr>
-          <a:lstStyle/>
-          <a:p>
-            <a:r>
-              <a:rPr lang="en-US" dirty="0" smtClean="0"/>
-              <a:t>Recommendations are a straightforward application of the Collaborative Filtering algorithm.</a:t>
-            </a:r>
-          </a:p>
-          <a:p>
-            <a:pPr lvl="1"/>
-            <a:r>
-              <a:rPr lang="en-US" dirty="0" smtClean="0"/>
-              <a:t>Collaborative filtering relates set A to set B.</a:t>
-            </a:r>
-          </a:p>
-          <a:p>
-            <a:pPr lvl="1"/>
-            <a:r>
-              <a:rPr lang="en-US" dirty="0" smtClean="0"/>
-              <a:t>Variables in set A are given a similarity metric based on expressed relations with set B.</a:t>
-            </a:r>
-          </a:p>
-          <a:p>
-            <a:pPr lvl="1"/>
-            <a:r>
-              <a:rPr lang="en-US" dirty="0" smtClean="0"/>
-              <a:t>We can then make guess that relations between individual members of set A can be predicted by those similar.</a:t>
-            </a:r>
-          </a:p>
-          <a:p>
-            <a:r>
-              <a:rPr lang="en-US" dirty="0" smtClean="0"/>
-              <a:t>Recommendations</a:t>
-            </a:r>
-          </a:p>
-          <a:p>
-            <a:pPr lvl="1"/>
-            <a:r>
-              <a:rPr lang="en-US" dirty="0" smtClean="0"/>
-              <a:t>Let’s call set A: users and set B: items (as this is the most obvious application of CF.</a:t>
-            </a:r>
-            <a:endParaRPr lang="en-US" dirty="0"/>
-          </a:p>
-          <a:p>
-            <a:pPr lvl="1"/>
-            <a:r>
-              <a:rPr lang="en-US" dirty="0" smtClean="0"/>
-              <a:t>We recommend items to users based on users’ expressed preferences.</a:t>
-            </a:r>
-          </a:p>
-        </p:txBody>
-      </p:sp>
-      <p:sp>
-        <p:nvSpPr>
-          <p:cNvPr id="4" name="Footer Placeholder 3"/>
+        </p:nvPicPr>
+        <p:blipFill>
+          <a:blip r:embed="rId2">
+            <a:extLst>
+              <a:ext uri="{28A0092B-C50C-407E-A947-70E740481C1C}">
+                <a14:useLocalDpi xmlns:a14="http://schemas.microsoft.com/office/drawing/2010/main" xmlns="" val="0"/>
+              </a:ext>
+            </a:extLst>
+          </a:blip>
+          <a:srcRect t="-8666" b="-8666"/>
+          <a:stretch>
+            <a:fillRect/>
+          </a:stretch>
+        </p:blipFill>
+        <p:spPr/>
+      </p:pic>
+      <p:sp>
+        <p:nvSpPr>
+          <p:cNvPr id="3" name="Footer Placeholder 2"/>
           <p:cNvSpPr>
             <a:spLocks noGrp="1"/>
           </p:cNvSpPr>
@@ -12332,7 +12185,7 @@
       </p:sp>
       <p:sp>
         <p:nvSpPr>
-          <p:cNvPr id="5" name="Slide Number Placeholder 4"/>
+          <p:cNvPr id="4" name="Slide Number Placeholder 3"/>
           <p:cNvSpPr>
             <a:spLocks noGrp="1"/>
           </p:cNvSpPr>
@@ -12357,7 +12210,7 @@
     </p:spTree>
     <p:extLst>
       <p:ext uri="{BB962C8B-B14F-4D97-AF65-F5344CB8AC3E}">
-        <p14:creationId xmlns:p14="http://schemas.microsoft.com/office/powerpoint/2010/main" xmlns="" val="2174042868"/>
+        <p14:creationId xmlns:p14="http://schemas.microsoft.com/office/powerpoint/2010/main" xmlns="" val="3618916858"/>
       </p:ext>
     </p:extLst>
   </p:cSld>
@@ -12391,6 +12244,30 @@
           <a:chExt cx="0" cy="0"/>
         </a:xfrm>
       </p:grpSpPr>
+      <p:pic>
+        <p:nvPicPr>
+          <p:cNvPr id="9" name="Picture 8"/>
+          <p:cNvPicPr>
+            <a:picLocks noChangeAspect="1"/>
+          </p:cNvPicPr>
+          <p:nvPr/>
+        </p:nvPicPr>
+        <p:blipFill>
+          <a:blip r:embed="rId2"/>
+          <a:stretch>
+            <a:fillRect/>
+          </a:stretch>
+        </p:blipFill>
+        <p:spPr>
+          <a:xfrm>
+            <a:off x="2749258" y="3776524"/>
+            <a:ext cx="3390900" cy="2540000"/>
+          </a:xfrm>
+          <a:prstGeom prst="rect">
+            <a:avLst/>
+          </a:prstGeom>
+        </p:spPr>
+      </p:pic>
       <p:sp>
         <p:nvSpPr>
           <p:cNvPr id="2" name="Title 1"/>
@@ -12408,7 +12285,7 @@
           <a:p>
             <a:r>
               <a:rPr lang="en-US" dirty="0" smtClean="0"/>
-              <a:t>Collaborative Filtering</a:t>
+              <a:t>Recommended : Amazon Prime</a:t>
             </a:r>
             <a:endParaRPr lang="en-US" dirty="0"/>
           </a:p>
@@ -12431,35 +12308,108 @@
           <a:p>
             <a:r>
               <a:rPr lang="en-US" dirty="0" smtClean="0"/>
-              <a:t>Collaborative Filtering (CF) is commonly used in Recommendations “Recommended For You” or “More Like This” functionality</a:t>
-            </a:r>
-          </a:p>
-          <a:p>
-            <a:r>
-              <a:rPr lang="en-US" dirty="0" smtClean="0"/>
-              <a:t>Recommendations can be explicit (based on user ratings), or implicit (based on user interest)</a:t>
-            </a:r>
-          </a:p>
-          <a:p>
-            <a:r>
-              <a:rPr lang="en-US" dirty="0" smtClean="0"/>
-              <a:t>CF usually involves concepts of Users and Items, with users expressing some preference for items.  However, it need NOT actually be users and items; it could be any kind of association in which between one set of data and another.</a:t>
-            </a:r>
-          </a:p>
-          <a:p>
-            <a:r>
-              <a:rPr lang="en-US" dirty="0" smtClean="0"/>
-              <a:t>Users and Items could be the same (example: dating site)</a:t>
-            </a:r>
-          </a:p>
-          <a:p>
-            <a:endParaRPr lang="en-US" dirty="0" smtClean="0"/>
-          </a:p>
-          <a:p>
+              <a:t> </a:t>
+            </a:r>
             <a:endParaRPr lang="en-US" dirty="0"/>
           </a:p>
         </p:txBody>
       </p:sp>
+      <p:pic>
+        <p:nvPicPr>
+          <p:cNvPr id="5" name="Picture 4"/>
+          <p:cNvPicPr>
+            <a:picLocks noChangeAspect="1"/>
+          </p:cNvPicPr>
+          <p:nvPr/>
+        </p:nvPicPr>
+        <p:blipFill>
+          <a:blip r:embed="rId3"/>
+          <a:stretch>
+            <a:fillRect/>
+          </a:stretch>
+        </p:blipFill>
+        <p:spPr>
+          <a:xfrm>
+            <a:off x="5055707" y="1691716"/>
+            <a:ext cx="2915218" cy="2183684"/>
+          </a:xfrm>
+          <a:prstGeom prst="rect">
+            <a:avLst/>
+          </a:prstGeom>
+        </p:spPr>
+      </p:pic>
+      <p:pic>
+        <p:nvPicPr>
+          <p:cNvPr id="6" name="Picture 5"/>
+          <p:cNvPicPr>
+            <a:picLocks noChangeAspect="1"/>
+          </p:cNvPicPr>
+          <p:nvPr/>
+        </p:nvPicPr>
+        <p:blipFill>
+          <a:blip r:embed="rId4"/>
+          <a:stretch>
+            <a:fillRect/>
+          </a:stretch>
+        </p:blipFill>
+        <p:spPr>
+          <a:xfrm>
+            <a:off x="6229779" y="4375496"/>
+            <a:ext cx="2583133" cy="1934931"/>
+          </a:xfrm>
+          <a:prstGeom prst="rect">
+            <a:avLst/>
+          </a:prstGeom>
+        </p:spPr>
+      </p:pic>
+      <p:pic>
+        <p:nvPicPr>
+          <p:cNvPr id="7" name="Picture 6"/>
+          <p:cNvPicPr>
+            <a:picLocks noChangeAspect="1"/>
+          </p:cNvPicPr>
+          <p:nvPr/>
+        </p:nvPicPr>
+        <p:blipFill>
+          <a:blip r:embed="rId5"/>
+          <a:stretch>
+            <a:fillRect/>
+          </a:stretch>
+        </p:blipFill>
+        <p:spPr>
+          <a:xfrm>
+            <a:off x="144440" y="4513537"/>
+            <a:ext cx="2726898" cy="2042620"/>
+          </a:xfrm>
+          <a:prstGeom prst="rect">
+            <a:avLst/>
+          </a:prstGeom>
+        </p:spPr>
+      </p:pic>
+      <p:pic>
+        <p:nvPicPr>
+          <p:cNvPr id="8" name="Picture 7"/>
+          <p:cNvPicPr>
+            <a:picLocks noChangeAspect="1"/>
+          </p:cNvPicPr>
+          <p:nvPr/>
+        </p:nvPicPr>
+        <p:blipFill>
+          <a:blip r:embed="rId6"/>
+          <a:stretch>
+            <a:fillRect/>
+          </a:stretch>
+        </p:blipFill>
+        <p:spPr>
+          <a:xfrm>
+            <a:off x="162642" y="1835496"/>
+            <a:ext cx="3390900" cy="2540000"/>
+          </a:xfrm>
+          <a:prstGeom prst="rect">
+            <a:avLst/>
+          </a:prstGeom>
+        </p:spPr>
+      </p:pic>
       <p:sp>
         <p:nvSpPr>
           <p:cNvPr id="4" name="Footer Placeholder 3"/>
@@ -12485,7 +12435,7 @@
       </p:sp>
       <p:sp>
         <p:nvSpPr>
-          <p:cNvPr id="5" name="Slide Number Placeholder 4"/>
+          <p:cNvPr id="10" name="Slide Number Placeholder 9"/>
           <p:cNvSpPr>
             <a:spLocks noGrp="1"/>
           </p:cNvSpPr>
@@ -12510,7 +12460,7 @@
     </p:spTree>
     <p:extLst>
       <p:ext uri="{BB962C8B-B14F-4D97-AF65-F5344CB8AC3E}">
-        <p14:creationId xmlns:p14="http://schemas.microsoft.com/office/powerpoint/2010/main" xmlns="" val="376185666"/>
+        <p14:creationId xmlns:p14="http://schemas.microsoft.com/office/powerpoint/2010/main" xmlns="" val="3527473027"/>
       </p:ext>
     </p:extLst>
   </p:cSld>
@@ -12561,7 +12511,7 @@
           <a:p>
             <a:r>
               <a:rPr lang="en-US" dirty="0" smtClean="0"/>
-              <a:t>Ratings Matrix : Users / Movies</a:t>
+              <a:t>Recommendations From Netflix (With Profiles)</a:t>
             </a:r>
             <a:endParaRPr lang="en-US" dirty="0"/>
           </a:p>
@@ -12569,7 +12519,7 @@
       </p:sp>
       <p:pic>
         <p:nvPicPr>
-          <p:cNvPr id="4" name="Content Placeholder 3" descr="Screen Shot 2014-06-17 at 11.20.02 PM.png"/>
+          <p:cNvPr id="4" name="Content Placeholder 3" descr="Screen Shot 2014-06-17 at 11.14.01 PM.png"/>
           <p:cNvPicPr>
             <a:picLocks noGrp="1" noChangeAspect="1"/>
           </p:cNvPicPr>
@@ -12585,7 +12535,7 @@
               </a:ext>
             </a:extLst>
           </a:blip>
-          <a:srcRect t="-13879" b="-13879"/>
+          <a:srcRect t="-736" b="-736"/>
           <a:stretch>
             <a:fillRect/>
           </a:stretch>
@@ -12642,7 +12592,7 @@
     </p:spTree>
     <p:extLst>
       <p:ext uri="{BB962C8B-B14F-4D97-AF65-F5344CB8AC3E}">
-        <p14:creationId xmlns:p14="http://schemas.microsoft.com/office/powerpoint/2010/main" xmlns="" val="3658327973"/>
+        <p14:creationId xmlns:p14="http://schemas.microsoft.com/office/powerpoint/2010/main" xmlns="" val="3992340815"/>
       </p:ext>
     </p:extLst>
   </p:cSld>
@@ -12693,40 +12643,81 @@
           <a:p>
             <a:r>
               <a:rPr lang="en-US" dirty="0" smtClean="0"/>
-              <a:t>Item Ratings Matrix</a:t>
+              <a:t>Recommendations</a:t>
             </a:r>
             <a:endParaRPr lang="en-US" dirty="0"/>
           </a:p>
         </p:txBody>
       </p:sp>
-      <p:pic>
-        <p:nvPicPr>
-          <p:cNvPr id="4" name="Content Placeholder 3" descr="Screen Shot 2014-06-17 at 11.29.51 PM.png"/>
-          <p:cNvPicPr>
-            <a:picLocks noGrp="1" noChangeAspect="1"/>
-          </p:cNvPicPr>
+      <p:sp>
+        <p:nvSpPr>
+          <p:cNvPr id="3" name="Content Placeholder 2"/>
+          <p:cNvSpPr>
+            <a:spLocks noGrp="1"/>
+          </p:cNvSpPr>
           <p:nvPr>
             <p:ph idx="1"/>
           </p:nvPr>
-        </p:nvPicPr>
-        <p:blipFill>
-          <a:blip r:embed="rId2">
-            <a:extLst>
-              <a:ext uri="{28A0092B-C50C-407E-A947-70E740481C1C}">
-                <a14:useLocalDpi xmlns:a14="http://schemas.microsoft.com/office/drawing/2010/main" xmlns="" val="0"/>
-              </a:ext>
-            </a:extLst>
-          </a:blip>
-          <a:srcRect l="-14843" r="-14843"/>
-          <a:stretch>
-            <a:fillRect/>
-          </a:stretch>
-        </p:blipFill>
-        <p:spPr/>
-      </p:pic>
-      <p:sp>
-        <p:nvSpPr>
-          <p:cNvPr id="3" name="Footer Placeholder 2"/>
+        </p:nvSpPr>
+        <p:spPr/>
+        <p:txBody>
+          <a:bodyPr>
+            <a:normAutofit/>
+          </a:bodyPr>
+          <a:lstStyle/>
+          <a:p>
+            <a:r>
+              <a:rPr lang="en-US" dirty="0" smtClean="0"/>
+              <a:t>Recommendations are a straightforward application of the Collaborative Filtering algorithm.</a:t>
+            </a:r>
+          </a:p>
+          <a:p>
+            <a:pPr lvl="1"/>
+            <a:r>
+              <a:rPr lang="en-US" dirty="0" smtClean="0"/>
+              <a:t>Collaborative filtering relates set A to set B.</a:t>
+            </a:r>
+          </a:p>
+          <a:p>
+            <a:pPr lvl="1"/>
+            <a:r>
+              <a:rPr lang="en-US" dirty="0" smtClean="0"/>
+              <a:t>Variables in set A are given a similarity metric based on expressed relations with set B.</a:t>
+            </a:r>
+          </a:p>
+          <a:p>
+            <a:pPr lvl="1"/>
+            <a:r>
+              <a:rPr lang="en-US" dirty="0" smtClean="0"/>
+              <a:t>We can then make guess that relations between individual members of set A can be predicted by those similar.</a:t>
+            </a:r>
+          </a:p>
+          <a:p>
+            <a:r>
+              <a:rPr lang="en-US" dirty="0" smtClean="0"/>
+              <a:t>Recommendations</a:t>
+            </a:r>
+          </a:p>
+          <a:p>
+            <a:pPr lvl="1"/>
+            <a:r>
+              <a:rPr lang="en-US" dirty="0" smtClean="0"/>
+              <a:t>Let’s call set A: users and set B: items (as this is the most obvious application of CF.</a:t>
+            </a:r>
+            <a:endParaRPr lang="en-US" dirty="0"/>
+          </a:p>
+          <a:p>
+            <a:pPr lvl="1"/>
+            <a:r>
+              <a:rPr lang="en-US" dirty="0" smtClean="0"/>
+              <a:t>We recommend items to users based on users’ expressed preferences.</a:t>
+            </a:r>
+          </a:p>
+        </p:txBody>
+      </p:sp>
+      <p:sp>
+        <p:nvSpPr>
+          <p:cNvPr id="4" name="Footer Placeholder 3"/>
           <p:cNvSpPr>
             <a:spLocks noGrp="1"/>
           </p:cNvSpPr>
@@ -12740,10 +12731,10 @@
           <a:lstStyle/>
           <a:p>
             <a:r>
-              <a:rPr lang="en-US" dirty="0" smtClean="0"/>
+              <a:rPr lang="en-US" smtClean="0"/>
               <a:t>(c) ElephantScale.com 2014</a:t>
             </a:r>
-            <a:endParaRPr lang="en-US" dirty="0"/>
+            <a:endParaRPr lang="en-US"/>
           </a:p>
         </p:txBody>
       </p:sp>
@@ -12767,14 +12758,14 @@
               <a:pPr/>
               <a:t>24</a:t>
             </a:fld>
-            <a:endParaRPr lang="en-US" dirty="0"/>
+            <a:endParaRPr lang="en-US"/>
           </a:p>
         </p:txBody>
       </p:sp>
     </p:spTree>
     <p:extLst>
       <p:ext uri="{BB962C8B-B14F-4D97-AF65-F5344CB8AC3E}">
-        <p14:creationId xmlns:p14="http://schemas.microsoft.com/office/powerpoint/2010/main" xmlns="" val="2784375879"/>
+        <p14:creationId xmlns:p14="http://schemas.microsoft.com/office/powerpoint/2010/main" xmlns="" val="2174042868"/>
       </p:ext>
     </p:extLst>
   </p:cSld>
@@ -12824,16 +12815,8 @@
           <a:lstStyle/>
           <a:p>
             <a:r>
-              <a:rPr lang="en-US" dirty="0" err="1" smtClean="0"/>
-              <a:t>MLLib</a:t>
-            </a:r>
-            <a:r>
-              <a:rPr lang="en-US" dirty="0" smtClean="0"/>
-              <a:t> </a:t>
-            </a:r>
-            <a:r>
-              <a:rPr lang="en-US" dirty="0" smtClean="0"/>
-              <a:t>&amp; Recommendations</a:t>
+              <a:rPr lang="en-US" dirty="0" smtClean="0"/>
+              <a:t>Collaborative Filtering</a:t>
             </a:r>
             <a:endParaRPr lang="en-US" dirty="0"/>
           </a:p>
@@ -12856,175 +12839,31 @@
           <a:p>
             <a:r>
               <a:rPr lang="en-US" dirty="0" smtClean="0"/>
-              <a:t>Uses the Recommendations.ALS</a:t>
-            </a:r>
-          </a:p>
-          <a:p>
-            <a:r>
-              <a:rPr lang="en-US" dirty="0" smtClean="0"/>
-              <a:t>ALS = Alternating Least Squares algorithm</a:t>
-            </a:r>
-          </a:p>
-          <a:p>
-            <a:r>
-              <a:rPr lang="en-US" dirty="0" smtClean="0"/>
-              <a:t>Train Model using number of iterations and rank.</a:t>
-            </a:r>
-          </a:p>
-          <a:p>
-            <a:r>
-              <a:rPr lang="en-US" dirty="0" smtClean="0"/>
-              <a:t>Class “Rating”, contains a </a:t>
-            </a:r>
-            <a:r>
-              <a:rPr lang="en-US" dirty="0" err="1" smtClean="0"/>
-              <a:t>UserId</a:t>
-            </a:r>
-            <a:r>
-              <a:rPr lang="en-US" dirty="0" smtClean="0"/>
-              <a:t>, </a:t>
-            </a:r>
-            <a:r>
-              <a:rPr lang="en-US" dirty="0" err="1" smtClean="0"/>
-              <a:t>ItemId</a:t>
-            </a:r>
-            <a:r>
-              <a:rPr lang="en-US" dirty="0" smtClean="0"/>
-              <a:t>, and numeric rating (i.e. 0-5).  </a:t>
-            </a:r>
+              <a:t>Collaborative Filtering (CF) is commonly used in Recommendations “Recommended For You” or “More Like This” functionality</a:t>
+            </a:r>
+          </a:p>
+          <a:p>
+            <a:r>
+              <a:rPr lang="en-US" dirty="0" smtClean="0"/>
+              <a:t>Recommendations can be explicit (based on user ratings), or implicit (based on user interest)</a:t>
+            </a:r>
+          </a:p>
+          <a:p>
+            <a:r>
+              <a:rPr lang="en-US" dirty="0" smtClean="0"/>
+              <a:t>CF usually involves concepts of Users and Items, with users expressing some preference for items.  However, it need NOT actually be users and items; it could be any kind of association in which between one set of data and another.</a:t>
+            </a:r>
+          </a:p>
+          <a:p>
+            <a:r>
+              <a:rPr lang="en-US" dirty="0" smtClean="0"/>
+              <a:t>Users and Items could be the same (example: dating site)</a:t>
+            </a:r>
+          </a:p>
+          <a:p>
             <a:endParaRPr lang="en-US" dirty="0" smtClean="0"/>
           </a:p>
           <a:p>
-            <a:pPr lvl="1"/>
-            <a:r>
-              <a:rPr lang="en-US" b="1" dirty="0" err="1" smtClean="0"/>
-              <a:t>val</a:t>
-            </a:r>
-            <a:r>
-              <a:rPr lang="en-US" dirty="0" smtClean="0"/>
-              <a:t> ratings </a:t>
-            </a:r>
-            <a:r>
-              <a:rPr lang="en-US" b="1" dirty="0" smtClean="0"/>
-              <a:t>=</a:t>
-            </a:r>
-            <a:r>
-              <a:rPr lang="en-US" dirty="0" smtClean="0"/>
-              <a:t> data.map(</a:t>
-            </a:r>
-            <a:r>
-              <a:rPr lang="en-US" b="1" dirty="0" smtClean="0"/>
-              <a:t>_</a:t>
-            </a:r>
-            <a:r>
-              <a:rPr lang="en-US" dirty="0" smtClean="0"/>
-              <a:t>.split(',') </a:t>
-            </a:r>
-            <a:r>
-              <a:rPr lang="en-US" b="1" dirty="0" smtClean="0"/>
-              <a:t>match</a:t>
-            </a:r>
-            <a:r>
-              <a:rPr lang="en-US" dirty="0" smtClean="0"/>
-              <a:t> { </a:t>
-            </a:r>
-            <a:r>
-              <a:rPr lang="en-US" b="1" dirty="0" smtClean="0"/>
-              <a:t>case</a:t>
-            </a:r>
-            <a:r>
-              <a:rPr lang="en-US" dirty="0" smtClean="0"/>
-              <a:t> </a:t>
-            </a:r>
-            <a:r>
-              <a:rPr lang="en-US" b="1" dirty="0" smtClean="0"/>
-              <a:t>Array</a:t>
-            </a:r>
-            <a:r>
-              <a:rPr lang="en-US" dirty="0" smtClean="0"/>
-              <a:t>(user, item, rate) </a:t>
-            </a:r>
-            <a:r>
-              <a:rPr lang="en-US" b="1" dirty="0" smtClean="0"/>
-              <a:t>=&gt;</a:t>
-            </a:r>
-            <a:r>
-              <a:rPr lang="en-US" dirty="0" smtClean="0"/>
-              <a:t> </a:t>
-            </a:r>
-            <a:r>
-              <a:rPr lang="en-US" b="1" dirty="0" smtClean="0"/>
-              <a:t>Rating</a:t>
-            </a:r>
-            <a:r>
-              <a:rPr lang="en-US" dirty="0" smtClean="0"/>
-              <a:t>(</a:t>
-            </a:r>
-            <a:r>
-              <a:rPr lang="en-US" dirty="0" err="1" smtClean="0"/>
-              <a:t>user.toInt</a:t>
-            </a:r>
-            <a:r>
-              <a:rPr lang="en-US" dirty="0" smtClean="0"/>
-              <a:t>, </a:t>
-            </a:r>
-            <a:r>
-              <a:rPr lang="en-US" dirty="0" err="1" smtClean="0"/>
-              <a:t>item.toInt</a:t>
-            </a:r>
-            <a:r>
-              <a:rPr lang="en-US" dirty="0" smtClean="0"/>
-              <a:t>, </a:t>
-            </a:r>
-            <a:r>
-              <a:rPr lang="en-US" dirty="0" err="1" smtClean="0"/>
-              <a:t>rate.toDouble</a:t>
-            </a:r>
-            <a:r>
-              <a:rPr lang="en-US" dirty="0" smtClean="0"/>
-              <a:t>) })</a:t>
-            </a:r>
-            <a:endParaRPr lang="en-US" dirty="0" smtClean="0"/>
-          </a:p>
-          <a:p>
-            <a:r>
-              <a:rPr lang="en-US" dirty="0" smtClean="0"/>
-              <a:t>Train model using training data:</a:t>
-            </a:r>
-          </a:p>
-          <a:p>
-            <a:pPr lvl="1"/>
-            <a:r>
-              <a:rPr lang="sv-SE" b="1" dirty="0" smtClean="0"/>
-              <a:t>val</a:t>
-            </a:r>
-            <a:r>
-              <a:rPr lang="sv-SE" dirty="0" smtClean="0"/>
-              <a:t> model </a:t>
-            </a:r>
-            <a:r>
-              <a:rPr lang="sv-SE" b="1" dirty="0" smtClean="0"/>
-              <a:t>=</a:t>
-            </a:r>
-            <a:r>
-              <a:rPr lang="sv-SE" dirty="0" smtClean="0"/>
-              <a:t> </a:t>
-            </a:r>
-            <a:r>
-              <a:rPr lang="sv-SE" b="1" dirty="0" smtClean="0"/>
-              <a:t>ALS</a:t>
-            </a:r>
-            <a:r>
-              <a:rPr lang="sv-SE" dirty="0" smtClean="0"/>
-              <a:t>.train(ratings, rank, numIterations, 0.01</a:t>
-            </a:r>
-            <a:r>
-              <a:rPr lang="sv-SE" dirty="0" smtClean="0"/>
-              <a:t>)</a:t>
-            </a:r>
-          </a:p>
-          <a:p>
-            <a:pPr lvl="1"/>
             <a:endParaRPr lang="en-US" dirty="0"/>
           </a:p>
         </p:txBody>
@@ -13079,7 +12918,7 @@
     </p:spTree>
     <p:extLst>
       <p:ext uri="{BB962C8B-B14F-4D97-AF65-F5344CB8AC3E}">
-        <p14:creationId xmlns:p14="http://schemas.microsoft.com/office/powerpoint/2010/main" xmlns="" val="1251454248"/>
+        <p14:creationId xmlns:p14="http://schemas.microsoft.com/office/powerpoint/2010/main" xmlns="" val="376185666"/>
       </p:ext>
     </p:extLst>
   </p:cSld>
@@ -13130,67 +12969,40 @@
           <a:p>
             <a:r>
               <a:rPr lang="en-US" dirty="0" smtClean="0"/>
-              <a:t>Recommendations Lab</a:t>
+              <a:t>Ratings Matrix : Users / Movies</a:t>
             </a:r>
             <a:endParaRPr lang="en-US" dirty="0"/>
           </a:p>
         </p:txBody>
       </p:sp>
-      <p:sp>
-        <p:nvSpPr>
-          <p:cNvPr id="3" name="Content Placeholder 2"/>
-          <p:cNvSpPr>
-            <a:spLocks noGrp="1"/>
-          </p:cNvSpPr>
+      <p:pic>
+        <p:nvPicPr>
+          <p:cNvPr id="4" name="Content Placeholder 3" descr="Screen Shot 2014-06-17 at 11.20.02 PM.png"/>
+          <p:cNvPicPr>
+            <a:picLocks noGrp="1" noChangeAspect="1"/>
+          </p:cNvPicPr>
           <p:nvPr>
             <p:ph idx="1"/>
           </p:nvPr>
-        </p:nvSpPr>
-        <p:spPr/>
-        <p:txBody>
-          <a:bodyPr/>
-          <a:lstStyle/>
-          <a:p>
-            <a:r>
-              <a:rPr lang="en-US" dirty="0" smtClean="0"/>
-              <a:t>We will use dat</a:t>
-            </a:r>
-            <a:r>
-              <a:rPr lang="en-US" dirty="0" smtClean="0"/>
-              <a:t>a from a Czech dating website: </a:t>
-            </a:r>
-            <a:r>
-              <a:rPr lang="en-US" dirty="0" err="1" smtClean="0"/>
-              <a:t>libimseti</a:t>
-            </a:r>
-            <a:endParaRPr lang="en-US" dirty="0" smtClean="0"/>
-          </a:p>
-          <a:p>
-            <a:r>
-              <a:rPr lang="en-US" dirty="0" smtClean="0"/>
-              <a:t>location   </a:t>
-            </a:r>
-            <a:r>
-              <a:rPr lang="en-US" dirty="0" smtClean="0"/>
-              <a:t>: 3-2-recommendations</a:t>
-            </a:r>
-          </a:p>
-          <a:p>
-            <a:r>
-              <a:rPr lang="en-US" dirty="0" smtClean="0"/>
-              <a:t>Try out the solution </a:t>
-            </a:r>
-            <a:r>
-              <a:rPr lang="en-US" dirty="0" smtClean="0"/>
-              <a:t>line-by-line</a:t>
-            </a:r>
-            <a:endParaRPr lang="en-US" dirty="0" smtClean="0"/>
-          </a:p>
-        </p:txBody>
-      </p:sp>
-      <p:sp>
-        <p:nvSpPr>
-          <p:cNvPr id="4" name="Footer Placeholder 3"/>
+        </p:nvPicPr>
+        <p:blipFill>
+          <a:blip r:embed="rId2">
+            <a:extLst>
+              <a:ext uri="{28A0092B-C50C-407E-A947-70E740481C1C}">
+                <a14:useLocalDpi xmlns:a14="http://schemas.microsoft.com/office/drawing/2010/main" xmlns="" val="0"/>
+              </a:ext>
+            </a:extLst>
+          </a:blip>
+          <a:srcRect t="-13879" b="-13879"/>
+          <a:stretch>
+            <a:fillRect/>
+          </a:stretch>
+        </p:blipFill>
+        <p:spPr/>
+      </p:pic>
+      <p:sp>
+        <p:nvSpPr>
+          <p:cNvPr id="3" name="Footer Placeholder 2"/>
           <p:cNvSpPr>
             <a:spLocks noGrp="1"/>
           </p:cNvSpPr>
@@ -13238,7 +13050,7 @@
     </p:spTree>
     <p:extLst>
       <p:ext uri="{BB962C8B-B14F-4D97-AF65-F5344CB8AC3E}">
-        <p14:creationId xmlns:p14="http://schemas.microsoft.com/office/powerpoint/2010/main" xmlns="" val="3599210062"/>
+        <p14:creationId xmlns:p14="http://schemas.microsoft.com/office/powerpoint/2010/main" xmlns="" val="3658327973"/>
       </p:ext>
     </p:extLst>
   </p:cSld>
@@ -13289,7 +13101,7 @@
           <a:p>
             <a:r>
               <a:rPr lang="en-US" dirty="0" smtClean="0"/>
-              <a:t>ROC Curve</a:t>
+              <a:t>Item Ratings Matrix</a:t>
             </a:r>
             <a:endParaRPr lang="en-US" dirty="0"/>
           </a:p>
@@ -13297,7 +13109,7 @@
       </p:sp>
       <p:pic>
         <p:nvPicPr>
-          <p:cNvPr id="6" name="Content Placeholder 5" descr="ROC_space.png"/>
+          <p:cNvPr id="4" name="Content Placeholder 3" descr="Screen Shot 2014-06-17 at 11.29.51 PM.png"/>
           <p:cNvPicPr>
             <a:picLocks noGrp="1" noChangeAspect="1"/>
           </p:cNvPicPr>
@@ -13313,7 +13125,7 @@
               </a:ext>
             </a:extLst>
           </a:blip>
-          <a:srcRect l="-43632" r="-43632"/>
+          <a:srcRect l="-14843" r="-14843"/>
           <a:stretch>
             <a:fillRect/>
           </a:stretch>
@@ -13322,7 +13134,7 @@
       </p:pic>
       <p:sp>
         <p:nvSpPr>
-          <p:cNvPr id="4" name="Footer Placeholder 3"/>
+          <p:cNvPr id="3" name="Footer Placeholder 2"/>
           <p:cNvSpPr>
             <a:spLocks noGrp="1"/>
           </p:cNvSpPr>
@@ -13336,10 +13148,10 @@
           <a:lstStyle/>
           <a:p>
             <a:r>
-              <a:rPr lang="en-US" smtClean="0"/>
+              <a:rPr lang="en-US" dirty="0" smtClean="0"/>
               <a:t>(c) ElephantScale.com 2014</a:t>
             </a:r>
-            <a:endParaRPr lang="en-US"/>
+            <a:endParaRPr lang="en-US" dirty="0"/>
           </a:p>
         </p:txBody>
       </p:sp>
@@ -13363,83 +13175,14 @@
               <a:pPr/>
               <a:t>27</a:t>
             </a:fld>
-            <a:endParaRPr lang="en-US"/>
-          </a:p>
-        </p:txBody>
-      </p:sp>
-      <p:sp>
-        <p:nvSpPr>
-          <p:cNvPr id="7" name="TextBox 6"/>
-          <p:cNvSpPr txBox="1"/>
-          <p:nvPr/>
-        </p:nvSpPr>
-        <p:spPr>
-          <a:xfrm>
-            <a:off x="2647643" y="6402948"/>
-            <a:ext cx="5658157" cy="307777"/>
-          </a:xfrm>
-          <a:prstGeom prst="rect">
-            <a:avLst/>
-          </a:prstGeom>
-          <a:noFill/>
-        </p:spPr>
-        <p:txBody>
-          <a:bodyPr wrap="none" rtlCol="0">
-            <a:spAutoFit/>
-          </a:bodyPr>
-          <a:lstStyle/>
-          <a:p>
-            <a:r>
-              <a:rPr lang="en-US" sz="1400" dirty="0">
-                <a:solidFill>
-                  <a:schemeClr val="bg1">
-                    <a:lumMod val="65000"/>
-                  </a:schemeClr>
-                </a:solidFill>
-              </a:rPr>
-              <a:t>Source : http://</a:t>
-            </a:r>
-            <a:r>
-              <a:rPr lang="en-US" sz="1400" dirty="0" err="1">
-                <a:solidFill>
-                  <a:schemeClr val="bg1">
-                    <a:lumMod val="65000"/>
-                  </a:schemeClr>
-                </a:solidFill>
-              </a:rPr>
-              <a:t>commons.wikimedia.org</a:t>
-            </a:r>
-            <a:r>
-              <a:rPr lang="en-US" sz="1400" dirty="0">
-                <a:solidFill>
-                  <a:schemeClr val="bg1">
-                    <a:lumMod val="65000"/>
-                  </a:schemeClr>
-                </a:solidFill>
-              </a:rPr>
-              <a:t>/wiki/</a:t>
-            </a:r>
-            <a:r>
-              <a:rPr lang="en-US" sz="1400" dirty="0" err="1">
-                <a:solidFill>
-                  <a:schemeClr val="bg1">
-                    <a:lumMod val="65000"/>
-                  </a:schemeClr>
-                </a:solidFill>
-              </a:rPr>
-              <a:t>File:ROC_space.png</a:t>
-            </a:r>
-            <a:r>
-              <a:rPr lang="en-US" sz="1400" dirty="0"/>
-              <a:t> </a:t>
-            </a:r>
+            <a:endParaRPr lang="en-US" dirty="0"/>
           </a:p>
         </p:txBody>
       </p:sp>
     </p:spTree>
     <p:extLst>
       <p:ext uri="{BB962C8B-B14F-4D97-AF65-F5344CB8AC3E}">
-        <p14:creationId xmlns:p14="http://schemas.microsoft.com/office/powerpoint/2010/main" xmlns="" val="2886531117"/>
+        <p14:creationId xmlns:p14="http://schemas.microsoft.com/office/powerpoint/2010/main" xmlns="" val="2784375879"/>
       </p:ext>
     </p:extLst>
   </p:cSld>
@@ -13489,32 +13232,201 @@
           <a:lstStyle/>
           <a:p>
             <a:r>
-              <a:rPr lang="en-US" dirty="0" smtClean="0"/>
-              <a:t>Evaluating Recommendations</a:t>
+              <a:rPr lang="en-US" dirty="0" err="1" smtClean="0"/>
+              <a:t>MLLib</a:t>
+            </a:r>
+            <a:r>
+              <a:rPr lang="en-US" dirty="0" smtClean="0"/>
+              <a:t> &amp; Recommendations</a:t>
             </a:r>
             <a:endParaRPr lang="en-US" dirty="0"/>
           </a:p>
         </p:txBody>
       </p:sp>
-      <p:pic>
-        <p:nvPicPr>
-          <p:cNvPr id="6" name="Content Placeholder 5"/>
-          <p:cNvPicPr>
-            <a:picLocks noGrp="1" noChangeAspect="1"/>
-          </p:cNvPicPr>
+      <p:sp>
+        <p:nvSpPr>
+          <p:cNvPr id="3" name="Content Placeholder 2"/>
+          <p:cNvSpPr>
+            <a:spLocks noGrp="1"/>
+          </p:cNvSpPr>
           <p:nvPr>
             <p:ph idx="1"/>
           </p:nvPr>
-        </p:nvPicPr>
-        <p:blipFill>
-          <a:blip r:embed="rId2"/>
-          <a:srcRect t="23" b="23"/>
-          <a:stretch>
-            <a:fillRect/>
-          </a:stretch>
-        </p:blipFill>
-        <p:spPr/>
-      </p:pic>
+        </p:nvSpPr>
+        <p:spPr/>
+        <p:txBody>
+          <a:bodyPr/>
+          <a:lstStyle/>
+          <a:p>
+            <a:r>
+              <a:rPr lang="en-US" dirty="0" smtClean="0"/>
+              <a:t>Uses the Recommendations.ALS</a:t>
+            </a:r>
+          </a:p>
+          <a:p>
+            <a:r>
+              <a:rPr lang="en-US" dirty="0" smtClean="0"/>
+              <a:t>ALS = Alternating Least Squares algorithm</a:t>
+            </a:r>
+          </a:p>
+          <a:p>
+            <a:r>
+              <a:rPr lang="en-US" dirty="0" smtClean="0"/>
+              <a:t>Train Model using number of iterations and rank.</a:t>
+            </a:r>
+          </a:p>
+          <a:p>
+            <a:r>
+              <a:rPr lang="en-US" dirty="0" smtClean="0"/>
+              <a:t>Class “Rating”, contains a </a:t>
+            </a:r>
+            <a:r>
+              <a:rPr lang="en-US" dirty="0" err="1" smtClean="0"/>
+              <a:t>UserId</a:t>
+            </a:r>
+            <a:r>
+              <a:rPr lang="en-US" dirty="0" smtClean="0"/>
+              <a:t>, </a:t>
+            </a:r>
+            <a:r>
+              <a:rPr lang="en-US" dirty="0" err="1" smtClean="0"/>
+              <a:t>ItemId</a:t>
+            </a:r>
+            <a:r>
+              <a:rPr lang="en-US" dirty="0" smtClean="0"/>
+              <a:t>, and numeric rating (i.e. 0-5).  </a:t>
+            </a:r>
+          </a:p>
+          <a:p>
+            <a:pPr lvl="1"/>
+            <a:r>
+              <a:rPr lang="en-US" b="1" dirty="0" err="1" smtClean="0"/>
+              <a:t>val</a:t>
+            </a:r>
+            <a:r>
+              <a:rPr lang="en-US" dirty="0" smtClean="0"/>
+              <a:t> ratings </a:t>
+            </a:r>
+            <a:r>
+              <a:rPr lang="en-US" b="1" dirty="0" smtClean="0"/>
+              <a:t>=</a:t>
+            </a:r>
+            <a:r>
+              <a:rPr lang="en-US" dirty="0" smtClean="0"/>
+              <a:t> data.map(</a:t>
+            </a:r>
+            <a:r>
+              <a:rPr lang="en-US" b="1" dirty="0" smtClean="0"/>
+              <a:t>_</a:t>
+            </a:r>
+            <a:r>
+              <a:rPr lang="en-US" dirty="0" smtClean="0"/>
+              <a:t>.split(',') </a:t>
+            </a:r>
+            <a:r>
+              <a:rPr lang="en-US" b="1" dirty="0" smtClean="0"/>
+              <a:t>match</a:t>
+            </a:r>
+            <a:r>
+              <a:rPr lang="en-US" dirty="0" smtClean="0"/>
+              <a:t> { </a:t>
+            </a:r>
+            <a:r>
+              <a:rPr lang="en-US" b="1" dirty="0" smtClean="0"/>
+              <a:t>case</a:t>
+            </a:r>
+            <a:r>
+              <a:rPr lang="en-US" dirty="0" smtClean="0"/>
+              <a:t> </a:t>
+            </a:r>
+            <a:r>
+              <a:rPr lang="en-US" b="1" dirty="0" smtClean="0"/>
+              <a:t>Array</a:t>
+            </a:r>
+            <a:r>
+              <a:rPr lang="en-US" dirty="0" smtClean="0"/>
+              <a:t>(user, item, rate) </a:t>
+            </a:r>
+            <a:r>
+              <a:rPr lang="en-US" b="1" dirty="0" smtClean="0"/>
+              <a:t>=&gt;</a:t>
+            </a:r>
+            <a:r>
+              <a:rPr lang="en-US" dirty="0" smtClean="0"/>
+              <a:t> </a:t>
+            </a:r>
+            <a:r>
+              <a:rPr lang="en-US" b="1" dirty="0" smtClean="0"/>
+              <a:t>Rating</a:t>
+            </a:r>
+            <a:r>
+              <a:rPr lang="en-US" dirty="0" smtClean="0"/>
+              <a:t>(</a:t>
+            </a:r>
+            <a:r>
+              <a:rPr lang="en-US" dirty="0" err="1" smtClean="0"/>
+              <a:t>user.toInt</a:t>
+            </a:r>
+            <a:r>
+              <a:rPr lang="en-US" dirty="0" smtClean="0"/>
+              <a:t>, </a:t>
+            </a:r>
+            <a:r>
+              <a:rPr lang="en-US" dirty="0" err="1" smtClean="0"/>
+              <a:t>item.toInt</a:t>
+            </a:r>
+            <a:r>
+              <a:rPr lang="en-US" dirty="0" smtClean="0"/>
+              <a:t>, </a:t>
+            </a:r>
+            <a:r>
+              <a:rPr lang="en-US" dirty="0" err="1" smtClean="0"/>
+              <a:t>rate.toDouble</a:t>
+            </a:r>
+            <a:r>
+              <a:rPr lang="en-US" dirty="0" smtClean="0"/>
+              <a:t>) })</a:t>
+            </a:r>
+          </a:p>
+          <a:p>
+            <a:r>
+              <a:rPr lang="en-US" dirty="0" smtClean="0"/>
+              <a:t>Train model using training data:</a:t>
+            </a:r>
+          </a:p>
+          <a:p>
+            <a:pPr lvl="1"/>
+            <a:r>
+              <a:rPr lang="sv-SE" b="1" dirty="0" smtClean="0"/>
+              <a:t>val</a:t>
+            </a:r>
+            <a:r>
+              <a:rPr lang="sv-SE" dirty="0" smtClean="0"/>
+              <a:t> model </a:t>
+            </a:r>
+            <a:r>
+              <a:rPr lang="sv-SE" b="1" dirty="0" smtClean="0"/>
+              <a:t>=</a:t>
+            </a:r>
+            <a:r>
+              <a:rPr lang="sv-SE" dirty="0" smtClean="0"/>
+              <a:t> </a:t>
+            </a:r>
+            <a:r>
+              <a:rPr lang="sv-SE" b="1" dirty="0" smtClean="0"/>
+              <a:t>ALS</a:t>
+            </a:r>
+            <a:r>
+              <a:rPr lang="sv-SE" dirty="0" smtClean="0"/>
+              <a:t>.train(ratings, rank, numIterations, 0.01)</a:t>
+            </a:r>
+          </a:p>
+          <a:p>
+            <a:pPr lvl="1"/>
+            <a:endParaRPr lang="en-US" dirty="0"/>
+          </a:p>
+        </p:txBody>
+      </p:sp>
       <p:sp>
         <p:nvSpPr>
           <p:cNvPr id="4" name="Footer Placeholder 3"/>
@@ -13565,13 +13477,20 @@
     </p:spTree>
     <p:extLst>
       <p:ext uri="{BB962C8B-B14F-4D97-AF65-F5344CB8AC3E}">
-        <p14:creationId xmlns:p14="http://schemas.microsoft.com/office/powerpoint/2010/main" xmlns="" val="116143660"/>
+        <p14:creationId xmlns:p14="http://schemas.microsoft.com/office/powerpoint/2010/main" xmlns="" val="1251454248"/>
       </p:ext>
     </p:extLst>
   </p:cSld>
   <p:clrMapOvr>
     <a:masterClrMapping/>
   </p:clrMapOvr>
+  <p:timing>
+    <p:tnLst>
+      <p:par>
+        <p:cTn id="1" dur="indefinite" restart="never" nodeType="tmRoot"/>
+      </p:par>
+    </p:tnLst>
+  </p:timing>
 </p:sld>
 </file>
 
@@ -13609,31 +13528,37 @@
           <a:p>
             <a:r>
               <a:rPr lang="en-US" dirty="0" smtClean="0"/>
-              <a:t>Next : Classifications</a:t>
+              <a:t>ROC Curve</a:t>
             </a:r>
             <a:endParaRPr lang="en-US" dirty="0"/>
           </a:p>
         </p:txBody>
       </p:sp>
-      <p:sp>
-        <p:nvSpPr>
-          <p:cNvPr id="3" name="Content Placeholder 2"/>
-          <p:cNvSpPr>
-            <a:spLocks noGrp="1"/>
-          </p:cNvSpPr>
+      <p:pic>
+        <p:nvPicPr>
+          <p:cNvPr id="6" name="Content Placeholder 5" descr="ROC_space.png"/>
+          <p:cNvPicPr>
+            <a:picLocks noGrp="1" noChangeAspect="1"/>
+          </p:cNvPicPr>
           <p:nvPr>
             <p:ph idx="1"/>
           </p:nvPr>
-        </p:nvSpPr>
-        <p:spPr/>
-        <p:txBody>
-          <a:bodyPr/>
-          <a:lstStyle/>
-          <a:p>
-            <a:endParaRPr lang="en-US"/>
-          </a:p>
-        </p:txBody>
-      </p:sp>
+        </p:nvPicPr>
+        <p:blipFill>
+          <a:blip r:embed="rId2">
+            <a:extLst>
+              <a:ext uri="{28A0092B-C50C-407E-A947-70E740481C1C}">
+                <a14:useLocalDpi xmlns:a14="http://schemas.microsoft.com/office/drawing/2010/main" xmlns="" val="0"/>
+              </a:ext>
+            </a:extLst>
+          </a:blip>
+          <a:srcRect l="-43632" r="-43632"/>
+          <a:stretch>
+            <a:fillRect/>
+          </a:stretch>
+        </p:blipFill>
+        <p:spPr/>
+      </p:pic>
       <p:sp>
         <p:nvSpPr>
           <p:cNvPr id="4" name="Footer Placeholder 3"/>
@@ -13681,10 +13606,79 @@
           </a:p>
         </p:txBody>
       </p:sp>
+      <p:sp>
+        <p:nvSpPr>
+          <p:cNvPr id="7" name="TextBox 6"/>
+          <p:cNvSpPr txBox="1"/>
+          <p:nvPr/>
+        </p:nvSpPr>
+        <p:spPr>
+          <a:xfrm>
+            <a:off x="2647643" y="6402948"/>
+            <a:ext cx="5658157" cy="307777"/>
+          </a:xfrm>
+          <a:prstGeom prst="rect">
+            <a:avLst/>
+          </a:prstGeom>
+          <a:noFill/>
+        </p:spPr>
+        <p:txBody>
+          <a:bodyPr wrap="none" rtlCol="0">
+            <a:spAutoFit/>
+          </a:bodyPr>
+          <a:lstStyle/>
+          <a:p>
+            <a:r>
+              <a:rPr lang="en-US" sz="1400" dirty="0">
+                <a:solidFill>
+                  <a:schemeClr val="bg1">
+                    <a:lumMod val="65000"/>
+                  </a:schemeClr>
+                </a:solidFill>
+              </a:rPr>
+              <a:t>Source : http://</a:t>
+            </a:r>
+            <a:r>
+              <a:rPr lang="en-US" sz="1400" dirty="0" err="1">
+                <a:solidFill>
+                  <a:schemeClr val="bg1">
+                    <a:lumMod val="65000"/>
+                  </a:schemeClr>
+                </a:solidFill>
+              </a:rPr>
+              <a:t>commons.wikimedia.org</a:t>
+            </a:r>
+            <a:r>
+              <a:rPr lang="en-US" sz="1400" dirty="0">
+                <a:solidFill>
+                  <a:schemeClr val="bg1">
+                    <a:lumMod val="65000"/>
+                  </a:schemeClr>
+                </a:solidFill>
+              </a:rPr>
+              <a:t>/wiki/</a:t>
+            </a:r>
+            <a:r>
+              <a:rPr lang="en-US" sz="1400" dirty="0" err="1">
+                <a:solidFill>
+                  <a:schemeClr val="bg1">
+                    <a:lumMod val="65000"/>
+                  </a:schemeClr>
+                </a:solidFill>
+              </a:rPr>
+              <a:t>File:ROC_space.png</a:t>
+            </a:r>
+            <a:r>
+              <a:rPr lang="en-US" sz="1400" dirty="0"/>
+              <a:t> </a:t>
+            </a:r>
+          </a:p>
+        </p:txBody>
+      </p:sp>
     </p:spTree>
     <p:extLst>
       <p:ext uri="{BB962C8B-B14F-4D97-AF65-F5344CB8AC3E}">
-        <p14:creationId xmlns:p14="http://schemas.microsoft.com/office/powerpoint/2010/main" xmlns="" val="3435585138"/>
+        <p14:creationId xmlns:p14="http://schemas.microsoft.com/office/powerpoint/2010/main" xmlns="" val="2886531117"/>
       </p:ext>
     </p:extLst>
   </p:cSld>
@@ -13964,7 +13958,7 @@
           <a:p>
             <a:r>
               <a:rPr lang="en-US" dirty="0" smtClean="0"/>
-              <a:t>Classification Applications</a:t>
+              <a:t>Recommendations Lab</a:t>
             </a:r>
             <a:endParaRPr lang="en-US" dirty="0"/>
           </a:p>
@@ -13987,21 +13981,37 @@
           <a:p>
             <a:r>
               <a:rPr lang="en-US" dirty="0" smtClean="0"/>
-              <a:t>Email spam or not</a:t>
-            </a:r>
-          </a:p>
-          <a:p>
-            <a:r>
-              <a:rPr lang="en-US" dirty="0" smtClean="0"/>
-              <a:t>Is </a:t>
-            </a:r>
-            <a:r>
-              <a:rPr lang="en-US" dirty="0" smtClean="0"/>
-              <a:t>a cell a cancer cell or </a:t>
-            </a:r>
-            <a:r>
-              <a:rPr lang="en-US" dirty="0" smtClean="0"/>
-              <a:t>not</a:t>
+              <a:t>We will use data from a Czech dating website: </a:t>
+            </a:r>
+            <a:r>
+              <a:rPr lang="en-US" dirty="0" err="1" smtClean="0"/>
+              <a:t>libimseti</a:t>
+            </a:r>
+            <a:endParaRPr lang="en-US" dirty="0" smtClean="0"/>
+          </a:p>
+          <a:p>
+            <a:r>
+              <a:rPr lang="en-US" dirty="0" smtClean="0"/>
+              <a:t>location   : </a:t>
+            </a:r>
+            <a:r>
+              <a:rPr lang="en-US" dirty="0" err="1" smtClean="0"/>
+              <a:t>mllib</a:t>
+            </a:r>
+            <a:r>
+              <a:rPr lang="en-US" dirty="0" smtClean="0"/>
+              <a:t>/</a:t>
+            </a:r>
+            <a:r>
+              <a:rPr lang="en-US" dirty="0" err="1" smtClean="0"/>
+              <a:t>recs</a:t>
+            </a:r>
+            <a:endParaRPr lang="en-US" dirty="0" smtClean="0"/>
+          </a:p>
+          <a:p>
+            <a:r>
+              <a:rPr lang="en-US" dirty="0" smtClean="0"/>
+              <a:t>Try out the solution line-by-line</a:t>
             </a:r>
           </a:p>
         </p:txBody>
@@ -14048,6 +14058,267 @@
               <a:rPr lang="en-US" smtClean="0"/>
               <a:pPr/>
               <a:t>30</a:t>
+            </a:fld>
+            <a:endParaRPr lang="en-US"/>
+          </a:p>
+        </p:txBody>
+      </p:sp>
+    </p:spTree>
+    <p:extLst>
+      <p:ext uri="{BB962C8B-B14F-4D97-AF65-F5344CB8AC3E}">
+        <p14:creationId xmlns:p14="http://schemas.microsoft.com/office/powerpoint/2010/main" xmlns="" val="3599210062"/>
+      </p:ext>
+    </p:extLst>
+  </p:cSld>
+  <p:clrMapOvr>
+    <a:masterClrMapping/>
+  </p:clrMapOvr>
+  <p:timing>
+    <p:tnLst>
+      <p:par>
+        <p:cTn id="1" dur="indefinite" restart="never" nodeType="tmRoot"/>
+      </p:par>
+    </p:tnLst>
+  </p:timing>
+</p:sld>
+</file>
+
+<file path=ppt/slides/slide31.xml><?xml version="1.0" encoding="utf-8"?>
+<p:sld xmlns:a="http://schemas.openxmlformats.org/drawingml/2006/main" xmlns:r="http://schemas.openxmlformats.org/officeDocument/2006/relationships" xmlns:p="http://schemas.openxmlformats.org/presentationml/2006/main">
+  <p:cSld>
+    <p:spTree>
+      <p:nvGrpSpPr>
+        <p:cNvPr id="1" name=""/>
+        <p:cNvGrpSpPr/>
+        <p:nvPr/>
+      </p:nvGrpSpPr>
+      <p:grpSpPr>
+        <a:xfrm>
+          <a:off x="0" y="0"/>
+          <a:ext cx="0" cy="0"/>
+          <a:chOff x="0" y="0"/>
+          <a:chExt cx="0" cy="0"/>
+        </a:xfrm>
+      </p:grpSpPr>
+      <p:sp>
+        <p:nvSpPr>
+          <p:cNvPr id="2" name="Title 1"/>
+          <p:cNvSpPr>
+            <a:spLocks noGrp="1"/>
+          </p:cNvSpPr>
+          <p:nvPr>
+            <p:ph type="title"/>
+          </p:nvPr>
+        </p:nvSpPr>
+        <p:spPr/>
+        <p:txBody>
+          <a:bodyPr/>
+          <a:lstStyle/>
+          <a:p>
+            <a:r>
+              <a:rPr lang="en-US" dirty="0" smtClean="0"/>
+              <a:t>Next : Classifications</a:t>
+            </a:r>
+            <a:endParaRPr lang="en-US" dirty="0"/>
+          </a:p>
+        </p:txBody>
+      </p:sp>
+      <p:sp>
+        <p:nvSpPr>
+          <p:cNvPr id="3" name="Content Placeholder 2"/>
+          <p:cNvSpPr>
+            <a:spLocks noGrp="1"/>
+          </p:cNvSpPr>
+          <p:nvPr>
+            <p:ph idx="1"/>
+          </p:nvPr>
+        </p:nvSpPr>
+        <p:spPr/>
+        <p:txBody>
+          <a:bodyPr/>
+          <a:lstStyle/>
+          <a:p>
+            <a:endParaRPr lang="en-US"/>
+          </a:p>
+        </p:txBody>
+      </p:sp>
+      <p:sp>
+        <p:nvSpPr>
+          <p:cNvPr id="4" name="Footer Placeholder 3"/>
+          <p:cNvSpPr>
+            <a:spLocks noGrp="1"/>
+          </p:cNvSpPr>
+          <p:nvPr>
+            <p:ph type="ftr" sz="quarter" idx="11"/>
+          </p:nvPr>
+        </p:nvSpPr>
+        <p:spPr/>
+        <p:txBody>
+          <a:bodyPr/>
+          <a:lstStyle/>
+          <a:p>
+            <a:r>
+              <a:rPr lang="en-US" smtClean="0"/>
+              <a:t>(c) ElephantScale.com 2014</a:t>
+            </a:r>
+            <a:endParaRPr lang="en-US"/>
+          </a:p>
+        </p:txBody>
+      </p:sp>
+      <p:sp>
+        <p:nvSpPr>
+          <p:cNvPr id="5" name="Slide Number Placeholder 4"/>
+          <p:cNvSpPr>
+            <a:spLocks noGrp="1"/>
+          </p:cNvSpPr>
+          <p:nvPr>
+            <p:ph type="sldNum" sz="quarter" idx="12"/>
+          </p:nvPr>
+        </p:nvSpPr>
+        <p:spPr/>
+        <p:txBody>
+          <a:bodyPr/>
+          <a:lstStyle/>
+          <a:p>
+            <a:fld id="{4AD8DDEF-9CD1-B641-ADE5-2BEE59567BE6}" type="slidenum">
+              <a:rPr lang="en-US" smtClean="0"/>
+              <a:pPr/>
+              <a:t>31</a:t>
+            </a:fld>
+            <a:endParaRPr lang="en-US"/>
+          </a:p>
+        </p:txBody>
+      </p:sp>
+    </p:spTree>
+    <p:extLst>
+      <p:ext uri="{BB962C8B-B14F-4D97-AF65-F5344CB8AC3E}">
+        <p14:creationId xmlns:p14="http://schemas.microsoft.com/office/powerpoint/2010/main" xmlns="" val="3435585138"/>
+      </p:ext>
+    </p:extLst>
+  </p:cSld>
+  <p:clrMapOvr>
+    <a:masterClrMapping/>
+  </p:clrMapOvr>
+  <p:timing>
+    <p:tnLst>
+      <p:par>
+        <p:cTn id="1" dur="indefinite" restart="never" nodeType="tmRoot"/>
+      </p:par>
+    </p:tnLst>
+  </p:timing>
+</p:sld>
+</file>
+
+<file path=ppt/slides/slide32.xml><?xml version="1.0" encoding="utf-8"?>
+<p:sld xmlns:a="http://schemas.openxmlformats.org/drawingml/2006/main" xmlns:r="http://schemas.openxmlformats.org/officeDocument/2006/relationships" xmlns:p="http://schemas.openxmlformats.org/presentationml/2006/main">
+  <p:cSld>
+    <p:spTree>
+      <p:nvGrpSpPr>
+        <p:cNvPr id="1" name=""/>
+        <p:cNvGrpSpPr/>
+        <p:nvPr/>
+      </p:nvGrpSpPr>
+      <p:grpSpPr>
+        <a:xfrm>
+          <a:off x="0" y="0"/>
+          <a:ext cx="0" cy="0"/>
+          <a:chOff x="0" y="0"/>
+          <a:chExt cx="0" cy="0"/>
+        </a:xfrm>
+      </p:grpSpPr>
+      <p:sp>
+        <p:nvSpPr>
+          <p:cNvPr id="2" name="Title 1"/>
+          <p:cNvSpPr>
+            <a:spLocks noGrp="1"/>
+          </p:cNvSpPr>
+          <p:nvPr>
+            <p:ph type="title"/>
+          </p:nvPr>
+        </p:nvSpPr>
+        <p:spPr/>
+        <p:txBody>
+          <a:bodyPr/>
+          <a:lstStyle/>
+          <a:p>
+            <a:r>
+              <a:rPr lang="en-US" dirty="0" smtClean="0"/>
+              <a:t>Classification Applications</a:t>
+            </a:r>
+            <a:endParaRPr lang="en-US" dirty="0"/>
+          </a:p>
+        </p:txBody>
+      </p:sp>
+      <p:sp>
+        <p:nvSpPr>
+          <p:cNvPr id="3" name="Content Placeholder 2"/>
+          <p:cNvSpPr>
+            <a:spLocks noGrp="1"/>
+          </p:cNvSpPr>
+          <p:nvPr>
+            <p:ph idx="1"/>
+          </p:nvPr>
+        </p:nvSpPr>
+        <p:spPr/>
+        <p:txBody>
+          <a:bodyPr/>
+          <a:lstStyle/>
+          <a:p>
+            <a:r>
+              <a:rPr lang="en-US" dirty="0" smtClean="0"/>
+              <a:t>Email spam or not</a:t>
+            </a:r>
+          </a:p>
+          <a:p>
+            <a:r>
+              <a:rPr lang="en-US" dirty="0" smtClean="0"/>
+              <a:t>Is a cell a cancer cell or not</a:t>
+            </a:r>
+          </a:p>
+        </p:txBody>
+      </p:sp>
+      <p:sp>
+        <p:nvSpPr>
+          <p:cNvPr id="4" name="Footer Placeholder 3"/>
+          <p:cNvSpPr>
+            <a:spLocks noGrp="1"/>
+          </p:cNvSpPr>
+          <p:nvPr>
+            <p:ph type="ftr" sz="quarter" idx="11"/>
+          </p:nvPr>
+        </p:nvSpPr>
+        <p:spPr/>
+        <p:txBody>
+          <a:bodyPr/>
+          <a:lstStyle/>
+          <a:p>
+            <a:r>
+              <a:rPr lang="en-US" smtClean="0"/>
+              <a:t>(c) ElephantScale.com 2014</a:t>
+            </a:r>
+            <a:endParaRPr lang="en-US"/>
+          </a:p>
+        </p:txBody>
+      </p:sp>
+      <p:sp>
+        <p:nvSpPr>
+          <p:cNvPr id="5" name="Slide Number Placeholder 4"/>
+          <p:cNvSpPr>
+            <a:spLocks noGrp="1"/>
+          </p:cNvSpPr>
+          <p:nvPr>
+            <p:ph type="sldNum" sz="quarter" idx="12"/>
+          </p:nvPr>
+        </p:nvSpPr>
+        <p:spPr/>
+        <p:txBody>
+          <a:bodyPr/>
+          <a:lstStyle/>
+          <a:p>
+            <a:fld id="{4AD8DDEF-9CD1-B641-ADE5-2BEE59567BE6}" type="slidenum">
+              <a:rPr lang="en-US" smtClean="0"/>
+              <a:pPr/>
+              <a:t>32</a:t>
             </a:fld>
             <a:endParaRPr lang="en-US"/>
           </a:p>
@@ -14130,7 +14401,7 @@
 </p:sld>
 </file>
 
-<file path=ppt/slides/slide31.xml><?xml version="1.0" encoding="utf-8"?>
+<file path=ppt/slides/slide33.xml><?xml version="1.0" encoding="utf-8"?>
 <p:sld xmlns:a="http://schemas.openxmlformats.org/drawingml/2006/main" xmlns:r="http://schemas.openxmlformats.org/officeDocument/2006/relationships" xmlns:p="http://schemas.openxmlformats.org/presentationml/2006/main">
   <p:cSld>
     <p:spTree>
@@ -14195,7 +14466,6 @@
               <a:rPr lang="en-US" dirty="0" smtClean="0"/>
               <a:t>Same as regression – except categorical rather than numeric</a:t>
             </a:r>
-            <a:endParaRPr lang="en-US" dirty="0" smtClean="0"/>
           </a:p>
           <a:p>
             <a:r>
@@ -14252,7 +14522,7 @@
             <a:fld id="{4AD8DDEF-9CD1-B641-ADE5-2BEE59567BE6}" type="slidenum">
               <a:rPr lang="en-US" smtClean="0"/>
               <a:pPr/>
-              <a:t>31</a:t>
+              <a:t>33</a:t>
             </a:fld>
             <a:endParaRPr lang="en-US"/>
           </a:p>
@@ -14278,307 +14548,6 @@
 </p:sld>
 </file>
 
-<file path=ppt/slides/slide32.xml><?xml version="1.0" encoding="utf-8"?>
-<p:sld xmlns:a="http://schemas.openxmlformats.org/drawingml/2006/main" xmlns:r="http://schemas.openxmlformats.org/officeDocument/2006/relationships" xmlns:p="http://schemas.openxmlformats.org/presentationml/2006/main">
-  <p:cSld>
-    <p:spTree>
-      <p:nvGrpSpPr>
-        <p:cNvPr id="1" name=""/>
-        <p:cNvGrpSpPr/>
-        <p:nvPr/>
-      </p:nvGrpSpPr>
-      <p:grpSpPr>
-        <a:xfrm>
-          <a:off x="0" y="0"/>
-          <a:ext cx="0" cy="0"/>
-          <a:chOff x="0" y="0"/>
-          <a:chExt cx="0" cy="0"/>
-        </a:xfrm>
-      </p:grpSpPr>
-      <p:sp>
-        <p:nvSpPr>
-          <p:cNvPr id="2" name="Title 1"/>
-          <p:cNvSpPr>
-            <a:spLocks noGrp="1"/>
-          </p:cNvSpPr>
-          <p:nvPr>
-            <p:ph type="title"/>
-          </p:nvPr>
-        </p:nvSpPr>
-        <p:spPr/>
-        <p:txBody>
-          <a:bodyPr/>
-          <a:lstStyle/>
-          <a:p>
-            <a:r>
-              <a:rPr lang="en-US" dirty="0" smtClean="0"/>
-              <a:t>Review of Classification Algorithms</a:t>
-            </a:r>
-            <a:endParaRPr lang="en-US" dirty="0"/>
-          </a:p>
-        </p:txBody>
-      </p:sp>
-      <p:sp>
-        <p:nvSpPr>
-          <p:cNvPr id="3" name="Content Placeholder 2"/>
-          <p:cNvSpPr>
-            <a:spLocks noGrp="1"/>
-          </p:cNvSpPr>
-          <p:nvPr>
-            <p:ph idx="1"/>
-          </p:nvPr>
-        </p:nvSpPr>
-        <p:spPr/>
-        <p:txBody>
-          <a:bodyPr/>
-          <a:lstStyle/>
-          <a:p>
-            <a:pPr lvl="1"/>
-            <a:r>
-              <a:rPr lang="en-US" dirty="0" smtClean="0"/>
-              <a:t>Naïve </a:t>
-            </a:r>
-            <a:r>
-              <a:rPr lang="en-US" dirty="0" err="1" smtClean="0"/>
-              <a:t>Bayes</a:t>
-            </a:r>
-            <a:endParaRPr lang="en-US" dirty="0" smtClean="0"/>
-          </a:p>
-          <a:p>
-            <a:pPr lvl="1"/>
-            <a:r>
-              <a:rPr lang="en-US" dirty="0" smtClean="0"/>
-              <a:t>Support Vector Machines</a:t>
-            </a:r>
-          </a:p>
-          <a:p>
-            <a:pPr lvl="1"/>
-            <a:r>
-              <a:rPr lang="en-US" dirty="0" smtClean="0"/>
-              <a:t>Logistic Regression / </a:t>
-            </a:r>
-            <a:r>
-              <a:rPr lang="en-US" dirty="0" err="1" smtClean="0"/>
-              <a:t>MaxEntropy</a:t>
-            </a:r>
-            <a:endParaRPr lang="en-US" dirty="0" smtClean="0"/>
-          </a:p>
-          <a:p>
-            <a:pPr lvl="1"/>
-            <a:r>
-              <a:rPr lang="en-US" dirty="0" smtClean="0"/>
-              <a:t>Decision Trees</a:t>
-            </a:r>
-          </a:p>
-          <a:p>
-            <a:pPr lvl="2"/>
-            <a:r>
-              <a:rPr lang="en-US" dirty="0" smtClean="0"/>
-              <a:t>A basic decision tree is pretty simple. </a:t>
-            </a:r>
-          </a:p>
-          <a:p>
-            <a:pPr lvl="2"/>
-            <a:r>
-              <a:rPr lang="en-US" dirty="0" smtClean="0"/>
-              <a:t>It is a set of rules collect the rule</a:t>
-            </a:r>
-          </a:p>
-          <a:p>
-            <a:pPr lvl="2"/>
-            <a:r>
-              <a:rPr lang="en-US" dirty="0" smtClean="0"/>
-              <a:t>Decision tree learning is a means of inferring an appropriate decision tree from the data.</a:t>
-            </a:r>
-          </a:p>
-        </p:txBody>
-      </p:sp>
-      <p:sp>
-        <p:nvSpPr>
-          <p:cNvPr id="4" name="Footer Placeholder 3"/>
-          <p:cNvSpPr>
-            <a:spLocks noGrp="1"/>
-          </p:cNvSpPr>
-          <p:nvPr>
-            <p:ph type="ftr" sz="quarter" idx="11"/>
-          </p:nvPr>
-        </p:nvSpPr>
-        <p:spPr/>
-        <p:txBody>
-          <a:bodyPr/>
-          <a:lstStyle/>
-          <a:p>
-            <a:r>
-              <a:rPr lang="en-US" smtClean="0"/>
-              <a:t>(c) ElephantScale.com 2014</a:t>
-            </a:r>
-            <a:endParaRPr lang="en-US"/>
-          </a:p>
-        </p:txBody>
-      </p:sp>
-      <p:sp>
-        <p:nvSpPr>
-          <p:cNvPr id="5" name="Slide Number Placeholder 4"/>
-          <p:cNvSpPr>
-            <a:spLocks noGrp="1"/>
-          </p:cNvSpPr>
-          <p:nvPr>
-            <p:ph type="sldNum" sz="quarter" idx="12"/>
-          </p:nvPr>
-        </p:nvSpPr>
-        <p:spPr/>
-        <p:txBody>
-          <a:bodyPr/>
-          <a:lstStyle/>
-          <a:p>
-            <a:fld id="{4AD8DDEF-9CD1-B641-ADE5-2BEE59567BE6}" type="slidenum">
-              <a:rPr lang="en-US" smtClean="0"/>
-              <a:pPr/>
-              <a:t>32</a:t>
-            </a:fld>
-            <a:endParaRPr lang="en-US"/>
-          </a:p>
-        </p:txBody>
-      </p:sp>
-    </p:spTree>
-    <p:extLst>
-      <p:ext uri="{BB962C8B-B14F-4D97-AF65-F5344CB8AC3E}">
-        <p14:creationId xmlns:p14="http://schemas.microsoft.com/office/powerpoint/2010/main" xmlns="" val="1098878060"/>
-      </p:ext>
-    </p:extLst>
-  </p:cSld>
-  <p:clrMapOvr>
-    <a:masterClrMapping/>
-  </p:clrMapOvr>
-  <p:timing>
-    <p:tnLst>
-      <p:par>
-        <p:cTn id="1" dur="indefinite" restart="never" nodeType="tmRoot"/>
-      </p:par>
-    </p:tnLst>
-  </p:timing>
-</p:sld>
-</file>
-
-<file path=ppt/slides/slide33.xml><?xml version="1.0" encoding="utf-8"?>
-<p:sld xmlns:a="http://schemas.openxmlformats.org/drawingml/2006/main" xmlns:r="http://schemas.openxmlformats.org/officeDocument/2006/relationships" xmlns:p="http://schemas.openxmlformats.org/presentationml/2006/main">
-  <p:cSld>
-    <p:spTree>
-      <p:nvGrpSpPr>
-        <p:cNvPr id="1" name=""/>
-        <p:cNvGrpSpPr/>
-        <p:nvPr/>
-      </p:nvGrpSpPr>
-      <p:grpSpPr>
-        <a:xfrm>
-          <a:off x="0" y="0"/>
-          <a:ext cx="0" cy="0"/>
-          <a:chOff x="0" y="0"/>
-          <a:chExt cx="0" cy="0"/>
-        </a:xfrm>
-      </p:grpSpPr>
-      <p:sp>
-        <p:nvSpPr>
-          <p:cNvPr id="2" name="Title 1"/>
-          <p:cNvSpPr>
-            <a:spLocks noGrp="1"/>
-          </p:cNvSpPr>
-          <p:nvPr>
-            <p:ph type="title"/>
-          </p:nvPr>
-        </p:nvSpPr>
-        <p:spPr/>
-        <p:txBody>
-          <a:bodyPr/>
-          <a:lstStyle/>
-          <a:p>
-            <a:r>
-              <a:rPr lang="en-US" dirty="0" smtClean="0"/>
-              <a:t>Decision Tree</a:t>
-            </a:r>
-            <a:endParaRPr lang="en-US" dirty="0"/>
-          </a:p>
-        </p:txBody>
-      </p:sp>
-      <p:pic>
-        <p:nvPicPr>
-          <p:cNvPr id="6" name="Content Placeholder 5"/>
-          <p:cNvPicPr>
-            <a:picLocks noGrp="1" noChangeAspect="1"/>
-          </p:cNvPicPr>
-          <p:nvPr>
-            <p:ph idx="1"/>
-          </p:nvPr>
-        </p:nvPicPr>
-        <p:blipFill>
-          <a:blip r:embed="rId2"/>
-          <a:srcRect l="-46386" r="-46386"/>
-          <a:stretch>
-            <a:fillRect/>
-          </a:stretch>
-        </p:blipFill>
-        <p:spPr/>
-      </p:pic>
-      <p:sp>
-        <p:nvSpPr>
-          <p:cNvPr id="4" name="Footer Placeholder 3"/>
-          <p:cNvSpPr>
-            <a:spLocks noGrp="1"/>
-          </p:cNvSpPr>
-          <p:nvPr>
-            <p:ph type="ftr" sz="quarter" idx="11"/>
-          </p:nvPr>
-        </p:nvSpPr>
-        <p:spPr/>
-        <p:txBody>
-          <a:bodyPr/>
-          <a:lstStyle/>
-          <a:p>
-            <a:r>
-              <a:rPr lang="en-US" smtClean="0"/>
-              <a:t>(c) ElephantScale.com 2014</a:t>
-            </a:r>
-            <a:endParaRPr lang="en-US"/>
-          </a:p>
-        </p:txBody>
-      </p:sp>
-      <p:sp>
-        <p:nvSpPr>
-          <p:cNvPr id="5" name="Slide Number Placeholder 4"/>
-          <p:cNvSpPr>
-            <a:spLocks noGrp="1"/>
-          </p:cNvSpPr>
-          <p:nvPr>
-            <p:ph type="sldNum" sz="quarter" idx="12"/>
-          </p:nvPr>
-        </p:nvSpPr>
-        <p:spPr/>
-        <p:txBody>
-          <a:bodyPr/>
-          <a:lstStyle/>
-          <a:p>
-            <a:fld id="{4AD8DDEF-9CD1-B641-ADE5-2BEE59567BE6}" type="slidenum">
-              <a:rPr lang="en-US" smtClean="0"/>
-              <a:pPr/>
-              <a:t>33</a:t>
-            </a:fld>
-            <a:endParaRPr lang="en-US"/>
-          </a:p>
-        </p:txBody>
-      </p:sp>
-    </p:spTree>
-    <p:extLst>
-      <p:ext uri="{BB962C8B-B14F-4D97-AF65-F5344CB8AC3E}">
-        <p14:creationId xmlns:p14="http://schemas.microsoft.com/office/powerpoint/2010/main" xmlns="" val="2819361914"/>
-      </p:ext>
-    </p:extLst>
-  </p:cSld>
-  <p:clrMapOvr>
-    <a:masterClrMapping/>
-  </p:clrMapOvr>
-</p:sld>
-</file>
-
 <file path=ppt/slides/slide34.xml><?xml version="1.0" encoding="utf-8"?>
 <p:sld xmlns:a="http://schemas.openxmlformats.org/drawingml/2006/main" xmlns:r="http://schemas.openxmlformats.org/officeDocument/2006/relationships" xmlns:p="http://schemas.openxmlformats.org/presentationml/2006/main">
   <p:cSld>
@@ -14613,11 +14582,7 @@
           <a:p>
             <a:r>
               <a:rPr lang="en-US" dirty="0" smtClean="0"/>
-              <a:t>Classification Support in </a:t>
-            </a:r>
-            <a:r>
-              <a:rPr lang="en-US" dirty="0" err="1" smtClean="0"/>
-              <a:t>MLLib</a:t>
+              <a:t>Review of Classification Algorithms</a:t>
             </a:r>
             <a:endParaRPr lang="en-US" dirty="0"/>
           </a:p>
@@ -14639,45 +14604,6 @@
           <a:lstStyle/>
           <a:p>
             <a:pPr lvl="1"/>
-            <a:r>
-              <a:rPr lang="en-US" dirty="0" smtClean="0"/>
-              <a:t>The following algorithms are well-represented in </a:t>
-            </a:r>
-            <a:r>
-              <a:rPr lang="en-US" dirty="0" err="1" smtClean="0"/>
-              <a:t>MLLib</a:t>
-            </a:r>
-            <a:r>
-              <a:rPr lang="en-US" dirty="0" smtClean="0"/>
-              <a:t>:</a:t>
-            </a:r>
-            <a:endParaRPr lang="en-US" dirty="0" smtClean="0"/>
-          </a:p>
-          <a:p>
-            <a:pPr lvl="2"/>
-            <a:r>
-              <a:rPr lang="en-US" dirty="0" smtClean="0"/>
-              <a:t>Linear Methods: SVM, Logistic Regression</a:t>
-            </a:r>
-            <a:endParaRPr lang="en-US" dirty="0" smtClean="0"/>
-          </a:p>
-          <a:p>
-            <a:pPr lvl="2"/>
-            <a:r>
-              <a:rPr lang="en-US" dirty="0" smtClean="0"/>
-              <a:t>Decision Trees</a:t>
-            </a:r>
-            <a:endParaRPr lang="en-US" dirty="0" smtClean="0"/>
-          </a:p>
-          <a:p>
-            <a:pPr lvl="2"/>
-            <a:r>
-              <a:rPr lang="en-US" dirty="0" smtClean="0"/>
-              <a:t>Ensemble Decision Trees (Random Forests, Gradient Boosted Trees)</a:t>
-            </a:r>
-          </a:p>
-          <a:p>
-            <a:pPr lvl="2"/>
             <a:r>
               <a:rPr lang="en-US" dirty="0" smtClean="0"/>
               <a:t>Naïve </a:t>
@@ -14687,6 +14613,53 @@
               <a:t>Bayes</a:t>
             </a:r>
             <a:endParaRPr lang="en-US" dirty="0" smtClean="0"/>
+          </a:p>
+          <a:p>
+            <a:pPr lvl="1"/>
+            <a:r>
+              <a:rPr lang="en-US" dirty="0" smtClean="0"/>
+              <a:t>Support Vector Machines</a:t>
+            </a:r>
+          </a:p>
+          <a:p>
+            <a:pPr lvl="1"/>
+            <a:r>
+              <a:rPr lang="en-US" dirty="0" smtClean="0"/>
+              <a:t>Logistic Regression / </a:t>
+            </a:r>
+            <a:r>
+              <a:rPr lang="en-US" dirty="0" err="1" smtClean="0"/>
+              <a:t>MaxEntropy</a:t>
+            </a:r>
+            <a:endParaRPr lang="en-US" dirty="0" smtClean="0"/>
+          </a:p>
+          <a:p>
+            <a:pPr lvl="1"/>
+            <a:r>
+              <a:rPr lang="en-US" dirty="0" smtClean="0"/>
+              <a:t>Decision Trees</a:t>
+            </a:r>
+          </a:p>
+          <a:p>
+            <a:pPr lvl="2"/>
+            <a:r>
+              <a:rPr lang="en-US" dirty="0" smtClean="0"/>
+              <a:t>A basic decision tree is pretty simple. </a:t>
+            </a:r>
+          </a:p>
+          <a:p>
+            <a:pPr lvl="2"/>
+            <a:r>
+              <a:rPr lang="en-US" dirty="0" smtClean="0"/>
+              <a:t>It is a set of rules collect the rule</a:t>
+            </a:r>
+          </a:p>
+          <a:p>
+            <a:pPr lvl="2"/>
+            <a:r>
+              <a:rPr lang="en-US" dirty="0" smtClean="0"/>
+              <a:t>Decision tree learning is a means of inferring an appropriate decision tree from the data.</a:t>
+            </a:r>
           </a:p>
         </p:txBody>
       </p:sp>
@@ -14740,7 +14713,7 @@
     </p:spTree>
     <p:extLst>
       <p:ext uri="{BB962C8B-B14F-4D97-AF65-F5344CB8AC3E}">
-        <p14:creationId xmlns:p14="http://schemas.microsoft.com/office/powerpoint/2010/main" xmlns="" val="234258616"/>
+        <p14:creationId xmlns:p14="http://schemas.microsoft.com/office/powerpoint/2010/main" xmlns="" val="1098878060"/>
       </p:ext>
     </p:extLst>
   </p:cSld>
@@ -14791,6 +14764,454 @@
           <a:p>
             <a:r>
               <a:rPr lang="en-US" dirty="0" smtClean="0"/>
+              <a:t>Decision Tree</a:t>
+            </a:r>
+            <a:endParaRPr lang="en-US" dirty="0"/>
+          </a:p>
+        </p:txBody>
+      </p:sp>
+      <p:pic>
+        <p:nvPicPr>
+          <p:cNvPr id="6" name="Content Placeholder 5"/>
+          <p:cNvPicPr>
+            <a:picLocks noGrp="1" noChangeAspect="1"/>
+          </p:cNvPicPr>
+          <p:nvPr>
+            <p:ph idx="1"/>
+          </p:nvPr>
+        </p:nvPicPr>
+        <p:blipFill>
+          <a:blip r:embed="rId2"/>
+          <a:srcRect l="-46386" r="-46386"/>
+          <a:stretch>
+            <a:fillRect/>
+          </a:stretch>
+        </p:blipFill>
+        <p:spPr/>
+      </p:pic>
+      <p:sp>
+        <p:nvSpPr>
+          <p:cNvPr id="4" name="Footer Placeholder 3"/>
+          <p:cNvSpPr>
+            <a:spLocks noGrp="1"/>
+          </p:cNvSpPr>
+          <p:nvPr>
+            <p:ph type="ftr" sz="quarter" idx="11"/>
+          </p:nvPr>
+        </p:nvSpPr>
+        <p:spPr/>
+        <p:txBody>
+          <a:bodyPr/>
+          <a:lstStyle/>
+          <a:p>
+            <a:r>
+              <a:rPr lang="en-US" smtClean="0"/>
+              <a:t>(c) ElephantScale.com 2014</a:t>
+            </a:r>
+            <a:endParaRPr lang="en-US"/>
+          </a:p>
+        </p:txBody>
+      </p:sp>
+      <p:sp>
+        <p:nvSpPr>
+          <p:cNvPr id="5" name="Slide Number Placeholder 4"/>
+          <p:cNvSpPr>
+            <a:spLocks noGrp="1"/>
+          </p:cNvSpPr>
+          <p:nvPr>
+            <p:ph type="sldNum" sz="quarter" idx="12"/>
+          </p:nvPr>
+        </p:nvSpPr>
+        <p:spPr/>
+        <p:txBody>
+          <a:bodyPr/>
+          <a:lstStyle/>
+          <a:p>
+            <a:fld id="{4AD8DDEF-9CD1-B641-ADE5-2BEE59567BE6}" type="slidenum">
+              <a:rPr lang="en-US" smtClean="0"/>
+              <a:pPr/>
+              <a:t>35</a:t>
+            </a:fld>
+            <a:endParaRPr lang="en-US"/>
+          </a:p>
+        </p:txBody>
+      </p:sp>
+    </p:spTree>
+    <p:extLst>
+      <p:ext uri="{BB962C8B-B14F-4D97-AF65-F5344CB8AC3E}">
+        <p14:creationId xmlns:p14="http://schemas.microsoft.com/office/powerpoint/2010/main" xmlns="" val="2819361914"/>
+      </p:ext>
+    </p:extLst>
+  </p:cSld>
+  <p:clrMapOvr>
+    <a:masterClrMapping/>
+  </p:clrMapOvr>
+</p:sld>
+</file>
+
+<file path=ppt/slides/slide36.xml><?xml version="1.0" encoding="utf-8"?>
+<p:sld xmlns:a="http://schemas.openxmlformats.org/drawingml/2006/main" xmlns:r="http://schemas.openxmlformats.org/officeDocument/2006/relationships" xmlns:p="http://schemas.openxmlformats.org/presentationml/2006/main">
+  <p:cSld>
+    <p:spTree>
+      <p:nvGrpSpPr>
+        <p:cNvPr id="1" name=""/>
+        <p:cNvGrpSpPr/>
+        <p:nvPr/>
+      </p:nvGrpSpPr>
+      <p:grpSpPr>
+        <a:xfrm>
+          <a:off x="0" y="0"/>
+          <a:ext cx="0" cy="0"/>
+          <a:chOff x="0" y="0"/>
+          <a:chExt cx="0" cy="0"/>
+        </a:xfrm>
+      </p:grpSpPr>
+      <p:sp>
+        <p:nvSpPr>
+          <p:cNvPr id="2" name="Title 1"/>
+          <p:cNvSpPr>
+            <a:spLocks noGrp="1"/>
+          </p:cNvSpPr>
+          <p:nvPr>
+            <p:ph type="title"/>
+          </p:nvPr>
+        </p:nvSpPr>
+        <p:spPr/>
+        <p:txBody>
+          <a:bodyPr/>
+          <a:lstStyle/>
+          <a:p>
+            <a:r>
+              <a:rPr lang="en-US" dirty="0" smtClean="0"/>
+              <a:t>Classification Support in </a:t>
+            </a:r>
+            <a:r>
+              <a:rPr lang="en-US" dirty="0" err="1" smtClean="0"/>
+              <a:t>MLLib</a:t>
+            </a:r>
+            <a:endParaRPr lang="en-US" dirty="0"/>
+          </a:p>
+        </p:txBody>
+      </p:sp>
+      <p:sp>
+        <p:nvSpPr>
+          <p:cNvPr id="3" name="Content Placeholder 2"/>
+          <p:cNvSpPr>
+            <a:spLocks noGrp="1"/>
+          </p:cNvSpPr>
+          <p:nvPr>
+            <p:ph idx="1"/>
+          </p:nvPr>
+        </p:nvSpPr>
+        <p:spPr/>
+        <p:txBody>
+          <a:bodyPr/>
+          <a:lstStyle/>
+          <a:p>
+            <a:pPr lvl="1"/>
+            <a:r>
+              <a:rPr lang="en-US" dirty="0" smtClean="0"/>
+              <a:t>The following algorithms are well-represented in </a:t>
+            </a:r>
+            <a:r>
+              <a:rPr lang="en-US" dirty="0" err="1" smtClean="0"/>
+              <a:t>MLLib</a:t>
+            </a:r>
+            <a:r>
+              <a:rPr lang="en-US" dirty="0" smtClean="0"/>
+              <a:t>:</a:t>
+            </a:r>
+          </a:p>
+          <a:p>
+            <a:pPr lvl="2"/>
+            <a:r>
+              <a:rPr lang="en-US" dirty="0" smtClean="0"/>
+              <a:t>Linear Methods: SVM, Logistic Regression</a:t>
+            </a:r>
+          </a:p>
+          <a:p>
+            <a:pPr lvl="2"/>
+            <a:r>
+              <a:rPr lang="en-US" dirty="0" smtClean="0"/>
+              <a:t>Decision Trees</a:t>
+            </a:r>
+          </a:p>
+          <a:p>
+            <a:pPr lvl="2"/>
+            <a:r>
+              <a:rPr lang="en-US" dirty="0" smtClean="0"/>
+              <a:t>Ensemble Decision Trees (Random Forests, Gradient Boosted Trees)</a:t>
+            </a:r>
+          </a:p>
+          <a:p>
+            <a:pPr lvl="2"/>
+            <a:r>
+              <a:rPr lang="en-US" dirty="0" smtClean="0"/>
+              <a:t>Naïve </a:t>
+            </a:r>
+            <a:r>
+              <a:rPr lang="en-US" dirty="0" err="1" smtClean="0"/>
+              <a:t>Bayes</a:t>
+            </a:r>
+            <a:endParaRPr lang="en-US" dirty="0" smtClean="0"/>
+          </a:p>
+        </p:txBody>
+      </p:sp>
+      <p:sp>
+        <p:nvSpPr>
+          <p:cNvPr id="4" name="Footer Placeholder 3"/>
+          <p:cNvSpPr>
+            <a:spLocks noGrp="1"/>
+          </p:cNvSpPr>
+          <p:nvPr>
+            <p:ph type="ftr" sz="quarter" idx="11"/>
+          </p:nvPr>
+        </p:nvSpPr>
+        <p:spPr/>
+        <p:txBody>
+          <a:bodyPr/>
+          <a:lstStyle/>
+          <a:p>
+            <a:r>
+              <a:rPr lang="en-US" smtClean="0"/>
+              <a:t>(c) ElephantScale.com 2014</a:t>
+            </a:r>
+            <a:endParaRPr lang="en-US"/>
+          </a:p>
+        </p:txBody>
+      </p:sp>
+      <p:sp>
+        <p:nvSpPr>
+          <p:cNvPr id="5" name="Slide Number Placeholder 4"/>
+          <p:cNvSpPr>
+            <a:spLocks noGrp="1"/>
+          </p:cNvSpPr>
+          <p:nvPr>
+            <p:ph type="sldNum" sz="quarter" idx="12"/>
+          </p:nvPr>
+        </p:nvSpPr>
+        <p:spPr/>
+        <p:txBody>
+          <a:bodyPr/>
+          <a:lstStyle/>
+          <a:p>
+            <a:fld id="{4AD8DDEF-9CD1-B641-ADE5-2BEE59567BE6}" type="slidenum">
+              <a:rPr lang="en-US" smtClean="0"/>
+              <a:pPr/>
+              <a:t>36</a:t>
+            </a:fld>
+            <a:endParaRPr lang="en-US"/>
+          </a:p>
+        </p:txBody>
+      </p:sp>
+    </p:spTree>
+    <p:extLst>
+      <p:ext uri="{BB962C8B-B14F-4D97-AF65-F5344CB8AC3E}">
+        <p14:creationId xmlns:p14="http://schemas.microsoft.com/office/powerpoint/2010/main" xmlns="" val="234258616"/>
+      </p:ext>
+    </p:extLst>
+  </p:cSld>
+  <p:clrMapOvr>
+    <a:masterClrMapping/>
+  </p:clrMapOvr>
+  <p:timing>
+    <p:tnLst>
+      <p:par>
+        <p:cTn id="1" dur="indefinite" restart="never" nodeType="tmRoot"/>
+      </p:par>
+    </p:tnLst>
+  </p:timing>
+</p:sld>
+</file>
+
+<file path=ppt/slides/slide37.xml><?xml version="1.0" encoding="utf-8"?>
+<p:sld xmlns:a="http://schemas.openxmlformats.org/drawingml/2006/main" xmlns:r="http://schemas.openxmlformats.org/officeDocument/2006/relationships" xmlns:p="http://schemas.openxmlformats.org/presentationml/2006/main">
+  <p:cSld>
+    <p:spTree>
+      <p:nvGrpSpPr>
+        <p:cNvPr id="1" name=""/>
+        <p:cNvGrpSpPr/>
+        <p:nvPr/>
+      </p:nvGrpSpPr>
+      <p:grpSpPr>
+        <a:xfrm>
+          <a:off x="0" y="0"/>
+          <a:ext cx="0" cy="0"/>
+          <a:chOff x="0" y="0"/>
+          <a:chExt cx="0" cy="0"/>
+        </a:xfrm>
+      </p:grpSpPr>
+      <p:sp>
+        <p:nvSpPr>
+          <p:cNvPr id="2" name="Title 1"/>
+          <p:cNvSpPr>
+            <a:spLocks noGrp="1"/>
+          </p:cNvSpPr>
+          <p:nvPr>
+            <p:ph type="title"/>
+          </p:nvPr>
+        </p:nvSpPr>
+        <p:spPr/>
+        <p:txBody>
+          <a:bodyPr/>
+          <a:lstStyle/>
+          <a:p>
+            <a:r>
+              <a:rPr lang="en-US" dirty="0" smtClean="0"/>
+              <a:t>Classification Lab</a:t>
+            </a:r>
+            <a:endParaRPr lang="en-US" dirty="0"/>
+          </a:p>
+        </p:txBody>
+      </p:sp>
+      <p:sp>
+        <p:nvSpPr>
+          <p:cNvPr id="3" name="Content Placeholder 2"/>
+          <p:cNvSpPr>
+            <a:spLocks noGrp="1"/>
+          </p:cNvSpPr>
+          <p:nvPr>
+            <p:ph idx="1"/>
+          </p:nvPr>
+        </p:nvSpPr>
+        <p:spPr/>
+        <p:txBody>
+          <a:bodyPr/>
+          <a:lstStyle/>
+          <a:p>
+            <a:r>
+              <a:rPr lang="en-US" dirty="0" smtClean="0"/>
+              <a:t>Use the “churn” dataset for telecom churn prediction</a:t>
+            </a:r>
+          </a:p>
+          <a:p>
+            <a:r>
+              <a:rPr lang="en-US" dirty="0" smtClean="0"/>
+              <a:t>location   : </a:t>
+            </a:r>
+            <a:r>
+              <a:rPr lang="en-US" dirty="0" err="1" smtClean="0"/>
+              <a:t>mllib</a:t>
+            </a:r>
+            <a:r>
+              <a:rPr lang="en-US" dirty="0" smtClean="0"/>
+              <a:t>/</a:t>
+            </a:r>
+            <a:r>
+              <a:rPr lang="en-US" dirty="0" err="1" smtClean="0"/>
+              <a:t>classifation</a:t>
+            </a:r>
+            <a:endParaRPr lang="en-US" dirty="0" smtClean="0"/>
+          </a:p>
+          <a:p>
+            <a:r>
+              <a:rPr lang="en-US" dirty="0" smtClean="0"/>
+              <a:t>Try out the solution line-by-line</a:t>
+            </a:r>
+          </a:p>
+        </p:txBody>
+      </p:sp>
+      <p:sp>
+        <p:nvSpPr>
+          <p:cNvPr id="4" name="Footer Placeholder 3"/>
+          <p:cNvSpPr>
+            <a:spLocks noGrp="1"/>
+          </p:cNvSpPr>
+          <p:nvPr>
+            <p:ph type="ftr" sz="quarter" idx="11"/>
+          </p:nvPr>
+        </p:nvSpPr>
+        <p:spPr/>
+        <p:txBody>
+          <a:bodyPr/>
+          <a:lstStyle/>
+          <a:p>
+            <a:r>
+              <a:rPr lang="en-US" smtClean="0"/>
+              <a:t>(c) ElephantScale.com 2014</a:t>
+            </a:r>
+            <a:endParaRPr lang="en-US"/>
+          </a:p>
+        </p:txBody>
+      </p:sp>
+      <p:sp>
+        <p:nvSpPr>
+          <p:cNvPr id="5" name="Slide Number Placeholder 4"/>
+          <p:cNvSpPr>
+            <a:spLocks noGrp="1"/>
+          </p:cNvSpPr>
+          <p:nvPr>
+            <p:ph type="sldNum" sz="quarter" idx="12"/>
+          </p:nvPr>
+        </p:nvSpPr>
+        <p:spPr/>
+        <p:txBody>
+          <a:bodyPr/>
+          <a:lstStyle/>
+          <a:p>
+            <a:fld id="{4AD8DDEF-9CD1-B641-ADE5-2BEE59567BE6}" type="slidenum">
+              <a:rPr lang="en-US" smtClean="0"/>
+              <a:pPr/>
+              <a:t>37</a:t>
+            </a:fld>
+            <a:endParaRPr lang="en-US"/>
+          </a:p>
+        </p:txBody>
+      </p:sp>
+    </p:spTree>
+    <p:extLst>
+      <p:ext uri="{BB962C8B-B14F-4D97-AF65-F5344CB8AC3E}">
+        <p14:creationId xmlns:p14="http://schemas.microsoft.com/office/powerpoint/2010/main" xmlns="" val="3599210062"/>
+      </p:ext>
+    </p:extLst>
+  </p:cSld>
+  <p:clrMapOvr>
+    <a:masterClrMapping/>
+  </p:clrMapOvr>
+  <p:timing>
+    <p:tnLst>
+      <p:par>
+        <p:cTn id="1" dur="indefinite" restart="never" nodeType="tmRoot"/>
+      </p:par>
+    </p:tnLst>
+  </p:timing>
+</p:sld>
+</file>
+
+<file path=ppt/slides/slide38.xml><?xml version="1.0" encoding="utf-8"?>
+<p:sld xmlns:a="http://schemas.openxmlformats.org/drawingml/2006/main" xmlns:r="http://schemas.openxmlformats.org/officeDocument/2006/relationships" xmlns:p="http://schemas.openxmlformats.org/presentationml/2006/main">
+  <p:cSld>
+    <p:spTree>
+      <p:nvGrpSpPr>
+        <p:cNvPr id="1" name=""/>
+        <p:cNvGrpSpPr/>
+        <p:nvPr/>
+      </p:nvGrpSpPr>
+      <p:grpSpPr>
+        <a:xfrm>
+          <a:off x="0" y="0"/>
+          <a:ext cx="0" cy="0"/>
+          <a:chOff x="0" y="0"/>
+          <a:chExt cx="0" cy="0"/>
+        </a:xfrm>
+      </p:grpSpPr>
+      <p:sp>
+        <p:nvSpPr>
+          <p:cNvPr id="2" name="Title 1"/>
+          <p:cNvSpPr>
+            <a:spLocks noGrp="1"/>
+          </p:cNvSpPr>
+          <p:nvPr>
+            <p:ph type="title"/>
+          </p:nvPr>
+        </p:nvSpPr>
+        <p:spPr/>
+        <p:txBody>
+          <a:bodyPr/>
+          <a:lstStyle/>
+          <a:p>
+            <a:r>
+              <a:rPr lang="en-US" dirty="0" smtClean="0"/>
               <a:t>Thanks! &amp; Questions !</a:t>
             </a:r>
             <a:endParaRPr lang="en-US" dirty="0"/>
@@ -14852,7 +15273,7 @@
 </p:sld>
 </file>
 
-<file path=ppt/slides/slide36.xml><?xml version="1.0" encoding="utf-8"?>
+<file path=ppt/slides/slide39.xml><?xml version="1.0" encoding="utf-8"?>
 <p:sld xmlns:a="http://schemas.openxmlformats.org/drawingml/2006/main" xmlns:r="http://schemas.openxmlformats.org/officeDocument/2006/relationships" xmlns:p="http://schemas.openxmlformats.org/presentationml/2006/main">
   <p:cSld>
     <p:spTree>
@@ -15062,11 +15483,7 @@
             </a:pPr>
             <a:r>
               <a:rPr lang="en-US" dirty="0" smtClean="0"/>
-              <a:t>Any algorithm which improves its performance by access to data.</a:t>
-            </a:r>
-            <a:r>
-              <a:rPr lang="en-US" dirty="0" smtClean="0"/>
-              <a:t> </a:t>
+              <a:t>Any algorithm which improves its performance by access to data. </a:t>
             </a:r>
             <a:endParaRPr lang="en-US" dirty="0"/>
           </a:p>
@@ -15081,7 +15498,6 @@
               <a:rPr lang="en-US" dirty="0" smtClean="0"/>
               <a:t>Also considered a branch of AI (Artificial Intelligence).</a:t>
             </a:r>
-            <a:endParaRPr lang="en-US" dirty="0" smtClean="0"/>
           </a:p>
         </p:txBody>
       </p:sp>
@@ -15237,11 +15653,6 @@
               </a:rPr>
               <a:t>Classification &amp; regression usually supervised.</a:t>
             </a:r>
-            <a:endParaRPr lang="en-US" dirty="0" smtClean="0">
-              <a:solidFill>
-                <a:schemeClr val="tx1"/>
-              </a:solidFill>
-            </a:endParaRPr>
           </a:p>
           <a:p>
             <a:pPr>
@@ -15380,11 +15791,7 @@
           <a:p>
             <a:r>
               <a:rPr lang="en-US" dirty="0" smtClean="0"/>
-              <a:t>Creating </a:t>
-            </a:r>
-            <a:r>
-              <a:rPr lang="en-US" dirty="0" smtClean="0"/>
-              <a:t>Feature Vectors: Feature Extraction</a:t>
+              <a:t>Creating Feature Vectors: Feature Extraction</a:t>
             </a:r>
             <a:endParaRPr lang="en-US" dirty="0"/>
           </a:p>
@@ -15414,59 +15821,29 @@
           <a:p>
             <a:r>
               <a:rPr lang="en-US" dirty="0" smtClean="0"/>
-              <a:t>Machine Learning only </a:t>
-            </a:r>
-            <a:r>
-              <a:rPr lang="en-US" dirty="0" smtClean="0"/>
-              <a:t>works with vectors.  </a:t>
-            </a:r>
-            <a:r>
-              <a:rPr lang="en-US" dirty="0" smtClean="0"/>
-              <a:t>Feature Vectors </a:t>
-            </a:r>
-            <a:r>
-              <a:rPr lang="en-US" dirty="0" smtClean="0"/>
-              <a:t>are an n-dimensional point in space.</a:t>
+              <a:t>Machine Learning only works with vectors.  Feature Vectors are an n-dimensional point in space.</a:t>
             </a:r>
           </a:p>
           <a:p>
             <a:pPr lvl="1"/>
             <a:r>
               <a:rPr lang="en-US" dirty="0" smtClean="0"/>
-              <a:t>All your data’s </a:t>
-            </a:r>
-            <a:r>
-              <a:rPr lang="en-US" dirty="0" smtClean="0"/>
-              <a:t>variables or “features” </a:t>
-            </a:r>
-            <a:r>
-              <a:rPr lang="en-US" dirty="0" smtClean="0"/>
-              <a:t>be collected and put into the vector</a:t>
+              <a:t>Select variables from data</a:t>
             </a:r>
           </a:p>
           <a:p>
             <a:pPr lvl="1"/>
             <a:r>
               <a:rPr lang="en-US" dirty="0" smtClean="0"/>
-              <a:t>Vecto</a:t>
-            </a:r>
-            <a:r>
-              <a:rPr lang="en-US" dirty="0" smtClean="0"/>
-              <a:t>r normalization: scale down high magnitude variables.</a:t>
-            </a:r>
-            <a:endParaRPr lang="en-US" dirty="0" smtClean="0"/>
+              <a:t>Turn data into numbers (doubles).</a:t>
+            </a:r>
           </a:p>
           <a:p>
             <a:pPr lvl="1"/>
             <a:r>
               <a:rPr lang="en-US" dirty="0" smtClean="0"/>
-              <a:t>With much data, this involves selecting factor variables to be the </a:t>
-            </a:r>
-            <a:r>
-              <a:rPr lang="en-US" dirty="0" smtClean="0"/>
-              <a:t>dimensions</a:t>
-            </a:r>
-            <a:endParaRPr lang="en-US" dirty="0" smtClean="0"/>
+              <a:t>“normalize” (scale down) high magnitude data.</a:t>
+            </a:r>
           </a:p>
         </p:txBody>
       </p:sp>
@@ -15601,19 +15978,22 @@
           <a:p>
             <a:r>
               <a:rPr lang="en-US" dirty="0" smtClean="0"/>
-              <a:t>How to create clusters from text?</a:t>
-            </a:r>
-            <a:endParaRPr lang="en-US" dirty="0" smtClean="0"/>
+              <a:t>How to </a:t>
+            </a:r>
+            <a:r>
+              <a:rPr lang="en-US" smtClean="0"/>
+              <a:t>create vectors from </a:t>
+            </a:r>
+            <a:r>
+              <a:rPr lang="en-US" dirty="0" smtClean="0"/>
+              <a:t>text?</a:t>
+            </a:r>
           </a:p>
           <a:p>
             <a:pPr lvl="1"/>
             <a:r>
               <a:rPr lang="en-US" dirty="0" smtClean="0"/>
-              <a:t>TF/IDF</a:t>
-            </a:r>
-            <a:r>
-              <a:rPr lang="en-US" dirty="0" smtClean="0"/>
-              <a:t>: Term Frequency Inverse Document Frequency</a:t>
+              <a:t>TF/IDF: Term Frequency Inverse Document Frequency</a:t>
             </a:r>
           </a:p>
           <a:p>
@@ -15627,13 +16007,8 @@
             <a:pPr lvl="1"/>
             <a:r>
               <a:rPr lang="en-US" dirty="0" smtClean="0"/>
-              <a:t>Each word in the corpus is then a “dimension” – you would have thousands of </a:t>
-            </a:r>
-            <a:r>
-              <a:rPr lang="en-US" dirty="0" smtClean="0"/>
-              <a:t>dimensions.</a:t>
-            </a:r>
-            <a:endParaRPr lang="en-US" dirty="0" smtClean="0"/>
+              <a:t>Each word in the corpus is then a “dimension” – you would have thousands of dimensions.</a:t>
+            </a:r>
           </a:p>
         </p:txBody>
       </p:sp>
@@ -15738,7 +16113,7 @@
           <a:p>
             <a:r>
               <a:rPr lang="en-US" dirty="0" smtClean="0"/>
-              <a:t>Preparing Text</a:t>
+              <a:t>Vectors: Dense versus Sparse</a:t>
             </a:r>
             <a:endParaRPr lang="en-US" dirty="0"/>
           </a:p>
@@ -15754,41 +16129,99 @@
             <p:ph idx="1"/>
           </p:nvPr>
         </p:nvSpPr>
-        <p:spPr/>
-        <p:txBody>
-          <a:bodyPr/>
-          <a:lstStyle/>
-          <a:p>
-            <a:r>
-              <a:rPr lang="en-US" dirty="0" smtClean="0"/>
-              <a:t>Normally, very common words like “the,” “of”, or “and” are removed – these are called stop words.</a:t>
-            </a:r>
-          </a:p>
-          <a:p>
-            <a:r>
-              <a:rPr lang="en-US" dirty="0" smtClean="0"/>
-              <a:t>Words are usually “stemmed” down to their root – we use a package called “snowball” to accomplish this.</a:t>
-            </a:r>
-          </a:p>
-          <a:p>
-            <a:r>
-              <a:rPr lang="en-US" dirty="0" smtClean="0"/>
-              <a:t>We also clean up text, removing numbers, punctuation, and </a:t>
+        <p:spPr>
+          <a:xfrm>
+            <a:off x="498474" y="1981200"/>
+            <a:ext cx="7556313" cy="4442385"/>
+          </a:xfrm>
+        </p:spPr>
+        <p:txBody>
+          <a:bodyPr>
+            <a:normAutofit/>
+          </a:bodyPr>
+          <a:lstStyle/>
+          <a:p>
+            <a:r>
+              <a:rPr lang="en-US" dirty="0" smtClean="0"/>
+              <a:t>Dense Vectors</a:t>
+            </a:r>
+          </a:p>
+          <a:p>
+            <a:pPr lvl="1"/>
+            <a:r>
+              <a:rPr lang="en-US" dirty="0" smtClean="0"/>
+              <a:t>Usually have a nonzero value for each variable</a:t>
+            </a:r>
+          </a:p>
+          <a:p>
+            <a:pPr lvl="1"/>
+            <a:r>
+              <a:rPr lang="en-US" dirty="0" smtClean="0"/>
+              <a:t>The “telecom churn” dataset we use in the labs is a dense dataset.</a:t>
+            </a:r>
+          </a:p>
+          <a:p>
+            <a:pPr lvl="1"/>
+            <a:r>
+              <a:rPr lang="en-US" dirty="0" smtClean="0"/>
+              <a:t>Use </a:t>
             </a:r>
             <a:r>
               <a:rPr lang="en-US" dirty="0" err="1" smtClean="0"/>
-              <a:t>superflous</a:t>
-            </a:r>
-            <a:r>
-              <a:rPr lang="en-US" dirty="0" smtClean="0"/>
-              <a:t> whitespace.</a:t>
-            </a:r>
-          </a:p>
-          <a:p>
-            <a:r>
-              <a:rPr lang="en-US" dirty="0" smtClean="0"/>
-              <a:t>At the end, we have a dictionary of words, and for each document we have each of the terms as a vector dimension.</a:t>
-            </a:r>
+              <a:t>Vectors.dense</a:t>
+            </a:r>
+            <a:endParaRPr lang="en-US" dirty="0" smtClean="0"/>
+          </a:p>
+          <a:p>
+            <a:r>
+              <a:rPr lang="en-US" dirty="0" smtClean="0"/>
+              <a:t>Sparse Vectors</a:t>
+            </a:r>
+          </a:p>
+          <a:p>
+            <a:pPr lvl="1"/>
+            <a:r>
+              <a:rPr lang="en-US" dirty="0" smtClean="0"/>
+              <a:t>Most values are zero (or nonexistent)</a:t>
+            </a:r>
+          </a:p>
+          <a:p>
+            <a:pPr lvl="1"/>
+            <a:r>
+              <a:rPr lang="en-US" dirty="0" smtClean="0"/>
+              <a:t>Text Data yields sparse vectors</a:t>
+            </a:r>
+          </a:p>
+          <a:p>
+            <a:pPr lvl="1"/>
+            <a:r>
+              <a:rPr lang="en-US" dirty="0" smtClean="0"/>
+              <a:t>One-Hot, factor variables lead to sparse vectors</a:t>
+            </a:r>
+          </a:p>
+          <a:p>
+            <a:pPr lvl="1"/>
+            <a:r>
+              <a:rPr lang="en-US" dirty="0" smtClean="0"/>
+              <a:t>Use </a:t>
+            </a:r>
+            <a:r>
+              <a:rPr lang="en-US" dirty="0" err="1" smtClean="0"/>
+              <a:t>Vectors.sparse</a:t>
+            </a:r>
+            <a:endParaRPr lang="en-US" dirty="0" smtClean="0"/>
+          </a:p>
+          <a:p>
+            <a:pPr lvl="1"/>
+            <a:endParaRPr lang="en-US" dirty="0" smtClean="0"/>
+          </a:p>
+          <a:p>
+            <a:pPr lvl="1"/>
+            <a:endParaRPr lang="en-US" dirty="0" smtClean="0"/>
+          </a:p>
+          <a:p>
+            <a:pPr lvl="1"/>
+            <a:endParaRPr lang="en-US" dirty="0" smtClean="0"/>
           </a:p>
         </p:txBody>
       </p:sp>
@@ -15842,7 +16275,7 @@
     </p:spTree>
     <p:extLst>
       <p:ext uri="{BB962C8B-B14F-4D97-AF65-F5344CB8AC3E}">
-        <p14:creationId xmlns:p14="http://schemas.microsoft.com/office/powerpoint/2010/main" xmlns="" val="1413752634"/>
+        <p14:creationId xmlns:p14="http://schemas.microsoft.com/office/powerpoint/2010/main" xmlns="" val="2360138823"/>
       </p:ext>
     </p:extLst>
   </p:cSld>
@@ -15893,7 +16326,7 @@
           <a:p>
             <a:r>
               <a:rPr lang="en-US" dirty="0" smtClean="0"/>
-              <a:t>Next : Clustering</a:t>
+              <a:t>Creating Vectors</a:t>
             </a:r>
             <a:endParaRPr lang="en-US" dirty="0"/>
           </a:p>
@@ -15909,12 +16342,250 @@
             <p:ph idx="1"/>
           </p:nvPr>
         </p:nvSpPr>
-        <p:spPr/>
-        <p:txBody>
-          <a:bodyPr/>
-          <a:lstStyle/>
-          <a:p>
-            <a:endParaRPr lang="en-US"/>
+        <p:spPr>
+          <a:xfrm>
+            <a:off x="498474" y="1981200"/>
+            <a:ext cx="7556313" cy="4442385"/>
+          </a:xfrm>
+        </p:spPr>
+        <p:txBody>
+          <a:bodyPr>
+            <a:normAutofit/>
+          </a:bodyPr>
+          <a:lstStyle/>
+          <a:p>
+            <a:r>
+              <a:rPr lang="en-US" dirty="0" smtClean="0"/>
+              <a:t>Dense </a:t>
+            </a:r>
+            <a:r>
+              <a:rPr lang="en-US" dirty="0" smtClean="0"/>
+              <a:t>Vectors with Labels (for classification)</a:t>
+            </a:r>
+          </a:p>
+          <a:p>
+            <a:pPr>
+              <a:buNone/>
+            </a:pPr>
+            <a:r>
+              <a:rPr lang="en-US" dirty="0" err="1" smtClean="0">
+                <a:latin typeface="Courier New" pitchFamily="49" charset="0"/>
+                <a:cs typeface="Courier New" pitchFamily="49" charset="0"/>
+              </a:rPr>
+              <a:t>val</a:t>
+            </a:r>
+            <a:r>
+              <a:rPr lang="en-US" dirty="0" smtClean="0">
+                <a:latin typeface="Courier New" pitchFamily="49" charset="0"/>
+                <a:cs typeface="Courier New" pitchFamily="49" charset="0"/>
+              </a:rPr>
+              <a:t> </a:t>
+            </a:r>
+            <a:r>
+              <a:rPr lang="en-US" dirty="0" smtClean="0">
+                <a:latin typeface="Courier New" pitchFamily="49" charset="0"/>
+                <a:cs typeface="Courier New" pitchFamily="49" charset="0"/>
+              </a:rPr>
+              <a:t>data = </a:t>
+            </a:r>
+            <a:r>
+              <a:rPr lang="en-US" dirty="0" err="1" smtClean="0">
+                <a:latin typeface="Courier New" pitchFamily="49" charset="0"/>
+                <a:cs typeface="Courier New" pitchFamily="49" charset="0"/>
+              </a:rPr>
+              <a:t>sc.textFile</a:t>
+            </a:r>
+            <a:r>
+              <a:rPr lang="en-US" dirty="0" smtClean="0">
+                <a:latin typeface="Courier New" pitchFamily="49" charset="0"/>
+                <a:cs typeface="Courier New" pitchFamily="49" charset="0"/>
+              </a:rPr>
+              <a:t>(“yourfile.csv")</a:t>
+            </a:r>
+            <a:endParaRPr lang="en-US" dirty="0" smtClean="0">
+              <a:latin typeface="Courier New" pitchFamily="49" charset="0"/>
+              <a:cs typeface="Courier New" pitchFamily="49" charset="0"/>
+            </a:endParaRPr>
+          </a:p>
+          <a:p>
+            <a:pPr>
+              <a:buNone/>
+            </a:pPr>
+            <a:r>
+              <a:rPr lang="en-US" dirty="0" err="1" smtClean="0">
+                <a:latin typeface="Courier New" pitchFamily="49" charset="0"/>
+                <a:cs typeface="Courier New" pitchFamily="49" charset="0"/>
+              </a:rPr>
+              <a:t>val</a:t>
+            </a:r>
+            <a:r>
+              <a:rPr lang="en-US" dirty="0" smtClean="0">
+                <a:latin typeface="Courier New" pitchFamily="49" charset="0"/>
+                <a:cs typeface="Courier New" pitchFamily="49" charset="0"/>
+              </a:rPr>
+              <a:t> </a:t>
+            </a:r>
+            <a:r>
+              <a:rPr lang="en-US" dirty="0" err="1" smtClean="0">
+                <a:latin typeface="Courier New" pitchFamily="49" charset="0"/>
+                <a:cs typeface="Courier New" pitchFamily="49" charset="0"/>
+              </a:rPr>
+              <a:t>splitData</a:t>
+            </a:r>
+            <a:r>
+              <a:rPr lang="en-US" dirty="0" smtClean="0">
+                <a:latin typeface="Courier New" pitchFamily="49" charset="0"/>
+                <a:cs typeface="Courier New" pitchFamily="49" charset="0"/>
+              </a:rPr>
+              <a:t> = data.map { s =&gt;</a:t>
+            </a:r>
+          </a:p>
+          <a:p>
+            <a:pPr>
+              <a:buNone/>
+            </a:pPr>
+            <a:r>
+              <a:rPr lang="en-US" dirty="0" smtClean="0">
+                <a:latin typeface="Courier New" pitchFamily="49" charset="0"/>
+                <a:cs typeface="Courier New" pitchFamily="49" charset="0"/>
+              </a:rPr>
+              <a:t>  </a:t>
+            </a:r>
+            <a:r>
+              <a:rPr lang="en-US" dirty="0" err="1" smtClean="0">
+                <a:latin typeface="Courier New" pitchFamily="49" charset="0"/>
+                <a:cs typeface="Courier New" pitchFamily="49" charset="0"/>
+              </a:rPr>
+              <a:t>val</a:t>
+            </a:r>
+            <a:r>
+              <a:rPr lang="en-US" dirty="0" smtClean="0">
+                <a:latin typeface="Courier New" pitchFamily="49" charset="0"/>
+                <a:cs typeface="Courier New" pitchFamily="49" charset="0"/>
+              </a:rPr>
+              <a:t> parts = </a:t>
+            </a:r>
+            <a:r>
+              <a:rPr lang="en-US" dirty="0" err="1" smtClean="0">
+                <a:latin typeface="Courier New" pitchFamily="49" charset="0"/>
+                <a:cs typeface="Courier New" pitchFamily="49" charset="0"/>
+              </a:rPr>
+              <a:t>s.split</a:t>
+            </a:r>
+            <a:r>
+              <a:rPr lang="en-US" dirty="0" smtClean="0">
+                <a:latin typeface="Courier New" pitchFamily="49" charset="0"/>
+                <a:cs typeface="Courier New" pitchFamily="49" charset="0"/>
+              </a:rPr>
+              <a:t>(',').map</a:t>
+            </a:r>
+            <a:r>
+              <a:rPr lang="en-US" dirty="0" smtClean="0">
+                <a:latin typeface="Courier New" pitchFamily="49" charset="0"/>
+                <a:cs typeface="Courier New" pitchFamily="49" charset="0"/>
+              </a:rPr>
+              <a:t>(_.</a:t>
+            </a:r>
+            <a:r>
+              <a:rPr lang="en-US" dirty="0" err="1" smtClean="0">
+                <a:latin typeface="Courier New" pitchFamily="49" charset="0"/>
+                <a:cs typeface="Courier New" pitchFamily="49" charset="0"/>
+              </a:rPr>
+              <a:t>toDouble</a:t>
+            </a:r>
+            <a:r>
+              <a:rPr lang="en-US" dirty="0" smtClean="0">
+                <a:latin typeface="Courier New" pitchFamily="49" charset="0"/>
+                <a:cs typeface="Courier New" pitchFamily="49" charset="0"/>
+              </a:rPr>
+              <a:t>);</a:t>
+            </a:r>
+          </a:p>
+          <a:p>
+            <a:pPr>
+              <a:buNone/>
+            </a:pPr>
+            <a:r>
+              <a:rPr lang="en-US" dirty="0" smtClean="0">
+                <a:latin typeface="Courier New" pitchFamily="49" charset="0"/>
+                <a:cs typeface="Courier New" pitchFamily="49" charset="0"/>
+              </a:rPr>
+              <a:t>  </a:t>
+            </a:r>
+            <a:r>
+              <a:rPr lang="en-US" dirty="0" err="1" smtClean="0">
+                <a:latin typeface="Courier New" pitchFamily="49" charset="0"/>
+                <a:cs typeface="Courier New" pitchFamily="49" charset="0"/>
+              </a:rPr>
+              <a:t>LabeledPoint</a:t>
+            </a:r>
+            <a:r>
+              <a:rPr lang="en-US" dirty="0" smtClean="0">
+                <a:latin typeface="Courier New" pitchFamily="49" charset="0"/>
+                <a:cs typeface="Courier New" pitchFamily="49" charset="0"/>
+              </a:rPr>
+              <a:t>(if (</a:t>
+            </a:r>
+            <a:r>
+              <a:rPr lang="en-US" dirty="0" smtClean="0">
+                <a:latin typeface="Courier New" pitchFamily="49" charset="0"/>
+                <a:cs typeface="Courier New" pitchFamily="49" charset="0"/>
+              </a:rPr>
+              <a:t>parts(0)==</a:t>
+            </a:r>
+            <a:r>
+              <a:rPr lang="en-US" dirty="0" smtClean="0">
+                <a:latin typeface="Courier New" pitchFamily="49" charset="0"/>
+                <a:cs typeface="Courier New" pitchFamily="49" charset="0"/>
+              </a:rPr>
+              <a:t>1) 1.0 else 0.0, </a:t>
+            </a:r>
+            <a:r>
+              <a:rPr lang="en-US" dirty="0" err="1" smtClean="0">
+                <a:latin typeface="Courier New" pitchFamily="49" charset="0"/>
+                <a:cs typeface="Courier New" pitchFamily="49" charset="0"/>
+              </a:rPr>
+              <a:t>Vectors.dense</a:t>
+            </a:r>
+            <a:r>
+              <a:rPr lang="en-US" dirty="0" smtClean="0">
+                <a:latin typeface="Courier New" pitchFamily="49" charset="0"/>
+                <a:cs typeface="Courier New" pitchFamily="49" charset="0"/>
+              </a:rPr>
+              <a:t>(parts))</a:t>
+            </a:r>
+          </a:p>
+          <a:p>
+            <a:pPr>
+              <a:buNone/>
+            </a:pPr>
+            <a:r>
+              <a:rPr lang="en-US" dirty="0" smtClean="0">
+                <a:latin typeface="Courier New" pitchFamily="49" charset="0"/>
+                <a:cs typeface="Courier New" pitchFamily="49" charset="0"/>
+              </a:rPr>
+              <a:t>}</a:t>
+            </a:r>
+          </a:p>
+          <a:p>
+            <a:pPr>
+              <a:buNone/>
+            </a:pPr>
+            <a:endParaRPr lang="en-US" dirty="0" smtClean="0"/>
+          </a:p>
+          <a:p>
+            <a:pPr>
+              <a:buNone/>
+            </a:pPr>
+            <a:endParaRPr lang="en-US" dirty="0" smtClean="0"/>
+          </a:p>
+          <a:p>
+            <a:pPr lvl="1"/>
+            <a:endParaRPr lang="en-US" dirty="0" smtClean="0"/>
+          </a:p>
+          <a:p>
+            <a:pPr lvl="1"/>
+            <a:endParaRPr lang="en-US" dirty="0" smtClean="0"/>
           </a:p>
         </p:txBody>
       </p:sp>
@@ -15968,13 +16639,20 @@
     </p:spTree>
     <p:extLst>
       <p:ext uri="{BB962C8B-B14F-4D97-AF65-F5344CB8AC3E}">
-        <p14:creationId xmlns:p14="http://schemas.microsoft.com/office/powerpoint/2010/main" xmlns="" val="2260624955"/>
+        <p14:creationId xmlns:p14="http://schemas.microsoft.com/office/powerpoint/2010/main" xmlns="" val="2360138823"/>
       </p:ext>
     </p:extLst>
   </p:cSld>
   <p:clrMapOvr>
     <a:masterClrMapping/>
   </p:clrMapOvr>
+  <p:timing>
+    <p:tnLst>
+      <p:par>
+        <p:cTn id="1" dur="indefinite" restart="never" nodeType="tmRoot"/>
+      </p:par>
+    </p:tnLst>
+  </p:timing>
 </p:sld>
 </file>
 

--- a/slides/MLLib.pptx
+++ b/slides/MLLib.pptx
@@ -5,10 +5,10 @@
     <p:sldMasterId id="2147483672" r:id="rId1"/>
   </p:sldMasterIdLst>
   <p:notesMasterIdLst>
-    <p:notesMasterId r:id="rId41"/>
+    <p:notesMasterId r:id="rId47"/>
   </p:notesMasterIdLst>
   <p:handoutMasterIdLst>
-    <p:handoutMasterId r:id="rId42"/>
+    <p:handoutMasterId r:id="rId48"/>
   </p:handoutMasterIdLst>
   <p:sldIdLst>
     <p:sldId id="258" r:id="rId2"/>
@@ -17,9 +17,9 @@
     <p:sldId id="358" r:id="rId5"/>
     <p:sldId id="359" r:id="rId6"/>
     <p:sldId id="366" r:id="rId7"/>
-    <p:sldId id="368" r:id="rId8"/>
-    <p:sldId id="369" r:id="rId9"/>
-    <p:sldId id="372" r:id="rId10"/>
+    <p:sldId id="369" r:id="rId8"/>
+    <p:sldId id="372" r:id="rId9"/>
+    <p:sldId id="368" r:id="rId10"/>
     <p:sldId id="367" r:id="rId11"/>
     <p:sldId id="337" r:id="rId12"/>
     <p:sldId id="338" r:id="rId13"/>
@@ -29,27 +29,33 @@
     <p:sldId id="342" r:id="rId17"/>
     <p:sldId id="343" r:id="rId18"/>
     <p:sldId id="344" r:id="rId19"/>
-    <p:sldId id="371" r:id="rId20"/>
-    <p:sldId id="346" r:id="rId21"/>
-    <p:sldId id="348" r:id="rId22"/>
-    <p:sldId id="349" r:id="rId23"/>
-    <p:sldId id="350" r:id="rId24"/>
-    <p:sldId id="351" r:id="rId25"/>
-    <p:sldId id="352" r:id="rId26"/>
-    <p:sldId id="353" r:id="rId27"/>
-    <p:sldId id="354" r:id="rId28"/>
-    <p:sldId id="355" r:id="rId29"/>
-    <p:sldId id="357" r:id="rId30"/>
-    <p:sldId id="356" r:id="rId31"/>
-    <p:sldId id="360" r:id="rId32"/>
-    <p:sldId id="361" r:id="rId33"/>
-    <p:sldId id="362" r:id="rId34"/>
-    <p:sldId id="363" r:id="rId35"/>
-    <p:sldId id="364" r:id="rId36"/>
-    <p:sldId id="365" r:id="rId37"/>
-    <p:sldId id="370" r:id="rId38"/>
-    <p:sldId id="328" r:id="rId39"/>
-    <p:sldId id="275" r:id="rId40"/>
+    <p:sldId id="373" r:id="rId20"/>
+    <p:sldId id="374" r:id="rId21"/>
+    <p:sldId id="371" r:id="rId22"/>
+    <p:sldId id="346" r:id="rId23"/>
+    <p:sldId id="348" r:id="rId24"/>
+    <p:sldId id="349" r:id="rId25"/>
+    <p:sldId id="350" r:id="rId26"/>
+    <p:sldId id="351" r:id="rId27"/>
+    <p:sldId id="352" r:id="rId28"/>
+    <p:sldId id="353" r:id="rId29"/>
+    <p:sldId id="354" r:id="rId30"/>
+    <p:sldId id="355" r:id="rId31"/>
+    <p:sldId id="376" r:id="rId32"/>
+    <p:sldId id="375" r:id="rId33"/>
+    <p:sldId id="356" r:id="rId34"/>
+    <p:sldId id="360" r:id="rId35"/>
+    <p:sldId id="361" r:id="rId36"/>
+    <p:sldId id="362" r:id="rId37"/>
+    <p:sldId id="363" r:id="rId38"/>
+    <p:sldId id="364" r:id="rId39"/>
+    <p:sldId id="365" r:id="rId40"/>
+    <p:sldId id="379" r:id="rId41"/>
+    <p:sldId id="378" r:id="rId42"/>
+    <p:sldId id="377" r:id="rId43"/>
+    <p:sldId id="370" r:id="rId44"/>
+    <p:sldId id="328" r:id="rId45"/>
+    <p:sldId id="275" r:id="rId46"/>
   </p:sldIdLst>
   <p:sldSz cx="9144000" cy="6858000" type="screen4x3"/>
   <p:notesSz cx="6858000" cy="9144000"/>
@@ -234,7 +240,7 @@
             <a:fld id="{F417C17C-C22B-5A4D-86C6-03CADFB916E7}" type="datetimeFigureOut">
               <a:rPr lang="en-US" smtClean="0"/>
               <a:pPr/>
-              <a:t>3/23/2015</a:t>
+              <a:t>3/31/2015</a:t>
             </a:fld>
             <a:endParaRPr lang="en-US"/>
           </a:p>
@@ -310,7 +316,7 @@
     </p:spTree>
     <p:extLst>
       <p:ext uri="{BB962C8B-B14F-4D97-AF65-F5344CB8AC3E}">
-        <p14:creationId xmlns:p14="http://schemas.microsoft.com/office/powerpoint/2010/main" xmlns="" val="3180260774"/>
+        <p14:creationId xmlns="" xmlns:p14="http://schemas.microsoft.com/office/powerpoint/2010/main" val="3180260774"/>
       </p:ext>
     </p:extLst>
   </p:cSld>
@@ -402,7 +408,7 @@
             <a:fld id="{F94EDEDA-1CEA-BB4E-9B95-2149BD5068F1}" type="datetimeFigureOut">
               <a:rPr lang="en-US" smtClean="0"/>
               <a:pPr/>
-              <a:t>3/23/2015</a:t>
+              <a:t>3/31/2015</a:t>
             </a:fld>
             <a:endParaRPr lang="en-US"/>
           </a:p>
@@ -571,7 +577,7 @@
     </p:spTree>
     <p:extLst>
       <p:ext uri="{BB962C8B-B14F-4D97-AF65-F5344CB8AC3E}">
-        <p14:creationId xmlns:p14="http://schemas.microsoft.com/office/powerpoint/2010/main" xmlns="" val="2490740708"/>
+        <p14:creationId xmlns="" xmlns:p14="http://schemas.microsoft.com/office/powerpoint/2010/main" val="2490740708"/>
       </p:ext>
     </p:extLst>
   </p:cSld>
@@ -874,7 +880,7 @@
             <a:fld id="{9F1B846B-8A2D-1B40-9656-03CBE7C30F89}" type="datetime1">
               <a:rPr lang="en-US" smtClean="0"/>
               <a:pPr/>
-              <a:t>3/23/2015</a:t>
+              <a:t>3/31/2015</a:t>
             </a:fld>
             <a:endParaRPr lang="en-US"/>
           </a:p>
@@ -1333,7 +1339,7 @@
             <a:fld id="{3AC6D651-2F6B-4F44-9AC2-2874A650DFFF}" type="datetime1">
               <a:rPr lang="en-US" smtClean="0"/>
               <a:pPr/>
-              <a:t>3/23/2015</a:t>
+              <a:t>3/31/2015</a:t>
             </a:fld>
             <a:endParaRPr lang="en-US"/>
           </a:p>
@@ -1882,7 +1888,7 @@
             <a:fld id="{2F9368DD-AF8D-A84E-B015-C56E16CCA0B8}" type="datetime1">
               <a:rPr lang="en-US" smtClean="0"/>
               <a:pPr/>
-              <a:t>3/23/2015</a:t>
+              <a:t>3/31/2015</a:t>
             </a:fld>
             <a:endParaRPr lang="en-US"/>
           </a:p>
@@ -2024,7 +2030,7 @@
             <a:fld id="{51EECA03-0EFE-AE49-AEC4-FF5FAA3318FF}" type="datetime1">
               <a:rPr lang="en-US" smtClean="0"/>
               <a:pPr/>
-              <a:t>3/23/2015</a:t>
+              <a:t>3/31/2015</a:t>
             </a:fld>
             <a:endParaRPr lang="en-US"/>
           </a:p>
@@ -2368,7 +2374,7 @@
             <a:fld id="{AC99F442-9D35-CD43-AF7C-482407A7E448}" type="datetime1">
               <a:rPr lang="en-US" smtClean="0"/>
               <a:pPr/>
-              <a:t>3/23/2015</a:t>
+              <a:t>3/31/2015</a:t>
             </a:fld>
             <a:endParaRPr lang="en-US"/>
           </a:p>
@@ -2699,7 +2705,7 @@
             <a:fld id="{6FF29FFD-6E86-7D41-8B06-D97C95FD9989}" type="datetime1">
               <a:rPr lang="en-US" smtClean="0"/>
               <a:pPr/>
-              <a:t>3/23/2015</a:t>
+              <a:t>3/31/2015</a:t>
             </a:fld>
             <a:endParaRPr lang="en-US"/>
           </a:p>
@@ -3003,7 +3009,7 @@
             <a:fld id="{A7DDD598-7C70-AD4A-A0DD-92D30AAA5510}" type="datetime1">
               <a:rPr lang="en-US" smtClean="0"/>
               <a:pPr/>
-              <a:t>3/23/2015</a:t>
+              <a:t>3/31/2015</a:t>
             </a:fld>
             <a:endParaRPr lang="en-US"/>
           </a:p>
@@ -3396,7 +3402,7 @@
             <a:fld id="{69AB95C5-5C4D-2440-955D-3D443FE41120}" type="datetime1">
               <a:rPr lang="en-US" smtClean="0"/>
               <a:pPr/>
-              <a:t>3/23/2015</a:t>
+              <a:t>3/31/2015</a:t>
             </a:fld>
             <a:endParaRPr lang="en-US"/>
           </a:p>
@@ -3822,7 +3828,7 @@
             <a:fld id="{7A3B19C7-97AD-7A44-9B9C-A4CD352EDF8C}" type="datetime1">
               <a:rPr lang="en-US" smtClean="0"/>
               <a:pPr/>
-              <a:t>3/23/2015</a:t>
+              <a:t>3/31/2015</a:t>
             </a:fld>
             <a:endParaRPr lang="en-US"/>
           </a:p>
@@ -4376,7 +4382,7 @@
             <a:fld id="{400A512E-66E8-C943-9CDD-ABCDE7307FC5}" type="datetime1">
               <a:rPr lang="en-US" smtClean="0"/>
               <a:pPr/>
-              <a:t>3/23/2015</a:t>
+              <a:t>3/31/2015</a:t>
             </a:fld>
             <a:endParaRPr lang="en-US"/>
           </a:p>
@@ -4740,7 +4746,7 @@
             <a:fld id="{275737D3-87B9-8A41-9F3E-456EAA10E2F7}" type="datetime1">
               <a:rPr lang="en-US" smtClean="0"/>
               <a:pPr/>
-              <a:t>3/23/2015</a:t>
+              <a:t>3/31/2015</a:t>
             </a:fld>
             <a:endParaRPr lang="en-US"/>
           </a:p>
@@ -4961,7 +4967,7 @@
             <a:fld id="{3B13B7C4-28A5-CB48-9F90-61EEE4FDDD8B}" type="datetime1">
               <a:rPr lang="en-US" smtClean="0"/>
               <a:pPr/>
-              <a:t>3/23/2015</a:t>
+              <a:t>3/31/2015</a:t>
             </a:fld>
             <a:endParaRPr lang="en-US"/>
           </a:p>
@@ -5274,7 +5280,7 @@
             <a:fld id="{FB820ADC-A989-0B43-894B-CC8B88A6A058}" type="datetime1">
               <a:rPr lang="en-US" smtClean="0"/>
               <a:pPr/>
-              <a:t>3/23/2015</a:t>
+              <a:t>3/31/2015</a:t>
             </a:fld>
             <a:endParaRPr lang="en-US"/>
           </a:p>
@@ -5536,7 +5542,7 @@
             <a:fld id="{6EFD7B0D-1D9A-AA44-8AA0-36F432394321}" type="datetime1">
               <a:rPr lang="en-US" smtClean="0"/>
               <a:pPr/>
-              <a:t>3/23/2015</a:t>
+              <a:t>3/31/2015</a:t>
             </a:fld>
             <a:endParaRPr lang="en-US"/>
           </a:p>
@@ -5931,7 +5937,7 @@
             <a:fld id="{8391D6BE-CC5A-F441-BF5C-132B93EAE0B9}" type="datetime1">
               <a:rPr lang="en-US" smtClean="0"/>
               <a:pPr/>
-              <a:t>3/23/2015</a:t>
+              <a:t>3/31/2015</a:t>
             </a:fld>
             <a:endParaRPr lang="en-US"/>
           </a:p>
@@ -6525,7 +6531,7 @@
             <a:fld id="{7F9E5D33-2821-C642-A5E0-67CD027085C0}" type="datetime1">
               <a:rPr lang="en-US" smtClean="0"/>
               <a:pPr/>
-              <a:t>3/23/2015</a:t>
+              <a:t>3/31/2015</a:t>
             </a:fld>
             <a:endParaRPr lang="en-US"/>
           </a:p>
@@ -7046,7 +7052,7 @@
             <a:fld id="{B4EE926D-75E4-7C4A-80EF-E6F745BAF0A6}" type="datetime1">
               <a:rPr lang="en-US" smtClean="0"/>
               <a:pPr/>
-              <a:t>3/23/2015</a:t>
+              <a:t>3/31/2015</a:t>
             </a:fld>
             <a:endParaRPr lang="en-US"/>
           </a:p>
@@ -7425,7 +7431,7 @@
             <a:fld id="{1799AEC9-6A91-FD48-8C26-85D761A9AB9A}" type="datetime1">
               <a:rPr lang="en-US" smtClean="0"/>
               <a:pPr/>
-              <a:t>3/23/2015</a:t>
+              <a:t>3/31/2015</a:t>
             </a:fld>
             <a:endParaRPr lang="en-US"/>
           </a:p>
@@ -7830,7 +7836,7 @@
             <a:fld id="{72AB3F87-F2CF-AA47-8A3C-25D7BBB8800D}" type="datetime1">
               <a:rPr lang="en-US" smtClean="0"/>
               <a:pPr/>
-              <a:t>3/23/2015</a:t>
+              <a:t>3/31/2015</a:t>
             </a:fld>
             <a:endParaRPr lang="en-US"/>
           </a:p>
@@ -8256,7 +8262,7 @@
             <a:fld id="{017A4C3A-78B7-E146-B561-C5924296E830}" type="datetime1">
               <a:rPr lang="en-US" smtClean="0"/>
               <a:pPr/>
-              <a:t>3/23/2015</a:t>
+              <a:t>3/31/2015</a:t>
             </a:fld>
             <a:endParaRPr lang="en-US"/>
           </a:p>
@@ -8645,7 +8651,7 @@
             <a:fld id="{9F7D4429-93BD-BC4F-94A7-C9B3C2CD0DC0}" type="datetime1">
               <a:rPr lang="en-US" smtClean="0"/>
               <a:pPr/>
-              <a:t>3/23/2015</a:t>
+              <a:t>3/31/2015</a:t>
             </a:fld>
             <a:endParaRPr lang="en-US"/>
           </a:p>
@@ -9131,7 +9137,7 @@
             </a:r>
             <a:r>
               <a:rPr lang="en-US" sz="4800" dirty="0" err="1" smtClean="0"/>
-              <a:t>MLLib</a:t>
+              <a:t>MLlib</a:t>
             </a:r>
             <a:endParaRPr lang="en-US" sz="4800" dirty="0"/>
           </a:p>
@@ -9192,7 +9198,7 @@
     </p:spTree>
     <p:extLst>
       <p:ext uri="{BB962C8B-B14F-4D97-AF65-F5344CB8AC3E}">
-        <p14:creationId xmlns:p14="http://schemas.microsoft.com/office/powerpoint/2010/main" xmlns="" val="1807280914"/>
+        <p14:creationId xmlns="" xmlns:p14="http://schemas.microsoft.com/office/powerpoint/2010/main" val="1807280914"/>
       </p:ext>
     </p:extLst>
   </p:cSld>
@@ -9347,7 +9353,7 @@
     </p:spTree>
     <p:extLst>
       <p:ext uri="{BB962C8B-B14F-4D97-AF65-F5344CB8AC3E}">
-        <p14:creationId xmlns:p14="http://schemas.microsoft.com/office/powerpoint/2010/main" xmlns="" val="1413752634"/>
+        <p14:creationId xmlns="" xmlns:p14="http://schemas.microsoft.com/office/powerpoint/2010/main" val="1413752634"/>
       </p:ext>
     </p:extLst>
   </p:cSld>
@@ -9473,7 +9479,7 @@
     </p:spTree>
     <p:extLst>
       <p:ext uri="{BB962C8B-B14F-4D97-AF65-F5344CB8AC3E}">
-        <p14:creationId xmlns:p14="http://schemas.microsoft.com/office/powerpoint/2010/main" xmlns="" val="2260624955"/>
+        <p14:creationId xmlns="" xmlns:p14="http://schemas.microsoft.com/office/powerpoint/2010/main" val="2260624955"/>
       </p:ext>
     </p:extLst>
   </p:cSld>
@@ -9732,7 +9738,7 @@
     </p:spTree>
     <p:extLst>
       <p:ext uri="{BB962C8B-B14F-4D97-AF65-F5344CB8AC3E}">
-        <p14:creationId xmlns:p14="http://schemas.microsoft.com/office/powerpoint/2010/main" xmlns="" val="2983632717"/>
+        <p14:creationId xmlns="" xmlns:p14="http://schemas.microsoft.com/office/powerpoint/2010/main" val="2983632717"/>
       </p:ext>
     </p:extLst>
   </p:cSld>
@@ -9898,7 +9904,7 @@
     </p:spTree>
     <p:extLst>
       <p:ext uri="{BB962C8B-B14F-4D97-AF65-F5344CB8AC3E}">
-        <p14:creationId xmlns:p14="http://schemas.microsoft.com/office/powerpoint/2010/main" xmlns="" val="20478605"/>
+        <p14:creationId xmlns="" xmlns:p14="http://schemas.microsoft.com/office/powerpoint/2010/main" val="20478605"/>
       </p:ext>
     </p:extLst>
   </p:cSld>
@@ -10117,7 +10123,7 @@
     </p:spTree>
     <p:extLst>
       <p:ext uri="{BB962C8B-B14F-4D97-AF65-F5344CB8AC3E}">
-        <p14:creationId xmlns:p14="http://schemas.microsoft.com/office/powerpoint/2010/main" xmlns="" val="2116949661"/>
+        <p14:creationId xmlns="" xmlns:p14="http://schemas.microsoft.com/office/powerpoint/2010/main" val="2116949661"/>
       </p:ext>
     </p:extLst>
   </p:cSld>
@@ -10330,7 +10336,7 @@
     </p:spTree>
     <p:extLst>
       <p:ext uri="{BB962C8B-B14F-4D97-AF65-F5344CB8AC3E}">
-        <p14:creationId xmlns:p14="http://schemas.microsoft.com/office/powerpoint/2010/main" xmlns="" val="2238206800"/>
+        <p14:creationId xmlns="" xmlns:p14="http://schemas.microsoft.com/office/powerpoint/2010/main" val="2238206800"/>
       </p:ext>
     </p:extLst>
   </p:cSld>
@@ -10515,7 +10521,7 @@
     </p:spTree>
     <p:extLst>
       <p:ext uri="{BB962C8B-B14F-4D97-AF65-F5344CB8AC3E}">
-        <p14:creationId xmlns:p14="http://schemas.microsoft.com/office/powerpoint/2010/main" xmlns="" val="3017253226"/>
+        <p14:creationId xmlns="" xmlns:p14="http://schemas.microsoft.com/office/powerpoint/2010/main" val="3017253226"/>
       </p:ext>
     </p:extLst>
   </p:cSld>
@@ -10697,7 +10703,7 @@
     </p:spTree>
     <p:extLst>
       <p:ext uri="{BB962C8B-B14F-4D97-AF65-F5344CB8AC3E}">
-        <p14:creationId xmlns:p14="http://schemas.microsoft.com/office/powerpoint/2010/main" xmlns="" val="1791869827"/>
+        <p14:creationId xmlns="" xmlns:p14="http://schemas.microsoft.com/office/powerpoint/2010/main" val="1791869827"/>
       </p:ext>
     </p:extLst>
   </p:cSld>
@@ -10752,7 +10758,7 @@
             </a:r>
             <a:r>
               <a:rPr lang="en-US" dirty="0" err="1" smtClean="0"/>
-              <a:t>MLLib</a:t>
+              <a:t>MLlib</a:t>
             </a:r>
             <a:endParaRPr lang="en-US" dirty="0"/>
           </a:p>
@@ -10770,16 +10776,22 @@
         </p:nvSpPr>
         <p:spPr/>
         <p:txBody>
-          <a:bodyPr/>
+          <a:bodyPr>
+            <a:normAutofit fontScale="92500" lnSpcReduction="20000"/>
+          </a:bodyPr>
           <a:lstStyle/>
           <a:p>
             <a:r>
               <a:rPr lang="en-US" dirty="0" err="1" smtClean="0"/>
-              <a:t>MLLib</a:t>
-            </a:r>
-            <a:r>
-              <a:rPr lang="en-US" dirty="0" smtClean="0"/>
-              <a:t> has a built-in function called </a:t>
+              <a:t>MLlib</a:t>
+            </a:r>
+            <a:r>
+              <a:rPr lang="en-US" dirty="0" smtClean="0"/>
+              <a:t> </a:t>
+            </a:r>
+            <a:r>
+              <a:rPr lang="en-US" dirty="0" smtClean="0"/>
+              <a:t>has a built-in function called </a:t>
             </a:r>
             <a:r>
               <a:rPr lang="en-US" dirty="0" err="1" smtClean="0"/>
@@ -10787,8 +10799,33 @@
             </a:r>
             <a:r>
               <a:rPr lang="en-US" dirty="0" smtClean="0"/>
-              <a:t>, which performs the k-means clustering.</a:t>
-            </a:r>
+              <a:t>, which performs the k-means clustering</a:t>
+            </a:r>
+            <a:r>
+              <a:rPr lang="en-US" dirty="0" smtClean="0"/>
+              <a:t>.</a:t>
+            </a:r>
+          </a:p>
+          <a:p>
+            <a:pPr lvl="1"/>
+            <a:r>
+              <a:rPr lang="en-US" dirty="0" smtClean="0">
+                <a:latin typeface="Courier New" pitchFamily="49" charset="0"/>
+                <a:cs typeface="Courier New" pitchFamily="49" charset="0"/>
+              </a:rPr>
+              <a:t>import </a:t>
+            </a:r>
+            <a:r>
+              <a:rPr lang="en-US" dirty="0" err="1" smtClean="0">
+                <a:latin typeface="Courier New" pitchFamily="49" charset="0"/>
+                <a:cs typeface="Courier New" pitchFamily="49" charset="0"/>
+              </a:rPr>
+              <a:t>org.apache.spark.mllib.clustering.KMeans</a:t>
+            </a:r>
+            <a:endParaRPr lang="en-US" dirty="0" smtClean="0">
+              <a:latin typeface="Courier New" pitchFamily="49" charset="0"/>
+              <a:cs typeface="Courier New" pitchFamily="49" charset="0"/>
+            </a:endParaRPr>
           </a:p>
           <a:p>
             <a:r>
@@ -10797,7 +10834,7 @@
             </a:r>
             <a:r>
               <a:rPr lang="en-US" dirty="0" err="1" smtClean="0"/>
-              <a:t>kmeans</a:t>
+              <a:t>KMeans</a:t>
             </a:r>
             <a:r>
               <a:rPr lang="en-US" dirty="0" smtClean="0"/>
@@ -10813,16 +10850,120 @@
             </a:r>
           </a:p>
           <a:p>
-            <a:endParaRPr lang="en-US" dirty="0"/>
-          </a:p>
-          <a:p>
-            <a:r>
-              <a:rPr lang="en-US" dirty="0" smtClean="0"/>
-              <a:t>Lab : </a:t>
-            </a:r>
-            <a:r>
-              <a:rPr lang="en-US" dirty="0" err="1" smtClean="0"/>
-              <a:t>kmeans-mtcars.scala</a:t>
+            <a:pPr lvl="1"/>
+            <a:r>
+              <a:rPr lang="en-US" dirty="0" err="1" smtClean="0">
+                <a:latin typeface="Courier New" pitchFamily="49" charset="0"/>
+                <a:cs typeface="Courier New" pitchFamily="49" charset="0"/>
+              </a:rPr>
+              <a:t>val</a:t>
+            </a:r>
+            <a:r>
+              <a:rPr lang="en-US" dirty="0" smtClean="0">
+                <a:latin typeface="Courier New" pitchFamily="49" charset="0"/>
+                <a:cs typeface="Courier New" pitchFamily="49" charset="0"/>
+              </a:rPr>
+              <a:t> clusters = </a:t>
+            </a:r>
+            <a:r>
+              <a:rPr lang="en-US" dirty="0" err="1" smtClean="0">
+                <a:latin typeface="Courier New" pitchFamily="49" charset="0"/>
+                <a:cs typeface="Courier New" pitchFamily="49" charset="0"/>
+              </a:rPr>
+              <a:t>KMeans.train</a:t>
+            </a:r>
+            <a:r>
+              <a:rPr lang="en-US" dirty="0" smtClean="0">
+                <a:latin typeface="Courier New" pitchFamily="49" charset="0"/>
+                <a:cs typeface="Courier New" pitchFamily="49" charset="0"/>
+              </a:rPr>
+              <a:t>(</a:t>
+            </a:r>
+            <a:r>
+              <a:rPr lang="en-US" dirty="0" err="1" smtClean="0">
+                <a:latin typeface="Courier New" pitchFamily="49" charset="0"/>
+                <a:cs typeface="Courier New" pitchFamily="49" charset="0"/>
+              </a:rPr>
+              <a:t>parsedData</a:t>
+            </a:r>
+            <a:r>
+              <a:rPr lang="en-US" dirty="0" smtClean="0">
+                <a:latin typeface="Courier New" pitchFamily="49" charset="0"/>
+                <a:cs typeface="Courier New" pitchFamily="49" charset="0"/>
+              </a:rPr>
+              <a:t>, </a:t>
+            </a:r>
+            <a:r>
+              <a:rPr lang="en-US" dirty="0" err="1" smtClean="0">
+                <a:latin typeface="Courier New" pitchFamily="49" charset="0"/>
+                <a:cs typeface="Courier New" pitchFamily="49" charset="0"/>
+              </a:rPr>
+              <a:t>numClusters</a:t>
+            </a:r>
+            <a:r>
+              <a:rPr lang="en-US" dirty="0" smtClean="0">
+                <a:latin typeface="Courier New" pitchFamily="49" charset="0"/>
+                <a:cs typeface="Courier New" pitchFamily="49" charset="0"/>
+              </a:rPr>
+              <a:t>, </a:t>
+            </a:r>
+            <a:r>
+              <a:rPr lang="en-US" dirty="0" err="1" smtClean="0">
+                <a:latin typeface="Courier New" pitchFamily="49" charset="0"/>
+                <a:cs typeface="Courier New" pitchFamily="49" charset="0"/>
+              </a:rPr>
+              <a:t>numIterations</a:t>
+            </a:r>
+            <a:r>
+              <a:rPr lang="en-US" dirty="0" smtClean="0">
+                <a:latin typeface="Courier New" pitchFamily="49" charset="0"/>
+                <a:cs typeface="Courier New" pitchFamily="49" charset="0"/>
+              </a:rPr>
+              <a:t>)</a:t>
+            </a:r>
+            <a:endParaRPr lang="en-US" dirty="0">
+              <a:latin typeface="Courier New" pitchFamily="49" charset="0"/>
+              <a:cs typeface="Courier New" pitchFamily="49" charset="0"/>
+            </a:endParaRPr>
+          </a:p>
+          <a:p>
+            <a:r>
+              <a:rPr lang="en-US" dirty="0" smtClean="0"/>
+              <a:t>How many iterations should you have?</a:t>
+            </a:r>
+          </a:p>
+          <a:p>
+            <a:pPr lvl="1"/>
+            <a:r>
+              <a:rPr lang="en-US" dirty="0" smtClean="0"/>
+              <a:t>“It depends”.. Too low and you might get bad results.  Try 10-25.</a:t>
+            </a:r>
+          </a:p>
+          <a:p>
+            <a:r>
+              <a:rPr lang="en-US" dirty="0" smtClean="0"/>
+              <a:t>What if you don’t know the value of k?</a:t>
+            </a:r>
+          </a:p>
+          <a:p>
+            <a:pPr lvl="1"/>
+            <a:r>
+              <a:rPr lang="en-US" dirty="0" smtClean="0"/>
+              <a:t>Iterate, Iterate, Iterate</a:t>
+            </a:r>
+          </a:p>
+          <a:p>
+            <a:pPr lvl="1"/>
+            <a:r>
+              <a:rPr lang="en-US" dirty="0" smtClean="0"/>
+              <a:t>Measure performance for values of k.</a:t>
+            </a:r>
+          </a:p>
+          <a:p>
+            <a:pPr lvl="1"/>
+            <a:r>
+              <a:rPr lang="en-US" dirty="0" smtClean="0"/>
+              <a:t>But how do you know the performance of the cluster model?</a:t>
             </a:r>
             <a:endParaRPr lang="en-US" dirty="0" smtClean="0"/>
           </a:p>
@@ -10888,7 +11029,7 @@
     </p:spTree>
     <p:extLst>
       <p:ext uri="{BB962C8B-B14F-4D97-AF65-F5344CB8AC3E}">
-        <p14:creationId xmlns:p14="http://schemas.microsoft.com/office/powerpoint/2010/main" xmlns="" val="1791294177"/>
+        <p14:creationId xmlns="" xmlns:p14="http://schemas.microsoft.com/office/powerpoint/2010/main" val="1791294177"/>
       </p:ext>
     </p:extLst>
   </p:cSld>
@@ -10939,7 +11080,7 @@
           <a:p>
             <a:r>
               <a:rPr lang="en-US" dirty="0" smtClean="0"/>
-              <a:t>Clustering Lab</a:t>
+              <a:t>Evaluating Cluster Performance</a:t>
             </a:r>
             <a:endParaRPr lang="en-US" dirty="0"/>
           </a:p>
@@ -10961,38 +11102,73 @@
           <a:lstStyle/>
           <a:p>
             <a:r>
+              <a:rPr lang="en-US" dirty="0" smtClean="0"/>
+              <a:t>WSSSE: Within Set Sum of Squared Errors</a:t>
+            </a:r>
+          </a:p>
+          <a:p>
+            <a:pPr lvl="1"/>
+            <a:r>
               <a:rPr lang="en-US" dirty="0" err="1" smtClean="0"/>
-              <a:t>Mtcars</a:t>
-            </a:r>
-            <a:r>
-              <a:rPr lang="en-US" dirty="0" smtClean="0"/>
-              <a:t> dataset: data about car models.</a:t>
-            </a:r>
-          </a:p>
-          <a:p>
-            <a:r>
-              <a:rPr lang="en-US" dirty="0" smtClean="0"/>
-              <a:t>location   : </a:t>
+              <a:t>val</a:t>
+            </a:r>
+            <a:r>
+              <a:rPr lang="en-US" dirty="0" smtClean="0"/>
+              <a:t> WSSSE = </a:t>
             </a:r>
             <a:r>
               <a:rPr lang="en-US" dirty="0" err="1" smtClean="0"/>
-              <a:t>mllib</a:t>
-            </a:r>
-            <a:r>
-              <a:rPr lang="en-US" dirty="0" smtClean="0"/>
-              <a:t>/</a:t>
+              <a:t>clusters.computeCost</a:t>
+            </a:r>
+            <a:r>
+              <a:rPr lang="en-US" dirty="0" smtClean="0"/>
+              <a:t>(</a:t>
             </a:r>
             <a:r>
               <a:rPr lang="en-US" dirty="0" err="1" smtClean="0"/>
-              <a:t>kmeans</a:t>
-            </a:r>
-            <a:endParaRPr lang="en-US" dirty="0" smtClean="0"/>
-          </a:p>
-          <a:p>
-            <a:r>
-              <a:rPr lang="en-US" dirty="0" smtClean="0"/>
-              <a:t>Try out the solution line-by-line</a:t>
-            </a:r>
+              <a:t>parsedData</a:t>
+            </a:r>
+            <a:r>
+              <a:rPr lang="en-US" dirty="0" smtClean="0"/>
+              <a:t>)</a:t>
+            </a:r>
+          </a:p>
+          <a:p>
+            <a:pPr lvl="1"/>
+            <a:r>
+              <a:rPr lang="en-US" dirty="0" smtClean="0"/>
+              <a:t>COST = sum of squared distances of points to cluster center.</a:t>
+            </a:r>
+          </a:p>
+          <a:p>
+            <a:r>
+              <a:rPr lang="en-US" dirty="0" smtClean="0"/>
+              <a:t>What does this mean?</a:t>
+            </a:r>
+          </a:p>
+          <a:p>
+            <a:pPr lvl="1"/>
+            <a:r>
+              <a:rPr lang="en-US" dirty="0" smtClean="0"/>
+              <a:t>WSSSE will increase with increasing values of k.</a:t>
+            </a:r>
+          </a:p>
+          <a:p>
+            <a:pPr lvl="1"/>
+            <a:r>
+              <a:rPr lang="en-US" dirty="0" smtClean="0"/>
+              <a:t>“Law of Diminishing Returns” </a:t>
+            </a:r>
+          </a:p>
+          <a:p>
+            <a:pPr lvl="2"/>
+            <a:r>
+              <a:rPr lang="en-US" dirty="0" smtClean="0"/>
+              <a:t>High values of k give marginal gain.</a:t>
+            </a:r>
+          </a:p>
+          <a:p>
+            <a:endParaRPr lang="en-US" dirty="0"/>
           </a:p>
         </p:txBody>
       </p:sp>
@@ -11013,53 +11189,17 @@
           <a:p>
             <a:r>
               <a:rPr lang="en-US" smtClean="0"/>
-              <a:t>(c) ElephantScale.com 2014</a:t>
-            </a:r>
-            <a:endParaRPr lang="en-US"/>
-          </a:p>
-        </p:txBody>
-      </p:sp>
-      <p:sp>
-        <p:nvSpPr>
-          <p:cNvPr id="5" name="Slide Number Placeholder 4"/>
-          <p:cNvSpPr>
-            <a:spLocks noGrp="1"/>
-          </p:cNvSpPr>
-          <p:nvPr>
-            <p:ph type="sldNum" sz="quarter" idx="12"/>
-          </p:nvPr>
-        </p:nvSpPr>
-        <p:spPr/>
-        <p:txBody>
-          <a:bodyPr/>
-          <a:lstStyle/>
-          <a:p>
-            <a:fld id="{4AD8DDEF-9CD1-B641-ADE5-2BEE59567BE6}" type="slidenum">
-              <a:rPr lang="en-US" smtClean="0"/>
-              <a:pPr/>
-              <a:t>19</a:t>
-            </a:fld>
-            <a:endParaRPr lang="en-US"/>
+              <a:t>© Elephant Scale, 2014</a:t>
+            </a:r>
+            <a:endParaRPr lang="en-US" dirty="0"/>
           </a:p>
         </p:txBody>
       </p:sp>
     </p:spTree>
-    <p:extLst>
-      <p:ext uri="{BB962C8B-B14F-4D97-AF65-F5344CB8AC3E}">
-        <p14:creationId xmlns:p14="http://schemas.microsoft.com/office/powerpoint/2010/main" xmlns="" val="3599210062"/>
-      </p:ext>
-    </p:extLst>
   </p:cSld>
   <p:clrMapOvr>
     <a:masterClrMapping/>
   </p:clrMapOvr>
-  <p:timing>
-    <p:tnLst>
-      <p:par>
-        <p:cTn id="1" dur="indefinite" restart="never" nodeType="tmRoot"/>
-      </p:par>
-    </p:tnLst>
-  </p:timing>
 </p:sld>
 </file>
 
@@ -11797,7 +11937,7 @@
     </p:spTree>
     <p:extLst>
       <p:ext uri="{BB962C8B-B14F-4D97-AF65-F5344CB8AC3E}">
-        <p14:creationId xmlns:p14="http://schemas.microsoft.com/office/powerpoint/2010/main" xmlns="" val="4033308274"/>
+        <p14:creationId xmlns="" xmlns:p14="http://schemas.microsoft.com/office/powerpoint/2010/main" val="4033308274"/>
       </p:ext>
     </p:extLst>
   </p:cSld>
@@ -12003,7 +12143,7 @@
           <a:p>
             <a:r>
               <a:rPr lang="en-US" dirty="0" smtClean="0"/>
-              <a:t>Next : Recommendations</a:t>
+              <a:t>The Elbow Method</a:t>
             </a:r>
             <a:endParaRPr lang="en-US" dirty="0"/>
           </a:p>
@@ -12024,7 +12164,19 @@
           <a:bodyPr/>
           <a:lstStyle/>
           <a:p>
-            <a:endParaRPr lang="en-US"/>
+            <a:r>
+              <a:rPr lang="en-US" dirty="0" smtClean="0"/>
+              <a:t>Identify the “elbow” on the curve</a:t>
+            </a:r>
+          </a:p>
+          <a:p>
+            <a:r>
+              <a:rPr lang="en-US" dirty="0" smtClean="0"/>
+              <a:t>Example: What value of K to select in this case?</a:t>
+            </a:r>
+          </a:p>
+          <a:p>
+            <a:endParaRPr lang="en-US" dirty="0"/>
           </a:p>
         </p:txBody>
       </p:sp>
@@ -12045,53 +12197,41 @@
           <a:p>
             <a:r>
               <a:rPr lang="en-US" smtClean="0"/>
-              <a:t>(c) ElephantScale.com 2014</a:t>
-            </a:r>
-            <a:endParaRPr lang="en-US"/>
-          </a:p>
-        </p:txBody>
-      </p:sp>
-      <p:sp>
-        <p:nvSpPr>
-          <p:cNvPr id="5" name="Slide Number Placeholder 4"/>
-          <p:cNvSpPr>
-            <a:spLocks noGrp="1"/>
-          </p:cNvSpPr>
-          <p:nvPr>
-            <p:ph type="sldNum" sz="quarter" idx="12"/>
-          </p:nvPr>
-        </p:nvSpPr>
-        <p:spPr/>
-        <p:txBody>
-          <a:bodyPr/>
-          <a:lstStyle/>
-          <a:p>
-            <a:fld id="{4AD8DDEF-9CD1-B641-ADE5-2BEE59567BE6}" type="slidenum">
-              <a:rPr lang="en-US" smtClean="0"/>
-              <a:pPr/>
-              <a:t>20</a:t>
-            </a:fld>
-            <a:endParaRPr lang="en-US"/>
-          </a:p>
-        </p:txBody>
-      </p:sp>
+              <a:t>© Elephant Scale, 2014</a:t>
+            </a:r>
+            <a:endParaRPr lang="en-US" dirty="0"/>
+          </a:p>
+        </p:txBody>
+      </p:sp>
+      <p:pic>
+        <p:nvPicPr>
+          <p:cNvPr id="5" name="Picture 4" descr="DataClustering_ElbowCriterion.JPG"/>
+          <p:cNvPicPr>
+            <a:picLocks noChangeAspect="1"/>
+          </p:cNvPicPr>
+          <p:nvPr/>
+        </p:nvPicPr>
+        <p:blipFill>
+          <a:blip r:embed="rId2"/>
+          <a:stretch>
+            <a:fillRect/>
+          </a:stretch>
+        </p:blipFill>
+        <p:spPr>
+          <a:xfrm>
+            <a:off x="1692361" y="2920983"/>
+            <a:ext cx="4632239" cy="3708223"/>
+          </a:xfrm>
+          <a:prstGeom prst="rect">
+            <a:avLst/>
+          </a:prstGeom>
+        </p:spPr>
+      </p:pic>
     </p:spTree>
-    <p:extLst>
-      <p:ext uri="{BB962C8B-B14F-4D97-AF65-F5344CB8AC3E}">
-        <p14:creationId xmlns:p14="http://schemas.microsoft.com/office/powerpoint/2010/main" xmlns="" val="1934961268"/>
-      </p:ext>
-    </p:extLst>
   </p:cSld>
   <p:clrMapOvr>
     <a:masterClrMapping/>
   </p:clrMapOvr>
-  <p:timing>
-    <p:tnLst>
-      <p:par>
-        <p:cTn id="1" dur="indefinite" restart="never" nodeType="tmRoot"/>
-      </p:par>
-    </p:tnLst>
-  </p:timing>
 </p:sld>
 </file>
 
@@ -12129,40 +12269,66 @@
           <a:p>
             <a:r>
               <a:rPr lang="en-US" dirty="0" smtClean="0"/>
-              <a:t>Recommendations Are Everywhere : Amazon</a:t>
+              <a:t>Clustering Lab</a:t>
             </a:r>
             <a:endParaRPr lang="en-US" dirty="0"/>
           </a:p>
         </p:txBody>
       </p:sp>
-      <p:pic>
-        <p:nvPicPr>
-          <p:cNvPr id="5" name="Content Placeholder 4" descr="Screen Shot 2014-06-17 at 11.11.05 PM.png"/>
-          <p:cNvPicPr>
-            <a:picLocks noGrp="1" noChangeAspect="1"/>
-          </p:cNvPicPr>
+      <p:sp>
+        <p:nvSpPr>
+          <p:cNvPr id="3" name="Content Placeholder 2"/>
+          <p:cNvSpPr>
+            <a:spLocks noGrp="1"/>
+          </p:cNvSpPr>
           <p:nvPr>
             <p:ph idx="1"/>
           </p:nvPr>
-        </p:nvPicPr>
-        <p:blipFill>
-          <a:blip r:embed="rId2">
-            <a:extLst>
-              <a:ext uri="{28A0092B-C50C-407E-A947-70E740481C1C}">
-                <a14:useLocalDpi xmlns:a14="http://schemas.microsoft.com/office/drawing/2010/main" xmlns="" val="0"/>
-              </a:ext>
-            </a:extLst>
-          </a:blip>
-          <a:srcRect t="-8666" b="-8666"/>
-          <a:stretch>
-            <a:fillRect/>
-          </a:stretch>
-        </p:blipFill>
-        <p:spPr/>
-      </p:pic>
-      <p:sp>
-        <p:nvSpPr>
-          <p:cNvPr id="3" name="Footer Placeholder 2"/>
+        </p:nvSpPr>
+        <p:spPr/>
+        <p:txBody>
+          <a:bodyPr/>
+          <a:lstStyle/>
+          <a:p>
+            <a:r>
+              <a:rPr lang="en-US" dirty="0" err="1" smtClean="0"/>
+              <a:t>Mtcars</a:t>
+            </a:r>
+            <a:r>
+              <a:rPr lang="en-US" dirty="0" smtClean="0"/>
+              <a:t> dataset: data about car models.</a:t>
+            </a:r>
+          </a:p>
+          <a:p>
+            <a:r>
+              <a:rPr lang="en-US" dirty="0" smtClean="0"/>
+              <a:t>location   : </a:t>
+            </a:r>
+            <a:r>
+              <a:rPr lang="en-US" dirty="0" err="1" smtClean="0"/>
+              <a:t>mllib</a:t>
+            </a:r>
+            <a:r>
+              <a:rPr lang="en-US" dirty="0" smtClean="0"/>
+              <a:t>/</a:t>
+            </a:r>
+            <a:r>
+              <a:rPr lang="en-US" dirty="0" err="1" smtClean="0"/>
+              <a:t>kmeans</a:t>
+            </a:r>
+            <a:endParaRPr lang="en-US" dirty="0" smtClean="0"/>
+          </a:p>
+          <a:p>
+            <a:r>
+              <a:rPr lang="en-US" dirty="0" smtClean="0"/>
+              <a:t>Try out the solution line-by-line</a:t>
+            </a:r>
+          </a:p>
+        </p:txBody>
+      </p:sp>
+      <p:sp>
+        <p:nvSpPr>
+          <p:cNvPr id="4" name="Footer Placeholder 3"/>
           <p:cNvSpPr>
             <a:spLocks noGrp="1"/>
           </p:cNvSpPr>
@@ -12185,7 +12351,7 @@
       </p:sp>
       <p:sp>
         <p:nvSpPr>
-          <p:cNvPr id="4" name="Slide Number Placeholder 3"/>
+          <p:cNvPr id="5" name="Slide Number Placeholder 4"/>
           <p:cNvSpPr>
             <a:spLocks noGrp="1"/>
           </p:cNvSpPr>
@@ -12210,7 +12376,7 @@
     </p:spTree>
     <p:extLst>
       <p:ext uri="{BB962C8B-B14F-4D97-AF65-F5344CB8AC3E}">
-        <p14:creationId xmlns:p14="http://schemas.microsoft.com/office/powerpoint/2010/main" xmlns="" val="3618916858"/>
+        <p14:creationId xmlns="" xmlns:p14="http://schemas.microsoft.com/office/powerpoint/2010/main" val="3599210062"/>
       </p:ext>
     </p:extLst>
   </p:cSld>
@@ -12228,6 +12394,264 @@
 </file>
 
 <file path=ppt/slides/slide22.xml><?xml version="1.0" encoding="utf-8"?>
+<p:sld xmlns:a="http://schemas.openxmlformats.org/drawingml/2006/main" xmlns:r="http://schemas.openxmlformats.org/officeDocument/2006/relationships" xmlns:p="http://schemas.openxmlformats.org/presentationml/2006/main">
+  <p:cSld>
+    <p:spTree>
+      <p:nvGrpSpPr>
+        <p:cNvPr id="1" name=""/>
+        <p:cNvGrpSpPr/>
+        <p:nvPr/>
+      </p:nvGrpSpPr>
+      <p:grpSpPr>
+        <a:xfrm>
+          <a:off x="0" y="0"/>
+          <a:ext cx="0" cy="0"/>
+          <a:chOff x="0" y="0"/>
+          <a:chExt cx="0" cy="0"/>
+        </a:xfrm>
+      </p:grpSpPr>
+      <p:sp>
+        <p:nvSpPr>
+          <p:cNvPr id="2" name="Title 1"/>
+          <p:cNvSpPr>
+            <a:spLocks noGrp="1"/>
+          </p:cNvSpPr>
+          <p:nvPr>
+            <p:ph type="title"/>
+          </p:nvPr>
+        </p:nvSpPr>
+        <p:spPr/>
+        <p:txBody>
+          <a:bodyPr/>
+          <a:lstStyle/>
+          <a:p>
+            <a:r>
+              <a:rPr lang="en-US" dirty="0" smtClean="0"/>
+              <a:t>Next : Recommendations</a:t>
+            </a:r>
+            <a:endParaRPr lang="en-US" dirty="0"/>
+          </a:p>
+        </p:txBody>
+      </p:sp>
+      <p:sp>
+        <p:nvSpPr>
+          <p:cNvPr id="3" name="Content Placeholder 2"/>
+          <p:cNvSpPr>
+            <a:spLocks noGrp="1"/>
+          </p:cNvSpPr>
+          <p:nvPr>
+            <p:ph idx="1"/>
+          </p:nvPr>
+        </p:nvSpPr>
+        <p:spPr/>
+        <p:txBody>
+          <a:bodyPr/>
+          <a:lstStyle/>
+          <a:p>
+            <a:endParaRPr lang="en-US"/>
+          </a:p>
+        </p:txBody>
+      </p:sp>
+      <p:sp>
+        <p:nvSpPr>
+          <p:cNvPr id="4" name="Footer Placeholder 3"/>
+          <p:cNvSpPr>
+            <a:spLocks noGrp="1"/>
+          </p:cNvSpPr>
+          <p:nvPr>
+            <p:ph type="ftr" sz="quarter" idx="11"/>
+          </p:nvPr>
+        </p:nvSpPr>
+        <p:spPr/>
+        <p:txBody>
+          <a:bodyPr/>
+          <a:lstStyle/>
+          <a:p>
+            <a:r>
+              <a:rPr lang="en-US" smtClean="0"/>
+              <a:t>(c) ElephantScale.com 2014</a:t>
+            </a:r>
+            <a:endParaRPr lang="en-US"/>
+          </a:p>
+        </p:txBody>
+      </p:sp>
+      <p:sp>
+        <p:nvSpPr>
+          <p:cNvPr id="5" name="Slide Number Placeholder 4"/>
+          <p:cNvSpPr>
+            <a:spLocks noGrp="1"/>
+          </p:cNvSpPr>
+          <p:nvPr>
+            <p:ph type="sldNum" sz="quarter" idx="12"/>
+          </p:nvPr>
+        </p:nvSpPr>
+        <p:spPr/>
+        <p:txBody>
+          <a:bodyPr/>
+          <a:lstStyle/>
+          <a:p>
+            <a:fld id="{4AD8DDEF-9CD1-B641-ADE5-2BEE59567BE6}" type="slidenum">
+              <a:rPr lang="en-US" smtClean="0"/>
+              <a:pPr/>
+              <a:t>22</a:t>
+            </a:fld>
+            <a:endParaRPr lang="en-US"/>
+          </a:p>
+        </p:txBody>
+      </p:sp>
+    </p:spTree>
+    <p:extLst>
+      <p:ext uri="{BB962C8B-B14F-4D97-AF65-F5344CB8AC3E}">
+        <p14:creationId xmlns="" xmlns:p14="http://schemas.microsoft.com/office/powerpoint/2010/main" val="1934961268"/>
+      </p:ext>
+    </p:extLst>
+  </p:cSld>
+  <p:clrMapOvr>
+    <a:masterClrMapping/>
+  </p:clrMapOvr>
+  <p:timing>
+    <p:tnLst>
+      <p:par>
+        <p:cTn id="1" dur="indefinite" restart="never" nodeType="tmRoot"/>
+      </p:par>
+    </p:tnLst>
+  </p:timing>
+</p:sld>
+</file>
+
+<file path=ppt/slides/slide23.xml><?xml version="1.0" encoding="utf-8"?>
+<p:sld xmlns:a="http://schemas.openxmlformats.org/drawingml/2006/main" xmlns:r="http://schemas.openxmlformats.org/officeDocument/2006/relationships" xmlns:p="http://schemas.openxmlformats.org/presentationml/2006/main">
+  <p:cSld>
+    <p:spTree>
+      <p:nvGrpSpPr>
+        <p:cNvPr id="1" name=""/>
+        <p:cNvGrpSpPr/>
+        <p:nvPr/>
+      </p:nvGrpSpPr>
+      <p:grpSpPr>
+        <a:xfrm>
+          <a:off x="0" y="0"/>
+          <a:ext cx="0" cy="0"/>
+          <a:chOff x="0" y="0"/>
+          <a:chExt cx="0" cy="0"/>
+        </a:xfrm>
+      </p:grpSpPr>
+      <p:sp>
+        <p:nvSpPr>
+          <p:cNvPr id="2" name="Title 1"/>
+          <p:cNvSpPr>
+            <a:spLocks noGrp="1"/>
+          </p:cNvSpPr>
+          <p:nvPr>
+            <p:ph type="title"/>
+          </p:nvPr>
+        </p:nvSpPr>
+        <p:spPr/>
+        <p:txBody>
+          <a:bodyPr/>
+          <a:lstStyle/>
+          <a:p>
+            <a:r>
+              <a:rPr lang="en-US" dirty="0" smtClean="0"/>
+              <a:t>Recommendations Are Everywhere : Amazon</a:t>
+            </a:r>
+            <a:endParaRPr lang="en-US" dirty="0"/>
+          </a:p>
+        </p:txBody>
+      </p:sp>
+      <p:pic>
+        <p:nvPicPr>
+          <p:cNvPr id="5" name="Content Placeholder 4" descr="Screen Shot 2014-06-17 at 11.11.05 PM.png"/>
+          <p:cNvPicPr>
+            <a:picLocks noGrp="1" noChangeAspect="1"/>
+          </p:cNvPicPr>
+          <p:nvPr>
+            <p:ph idx="1"/>
+          </p:nvPr>
+        </p:nvPicPr>
+        <p:blipFill>
+          <a:blip r:embed="rId2">
+            <a:extLst>
+              <a:ext uri="{28A0092B-C50C-407E-A947-70E740481C1C}">
+                <a14:useLocalDpi xmlns="" xmlns:a14="http://schemas.microsoft.com/office/drawing/2010/main" val="0"/>
+              </a:ext>
+            </a:extLst>
+          </a:blip>
+          <a:srcRect t="-8666" b="-8666"/>
+          <a:stretch>
+            <a:fillRect/>
+          </a:stretch>
+        </p:blipFill>
+        <p:spPr/>
+      </p:pic>
+      <p:sp>
+        <p:nvSpPr>
+          <p:cNvPr id="3" name="Footer Placeholder 2"/>
+          <p:cNvSpPr>
+            <a:spLocks noGrp="1"/>
+          </p:cNvSpPr>
+          <p:nvPr>
+            <p:ph type="ftr" sz="quarter" idx="11"/>
+          </p:nvPr>
+        </p:nvSpPr>
+        <p:spPr/>
+        <p:txBody>
+          <a:bodyPr/>
+          <a:lstStyle/>
+          <a:p>
+            <a:r>
+              <a:rPr lang="en-US" smtClean="0"/>
+              <a:t>(c) ElephantScale.com 2014</a:t>
+            </a:r>
+            <a:endParaRPr lang="en-US"/>
+          </a:p>
+        </p:txBody>
+      </p:sp>
+      <p:sp>
+        <p:nvSpPr>
+          <p:cNvPr id="4" name="Slide Number Placeholder 3"/>
+          <p:cNvSpPr>
+            <a:spLocks noGrp="1"/>
+          </p:cNvSpPr>
+          <p:nvPr>
+            <p:ph type="sldNum" sz="quarter" idx="12"/>
+          </p:nvPr>
+        </p:nvSpPr>
+        <p:spPr/>
+        <p:txBody>
+          <a:bodyPr/>
+          <a:lstStyle/>
+          <a:p>
+            <a:fld id="{4AD8DDEF-9CD1-B641-ADE5-2BEE59567BE6}" type="slidenum">
+              <a:rPr lang="en-US" smtClean="0"/>
+              <a:pPr/>
+              <a:t>23</a:t>
+            </a:fld>
+            <a:endParaRPr lang="en-US"/>
+          </a:p>
+        </p:txBody>
+      </p:sp>
+    </p:spTree>
+    <p:extLst>
+      <p:ext uri="{BB962C8B-B14F-4D97-AF65-F5344CB8AC3E}">
+        <p14:creationId xmlns="" xmlns:p14="http://schemas.microsoft.com/office/powerpoint/2010/main" val="3618916858"/>
+      </p:ext>
+    </p:extLst>
+  </p:cSld>
+  <p:clrMapOvr>
+    <a:masterClrMapping/>
+  </p:clrMapOvr>
+  <p:timing>
+    <p:tnLst>
+      <p:par>
+        <p:cTn id="1" dur="indefinite" restart="never" nodeType="tmRoot"/>
+      </p:par>
+    </p:tnLst>
+  </p:timing>
+</p:sld>
+</file>
+
+<file path=ppt/slides/slide24.xml><?xml version="1.0" encoding="utf-8"?>
 <p:sld xmlns:a="http://schemas.openxmlformats.org/drawingml/2006/main" xmlns:r="http://schemas.openxmlformats.org/officeDocument/2006/relationships" xmlns:p="http://schemas.openxmlformats.org/presentationml/2006/main">
   <p:cSld>
     <p:spTree>
@@ -12451,7 +12875,7 @@
             <a:fld id="{4AD8DDEF-9CD1-B641-ADE5-2BEE59567BE6}" type="slidenum">
               <a:rPr lang="en-US" smtClean="0"/>
               <a:pPr/>
-              <a:t>22</a:t>
+              <a:t>24</a:t>
             </a:fld>
             <a:endParaRPr lang="en-US"/>
           </a:p>
@@ -12460,312 +12884,7 @@
     </p:spTree>
     <p:extLst>
       <p:ext uri="{BB962C8B-B14F-4D97-AF65-F5344CB8AC3E}">
-        <p14:creationId xmlns:p14="http://schemas.microsoft.com/office/powerpoint/2010/main" xmlns="" val="3527473027"/>
-      </p:ext>
-    </p:extLst>
-  </p:cSld>
-  <p:clrMapOvr>
-    <a:masterClrMapping/>
-  </p:clrMapOvr>
-  <p:timing>
-    <p:tnLst>
-      <p:par>
-        <p:cTn id="1" dur="indefinite" restart="never" nodeType="tmRoot"/>
-      </p:par>
-    </p:tnLst>
-  </p:timing>
-</p:sld>
-</file>
-
-<file path=ppt/slides/slide23.xml><?xml version="1.0" encoding="utf-8"?>
-<p:sld xmlns:a="http://schemas.openxmlformats.org/drawingml/2006/main" xmlns:r="http://schemas.openxmlformats.org/officeDocument/2006/relationships" xmlns:p="http://schemas.openxmlformats.org/presentationml/2006/main">
-  <p:cSld>
-    <p:spTree>
-      <p:nvGrpSpPr>
-        <p:cNvPr id="1" name=""/>
-        <p:cNvGrpSpPr/>
-        <p:nvPr/>
-      </p:nvGrpSpPr>
-      <p:grpSpPr>
-        <a:xfrm>
-          <a:off x="0" y="0"/>
-          <a:ext cx="0" cy="0"/>
-          <a:chOff x="0" y="0"/>
-          <a:chExt cx="0" cy="0"/>
-        </a:xfrm>
-      </p:grpSpPr>
-      <p:sp>
-        <p:nvSpPr>
-          <p:cNvPr id="2" name="Title 1"/>
-          <p:cNvSpPr>
-            <a:spLocks noGrp="1"/>
-          </p:cNvSpPr>
-          <p:nvPr>
-            <p:ph type="title"/>
-          </p:nvPr>
-        </p:nvSpPr>
-        <p:spPr/>
-        <p:txBody>
-          <a:bodyPr/>
-          <a:lstStyle/>
-          <a:p>
-            <a:r>
-              <a:rPr lang="en-US" dirty="0" smtClean="0"/>
-              <a:t>Recommendations From Netflix (With Profiles)</a:t>
-            </a:r>
-            <a:endParaRPr lang="en-US" dirty="0"/>
-          </a:p>
-        </p:txBody>
-      </p:sp>
-      <p:pic>
-        <p:nvPicPr>
-          <p:cNvPr id="4" name="Content Placeholder 3" descr="Screen Shot 2014-06-17 at 11.14.01 PM.png"/>
-          <p:cNvPicPr>
-            <a:picLocks noGrp="1" noChangeAspect="1"/>
-          </p:cNvPicPr>
-          <p:nvPr>
-            <p:ph idx="1"/>
-          </p:nvPr>
-        </p:nvPicPr>
-        <p:blipFill>
-          <a:blip r:embed="rId2">
-            <a:extLst>
-              <a:ext uri="{28A0092B-C50C-407E-A947-70E740481C1C}">
-                <a14:useLocalDpi xmlns:a14="http://schemas.microsoft.com/office/drawing/2010/main" xmlns="" val="0"/>
-              </a:ext>
-            </a:extLst>
-          </a:blip>
-          <a:srcRect t="-736" b="-736"/>
-          <a:stretch>
-            <a:fillRect/>
-          </a:stretch>
-        </p:blipFill>
-        <p:spPr/>
-      </p:pic>
-      <p:sp>
-        <p:nvSpPr>
-          <p:cNvPr id="3" name="Footer Placeholder 2"/>
-          <p:cNvSpPr>
-            <a:spLocks noGrp="1"/>
-          </p:cNvSpPr>
-          <p:nvPr>
-            <p:ph type="ftr" sz="quarter" idx="11"/>
-          </p:nvPr>
-        </p:nvSpPr>
-        <p:spPr/>
-        <p:txBody>
-          <a:bodyPr/>
-          <a:lstStyle/>
-          <a:p>
-            <a:r>
-              <a:rPr lang="en-US" smtClean="0"/>
-              <a:t>(c) ElephantScale.com 2014</a:t>
-            </a:r>
-            <a:endParaRPr lang="en-US"/>
-          </a:p>
-        </p:txBody>
-      </p:sp>
-      <p:sp>
-        <p:nvSpPr>
-          <p:cNvPr id="5" name="Slide Number Placeholder 4"/>
-          <p:cNvSpPr>
-            <a:spLocks noGrp="1"/>
-          </p:cNvSpPr>
-          <p:nvPr>
-            <p:ph type="sldNum" sz="quarter" idx="12"/>
-          </p:nvPr>
-        </p:nvSpPr>
-        <p:spPr/>
-        <p:txBody>
-          <a:bodyPr/>
-          <a:lstStyle/>
-          <a:p>
-            <a:fld id="{4AD8DDEF-9CD1-B641-ADE5-2BEE59567BE6}" type="slidenum">
-              <a:rPr lang="en-US" smtClean="0"/>
-              <a:pPr/>
-              <a:t>23</a:t>
-            </a:fld>
-            <a:endParaRPr lang="en-US"/>
-          </a:p>
-        </p:txBody>
-      </p:sp>
-    </p:spTree>
-    <p:extLst>
-      <p:ext uri="{BB962C8B-B14F-4D97-AF65-F5344CB8AC3E}">
-        <p14:creationId xmlns:p14="http://schemas.microsoft.com/office/powerpoint/2010/main" xmlns="" val="3992340815"/>
-      </p:ext>
-    </p:extLst>
-  </p:cSld>
-  <p:clrMapOvr>
-    <a:masterClrMapping/>
-  </p:clrMapOvr>
-  <p:timing>
-    <p:tnLst>
-      <p:par>
-        <p:cTn id="1" dur="indefinite" restart="never" nodeType="tmRoot"/>
-      </p:par>
-    </p:tnLst>
-  </p:timing>
-</p:sld>
-</file>
-
-<file path=ppt/slides/slide24.xml><?xml version="1.0" encoding="utf-8"?>
-<p:sld xmlns:a="http://schemas.openxmlformats.org/drawingml/2006/main" xmlns:r="http://schemas.openxmlformats.org/officeDocument/2006/relationships" xmlns:p="http://schemas.openxmlformats.org/presentationml/2006/main">
-  <p:cSld>
-    <p:spTree>
-      <p:nvGrpSpPr>
-        <p:cNvPr id="1" name=""/>
-        <p:cNvGrpSpPr/>
-        <p:nvPr/>
-      </p:nvGrpSpPr>
-      <p:grpSpPr>
-        <a:xfrm>
-          <a:off x="0" y="0"/>
-          <a:ext cx="0" cy="0"/>
-          <a:chOff x="0" y="0"/>
-          <a:chExt cx="0" cy="0"/>
-        </a:xfrm>
-      </p:grpSpPr>
-      <p:sp>
-        <p:nvSpPr>
-          <p:cNvPr id="2" name="Title 1"/>
-          <p:cNvSpPr>
-            <a:spLocks noGrp="1"/>
-          </p:cNvSpPr>
-          <p:nvPr>
-            <p:ph type="title"/>
-          </p:nvPr>
-        </p:nvSpPr>
-        <p:spPr/>
-        <p:txBody>
-          <a:bodyPr/>
-          <a:lstStyle/>
-          <a:p>
-            <a:r>
-              <a:rPr lang="en-US" dirty="0" smtClean="0"/>
-              <a:t>Recommendations</a:t>
-            </a:r>
-            <a:endParaRPr lang="en-US" dirty="0"/>
-          </a:p>
-        </p:txBody>
-      </p:sp>
-      <p:sp>
-        <p:nvSpPr>
-          <p:cNvPr id="3" name="Content Placeholder 2"/>
-          <p:cNvSpPr>
-            <a:spLocks noGrp="1"/>
-          </p:cNvSpPr>
-          <p:nvPr>
-            <p:ph idx="1"/>
-          </p:nvPr>
-        </p:nvSpPr>
-        <p:spPr/>
-        <p:txBody>
-          <a:bodyPr>
-            <a:normAutofit/>
-          </a:bodyPr>
-          <a:lstStyle/>
-          <a:p>
-            <a:r>
-              <a:rPr lang="en-US" dirty="0" smtClean="0"/>
-              <a:t>Recommendations are a straightforward application of the Collaborative Filtering algorithm.</a:t>
-            </a:r>
-          </a:p>
-          <a:p>
-            <a:pPr lvl="1"/>
-            <a:r>
-              <a:rPr lang="en-US" dirty="0" smtClean="0"/>
-              <a:t>Collaborative filtering relates set A to set B.</a:t>
-            </a:r>
-          </a:p>
-          <a:p>
-            <a:pPr lvl="1"/>
-            <a:r>
-              <a:rPr lang="en-US" dirty="0" smtClean="0"/>
-              <a:t>Variables in set A are given a similarity metric based on expressed relations with set B.</a:t>
-            </a:r>
-          </a:p>
-          <a:p>
-            <a:pPr lvl="1"/>
-            <a:r>
-              <a:rPr lang="en-US" dirty="0" smtClean="0"/>
-              <a:t>We can then make guess that relations between individual members of set A can be predicted by those similar.</a:t>
-            </a:r>
-          </a:p>
-          <a:p>
-            <a:r>
-              <a:rPr lang="en-US" dirty="0" smtClean="0"/>
-              <a:t>Recommendations</a:t>
-            </a:r>
-          </a:p>
-          <a:p>
-            <a:pPr lvl="1"/>
-            <a:r>
-              <a:rPr lang="en-US" dirty="0" smtClean="0"/>
-              <a:t>Let’s call set A: users and set B: items (as this is the most obvious application of CF.</a:t>
-            </a:r>
-            <a:endParaRPr lang="en-US" dirty="0"/>
-          </a:p>
-          <a:p>
-            <a:pPr lvl="1"/>
-            <a:r>
-              <a:rPr lang="en-US" dirty="0" smtClean="0"/>
-              <a:t>We recommend items to users based on users’ expressed preferences.</a:t>
-            </a:r>
-          </a:p>
-        </p:txBody>
-      </p:sp>
-      <p:sp>
-        <p:nvSpPr>
-          <p:cNvPr id="4" name="Footer Placeholder 3"/>
-          <p:cNvSpPr>
-            <a:spLocks noGrp="1"/>
-          </p:cNvSpPr>
-          <p:nvPr>
-            <p:ph type="ftr" sz="quarter" idx="11"/>
-          </p:nvPr>
-        </p:nvSpPr>
-        <p:spPr/>
-        <p:txBody>
-          <a:bodyPr/>
-          <a:lstStyle/>
-          <a:p>
-            <a:r>
-              <a:rPr lang="en-US" smtClean="0"/>
-              <a:t>(c) ElephantScale.com 2014</a:t>
-            </a:r>
-            <a:endParaRPr lang="en-US"/>
-          </a:p>
-        </p:txBody>
-      </p:sp>
-      <p:sp>
-        <p:nvSpPr>
-          <p:cNvPr id="5" name="Slide Number Placeholder 4"/>
-          <p:cNvSpPr>
-            <a:spLocks noGrp="1"/>
-          </p:cNvSpPr>
-          <p:nvPr>
-            <p:ph type="sldNum" sz="quarter" idx="12"/>
-          </p:nvPr>
-        </p:nvSpPr>
-        <p:spPr/>
-        <p:txBody>
-          <a:bodyPr/>
-          <a:lstStyle/>
-          <a:p>
-            <a:fld id="{4AD8DDEF-9CD1-B641-ADE5-2BEE59567BE6}" type="slidenum">
-              <a:rPr lang="en-US" smtClean="0"/>
-              <a:pPr/>
-              <a:t>24</a:t>
-            </a:fld>
-            <a:endParaRPr lang="en-US"/>
-          </a:p>
-        </p:txBody>
-      </p:sp>
-    </p:spTree>
-    <p:extLst>
-      <p:ext uri="{BB962C8B-B14F-4D97-AF65-F5344CB8AC3E}">
-        <p14:creationId xmlns:p14="http://schemas.microsoft.com/office/powerpoint/2010/main" xmlns="" val="2174042868"/>
+        <p14:creationId xmlns="" xmlns:p14="http://schemas.microsoft.com/office/powerpoint/2010/main" val="3527473027"/>
       </p:ext>
     </p:extLst>
   </p:cSld>
@@ -12816,61 +12935,40 @@
           <a:p>
             <a:r>
               <a:rPr lang="en-US" dirty="0" smtClean="0"/>
-              <a:t>Collaborative Filtering</a:t>
+              <a:t>Recommendations From Netflix (With Profiles)</a:t>
             </a:r>
             <a:endParaRPr lang="en-US" dirty="0"/>
           </a:p>
         </p:txBody>
       </p:sp>
-      <p:sp>
-        <p:nvSpPr>
-          <p:cNvPr id="3" name="Content Placeholder 2"/>
-          <p:cNvSpPr>
-            <a:spLocks noGrp="1"/>
-          </p:cNvSpPr>
+      <p:pic>
+        <p:nvPicPr>
+          <p:cNvPr id="4" name="Content Placeholder 3" descr="Screen Shot 2014-06-17 at 11.14.01 PM.png"/>
+          <p:cNvPicPr>
+            <a:picLocks noGrp="1" noChangeAspect="1"/>
+          </p:cNvPicPr>
           <p:nvPr>
             <p:ph idx="1"/>
           </p:nvPr>
-        </p:nvSpPr>
-        <p:spPr/>
-        <p:txBody>
-          <a:bodyPr/>
-          <a:lstStyle/>
-          <a:p>
-            <a:r>
-              <a:rPr lang="en-US" dirty="0" smtClean="0"/>
-              <a:t>Collaborative Filtering (CF) is commonly used in Recommendations “Recommended For You” or “More Like This” functionality</a:t>
-            </a:r>
-          </a:p>
-          <a:p>
-            <a:r>
-              <a:rPr lang="en-US" dirty="0" smtClean="0"/>
-              <a:t>Recommendations can be explicit (based on user ratings), or implicit (based on user interest)</a:t>
-            </a:r>
-          </a:p>
-          <a:p>
-            <a:r>
-              <a:rPr lang="en-US" dirty="0" smtClean="0"/>
-              <a:t>CF usually involves concepts of Users and Items, with users expressing some preference for items.  However, it need NOT actually be users and items; it could be any kind of association in which between one set of data and another.</a:t>
-            </a:r>
-          </a:p>
-          <a:p>
-            <a:r>
-              <a:rPr lang="en-US" dirty="0" smtClean="0"/>
-              <a:t>Users and Items could be the same (example: dating site)</a:t>
-            </a:r>
-          </a:p>
-          <a:p>
-            <a:endParaRPr lang="en-US" dirty="0" smtClean="0"/>
-          </a:p>
-          <a:p>
-            <a:endParaRPr lang="en-US" dirty="0"/>
-          </a:p>
-        </p:txBody>
-      </p:sp>
-      <p:sp>
-        <p:nvSpPr>
-          <p:cNvPr id="4" name="Footer Placeholder 3"/>
+        </p:nvPicPr>
+        <p:blipFill>
+          <a:blip r:embed="rId2">
+            <a:extLst>
+              <a:ext uri="{28A0092B-C50C-407E-A947-70E740481C1C}">
+                <a14:useLocalDpi xmlns="" xmlns:a14="http://schemas.microsoft.com/office/drawing/2010/main" val="0"/>
+              </a:ext>
+            </a:extLst>
+          </a:blip>
+          <a:srcRect t="-736" b="-736"/>
+          <a:stretch>
+            <a:fillRect/>
+          </a:stretch>
+        </p:blipFill>
+        <p:spPr/>
+      </p:pic>
+      <p:sp>
+        <p:nvSpPr>
+          <p:cNvPr id="3" name="Footer Placeholder 2"/>
           <p:cNvSpPr>
             <a:spLocks noGrp="1"/>
           </p:cNvSpPr>
@@ -12918,7 +13016,7 @@
     </p:spTree>
     <p:extLst>
       <p:ext uri="{BB962C8B-B14F-4D97-AF65-F5344CB8AC3E}">
-        <p14:creationId xmlns:p14="http://schemas.microsoft.com/office/powerpoint/2010/main" xmlns="" val="376185666"/>
+        <p14:creationId xmlns="" xmlns:p14="http://schemas.microsoft.com/office/powerpoint/2010/main" val="3992340815"/>
       </p:ext>
     </p:extLst>
   </p:cSld>
@@ -12969,40 +13067,81 @@
           <a:p>
             <a:r>
               <a:rPr lang="en-US" dirty="0" smtClean="0"/>
-              <a:t>Ratings Matrix : Users / Movies</a:t>
+              <a:t>Recommendations</a:t>
             </a:r>
             <a:endParaRPr lang="en-US" dirty="0"/>
           </a:p>
         </p:txBody>
       </p:sp>
-      <p:pic>
-        <p:nvPicPr>
-          <p:cNvPr id="4" name="Content Placeholder 3" descr="Screen Shot 2014-06-17 at 11.20.02 PM.png"/>
-          <p:cNvPicPr>
-            <a:picLocks noGrp="1" noChangeAspect="1"/>
-          </p:cNvPicPr>
+      <p:sp>
+        <p:nvSpPr>
+          <p:cNvPr id="3" name="Content Placeholder 2"/>
+          <p:cNvSpPr>
+            <a:spLocks noGrp="1"/>
+          </p:cNvSpPr>
           <p:nvPr>
             <p:ph idx="1"/>
           </p:nvPr>
-        </p:nvPicPr>
-        <p:blipFill>
-          <a:blip r:embed="rId2">
-            <a:extLst>
-              <a:ext uri="{28A0092B-C50C-407E-A947-70E740481C1C}">
-                <a14:useLocalDpi xmlns:a14="http://schemas.microsoft.com/office/drawing/2010/main" xmlns="" val="0"/>
-              </a:ext>
-            </a:extLst>
-          </a:blip>
-          <a:srcRect t="-13879" b="-13879"/>
-          <a:stretch>
-            <a:fillRect/>
-          </a:stretch>
-        </p:blipFill>
-        <p:spPr/>
-      </p:pic>
-      <p:sp>
-        <p:nvSpPr>
-          <p:cNvPr id="3" name="Footer Placeholder 2"/>
+        </p:nvSpPr>
+        <p:spPr/>
+        <p:txBody>
+          <a:bodyPr>
+            <a:normAutofit/>
+          </a:bodyPr>
+          <a:lstStyle/>
+          <a:p>
+            <a:r>
+              <a:rPr lang="en-US" dirty="0" smtClean="0"/>
+              <a:t>Recommendations are a straightforward application of the Collaborative Filtering algorithm.</a:t>
+            </a:r>
+          </a:p>
+          <a:p>
+            <a:pPr lvl="1"/>
+            <a:r>
+              <a:rPr lang="en-US" dirty="0" smtClean="0"/>
+              <a:t>Collaborative filtering relates set A to set B.</a:t>
+            </a:r>
+          </a:p>
+          <a:p>
+            <a:pPr lvl="1"/>
+            <a:r>
+              <a:rPr lang="en-US" dirty="0" smtClean="0"/>
+              <a:t>Variables in set A are given a similarity metric based on expressed relations with set B.</a:t>
+            </a:r>
+          </a:p>
+          <a:p>
+            <a:pPr lvl="1"/>
+            <a:r>
+              <a:rPr lang="en-US" dirty="0" smtClean="0"/>
+              <a:t>We can then make guess that relations between individual members of set A can be predicted by those similar.</a:t>
+            </a:r>
+          </a:p>
+          <a:p>
+            <a:r>
+              <a:rPr lang="en-US" dirty="0" smtClean="0"/>
+              <a:t>Recommendations</a:t>
+            </a:r>
+          </a:p>
+          <a:p>
+            <a:pPr lvl="1"/>
+            <a:r>
+              <a:rPr lang="en-US" dirty="0" smtClean="0"/>
+              <a:t>Let’s call set A: users and set B: items (as this is the most obvious application of CF.</a:t>
+            </a:r>
+            <a:endParaRPr lang="en-US" dirty="0"/>
+          </a:p>
+          <a:p>
+            <a:pPr lvl="1"/>
+            <a:r>
+              <a:rPr lang="en-US" dirty="0" smtClean="0"/>
+              <a:t>We recommend items to users based on users’ expressed preferences.</a:t>
+            </a:r>
+          </a:p>
+        </p:txBody>
+      </p:sp>
+      <p:sp>
+        <p:nvSpPr>
+          <p:cNvPr id="4" name="Footer Placeholder 3"/>
           <p:cNvSpPr>
             <a:spLocks noGrp="1"/>
           </p:cNvSpPr>
@@ -13050,7 +13189,7 @@
     </p:spTree>
     <p:extLst>
       <p:ext uri="{BB962C8B-B14F-4D97-AF65-F5344CB8AC3E}">
-        <p14:creationId xmlns:p14="http://schemas.microsoft.com/office/powerpoint/2010/main" xmlns="" val="3658327973"/>
+        <p14:creationId xmlns="" xmlns:p14="http://schemas.microsoft.com/office/powerpoint/2010/main" val="2174042868"/>
       </p:ext>
     </p:extLst>
   </p:cSld>
@@ -13101,40 +13240,77 @@
           <a:p>
             <a:r>
               <a:rPr lang="en-US" dirty="0" smtClean="0"/>
-              <a:t>Item Ratings Matrix</a:t>
+              <a:t>Collaborative Filtering</a:t>
             </a:r>
             <a:endParaRPr lang="en-US" dirty="0"/>
           </a:p>
         </p:txBody>
       </p:sp>
-      <p:pic>
-        <p:nvPicPr>
-          <p:cNvPr id="4" name="Content Placeholder 3" descr="Screen Shot 2014-06-17 at 11.29.51 PM.png"/>
-          <p:cNvPicPr>
-            <a:picLocks noGrp="1" noChangeAspect="1"/>
-          </p:cNvPicPr>
+      <p:sp>
+        <p:nvSpPr>
+          <p:cNvPr id="3" name="Content Placeholder 2"/>
+          <p:cNvSpPr>
+            <a:spLocks noGrp="1"/>
+          </p:cNvSpPr>
           <p:nvPr>
             <p:ph idx="1"/>
           </p:nvPr>
-        </p:nvPicPr>
-        <p:blipFill>
-          <a:blip r:embed="rId2">
-            <a:extLst>
-              <a:ext uri="{28A0092B-C50C-407E-A947-70E740481C1C}">
-                <a14:useLocalDpi xmlns:a14="http://schemas.microsoft.com/office/drawing/2010/main" xmlns="" val="0"/>
-              </a:ext>
-            </a:extLst>
-          </a:blip>
-          <a:srcRect l="-14843" r="-14843"/>
-          <a:stretch>
-            <a:fillRect/>
-          </a:stretch>
-        </p:blipFill>
-        <p:spPr/>
-      </p:pic>
-      <p:sp>
-        <p:nvSpPr>
-          <p:cNvPr id="3" name="Footer Placeholder 2"/>
+        </p:nvSpPr>
+        <p:spPr/>
+        <p:txBody>
+          <a:bodyPr/>
+          <a:lstStyle/>
+          <a:p>
+            <a:r>
+              <a:rPr lang="en-US" dirty="0" smtClean="0"/>
+              <a:t>Collaborative Filtering (CF) is commonly used in Recommendations “Recommended For You” or “More Like This” </a:t>
+            </a:r>
+            <a:r>
+              <a:rPr lang="en-US" dirty="0" smtClean="0"/>
+              <a:t>functionality</a:t>
+            </a:r>
+          </a:p>
+          <a:p>
+            <a:r>
+              <a:rPr lang="en-US" dirty="0" smtClean="0"/>
+              <a:t>Recommendations </a:t>
+            </a:r>
+            <a:r>
+              <a:rPr lang="en-US" dirty="0" smtClean="0"/>
+              <a:t>can be explicit (based on user ratings), or implicit (based on user interest)</a:t>
+            </a:r>
+          </a:p>
+          <a:p>
+            <a:r>
+              <a:rPr lang="en-US" dirty="0" smtClean="0"/>
+              <a:t>CF is expressed as Users -&gt; Items</a:t>
+            </a:r>
+          </a:p>
+          <a:p>
+            <a:pPr lvl="1"/>
+            <a:r>
+              <a:rPr lang="en-US" dirty="0" smtClean="0"/>
+              <a:t>However, any correlation could be modeled as users to items.</a:t>
+            </a:r>
+            <a:endParaRPr lang="en-US" dirty="0" smtClean="0"/>
+          </a:p>
+          <a:p>
+            <a:r>
+              <a:rPr lang="en-US" dirty="0" smtClean="0"/>
+              <a:t>Users and Items could be the same (example: dating site)</a:t>
+            </a:r>
+          </a:p>
+          <a:p>
+            <a:endParaRPr lang="en-US" dirty="0" smtClean="0"/>
+          </a:p>
+          <a:p>
+            <a:endParaRPr lang="en-US" dirty="0"/>
+          </a:p>
+        </p:txBody>
+      </p:sp>
+      <p:sp>
+        <p:nvSpPr>
+          <p:cNvPr id="4" name="Footer Placeholder 3"/>
           <p:cNvSpPr>
             <a:spLocks noGrp="1"/>
           </p:cNvSpPr>
@@ -13148,10 +13324,10 @@
           <a:lstStyle/>
           <a:p>
             <a:r>
-              <a:rPr lang="en-US" dirty="0" smtClean="0"/>
+              <a:rPr lang="en-US" smtClean="0"/>
               <a:t>(c) ElephantScale.com 2014</a:t>
             </a:r>
-            <a:endParaRPr lang="en-US" dirty="0"/>
+            <a:endParaRPr lang="en-US"/>
           </a:p>
         </p:txBody>
       </p:sp>
@@ -13175,14 +13351,14 @@
               <a:pPr/>
               <a:t>27</a:t>
             </a:fld>
-            <a:endParaRPr lang="en-US" dirty="0"/>
+            <a:endParaRPr lang="en-US"/>
           </a:p>
         </p:txBody>
       </p:sp>
     </p:spTree>
     <p:extLst>
       <p:ext uri="{BB962C8B-B14F-4D97-AF65-F5344CB8AC3E}">
-        <p14:creationId xmlns:p14="http://schemas.microsoft.com/office/powerpoint/2010/main" xmlns="" val="2784375879"/>
+        <p14:creationId xmlns="" xmlns:p14="http://schemas.microsoft.com/office/powerpoint/2010/main" val="376185666"/>
       </p:ext>
     </p:extLst>
   </p:cSld>
@@ -13232,204 +13408,41 @@
           <a:lstStyle/>
           <a:p>
             <a:r>
-              <a:rPr lang="en-US" dirty="0" err="1" smtClean="0"/>
-              <a:t>MLLib</a:t>
-            </a:r>
-            <a:r>
-              <a:rPr lang="en-US" dirty="0" smtClean="0"/>
-              <a:t> &amp; Recommendations</a:t>
+              <a:rPr lang="en-US" dirty="0" smtClean="0"/>
+              <a:t>Ratings Matrix : Users / Movies</a:t>
             </a:r>
             <a:endParaRPr lang="en-US" dirty="0"/>
           </a:p>
         </p:txBody>
       </p:sp>
-      <p:sp>
-        <p:nvSpPr>
-          <p:cNvPr id="3" name="Content Placeholder 2"/>
-          <p:cNvSpPr>
-            <a:spLocks noGrp="1"/>
-          </p:cNvSpPr>
+      <p:pic>
+        <p:nvPicPr>
+          <p:cNvPr id="4" name="Content Placeholder 3" descr="Screen Shot 2014-06-17 at 11.20.02 PM.png"/>
+          <p:cNvPicPr>
+            <a:picLocks noGrp="1" noChangeAspect="1"/>
+          </p:cNvPicPr>
           <p:nvPr>
             <p:ph idx="1"/>
           </p:nvPr>
-        </p:nvSpPr>
-        <p:spPr/>
-        <p:txBody>
-          <a:bodyPr/>
-          <a:lstStyle/>
-          <a:p>
-            <a:r>
-              <a:rPr lang="en-US" dirty="0" smtClean="0"/>
-              <a:t>Uses the Recommendations.ALS</a:t>
-            </a:r>
-          </a:p>
-          <a:p>
-            <a:r>
-              <a:rPr lang="en-US" dirty="0" smtClean="0"/>
-              <a:t>ALS = Alternating Least Squares algorithm</a:t>
-            </a:r>
-          </a:p>
-          <a:p>
-            <a:r>
-              <a:rPr lang="en-US" dirty="0" smtClean="0"/>
-              <a:t>Train Model using number of iterations and rank.</a:t>
-            </a:r>
-          </a:p>
-          <a:p>
-            <a:r>
-              <a:rPr lang="en-US" dirty="0" smtClean="0"/>
-              <a:t>Class “Rating”, contains a </a:t>
-            </a:r>
-            <a:r>
-              <a:rPr lang="en-US" dirty="0" err="1" smtClean="0"/>
-              <a:t>UserId</a:t>
-            </a:r>
-            <a:r>
-              <a:rPr lang="en-US" dirty="0" smtClean="0"/>
-              <a:t>, </a:t>
-            </a:r>
-            <a:r>
-              <a:rPr lang="en-US" dirty="0" err="1" smtClean="0"/>
-              <a:t>ItemId</a:t>
-            </a:r>
-            <a:r>
-              <a:rPr lang="en-US" dirty="0" smtClean="0"/>
-              <a:t>, and numeric rating (i.e. 0-5).  </a:t>
-            </a:r>
-          </a:p>
-          <a:p>
-            <a:pPr lvl="1"/>
-            <a:r>
-              <a:rPr lang="en-US" b="1" dirty="0" err="1" smtClean="0"/>
-              <a:t>val</a:t>
-            </a:r>
-            <a:r>
-              <a:rPr lang="en-US" dirty="0" smtClean="0"/>
-              <a:t> ratings </a:t>
-            </a:r>
-            <a:r>
-              <a:rPr lang="en-US" b="1" dirty="0" smtClean="0"/>
-              <a:t>=</a:t>
-            </a:r>
-            <a:r>
-              <a:rPr lang="en-US" dirty="0" smtClean="0"/>
-              <a:t> data.map(</a:t>
-            </a:r>
-            <a:r>
-              <a:rPr lang="en-US" b="1" dirty="0" smtClean="0"/>
-              <a:t>_</a:t>
-            </a:r>
-            <a:r>
-              <a:rPr lang="en-US" dirty="0" smtClean="0"/>
-              <a:t>.split(',') </a:t>
-            </a:r>
-            <a:r>
-              <a:rPr lang="en-US" b="1" dirty="0" smtClean="0"/>
-              <a:t>match</a:t>
-            </a:r>
-            <a:r>
-              <a:rPr lang="en-US" dirty="0" smtClean="0"/>
-              <a:t> { </a:t>
-            </a:r>
-            <a:r>
-              <a:rPr lang="en-US" b="1" dirty="0" smtClean="0"/>
-              <a:t>case</a:t>
-            </a:r>
-            <a:r>
-              <a:rPr lang="en-US" dirty="0" smtClean="0"/>
-              <a:t> </a:t>
-            </a:r>
-            <a:r>
-              <a:rPr lang="en-US" b="1" dirty="0" smtClean="0"/>
-              <a:t>Array</a:t>
-            </a:r>
-            <a:r>
-              <a:rPr lang="en-US" dirty="0" smtClean="0"/>
-              <a:t>(user, item, rate) </a:t>
-            </a:r>
-            <a:r>
-              <a:rPr lang="en-US" b="1" dirty="0" smtClean="0"/>
-              <a:t>=&gt;</a:t>
-            </a:r>
-            <a:r>
-              <a:rPr lang="en-US" dirty="0" smtClean="0"/>
-              <a:t> </a:t>
-            </a:r>
-            <a:r>
-              <a:rPr lang="en-US" b="1" dirty="0" smtClean="0"/>
-              <a:t>Rating</a:t>
-            </a:r>
-            <a:r>
-              <a:rPr lang="en-US" dirty="0" smtClean="0"/>
-              <a:t>(</a:t>
-            </a:r>
-            <a:r>
-              <a:rPr lang="en-US" dirty="0" err="1" smtClean="0"/>
-              <a:t>user.toInt</a:t>
-            </a:r>
-            <a:r>
-              <a:rPr lang="en-US" dirty="0" smtClean="0"/>
-              <a:t>, </a:t>
-            </a:r>
-            <a:r>
-              <a:rPr lang="en-US" dirty="0" err="1" smtClean="0"/>
-              <a:t>item.toInt</a:t>
-            </a:r>
-            <a:r>
-              <a:rPr lang="en-US" dirty="0" smtClean="0"/>
-              <a:t>, </a:t>
-            </a:r>
-            <a:r>
-              <a:rPr lang="en-US" dirty="0" err="1" smtClean="0"/>
-              <a:t>rate.toDouble</a:t>
-            </a:r>
-            <a:r>
-              <a:rPr lang="en-US" dirty="0" smtClean="0"/>
-              <a:t>) })</a:t>
-            </a:r>
-          </a:p>
-          <a:p>
-            <a:r>
-              <a:rPr lang="en-US" dirty="0" smtClean="0"/>
-              <a:t>Train model using training data:</a:t>
-            </a:r>
-          </a:p>
-          <a:p>
-            <a:pPr lvl="1"/>
-            <a:r>
-              <a:rPr lang="sv-SE" b="1" dirty="0" smtClean="0"/>
-              <a:t>val</a:t>
-            </a:r>
-            <a:r>
-              <a:rPr lang="sv-SE" dirty="0" smtClean="0"/>
-              <a:t> model </a:t>
-            </a:r>
-            <a:r>
-              <a:rPr lang="sv-SE" b="1" dirty="0" smtClean="0"/>
-              <a:t>=</a:t>
-            </a:r>
-            <a:r>
-              <a:rPr lang="sv-SE" dirty="0" smtClean="0"/>
-              <a:t> </a:t>
-            </a:r>
-            <a:r>
-              <a:rPr lang="sv-SE" b="1" dirty="0" smtClean="0"/>
-              <a:t>ALS</a:t>
-            </a:r>
-            <a:r>
-              <a:rPr lang="sv-SE" dirty="0" smtClean="0"/>
-              <a:t>.train(ratings, rank, numIterations, 0.01)</a:t>
-            </a:r>
-          </a:p>
-          <a:p>
-            <a:pPr lvl="1"/>
-            <a:endParaRPr lang="en-US" dirty="0"/>
-          </a:p>
-        </p:txBody>
-      </p:sp>
-      <p:sp>
-        <p:nvSpPr>
-          <p:cNvPr id="4" name="Footer Placeholder 3"/>
+        </p:nvPicPr>
+        <p:blipFill>
+          <a:blip r:embed="rId2">
+            <a:extLst>
+              <a:ext uri="{28A0092B-C50C-407E-A947-70E740481C1C}">
+                <a14:useLocalDpi xmlns="" xmlns:a14="http://schemas.microsoft.com/office/drawing/2010/main" val="0"/>
+              </a:ext>
+            </a:extLst>
+          </a:blip>
+          <a:srcRect t="-13879" b="-13879"/>
+          <a:stretch>
+            <a:fillRect/>
+          </a:stretch>
+        </p:blipFill>
+        <p:spPr/>
+      </p:pic>
+      <p:sp>
+        <p:nvSpPr>
+          <p:cNvPr id="3" name="Footer Placeholder 2"/>
           <p:cNvSpPr>
             <a:spLocks noGrp="1"/>
           </p:cNvSpPr>
@@ -13477,7 +13490,7 @@
     </p:spTree>
     <p:extLst>
       <p:ext uri="{BB962C8B-B14F-4D97-AF65-F5344CB8AC3E}">
-        <p14:creationId xmlns:p14="http://schemas.microsoft.com/office/powerpoint/2010/main" xmlns="" val="1251454248"/>
+        <p14:creationId xmlns="" xmlns:p14="http://schemas.microsoft.com/office/powerpoint/2010/main" val="3658327973"/>
       </p:ext>
     </p:extLst>
   </p:cSld>
@@ -13528,7 +13541,7 @@
           <a:p>
             <a:r>
               <a:rPr lang="en-US" dirty="0" smtClean="0"/>
-              <a:t>ROC Curve</a:t>
+              <a:t>Item Ratings Matrix</a:t>
             </a:r>
             <a:endParaRPr lang="en-US" dirty="0"/>
           </a:p>
@@ -13536,7 +13549,7 @@
       </p:sp>
       <p:pic>
         <p:nvPicPr>
-          <p:cNvPr id="6" name="Content Placeholder 5" descr="ROC_space.png"/>
+          <p:cNvPr id="4" name="Content Placeholder 3" descr="Screen Shot 2014-06-17 at 11.29.51 PM.png"/>
           <p:cNvPicPr>
             <a:picLocks noGrp="1" noChangeAspect="1"/>
           </p:cNvPicPr>
@@ -13548,11 +13561,11 @@
           <a:blip r:embed="rId2">
             <a:extLst>
               <a:ext uri="{28A0092B-C50C-407E-A947-70E740481C1C}">
-                <a14:useLocalDpi xmlns:a14="http://schemas.microsoft.com/office/drawing/2010/main" xmlns="" val="0"/>
+                <a14:useLocalDpi xmlns="" xmlns:a14="http://schemas.microsoft.com/office/drawing/2010/main" val="0"/>
               </a:ext>
             </a:extLst>
           </a:blip>
-          <a:srcRect l="-43632" r="-43632"/>
+          <a:srcRect l="-14843" r="-14843"/>
           <a:stretch>
             <a:fillRect/>
           </a:stretch>
@@ -13561,7 +13574,7 @@
       </p:pic>
       <p:sp>
         <p:nvSpPr>
-          <p:cNvPr id="4" name="Footer Placeholder 3"/>
+          <p:cNvPr id="3" name="Footer Placeholder 2"/>
           <p:cNvSpPr>
             <a:spLocks noGrp="1"/>
           </p:cNvSpPr>
@@ -13575,10 +13588,10 @@
           <a:lstStyle/>
           <a:p>
             <a:r>
-              <a:rPr lang="en-US" smtClean="0"/>
+              <a:rPr lang="en-US" dirty="0" smtClean="0"/>
               <a:t>(c) ElephantScale.com 2014</a:t>
             </a:r>
-            <a:endParaRPr lang="en-US"/>
+            <a:endParaRPr lang="en-US" dirty="0"/>
           </a:p>
         </p:txBody>
       </p:sp>
@@ -13602,83 +13615,14 @@
               <a:pPr/>
               <a:t>29</a:t>
             </a:fld>
-            <a:endParaRPr lang="en-US"/>
-          </a:p>
-        </p:txBody>
-      </p:sp>
-      <p:sp>
-        <p:nvSpPr>
-          <p:cNvPr id="7" name="TextBox 6"/>
-          <p:cNvSpPr txBox="1"/>
-          <p:nvPr/>
-        </p:nvSpPr>
-        <p:spPr>
-          <a:xfrm>
-            <a:off x="2647643" y="6402948"/>
-            <a:ext cx="5658157" cy="307777"/>
-          </a:xfrm>
-          <a:prstGeom prst="rect">
-            <a:avLst/>
-          </a:prstGeom>
-          <a:noFill/>
-        </p:spPr>
-        <p:txBody>
-          <a:bodyPr wrap="none" rtlCol="0">
-            <a:spAutoFit/>
-          </a:bodyPr>
-          <a:lstStyle/>
-          <a:p>
-            <a:r>
-              <a:rPr lang="en-US" sz="1400" dirty="0">
-                <a:solidFill>
-                  <a:schemeClr val="bg1">
-                    <a:lumMod val="65000"/>
-                  </a:schemeClr>
-                </a:solidFill>
-              </a:rPr>
-              <a:t>Source : http://</a:t>
-            </a:r>
-            <a:r>
-              <a:rPr lang="en-US" sz="1400" dirty="0" err="1">
-                <a:solidFill>
-                  <a:schemeClr val="bg1">
-                    <a:lumMod val="65000"/>
-                  </a:schemeClr>
-                </a:solidFill>
-              </a:rPr>
-              <a:t>commons.wikimedia.org</a:t>
-            </a:r>
-            <a:r>
-              <a:rPr lang="en-US" sz="1400" dirty="0">
-                <a:solidFill>
-                  <a:schemeClr val="bg1">
-                    <a:lumMod val="65000"/>
-                  </a:schemeClr>
-                </a:solidFill>
-              </a:rPr>
-              <a:t>/wiki/</a:t>
-            </a:r>
-            <a:r>
-              <a:rPr lang="en-US" sz="1400" dirty="0" err="1">
-                <a:solidFill>
-                  <a:schemeClr val="bg1">
-                    <a:lumMod val="65000"/>
-                  </a:schemeClr>
-                </a:solidFill>
-              </a:rPr>
-              <a:t>File:ROC_space.png</a:t>
-            </a:r>
-            <a:r>
-              <a:rPr lang="en-US" sz="1400" dirty="0"/>
-              <a:t> </a:t>
-            </a:r>
+            <a:endParaRPr lang="en-US" dirty="0"/>
           </a:p>
         </p:txBody>
       </p:sp>
     </p:spTree>
     <p:extLst>
       <p:ext uri="{BB962C8B-B14F-4D97-AF65-F5344CB8AC3E}">
-        <p14:creationId xmlns:p14="http://schemas.microsoft.com/office/powerpoint/2010/main" xmlns="" val="2886531117"/>
+        <p14:creationId xmlns="" xmlns:p14="http://schemas.microsoft.com/office/powerpoint/2010/main" val="2784375879"/>
       </p:ext>
     </p:extLst>
   </p:cSld>
@@ -13748,7 +13692,7 @@
         <p:spPr/>
         <p:txBody>
           <a:bodyPr>
-            <a:normAutofit fontScale="92500" lnSpcReduction="20000"/>
+            <a:normAutofit lnSpcReduction="10000"/>
           </a:bodyPr>
           <a:lstStyle/>
           <a:p>
@@ -13781,18 +13725,13 @@
               <a:defRPr/>
             </a:pPr>
             <a:r>
-              <a:rPr lang="en-US" dirty="0" smtClean="0">
-                <a:solidFill>
-                  <a:srgbClr val="3366FF"/>
-                </a:solidFill>
-              </a:rPr>
-              <a:t>TODO : insert diagram of HAL</a:t>
-            </a:r>
-            <a:endParaRPr lang="en-US" dirty="0">
-              <a:solidFill>
-                <a:srgbClr val="3366FF"/>
-              </a:solidFill>
-            </a:endParaRPr>
+              <a:rPr lang="en-US" smtClean="0"/>
+              <a:t>Out </a:t>
+            </a:r>
+            <a:r>
+              <a:rPr lang="en-US" dirty="0"/>
+              <a:t>of the box ML capabilities ! </a:t>
+            </a:r>
           </a:p>
           <a:p>
             <a:pPr>
@@ -13800,7 +13739,15 @@
             </a:pPr>
             <a:r>
               <a:rPr lang="en-US" dirty="0"/>
-              <a:t>Out of the box ML capabilities ! </a:t>
+              <a:t>Java / </a:t>
+            </a:r>
+            <a:r>
+              <a:rPr lang="en-US" dirty="0" err="1"/>
+              <a:t>Scala</a:t>
+            </a:r>
+            <a:r>
+              <a:rPr lang="en-US" dirty="0"/>
+              <a:t> / Python language support  </a:t>
             </a:r>
           </a:p>
           <a:p>
@@ -13809,23 +13756,6 @@
             </a:pPr>
             <a:r>
               <a:rPr lang="en-US" dirty="0"/>
-              <a:t>Java / </a:t>
-            </a:r>
-            <a:r>
-              <a:rPr lang="en-US" dirty="0" err="1"/>
-              <a:t>Scala</a:t>
-            </a:r>
-            <a:r>
-              <a:rPr lang="en-US" dirty="0"/>
-              <a:t> / Python language support  </a:t>
-            </a:r>
-          </a:p>
-          <a:p>
-            <a:pPr>
-              <a:defRPr/>
-            </a:pPr>
-            <a:r>
-              <a:rPr lang="en-US" dirty="0"/>
               <a:t>Lots of common algorithms are supported</a:t>
             </a:r>
           </a:p>
@@ -13914,7 +13844,7 @@
     </p:spTree>
     <p:extLst>
       <p:ext uri="{BB962C8B-B14F-4D97-AF65-F5344CB8AC3E}">
-        <p14:creationId xmlns:p14="http://schemas.microsoft.com/office/powerpoint/2010/main" xmlns="" val="1286301917"/>
+        <p14:creationId xmlns="" xmlns:p14="http://schemas.microsoft.com/office/powerpoint/2010/main" val="1286301917"/>
       </p:ext>
     </p:extLst>
   </p:cSld>
@@ -13957,8 +13887,16 @@
           <a:lstStyle/>
           <a:p>
             <a:r>
-              <a:rPr lang="en-US" dirty="0" smtClean="0"/>
-              <a:t>Recommendations Lab</a:t>
+              <a:rPr lang="en-US" dirty="0" err="1" smtClean="0"/>
+              <a:t>MLlib</a:t>
+            </a:r>
+            <a:r>
+              <a:rPr lang="en-US" dirty="0" smtClean="0"/>
+              <a:t> </a:t>
+            </a:r>
+            <a:r>
+              <a:rPr lang="en-US" dirty="0" smtClean="0"/>
+              <a:t>&amp; Recommendations</a:t>
             </a:r>
             <a:endParaRPr lang="en-US" dirty="0"/>
           </a:p>
@@ -13976,43 +13914,261 @@
         </p:nvSpPr>
         <p:spPr/>
         <p:txBody>
-          <a:bodyPr/>
-          <a:lstStyle/>
-          <a:p>
-            <a:r>
-              <a:rPr lang="en-US" dirty="0" smtClean="0"/>
-              <a:t>We will use data from a Czech dating website: </a:t>
+          <a:bodyPr>
+            <a:normAutofit lnSpcReduction="10000"/>
+          </a:bodyPr>
+          <a:lstStyle/>
+          <a:p>
+            <a:r>
+              <a:rPr lang="en-US" dirty="0" smtClean="0"/>
+              <a:t>Uses the Recommendations.ALS</a:t>
+            </a:r>
+          </a:p>
+          <a:p>
+            <a:r>
+              <a:rPr lang="en-US" dirty="0" smtClean="0"/>
+              <a:t>ALS = Alternating Least Squares algorithm</a:t>
+            </a:r>
+          </a:p>
+          <a:p>
+            <a:r>
+              <a:rPr lang="en-US" dirty="0" smtClean="0"/>
+              <a:t>Train Model using number of iterations and rank.</a:t>
+            </a:r>
+          </a:p>
+          <a:p>
+            <a:r>
+              <a:rPr lang="en-US" dirty="0" smtClean="0"/>
+              <a:t>Class “Rating”, contains a </a:t>
             </a:r>
             <a:r>
               <a:rPr lang="en-US" dirty="0" err="1" smtClean="0"/>
-              <a:t>libimseti</a:t>
-            </a:r>
-            <a:endParaRPr lang="en-US" dirty="0" smtClean="0"/>
-          </a:p>
-          <a:p>
-            <a:r>
-              <a:rPr lang="en-US" dirty="0" smtClean="0"/>
-              <a:t>location   : </a:t>
+              <a:t>UserId</a:t>
+            </a:r>
+            <a:r>
+              <a:rPr lang="en-US" dirty="0" smtClean="0"/>
+              <a:t>, </a:t>
             </a:r>
             <a:r>
               <a:rPr lang="en-US" dirty="0" err="1" smtClean="0"/>
-              <a:t>mllib</a:t>
-            </a:r>
-            <a:r>
-              <a:rPr lang="en-US" dirty="0" smtClean="0"/>
-              <a:t>/</a:t>
-            </a:r>
-            <a:r>
-              <a:rPr lang="en-US" dirty="0" err="1" smtClean="0"/>
-              <a:t>recs</a:t>
-            </a:r>
-            <a:endParaRPr lang="en-US" dirty="0" smtClean="0"/>
-          </a:p>
-          <a:p>
-            <a:r>
-              <a:rPr lang="en-US" dirty="0" smtClean="0"/>
-              <a:t>Try out the solution line-by-line</a:t>
-            </a:r>
+              <a:t>ItemId</a:t>
+            </a:r>
+            <a:r>
+              <a:rPr lang="en-US" dirty="0" smtClean="0"/>
+              <a:t>, and numeric rating (i.e. 0-5).  </a:t>
+            </a:r>
+          </a:p>
+          <a:p>
+            <a:pPr lvl="1"/>
+            <a:r>
+              <a:rPr lang="en-US" b="1" dirty="0" err="1" smtClean="0">
+                <a:latin typeface="Courier New" pitchFamily="49" charset="0"/>
+                <a:cs typeface="Courier New" pitchFamily="49" charset="0"/>
+              </a:rPr>
+              <a:t>val</a:t>
+            </a:r>
+            <a:r>
+              <a:rPr lang="en-US" dirty="0" smtClean="0">
+                <a:latin typeface="Courier New" pitchFamily="49" charset="0"/>
+                <a:cs typeface="Courier New" pitchFamily="49" charset="0"/>
+              </a:rPr>
+              <a:t> ratings </a:t>
+            </a:r>
+            <a:r>
+              <a:rPr lang="en-US" b="1" dirty="0" smtClean="0">
+                <a:latin typeface="Courier New" pitchFamily="49" charset="0"/>
+                <a:cs typeface="Courier New" pitchFamily="49" charset="0"/>
+              </a:rPr>
+              <a:t>=</a:t>
+            </a:r>
+            <a:r>
+              <a:rPr lang="en-US" dirty="0" smtClean="0">
+                <a:latin typeface="Courier New" pitchFamily="49" charset="0"/>
+                <a:cs typeface="Courier New" pitchFamily="49" charset="0"/>
+              </a:rPr>
+              <a:t> data.map(</a:t>
+            </a:r>
+            <a:r>
+              <a:rPr lang="en-US" b="1" dirty="0" smtClean="0">
+                <a:latin typeface="Courier New" pitchFamily="49" charset="0"/>
+                <a:cs typeface="Courier New" pitchFamily="49" charset="0"/>
+              </a:rPr>
+              <a:t>_</a:t>
+            </a:r>
+            <a:r>
+              <a:rPr lang="en-US" dirty="0" smtClean="0">
+                <a:latin typeface="Courier New" pitchFamily="49" charset="0"/>
+                <a:cs typeface="Courier New" pitchFamily="49" charset="0"/>
+              </a:rPr>
+              <a:t>.split(',') </a:t>
+            </a:r>
+            <a:r>
+              <a:rPr lang="en-US" b="1" dirty="0" smtClean="0">
+                <a:latin typeface="Courier New" pitchFamily="49" charset="0"/>
+                <a:cs typeface="Courier New" pitchFamily="49" charset="0"/>
+              </a:rPr>
+              <a:t>match</a:t>
+            </a:r>
+            <a:r>
+              <a:rPr lang="en-US" dirty="0" smtClean="0">
+                <a:latin typeface="Courier New" pitchFamily="49" charset="0"/>
+                <a:cs typeface="Courier New" pitchFamily="49" charset="0"/>
+              </a:rPr>
+              <a:t> { </a:t>
+            </a:r>
+            <a:r>
+              <a:rPr lang="en-US" b="1" dirty="0" smtClean="0">
+                <a:latin typeface="Courier New" pitchFamily="49" charset="0"/>
+                <a:cs typeface="Courier New" pitchFamily="49" charset="0"/>
+              </a:rPr>
+              <a:t>case</a:t>
+            </a:r>
+            <a:r>
+              <a:rPr lang="en-US" dirty="0" smtClean="0">
+                <a:latin typeface="Courier New" pitchFamily="49" charset="0"/>
+                <a:cs typeface="Courier New" pitchFamily="49" charset="0"/>
+              </a:rPr>
+              <a:t> </a:t>
+            </a:r>
+            <a:r>
+              <a:rPr lang="en-US" b="1" dirty="0" smtClean="0">
+                <a:latin typeface="Courier New" pitchFamily="49" charset="0"/>
+                <a:cs typeface="Courier New" pitchFamily="49" charset="0"/>
+              </a:rPr>
+              <a:t>Array</a:t>
+            </a:r>
+            <a:r>
+              <a:rPr lang="en-US" dirty="0" smtClean="0">
+                <a:latin typeface="Courier New" pitchFamily="49" charset="0"/>
+                <a:cs typeface="Courier New" pitchFamily="49" charset="0"/>
+              </a:rPr>
+              <a:t>(user, item, rate) </a:t>
+            </a:r>
+            <a:r>
+              <a:rPr lang="en-US" b="1" dirty="0" smtClean="0">
+                <a:latin typeface="Courier New" pitchFamily="49" charset="0"/>
+                <a:cs typeface="Courier New" pitchFamily="49" charset="0"/>
+              </a:rPr>
+              <a:t>=&gt;</a:t>
+            </a:r>
+            <a:r>
+              <a:rPr lang="en-US" dirty="0" smtClean="0">
+                <a:latin typeface="Courier New" pitchFamily="49" charset="0"/>
+                <a:cs typeface="Courier New" pitchFamily="49" charset="0"/>
+              </a:rPr>
+              <a:t> </a:t>
+            </a:r>
+            <a:r>
+              <a:rPr lang="en-US" b="1" dirty="0" smtClean="0">
+                <a:latin typeface="Courier New" pitchFamily="49" charset="0"/>
+                <a:cs typeface="Courier New" pitchFamily="49" charset="0"/>
+              </a:rPr>
+              <a:t>Rating</a:t>
+            </a:r>
+            <a:r>
+              <a:rPr lang="en-US" dirty="0" smtClean="0">
+                <a:latin typeface="Courier New" pitchFamily="49" charset="0"/>
+                <a:cs typeface="Courier New" pitchFamily="49" charset="0"/>
+              </a:rPr>
+              <a:t>(</a:t>
+            </a:r>
+            <a:r>
+              <a:rPr lang="en-US" dirty="0" err="1" smtClean="0">
+                <a:latin typeface="Courier New" pitchFamily="49" charset="0"/>
+                <a:cs typeface="Courier New" pitchFamily="49" charset="0"/>
+              </a:rPr>
+              <a:t>user.toInt</a:t>
+            </a:r>
+            <a:r>
+              <a:rPr lang="en-US" dirty="0" smtClean="0">
+                <a:latin typeface="Courier New" pitchFamily="49" charset="0"/>
+                <a:cs typeface="Courier New" pitchFamily="49" charset="0"/>
+              </a:rPr>
+              <a:t>, </a:t>
+            </a:r>
+            <a:r>
+              <a:rPr lang="en-US" dirty="0" err="1" smtClean="0">
+                <a:latin typeface="Courier New" pitchFamily="49" charset="0"/>
+                <a:cs typeface="Courier New" pitchFamily="49" charset="0"/>
+              </a:rPr>
+              <a:t>item.toInt</a:t>
+            </a:r>
+            <a:r>
+              <a:rPr lang="en-US" dirty="0" smtClean="0">
+                <a:latin typeface="Courier New" pitchFamily="49" charset="0"/>
+                <a:cs typeface="Courier New" pitchFamily="49" charset="0"/>
+              </a:rPr>
+              <a:t>, </a:t>
+            </a:r>
+            <a:r>
+              <a:rPr lang="en-US" dirty="0" err="1" smtClean="0">
+                <a:latin typeface="Courier New" pitchFamily="49" charset="0"/>
+                <a:cs typeface="Courier New" pitchFamily="49" charset="0"/>
+              </a:rPr>
+              <a:t>rate.toDouble</a:t>
+            </a:r>
+            <a:r>
+              <a:rPr lang="en-US" dirty="0" smtClean="0">
+                <a:latin typeface="Courier New" pitchFamily="49" charset="0"/>
+                <a:cs typeface="Courier New" pitchFamily="49" charset="0"/>
+              </a:rPr>
+              <a:t>) })</a:t>
+            </a:r>
+          </a:p>
+          <a:p>
+            <a:r>
+              <a:rPr lang="en-US" dirty="0" smtClean="0"/>
+              <a:t>Train model using training data:</a:t>
+            </a:r>
+          </a:p>
+          <a:p>
+            <a:pPr lvl="1"/>
+            <a:r>
+              <a:rPr lang="sv-SE" b="1" dirty="0" smtClean="0">
+                <a:latin typeface="Courier New" pitchFamily="49" charset="0"/>
+                <a:cs typeface="Courier New" pitchFamily="49" charset="0"/>
+              </a:rPr>
+              <a:t>val</a:t>
+            </a:r>
+            <a:r>
+              <a:rPr lang="sv-SE" dirty="0" smtClean="0">
+                <a:latin typeface="Courier New" pitchFamily="49" charset="0"/>
+                <a:cs typeface="Courier New" pitchFamily="49" charset="0"/>
+              </a:rPr>
+              <a:t> model </a:t>
+            </a:r>
+            <a:r>
+              <a:rPr lang="sv-SE" b="1" dirty="0" smtClean="0">
+                <a:latin typeface="Courier New" pitchFamily="49" charset="0"/>
+                <a:cs typeface="Courier New" pitchFamily="49" charset="0"/>
+              </a:rPr>
+              <a:t>=</a:t>
+            </a:r>
+            <a:r>
+              <a:rPr lang="sv-SE" dirty="0" smtClean="0">
+                <a:latin typeface="Courier New" pitchFamily="49" charset="0"/>
+                <a:cs typeface="Courier New" pitchFamily="49" charset="0"/>
+              </a:rPr>
+              <a:t> </a:t>
+            </a:r>
+            <a:r>
+              <a:rPr lang="sv-SE" b="1" dirty="0" smtClean="0">
+                <a:latin typeface="Courier New" pitchFamily="49" charset="0"/>
+                <a:cs typeface="Courier New" pitchFamily="49" charset="0"/>
+              </a:rPr>
+              <a:t>ALS</a:t>
+            </a:r>
+            <a:r>
+              <a:rPr lang="sv-SE" dirty="0" smtClean="0">
+                <a:latin typeface="Courier New" pitchFamily="49" charset="0"/>
+                <a:cs typeface="Courier New" pitchFamily="49" charset="0"/>
+              </a:rPr>
+              <a:t>.train(ratings, rank, numIterations, 0.01)</a:t>
+            </a:r>
+          </a:p>
+          <a:p>
+            <a:pPr lvl="1"/>
+            <a:endParaRPr lang="en-US" dirty="0"/>
           </a:p>
         </p:txBody>
       </p:sp>
@@ -14066,7 +14222,7 @@
     </p:spTree>
     <p:extLst>
       <p:ext uri="{BB962C8B-B14F-4D97-AF65-F5344CB8AC3E}">
-        <p14:creationId xmlns:p14="http://schemas.microsoft.com/office/powerpoint/2010/main" xmlns="" val="3599210062"/>
+        <p14:creationId xmlns="" xmlns:p14="http://schemas.microsoft.com/office/powerpoint/2010/main" val="1251454248"/>
       </p:ext>
     </p:extLst>
   </p:cSld>
@@ -14117,7 +14273,7 @@
           <a:p>
             <a:r>
               <a:rPr lang="en-US" dirty="0" smtClean="0"/>
-              <a:t>Next : Classifications</a:t>
+              <a:t>Making a Prediction</a:t>
             </a:r>
             <a:endParaRPr lang="en-US" dirty="0"/>
           </a:p>
@@ -14138,7 +14294,100 @@
           <a:bodyPr/>
           <a:lstStyle/>
           <a:p>
-            <a:endParaRPr lang="en-US"/>
+            <a:r>
+              <a:rPr lang="en-US" dirty="0" smtClean="0"/>
+              <a:t>Use predict method on model (like regression/classification) </a:t>
+            </a:r>
+          </a:p>
+          <a:p>
+            <a:pPr lvl="1"/>
+            <a:r>
+              <a:rPr lang="en-US" dirty="0" smtClean="0">
+                <a:latin typeface="Courier New" pitchFamily="49" charset="0"/>
+                <a:cs typeface="Courier New" pitchFamily="49" charset="0"/>
+              </a:rPr>
+              <a:t>import </a:t>
+            </a:r>
+            <a:r>
+              <a:rPr lang="en-US" dirty="0" err="1" smtClean="0">
+                <a:latin typeface="Courier New" pitchFamily="49" charset="0"/>
+                <a:cs typeface="Courier New" pitchFamily="49" charset="0"/>
+              </a:rPr>
+              <a:t>org.apache.spark.mllib.recommendation.ALS</a:t>
+            </a:r>
+            <a:endParaRPr lang="en-US" dirty="0" smtClean="0">
+              <a:latin typeface="Courier New" pitchFamily="49" charset="0"/>
+              <a:cs typeface="Courier New" pitchFamily="49" charset="0"/>
+            </a:endParaRPr>
+          </a:p>
+          <a:p>
+            <a:pPr lvl="1">
+              <a:buNone/>
+            </a:pPr>
+            <a:r>
+              <a:rPr lang="en-US" dirty="0" smtClean="0">
+                <a:latin typeface="Courier New" pitchFamily="49" charset="0"/>
+                <a:cs typeface="Courier New" pitchFamily="49" charset="0"/>
+              </a:rPr>
+              <a:t> import </a:t>
+            </a:r>
+            <a:r>
+              <a:rPr lang="en-US" dirty="0" err="1" smtClean="0">
+                <a:latin typeface="Courier New" pitchFamily="49" charset="0"/>
+                <a:cs typeface="Courier New" pitchFamily="49" charset="0"/>
+              </a:rPr>
+              <a:t>org.apache.spark.mllib.recommendation.Rating</a:t>
+            </a:r>
+            <a:endParaRPr lang="en-US" dirty="0" smtClean="0">
+              <a:latin typeface="Courier New" pitchFamily="49" charset="0"/>
+              <a:cs typeface="Courier New" pitchFamily="49" charset="0"/>
+            </a:endParaRPr>
+          </a:p>
+          <a:p>
+            <a:pPr lvl="1"/>
+            <a:r>
+              <a:rPr lang="en-US" dirty="0" err="1" smtClean="0">
+                <a:latin typeface="Courier New" pitchFamily="49" charset="0"/>
+                <a:cs typeface="Courier New" pitchFamily="49" charset="0"/>
+              </a:rPr>
+              <a:t>Model.predict</a:t>
+            </a:r>
+            <a:r>
+              <a:rPr lang="en-US" dirty="0" smtClean="0">
+                <a:latin typeface="Courier New" pitchFamily="49" charset="0"/>
+                <a:cs typeface="Courier New" pitchFamily="49" charset="0"/>
+              </a:rPr>
+              <a:t>(</a:t>
+            </a:r>
+            <a:r>
+              <a:rPr lang="en-US" dirty="0" err="1" smtClean="0">
+                <a:latin typeface="Courier New" pitchFamily="49" charset="0"/>
+                <a:cs typeface="Courier New" pitchFamily="49" charset="0"/>
+              </a:rPr>
+              <a:t>RDDUsersItems</a:t>
+            </a:r>
+            <a:r>
+              <a:rPr lang="en-US" dirty="0" smtClean="0">
+                <a:latin typeface="Courier New" pitchFamily="49" charset="0"/>
+                <a:cs typeface="Courier New" pitchFamily="49" charset="0"/>
+              </a:rPr>
+              <a:t>)</a:t>
+            </a:r>
+          </a:p>
+          <a:p>
+            <a:pPr lvl="1"/>
+            <a:r>
+              <a:rPr lang="en-US" dirty="0" smtClean="0"/>
+              <a:t>Input Takes an RDD of user – item pairs as argument(NOT Ratings)</a:t>
+            </a:r>
+          </a:p>
+          <a:p>
+            <a:pPr lvl="1"/>
+            <a:r>
+              <a:rPr lang="en-US" dirty="0" smtClean="0"/>
+              <a:t>Returns RDD of Rating (user, item, double rating)</a:t>
+            </a:r>
+            <a:endParaRPr lang="en-US" dirty="0"/>
           </a:p>
         </p:txBody>
       </p:sp>
@@ -14159,53 +14408,17 @@
           <a:p>
             <a:r>
               <a:rPr lang="en-US" smtClean="0"/>
-              <a:t>(c) ElephantScale.com 2014</a:t>
-            </a:r>
-            <a:endParaRPr lang="en-US"/>
-          </a:p>
-        </p:txBody>
-      </p:sp>
-      <p:sp>
-        <p:nvSpPr>
-          <p:cNvPr id="5" name="Slide Number Placeholder 4"/>
-          <p:cNvSpPr>
-            <a:spLocks noGrp="1"/>
-          </p:cNvSpPr>
-          <p:nvPr>
-            <p:ph type="sldNum" sz="quarter" idx="12"/>
-          </p:nvPr>
-        </p:nvSpPr>
-        <p:spPr/>
-        <p:txBody>
-          <a:bodyPr/>
-          <a:lstStyle/>
-          <a:p>
-            <a:fld id="{4AD8DDEF-9CD1-B641-ADE5-2BEE59567BE6}" type="slidenum">
-              <a:rPr lang="en-US" smtClean="0"/>
-              <a:pPr/>
-              <a:t>31</a:t>
-            </a:fld>
-            <a:endParaRPr lang="en-US"/>
+              <a:t>© Elephant Scale, 2014</a:t>
+            </a:r>
+            <a:endParaRPr lang="en-US" dirty="0"/>
           </a:p>
         </p:txBody>
       </p:sp>
     </p:spTree>
-    <p:extLst>
-      <p:ext uri="{BB962C8B-B14F-4D97-AF65-F5344CB8AC3E}">
-        <p14:creationId xmlns:p14="http://schemas.microsoft.com/office/powerpoint/2010/main" xmlns="" val="3435585138"/>
-      </p:ext>
-    </p:extLst>
   </p:cSld>
   <p:clrMapOvr>
     <a:masterClrMapping/>
   </p:clrMapOvr>
-  <p:timing>
-    <p:tnLst>
-      <p:par>
-        <p:cTn id="1" dur="indefinite" restart="never" nodeType="tmRoot"/>
-      </p:par>
-    </p:tnLst>
-  </p:timing>
 </p:sld>
 </file>
 
@@ -14243,6 +14456,491 @@
           <a:p>
             <a:r>
               <a:rPr lang="en-US" dirty="0" smtClean="0"/>
+              <a:t>Measuring CF Performance</a:t>
+            </a:r>
+            <a:endParaRPr lang="en-US" dirty="0"/>
+          </a:p>
+        </p:txBody>
+      </p:sp>
+      <p:sp>
+        <p:nvSpPr>
+          <p:cNvPr id="3" name="Content Placeholder 2"/>
+          <p:cNvSpPr>
+            <a:spLocks noGrp="1"/>
+          </p:cNvSpPr>
+          <p:nvPr>
+            <p:ph idx="1"/>
+          </p:nvPr>
+        </p:nvSpPr>
+        <p:spPr/>
+        <p:txBody>
+          <a:bodyPr/>
+          <a:lstStyle/>
+          <a:p>
+            <a:r>
+              <a:rPr lang="en-US" dirty="0" smtClean="0"/>
+              <a:t>CF in Spark is treated as a “supervised” ML task.</a:t>
+            </a:r>
+            <a:endParaRPr lang="en-US" dirty="0" smtClean="0"/>
+          </a:p>
+          <a:p>
+            <a:pPr lvl="1"/>
+            <a:r>
+              <a:rPr lang="en-US" dirty="0" smtClean="0"/>
+              <a:t>Best if we have some test data not part of training set to compare.</a:t>
+            </a:r>
+          </a:p>
+          <a:p>
+            <a:pPr lvl="1"/>
+            <a:r>
+              <a:rPr lang="en-US" dirty="0" smtClean="0"/>
+              <a:t>If not, can use some training data.</a:t>
+            </a:r>
+            <a:endParaRPr lang="en-US" dirty="0" smtClean="0"/>
+          </a:p>
+          <a:p>
+            <a:r>
+              <a:rPr lang="en-US" dirty="0" smtClean="0"/>
+              <a:t>Calculate error = difference in predicted preference to actual.</a:t>
+            </a:r>
+          </a:p>
+          <a:p>
+            <a:pPr lvl="1"/>
+            <a:r>
+              <a:rPr lang="en-US" dirty="0" smtClean="0"/>
+              <a:t>Aggregate error as MSE (Mean Squared Error).</a:t>
+            </a:r>
+          </a:p>
+          <a:p>
+            <a:pPr lvl="1">
+              <a:buNone/>
+            </a:pPr>
+            <a:r>
+              <a:rPr lang="en-US" dirty="0" err="1" smtClean="0">
+                <a:latin typeface="Courier New" pitchFamily="49" charset="0"/>
+                <a:cs typeface="Courier New" pitchFamily="49" charset="0"/>
+              </a:rPr>
+              <a:t>val</a:t>
+            </a:r>
+            <a:r>
+              <a:rPr lang="en-US" dirty="0" smtClean="0">
+                <a:latin typeface="Courier New" pitchFamily="49" charset="0"/>
+                <a:cs typeface="Courier New" pitchFamily="49" charset="0"/>
+              </a:rPr>
+              <a:t> MSE = ratingsAndRecs.map { case ((user, item), (r1, r2)) =&gt; </a:t>
+            </a:r>
+          </a:p>
+          <a:p>
+            <a:pPr lvl="1">
+              <a:buNone/>
+            </a:pPr>
+            <a:r>
+              <a:rPr lang="en-US" dirty="0" smtClean="0">
+                <a:latin typeface="Courier New" pitchFamily="49" charset="0"/>
+                <a:cs typeface="Courier New" pitchFamily="49" charset="0"/>
+              </a:rPr>
+              <a:t>  </a:t>
+            </a:r>
+            <a:r>
+              <a:rPr lang="en-US" dirty="0" err="1" smtClean="0">
+                <a:latin typeface="Courier New" pitchFamily="49" charset="0"/>
+                <a:cs typeface="Courier New" pitchFamily="49" charset="0"/>
+              </a:rPr>
+              <a:t>val</a:t>
+            </a:r>
+            <a:r>
+              <a:rPr lang="en-US" dirty="0" smtClean="0">
+                <a:latin typeface="Courier New" pitchFamily="49" charset="0"/>
+                <a:cs typeface="Courier New" pitchFamily="49" charset="0"/>
+              </a:rPr>
+              <a:t> err = (r1 - r2)</a:t>
+            </a:r>
+          </a:p>
+          <a:p>
+            <a:pPr lvl="1">
+              <a:buNone/>
+            </a:pPr>
+            <a:r>
+              <a:rPr lang="en-US" dirty="0" smtClean="0">
+                <a:latin typeface="Courier New" pitchFamily="49" charset="0"/>
+                <a:cs typeface="Courier New" pitchFamily="49" charset="0"/>
+              </a:rPr>
+              <a:t>  err * err</a:t>
+            </a:r>
+          </a:p>
+          <a:p>
+            <a:pPr lvl="1">
+              <a:buNone/>
+            </a:pPr>
+            <a:r>
+              <a:rPr lang="en-US" dirty="0" smtClean="0">
+                <a:latin typeface="Courier New" pitchFamily="49" charset="0"/>
+                <a:cs typeface="Courier New" pitchFamily="49" charset="0"/>
+              </a:rPr>
+              <a:t>}.mean()</a:t>
+            </a:r>
+          </a:p>
+          <a:p>
+            <a:pPr lvl="1">
+              <a:buNone/>
+            </a:pPr>
+            <a:endParaRPr lang="en-US" dirty="0" smtClean="0"/>
+          </a:p>
+          <a:p>
+            <a:endParaRPr lang="en-US" dirty="0" smtClean="0"/>
+          </a:p>
+        </p:txBody>
+      </p:sp>
+      <p:sp>
+        <p:nvSpPr>
+          <p:cNvPr id="4" name="Footer Placeholder 3"/>
+          <p:cNvSpPr>
+            <a:spLocks noGrp="1"/>
+          </p:cNvSpPr>
+          <p:nvPr>
+            <p:ph type="ftr" sz="quarter" idx="11"/>
+          </p:nvPr>
+        </p:nvSpPr>
+        <p:spPr/>
+        <p:txBody>
+          <a:bodyPr/>
+          <a:lstStyle/>
+          <a:p>
+            <a:r>
+              <a:rPr lang="en-US" dirty="0" smtClean="0"/>
+              <a:t>© Elephant Scale, 2014</a:t>
+            </a:r>
+            <a:endParaRPr lang="en-US" dirty="0"/>
+          </a:p>
+        </p:txBody>
+      </p:sp>
+    </p:spTree>
+  </p:cSld>
+  <p:clrMapOvr>
+    <a:masterClrMapping/>
+  </p:clrMapOvr>
+</p:sld>
+</file>
+
+<file path=ppt/slides/slide33.xml><?xml version="1.0" encoding="utf-8"?>
+<p:sld xmlns:a="http://schemas.openxmlformats.org/drawingml/2006/main" xmlns:r="http://schemas.openxmlformats.org/officeDocument/2006/relationships" xmlns:p="http://schemas.openxmlformats.org/presentationml/2006/main">
+  <p:cSld>
+    <p:spTree>
+      <p:nvGrpSpPr>
+        <p:cNvPr id="1" name=""/>
+        <p:cNvGrpSpPr/>
+        <p:nvPr/>
+      </p:nvGrpSpPr>
+      <p:grpSpPr>
+        <a:xfrm>
+          <a:off x="0" y="0"/>
+          <a:ext cx="0" cy="0"/>
+          <a:chOff x="0" y="0"/>
+          <a:chExt cx="0" cy="0"/>
+        </a:xfrm>
+      </p:grpSpPr>
+      <p:sp>
+        <p:nvSpPr>
+          <p:cNvPr id="2" name="Title 1"/>
+          <p:cNvSpPr>
+            <a:spLocks noGrp="1"/>
+          </p:cNvSpPr>
+          <p:nvPr>
+            <p:ph type="title"/>
+          </p:nvPr>
+        </p:nvSpPr>
+        <p:spPr/>
+        <p:txBody>
+          <a:bodyPr/>
+          <a:lstStyle/>
+          <a:p>
+            <a:r>
+              <a:rPr lang="en-US" dirty="0" smtClean="0"/>
+              <a:t>Recommendations Lab</a:t>
+            </a:r>
+            <a:endParaRPr lang="en-US" dirty="0"/>
+          </a:p>
+        </p:txBody>
+      </p:sp>
+      <p:sp>
+        <p:nvSpPr>
+          <p:cNvPr id="3" name="Content Placeholder 2"/>
+          <p:cNvSpPr>
+            <a:spLocks noGrp="1"/>
+          </p:cNvSpPr>
+          <p:nvPr>
+            <p:ph idx="1"/>
+          </p:nvPr>
+        </p:nvSpPr>
+        <p:spPr/>
+        <p:txBody>
+          <a:bodyPr/>
+          <a:lstStyle/>
+          <a:p>
+            <a:r>
+              <a:rPr lang="en-US" dirty="0" smtClean="0"/>
+              <a:t>We will use data from a Czech dating website: </a:t>
+            </a:r>
+            <a:r>
+              <a:rPr lang="en-US" dirty="0" err="1" smtClean="0"/>
+              <a:t>libimseti</a:t>
+            </a:r>
+            <a:endParaRPr lang="en-US" dirty="0" smtClean="0"/>
+          </a:p>
+          <a:p>
+            <a:r>
+              <a:rPr lang="en-US" dirty="0" smtClean="0"/>
+              <a:t>location   : </a:t>
+            </a:r>
+            <a:r>
+              <a:rPr lang="en-US" dirty="0" err="1" smtClean="0"/>
+              <a:t>mllib</a:t>
+            </a:r>
+            <a:r>
+              <a:rPr lang="en-US" dirty="0" smtClean="0"/>
+              <a:t>/</a:t>
+            </a:r>
+            <a:r>
+              <a:rPr lang="en-US" dirty="0" err="1" smtClean="0"/>
+              <a:t>recs</a:t>
+            </a:r>
+            <a:endParaRPr lang="en-US" dirty="0" smtClean="0"/>
+          </a:p>
+          <a:p>
+            <a:r>
+              <a:rPr lang="en-US" dirty="0" smtClean="0"/>
+              <a:t>Try out the solution line-by-line</a:t>
+            </a:r>
+          </a:p>
+        </p:txBody>
+      </p:sp>
+      <p:sp>
+        <p:nvSpPr>
+          <p:cNvPr id="4" name="Footer Placeholder 3"/>
+          <p:cNvSpPr>
+            <a:spLocks noGrp="1"/>
+          </p:cNvSpPr>
+          <p:nvPr>
+            <p:ph type="ftr" sz="quarter" idx="11"/>
+          </p:nvPr>
+        </p:nvSpPr>
+        <p:spPr/>
+        <p:txBody>
+          <a:bodyPr/>
+          <a:lstStyle/>
+          <a:p>
+            <a:r>
+              <a:rPr lang="en-US" smtClean="0"/>
+              <a:t>(c) ElephantScale.com 2014</a:t>
+            </a:r>
+            <a:endParaRPr lang="en-US"/>
+          </a:p>
+        </p:txBody>
+      </p:sp>
+      <p:sp>
+        <p:nvSpPr>
+          <p:cNvPr id="5" name="Slide Number Placeholder 4"/>
+          <p:cNvSpPr>
+            <a:spLocks noGrp="1"/>
+          </p:cNvSpPr>
+          <p:nvPr>
+            <p:ph type="sldNum" sz="quarter" idx="12"/>
+          </p:nvPr>
+        </p:nvSpPr>
+        <p:spPr/>
+        <p:txBody>
+          <a:bodyPr/>
+          <a:lstStyle/>
+          <a:p>
+            <a:fld id="{4AD8DDEF-9CD1-B641-ADE5-2BEE59567BE6}" type="slidenum">
+              <a:rPr lang="en-US" smtClean="0"/>
+              <a:pPr/>
+              <a:t>33</a:t>
+            </a:fld>
+            <a:endParaRPr lang="en-US"/>
+          </a:p>
+        </p:txBody>
+      </p:sp>
+    </p:spTree>
+    <p:extLst>
+      <p:ext uri="{BB962C8B-B14F-4D97-AF65-F5344CB8AC3E}">
+        <p14:creationId xmlns="" xmlns:p14="http://schemas.microsoft.com/office/powerpoint/2010/main" val="3599210062"/>
+      </p:ext>
+    </p:extLst>
+  </p:cSld>
+  <p:clrMapOvr>
+    <a:masterClrMapping/>
+  </p:clrMapOvr>
+  <p:timing>
+    <p:tnLst>
+      <p:par>
+        <p:cTn id="1" dur="indefinite" restart="never" nodeType="tmRoot"/>
+      </p:par>
+    </p:tnLst>
+  </p:timing>
+</p:sld>
+</file>
+
+<file path=ppt/slides/slide34.xml><?xml version="1.0" encoding="utf-8"?>
+<p:sld xmlns:a="http://schemas.openxmlformats.org/drawingml/2006/main" xmlns:r="http://schemas.openxmlformats.org/officeDocument/2006/relationships" xmlns:p="http://schemas.openxmlformats.org/presentationml/2006/main">
+  <p:cSld>
+    <p:spTree>
+      <p:nvGrpSpPr>
+        <p:cNvPr id="1" name=""/>
+        <p:cNvGrpSpPr/>
+        <p:nvPr/>
+      </p:nvGrpSpPr>
+      <p:grpSpPr>
+        <a:xfrm>
+          <a:off x="0" y="0"/>
+          <a:ext cx="0" cy="0"/>
+          <a:chOff x="0" y="0"/>
+          <a:chExt cx="0" cy="0"/>
+        </a:xfrm>
+      </p:grpSpPr>
+      <p:sp>
+        <p:nvSpPr>
+          <p:cNvPr id="2" name="Title 1"/>
+          <p:cNvSpPr>
+            <a:spLocks noGrp="1"/>
+          </p:cNvSpPr>
+          <p:nvPr>
+            <p:ph type="title"/>
+          </p:nvPr>
+        </p:nvSpPr>
+        <p:spPr/>
+        <p:txBody>
+          <a:bodyPr/>
+          <a:lstStyle/>
+          <a:p>
+            <a:r>
+              <a:rPr lang="en-US" dirty="0" smtClean="0"/>
+              <a:t>Next : Classifications</a:t>
+            </a:r>
+            <a:endParaRPr lang="en-US" dirty="0"/>
+          </a:p>
+        </p:txBody>
+      </p:sp>
+      <p:sp>
+        <p:nvSpPr>
+          <p:cNvPr id="3" name="Content Placeholder 2"/>
+          <p:cNvSpPr>
+            <a:spLocks noGrp="1"/>
+          </p:cNvSpPr>
+          <p:nvPr>
+            <p:ph idx="1"/>
+          </p:nvPr>
+        </p:nvSpPr>
+        <p:spPr/>
+        <p:txBody>
+          <a:bodyPr/>
+          <a:lstStyle/>
+          <a:p>
+            <a:endParaRPr lang="en-US"/>
+          </a:p>
+        </p:txBody>
+      </p:sp>
+      <p:sp>
+        <p:nvSpPr>
+          <p:cNvPr id="4" name="Footer Placeholder 3"/>
+          <p:cNvSpPr>
+            <a:spLocks noGrp="1"/>
+          </p:cNvSpPr>
+          <p:nvPr>
+            <p:ph type="ftr" sz="quarter" idx="11"/>
+          </p:nvPr>
+        </p:nvSpPr>
+        <p:spPr/>
+        <p:txBody>
+          <a:bodyPr/>
+          <a:lstStyle/>
+          <a:p>
+            <a:r>
+              <a:rPr lang="en-US" smtClean="0"/>
+              <a:t>(c) ElephantScale.com 2014</a:t>
+            </a:r>
+            <a:endParaRPr lang="en-US"/>
+          </a:p>
+        </p:txBody>
+      </p:sp>
+      <p:sp>
+        <p:nvSpPr>
+          <p:cNvPr id="5" name="Slide Number Placeholder 4"/>
+          <p:cNvSpPr>
+            <a:spLocks noGrp="1"/>
+          </p:cNvSpPr>
+          <p:nvPr>
+            <p:ph type="sldNum" sz="quarter" idx="12"/>
+          </p:nvPr>
+        </p:nvSpPr>
+        <p:spPr/>
+        <p:txBody>
+          <a:bodyPr/>
+          <a:lstStyle/>
+          <a:p>
+            <a:fld id="{4AD8DDEF-9CD1-B641-ADE5-2BEE59567BE6}" type="slidenum">
+              <a:rPr lang="en-US" smtClean="0"/>
+              <a:pPr/>
+              <a:t>34</a:t>
+            </a:fld>
+            <a:endParaRPr lang="en-US"/>
+          </a:p>
+        </p:txBody>
+      </p:sp>
+    </p:spTree>
+    <p:extLst>
+      <p:ext uri="{BB962C8B-B14F-4D97-AF65-F5344CB8AC3E}">
+        <p14:creationId xmlns="" xmlns:p14="http://schemas.microsoft.com/office/powerpoint/2010/main" val="3435585138"/>
+      </p:ext>
+    </p:extLst>
+  </p:cSld>
+  <p:clrMapOvr>
+    <a:masterClrMapping/>
+  </p:clrMapOvr>
+  <p:timing>
+    <p:tnLst>
+      <p:par>
+        <p:cTn id="1" dur="indefinite" restart="never" nodeType="tmRoot"/>
+      </p:par>
+    </p:tnLst>
+  </p:timing>
+</p:sld>
+</file>
+
+<file path=ppt/slides/slide35.xml><?xml version="1.0" encoding="utf-8"?>
+<p:sld xmlns:a="http://schemas.openxmlformats.org/drawingml/2006/main" xmlns:r="http://schemas.openxmlformats.org/officeDocument/2006/relationships" xmlns:p="http://schemas.openxmlformats.org/presentationml/2006/main">
+  <p:cSld>
+    <p:spTree>
+      <p:nvGrpSpPr>
+        <p:cNvPr id="1" name=""/>
+        <p:cNvGrpSpPr/>
+        <p:nvPr/>
+      </p:nvGrpSpPr>
+      <p:grpSpPr>
+        <a:xfrm>
+          <a:off x="0" y="0"/>
+          <a:ext cx="0" cy="0"/>
+          <a:chOff x="0" y="0"/>
+          <a:chExt cx="0" cy="0"/>
+        </a:xfrm>
+      </p:grpSpPr>
+      <p:sp>
+        <p:nvSpPr>
+          <p:cNvPr id="2" name="Title 1"/>
+          <p:cNvSpPr>
+            <a:spLocks noGrp="1"/>
+          </p:cNvSpPr>
+          <p:nvPr>
+            <p:ph type="title"/>
+          </p:nvPr>
+        </p:nvSpPr>
+        <p:spPr/>
+        <p:txBody>
+          <a:bodyPr/>
+          <a:lstStyle/>
+          <a:p>
+            <a:r>
+              <a:rPr lang="en-US" dirty="0" smtClean="0"/>
               <a:t>Classification Applications</a:t>
             </a:r>
             <a:endParaRPr lang="en-US" dirty="0"/>
@@ -14318,7 +15016,7 @@
             <a:fld id="{4AD8DDEF-9CD1-B641-ADE5-2BEE59567BE6}" type="slidenum">
               <a:rPr lang="en-US" smtClean="0"/>
               <a:pPr/>
-              <a:t>32</a:t>
+              <a:t>35</a:t>
             </a:fld>
             <a:endParaRPr lang="en-US"/>
           </a:p>
@@ -14384,7 +15082,7 @@
     </p:spTree>
     <p:extLst>
       <p:ext uri="{BB962C8B-B14F-4D97-AF65-F5344CB8AC3E}">
-        <p14:creationId xmlns:p14="http://schemas.microsoft.com/office/powerpoint/2010/main" xmlns="" val="614174760"/>
+        <p14:creationId xmlns="" xmlns:p14="http://schemas.microsoft.com/office/powerpoint/2010/main" val="614174760"/>
       </p:ext>
     </p:extLst>
   </p:cSld>
@@ -14398,454 +15096,6 @@
       </p:par>
     </p:tnLst>
   </p:timing>
-</p:sld>
-</file>
-
-<file path=ppt/slides/slide33.xml><?xml version="1.0" encoding="utf-8"?>
-<p:sld xmlns:a="http://schemas.openxmlformats.org/drawingml/2006/main" xmlns:r="http://schemas.openxmlformats.org/officeDocument/2006/relationships" xmlns:p="http://schemas.openxmlformats.org/presentationml/2006/main">
-  <p:cSld>
-    <p:spTree>
-      <p:nvGrpSpPr>
-        <p:cNvPr id="1" name=""/>
-        <p:cNvGrpSpPr/>
-        <p:nvPr/>
-      </p:nvGrpSpPr>
-      <p:grpSpPr>
-        <a:xfrm>
-          <a:off x="0" y="0"/>
-          <a:ext cx="0" cy="0"/>
-          <a:chOff x="0" y="0"/>
-          <a:chExt cx="0" cy="0"/>
-        </a:xfrm>
-      </p:grpSpPr>
-      <p:sp>
-        <p:nvSpPr>
-          <p:cNvPr id="2" name="Title 1"/>
-          <p:cNvSpPr>
-            <a:spLocks noGrp="1"/>
-          </p:cNvSpPr>
-          <p:nvPr>
-            <p:ph type="title"/>
-          </p:nvPr>
-        </p:nvSpPr>
-        <p:spPr/>
-        <p:txBody>
-          <a:bodyPr/>
-          <a:lstStyle/>
-          <a:p>
-            <a:r>
-              <a:rPr lang="en-US" dirty="0" smtClean="0"/>
-              <a:t>Classification</a:t>
-            </a:r>
-            <a:endParaRPr lang="en-US" dirty="0"/>
-          </a:p>
-        </p:txBody>
-      </p:sp>
-      <p:sp>
-        <p:nvSpPr>
-          <p:cNvPr id="3" name="Content Placeholder 2"/>
-          <p:cNvSpPr>
-            <a:spLocks noGrp="1"/>
-          </p:cNvSpPr>
-          <p:nvPr>
-            <p:ph idx="1"/>
-          </p:nvPr>
-        </p:nvSpPr>
-        <p:spPr/>
-        <p:txBody>
-          <a:bodyPr/>
-          <a:lstStyle/>
-          <a:p>
-            <a:r>
-              <a:rPr lang="en-US" dirty="0" smtClean="0"/>
-              <a:t>Classification is a model which learns from data in order to identify data into classes.</a:t>
-            </a:r>
-          </a:p>
-          <a:p>
-            <a:r>
-              <a:rPr lang="en-US" dirty="0" smtClean="0"/>
-              <a:t>Same as regression – except categorical rather than numeric</a:t>
-            </a:r>
-          </a:p>
-          <a:p>
-            <a:r>
-              <a:rPr lang="en-US" dirty="0" smtClean="0"/>
-              <a:t>Classification (and regression) are generally thought of as supervised (or at least semi-supervised) methods.</a:t>
-            </a:r>
-          </a:p>
-          <a:p>
-            <a:r>
-              <a:rPr lang="en-US" dirty="0" smtClean="0"/>
-              <a:t>A special category of classification is binary classification: a yes/no response.</a:t>
-            </a:r>
-          </a:p>
-        </p:txBody>
-      </p:sp>
-      <p:sp>
-        <p:nvSpPr>
-          <p:cNvPr id="4" name="Footer Placeholder 3"/>
-          <p:cNvSpPr>
-            <a:spLocks noGrp="1"/>
-          </p:cNvSpPr>
-          <p:nvPr>
-            <p:ph type="ftr" sz="quarter" idx="11"/>
-          </p:nvPr>
-        </p:nvSpPr>
-        <p:spPr/>
-        <p:txBody>
-          <a:bodyPr/>
-          <a:lstStyle/>
-          <a:p>
-            <a:r>
-              <a:rPr lang="en-US" smtClean="0"/>
-              <a:t>(c) ElephantScale.com 2014</a:t>
-            </a:r>
-            <a:endParaRPr lang="en-US"/>
-          </a:p>
-        </p:txBody>
-      </p:sp>
-      <p:sp>
-        <p:nvSpPr>
-          <p:cNvPr id="5" name="Slide Number Placeholder 4"/>
-          <p:cNvSpPr>
-            <a:spLocks noGrp="1"/>
-          </p:cNvSpPr>
-          <p:nvPr>
-            <p:ph type="sldNum" sz="quarter" idx="12"/>
-          </p:nvPr>
-        </p:nvSpPr>
-        <p:spPr/>
-        <p:txBody>
-          <a:bodyPr/>
-          <a:lstStyle/>
-          <a:p>
-            <a:fld id="{4AD8DDEF-9CD1-B641-ADE5-2BEE59567BE6}" type="slidenum">
-              <a:rPr lang="en-US" smtClean="0"/>
-              <a:pPr/>
-              <a:t>33</a:t>
-            </a:fld>
-            <a:endParaRPr lang="en-US"/>
-          </a:p>
-        </p:txBody>
-      </p:sp>
-    </p:spTree>
-    <p:extLst>
-      <p:ext uri="{BB962C8B-B14F-4D97-AF65-F5344CB8AC3E}">
-        <p14:creationId xmlns:p14="http://schemas.microsoft.com/office/powerpoint/2010/main" xmlns="" val="1883103018"/>
-      </p:ext>
-    </p:extLst>
-  </p:cSld>
-  <p:clrMapOvr>
-    <a:masterClrMapping/>
-  </p:clrMapOvr>
-  <p:timing>
-    <p:tnLst>
-      <p:par>
-        <p:cTn id="1" dur="indefinite" restart="never" nodeType="tmRoot"/>
-      </p:par>
-    </p:tnLst>
-  </p:timing>
-</p:sld>
-</file>
-
-<file path=ppt/slides/slide34.xml><?xml version="1.0" encoding="utf-8"?>
-<p:sld xmlns:a="http://schemas.openxmlformats.org/drawingml/2006/main" xmlns:r="http://schemas.openxmlformats.org/officeDocument/2006/relationships" xmlns:p="http://schemas.openxmlformats.org/presentationml/2006/main">
-  <p:cSld>
-    <p:spTree>
-      <p:nvGrpSpPr>
-        <p:cNvPr id="1" name=""/>
-        <p:cNvGrpSpPr/>
-        <p:nvPr/>
-      </p:nvGrpSpPr>
-      <p:grpSpPr>
-        <a:xfrm>
-          <a:off x="0" y="0"/>
-          <a:ext cx="0" cy="0"/>
-          <a:chOff x="0" y="0"/>
-          <a:chExt cx="0" cy="0"/>
-        </a:xfrm>
-      </p:grpSpPr>
-      <p:sp>
-        <p:nvSpPr>
-          <p:cNvPr id="2" name="Title 1"/>
-          <p:cNvSpPr>
-            <a:spLocks noGrp="1"/>
-          </p:cNvSpPr>
-          <p:nvPr>
-            <p:ph type="title"/>
-          </p:nvPr>
-        </p:nvSpPr>
-        <p:spPr/>
-        <p:txBody>
-          <a:bodyPr/>
-          <a:lstStyle/>
-          <a:p>
-            <a:r>
-              <a:rPr lang="en-US" dirty="0" smtClean="0"/>
-              <a:t>Review of Classification Algorithms</a:t>
-            </a:r>
-            <a:endParaRPr lang="en-US" dirty="0"/>
-          </a:p>
-        </p:txBody>
-      </p:sp>
-      <p:sp>
-        <p:nvSpPr>
-          <p:cNvPr id="3" name="Content Placeholder 2"/>
-          <p:cNvSpPr>
-            <a:spLocks noGrp="1"/>
-          </p:cNvSpPr>
-          <p:nvPr>
-            <p:ph idx="1"/>
-          </p:nvPr>
-        </p:nvSpPr>
-        <p:spPr/>
-        <p:txBody>
-          <a:bodyPr/>
-          <a:lstStyle/>
-          <a:p>
-            <a:pPr lvl="1"/>
-            <a:r>
-              <a:rPr lang="en-US" dirty="0" smtClean="0"/>
-              <a:t>Naïve </a:t>
-            </a:r>
-            <a:r>
-              <a:rPr lang="en-US" dirty="0" err="1" smtClean="0"/>
-              <a:t>Bayes</a:t>
-            </a:r>
-            <a:endParaRPr lang="en-US" dirty="0" smtClean="0"/>
-          </a:p>
-          <a:p>
-            <a:pPr lvl="1"/>
-            <a:r>
-              <a:rPr lang="en-US" dirty="0" smtClean="0"/>
-              <a:t>Support Vector Machines</a:t>
-            </a:r>
-          </a:p>
-          <a:p>
-            <a:pPr lvl="1"/>
-            <a:r>
-              <a:rPr lang="en-US" dirty="0" smtClean="0"/>
-              <a:t>Logistic Regression / </a:t>
-            </a:r>
-            <a:r>
-              <a:rPr lang="en-US" dirty="0" err="1" smtClean="0"/>
-              <a:t>MaxEntropy</a:t>
-            </a:r>
-            <a:endParaRPr lang="en-US" dirty="0" smtClean="0"/>
-          </a:p>
-          <a:p>
-            <a:pPr lvl="1"/>
-            <a:r>
-              <a:rPr lang="en-US" dirty="0" smtClean="0"/>
-              <a:t>Decision Trees</a:t>
-            </a:r>
-          </a:p>
-          <a:p>
-            <a:pPr lvl="2"/>
-            <a:r>
-              <a:rPr lang="en-US" dirty="0" smtClean="0"/>
-              <a:t>A basic decision tree is pretty simple. </a:t>
-            </a:r>
-          </a:p>
-          <a:p>
-            <a:pPr lvl="2"/>
-            <a:r>
-              <a:rPr lang="en-US" dirty="0" smtClean="0"/>
-              <a:t>It is a set of rules collect the rule</a:t>
-            </a:r>
-          </a:p>
-          <a:p>
-            <a:pPr lvl="2"/>
-            <a:r>
-              <a:rPr lang="en-US" dirty="0" smtClean="0"/>
-              <a:t>Decision tree learning is a means of inferring an appropriate decision tree from the data.</a:t>
-            </a:r>
-          </a:p>
-        </p:txBody>
-      </p:sp>
-      <p:sp>
-        <p:nvSpPr>
-          <p:cNvPr id="4" name="Footer Placeholder 3"/>
-          <p:cNvSpPr>
-            <a:spLocks noGrp="1"/>
-          </p:cNvSpPr>
-          <p:nvPr>
-            <p:ph type="ftr" sz="quarter" idx="11"/>
-          </p:nvPr>
-        </p:nvSpPr>
-        <p:spPr/>
-        <p:txBody>
-          <a:bodyPr/>
-          <a:lstStyle/>
-          <a:p>
-            <a:r>
-              <a:rPr lang="en-US" smtClean="0"/>
-              <a:t>(c) ElephantScale.com 2014</a:t>
-            </a:r>
-            <a:endParaRPr lang="en-US"/>
-          </a:p>
-        </p:txBody>
-      </p:sp>
-      <p:sp>
-        <p:nvSpPr>
-          <p:cNvPr id="5" name="Slide Number Placeholder 4"/>
-          <p:cNvSpPr>
-            <a:spLocks noGrp="1"/>
-          </p:cNvSpPr>
-          <p:nvPr>
-            <p:ph type="sldNum" sz="quarter" idx="12"/>
-          </p:nvPr>
-        </p:nvSpPr>
-        <p:spPr/>
-        <p:txBody>
-          <a:bodyPr/>
-          <a:lstStyle/>
-          <a:p>
-            <a:fld id="{4AD8DDEF-9CD1-B641-ADE5-2BEE59567BE6}" type="slidenum">
-              <a:rPr lang="en-US" smtClean="0"/>
-              <a:pPr/>
-              <a:t>34</a:t>
-            </a:fld>
-            <a:endParaRPr lang="en-US"/>
-          </a:p>
-        </p:txBody>
-      </p:sp>
-    </p:spTree>
-    <p:extLst>
-      <p:ext uri="{BB962C8B-B14F-4D97-AF65-F5344CB8AC3E}">
-        <p14:creationId xmlns:p14="http://schemas.microsoft.com/office/powerpoint/2010/main" xmlns="" val="1098878060"/>
-      </p:ext>
-    </p:extLst>
-  </p:cSld>
-  <p:clrMapOvr>
-    <a:masterClrMapping/>
-  </p:clrMapOvr>
-  <p:timing>
-    <p:tnLst>
-      <p:par>
-        <p:cTn id="1" dur="indefinite" restart="never" nodeType="tmRoot"/>
-      </p:par>
-    </p:tnLst>
-  </p:timing>
-</p:sld>
-</file>
-
-<file path=ppt/slides/slide35.xml><?xml version="1.0" encoding="utf-8"?>
-<p:sld xmlns:a="http://schemas.openxmlformats.org/drawingml/2006/main" xmlns:r="http://schemas.openxmlformats.org/officeDocument/2006/relationships" xmlns:p="http://schemas.openxmlformats.org/presentationml/2006/main">
-  <p:cSld>
-    <p:spTree>
-      <p:nvGrpSpPr>
-        <p:cNvPr id="1" name=""/>
-        <p:cNvGrpSpPr/>
-        <p:nvPr/>
-      </p:nvGrpSpPr>
-      <p:grpSpPr>
-        <a:xfrm>
-          <a:off x="0" y="0"/>
-          <a:ext cx="0" cy="0"/>
-          <a:chOff x="0" y="0"/>
-          <a:chExt cx="0" cy="0"/>
-        </a:xfrm>
-      </p:grpSpPr>
-      <p:sp>
-        <p:nvSpPr>
-          <p:cNvPr id="2" name="Title 1"/>
-          <p:cNvSpPr>
-            <a:spLocks noGrp="1"/>
-          </p:cNvSpPr>
-          <p:nvPr>
-            <p:ph type="title"/>
-          </p:nvPr>
-        </p:nvSpPr>
-        <p:spPr/>
-        <p:txBody>
-          <a:bodyPr/>
-          <a:lstStyle/>
-          <a:p>
-            <a:r>
-              <a:rPr lang="en-US" dirty="0" smtClean="0"/>
-              <a:t>Decision Tree</a:t>
-            </a:r>
-            <a:endParaRPr lang="en-US" dirty="0"/>
-          </a:p>
-        </p:txBody>
-      </p:sp>
-      <p:pic>
-        <p:nvPicPr>
-          <p:cNvPr id="6" name="Content Placeholder 5"/>
-          <p:cNvPicPr>
-            <a:picLocks noGrp="1" noChangeAspect="1"/>
-          </p:cNvPicPr>
-          <p:nvPr>
-            <p:ph idx="1"/>
-          </p:nvPr>
-        </p:nvPicPr>
-        <p:blipFill>
-          <a:blip r:embed="rId2"/>
-          <a:srcRect l="-46386" r="-46386"/>
-          <a:stretch>
-            <a:fillRect/>
-          </a:stretch>
-        </p:blipFill>
-        <p:spPr/>
-      </p:pic>
-      <p:sp>
-        <p:nvSpPr>
-          <p:cNvPr id="4" name="Footer Placeholder 3"/>
-          <p:cNvSpPr>
-            <a:spLocks noGrp="1"/>
-          </p:cNvSpPr>
-          <p:nvPr>
-            <p:ph type="ftr" sz="quarter" idx="11"/>
-          </p:nvPr>
-        </p:nvSpPr>
-        <p:spPr/>
-        <p:txBody>
-          <a:bodyPr/>
-          <a:lstStyle/>
-          <a:p>
-            <a:r>
-              <a:rPr lang="en-US" smtClean="0"/>
-              <a:t>(c) ElephantScale.com 2014</a:t>
-            </a:r>
-            <a:endParaRPr lang="en-US"/>
-          </a:p>
-        </p:txBody>
-      </p:sp>
-      <p:sp>
-        <p:nvSpPr>
-          <p:cNvPr id="5" name="Slide Number Placeholder 4"/>
-          <p:cNvSpPr>
-            <a:spLocks noGrp="1"/>
-          </p:cNvSpPr>
-          <p:nvPr>
-            <p:ph type="sldNum" sz="quarter" idx="12"/>
-          </p:nvPr>
-        </p:nvSpPr>
-        <p:spPr/>
-        <p:txBody>
-          <a:bodyPr/>
-          <a:lstStyle/>
-          <a:p>
-            <a:fld id="{4AD8DDEF-9CD1-B641-ADE5-2BEE59567BE6}" type="slidenum">
-              <a:rPr lang="en-US" smtClean="0"/>
-              <a:pPr/>
-              <a:t>35</a:t>
-            </a:fld>
-            <a:endParaRPr lang="en-US"/>
-          </a:p>
-        </p:txBody>
-      </p:sp>
-    </p:spTree>
-    <p:extLst>
-      <p:ext uri="{BB962C8B-B14F-4D97-AF65-F5344CB8AC3E}">
-        <p14:creationId xmlns:p14="http://schemas.microsoft.com/office/powerpoint/2010/main" xmlns="" val="2819361914"/>
-      </p:ext>
-    </p:extLst>
-  </p:cSld>
-  <p:clrMapOvr>
-    <a:masterClrMapping/>
-  </p:clrMapOvr>
 </p:sld>
 </file>
 
@@ -14883,11 +15133,7 @@
           <a:p>
             <a:r>
               <a:rPr lang="en-US" dirty="0" smtClean="0"/>
-              <a:t>Classification Support in </a:t>
-            </a:r>
-            <a:r>
-              <a:rPr lang="en-US" dirty="0" err="1" smtClean="0"/>
-              <a:t>MLLib</a:t>
+              <a:t>Classification</a:t>
             </a:r>
             <a:endParaRPr lang="en-US" dirty="0"/>
           </a:p>
@@ -14908,52 +15154,28 @@
           <a:bodyPr/>
           <a:lstStyle/>
           <a:p>
-            <a:pPr lvl="1"/>
-            <a:r>
-              <a:rPr lang="en-US" dirty="0" smtClean="0"/>
-              <a:t>The following algorithms are well-represented in </a:t>
-            </a:r>
-            <a:r>
-              <a:rPr lang="en-US" dirty="0" err="1" smtClean="0"/>
-              <a:t>MLLib</a:t>
-            </a:r>
-            <a:r>
-              <a:rPr lang="en-US" dirty="0" smtClean="0"/>
-              <a:t>:</a:t>
-            </a:r>
-          </a:p>
-          <a:p>
-            <a:pPr lvl="2"/>
-            <a:r>
-              <a:rPr lang="en-US" dirty="0" smtClean="0"/>
-              <a:t>Linear Methods: SVM, Logistic Regression</a:t>
-            </a:r>
-          </a:p>
-          <a:p>
-            <a:pPr lvl="2"/>
-            <a:r>
-              <a:rPr lang="en-US" dirty="0" smtClean="0"/>
-              <a:t>Decision Trees</a:t>
-            </a:r>
-          </a:p>
-          <a:p>
-            <a:pPr lvl="2"/>
-            <a:r>
-              <a:rPr lang="en-US" dirty="0" smtClean="0"/>
-              <a:t>Ensemble Decision Trees (Random Forests, Gradient Boosted Trees)</a:t>
-            </a:r>
-          </a:p>
-          <a:p>
-            <a:pPr lvl="2"/>
-            <a:r>
-              <a:rPr lang="en-US" dirty="0" smtClean="0"/>
-              <a:t>Naïve </a:t>
-            </a:r>
-            <a:r>
-              <a:rPr lang="en-US" dirty="0" err="1" smtClean="0"/>
-              <a:t>Bayes</a:t>
-            </a:r>
-            <a:endParaRPr lang="en-US" dirty="0" smtClean="0"/>
+            <a:r>
+              <a:rPr lang="en-US" dirty="0" smtClean="0"/>
+              <a:t>Classification is a model which learns from data in order to identify data into classes.</a:t>
+            </a:r>
+          </a:p>
+          <a:p>
+            <a:r>
+              <a:rPr lang="en-US" dirty="0" smtClean="0"/>
+              <a:t>Same as regression – except categorical rather than numeric</a:t>
+            </a:r>
+          </a:p>
+          <a:p>
+            <a:r>
+              <a:rPr lang="en-US" dirty="0" smtClean="0"/>
+              <a:t>Classification (and regression) are generally thought of as supervised (or at least semi-supervised) methods.</a:t>
+            </a:r>
+          </a:p>
+          <a:p>
+            <a:r>
+              <a:rPr lang="en-US" dirty="0" smtClean="0"/>
+              <a:t>A special category of classification is binary classification: a yes/no response.</a:t>
+            </a:r>
           </a:p>
         </p:txBody>
       </p:sp>
@@ -15007,7 +15229,7 @@
     </p:spTree>
     <p:extLst>
       <p:ext uri="{BB962C8B-B14F-4D97-AF65-F5344CB8AC3E}">
-        <p14:creationId xmlns:p14="http://schemas.microsoft.com/office/powerpoint/2010/main" xmlns="" val="234258616"/>
+        <p14:creationId xmlns="" xmlns:p14="http://schemas.microsoft.com/office/powerpoint/2010/main" val="1883103018"/>
       </p:ext>
     </p:extLst>
   </p:cSld>
@@ -15058,7 +15280,7 @@
           <a:p>
             <a:r>
               <a:rPr lang="en-US" dirty="0" smtClean="0"/>
-              <a:t>Classification Lab</a:t>
+              <a:t>Review of Classification Algorithms</a:t>
             </a:r>
             <a:endParaRPr lang="en-US" dirty="0"/>
           </a:p>
@@ -15079,34 +15301,67 @@
           <a:bodyPr/>
           <a:lstStyle/>
           <a:p>
-            <a:r>
-              <a:rPr lang="en-US" dirty="0" smtClean="0"/>
-              <a:t>Use the “churn” dataset for telecom churn prediction</a:t>
-            </a:r>
-          </a:p>
-          <a:p>
-            <a:r>
-              <a:rPr lang="en-US" dirty="0" smtClean="0"/>
-              <a:t>location   : </a:t>
+            <a:pPr lvl="1"/>
+            <a:r>
+              <a:rPr lang="en-US" dirty="0" smtClean="0"/>
+              <a:t>Naïve </a:t>
             </a:r>
             <a:r>
               <a:rPr lang="en-US" dirty="0" err="1" smtClean="0"/>
-              <a:t>mllib</a:t>
-            </a:r>
-            <a:r>
-              <a:rPr lang="en-US" dirty="0" smtClean="0"/>
-              <a:t>/</a:t>
+              <a:t>Bayes</a:t>
+            </a:r>
+            <a:endParaRPr lang="en-US" dirty="0" smtClean="0"/>
+          </a:p>
+          <a:p>
+            <a:pPr lvl="1"/>
+            <a:r>
+              <a:rPr lang="en-US" dirty="0" smtClean="0"/>
+              <a:t>Support Vector </a:t>
+            </a:r>
+            <a:r>
+              <a:rPr lang="en-US" dirty="0" smtClean="0"/>
+              <a:t>Machines (using Stochastic Gradient Descent)</a:t>
+            </a:r>
+            <a:endParaRPr lang="en-US" dirty="0" smtClean="0"/>
+          </a:p>
+          <a:p>
+            <a:pPr lvl="1"/>
+            <a:r>
+              <a:rPr lang="en-US" dirty="0" smtClean="0"/>
+              <a:t>Logistic Regression / </a:t>
             </a:r>
             <a:r>
               <a:rPr lang="en-US" dirty="0" err="1" smtClean="0"/>
-              <a:t>classifation</a:t>
+              <a:t>MaxEntropy</a:t>
             </a:r>
             <a:endParaRPr lang="en-US" dirty="0" smtClean="0"/>
           </a:p>
           <a:p>
-            <a:r>
-              <a:rPr lang="en-US" dirty="0" smtClean="0"/>
-              <a:t>Try out the solution line-by-line</a:t>
+            <a:pPr lvl="1"/>
+            <a:r>
+              <a:rPr lang="en-US" dirty="0" smtClean="0"/>
+              <a:t>Decision Trees</a:t>
+            </a:r>
+          </a:p>
+          <a:p>
+            <a:pPr lvl="2"/>
+            <a:r>
+              <a:rPr lang="en-US" dirty="0" smtClean="0"/>
+              <a:t>A basic decision tree is pretty simple. </a:t>
+            </a:r>
+          </a:p>
+          <a:p>
+            <a:pPr lvl="2"/>
+            <a:r>
+              <a:rPr lang="en-US" dirty="0" smtClean="0"/>
+              <a:t>It is a set of rules collect the rule</a:t>
+            </a:r>
+          </a:p>
+          <a:p>
+            <a:pPr lvl="2"/>
+            <a:r>
+              <a:rPr lang="en-US" dirty="0" smtClean="0"/>
+              <a:t>Decision tree learning is a means of inferring an appropriate decision tree from the data.</a:t>
             </a:r>
           </a:p>
         </p:txBody>
@@ -15161,7 +15416,7 @@
     </p:spTree>
     <p:extLst>
       <p:ext uri="{BB962C8B-B14F-4D97-AF65-F5344CB8AC3E}">
-        <p14:creationId xmlns:p14="http://schemas.microsoft.com/office/powerpoint/2010/main" xmlns="" val="3599210062"/>
+        <p14:creationId xmlns="" xmlns:p14="http://schemas.microsoft.com/office/powerpoint/2010/main" val="1098878060"/>
       </p:ext>
     </p:extLst>
   </p:cSld>
@@ -15212,58 +15467,82 @@
           <a:p>
             <a:r>
               <a:rPr lang="en-US" dirty="0" smtClean="0"/>
-              <a:t>Thanks! &amp; Questions !</a:t>
+              <a:t>Decision Tree</a:t>
             </a:r>
             <a:endParaRPr lang="en-US" dirty="0"/>
           </a:p>
         </p:txBody>
       </p:sp>
-      <p:sp>
-        <p:nvSpPr>
-          <p:cNvPr id="3" name="Content Placeholder 2"/>
-          <p:cNvSpPr>
-            <a:spLocks noGrp="1"/>
-          </p:cNvSpPr>
+      <p:pic>
+        <p:nvPicPr>
+          <p:cNvPr id="6" name="Content Placeholder 5"/>
+          <p:cNvPicPr>
+            <a:picLocks noGrp="1" noChangeAspect="1"/>
+          </p:cNvPicPr>
           <p:nvPr>
             <p:ph idx="1"/>
           </p:nvPr>
-        </p:nvSpPr>
-        <p:spPr/>
-        <p:txBody>
-          <a:bodyPr/>
-          <a:lstStyle/>
-          <a:p>
+        </p:nvPicPr>
+        <p:blipFill>
+          <a:blip r:embed="rId2"/>
+          <a:srcRect l="-46386" r="-46386"/>
+          <a:stretch>
+            <a:fillRect/>
+          </a:stretch>
+        </p:blipFill>
+        <p:spPr/>
+      </p:pic>
+      <p:sp>
+        <p:nvSpPr>
+          <p:cNvPr id="4" name="Footer Placeholder 3"/>
+          <p:cNvSpPr>
+            <a:spLocks noGrp="1"/>
+          </p:cNvSpPr>
+          <p:nvPr>
+            <p:ph type="ftr" sz="quarter" idx="11"/>
+          </p:nvPr>
+        </p:nvSpPr>
+        <p:spPr/>
+        <p:txBody>
+          <a:bodyPr/>
+          <a:lstStyle/>
+          <a:p>
+            <a:r>
+              <a:rPr lang="en-US" smtClean="0"/>
+              <a:t>(c) ElephantScale.com 2014</a:t>
+            </a:r>
             <a:endParaRPr lang="en-US"/>
           </a:p>
         </p:txBody>
       </p:sp>
       <p:sp>
         <p:nvSpPr>
-          <p:cNvPr id="4" name="Footer Placeholder 3"/>
-          <p:cNvSpPr>
-            <a:spLocks noGrp="1"/>
-          </p:cNvSpPr>
-          <p:nvPr>
-            <p:ph type="ftr" sz="quarter" idx="11"/>
-          </p:nvPr>
-        </p:nvSpPr>
-        <p:spPr/>
-        <p:txBody>
-          <a:bodyPr/>
-          <a:lstStyle/>
-          <a:p>
-            <a:r>
-              <a:rPr lang="en-US" smtClean="0"/>
-              <a:t>© Elephant Scale, 2014</a:t>
-            </a:r>
-            <a:endParaRPr lang="en-US" dirty="0"/>
+          <p:cNvPr id="5" name="Slide Number Placeholder 4"/>
+          <p:cNvSpPr>
+            <a:spLocks noGrp="1"/>
+          </p:cNvSpPr>
+          <p:nvPr>
+            <p:ph type="sldNum" sz="quarter" idx="12"/>
+          </p:nvPr>
+        </p:nvSpPr>
+        <p:spPr/>
+        <p:txBody>
+          <a:bodyPr/>
+          <a:lstStyle/>
+          <a:p>
+            <a:fld id="{4AD8DDEF-9CD1-B641-ADE5-2BEE59567BE6}" type="slidenum">
+              <a:rPr lang="en-US" smtClean="0"/>
+              <a:pPr/>
+              <a:t>38</a:t>
+            </a:fld>
+            <a:endParaRPr lang="en-US"/>
           </a:p>
         </p:txBody>
       </p:sp>
     </p:spTree>
     <p:extLst>
       <p:ext uri="{BB962C8B-B14F-4D97-AF65-F5344CB8AC3E}">
-        <p14:creationId xmlns:p14="http://schemas.microsoft.com/office/powerpoint/2010/main" xmlns="" val="3695882192"/>
+        <p14:creationId xmlns="" xmlns:p14="http://schemas.microsoft.com/office/powerpoint/2010/main" val="2819361914"/>
       </p:ext>
     </p:extLst>
   </p:cSld>
@@ -15307,7 +15586,11 @@
           <a:p>
             <a:r>
               <a:rPr lang="en-US" dirty="0" smtClean="0"/>
-              <a:t>Credits </a:t>
+              <a:t>Classification Support in </a:t>
+            </a:r>
+            <a:r>
+              <a:rPr lang="en-US" dirty="0" err="1" smtClean="0"/>
+              <a:t>MLlib</a:t>
             </a:r>
             <a:endParaRPr lang="en-US" dirty="0"/>
           </a:p>
@@ -15328,37 +15611,53 @@
           <a:bodyPr/>
           <a:lstStyle/>
           <a:p>
-            <a:r>
-              <a:rPr lang="en-US" dirty="0">
-                <a:hlinkClick r:id="rId2"/>
-              </a:rPr>
-              <a:t>http://spark.apache.org</a:t>
-            </a:r>
-            <a:r>
-              <a:rPr lang="en-US" dirty="0" smtClean="0">
-                <a:hlinkClick r:id="rId2"/>
-              </a:rPr>
-              <a:t>/</a:t>
+            <a:pPr lvl="1"/>
+            <a:r>
+              <a:rPr lang="en-US" dirty="0" smtClean="0"/>
+              <a:t>The following algorithms are well-represented in </a:t>
+            </a:r>
+            <a:r>
+              <a:rPr lang="en-US" dirty="0" err="1" smtClean="0"/>
+              <a:t>MLlib</a:t>
+            </a:r>
+            <a:r>
+              <a:rPr lang="en-US" dirty="0" smtClean="0"/>
+              <a:t>:</a:t>
             </a:r>
             <a:endParaRPr lang="en-US" dirty="0" smtClean="0"/>
           </a:p>
           <a:p>
-            <a:r>
-              <a:rPr lang="en-US" dirty="0">
-                <a:hlinkClick r:id="rId3"/>
-              </a:rPr>
-              <a:t>http://</a:t>
-            </a:r>
-            <a:r>
-              <a:rPr lang="en-US" dirty="0" smtClean="0">
-                <a:hlinkClick r:id="rId3"/>
-              </a:rPr>
-              <a:t>www.strategictechplanning.com</a:t>
-            </a:r>
-            <a:endParaRPr lang="en-US" dirty="0"/>
-          </a:p>
-          <a:p>
-            <a:endParaRPr lang="en-US" dirty="0"/>
+            <a:pPr lvl="2"/>
+            <a:r>
+              <a:rPr lang="en-US" dirty="0" smtClean="0"/>
+              <a:t>Linear Methods: SVM, Logistic Regression</a:t>
+            </a:r>
+          </a:p>
+          <a:p>
+            <a:pPr lvl="2"/>
+            <a:r>
+              <a:rPr lang="en-US" dirty="0" smtClean="0"/>
+              <a:t>Decision Trees</a:t>
+            </a:r>
+          </a:p>
+          <a:p>
+            <a:pPr lvl="2"/>
+            <a:r>
+              <a:rPr lang="en-US" dirty="0" smtClean="0"/>
+              <a:t>Ensemble Decision Trees (Random Forests, Gradient Boosted Trees)</a:t>
+            </a:r>
+          </a:p>
+          <a:p>
+            <a:pPr lvl="2"/>
+            <a:r>
+              <a:rPr lang="en-US" dirty="0" smtClean="0"/>
+              <a:t>Naïve </a:t>
+            </a:r>
+            <a:r>
+              <a:rPr lang="en-US" dirty="0" err="1" smtClean="0"/>
+              <a:t>Bayes</a:t>
+            </a:r>
+            <a:endParaRPr lang="en-US" dirty="0" smtClean="0"/>
           </a:p>
         </p:txBody>
       </p:sp>
@@ -15379,22 +15678,53 @@
           <a:p>
             <a:r>
               <a:rPr lang="en-US" smtClean="0"/>
-              <a:t>© Elephant Scale, 2014</a:t>
-            </a:r>
-            <a:endParaRPr lang="en-US" dirty="0"/>
+              <a:t>(c) ElephantScale.com 2014</a:t>
+            </a:r>
+            <a:endParaRPr lang="en-US"/>
+          </a:p>
+        </p:txBody>
+      </p:sp>
+      <p:sp>
+        <p:nvSpPr>
+          <p:cNvPr id="5" name="Slide Number Placeholder 4"/>
+          <p:cNvSpPr>
+            <a:spLocks noGrp="1"/>
+          </p:cNvSpPr>
+          <p:nvPr>
+            <p:ph type="sldNum" sz="quarter" idx="12"/>
+          </p:nvPr>
+        </p:nvSpPr>
+        <p:spPr/>
+        <p:txBody>
+          <a:bodyPr/>
+          <a:lstStyle/>
+          <a:p>
+            <a:fld id="{4AD8DDEF-9CD1-B641-ADE5-2BEE59567BE6}" type="slidenum">
+              <a:rPr lang="en-US" smtClean="0"/>
+              <a:pPr/>
+              <a:t>39</a:t>
+            </a:fld>
+            <a:endParaRPr lang="en-US"/>
           </a:p>
         </p:txBody>
       </p:sp>
     </p:spTree>
     <p:extLst>
       <p:ext uri="{BB962C8B-B14F-4D97-AF65-F5344CB8AC3E}">
-        <p14:creationId xmlns:p14="http://schemas.microsoft.com/office/powerpoint/2010/main" xmlns="" val="3799230133"/>
+        <p14:creationId xmlns="" xmlns:p14="http://schemas.microsoft.com/office/powerpoint/2010/main" val="234258616"/>
       </p:ext>
     </p:extLst>
   </p:cSld>
   <p:clrMapOvr>
     <a:masterClrMapping/>
   </p:clrMapOvr>
+  <p:timing>
+    <p:tnLst>
+      <p:par>
+        <p:cTn id="1" dur="indefinite" restart="never" nodeType="tmRoot"/>
+      </p:par>
+    </p:tnLst>
+  </p:timing>
 </p:sld>
 </file>
 
@@ -15527,7 +15857,811 @@
     </p:spTree>
     <p:extLst>
       <p:ext uri="{BB962C8B-B14F-4D97-AF65-F5344CB8AC3E}">
-        <p14:creationId xmlns:p14="http://schemas.microsoft.com/office/powerpoint/2010/main" xmlns="" val="1286301917"/>
+        <p14:creationId xmlns="" xmlns:p14="http://schemas.microsoft.com/office/powerpoint/2010/main" val="1286301917"/>
+      </p:ext>
+    </p:extLst>
+  </p:cSld>
+  <p:clrMapOvr>
+    <a:masterClrMapping/>
+  </p:clrMapOvr>
+</p:sld>
+</file>
+
+<file path=ppt/slides/slide40.xml><?xml version="1.0" encoding="utf-8"?>
+<p:sld xmlns:a="http://schemas.openxmlformats.org/drawingml/2006/main" xmlns:r="http://schemas.openxmlformats.org/officeDocument/2006/relationships" xmlns:p="http://schemas.openxmlformats.org/presentationml/2006/main">
+  <p:cSld>
+    <p:spTree>
+      <p:nvGrpSpPr>
+        <p:cNvPr id="1" name=""/>
+        <p:cNvGrpSpPr/>
+        <p:nvPr/>
+      </p:nvGrpSpPr>
+      <p:grpSpPr>
+        <a:xfrm>
+          <a:off x="0" y="0"/>
+          <a:ext cx="0" cy="0"/>
+          <a:chOff x="0" y="0"/>
+          <a:chExt cx="0" cy="0"/>
+        </a:xfrm>
+      </p:grpSpPr>
+      <p:sp>
+        <p:nvSpPr>
+          <p:cNvPr id="2" name="Title 1"/>
+          <p:cNvSpPr>
+            <a:spLocks noGrp="1"/>
+          </p:cNvSpPr>
+          <p:nvPr>
+            <p:ph type="title"/>
+          </p:nvPr>
+        </p:nvSpPr>
+        <p:spPr/>
+        <p:txBody>
+          <a:bodyPr/>
+          <a:lstStyle/>
+          <a:p>
+            <a:r>
+              <a:rPr lang="en-US" dirty="0" smtClean="0"/>
+              <a:t>Making a Prediction</a:t>
+            </a:r>
+            <a:endParaRPr lang="en-US" dirty="0"/>
+          </a:p>
+        </p:txBody>
+      </p:sp>
+      <p:sp>
+        <p:nvSpPr>
+          <p:cNvPr id="3" name="Content Placeholder 2"/>
+          <p:cNvSpPr>
+            <a:spLocks noGrp="1"/>
+          </p:cNvSpPr>
+          <p:nvPr>
+            <p:ph idx="1"/>
+          </p:nvPr>
+        </p:nvSpPr>
+        <p:spPr/>
+        <p:txBody>
+          <a:bodyPr/>
+          <a:lstStyle/>
+          <a:p>
+            <a:r>
+              <a:rPr lang="en-US" dirty="0" smtClean="0"/>
+              <a:t>How do we use the model to predict new data?</a:t>
+            </a:r>
+          </a:p>
+          <a:p>
+            <a:r>
+              <a:rPr lang="en-US" dirty="0" smtClean="0"/>
+              <a:t>Use the predict method.</a:t>
+            </a:r>
+            <a:endParaRPr lang="en-US" dirty="0"/>
+          </a:p>
+        </p:txBody>
+      </p:sp>
+      <p:sp>
+        <p:nvSpPr>
+          <p:cNvPr id="4" name="Footer Placeholder 3"/>
+          <p:cNvSpPr>
+            <a:spLocks noGrp="1"/>
+          </p:cNvSpPr>
+          <p:nvPr>
+            <p:ph type="ftr" sz="quarter" idx="11"/>
+          </p:nvPr>
+        </p:nvSpPr>
+        <p:spPr/>
+        <p:txBody>
+          <a:bodyPr/>
+          <a:lstStyle/>
+          <a:p>
+            <a:r>
+              <a:rPr lang="en-US" smtClean="0"/>
+              <a:t>© Elephant Scale, 2014</a:t>
+            </a:r>
+            <a:endParaRPr lang="en-US" dirty="0"/>
+          </a:p>
+        </p:txBody>
+      </p:sp>
+    </p:spTree>
+  </p:cSld>
+  <p:clrMapOvr>
+    <a:masterClrMapping/>
+  </p:clrMapOvr>
+</p:sld>
+</file>
+
+<file path=ppt/slides/slide41.xml><?xml version="1.0" encoding="utf-8"?>
+<p:sld xmlns:a="http://schemas.openxmlformats.org/drawingml/2006/main" xmlns:r="http://schemas.openxmlformats.org/officeDocument/2006/relationships" xmlns:p="http://schemas.openxmlformats.org/presentationml/2006/main">
+  <p:cSld>
+    <p:spTree>
+      <p:nvGrpSpPr>
+        <p:cNvPr id="1" name=""/>
+        <p:cNvGrpSpPr/>
+        <p:nvPr/>
+      </p:nvGrpSpPr>
+      <p:grpSpPr>
+        <a:xfrm>
+          <a:off x="0" y="0"/>
+          <a:ext cx="0" cy="0"/>
+          <a:chOff x="0" y="0"/>
+          <a:chExt cx="0" cy="0"/>
+        </a:xfrm>
+      </p:grpSpPr>
+      <p:sp>
+        <p:nvSpPr>
+          <p:cNvPr id="2" name="Title 1"/>
+          <p:cNvSpPr>
+            <a:spLocks noGrp="1"/>
+          </p:cNvSpPr>
+          <p:nvPr>
+            <p:ph type="title"/>
+          </p:nvPr>
+        </p:nvSpPr>
+        <p:spPr/>
+        <p:txBody>
+          <a:bodyPr/>
+          <a:lstStyle/>
+          <a:p>
+            <a:r>
+              <a:rPr lang="en-US" dirty="0" smtClean="0"/>
+              <a:t>Measuring Performance of Classifier</a:t>
+            </a:r>
+            <a:endParaRPr lang="en-US" dirty="0"/>
+          </a:p>
+        </p:txBody>
+      </p:sp>
+      <p:sp>
+        <p:nvSpPr>
+          <p:cNvPr id="3" name="Content Placeholder 2"/>
+          <p:cNvSpPr>
+            <a:spLocks noGrp="1"/>
+          </p:cNvSpPr>
+          <p:nvPr>
+            <p:ph idx="1"/>
+          </p:nvPr>
+        </p:nvSpPr>
+        <p:spPr/>
+        <p:txBody>
+          <a:bodyPr/>
+          <a:lstStyle/>
+          <a:p>
+            <a:r>
+              <a:rPr lang="en-US" dirty="0" smtClean="0"/>
+              <a:t>Use a Test Dataset (similar to ALS / Recommendations)</a:t>
+            </a:r>
+          </a:p>
+          <a:p>
+            <a:r>
+              <a:rPr lang="en-US" dirty="0" smtClean="0"/>
+              <a:t>Binary classifiers are often compared by using the ROC curve</a:t>
+            </a:r>
+          </a:p>
+          <a:p>
+            <a:pPr lvl="1"/>
+            <a:r>
+              <a:rPr lang="en-US" dirty="0" smtClean="0"/>
+              <a:t>Receiver Operating Characteristic</a:t>
+            </a:r>
+          </a:p>
+          <a:p>
+            <a:pPr lvl="1"/>
+            <a:r>
+              <a:rPr lang="en-US" dirty="0" smtClean="0"/>
+              <a:t>Measure by area under ROC curve.</a:t>
+            </a:r>
+          </a:p>
+          <a:p>
+            <a:pPr lvl="1"/>
+            <a:r>
+              <a:rPr lang="en-US" dirty="0" smtClean="0"/>
+              <a:t>import </a:t>
+            </a:r>
+            <a:r>
+              <a:rPr lang="en-US" dirty="0" err="1" smtClean="0"/>
+              <a:t>org.apache.spark.mllib.evaluation.BinaryClassificationMetrics</a:t>
+            </a:r>
+            <a:endParaRPr lang="en-US" dirty="0" smtClean="0"/>
+          </a:p>
+          <a:p>
+            <a:pPr lvl="1"/>
+            <a:endParaRPr lang="en-US" dirty="0"/>
+          </a:p>
+        </p:txBody>
+      </p:sp>
+      <p:sp>
+        <p:nvSpPr>
+          <p:cNvPr id="4" name="Footer Placeholder 3"/>
+          <p:cNvSpPr>
+            <a:spLocks noGrp="1"/>
+          </p:cNvSpPr>
+          <p:nvPr>
+            <p:ph type="ftr" sz="quarter" idx="11"/>
+          </p:nvPr>
+        </p:nvSpPr>
+        <p:spPr/>
+        <p:txBody>
+          <a:bodyPr/>
+          <a:lstStyle/>
+          <a:p>
+            <a:r>
+              <a:rPr lang="en-US" smtClean="0"/>
+              <a:t>© Elephant Scale, 2014</a:t>
+            </a:r>
+            <a:endParaRPr lang="en-US" dirty="0"/>
+          </a:p>
+        </p:txBody>
+      </p:sp>
+    </p:spTree>
+  </p:cSld>
+  <p:clrMapOvr>
+    <a:masterClrMapping/>
+  </p:clrMapOvr>
+</p:sld>
+</file>
+
+<file path=ppt/slides/slide42.xml><?xml version="1.0" encoding="utf-8"?>
+<p:sld xmlns:a="http://schemas.openxmlformats.org/drawingml/2006/main" xmlns:r="http://schemas.openxmlformats.org/officeDocument/2006/relationships" xmlns:p="http://schemas.openxmlformats.org/presentationml/2006/main">
+  <p:cSld>
+    <p:spTree>
+      <p:nvGrpSpPr>
+        <p:cNvPr id="1" name=""/>
+        <p:cNvGrpSpPr/>
+        <p:nvPr/>
+      </p:nvGrpSpPr>
+      <p:grpSpPr>
+        <a:xfrm>
+          <a:off x="0" y="0"/>
+          <a:ext cx="0" cy="0"/>
+          <a:chOff x="0" y="0"/>
+          <a:chExt cx="0" cy="0"/>
+        </a:xfrm>
+      </p:grpSpPr>
+      <p:sp>
+        <p:nvSpPr>
+          <p:cNvPr id="2" name="Title 1"/>
+          <p:cNvSpPr>
+            <a:spLocks noGrp="1"/>
+          </p:cNvSpPr>
+          <p:nvPr>
+            <p:ph type="title"/>
+          </p:nvPr>
+        </p:nvSpPr>
+        <p:spPr/>
+        <p:txBody>
+          <a:bodyPr/>
+          <a:lstStyle/>
+          <a:p>
+            <a:r>
+              <a:rPr lang="en-US" dirty="0" smtClean="0"/>
+              <a:t>ROC Curve</a:t>
+            </a:r>
+            <a:endParaRPr lang="en-US" dirty="0"/>
+          </a:p>
+        </p:txBody>
+      </p:sp>
+      <p:pic>
+        <p:nvPicPr>
+          <p:cNvPr id="6" name="Content Placeholder 5" descr="ROC_space.png"/>
+          <p:cNvPicPr>
+            <a:picLocks noGrp="1" noChangeAspect="1"/>
+          </p:cNvPicPr>
+          <p:nvPr>
+            <p:ph idx="1"/>
+          </p:nvPr>
+        </p:nvPicPr>
+        <p:blipFill>
+          <a:blip r:embed="rId2">
+            <a:extLst>
+              <a:ext uri="{28A0092B-C50C-407E-A947-70E740481C1C}">
+                <a14:useLocalDpi xmlns="" xmlns:a14="http://schemas.microsoft.com/office/drawing/2010/main" val="0"/>
+              </a:ext>
+            </a:extLst>
+          </a:blip>
+          <a:srcRect l="-43632" r="-43632"/>
+          <a:stretch>
+            <a:fillRect/>
+          </a:stretch>
+        </p:blipFill>
+        <p:spPr/>
+      </p:pic>
+      <p:sp>
+        <p:nvSpPr>
+          <p:cNvPr id="4" name="Footer Placeholder 3"/>
+          <p:cNvSpPr>
+            <a:spLocks noGrp="1"/>
+          </p:cNvSpPr>
+          <p:nvPr>
+            <p:ph type="ftr" sz="quarter" idx="11"/>
+          </p:nvPr>
+        </p:nvSpPr>
+        <p:spPr/>
+        <p:txBody>
+          <a:bodyPr/>
+          <a:lstStyle/>
+          <a:p>
+            <a:r>
+              <a:rPr lang="en-US" smtClean="0"/>
+              <a:t>(c) ElephantScale.com 2014</a:t>
+            </a:r>
+            <a:endParaRPr lang="en-US"/>
+          </a:p>
+        </p:txBody>
+      </p:sp>
+      <p:sp>
+        <p:nvSpPr>
+          <p:cNvPr id="5" name="Slide Number Placeholder 4"/>
+          <p:cNvSpPr>
+            <a:spLocks noGrp="1"/>
+          </p:cNvSpPr>
+          <p:nvPr>
+            <p:ph type="sldNum" sz="quarter" idx="12"/>
+          </p:nvPr>
+        </p:nvSpPr>
+        <p:spPr/>
+        <p:txBody>
+          <a:bodyPr/>
+          <a:lstStyle/>
+          <a:p>
+            <a:fld id="{4AD8DDEF-9CD1-B641-ADE5-2BEE59567BE6}" type="slidenum">
+              <a:rPr lang="en-US" smtClean="0"/>
+              <a:pPr/>
+              <a:t>42</a:t>
+            </a:fld>
+            <a:endParaRPr lang="en-US"/>
+          </a:p>
+        </p:txBody>
+      </p:sp>
+      <p:sp>
+        <p:nvSpPr>
+          <p:cNvPr id="7" name="TextBox 6"/>
+          <p:cNvSpPr txBox="1"/>
+          <p:nvPr/>
+        </p:nvSpPr>
+        <p:spPr>
+          <a:xfrm>
+            <a:off x="2647643" y="6402948"/>
+            <a:ext cx="5658157" cy="307777"/>
+          </a:xfrm>
+          <a:prstGeom prst="rect">
+            <a:avLst/>
+          </a:prstGeom>
+          <a:noFill/>
+        </p:spPr>
+        <p:txBody>
+          <a:bodyPr wrap="none" rtlCol="0">
+            <a:spAutoFit/>
+          </a:bodyPr>
+          <a:lstStyle/>
+          <a:p>
+            <a:r>
+              <a:rPr lang="en-US" sz="1400" dirty="0">
+                <a:solidFill>
+                  <a:schemeClr val="bg1">
+                    <a:lumMod val="65000"/>
+                  </a:schemeClr>
+                </a:solidFill>
+              </a:rPr>
+              <a:t>Source : http://</a:t>
+            </a:r>
+            <a:r>
+              <a:rPr lang="en-US" sz="1400" dirty="0" err="1">
+                <a:solidFill>
+                  <a:schemeClr val="bg1">
+                    <a:lumMod val="65000"/>
+                  </a:schemeClr>
+                </a:solidFill>
+              </a:rPr>
+              <a:t>commons.wikimedia.org</a:t>
+            </a:r>
+            <a:r>
+              <a:rPr lang="en-US" sz="1400" dirty="0">
+                <a:solidFill>
+                  <a:schemeClr val="bg1">
+                    <a:lumMod val="65000"/>
+                  </a:schemeClr>
+                </a:solidFill>
+              </a:rPr>
+              <a:t>/wiki/</a:t>
+            </a:r>
+            <a:r>
+              <a:rPr lang="en-US" sz="1400" dirty="0" err="1">
+                <a:solidFill>
+                  <a:schemeClr val="bg1">
+                    <a:lumMod val="65000"/>
+                  </a:schemeClr>
+                </a:solidFill>
+              </a:rPr>
+              <a:t>File:ROC_space.png</a:t>
+            </a:r>
+            <a:r>
+              <a:rPr lang="en-US" sz="1400" dirty="0"/>
+              <a:t> </a:t>
+            </a:r>
+          </a:p>
+        </p:txBody>
+      </p:sp>
+    </p:spTree>
+    <p:extLst>
+      <p:ext uri="{BB962C8B-B14F-4D97-AF65-F5344CB8AC3E}">
+        <p14:creationId xmlns="" xmlns:p14="http://schemas.microsoft.com/office/powerpoint/2010/main" val="2886531117"/>
+      </p:ext>
+    </p:extLst>
+  </p:cSld>
+  <p:clrMapOvr>
+    <a:masterClrMapping/>
+  </p:clrMapOvr>
+  <p:timing>
+    <p:tnLst>
+      <p:par>
+        <p:cTn id="1" dur="indefinite" restart="never" nodeType="tmRoot"/>
+      </p:par>
+    </p:tnLst>
+  </p:timing>
+</p:sld>
+</file>
+
+<file path=ppt/slides/slide43.xml><?xml version="1.0" encoding="utf-8"?>
+<p:sld xmlns:a="http://schemas.openxmlformats.org/drawingml/2006/main" xmlns:r="http://schemas.openxmlformats.org/officeDocument/2006/relationships" xmlns:p="http://schemas.openxmlformats.org/presentationml/2006/main">
+  <p:cSld>
+    <p:spTree>
+      <p:nvGrpSpPr>
+        <p:cNvPr id="1" name=""/>
+        <p:cNvGrpSpPr/>
+        <p:nvPr/>
+      </p:nvGrpSpPr>
+      <p:grpSpPr>
+        <a:xfrm>
+          <a:off x="0" y="0"/>
+          <a:ext cx="0" cy="0"/>
+          <a:chOff x="0" y="0"/>
+          <a:chExt cx="0" cy="0"/>
+        </a:xfrm>
+      </p:grpSpPr>
+      <p:sp>
+        <p:nvSpPr>
+          <p:cNvPr id="2" name="Title 1"/>
+          <p:cNvSpPr>
+            <a:spLocks noGrp="1"/>
+          </p:cNvSpPr>
+          <p:nvPr>
+            <p:ph type="title"/>
+          </p:nvPr>
+        </p:nvSpPr>
+        <p:spPr/>
+        <p:txBody>
+          <a:bodyPr/>
+          <a:lstStyle/>
+          <a:p>
+            <a:r>
+              <a:rPr lang="en-US" dirty="0" smtClean="0"/>
+              <a:t>Classification Lab</a:t>
+            </a:r>
+            <a:endParaRPr lang="en-US" dirty="0"/>
+          </a:p>
+        </p:txBody>
+      </p:sp>
+      <p:sp>
+        <p:nvSpPr>
+          <p:cNvPr id="3" name="Content Placeholder 2"/>
+          <p:cNvSpPr>
+            <a:spLocks noGrp="1"/>
+          </p:cNvSpPr>
+          <p:nvPr>
+            <p:ph idx="1"/>
+          </p:nvPr>
+        </p:nvSpPr>
+        <p:spPr/>
+        <p:txBody>
+          <a:bodyPr/>
+          <a:lstStyle/>
+          <a:p>
+            <a:r>
+              <a:rPr lang="en-US" dirty="0" smtClean="0"/>
+              <a:t>Use the “churn” dataset for telecom churn prediction</a:t>
+            </a:r>
+          </a:p>
+          <a:p>
+            <a:r>
+              <a:rPr lang="en-US" dirty="0" smtClean="0"/>
+              <a:t>location   : </a:t>
+            </a:r>
+            <a:r>
+              <a:rPr lang="en-US" dirty="0" err="1" smtClean="0"/>
+              <a:t>mllib</a:t>
+            </a:r>
+            <a:r>
+              <a:rPr lang="en-US" dirty="0" smtClean="0"/>
+              <a:t>/</a:t>
+            </a:r>
+            <a:r>
+              <a:rPr lang="en-US" dirty="0" err="1" smtClean="0"/>
+              <a:t>classifation</a:t>
+            </a:r>
+            <a:endParaRPr lang="en-US" dirty="0" smtClean="0"/>
+          </a:p>
+          <a:p>
+            <a:r>
+              <a:rPr lang="en-US" dirty="0" smtClean="0"/>
+              <a:t>Try out the solution line-by-line</a:t>
+            </a:r>
+          </a:p>
+        </p:txBody>
+      </p:sp>
+      <p:sp>
+        <p:nvSpPr>
+          <p:cNvPr id="4" name="Footer Placeholder 3"/>
+          <p:cNvSpPr>
+            <a:spLocks noGrp="1"/>
+          </p:cNvSpPr>
+          <p:nvPr>
+            <p:ph type="ftr" sz="quarter" idx="11"/>
+          </p:nvPr>
+        </p:nvSpPr>
+        <p:spPr/>
+        <p:txBody>
+          <a:bodyPr/>
+          <a:lstStyle/>
+          <a:p>
+            <a:r>
+              <a:rPr lang="en-US" smtClean="0"/>
+              <a:t>(c) ElephantScale.com 2014</a:t>
+            </a:r>
+            <a:endParaRPr lang="en-US"/>
+          </a:p>
+        </p:txBody>
+      </p:sp>
+      <p:sp>
+        <p:nvSpPr>
+          <p:cNvPr id="5" name="Slide Number Placeholder 4"/>
+          <p:cNvSpPr>
+            <a:spLocks noGrp="1"/>
+          </p:cNvSpPr>
+          <p:nvPr>
+            <p:ph type="sldNum" sz="quarter" idx="12"/>
+          </p:nvPr>
+        </p:nvSpPr>
+        <p:spPr/>
+        <p:txBody>
+          <a:bodyPr/>
+          <a:lstStyle/>
+          <a:p>
+            <a:fld id="{4AD8DDEF-9CD1-B641-ADE5-2BEE59567BE6}" type="slidenum">
+              <a:rPr lang="en-US" smtClean="0"/>
+              <a:pPr/>
+              <a:t>43</a:t>
+            </a:fld>
+            <a:endParaRPr lang="en-US"/>
+          </a:p>
+        </p:txBody>
+      </p:sp>
+    </p:spTree>
+    <p:extLst>
+      <p:ext uri="{BB962C8B-B14F-4D97-AF65-F5344CB8AC3E}">
+        <p14:creationId xmlns="" xmlns:p14="http://schemas.microsoft.com/office/powerpoint/2010/main" val="3599210062"/>
+      </p:ext>
+    </p:extLst>
+  </p:cSld>
+  <p:clrMapOvr>
+    <a:masterClrMapping/>
+  </p:clrMapOvr>
+  <p:timing>
+    <p:tnLst>
+      <p:par>
+        <p:cTn id="1" dur="indefinite" restart="never" nodeType="tmRoot"/>
+      </p:par>
+    </p:tnLst>
+  </p:timing>
+</p:sld>
+</file>
+
+<file path=ppt/slides/slide44.xml><?xml version="1.0" encoding="utf-8"?>
+<p:sld xmlns:a="http://schemas.openxmlformats.org/drawingml/2006/main" xmlns:r="http://schemas.openxmlformats.org/officeDocument/2006/relationships" xmlns:p="http://schemas.openxmlformats.org/presentationml/2006/main">
+  <p:cSld>
+    <p:spTree>
+      <p:nvGrpSpPr>
+        <p:cNvPr id="1" name=""/>
+        <p:cNvGrpSpPr/>
+        <p:nvPr/>
+      </p:nvGrpSpPr>
+      <p:grpSpPr>
+        <a:xfrm>
+          <a:off x="0" y="0"/>
+          <a:ext cx="0" cy="0"/>
+          <a:chOff x="0" y="0"/>
+          <a:chExt cx="0" cy="0"/>
+        </a:xfrm>
+      </p:grpSpPr>
+      <p:sp>
+        <p:nvSpPr>
+          <p:cNvPr id="2" name="Title 1"/>
+          <p:cNvSpPr>
+            <a:spLocks noGrp="1"/>
+          </p:cNvSpPr>
+          <p:nvPr>
+            <p:ph type="title"/>
+          </p:nvPr>
+        </p:nvSpPr>
+        <p:spPr/>
+        <p:txBody>
+          <a:bodyPr/>
+          <a:lstStyle/>
+          <a:p>
+            <a:r>
+              <a:rPr lang="en-US" dirty="0" smtClean="0"/>
+              <a:t>Thanks! &amp; Questions !</a:t>
+            </a:r>
+            <a:endParaRPr lang="en-US" dirty="0"/>
+          </a:p>
+        </p:txBody>
+      </p:sp>
+      <p:sp>
+        <p:nvSpPr>
+          <p:cNvPr id="3" name="Content Placeholder 2"/>
+          <p:cNvSpPr>
+            <a:spLocks noGrp="1"/>
+          </p:cNvSpPr>
+          <p:nvPr>
+            <p:ph idx="1"/>
+          </p:nvPr>
+        </p:nvSpPr>
+        <p:spPr/>
+        <p:txBody>
+          <a:bodyPr/>
+          <a:lstStyle/>
+          <a:p>
+            <a:endParaRPr lang="en-US"/>
+          </a:p>
+        </p:txBody>
+      </p:sp>
+      <p:sp>
+        <p:nvSpPr>
+          <p:cNvPr id="4" name="Footer Placeholder 3"/>
+          <p:cNvSpPr>
+            <a:spLocks noGrp="1"/>
+          </p:cNvSpPr>
+          <p:nvPr>
+            <p:ph type="ftr" sz="quarter" idx="11"/>
+          </p:nvPr>
+        </p:nvSpPr>
+        <p:spPr/>
+        <p:txBody>
+          <a:bodyPr/>
+          <a:lstStyle/>
+          <a:p>
+            <a:r>
+              <a:rPr lang="en-US" smtClean="0"/>
+              <a:t>© Elephant Scale, 2014</a:t>
+            </a:r>
+            <a:endParaRPr lang="en-US" dirty="0"/>
+          </a:p>
+        </p:txBody>
+      </p:sp>
+    </p:spTree>
+    <p:extLst>
+      <p:ext uri="{BB962C8B-B14F-4D97-AF65-F5344CB8AC3E}">
+        <p14:creationId xmlns="" xmlns:p14="http://schemas.microsoft.com/office/powerpoint/2010/main" val="3695882192"/>
+      </p:ext>
+    </p:extLst>
+  </p:cSld>
+  <p:clrMapOvr>
+    <a:masterClrMapping/>
+  </p:clrMapOvr>
+</p:sld>
+</file>
+
+<file path=ppt/slides/slide45.xml><?xml version="1.0" encoding="utf-8"?>
+<p:sld xmlns:a="http://schemas.openxmlformats.org/drawingml/2006/main" xmlns:r="http://schemas.openxmlformats.org/officeDocument/2006/relationships" xmlns:p="http://schemas.openxmlformats.org/presentationml/2006/main">
+  <p:cSld>
+    <p:spTree>
+      <p:nvGrpSpPr>
+        <p:cNvPr id="1" name=""/>
+        <p:cNvGrpSpPr/>
+        <p:nvPr/>
+      </p:nvGrpSpPr>
+      <p:grpSpPr>
+        <a:xfrm>
+          <a:off x="0" y="0"/>
+          <a:ext cx="0" cy="0"/>
+          <a:chOff x="0" y="0"/>
+          <a:chExt cx="0" cy="0"/>
+        </a:xfrm>
+      </p:grpSpPr>
+      <p:sp>
+        <p:nvSpPr>
+          <p:cNvPr id="2" name="Title 1"/>
+          <p:cNvSpPr>
+            <a:spLocks noGrp="1"/>
+          </p:cNvSpPr>
+          <p:nvPr>
+            <p:ph type="title"/>
+          </p:nvPr>
+        </p:nvSpPr>
+        <p:spPr/>
+        <p:txBody>
+          <a:bodyPr/>
+          <a:lstStyle/>
+          <a:p>
+            <a:r>
+              <a:rPr lang="en-US" dirty="0" smtClean="0"/>
+              <a:t>Credits </a:t>
+            </a:r>
+            <a:endParaRPr lang="en-US" dirty="0"/>
+          </a:p>
+        </p:txBody>
+      </p:sp>
+      <p:sp>
+        <p:nvSpPr>
+          <p:cNvPr id="3" name="Content Placeholder 2"/>
+          <p:cNvSpPr>
+            <a:spLocks noGrp="1"/>
+          </p:cNvSpPr>
+          <p:nvPr>
+            <p:ph idx="1"/>
+          </p:nvPr>
+        </p:nvSpPr>
+        <p:spPr/>
+        <p:txBody>
+          <a:bodyPr/>
+          <a:lstStyle/>
+          <a:p>
+            <a:r>
+              <a:rPr lang="en-US" dirty="0">
+                <a:hlinkClick r:id="rId2"/>
+              </a:rPr>
+              <a:t>http://spark.apache.org</a:t>
+            </a:r>
+            <a:r>
+              <a:rPr lang="en-US" dirty="0" smtClean="0">
+                <a:hlinkClick r:id="rId2"/>
+              </a:rPr>
+              <a:t>/</a:t>
+            </a:r>
+            <a:endParaRPr lang="en-US" dirty="0" smtClean="0"/>
+          </a:p>
+          <a:p>
+            <a:r>
+              <a:rPr lang="en-US" dirty="0">
+                <a:hlinkClick r:id="rId3"/>
+              </a:rPr>
+              <a:t>http://</a:t>
+            </a:r>
+            <a:r>
+              <a:rPr lang="en-US" dirty="0" smtClean="0">
+                <a:hlinkClick r:id="rId3"/>
+              </a:rPr>
+              <a:t>www.strategictechplanning.com</a:t>
+            </a:r>
+            <a:endParaRPr lang="en-US" dirty="0"/>
+          </a:p>
+          <a:p>
+            <a:endParaRPr lang="en-US" dirty="0"/>
+          </a:p>
+        </p:txBody>
+      </p:sp>
+      <p:sp>
+        <p:nvSpPr>
+          <p:cNvPr id="4" name="Footer Placeholder 3"/>
+          <p:cNvSpPr>
+            <a:spLocks noGrp="1"/>
+          </p:cNvSpPr>
+          <p:nvPr>
+            <p:ph type="ftr" sz="quarter" idx="11"/>
+          </p:nvPr>
+        </p:nvSpPr>
+        <p:spPr/>
+        <p:txBody>
+          <a:bodyPr/>
+          <a:lstStyle/>
+          <a:p>
+            <a:r>
+              <a:rPr lang="en-US" smtClean="0"/>
+              <a:t>© Elephant Scale, 2014</a:t>
+            </a:r>
+            <a:endParaRPr lang="en-US" dirty="0"/>
+          </a:p>
+        </p:txBody>
+      </p:sp>
+    </p:spTree>
+    <p:extLst>
+      <p:ext uri="{BB962C8B-B14F-4D97-AF65-F5344CB8AC3E}">
+        <p14:creationId xmlns="" xmlns:p14="http://schemas.microsoft.com/office/powerpoint/2010/main" val="3799230133"/>
       </p:ext>
     </p:extLst>
   </p:cSld>
@@ -15747,7 +16881,7 @@
     </p:spTree>
     <p:extLst>
       <p:ext uri="{BB962C8B-B14F-4D97-AF65-F5344CB8AC3E}">
-        <p14:creationId xmlns:p14="http://schemas.microsoft.com/office/powerpoint/2010/main" xmlns="" val="1286301917"/>
+        <p14:creationId xmlns="" xmlns:p14="http://schemas.microsoft.com/office/powerpoint/2010/main" val="1286301917"/>
       </p:ext>
     </p:extLst>
   </p:cSld>
@@ -15897,7 +17031,7 @@
     </p:spTree>
     <p:extLst>
       <p:ext uri="{BB962C8B-B14F-4D97-AF65-F5344CB8AC3E}">
-        <p14:creationId xmlns:p14="http://schemas.microsoft.com/office/powerpoint/2010/main" xmlns="" val="2360138823"/>
+        <p14:creationId xmlns="" xmlns:p14="http://schemas.microsoft.com/office/powerpoint/2010/main" val="2360138823"/>
       </p:ext>
     </p:extLst>
   </p:cSld>
@@ -15948,7 +17082,7 @@
           <a:p>
             <a:r>
               <a:rPr lang="en-US" dirty="0" smtClean="0"/>
-              <a:t>Creating Vectors</a:t>
+              <a:t>Vectors: Dense versus Sparse</a:t>
             </a:r>
             <a:endParaRPr lang="en-US" dirty="0"/>
           </a:p>
@@ -15978,37 +17112,85 @@
           <a:p>
             <a:r>
               <a:rPr lang="en-US" dirty="0" smtClean="0"/>
-              <a:t>How to </a:t>
-            </a:r>
-            <a:r>
-              <a:rPr lang="en-US" smtClean="0"/>
-              <a:t>create vectors from </a:t>
-            </a:r>
-            <a:r>
-              <a:rPr lang="en-US" dirty="0" smtClean="0"/>
-              <a:t>text?</a:t>
+              <a:t>Dense Vectors</a:t>
             </a:r>
           </a:p>
           <a:p>
             <a:pPr lvl="1"/>
             <a:r>
               <a:rPr lang="en-US" dirty="0" smtClean="0"/>
-              <a:t>TF/IDF: Term Frequency Inverse Document Frequency</a:t>
+              <a:t>Usually have a nonzero value for each variable</a:t>
             </a:r>
           </a:p>
           <a:p>
             <a:pPr lvl="1"/>
             <a:r>
               <a:rPr lang="en-US" dirty="0" smtClean="0"/>
-              <a:t>This essentially means the frequency of a term divided by its frequency in the larger group of documents (the “corpus”)</a:t>
+              <a:t>The “telecom churn” dataset we use in the labs is a dense dataset.</a:t>
             </a:r>
           </a:p>
           <a:p>
             <a:pPr lvl="1"/>
             <a:r>
               <a:rPr lang="en-US" dirty="0" smtClean="0"/>
-              <a:t>Each word in the corpus is then a “dimension” – you would have thousands of dimensions.</a:t>
-            </a:r>
+              <a:t>Use </a:t>
+            </a:r>
+            <a:r>
+              <a:rPr lang="en-US" dirty="0" err="1" smtClean="0"/>
+              <a:t>Vectors.dense</a:t>
+            </a:r>
+            <a:endParaRPr lang="en-US" dirty="0" smtClean="0"/>
+          </a:p>
+          <a:p>
+            <a:r>
+              <a:rPr lang="en-US" dirty="0" smtClean="0"/>
+              <a:t>Sparse Vectors</a:t>
+            </a:r>
+          </a:p>
+          <a:p>
+            <a:pPr lvl="1"/>
+            <a:r>
+              <a:rPr lang="en-US" dirty="0" smtClean="0"/>
+              <a:t>Most values are zero (or nonexistent)</a:t>
+            </a:r>
+          </a:p>
+          <a:p>
+            <a:pPr lvl="1"/>
+            <a:r>
+              <a:rPr lang="en-US" dirty="0" smtClean="0"/>
+              <a:t>Text Data yields sparse vectors</a:t>
+            </a:r>
+          </a:p>
+          <a:p>
+            <a:pPr lvl="1"/>
+            <a:r>
+              <a:rPr lang="en-US" dirty="0" smtClean="0"/>
+              <a:t>One-Hot, factor variables lead to sparse vectors</a:t>
+            </a:r>
+          </a:p>
+          <a:p>
+            <a:pPr lvl="1"/>
+            <a:r>
+              <a:rPr lang="en-US" dirty="0" smtClean="0"/>
+              <a:t>Use </a:t>
+            </a:r>
+            <a:r>
+              <a:rPr lang="en-US" dirty="0" err="1" smtClean="0"/>
+              <a:t>Vectors.sparse</a:t>
+            </a:r>
+            <a:endParaRPr lang="en-US" dirty="0" smtClean="0"/>
+          </a:p>
+          <a:p>
+            <a:pPr lvl="1"/>
+            <a:endParaRPr lang="en-US" dirty="0" smtClean="0"/>
+          </a:p>
+          <a:p>
+            <a:pPr lvl="1"/>
+            <a:endParaRPr lang="en-US" dirty="0" smtClean="0"/>
+          </a:p>
+          <a:p>
+            <a:pPr lvl="1"/>
+            <a:endParaRPr lang="en-US" dirty="0" smtClean="0"/>
           </a:p>
         </p:txBody>
       </p:sp>
@@ -16062,7 +17244,7 @@
     </p:spTree>
     <p:extLst>
       <p:ext uri="{BB962C8B-B14F-4D97-AF65-F5344CB8AC3E}">
-        <p14:creationId xmlns:p14="http://schemas.microsoft.com/office/powerpoint/2010/main" xmlns="" val="2360138823"/>
+        <p14:creationId xmlns="" xmlns:p14="http://schemas.microsoft.com/office/powerpoint/2010/main" val="2360138823"/>
       </p:ext>
     </p:extLst>
   </p:cSld>
@@ -16113,7 +17295,7 @@
           <a:p>
             <a:r>
               <a:rPr lang="en-US" dirty="0" smtClean="0"/>
-              <a:t>Vectors: Dense versus Sparse</a:t>
+              <a:t>Creating Vectors</a:t>
             </a:r>
             <a:endParaRPr lang="en-US" dirty="0"/>
           </a:p>
@@ -16143,76 +17325,191 @@
           <a:p>
             <a:r>
               <a:rPr lang="en-US" dirty="0" smtClean="0"/>
-              <a:t>Dense Vectors</a:t>
-            </a:r>
-          </a:p>
-          <a:p>
-            <a:pPr lvl="1"/>
-            <a:r>
-              <a:rPr lang="en-US" dirty="0" smtClean="0"/>
-              <a:t>Usually have a nonzero value for each variable</a:t>
-            </a:r>
-          </a:p>
-          <a:p>
-            <a:pPr lvl="1"/>
-            <a:r>
-              <a:rPr lang="en-US" dirty="0" smtClean="0"/>
-              <a:t>The “telecom churn” dataset we use in the labs is a dense dataset.</a:t>
-            </a:r>
-          </a:p>
-          <a:p>
-            <a:pPr lvl="1"/>
-            <a:r>
-              <a:rPr lang="en-US" dirty="0" smtClean="0"/>
-              <a:t>Use </a:t>
-            </a:r>
-            <a:r>
-              <a:rPr lang="en-US" dirty="0" err="1" smtClean="0"/>
+              <a:t>Dense Vectors with Labels (for classification)</a:t>
+            </a:r>
+          </a:p>
+          <a:p>
+            <a:pPr>
+              <a:buNone/>
+            </a:pPr>
+            <a:r>
+              <a:rPr lang="en-US" dirty="0" err="1" smtClean="0">
+                <a:latin typeface="Courier New" pitchFamily="49" charset="0"/>
+                <a:cs typeface="Courier New" pitchFamily="49" charset="0"/>
+              </a:rPr>
+              <a:t>val</a:t>
+            </a:r>
+            <a:r>
+              <a:rPr lang="en-US" dirty="0" smtClean="0">
+                <a:latin typeface="Courier New" pitchFamily="49" charset="0"/>
+                <a:cs typeface="Courier New" pitchFamily="49" charset="0"/>
+              </a:rPr>
+              <a:t> data = </a:t>
+            </a:r>
+            <a:r>
+              <a:rPr lang="en-US" dirty="0" err="1" smtClean="0">
+                <a:latin typeface="Courier New" pitchFamily="49" charset="0"/>
+                <a:cs typeface="Courier New" pitchFamily="49" charset="0"/>
+              </a:rPr>
+              <a:t>sc.textFile</a:t>
+            </a:r>
+            <a:r>
+              <a:rPr lang="en-US" dirty="0" smtClean="0">
+                <a:latin typeface="Courier New" pitchFamily="49" charset="0"/>
+                <a:cs typeface="Courier New" pitchFamily="49" charset="0"/>
+              </a:rPr>
+              <a:t>(“yourfile.csv")</a:t>
+            </a:r>
+          </a:p>
+          <a:p>
+            <a:pPr>
+              <a:buNone/>
+            </a:pPr>
+            <a:r>
+              <a:rPr lang="en-US" dirty="0" err="1" smtClean="0">
+                <a:latin typeface="Courier New" pitchFamily="49" charset="0"/>
+                <a:cs typeface="Courier New" pitchFamily="49" charset="0"/>
+              </a:rPr>
+              <a:t>val</a:t>
+            </a:r>
+            <a:r>
+              <a:rPr lang="en-US" dirty="0" smtClean="0">
+                <a:latin typeface="Courier New" pitchFamily="49" charset="0"/>
+                <a:cs typeface="Courier New" pitchFamily="49" charset="0"/>
+              </a:rPr>
+              <a:t> </a:t>
+            </a:r>
+            <a:r>
+              <a:rPr lang="en-US" dirty="0" err="1" smtClean="0">
+                <a:latin typeface="Courier New" pitchFamily="49" charset="0"/>
+                <a:cs typeface="Courier New" pitchFamily="49" charset="0"/>
+              </a:rPr>
+              <a:t>splitData</a:t>
+            </a:r>
+            <a:r>
+              <a:rPr lang="en-US" dirty="0" smtClean="0">
+                <a:latin typeface="Courier New" pitchFamily="49" charset="0"/>
+                <a:cs typeface="Courier New" pitchFamily="49" charset="0"/>
+              </a:rPr>
+              <a:t> = data.map { s =&gt;</a:t>
+            </a:r>
+          </a:p>
+          <a:p>
+            <a:pPr>
+              <a:buNone/>
+            </a:pPr>
+            <a:r>
+              <a:rPr lang="en-US" dirty="0" smtClean="0">
+                <a:latin typeface="Courier New" pitchFamily="49" charset="0"/>
+                <a:cs typeface="Courier New" pitchFamily="49" charset="0"/>
+              </a:rPr>
+              <a:t>  </a:t>
+            </a:r>
+            <a:r>
+              <a:rPr lang="en-US" dirty="0" err="1" smtClean="0">
+                <a:latin typeface="Courier New" pitchFamily="49" charset="0"/>
+                <a:cs typeface="Courier New" pitchFamily="49" charset="0"/>
+              </a:rPr>
+              <a:t>val</a:t>
+            </a:r>
+            <a:r>
+              <a:rPr lang="en-US" dirty="0" smtClean="0">
+                <a:latin typeface="Courier New" pitchFamily="49" charset="0"/>
+                <a:cs typeface="Courier New" pitchFamily="49" charset="0"/>
+              </a:rPr>
+              <a:t> parts = </a:t>
+            </a:r>
+            <a:r>
+              <a:rPr lang="en-US" dirty="0" err="1" smtClean="0">
+                <a:latin typeface="Courier New" pitchFamily="49" charset="0"/>
+                <a:cs typeface="Courier New" pitchFamily="49" charset="0"/>
+              </a:rPr>
+              <a:t>s.split</a:t>
+            </a:r>
+            <a:r>
+              <a:rPr lang="en-US" dirty="0" smtClean="0">
+                <a:latin typeface="Courier New" pitchFamily="49" charset="0"/>
+                <a:cs typeface="Courier New" pitchFamily="49" charset="0"/>
+              </a:rPr>
+              <a:t>(',').map(_.</a:t>
+            </a:r>
+            <a:r>
+              <a:rPr lang="en-US" dirty="0" err="1" smtClean="0">
+                <a:latin typeface="Courier New" pitchFamily="49" charset="0"/>
+                <a:cs typeface="Courier New" pitchFamily="49" charset="0"/>
+              </a:rPr>
+              <a:t>toDouble</a:t>
+            </a:r>
+            <a:r>
+              <a:rPr lang="en-US" dirty="0" smtClean="0">
+                <a:latin typeface="Courier New" pitchFamily="49" charset="0"/>
+                <a:cs typeface="Courier New" pitchFamily="49" charset="0"/>
+              </a:rPr>
+              <a:t>);</a:t>
+            </a:r>
+          </a:p>
+          <a:p>
+            <a:pPr>
+              <a:buNone/>
+            </a:pPr>
+            <a:r>
+              <a:rPr lang="en-US" dirty="0" smtClean="0">
+                <a:latin typeface="Courier New" pitchFamily="49" charset="0"/>
+                <a:cs typeface="Courier New" pitchFamily="49" charset="0"/>
+              </a:rPr>
+              <a:t>  </a:t>
+            </a:r>
+            <a:r>
+              <a:rPr lang="en-US" dirty="0" err="1" smtClean="0">
+                <a:latin typeface="Courier New" pitchFamily="49" charset="0"/>
+                <a:cs typeface="Courier New" pitchFamily="49" charset="0"/>
+              </a:rPr>
+              <a:t>LabeledPoint</a:t>
+            </a:r>
+            <a:r>
+              <a:rPr lang="en-US" dirty="0" smtClean="0">
+                <a:latin typeface="Courier New" pitchFamily="49" charset="0"/>
+                <a:cs typeface="Courier New" pitchFamily="49" charset="0"/>
+              </a:rPr>
+              <a:t>(if (parts(0)==1) 1.0 else 0.0, </a:t>
+            </a:r>
+            <a:r>
+              <a:rPr lang="en-US" dirty="0" err="1" smtClean="0">
+                <a:latin typeface="Courier New" pitchFamily="49" charset="0"/>
+                <a:cs typeface="Courier New" pitchFamily="49" charset="0"/>
+              </a:rPr>
               <a:t>Vectors.dense</a:t>
             </a:r>
+            <a:r>
+              <a:rPr lang="en-US" dirty="0" smtClean="0">
+                <a:latin typeface="Courier New" pitchFamily="49" charset="0"/>
+                <a:cs typeface="Courier New" pitchFamily="49" charset="0"/>
+              </a:rPr>
+              <a:t>(parts))</a:t>
+            </a:r>
+          </a:p>
+          <a:p>
+            <a:pPr>
+              <a:buNone/>
+            </a:pPr>
+            <a:r>
+              <a:rPr lang="en-US" dirty="0" smtClean="0">
+                <a:latin typeface="Courier New" pitchFamily="49" charset="0"/>
+                <a:cs typeface="Courier New" pitchFamily="49" charset="0"/>
+              </a:rPr>
+              <a:t>}</a:t>
+            </a:r>
+          </a:p>
+          <a:p>
+            <a:pPr>
+              <a:buNone/>
+            </a:pPr>
             <a:endParaRPr lang="en-US" dirty="0" smtClean="0"/>
           </a:p>
           <a:p>
-            <a:r>
-              <a:rPr lang="en-US" dirty="0" smtClean="0"/>
-              <a:t>Sparse Vectors</a:t>
-            </a:r>
-          </a:p>
-          <a:p>
-            <a:pPr lvl="1"/>
-            <a:r>
-              <a:rPr lang="en-US" dirty="0" smtClean="0"/>
-              <a:t>Most values are zero (or nonexistent)</a:t>
-            </a:r>
-          </a:p>
-          <a:p>
-            <a:pPr lvl="1"/>
-            <a:r>
-              <a:rPr lang="en-US" dirty="0" smtClean="0"/>
-              <a:t>Text Data yields sparse vectors</a:t>
-            </a:r>
-          </a:p>
-          <a:p>
-            <a:pPr lvl="1"/>
-            <a:r>
-              <a:rPr lang="en-US" dirty="0" smtClean="0"/>
-              <a:t>One-Hot, factor variables lead to sparse vectors</a:t>
-            </a:r>
-          </a:p>
-          <a:p>
-            <a:pPr lvl="1"/>
-            <a:r>
-              <a:rPr lang="en-US" dirty="0" smtClean="0"/>
-              <a:t>Use </a:t>
-            </a:r>
-            <a:r>
-              <a:rPr lang="en-US" dirty="0" err="1" smtClean="0"/>
-              <a:t>Vectors.sparse</a:t>
-            </a:r>
-            <a:endParaRPr lang="en-US" dirty="0" smtClean="0"/>
-          </a:p>
-          <a:p>
-            <a:pPr lvl="1"/>
+            <a:pPr>
+              <a:buNone/>
+            </a:pPr>
             <a:endParaRPr lang="en-US" dirty="0" smtClean="0"/>
           </a:p>
           <a:p>
@@ -16275,7 +17572,7 @@
     </p:spTree>
     <p:extLst>
       <p:ext uri="{BB962C8B-B14F-4D97-AF65-F5344CB8AC3E}">
-        <p14:creationId xmlns:p14="http://schemas.microsoft.com/office/powerpoint/2010/main" xmlns="" val="2360138823"/>
+        <p14:creationId xmlns="" xmlns:p14="http://schemas.microsoft.com/office/powerpoint/2010/main" val="2360138823"/>
       </p:ext>
     </p:extLst>
   </p:cSld>
@@ -16325,8 +17622,8 @@
           <a:lstStyle/>
           <a:p>
             <a:r>
-              <a:rPr lang="en-US" dirty="0" smtClean="0"/>
-              <a:t>Creating Vectors</a:t>
+              <a:rPr lang="en-US" smtClean="0"/>
+              <a:t>Creating Vectors From Text</a:t>
             </a:r>
             <a:endParaRPr lang="en-US" dirty="0"/>
           </a:p>
@@ -16356,236 +17653,37 @@
           <a:p>
             <a:r>
               <a:rPr lang="en-US" dirty="0" smtClean="0"/>
-              <a:t>Dense </a:t>
-            </a:r>
-            <a:r>
-              <a:rPr lang="en-US" dirty="0" smtClean="0"/>
-              <a:t>Vectors with Labels (for classification)</a:t>
-            </a:r>
-          </a:p>
-          <a:p>
-            <a:pPr>
-              <a:buNone/>
-            </a:pPr>
-            <a:r>
-              <a:rPr lang="en-US" dirty="0" err="1" smtClean="0">
-                <a:latin typeface="Courier New" pitchFamily="49" charset="0"/>
-                <a:cs typeface="Courier New" pitchFamily="49" charset="0"/>
-              </a:rPr>
-              <a:t>val</a:t>
-            </a:r>
-            <a:r>
-              <a:rPr lang="en-US" dirty="0" smtClean="0">
-                <a:latin typeface="Courier New" pitchFamily="49" charset="0"/>
-                <a:cs typeface="Courier New" pitchFamily="49" charset="0"/>
-              </a:rPr>
-              <a:t> </a:t>
-            </a:r>
-            <a:r>
-              <a:rPr lang="en-US" dirty="0" smtClean="0">
-                <a:latin typeface="Courier New" pitchFamily="49" charset="0"/>
-                <a:cs typeface="Courier New" pitchFamily="49" charset="0"/>
-              </a:rPr>
-              <a:t>data = </a:t>
-            </a:r>
-            <a:r>
-              <a:rPr lang="en-US" dirty="0" err="1" smtClean="0">
-                <a:latin typeface="Courier New" pitchFamily="49" charset="0"/>
-                <a:cs typeface="Courier New" pitchFamily="49" charset="0"/>
-              </a:rPr>
-              <a:t>sc.textFile</a:t>
-            </a:r>
-            <a:r>
-              <a:rPr lang="en-US" dirty="0" smtClean="0">
-                <a:latin typeface="Courier New" pitchFamily="49" charset="0"/>
-                <a:cs typeface="Courier New" pitchFamily="49" charset="0"/>
-              </a:rPr>
-              <a:t>(“yourfile.csv")</a:t>
-            </a:r>
-            <a:endParaRPr lang="en-US" dirty="0" smtClean="0">
-              <a:latin typeface="Courier New" pitchFamily="49" charset="0"/>
-              <a:cs typeface="Courier New" pitchFamily="49" charset="0"/>
-            </a:endParaRPr>
-          </a:p>
-          <a:p>
-            <a:pPr>
-              <a:buNone/>
-            </a:pPr>
-            <a:r>
-              <a:rPr lang="en-US" dirty="0" err="1" smtClean="0">
-                <a:latin typeface="Courier New" pitchFamily="49" charset="0"/>
-                <a:cs typeface="Courier New" pitchFamily="49" charset="0"/>
-              </a:rPr>
-              <a:t>val</a:t>
-            </a:r>
-            <a:r>
-              <a:rPr lang="en-US" dirty="0" smtClean="0">
-                <a:latin typeface="Courier New" pitchFamily="49" charset="0"/>
-                <a:cs typeface="Courier New" pitchFamily="49" charset="0"/>
-              </a:rPr>
-              <a:t> </a:t>
-            </a:r>
-            <a:r>
-              <a:rPr lang="en-US" dirty="0" err="1" smtClean="0">
-                <a:latin typeface="Courier New" pitchFamily="49" charset="0"/>
-                <a:cs typeface="Courier New" pitchFamily="49" charset="0"/>
-              </a:rPr>
-              <a:t>splitData</a:t>
-            </a:r>
-            <a:r>
-              <a:rPr lang="en-US" dirty="0" smtClean="0">
-                <a:latin typeface="Courier New" pitchFamily="49" charset="0"/>
-                <a:cs typeface="Courier New" pitchFamily="49" charset="0"/>
-              </a:rPr>
-              <a:t> = data.map { s =&gt;</a:t>
-            </a:r>
-          </a:p>
-          <a:p>
-            <a:pPr>
-              <a:buNone/>
-            </a:pPr>
-            <a:r>
-              <a:rPr lang="en-US" dirty="0" smtClean="0">
-                <a:latin typeface="Courier New" pitchFamily="49" charset="0"/>
-                <a:cs typeface="Courier New" pitchFamily="49" charset="0"/>
-              </a:rPr>
-              <a:t>  </a:t>
-            </a:r>
-            <a:r>
-              <a:rPr lang="en-US" dirty="0" err="1" smtClean="0">
-                <a:latin typeface="Courier New" pitchFamily="49" charset="0"/>
-                <a:cs typeface="Courier New" pitchFamily="49" charset="0"/>
-              </a:rPr>
-              <a:t>val</a:t>
-            </a:r>
-            <a:r>
-              <a:rPr lang="en-US" dirty="0" smtClean="0">
-                <a:latin typeface="Courier New" pitchFamily="49" charset="0"/>
-                <a:cs typeface="Courier New" pitchFamily="49" charset="0"/>
-              </a:rPr>
-              <a:t> parts = </a:t>
-            </a:r>
-            <a:r>
-              <a:rPr lang="en-US" dirty="0" err="1" smtClean="0">
-                <a:latin typeface="Courier New" pitchFamily="49" charset="0"/>
-                <a:cs typeface="Courier New" pitchFamily="49" charset="0"/>
-              </a:rPr>
-              <a:t>s.split</a:t>
-            </a:r>
-            <a:r>
-              <a:rPr lang="en-US" dirty="0" smtClean="0">
-                <a:latin typeface="Courier New" pitchFamily="49" charset="0"/>
-                <a:cs typeface="Courier New" pitchFamily="49" charset="0"/>
-              </a:rPr>
-              <a:t>(',').map</a:t>
-            </a:r>
-            <a:r>
-              <a:rPr lang="en-US" dirty="0" smtClean="0">
-                <a:latin typeface="Courier New" pitchFamily="49" charset="0"/>
-                <a:cs typeface="Courier New" pitchFamily="49" charset="0"/>
-              </a:rPr>
-              <a:t>(_.</a:t>
-            </a:r>
-            <a:r>
-              <a:rPr lang="en-US" dirty="0" err="1" smtClean="0">
-                <a:latin typeface="Courier New" pitchFamily="49" charset="0"/>
-                <a:cs typeface="Courier New" pitchFamily="49" charset="0"/>
-              </a:rPr>
-              <a:t>toDouble</a:t>
-            </a:r>
-            <a:r>
-              <a:rPr lang="en-US" dirty="0" smtClean="0">
-                <a:latin typeface="Courier New" pitchFamily="49" charset="0"/>
-                <a:cs typeface="Courier New" pitchFamily="49" charset="0"/>
-              </a:rPr>
-              <a:t>);</a:t>
-            </a:r>
-          </a:p>
-          <a:p>
-            <a:pPr>
-              <a:buNone/>
-            </a:pPr>
-            <a:r>
-              <a:rPr lang="en-US" dirty="0" smtClean="0">
-                <a:latin typeface="Courier New" pitchFamily="49" charset="0"/>
-                <a:cs typeface="Courier New" pitchFamily="49" charset="0"/>
-              </a:rPr>
-              <a:t>  </a:t>
-            </a:r>
-            <a:r>
-              <a:rPr lang="en-US" dirty="0" err="1" smtClean="0">
-                <a:latin typeface="Courier New" pitchFamily="49" charset="0"/>
-                <a:cs typeface="Courier New" pitchFamily="49" charset="0"/>
-              </a:rPr>
-              <a:t>LabeledPoint</a:t>
-            </a:r>
-            <a:r>
-              <a:rPr lang="en-US" dirty="0" smtClean="0">
-                <a:latin typeface="Courier New" pitchFamily="49" charset="0"/>
-                <a:cs typeface="Courier New" pitchFamily="49" charset="0"/>
-              </a:rPr>
-              <a:t>(if (</a:t>
-            </a:r>
-            <a:r>
-              <a:rPr lang="en-US" dirty="0" smtClean="0">
-                <a:latin typeface="Courier New" pitchFamily="49" charset="0"/>
-                <a:cs typeface="Courier New" pitchFamily="49" charset="0"/>
-              </a:rPr>
-              <a:t>parts(0)==</a:t>
-            </a:r>
-            <a:r>
-              <a:rPr lang="en-US" dirty="0" smtClean="0">
-                <a:latin typeface="Courier New" pitchFamily="49" charset="0"/>
-                <a:cs typeface="Courier New" pitchFamily="49" charset="0"/>
-              </a:rPr>
-              <a:t>1) 1.0 else 0.0, </a:t>
-            </a:r>
-            <a:r>
-              <a:rPr lang="en-US" dirty="0" err="1" smtClean="0">
-                <a:latin typeface="Courier New" pitchFamily="49" charset="0"/>
-                <a:cs typeface="Courier New" pitchFamily="49" charset="0"/>
-              </a:rPr>
-              <a:t>Vectors.dense</a:t>
-            </a:r>
-            <a:r>
-              <a:rPr lang="en-US" dirty="0" smtClean="0">
-                <a:latin typeface="Courier New" pitchFamily="49" charset="0"/>
-                <a:cs typeface="Courier New" pitchFamily="49" charset="0"/>
-              </a:rPr>
-              <a:t>(parts))</a:t>
-            </a:r>
-          </a:p>
-          <a:p>
-            <a:pPr>
-              <a:buNone/>
-            </a:pPr>
-            <a:r>
-              <a:rPr lang="en-US" dirty="0" smtClean="0">
-                <a:latin typeface="Courier New" pitchFamily="49" charset="0"/>
-                <a:cs typeface="Courier New" pitchFamily="49" charset="0"/>
-              </a:rPr>
-              <a:t>}</a:t>
-            </a:r>
-          </a:p>
-          <a:p>
-            <a:pPr>
-              <a:buNone/>
-            </a:pPr>
-            <a:endParaRPr lang="en-US" dirty="0" smtClean="0"/>
-          </a:p>
-          <a:p>
-            <a:pPr>
-              <a:buNone/>
-            </a:pPr>
-            <a:endParaRPr lang="en-US" dirty="0" smtClean="0"/>
+              <a:t>How to </a:t>
+            </a:r>
+            <a:r>
+              <a:rPr lang="en-US" smtClean="0"/>
+              <a:t>create vectors from </a:t>
+            </a:r>
+            <a:r>
+              <a:rPr lang="en-US" dirty="0" smtClean="0"/>
+              <a:t>text?</a:t>
+            </a:r>
           </a:p>
           <a:p>
             <a:pPr lvl="1"/>
-            <a:endParaRPr lang="en-US" dirty="0" smtClean="0"/>
+            <a:r>
+              <a:rPr lang="en-US" dirty="0" smtClean="0"/>
+              <a:t>TF/IDF: Term Frequency Inverse Document Frequency</a:t>
+            </a:r>
           </a:p>
           <a:p>
             <a:pPr lvl="1"/>
-            <a:endParaRPr lang="en-US" dirty="0" smtClean="0"/>
+            <a:r>
+              <a:rPr lang="en-US" dirty="0" smtClean="0"/>
+              <a:t>This essentially means the frequency of a term divided by its frequency in the larger group of documents (the “corpus”)</a:t>
+            </a:r>
+          </a:p>
+          <a:p>
+            <a:pPr lvl="1"/>
+            <a:r>
+              <a:rPr lang="en-US" dirty="0" smtClean="0"/>
+              <a:t>Each word in the corpus is then a “dimension” – you would have thousands of dimensions.</a:t>
+            </a:r>
           </a:p>
         </p:txBody>
       </p:sp>
@@ -16639,7 +17737,7 @@
     </p:spTree>
     <p:extLst>
       <p:ext uri="{BB962C8B-B14F-4D97-AF65-F5344CB8AC3E}">
-        <p14:creationId xmlns:p14="http://schemas.microsoft.com/office/powerpoint/2010/main" xmlns="" val="2360138823"/>
+        <p14:creationId xmlns="" xmlns:p14="http://schemas.microsoft.com/office/powerpoint/2010/main" val="2360138823"/>
       </p:ext>
     </p:extLst>
   </p:cSld>

--- a/slides/MLLib.pptx
+++ b/slides/MLLib.pptx
@@ -5,10 +5,10 @@
     <p:sldMasterId id="2147483672" r:id="rId1"/>
   </p:sldMasterIdLst>
   <p:notesMasterIdLst>
-    <p:notesMasterId r:id="rId53"/>
+    <p:notesMasterId r:id="rId58"/>
   </p:notesMasterIdLst>
   <p:handoutMasterIdLst>
-    <p:handoutMasterId r:id="rId54"/>
+    <p:handoutMasterId r:id="rId59"/>
   </p:handoutMasterIdLst>
   <p:sldIdLst>
     <p:sldId id="258" r:id="rId2"/>
@@ -21,47 +21,52 @@
     <p:sldId id="366" r:id="rId9"/>
     <p:sldId id="369" r:id="rId10"/>
     <p:sldId id="372" r:id="rId11"/>
-    <p:sldId id="368" r:id="rId12"/>
-    <p:sldId id="382" r:id="rId13"/>
-    <p:sldId id="367" r:id="rId14"/>
-    <p:sldId id="337" r:id="rId15"/>
-    <p:sldId id="338" r:id="rId16"/>
-    <p:sldId id="339" r:id="rId17"/>
-    <p:sldId id="340" r:id="rId18"/>
-    <p:sldId id="341" r:id="rId19"/>
-    <p:sldId id="342" r:id="rId20"/>
-    <p:sldId id="343" r:id="rId21"/>
-    <p:sldId id="344" r:id="rId22"/>
-    <p:sldId id="373" r:id="rId23"/>
-    <p:sldId id="374" r:id="rId24"/>
-    <p:sldId id="371" r:id="rId25"/>
-    <p:sldId id="383" r:id="rId26"/>
-    <p:sldId id="384" r:id="rId27"/>
-    <p:sldId id="385" r:id="rId28"/>
-    <p:sldId id="346" r:id="rId29"/>
-    <p:sldId id="348" r:id="rId30"/>
-    <p:sldId id="349" r:id="rId31"/>
-    <p:sldId id="350" r:id="rId32"/>
-    <p:sldId id="351" r:id="rId33"/>
-    <p:sldId id="352" r:id="rId34"/>
-    <p:sldId id="353" r:id="rId35"/>
-    <p:sldId id="354" r:id="rId36"/>
-    <p:sldId id="355" r:id="rId37"/>
-    <p:sldId id="376" r:id="rId38"/>
-    <p:sldId id="375" r:id="rId39"/>
-    <p:sldId id="356" r:id="rId40"/>
-    <p:sldId id="360" r:id="rId41"/>
-    <p:sldId id="361" r:id="rId42"/>
-    <p:sldId id="362" r:id="rId43"/>
-    <p:sldId id="363" r:id="rId44"/>
-    <p:sldId id="364" r:id="rId45"/>
-    <p:sldId id="365" r:id="rId46"/>
-    <p:sldId id="379" r:id="rId47"/>
-    <p:sldId id="378" r:id="rId48"/>
-    <p:sldId id="377" r:id="rId49"/>
-    <p:sldId id="370" r:id="rId50"/>
-    <p:sldId id="328" r:id="rId51"/>
-    <p:sldId id="275" r:id="rId52"/>
+    <p:sldId id="387" r:id="rId12"/>
+    <p:sldId id="368" r:id="rId13"/>
+    <p:sldId id="382" r:id="rId14"/>
+    <p:sldId id="367" r:id="rId15"/>
+    <p:sldId id="337" r:id="rId16"/>
+    <p:sldId id="388" r:id="rId17"/>
+    <p:sldId id="338" r:id="rId18"/>
+    <p:sldId id="339" r:id="rId19"/>
+    <p:sldId id="340" r:id="rId20"/>
+    <p:sldId id="341" r:id="rId21"/>
+    <p:sldId id="342" r:id="rId22"/>
+    <p:sldId id="343" r:id="rId23"/>
+    <p:sldId id="390" r:id="rId24"/>
+    <p:sldId id="389" r:id="rId25"/>
+    <p:sldId id="344" r:id="rId26"/>
+    <p:sldId id="373" r:id="rId27"/>
+    <p:sldId id="374" r:id="rId28"/>
+    <p:sldId id="371" r:id="rId29"/>
+    <p:sldId id="383" r:id="rId30"/>
+    <p:sldId id="384" r:id="rId31"/>
+    <p:sldId id="385" r:id="rId32"/>
+    <p:sldId id="346" r:id="rId33"/>
+    <p:sldId id="348" r:id="rId34"/>
+    <p:sldId id="349" r:id="rId35"/>
+    <p:sldId id="350" r:id="rId36"/>
+    <p:sldId id="351" r:id="rId37"/>
+    <p:sldId id="352" r:id="rId38"/>
+    <p:sldId id="353" r:id="rId39"/>
+    <p:sldId id="354" r:id="rId40"/>
+    <p:sldId id="355" r:id="rId41"/>
+    <p:sldId id="376" r:id="rId42"/>
+    <p:sldId id="375" r:id="rId43"/>
+    <p:sldId id="356" r:id="rId44"/>
+    <p:sldId id="360" r:id="rId45"/>
+    <p:sldId id="361" r:id="rId46"/>
+    <p:sldId id="362" r:id="rId47"/>
+    <p:sldId id="363" r:id="rId48"/>
+    <p:sldId id="386" r:id="rId49"/>
+    <p:sldId id="364" r:id="rId50"/>
+    <p:sldId id="365" r:id="rId51"/>
+    <p:sldId id="379" r:id="rId52"/>
+    <p:sldId id="378" r:id="rId53"/>
+    <p:sldId id="377" r:id="rId54"/>
+    <p:sldId id="370" r:id="rId55"/>
+    <p:sldId id="328" r:id="rId56"/>
+    <p:sldId id="275" r:id="rId57"/>
   </p:sldIdLst>
   <p:sldSz cx="9144000" cy="6858000" type="screen4x3"/>
   <p:notesSz cx="6858000" cy="9144000"/>
@@ -246,7 +251,7 @@
             <a:fld id="{F417C17C-C22B-5A4D-86C6-03CADFB916E7}" type="datetimeFigureOut">
               <a:rPr lang="en-US" smtClean="0"/>
               <a:pPr/>
-              <a:t>4/1/2015</a:t>
+              <a:t>4/9/2015</a:t>
             </a:fld>
             <a:endParaRPr lang="en-US"/>
           </a:p>
@@ -414,7 +419,7 @@
             <a:fld id="{F94EDEDA-1CEA-BB4E-9B95-2149BD5068F1}" type="datetimeFigureOut">
               <a:rPr lang="en-US" smtClean="0"/>
               <a:pPr/>
-              <a:t>4/1/2015</a:t>
+              <a:t>4/9/2015</a:t>
             </a:fld>
             <a:endParaRPr lang="en-US"/>
           </a:p>
@@ -886,7 +891,7 @@
             <a:fld id="{9F1B846B-8A2D-1B40-9656-03CBE7C30F89}" type="datetime1">
               <a:rPr lang="en-US" smtClean="0"/>
               <a:pPr/>
-              <a:t>4/1/2015</a:t>
+              <a:t>4/9/2015</a:t>
             </a:fld>
             <a:endParaRPr lang="en-US"/>
           </a:p>
@@ -1345,7 +1350,7 @@
             <a:fld id="{3AC6D651-2F6B-4F44-9AC2-2874A650DFFF}" type="datetime1">
               <a:rPr lang="en-US" smtClean="0"/>
               <a:pPr/>
-              <a:t>4/1/2015</a:t>
+              <a:t>4/9/2015</a:t>
             </a:fld>
             <a:endParaRPr lang="en-US"/>
           </a:p>
@@ -1894,7 +1899,7 @@
             <a:fld id="{2F9368DD-AF8D-A84E-B015-C56E16CCA0B8}" type="datetime1">
               <a:rPr lang="en-US" smtClean="0"/>
               <a:pPr/>
-              <a:t>4/1/2015</a:t>
+              <a:t>4/9/2015</a:t>
             </a:fld>
             <a:endParaRPr lang="en-US"/>
           </a:p>
@@ -2036,7 +2041,7 @@
             <a:fld id="{51EECA03-0EFE-AE49-AEC4-FF5FAA3318FF}" type="datetime1">
               <a:rPr lang="en-US" smtClean="0"/>
               <a:pPr/>
-              <a:t>4/1/2015</a:t>
+              <a:t>4/9/2015</a:t>
             </a:fld>
             <a:endParaRPr lang="en-US"/>
           </a:p>
@@ -2380,7 +2385,7 @@
             <a:fld id="{AC99F442-9D35-CD43-AF7C-482407A7E448}" type="datetime1">
               <a:rPr lang="en-US" smtClean="0"/>
               <a:pPr/>
-              <a:t>4/1/2015</a:t>
+              <a:t>4/9/2015</a:t>
             </a:fld>
             <a:endParaRPr lang="en-US"/>
           </a:p>
@@ -2711,7 +2716,7 @@
             <a:fld id="{6FF29FFD-6E86-7D41-8B06-D97C95FD9989}" type="datetime1">
               <a:rPr lang="en-US" smtClean="0"/>
               <a:pPr/>
-              <a:t>4/1/2015</a:t>
+              <a:t>4/9/2015</a:t>
             </a:fld>
             <a:endParaRPr lang="en-US"/>
           </a:p>
@@ -3015,7 +3020,7 @@
             <a:fld id="{A7DDD598-7C70-AD4A-A0DD-92D30AAA5510}" type="datetime1">
               <a:rPr lang="en-US" smtClean="0"/>
               <a:pPr/>
-              <a:t>4/1/2015</a:t>
+              <a:t>4/9/2015</a:t>
             </a:fld>
             <a:endParaRPr lang="en-US"/>
           </a:p>
@@ -3408,7 +3413,7 @@
             <a:fld id="{69AB95C5-5C4D-2440-955D-3D443FE41120}" type="datetime1">
               <a:rPr lang="en-US" smtClean="0"/>
               <a:pPr/>
-              <a:t>4/1/2015</a:t>
+              <a:t>4/9/2015</a:t>
             </a:fld>
             <a:endParaRPr lang="en-US"/>
           </a:p>
@@ -3834,7 +3839,7 @@
             <a:fld id="{7A3B19C7-97AD-7A44-9B9C-A4CD352EDF8C}" type="datetime1">
               <a:rPr lang="en-US" smtClean="0"/>
               <a:pPr/>
-              <a:t>4/1/2015</a:t>
+              <a:t>4/9/2015</a:t>
             </a:fld>
             <a:endParaRPr lang="en-US"/>
           </a:p>
@@ -4388,7 +4393,7 @@
             <a:fld id="{400A512E-66E8-C943-9CDD-ABCDE7307FC5}" type="datetime1">
               <a:rPr lang="en-US" smtClean="0"/>
               <a:pPr/>
-              <a:t>4/1/2015</a:t>
+              <a:t>4/9/2015</a:t>
             </a:fld>
             <a:endParaRPr lang="en-US"/>
           </a:p>
@@ -4752,7 +4757,7 @@
             <a:fld id="{275737D3-87B9-8A41-9F3E-456EAA10E2F7}" type="datetime1">
               <a:rPr lang="en-US" smtClean="0"/>
               <a:pPr/>
-              <a:t>4/1/2015</a:t>
+              <a:t>4/9/2015</a:t>
             </a:fld>
             <a:endParaRPr lang="en-US"/>
           </a:p>
@@ -4973,7 +4978,7 @@
             <a:fld id="{3B13B7C4-28A5-CB48-9F90-61EEE4FDDD8B}" type="datetime1">
               <a:rPr lang="en-US" smtClean="0"/>
               <a:pPr/>
-              <a:t>4/1/2015</a:t>
+              <a:t>4/9/2015</a:t>
             </a:fld>
             <a:endParaRPr lang="en-US"/>
           </a:p>
@@ -5286,7 +5291,7 @@
             <a:fld id="{FB820ADC-A989-0B43-894B-CC8B88A6A058}" type="datetime1">
               <a:rPr lang="en-US" smtClean="0"/>
               <a:pPr/>
-              <a:t>4/1/2015</a:t>
+              <a:t>4/9/2015</a:t>
             </a:fld>
             <a:endParaRPr lang="en-US"/>
           </a:p>
@@ -5548,7 +5553,7 @@
             <a:fld id="{6EFD7B0D-1D9A-AA44-8AA0-36F432394321}" type="datetime1">
               <a:rPr lang="en-US" smtClean="0"/>
               <a:pPr/>
-              <a:t>4/1/2015</a:t>
+              <a:t>4/9/2015</a:t>
             </a:fld>
             <a:endParaRPr lang="en-US"/>
           </a:p>
@@ -5943,7 +5948,7 @@
             <a:fld id="{8391D6BE-CC5A-F441-BF5C-132B93EAE0B9}" type="datetime1">
               <a:rPr lang="en-US" smtClean="0"/>
               <a:pPr/>
-              <a:t>4/1/2015</a:t>
+              <a:t>4/9/2015</a:t>
             </a:fld>
             <a:endParaRPr lang="en-US"/>
           </a:p>
@@ -6537,7 +6542,7 @@
             <a:fld id="{7F9E5D33-2821-C642-A5E0-67CD027085C0}" type="datetime1">
               <a:rPr lang="en-US" smtClean="0"/>
               <a:pPr/>
-              <a:t>4/1/2015</a:t>
+              <a:t>4/9/2015</a:t>
             </a:fld>
             <a:endParaRPr lang="en-US"/>
           </a:p>
@@ -7058,7 +7063,7 @@
             <a:fld id="{B4EE926D-75E4-7C4A-80EF-E6F745BAF0A6}" type="datetime1">
               <a:rPr lang="en-US" smtClean="0"/>
               <a:pPr/>
-              <a:t>4/1/2015</a:t>
+              <a:t>4/9/2015</a:t>
             </a:fld>
             <a:endParaRPr lang="en-US"/>
           </a:p>
@@ -7437,7 +7442,7 @@
             <a:fld id="{1799AEC9-6A91-FD48-8C26-85D761A9AB9A}" type="datetime1">
               <a:rPr lang="en-US" smtClean="0"/>
               <a:pPr/>
-              <a:t>4/1/2015</a:t>
+              <a:t>4/9/2015</a:t>
             </a:fld>
             <a:endParaRPr lang="en-US"/>
           </a:p>
@@ -7842,7 +7847,7 @@
             <a:fld id="{72AB3F87-F2CF-AA47-8A3C-25D7BBB8800D}" type="datetime1">
               <a:rPr lang="en-US" smtClean="0"/>
               <a:pPr/>
-              <a:t>4/1/2015</a:t>
+              <a:t>4/9/2015</a:t>
             </a:fld>
             <a:endParaRPr lang="en-US"/>
           </a:p>
@@ -8268,7 +8273,7 @@
             <a:fld id="{017A4C3A-78B7-E146-B561-C5924296E830}" type="datetime1">
               <a:rPr lang="en-US" smtClean="0"/>
               <a:pPr/>
-              <a:t>4/1/2015</a:t>
+              <a:t>4/9/2015</a:t>
             </a:fld>
             <a:endParaRPr lang="en-US"/>
           </a:p>
@@ -8657,7 +8662,7 @@
             <a:fld id="{9F7D4429-93BD-BC4F-94A7-C9B3C2CD0DC0}" type="datetime1">
               <a:rPr lang="en-US" smtClean="0"/>
               <a:pPr/>
-              <a:t>4/1/2015</a:t>
+              <a:t>4/9/2015</a:t>
             </a:fld>
             <a:endParaRPr lang="en-US"/>
           </a:p>
@@ -9582,6 +9587,155 @@
           <a:lstStyle/>
           <a:p>
             <a:r>
+              <a:rPr lang="en-US" dirty="0" smtClean="0"/>
+              <a:t>What if your variable isn’t numeric?</a:t>
+            </a:r>
+            <a:endParaRPr lang="en-US" dirty="0"/>
+          </a:p>
+        </p:txBody>
+      </p:sp>
+      <p:sp>
+        <p:nvSpPr>
+          <p:cNvPr id="3" name="Content Placeholder 2"/>
+          <p:cNvSpPr>
+            <a:spLocks noGrp="1"/>
+          </p:cNvSpPr>
+          <p:nvPr>
+            <p:ph idx="1"/>
+          </p:nvPr>
+        </p:nvSpPr>
+        <p:spPr/>
+        <p:txBody>
+          <a:bodyPr/>
+          <a:lstStyle/>
+          <a:p>
+            <a:r>
+              <a:rPr lang="en-US" dirty="0" smtClean="0"/>
+              <a:t>In </a:t>
+            </a:r>
+            <a:r>
+              <a:rPr lang="en-US" dirty="0" err="1" smtClean="0"/>
+              <a:t>MLlib</a:t>
+            </a:r>
+            <a:r>
+              <a:rPr lang="en-US" dirty="0" smtClean="0"/>
+              <a:t>, it has to be numeric (a double)</a:t>
+            </a:r>
+          </a:p>
+          <a:p>
+            <a:r>
+              <a:rPr lang="en-US" dirty="0" smtClean="0"/>
+              <a:t>What if it’s a factor variable (e.g., color = red, green blue)?</a:t>
+            </a:r>
+          </a:p>
+          <a:p>
+            <a:pPr lvl="1"/>
+            <a:r>
+              <a:rPr lang="en-US" dirty="0" smtClean="0"/>
+              <a:t>One-Hot encoding (</a:t>
+            </a:r>
+            <a:r>
+              <a:rPr lang="en-US" dirty="0" err="1" smtClean="0"/>
+              <a:t>is_red</a:t>
+            </a:r>
+            <a:r>
+              <a:rPr lang="en-US" dirty="0" smtClean="0"/>
+              <a:t>, </a:t>
+            </a:r>
+            <a:r>
+              <a:rPr lang="en-US" dirty="0" err="1" smtClean="0"/>
+              <a:t>is_green</a:t>
+            </a:r>
+            <a:r>
+              <a:rPr lang="en-US" dirty="0" smtClean="0"/>
+              <a:t>, </a:t>
+            </a:r>
+            <a:r>
+              <a:rPr lang="en-US" dirty="0" err="1" smtClean="0"/>
+              <a:t>is_blue</a:t>
+            </a:r>
+            <a:r>
+              <a:rPr lang="en-US" dirty="0" smtClean="0"/>
+              <a:t>) – only works if there’s a few possible values</a:t>
+            </a:r>
+          </a:p>
+          <a:p>
+            <a:pPr lvl="1"/>
+            <a:r>
+              <a:rPr lang="en-US" dirty="0" smtClean="0"/>
+              <a:t>Quantize the data. (e.g., red = 450THz, green=550THz, blue=650THz)</a:t>
+            </a:r>
+          </a:p>
+          <a:p>
+            <a:pPr lvl="1"/>
+            <a:endParaRPr lang="en-US" dirty="0" smtClean="0"/>
+          </a:p>
+        </p:txBody>
+      </p:sp>
+      <p:sp>
+        <p:nvSpPr>
+          <p:cNvPr id="4" name="Footer Placeholder 3"/>
+          <p:cNvSpPr>
+            <a:spLocks noGrp="1"/>
+          </p:cNvSpPr>
+          <p:nvPr>
+            <p:ph type="ftr" sz="quarter" idx="11"/>
+          </p:nvPr>
+        </p:nvSpPr>
+        <p:spPr/>
+        <p:txBody>
+          <a:bodyPr/>
+          <a:lstStyle/>
+          <a:p>
+            <a:r>
+              <a:rPr lang="en-US" smtClean="0"/>
+              <a:t>© Elephant Scale, 2014</a:t>
+            </a:r>
+            <a:endParaRPr lang="en-US" dirty="0"/>
+          </a:p>
+        </p:txBody>
+      </p:sp>
+    </p:spTree>
+  </p:cSld>
+  <p:clrMapOvr>
+    <a:masterClrMapping/>
+  </p:clrMapOvr>
+</p:sld>
+</file>
+
+<file path=ppt/slides/slide12.xml><?xml version="1.0" encoding="utf-8"?>
+<p:sld xmlns:a="http://schemas.openxmlformats.org/drawingml/2006/main" xmlns:r="http://schemas.openxmlformats.org/officeDocument/2006/relationships" xmlns:p="http://schemas.openxmlformats.org/presentationml/2006/main">
+  <p:cSld>
+    <p:spTree>
+      <p:nvGrpSpPr>
+        <p:cNvPr id="1" name=""/>
+        <p:cNvGrpSpPr/>
+        <p:nvPr/>
+      </p:nvGrpSpPr>
+      <p:grpSpPr>
+        <a:xfrm>
+          <a:off x="0" y="0"/>
+          <a:ext cx="0" cy="0"/>
+          <a:chOff x="0" y="0"/>
+          <a:chExt cx="0" cy="0"/>
+        </a:xfrm>
+      </p:grpSpPr>
+      <p:sp>
+        <p:nvSpPr>
+          <p:cNvPr id="2" name="Title 1"/>
+          <p:cNvSpPr>
+            <a:spLocks noGrp="1"/>
+          </p:cNvSpPr>
+          <p:nvPr>
+            <p:ph type="title"/>
+          </p:nvPr>
+        </p:nvSpPr>
+        <p:spPr/>
+        <p:txBody>
+          <a:bodyPr/>
+          <a:lstStyle/>
+          <a:p>
+            <a:r>
               <a:rPr lang="en-US" smtClean="0"/>
               <a:t>Creating Vectors From Text</a:t>
             </a:r>
@@ -9634,11 +9788,7 @@
             <a:pPr lvl="2"/>
             <a:r>
               <a:rPr lang="en-US" dirty="0" smtClean="0"/>
-              <a:t>Each word in the corpus is then a “dimension” – you would have thousands of dimensions</a:t>
-            </a:r>
-            <a:r>
-              <a:rPr lang="en-US" dirty="0" smtClean="0"/>
-              <a:t>.</a:t>
+              <a:t>Each word in the corpus is then a “dimension” – you would have thousands of dimensions.</a:t>
             </a:r>
           </a:p>
           <a:p>
@@ -9662,7 +9812,6 @@
               <a:rPr lang="en-US" dirty="0" smtClean="0"/>
               <a:t> algorithm.</a:t>
             </a:r>
-            <a:endParaRPr lang="en-US" dirty="0" smtClean="0"/>
           </a:p>
         </p:txBody>
       </p:sp>
@@ -9707,7 +9856,7 @@
             <a:fld id="{4AD8DDEF-9CD1-B641-ADE5-2BEE59567BE6}" type="slidenum">
               <a:rPr lang="en-US" smtClean="0"/>
               <a:pPr/>
-              <a:t>11</a:t>
+              <a:t>12</a:t>
             </a:fld>
             <a:endParaRPr lang="en-US"/>
           </a:p>
@@ -9733,390 +9882,6 @@
 </p:sld>
 </file>
 
-<file path=ppt/slides/slide12.xml><?xml version="1.0" encoding="utf-8"?>
-<p:sld xmlns:a="http://schemas.openxmlformats.org/drawingml/2006/main" xmlns:r="http://schemas.openxmlformats.org/officeDocument/2006/relationships" xmlns:p="http://schemas.openxmlformats.org/presentationml/2006/main">
-  <p:cSld>
-    <p:spTree>
-      <p:nvGrpSpPr>
-        <p:cNvPr id="1" name=""/>
-        <p:cNvGrpSpPr/>
-        <p:nvPr/>
-      </p:nvGrpSpPr>
-      <p:grpSpPr>
-        <a:xfrm>
-          <a:off x="0" y="0"/>
-          <a:ext cx="0" cy="0"/>
-          <a:chOff x="0" y="0"/>
-          <a:chExt cx="0" cy="0"/>
-        </a:xfrm>
-      </p:grpSpPr>
-      <p:sp>
-        <p:nvSpPr>
-          <p:cNvPr id="2" name="Title 1"/>
-          <p:cNvSpPr>
-            <a:spLocks noGrp="1"/>
-          </p:cNvSpPr>
-          <p:nvPr>
-            <p:ph type="title"/>
-          </p:nvPr>
-        </p:nvSpPr>
-        <p:spPr/>
-        <p:txBody>
-          <a:bodyPr/>
-          <a:lstStyle/>
-          <a:p>
-            <a:r>
-              <a:rPr lang="en-US" dirty="0" smtClean="0"/>
-              <a:t>TF/IDF in </a:t>
-            </a:r>
-            <a:r>
-              <a:rPr lang="en-US" dirty="0" err="1" smtClean="0"/>
-              <a:t>MLlib</a:t>
-            </a:r>
-            <a:endParaRPr lang="en-US" dirty="0"/>
-          </a:p>
-        </p:txBody>
-      </p:sp>
-      <p:sp>
-        <p:nvSpPr>
-          <p:cNvPr id="3" name="Content Placeholder 2"/>
-          <p:cNvSpPr>
-            <a:spLocks noGrp="1"/>
-          </p:cNvSpPr>
-          <p:nvPr>
-            <p:ph idx="1"/>
-          </p:nvPr>
-        </p:nvSpPr>
-        <p:spPr/>
-        <p:txBody>
-          <a:bodyPr>
-            <a:normAutofit/>
-          </a:bodyPr>
-          <a:lstStyle/>
-          <a:p>
-            <a:r>
-              <a:rPr lang="en-US" dirty="0" smtClean="0"/>
-              <a:t>TF/IDF can be implemented like this (in </a:t>
-            </a:r>
-            <a:r>
-              <a:rPr lang="en-US" dirty="0" err="1" smtClean="0"/>
-              <a:t>Scala</a:t>
-            </a:r>
-            <a:r>
-              <a:rPr lang="en-US" dirty="0" smtClean="0"/>
-              <a:t>):</a:t>
-            </a:r>
-          </a:p>
-          <a:p>
-            <a:pPr lvl="1"/>
-            <a:r>
-              <a:rPr lang="en-US" dirty="0" smtClean="0"/>
-              <a:t>We can “prune” uncommon terms using </a:t>
-            </a:r>
-            <a:r>
-              <a:rPr lang="en-US" dirty="0" err="1" smtClean="0"/>
-              <a:t>minDocFreq</a:t>
-            </a:r>
-            <a:endParaRPr lang="en-US" dirty="0" smtClean="0"/>
-          </a:p>
-          <a:p>
-            <a:pPr>
-              <a:buNone/>
-            </a:pPr>
-            <a:r>
-              <a:rPr lang="en-US" sz="1600" dirty="0" err="1" smtClean="0">
-                <a:latin typeface="Courier New" pitchFamily="49" charset="0"/>
-                <a:cs typeface="Courier New" pitchFamily="49" charset="0"/>
-              </a:rPr>
-              <a:t>val</a:t>
-            </a:r>
-            <a:r>
-              <a:rPr lang="en-US" sz="1600" dirty="0" smtClean="0">
-                <a:latin typeface="Courier New" pitchFamily="49" charset="0"/>
-                <a:cs typeface="Courier New" pitchFamily="49" charset="0"/>
-              </a:rPr>
-              <a:t> </a:t>
-            </a:r>
-            <a:r>
-              <a:rPr lang="en-US" sz="1600" dirty="0" err="1" smtClean="0">
-                <a:latin typeface="Courier New" pitchFamily="49" charset="0"/>
-                <a:cs typeface="Courier New" pitchFamily="49" charset="0"/>
-              </a:rPr>
-              <a:t>hashingTF</a:t>
-            </a:r>
-            <a:r>
-              <a:rPr lang="en-US" sz="1600" dirty="0" smtClean="0">
-                <a:latin typeface="Courier New" pitchFamily="49" charset="0"/>
-                <a:cs typeface="Courier New" pitchFamily="49" charset="0"/>
-              </a:rPr>
-              <a:t> = new </a:t>
-            </a:r>
-            <a:r>
-              <a:rPr lang="en-US" sz="1600" dirty="0" err="1" smtClean="0">
-                <a:latin typeface="Courier New" pitchFamily="49" charset="0"/>
-                <a:cs typeface="Courier New" pitchFamily="49" charset="0"/>
-              </a:rPr>
-              <a:t>HashingTF</a:t>
-            </a:r>
-            <a:r>
-              <a:rPr lang="en-US" sz="1600" dirty="0" smtClean="0">
-                <a:latin typeface="Courier New" pitchFamily="49" charset="0"/>
-                <a:cs typeface="Courier New" pitchFamily="49" charset="0"/>
-              </a:rPr>
-              <a:t>()</a:t>
-            </a:r>
-          </a:p>
-          <a:p>
-            <a:pPr>
-              <a:buNone/>
-            </a:pPr>
-            <a:r>
-              <a:rPr lang="en-US" sz="1600" dirty="0" err="1" smtClean="0">
-                <a:latin typeface="Courier New" pitchFamily="49" charset="0"/>
-                <a:cs typeface="Courier New" pitchFamily="49" charset="0"/>
-              </a:rPr>
-              <a:t>val</a:t>
-            </a:r>
-            <a:r>
-              <a:rPr lang="en-US" sz="1600" dirty="0" smtClean="0">
-                <a:latin typeface="Courier New" pitchFamily="49" charset="0"/>
-                <a:cs typeface="Courier New" pitchFamily="49" charset="0"/>
-              </a:rPr>
-              <a:t> </a:t>
-            </a:r>
-            <a:r>
-              <a:rPr lang="en-US" sz="1600" dirty="0" err="1" smtClean="0">
-                <a:latin typeface="Courier New" pitchFamily="49" charset="0"/>
-                <a:cs typeface="Courier New" pitchFamily="49" charset="0"/>
-              </a:rPr>
-              <a:t>tf</a:t>
-            </a:r>
-            <a:r>
-              <a:rPr lang="en-US" sz="1600" dirty="0" smtClean="0">
-                <a:latin typeface="Courier New" pitchFamily="49" charset="0"/>
-                <a:cs typeface="Courier New" pitchFamily="49" charset="0"/>
-              </a:rPr>
-              <a:t>: RDD[Vector] = </a:t>
-            </a:r>
-            <a:r>
-              <a:rPr lang="en-US" sz="1600" dirty="0" err="1" smtClean="0">
-                <a:latin typeface="Courier New" pitchFamily="49" charset="0"/>
-                <a:cs typeface="Courier New" pitchFamily="49" charset="0"/>
-              </a:rPr>
-              <a:t>hashingTF.transform</a:t>
-            </a:r>
-            <a:r>
-              <a:rPr lang="en-US" sz="1600" dirty="0" smtClean="0">
-                <a:latin typeface="Courier New" pitchFamily="49" charset="0"/>
-                <a:cs typeface="Courier New" pitchFamily="49" charset="0"/>
-              </a:rPr>
-              <a:t>(documents</a:t>
-            </a:r>
-            <a:r>
-              <a:rPr lang="en-US" sz="1600" dirty="0" smtClean="0">
-                <a:latin typeface="Courier New" pitchFamily="49" charset="0"/>
-                <a:cs typeface="Courier New" pitchFamily="49" charset="0"/>
-              </a:rPr>
-              <a:t>)</a:t>
-            </a:r>
-          </a:p>
-          <a:p>
-            <a:pPr>
-              <a:buNone/>
-            </a:pPr>
-            <a:r>
-              <a:rPr lang="en-US" sz="1600" dirty="0" smtClean="0">
-                <a:latin typeface="Courier New" pitchFamily="49" charset="0"/>
-                <a:cs typeface="Courier New" pitchFamily="49" charset="0"/>
-              </a:rPr>
-              <a:t>// </a:t>
-            </a:r>
-            <a:r>
-              <a:rPr lang="en-US" sz="1600" dirty="0" smtClean="0">
-                <a:latin typeface="Courier New" pitchFamily="49" charset="0"/>
-                <a:cs typeface="Courier New" pitchFamily="49" charset="0"/>
-              </a:rPr>
-              <a:t>TF can be used by itself, or to get TF/IDF continue:</a:t>
-            </a:r>
-            <a:endParaRPr lang="en-US" sz="1600" dirty="0" smtClean="0">
-              <a:latin typeface="Courier New" pitchFamily="49" charset="0"/>
-              <a:cs typeface="Courier New" pitchFamily="49" charset="0"/>
-            </a:endParaRPr>
-          </a:p>
-          <a:p>
-            <a:pPr>
-              <a:buNone/>
-            </a:pPr>
-            <a:r>
-              <a:rPr lang="en-US" sz="1600" dirty="0" err="1" smtClean="0">
-                <a:latin typeface="Courier New" pitchFamily="49" charset="0"/>
-                <a:cs typeface="Courier New" pitchFamily="49" charset="0"/>
-              </a:rPr>
-              <a:t>tf.cache</a:t>
-            </a:r>
-            <a:r>
-              <a:rPr lang="en-US" sz="1600" dirty="0" smtClean="0">
-                <a:latin typeface="Courier New" pitchFamily="49" charset="0"/>
-                <a:cs typeface="Courier New" pitchFamily="49" charset="0"/>
-              </a:rPr>
-              <a:t>()</a:t>
-            </a:r>
-          </a:p>
-          <a:p>
-            <a:pPr>
-              <a:buNone/>
-            </a:pPr>
-            <a:r>
-              <a:rPr lang="en-US" sz="1600" dirty="0" err="1" smtClean="0">
-                <a:latin typeface="Courier New" pitchFamily="49" charset="0"/>
-                <a:cs typeface="Courier New" pitchFamily="49" charset="0"/>
-              </a:rPr>
-              <a:t>val</a:t>
-            </a:r>
-            <a:r>
-              <a:rPr lang="en-US" sz="1600" dirty="0" smtClean="0">
-                <a:latin typeface="Courier New" pitchFamily="49" charset="0"/>
-                <a:cs typeface="Courier New" pitchFamily="49" charset="0"/>
-              </a:rPr>
-              <a:t> </a:t>
-            </a:r>
-            <a:r>
-              <a:rPr lang="en-US" sz="1600" dirty="0" err="1" smtClean="0">
-                <a:latin typeface="Courier New" pitchFamily="49" charset="0"/>
-                <a:cs typeface="Courier New" pitchFamily="49" charset="0"/>
-              </a:rPr>
-              <a:t>idf</a:t>
-            </a:r>
-            <a:r>
-              <a:rPr lang="en-US" sz="1600" dirty="0" smtClean="0">
-                <a:latin typeface="Courier New" pitchFamily="49" charset="0"/>
-                <a:cs typeface="Courier New" pitchFamily="49" charset="0"/>
-              </a:rPr>
-              <a:t> = new IDF(</a:t>
-            </a:r>
-            <a:r>
-              <a:rPr lang="en-US" sz="1600" dirty="0" err="1" smtClean="0">
-                <a:latin typeface="Courier New" pitchFamily="49" charset="0"/>
-                <a:cs typeface="Courier New" pitchFamily="49" charset="0"/>
-              </a:rPr>
-              <a:t>minDocFreq</a:t>
-            </a:r>
-            <a:r>
-              <a:rPr lang="en-US" sz="1600" dirty="0" smtClean="0">
-                <a:latin typeface="Courier New" pitchFamily="49" charset="0"/>
-                <a:cs typeface="Courier New" pitchFamily="49" charset="0"/>
-              </a:rPr>
-              <a:t> = 2).fit(</a:t>
-            </a:r>
-            <a:r>
-              <a:rPr lang="en-US" sz="1600" dirty="0" err="1" smtClean="0">
-                <a:latin typeface="Courier New" pitchFamily="49" charset="0"/>
-                <a:cs typeface="Courier New" pitchFamily="49" charset="0"/>
-              </a:rPr>
-              <a:t>tf</a:t>
-            </a:r>
-            <a:r>
-              <a:rPr lang="en-US" sz="1600" dirty="0" smtClean="0">
-                <a:latin typeface="Courier New" pitchFamily="49" charset="0"/>
-                <a:cs typeface="Courier New" pitchFamily="49" charset="0"/>
-              </a:rPr>
-              <a:t>)</a:t>
-            </a:r>
-          </a:p>
-          <a:p>
-            <a:pPr>
-              <a:buNone/>
-            </a:pPr>
-            <a:r>
-              <a:rPr lang="en-US" sz="1600" dirty="0" err="1" smtClean="0">
-                <a:latin typeface="Courier New" pitchFamily="49" charset="0"/>
-                <a:cs typeface="Courier New" pitchFamily="49" charset="0"/>
-              </a:rPr>
-              <a:t>val</a:t>
-            </a:r>
-            <a:r>
-              <a:rPr lang="en-US" sz="1600" dirty="0" smtClean="0">
-                <a:latin typeface="Courier New" pitchFamily="49" charset="0"/>
-                <a:cs typeface="Courier New" pitchFamily="49" charset="0"/>
-              </a:rPr>
-              <a:t> </a:t>
-            </a:r>
-            <a:r>
-              <a:rPr lang="en-US" sz="1600" dirty="0" err="1" smtClean="0">
-                <a:latin typeface="Courier New" pitchFamily="49" charset="0"/>
-                <a:cs typeface="Courier New" pitchFamily="49" charset="0"/>
-              </a:rPr>
-              <a:t>tfidf</a:t>
-            </a:r>
-            <a:r>
-              <a:rPr lang="en-US" sz="1600" dirty="0" smtClean="0">
-                <a:latin typeface="Courier New" pitchFamily="49" charset="0"/>
-                <a:cs typeface="Courier New" pitchFamily="49" charset="0"/>
-              </a:rPr>
-              <a:t>: RDD[Vector] = </a:t>
-            </a:r>
-            <a:r>
-              <a:rPr lang="en-US" sz="1600" dirty="0" err="1" smtClean="0">
-                <a:latin typeface="Courier New" pitchFamily="49" charset="0"/>
-                <a:cs typeface="Courier New" pitchFamily="49" charset="0"/>
-              </a:rPr>
-              <a:t>idf.transform</a:t>
-            </a:r>
-            <a:r>
-              <a:rPr lang="en-US" sz="1600" dirty="0" smtClean="0">
-                <a:latin typeface="Courier New" pitchFamily="49" charset="0"/>
-                <a:cs typeface="Courier New" pitchFamily="49" charset="0"/>
-              </a:rPr>
-              <a:t>(</a:t>
-            </a:r>
-            <a:r>
-              <a:rPr lang="en-US" sz="1600" dirty="0" err="1" smtClean="0">
-                <a:latin typeface="Courier New" pitchFamily="49" charset="0"/>
-                <a:cs typeface="Courier New" pitchFamily="49" charset="0"/>
-              </a:rPr>
-              <a:t>tf</a:t>
-            </a:r>
-            <a:r>
-              <a:rPr lang="en-US" sz="1600" dirty="0" smtClean="0">
-                <a:latin typeface="Courier New" pitchFamily="49" charset="0"/>
-                <a:cs typeface="Courier New" pitchFamily="49" charset="0"/>
-              </a:rPr>
-              <a:t>)</a:t>
-            </a:r>
-          </a:p>
-        </p:txBody>
-      </p:sp>
-      <p:sp>
-        <p:nvSpPr>
-          <p:cNvPr id="4" name="Footer Placeholder 3"/>
-          <p:cNvSpPr>
-            <a:spLocks noGrp="1"/>
-          </p:cNvSpPr>
-          <p:nvPr>
-            <p:ph type="ftr" sz="quarter" idx="11"/>
-          </p:nvPr>
-        </p:nvSpPr>
-        <p:spPr/>
-        <p:txBody>
-          <a:bodyPr/>
-          <a:lstStyle/>
-          <a:p>
-            <a:r>
-              <a:rPr lang="en-US" smtClean="0"/>
-              <a:t>© Elephant Scale, 2014</a:t>
-            </a:r>
-            <a:endParaRPr lang="en-US" dirty="0"/>
-          </a:p>
-        </p:txBody>
-      </p:sp>
-    </p:spTree>
-  </p:cSld>
-  <p:clrMapOvr>
-    <a:masterClrMapping/>
-  </p:clrMapOvr>
-</p:sld>
-</file>
-
 <file path=ppt/slides/slide13.xml><?xml version="1.0" encoding="utf-8"?>
 <p:sld xmlns:a="http://schemas.openxmlformats.org/drawingml/2006/main" xmlns:r="http://schemas.openxmlformats.org/officeDocument/2006/relationships" xmlns:p="http://schemas.openxmlformats.org/presentationml/2006/main">
   <p:cSld>
@@ -10151,6 +9916,372 @@
           <a:p>
             <a:r>
               <a:rPr lang="en-US" dirty="0" smtClean="0"/>
+              <a:t>TF/IDF in </a:t>
+            </a:r>
+            <a:r>
+              <a:rPr lang="en-US" dirty="0" err="1" smtClean="0"/>
+              <a:t>MLlib</a:t>
+            </a:r>
+            <a:endParaRPr lang="en-US" dirty="0"/>
+          </a:p>
+        </p:txBody>
+      </p:sp>
+      <p:sp>
+        <p:nvSpPr>
+          <p:cNvPr id="3" name="Content Placeholder 2"/>
+          <p:cNvSpPr>
+            <a:spLocks noGrp="1"/>
+          </p:cNvSpPr>
+          <p:nvPr>
+            <p:ph idx="1"/>
+          </p:nvPr>
+        </p:nvSpPr>
+        <p:spPr/>
+        <p:txBody>
+          <a:bodyPr>
+            <a:normAutofit/>
+          </a:bodyPr>
+          <a:lstStyle/>
+          <a:p>
+            <a:r>
+              <a:rPr lang="en-US" dirty="0" smtClean="0"/>
+              <a:t>TF/IDF can be implemented like this (in </a:t>
+            </a:r>
+            <a:r>
+              <a:rPr lang="en-US" dirty="0" err="1" smtClean="0"/>
+              <a:t>Scala</a:t>
+            </a:r>
+            <a:r>
+              <a:rPr lang="en-US" dirty="0" smtClean="0"/>
+              <a:t>):</a:t>
+            </a:r>
+          </a:p>
+          <a:p>
+            <a:pPr lvl="1"/>
+            <a:r>
+              <a:rPr lang="en-US" dirty="0" smtClean="0"/>
+              <a:t>We can “prune” uncommon terms using </a:t>
+            </a:r>
+            <a:r>
+              <a:rPr lang="en-US" dirty="0" err="1" smtClean="0"/>
+              <a:t>minDocFreq</a:t>
+            </a:r>
+            <a:endParaRPr lang="en-US" dirty="0" smtClean="0"/>
+          </a:p>
+          <a:p>
+            <a:pPr>
+              <a:buNone/>
+            </a:pPr>
+            <a:r>
+              <a:rPr lang="en-US" sz="1600" dirty="0" err="1" smtClean="0">
+                <a:latin typeface="Courier New" pitchFamily="49" charset="0"/>
+                <a:cs typeface="Courier New" pitchFamily="49" charset="0"/>
+              </a:rPr>
+              <a:t>val</a:t>
+            </a:r>
+            <a:r>
+              <a:rPr lang="en-US" sz="1600" dirty="0" smtClean="0">
+                <a:latin typeface="Courier New" pitchFamily="49" charset="0"/>
+                <a:cs typeface="Courier New" pitchFamily="49" charset="0"/>
+              </a:rPr>
+              <a:t> </a:t>
+            </a:r>
+            <a:r>
+              <a:rPr lang="en-US" sz="1600" dirty="0" err="1" smtClean="0">
+                <a:latin typeface="Courier New" pitchFamily="49" charset="0"/>
+                <a:cs typeface="Courier New" pitchFamily="49" charset="0"/>
+              </a:rPr>
+              <a:t>hashingTF</a:t>
+            </a:r>
+            <a:r>
+              <a:rPr lang="en-US" sz="1600" dirty="0" smtClean="0">
+                <a:latin typeface="Courier New" pitchFamily="49" charset="0"/>
+                <a:cs typeface="Courier New" pitchFamily="49" charset="0"/>
+              </a:rPr>
+              <a:t> = new </a:t>
+            </a:r>
+            <a:r>
+              <a:rPr lang="en-US" sz="1600" dirty="0" err="1" smtClean="0">
+                <a:latin typeface="Courier New" pitchFamily="49" charset="0"/>
+                <a:cs typeface="Courier New" pitchFamily="49" charset="0"/>
+              </a:rPr>
+              <a:t>HashingTF</a:t>
+            </a:r>
+            <a:r>
+              <a:rPr lang="en-US" sz="1600" dirty="0" smtClean="0">
+                <a:latin typeface="Courier New" pitchFamily="49" charset="0"/>
+                <a:cs typeface="Courier New" pitchFamily="49" charset="0"/>
+              </a:rPr>
+              <a:t>()</a:t>
+            </a:r>
+          </a:p>
+          <a:p>
+            <a:pPr>
+              <a:buNone/>
+            </a:pPr>
+            <a:r>
+              <a:rPr lang="en-US" sz="1600" dirty="0" err="1" smtClean="0">
+                <a:latin typeface="Courier New" pitchFamily="49" charset="0"/>
+                <a:cs typeface="Courier New" pitchFamily="49" charset="0"/>
+              </a:rPr>
+              <a:t>val</a:t>
+            </a:r>
+            <a:r>
+              <a:rPr lang="en-US" sz="1600" dirty="0" smtClean="0">
+                <a:latin typeface="Courier New" pitchFamily="49" charset="0"/>
+                <a:cs typeface="Courier New" pitchFamily="49" charset="0"/>
+              </a:rPr>
+              <a:t> </a:t>
+            </a:r>
+            <a:r>
+              <a:rPr lang="en-US" sz="1600" dirty="0" err="1" smtClean="0">
+                <a:latin typeface="Courier New" pitchFamily="49" charset="0"/>
+                <a:cs typeface="Courier New" pitchFamily="49" charset="0"/>
+              </a:rPr>
+              <a:t>tf</a:t>
+            </a:r>
+            <a:r>
+              <a:rPr lang="en-US" sz="1600" dirty="0" smtClean="0">
+                <a:latin typeface="Courier New" pitchFamily="49" charset="0"/>
+                <a:cs typeface="Courier New" pitchFamily="49" charset="0"/>
+              </a:rPr>
+              <a:t>: RDD[Vector] = </a:t>
+            </a:r>
+            <a:r>
+              <a:rPr lang="en-US" sz="1600" dirty="0" err="1" smtClean="0">
+                <a:latin typeface="Courier New" pitchFamily="49" charset="0"/>
+                <a:cs typeface="Courier New" pitchFamily="49" charset="0"/>
+              </a:rPr>
+              <a:t>hashingTF.transform</a:t>
+            </a:r>
+            <a:r>
+              <a:rPr lang="en-US" sz="1600" dirty="0" smtClean="0">
+                <a:latin typeface="Courier New" pitchFamily="49" charset="0"/>
+                <a:cs typeface="Courier New" pitchFamily="49" charset="0"/>
+              </a:rPr>
+              <a:t>(documents)</a:t>
+            </a:r>
+          </a:p>
+          <a:p>
+            <a:pPr>
+              <a:buNone/>
+            </a:pPr>
+            <a:r>
+              <a:rPr lang="en-US" sz="1600" dirty="0" smtClean="0">
+                <a:latin typeface="Courier New" pitchFamily="49" charset="0"/>
+                <a:cs typeface="Courier New" pitchFamily="49" charset="0"/>
+              </a:rPr>
+              <a:t>// TF can be used by itself, or to get TF/IDF continue:</a:t>
+            </a:r>
+          </a:p>
+          <a:p>
+            <a:pPr>
+              <a:buNone/>
+            </a:pPr>
+            <a:r>
+              <a:rPr lang="en-US" sz="1600" dirty="0" err="1" smtClean="0">
+                <a:latin typeface="Courier New" pitchFamily="49" charset="0"/>
+                <a:cs typeface="Courier New" pitchFamily="49" charset="0"/>
+              </a:rPr>
+              <a:t>tf.cache</a:t>
+            </a:r>
+            <a:r>
+              <a:rPr lang="en-US" sz="1600" dirty="0" smtClean="0">
+                <a:latin typeface="Courier New" pitchFamily="49" charset="0"/>
+                <a:cs typeface="Courier New" pitchFamily="49" charset="0"/>
+              </a:rPr>
+              <a:t>()</a:t>
+            </a:r>
+          </a:p>
+          <a:p>
+            <a:pPr>
+              <a:buNone/>
+            </a:pPr>
+            <a:r>
+              <a:rPr lang="en-US" sz="1600" dirty="0" err="1" smtClean="0">
+                <a:latin typeface="Courier New" pitchFamily="49" charset="0"/>
+                <a:cs typeface="Courier New" pitchFamily="49" charset="0"/>
+              </a:rPr>
+              <a:t>val</a:t>
+            </a:r>
+            <a:r>
+              <a:rPr lang="en-US" sz="1600" dirty="0" smtClean="0">
+                <a:latin typeface="Courier New" pitchFamily="49" charset="0"/>
+                <a:cs typeface="Courier New" pitchFamily="49" charset="0"/>
+              </a:rPr>
+              <a:t> </a:t>
+            </a:r>
+            <a:r>
+              <a:rPr lang="en-US" sz="1600" dirty="0" err="1" smtClean="0">
+                <a:latin typeface="Courier New" pitchFamily="49" charset="0"/>
+                <a:cs typeface="Courier New" pitchFamily="49" charset="0"/>
+              </a:rPr>
+              <a:t>idf</a:t>
+            </a:r>
+            <a:r>
+              <a:rPr lang="en-US" sz="1600" dirty="0" smtClean="0">
+                <a:latin typeface="Courier New" pitchFamily="49" charset="0"/>
+                <a:cs typeface="Courier New" pitchFamily="49" charset="0"/>
+              </a:rPr>
+              <a:t> = new IDF(</a:t>
+            </a:r>
+            <a:r>
+              <a:rPr lang="en-US" sz="1600" dirty="0" err="1" smtClean="0">
+                <a:latin typeface="Courier New" pitchFamily="49" charset="0"/>
+                <a:cs typeface="Courier New" pitchFamily="49" charset="0"/>
+              </a:rPr>
+              <a:t>minDocFreq</a:t>
+            </a:r>
+            <a:r>
+              <a:rPr lang="en-US" sz="1600" dirty="0" smtClean="0">
+                <a:latin typeface="Courier New" pitchFamily="49" charset="0"/>
+                <a:cs typeface="Courier New" pitchFamily="49" charset="0"/>
+              </a:rPr>
+              <a:t> = 2).fit(</a:t>
+            </a:r>
+            <a:r>
+              <a:rPr lang="en-US" sz="1600" dirty="0" err="1" smtClean="0">
+                <a:latin typeface="Courier New" pitchFamily="49" charset="0"/>
+                <a:cs typeface="Courier New" pitchFamily="49" charset="0"/>
+              </a:rPr>
+              <a:t>tf</a:t>
+            </a:r>
+            <a:r>
+              <a:rPr lang="en-US" sz="1600" dirty="0" smtClean="0">
+                <a:latin typeface="Courier New" pitchFamily="49" charset="0"/>
+                <a:cs typeface="Courier New" pitchFamily="49" charset="0"/>
+              </a:rPr>
+              <a:t>)</a:t>
+            </a:r>
+          </a:p>
+          <a:p>
+            <a:pPr>
+              <a:buNone/>
+            </a:pPr>
+            <a:r>
+              <a:rPr lang="en-US" sz="1600" dirty="0" err="1" smtClean="0">
+                <a:latin typeface="Courier New" pitchFamily="49" charset="0"/>
+                <a:cs typeface="Courier New" pitchFamily="49" charset="0"/>
+              </a:rPr>
+              <a:t>val</a:t>
+            </a:r>
+            <a:r>
+              <a:rPr lang="en-US" sz="1600" dirty="0" smtClean="0">
+                <a:latin typeface="Courier New" pitchFamily="49" charset="0"/>
+                <a:cs typeface="Courier New" pitchFamily="49" charset="0"/>
+              </a:rPr>
+              <a:t> </a:t>
+            </a:r>
+            <a:r>
+              <a:rPr lang="en-US" sz="1600" dirty="0" err="1" smtClean="0">
+                <a:latin typeface="Courier New" pitchFamily="49" charset="0"/>
+                <a:cs typeface="Courier New" pitchFamily="49" charset="0"/>
+              </a:rPr>
+              <a:t>tfidf</a:t>
+            </a:r>
+            <a:r>
+              <a:rPr lang="en-US" sz="1600" dirty="0" smtClean="0">
+                <a:latin typeface="Courier New" pitchFamily="49" charset="0"/>
+                <a:cs typeface="Courier New" pitchFamily="49" charset="0"/>
+              </a:rPr>
+              <a:t>: RDD[Vector] = </a:t>
+            </a:r>
+            <a:r>
+              <a:rPr lang="en-US" sz="1600" dirty="0" err="1" smtClean="0">
+                <a:latin typeface="Courier New" pitchFamily="49" charset="0"/>
+                <a:cs typeface="Courier New" pitchFamily="49" charset="0"/>
+              </a:rPr>
+              <a:t>idf.transform</a:t>
+            </a:r>
+            <a:r>
+              <a:rPr lang="en-US" sz="1600" dirty="0" smtClean="0">
+                <a:latin typeface="Courier New" pitchFamily="49" charset="0"/>
+                <a:cs typeface="Courier New" pitchFamily="49" charset="0"/>
+              </a:rPr>
+              <a:t>(</a:t>
+            </a:r>
+            <a:r>
+              <a:rPr lang="en-US" sz="1600" dirty="0" err="1" smtClean="0">
+                <a:latin typeface="Courier New" pitchFamily="49" charset="0"/>
+                <a:cs typeface="Courier New" pitchFamily="49" charset="0"/>
+              </a:rPr>
+              <a:t>tf</a:t>
+            </a:r>
+            <a:r>
+              <a:rPr lang="en-US" sz="1600" dirty="0" smtClean="0">
+                <a:latin typeface="Courier New" pitchFamily="49" charset="0"/>
+                <a:cs typeface="Courier New" pitchFamily="49" charset="0"/>
+              </a:rPr>
+              <a:t>)</a:t>
+            </a:r>
+          </a:p>
+        </p:txBody>
+      </p:sp>
+      <p:sp>
+        <p:nvSpPr>
+          <p:cNvPr id="4" name="Footer Placeholder 3"/>
+          <p:cNvSpPr>
+            <a:spLocks noGrp="1"/>
+          </p:cNvSpPr>
+          <p:nvPr>
+            <p:ph type="ftr" sz="quarter" idx="11"/>
+          </p:nvPr>
+        </p:nvSpPr>
+        <p:spPr/>
+        <p:txBody>
+          <a:bodyPr/>
+          <a:lstStyle/>
+          <a:p>
+            <a:r>
+              <a:rPr lang="en-US" smtClean="0"/>
+              <a:t>© Elephant Scale, 2014</a:t>
+            </a:r>
+            <a:endParaRPr lang="en-US" dirty="0"/>
+          </a:p>
+        </p:txBody>
+      </p:sp>
+    </p:spTree>
+  </p:cSld>
+  <p:clrMapOvr>
+    <a:masterClrMapping/>
+  </p:clrMapOvr>
+</p:sld>
+</file>
+
+<file path=ppt/slides/slide14.xml><?xml version="1.0" encoding="utf-8"?>
+<p:sld xmlns:a="http://schemas.openxmlformats.org/drawingml/2006/main" xmlns:r="http://schemas.openxmlformats.org/officeDocument/2006/relationships" xmlns:p="http://schemas.openxmlformats.org/presentationml/2006/main">
+  <p:cSld>
+    <p:spTree>
+      <p:nvGrpSpPr>
+        <p:cNvPr id="1" name=""/>
+        <p:cNvGrpSpPr/>
+        <p:nvPr/>
+      </p:nvGrpSpPr>
+      <p:grpSpPr>
+        <a:xfrm>
+          <a:off x="0" y="0"/>
+          <a:ext cx="0" cy="0"/>
+          <a:chOff x="0" y="0"/>
+          <a:chExt cx="0" cy="0"/>
+        </a:xfrm>
+      </p:grpSpPr>
+      <p:sp>
+        <p:nvSpPr>
+          <p:cNvPr id="2" name="Title 1"/>
+          <p:cNvSpPr>
+            <a:spLocks noGrp="1"/>
+          </p:cNvSpPr>
+          <p:nvPr>
+            <p:ph type="title"/>
+          </p:nvPr>
+        </p:nvSpPr>
+        <p:spPr/>
+        <p:txBody>
+          <a:bodyPr/>
+          <a:lstStyle/>
+          <a:p>
+            <a:r>
+              <a:rPr lang="en-US" dirty="0" smtClean="0"/>
               <a:t>Preparing Text</a:t>
             </a:r>
             <a:endParaRPr lang="en-US" dirty="0"/>
@@ -10246,7 +10377,7 @@
             <a:fld id="{4AD8DDEF-9CD1-B641-ADE5-2BEE59567BE6}" type="slidenum">
               <a:rPr lang="en-US" smtClean="0"/>
               <a:pPr/>
-              <a:t>13</a:t>
+              <a:t>14</a:t>
             </a:fld>
             <a:endParaRPr lang="en-US"/>
           </a:p>
@@ -10272,125 +10403,6 @@
 </p:sld>
 </file>
 
-<file path=ppt/slides/slide14.xml><?xml version="1.0" encoding="utf-8"?>
-<p:sld xmlns:a="http://schemas.openxmlformats.org/drawingml/2006/main" xmlns:r="http://schemas.openxmlformats.org/officeDocument/2006/relationships" xmlns:p="http://schemas.openxmlformats.org/presentationml/2006/main">
-  <p:cSld>
-    <p:spTree>
-      <p:nvGrpSpPr>
-        <p:cNvPr id="1" name=""/>
-        <p:cNvGrpSpPr/>
-        <p:nvPr/>
-      </p:nvGrpSpPr>
-      <p:grpSpPr>
-        <a:xfrm>
-          <a:off x="0" y="0"/>
-          <a:ext cx="0" cy="0"/>
-          <a:chOff x="0" y="0"/>
-          <a:chExt cx="0" cy="0"/>
-        </a:xfrm>
-      </p:grpSpPr>
-      <p:sp>
-        <p:nvSpPr>
-          <p:cNvPr id="2" name="Title 1"/>
-          <p:cNvSpPr>
-            <a:spLocks noGrp="1"/>
-          </p:cNvSpPr>
-          <p:nvPr>
-            <p:ph type="title"/>
-          </p:nvPr>
-        </p:nvSpPr>
-        <p:spPr/>
-        <p:txBody>
-          <a:bodyPr/>
-          <a:lstStyle/>
-          <a:p>
-            <a:r>
-              <a:rPr lang="en-US" dirty="0" smtClean="0"/>
-              <a:t>Next : Clustering</a:t>
-            </a:r>
-            <a:endParaRPr lang="en-US" dirty="0"/>
-          </a:p>
-        </p:txBody>
-      </p:sp>
-      <p:sp>
-        <p:nvSpPr>
-          <p:cNvPr id="3" name="Content Placeholder 2"/>
-          <p:cNvSpPr>
-            <a:spLocks noGrp="1"/>
-          </p:cNvSpPr>
-          <p:nvPr>
-            <p:ph idx="1"/>
-          </p:nvPr>
-        </p:nvSpPr>
-        <p:spPr/>
-        <p:txBody>
-          <a:bodyPr/>
-          <a:lstStyle/>
-          <a:p>
-            <a:endParaRPr lang="en-US"/>
-          </a:p>
-        </p:txBody>
-      </p:sp>
-      <p:sp>
-        <p:nvSpPr>
-          <p:cNvPr id="4" name="Footer Placeholder 3"/>
-          <p:cNvSpPr>
-            <a:spLocks noGrp="1"/>
-          </p:cNvSpPr>
-          <p:nvPr>
-            <p:ph type="ftr" sz="quarter" idx="11"/>
-          </p:nvPr>
-        </p:nvSpPr>
-        <p:spPr/>
-        <p:txBody>
-          <a:bodyPr/>
-          <a:lstStyle/>
-          <a:p>
-            <a:r>
-              <a:rPr lang="en-US" smtClean="0"/>
-              <a:t>(c) ElephantScale.com 2014</a:t>
-            </a:r>
-            <a:endParaRPr lang="en-US"/>
-          </a:p>
-        </p:txBody>
-      </p:sp>
-      <p:sp>
-        <p:nvSpPr>
-          <p:cNvPr id="5" name="Slide Number Placeholder 4"/>
-          <p:cNvSpPr>
-            <a:spLocks noGrp="1"/>
-          </p:cNvSpPr>
-          <p:nvPr>
-            <p:ph type="sldNum" sz="quarter" idx="12"/>
-          </p:nvPr>
-        </p:nvSpPr>
-        <p:spPr/>
-        <p:txBody>
-          <a:bodyPr/>
-          <a:lstStyle/>
-          <a:p>
-            <a:fld id="{4AD8DDEF-9CD1-B641-ADE5-2BEE59567BE6}" type="slidenum">
-              <a:rPr lang="en-US" smtClean="0"/>
-              <a:pPr/>
-              <a:t>14</a:t>
-            </a:fld>
-            <a:endParaRPr lang="en-US"/>
-          </a:p>
-        </p:txBody>
-      </p:sp>
-    </p:spTree>
-    <p:extLst>
-      <p:ext uri="{BB962C8B-B14F-4D97-AF65-F5344CB8AC3E}">
-        <p14:creationId xmlns:p14="http://schemas.microsoft.com/office/powerpoint/2010/main" xmlns="" val="2260624955"/>
-      </p:ext>
-    </p:extLst>
-  </p:cSld>
-  <p:clrMapOvr>
-    <a:masterClrMapping/>
-  </p:clrMapOvr>
-</p:sld>
-</file>
-
 <file path=ppt/slides/slide15.xml><?xml version="1.0" encoding="utf-8"?>
 <p:sld xmlns:a="http://schemas.openxmlformats.org/drawingml/2006/main" xmlns:r="http://schemas.openxmlformats.org/officeDocument/2006/relationships" xmlns:p="http://schemas.openxmlformats.org/presentationml/2006/main">
   <p:cSld>
@@ -10425,6 +10437,269 @@
           <a:p>
             <a:r>
               <a:rPr lang="en-US" dirty="0" smtClean="0"/>
+              <a:t>Next : Clustering</a:t>
+            </a:r>
+            <a:endParaRPr lang="en-US" dirty="0"/>
+          </a:p>
+        </p:txBody>
+      </p:sp>
+      <p:sp>
+        <p:nvSpPr>
+          <p:cNvPr id="3" name="Content Placeholder 2"/>
+          <p:cNvSpPr>
+            <a:spLocks noGrp="1"/>
+          </p:cNvSpPr>
+          <p:nvPr>
+            <p:ph idx="1"/>
+          </p:nvPr>
+        </p:nvSpPr>
+        <p:spPr/>
+        <p:txBody>
+          <a:bodyPr/>
+          <a:lstStyle/>
+          <a:p>
+            <a:endParaRPr lang="en-US"/>
+          </a:p>
+        </p:txBody>
+      </p:sp>
+      <p:sp>
+        <p:nvSpPr>
+          <p:cNvPr id="4" name="Footer Placeholder 3"/>
+          <p:cNvSpPr>
+            <a:spLocks noGrp="1"/>
+          </p:cNvSpPr>
+          <p:nvPr>
+            <p:ph type="ftr" sz="quarter" idx="11"/>
+          </p:nvPr>
+        </p:nvSpPr>
+        <p:spPr/>
+        <p:txBody>
+          <a:bodyPr/>
+          <a:lstStyle/>
+          <a:p>
+            <a:r>
+              <a:rPr lang="en-US" smtClean="0"/>
+              <a:t>(c) ElephantScale.com 2014</a:t>
+            </a:r>
+            <a:endParaRPr lang="en-US"/>
+          </a:p>
+        </p:txBody>
+      </p:sp>
+      <p:sp>
+        <p:nvSpPr>
+          <p:cNvPr id="5" name="Slide Number Placeholder 4"/>
+          <p:cNvSpPr>
+            <a:spLocks noGrp="1"/>
+          </p:cNvSpPr>
+          <p:nvPr>
+            <p:ph type="sldNum" sz="quarter" idx="12"/>
+          </p:nvPr>
+        </p:nvSpPr>
+        <p:spPr/>
+        <p:txBody>
+          <a:bodyPr/>
+          <a:lstStyle/>
+          <a:p>
+            <a:fld id="{4AD8DDEF-9CD1-B641-ADE5-2BEE59567BE6}" type="slidenum">
+              <a:rPr lang="en-US" smtClean="0"/>
+              <a:pPr/>
+              <a:t>15</a:t>
+            </a:fld>
+            <a:endParaRPr lang="en-US"/>
+          </a:p>
+        </p:txBody>
+      </p:sp>
+    </p:spTree>
+    <p:extLst>
+      <p:ext uri="{BB962C8B-B14F-4D97-AF65-F5344CB8AC3E}">
+        <p14:creationId xmlns:p14="http://schemas.microsoft.com/office/powerpoint/2010/main" xmlns="" val="2260624955"/>
+      </p:ext>
+    </p:extLst>
+  </p:cSld>
+  <p:clrMapOvr>
+    <a:masterClrMapping/>
+  </p:clrMapOvr>
+</p:sld>
+</file>
+
+<file path=ppt/slides/slide16.xml><?xml version="1.0" encoding="utf-8"?>
+<p:sld xmlns:a="http://schemas.openxmlformats.org/drawingml/2006/main" xmlns:r="http://schemas.openxmlformats.org/officeDocument/2006/relationships" xmlns:p="http://schemas.openxmlformats.org/presentationml/2006/main">
+  <p:cSld>
+    <p:spTree>
+      <p:nvGrpSpPr>
+        <p:cNvPr id="1" name=""/>
+        <p:cNvGrpSpPr/>
+        <p:nvPr/>
+      </p:nvGrpSpPr>
+      <p:grpSpPr>
+        <a:xfrm>
+          <a:off x="0" y="0"/>
+          <a:ext cx="0" cy="0"/>
+          <a:chOff x="0" y="0"/>
+          <a:chExt cx="0" cy="0"/>
+        </a:xfrm>
+      </p:grpSpPr>
+      <p:sp>
+        <p:nvSpPr>
+          <p:cNvPr id="2" name="Title 1"/>
+          <p:cNvSpPr>
+            <a:spLocks noGrp="1"/>
+          </p:cNvSpPr>
+          <p:nvPr>
+            <p:ph type="title"/>
+          </p:nvPr>
+        </p:nvSpPr>
+        <p:spPr/>
+        <p:txBody>
+          <a:bodyPr/>
+          <a:lstStyle/>
+          <a:p>
+            <a:r>
+              <a:rPr lang="en-US" dirty="0" smtClean="0"/>
+              <a:t>What is Clustering?</a:t>
+            </a:r>
+            <a:endParaRPr lang="en-US" dirty="0"/>
+          </a:p>
+        </p:txBody>
+      </p:sp>
+      <p:sp>
+        <p:nvSpPr>
+          <p:cNvPr id="3" name="Content Placeholder 2"/>
+          <p:cNvSpPr>
+            <a:spLocks noGrp="1"/>
+          </p:cNvSpPr>
+          <p:nvPr>
+            <p:ph idx="1"/>
+          </p:nvPr>
+        </p:nvSpPr>
+        <p:spPr/>
+        <p:txBody>
+          <a:bodyPr/>
+          <a:lstStyle/>
+          <a:p>
+            <a:r>
+              <a:rPr lang="en-US" dirty="0" smtClean="0"/>
+              <a:t>Clustering finds natural groupings in data.</a:t>
+            </a:r>
+          </a:p>
+          <a:p>
+            <a:r>
+              <a:rPr lang="en-US" dirty="0" smtClean="0"/>
+              <a:t>Humans naturally cluster data we encounter.</a:t>
+            </a:r>
+          </a:p>
+          <a:p>
+            <a:pPr lvl="1"/>
+            <a:r>
+              <a:rPr lang="en-US" dirty="0" smtClean="0"/>
+              <a:t>Categorizing, organizing, etc.</a:t>
+            </a:r>
+          </a:p>
+          <a:p>
+            <a:pPr lvl="1"/>
+            <a:r>
+              <a:rPr lang="en-US" dirty="0" smtClean="0"/>
+              <a:t>Our brains seek patterns</a:t>
+            </a:r>
+          </a:p>
+          <a:p>
+            <a:r>
+              <a:rPr lang="en-US" dirty="0" smtClean="0"/>
+              <a:t>Why do we cluster?</a:t>
+            </a:r>
+          </a:p>
+          <a:p>
+            <a:pPr lvl="1"/>
+            <a:r>
+              <a:rPr lang="en-US" dirty="0" smtClean="0"/>
+              <a:t>To understand our data</a:t>
+            </a:r>
+          </a:p>
+          <a:p>
+            <a:pPr lvl="1"/>
+            <a:r>
+              <a:rPr lang="en-US" dirty="0" smtClean="0"/>
+              <a:t>To find “</a:t>
+            </a:r>
+            <a:r>
+              <a:rPr lang="en-US" smtClean="0"/>
+              <a:t>more like this.”</a:t>
+            </a:r>
+          </a:p>
+          <a:p>
+            <a:pPr lvl="1"/>
+            <a:endParaRPr lang="en-US" dirty="0" smtClean="0"/>
+          </a:p>
+          <a:p>
+            <a:endParaRPr lang="en-US" dirty="0"/>
+          </a:p>
+        </p:txBody>
+      </p:sp>
+      <p:sp>
+        <p:nvSpPr>
+          <p:cNvPr id="4" name="Footer Placeholder 3"/>
+          <p:cNvSpPr>
+            <a:spLocks noGrp="1"/>
+          </p:cNvSpPr>
+          <p:nvPr>
+            <p:ph type="ftr" sz="quarter" idx="11"/>
+          </p:nvPr>
+        </p:nvSpPr>
+        <p:spPr/>
+        <p:txBody>
+          <a:bodyPr/>
+          <a:lstStyle/>
+          <a:p>
+            <a:r>
+              <a:rPr lang="en-US" smtClean="0"/>
+              <a:t>© Elephant Scale, 2014</a:t>
+            </a:r>
+            <a:endParaRPr lang="en-US" dirty="0"/>
+          </a:p>
+        </p:txBody>
+      </p:sp>
+    </p:spTree>
+  </p:cSld>
+  <p:clrMapOvr>
+    <a:masterClrMapping/>
+  </p:clrMapOvr>
+</p:sld>
+</file>
+
+<file path=ppt/slides/slide17.xml><?xml version="1.0" encoding="utf-8"?>
+<p:sld xmlns:a="http://schemas.openxmlformats.org/drawingml/2006/main" xmlns:r="http://schemas.openxmlformats.org/officeDocument/2006/relationships" xmlns:p="http://schemas.openxmlformats.org/presentationml/2006/main">
+  <p:cSld>
+    <p:spTree>
+      <p:nvGrpSpPr>
+        <p:cNvPr id="1" name=""/>
+        <p:cNvGrpSpPr/>
+        <p:nvPr/>
+      </p:nvGrpSpPr>
+      <p:grpSpPr>
+        <a:xfrm>
+          <a:off x="0" y="0"/>
+          <a:ext cx="0" cy="0"/>
+          <a:chOff x="0" y="0"/>
+          <a:chExt cx="0" cy="0"/>
+        </a:xfrm>
+      </p:grpSpPr>
+      <p:sp>
+        <p:nvSpPr>
+          <p:cNvPr id="2" name="Title 1"/>
+          <p:cNvSpPr>
+            <a:spLocks noGrp="1"/>
+          </p:cNvSpPr>
+          <p:nvPr>
+            <p:ph type="title"/>
+          </p:nvPr>
+        </p:nvSpPr>
+        <p:spPr/>
+        <p:txBody>
+          <a:bodyPr/>
+          <a:lstStyle/>
+          <a:p>
+            <a:r>
+              <a:rPr lang="en-US" dirty="0" smtClean="0"/>
               <a:t>Clustering Applications</a:t>
             </a:r>
             <a:endParaRPr lang="en-US" dirty="0"/>
@@ -10491,7 +10766,7 @@
             <a:fld id="{4AD8DDEF-9CD1-B641-ADE5-2BEE59567BE6}" type="slidenum">
               <a:rPr lang="en-US" smtClean="0"/>
               <a:pPr/>
-              <a:t>15</a:t>
+              <a:t>17</a:t>
             </a:fld>
             <a:endParaRPr lang="en-US"/>
           </a:p>
@@ -10650,7 +10925,7 @@
 </p:sld>
 </file>
 
-<file path=ppt/slides/slide16.xml><?xml version="1.0" encoding="utf-8"?>
+<file path=ppt/slides/slide18.xml><?xml version="1.0" encoding="utf-8"?>
 <p:sld xmlns:a="http://schemas.openxmlformats.org/drawingml/2006/main" xmlns:r="http://schemas.openxmlformats.org/officeDocument/2006/relationships" xmlns:p="http://schemas.openxmlformats.org/presentationml/2006/main">
   <p:cSld>
     <p:spTree>
@@ -10773,7 +11048,7 @@
             <a:fld id="{4AD8DDEF-9CD1-B641-ADE5-2BEE59567BE6}" type="slidenum">
               <a:rPr lang="en-US" smtClean="0"/>
               <a:pPr/>
-              <a:t>16</a:t>
+              <a:t>18</a:t>
             </a:fld>
             <a:endParaRPr lang="en-US"/>
           </a:p>
@@ -10823,7 +11098,7 @@
 </p:sld>
 </file>
 
-<file path=ppt/slides/slide17.xml><?xml version="1.0" encoding="utf-8"?>
+<file path=ppt/slides/slide19.xml><?xml version="1.0" encoding="utf-8"?>
 <p:sld xmlns:a="http://schemas.openxmlformats.org/drawingml/2006/main" xmlns:r="http://schemas.openxmlformats.org/officeDocument/2006/relationships" xmlns:p="http://schemas.openxmlformats.org/presentationml/2006/main">
   <p:cSld>
     <p:spTree>
@@ -10968,7 +11243,7 @@
             <a:fld id="{4AD8DDEF-9CD1-B641-ADE5-2BEE59567BE6}" type="slidenum">
               <a:rPr lang="en-US" smtClean="0"/>
               <a:pPr/>
-              <a:t>17</a:t>
+              <a:t>19</a:t>
             </a:fld>
             <a:endParaRPr lang="en-US"/>
           </a:p>
@@ -11026,404 +11301,6 @@
     <p:extLst>
       <p:ext uri="{BB962C8B-B14F-4D97-AF65-F5344CB8AC3E}">
         <p14:creationId xmlns:p14="http://schemas.microsoft.com/office/powerpoint/2010/main" xmlns="" val="2116949661"/>
-      </p:ext>
-    </p:extLst>
-  </p:cSld>
-  <p:clrMapOvr>
-    <a:masterClrMapping/>
-  </p:clrMapOvr>
-  <p:timing>
-    <p:tnLst>
-      <p:par>
-        <p:cTn id="1" dur="indefinite" restart="never" nodeType="tmRoot"/>
-      </p:par>
-    </p:tnLst>
-  </p:timing>
-</p:sld>
-</file>
-
-<file path=ppt/slides/slide18.xml><?xml version="1.0" encoding="utf-8"?>
-<p:sld xmlns:a="http://schemas.openxmlformats.org/drawingml/2006/main" xmlns:r="http://schemas.openxmlformats.org/officeDocument/2006/relationships" xmlns:p="http://schemas.openxmlformats.org/presentationml/2006/main">
-  <p:cSld>
-    <p:spTree>
-      <p:nvGrpSpPr>
-        <p:cNvPr id="1" name=""/>
-        <p:cNvGrpSpPr/>
-        <p:nvPr/>
-      </p:nvGrpSpPr>
-      <p:grpSpPr>
-        <a:xfrm>
-          <a:off x="0" y="0"/>
-          <a:ext cx="0" cy="0"/>
-          <a:chOff x="0" y="0"/>
-          <a:chExt cx="0" cy="0"/>
-        </a:xfrm>
-      </p:grpSpPr>
-      <p:sp>
-        <p:nvSpPr>
-          <p:cNvPr id="2" name="Title 1"/>
-          <p:cNvSpPr>
-            <a:spLocks noGrp="1"/>
-          </p:cNvSpPr>
-          <p:nvPr>
-            <p:ph type="title"/>
-          </p:nvPr>
-        </p:nvSpPr>
-        <p:spPr/>
-        <p:txBody>
-          <a:bodyPr/>
-          <a:lstStyle/>
-          <a:p>
-            <a:r>
-              <a:rPr lang="en-US" dirty="0" smtClean="0"/>
-              <a:t>K-Means Clustering</a:t>
-            </a:r>
-            <a:endParaRPr lang="en-US" dirty="0"/>
-          </a:p>
-        </p:txBody>
-      </p:sp>
-      <p:sp>
-        <p:nvSpPr>
-          <p:cNvPr id="3" name="Content Placeholder 2"/>
-          <p:cNvSpPr>
-            <a:spLocks noGrp="1"/>
-          </p:cNvSpPr>
-          <p:nvPr>
-            <p:ph idx="1"/>
-          </p:nvPr>
-        </p:nvSpPr>
-        <p:spPr/>
-        <p:txBody>
-          <a:bodyPr/>
-          <a:lstStyle/>
-          <a:p>
-            <a:r>
-              <a:rPr lang="en-US" dirty="0" smtClean="0"/>
-              <a:t>Step 3: The </a:t>
-            </a:r>
-            <a:r>
-              <a:rPr lang="en-US" dirty="0" err="1" smtClean="0"/>
-              <a:t>centroid</a:t>
-            </a:r>
-            <a:r>
-              <a:rPr lang="en-US" dirty="0" smtClean="0"/>
-              <a:t> (geometric center) of the clustered points becomes the new </a:t>
-            </a:r>
-            <a:r>
-              <a:rPr lang="en-US" dirty="0" err="1" smtClean="0"/>
-              <a:t>centroid</a:t>
-            </a:r>
-            <a:r>
-              <a:rPr lang="en-US" dirty="0" smtClean="0"/>
-              <a:t> of that cluster. Each </a:t>
-            </a:r>
-            <a:r>
-              <a:rPr lang="en-US" dirty="0" err="1" smtClean="0"/>
-              <a:t>centroid</a:t>
-            </a:r>
-            <a:r>
-              <a:rPr lang="en-US" dirty="0" smtClean="0"/>
-              <a:t> is updated.</a:t>
-            </a:r>
-          </a:p>
-          <a:p>
-            <a:endParaRPr lang="en-US" dirty="0" smtClean="0"/>
-          </a:p>
-          <a:p>
-            <a:endParaRPr lang="en-US" dirty="0" smtClean="0"/>
-          </a:p>
-          <a:p>
-            <a:r>
-              <a:rPr lang="en-US" dirty="0" smtClean="0"/>
-              <a:t>Step 4 : Repeat Steps 2 and 3 until convergence is reached (the points move less than the threshold amount).</a:t>
-            </a:r>
-          </a:p>
-        </p:txBody>
-      </p:sp>
-      <p:sp>
-        <p:nvSpPr>
-          <p:cNvPr id="4" name="Footer Placeholder 3"/>
-          <p:cNvSpPr>
-            <a:spLocks noGrp="1"/>
-          </p:cNvSpPr>
-          <p:nvPr>
-            <p:ph type="ftr" sz="quarter" idx="11"/>
-          </p:nvPr>
-        </p:nvSpPr>
-        <p:spPr/>
-        <p:txBody>
-          <a:bodyPr/>
-          <a:lstStyle/>
-          <a:p>
-            <a:r>
-              <a:rPr lang="en-US" smtClean="0"/>
-              <a:t>(c) ElephantScale.com 2014</a:t>
-            </a:r>
-            <a:endParaRPr lang="en-US"/>
-          </a:p>
-        </p:txBody>
-      </p:sp>
-      <p:sp>
-        <p:nvSpPr>
-          <p:cNvPr id="5" name="Slide Number Placeholder 4"/>
-          <p:cNvSpPr>
-            <a:spLocks noGrp="1"/>
-          </p:cNvSpPr>
-          <p:nvPr>
-            <p:ph type="sldNum" sz="quarter" idx="12"/>
-          </p:nvPr>
-        </p:nvSpPr>
-        <p:spPr/>
-        <p:txBody>
-          <a:bodyPr/>
-          <a:lstStyle/>
-          <a:p>
-            <a:fld id="{4AD8DDEF-9CD1-B641-ADE5-2BEE59567BE6}" type="slidenum">
-              <a:rPr lang="en-US" smtClean="0"/>
-              <a:pPr/>
-              <a:t>18</a:t>
-            </a:fld>
-            <a:endParaRPr lang="en-US"/>
-          </a:p>
-        </p:txBody>
-      </p:sp>
-      <p:pic>
-        <p:nvPicPr>
-          <p:cNvPr id="8" name="Picture 7" descr="197px-K_Means_Example_Step_3.svg.png"/>
-          <p:cNvPicPr>
-            <a:picLocks noChangeAspect="1"/>
-          </p:cNvPicPr>
-          <p:nvPr/>
-        </p:nvPicPr>
-        <p:blipFill>
-          <a:blip r:embed="rId2"/>
-          <a:stretch>
-            <a:fillRect/>
-          </a:stretch>
-        </p:blipFill>
-        <p:spPr>
-          <a:xfrm>
-            <a:off x="6429375" y="2373628"/>
-            <a:ext cx="2121958" cy="1831131"/>
-          </a:xfrm>
-          <a:prstGeom prst="rect">
-            <a:avLst/>
-          </a:prstGeom>
-        </p:spPr>
-      </p:pic>
-      <p:pic>
-        <p:nvPicPr>
-          <p:cNvPr id="9" name="Picture 8" descr="197px-K_Means_Example_Step_4.svg.png"/>
-          <p:cNvPicPr>
-            <a:picLocks noChangeAspect="1"/>
-          </p:cNvPicPr>
-          <p:nvPr/>
-        </p:nvPicPr>
-        <p:blipFill>
-          <a:blip r:embed="rId3"/>
-          <a:stretch>
-            <a:fillRect/>
-          </a:stretch>
-        </p:blipFill>
-        <p:spPr>
-          <a:xfrm>
-            <a:off x="6429375" y="4592454"/>
-            <a:ext cx="2121958" cy="1831131"/>
-          </a:xfrm>
-          <a:prstGeom prst="rect">
-            <a:avLst/>
-          </a:prstGeom>
-        </p:spPr>
-      </p:pic>
-    </p:spTree>
-    <p:extLst>
-      <p:ext uri="{BB962C8B-B14F-4D97-AF65-F5344CB8AC3E}">
-        <p14:creationId xmlns:p14="http://schemas.microsoft.com/office/powerpoint/2010/main" xmlns="" val="2238206800"/>
-      </p:ext>
-    </p:extLst>
-  </p:cSld>
-  <p:clrMapOvr>
-    <a:masterClrMapping/>
-  </p:clrMapOvr>
-  <p:timing>
-    <p:tnLst>
-      <p:par>
-        <p:cTn id="1" dur="indefinite" restart="never" nodeType="tmRoot"/>
-      </p:par>
-    </p:tnLst>
-  </p:timing>
-</p:sld>
-</file>
-
-<file path=ppt/slides/slide19.xml><?xml version="1.0" encoding="utf-8"?>
-<p:sld xmlns:a="http://schemas.openxmlformats.org/drawingml/2006/main" xmlns:r="http://schemas.openxmlformats.org/officeDocument/2006/relationships" xmlns:p="http://schemas.openxmlformats.org/presentationml/2006/main">
-  <p:cSld>
-    <p:spTree>
-      <p:nvGrpSpPr>
-        <p:cNvPr id="1" name=""/>
-        <p:cNvGrpSpPr/>
-        <p:nvPr/>
-      </p:nvGrpSpPr>
-      <p:grpSpPr>
-        <a:xfrm>
-          <a:off x="0" y="0"/>
-          <a:ext cx="0" cy="0"/>
-          <a:chOff x="0" y="0"/>
-          <a:chExt cx="0" cy="0"/>
-        </a:xfrm>
-      </p:grpSpPr>
-      <p:sp>
-        <p:nvSpPr>
-          <p:cNvPr id="2" name="Title 1"/>
-          <p:cNvSpPr>
-            <a:spLocks noGrp="1"/>
-          </p:cNvSpPr>
-          <p:nvPr>
-            <p:ph type="title"/>
-          </p:nvPr>
-        </p:nvSpPr>
-        <p:spPr/>
-        <p:txBody>
-          <a:bodyPr/>
-          <a:lstStyle/>
-          <a:p>
-            <a:r>
-              <a:rPr lang="en-US" dirty="0" smtClean="0"/>
-              <a:t>K-Means Distance Measurements</a:t>
-            </a:r>
-            <a:endParaRPr lang="en-US" dirty="0"/>
-          </a:p>
-        </p:txBody>
-      </p:sp>
-      <p:sp>
-        <p:nvSpPr>
-          <p:cNvPr id="3" name="Content Placeholder 2"/>
-          <p:cNvSpPr>
-            <a:spLocks noGrp="1"/>
-          </p:cNvSpPr>
-          <p:nvPr>
-            <p:ph idx="1"/>
-          </p:nvPr>
-        </p:nvSpPr>
-        <p:spPr/>
-        <p:txBody>
-          <a:bodyPr/>
-          <a:lstStyle/>
-          <a:p>
-            <a:r>
-              <a:rPr lang="en-US" dirty="0" smtClean="0"/>
-              <a:t>Ways to Determine Distance</a:t>
-            </a:r>
-          </a:p>
-          <a:p>
-            <a:pPr lvl="1"/>
-            <a:r>
-              <a:rPr lang="en-US" dirty="0" smtClean="0"/>
-              <a:t>Euclidian distance – (most obvious) Euclidian, which takes the distance in Euclidian space</a:t>
-            </a:r>
-          </a:p>
-          <a:p>
-            <a:pPr lvl="1"/>
-            <a:r>
-              <a:rPr lang="en-US" dirty="0" smtClean="0"/>
-              <a:t>Cosine Distance – cosine of angle between vectors – ignores magnitude</a:t>
-            </a:r>
-          </a:p>
-          <a:p>
-            <a:pPr lvl="1"/>
-            <a:r>
-              <a:rPr lang="en-US" dirty="0" smtClean="0"/>
-              <a:t>Manhattan distance: Effectively counts the number of square blocks one would “walk” to get there without cutting corners.</a:t>
-            </a:r>
-          </a:p>
-          <a:p>
-            <a:pPr lvl="1"/>
-            <a:r>
-              <a:rPr lang="en-US" dirty="0" err="1" smtClean="0"/>
-              <a:t>Tanimoto</a:t>
-            </a:r>
-            <a:r>
-              <a:rPr lang="en-US" dirty="0" smtClean="0"/>
-              <a:t> distance  Take both angle and magnitude into account.</a:t>
-            </a:r>
-          </a:p>
-          <a:p>
-            <a:r>
-              <a:rPr lang="en-US" dirty="0" smtClean="0"/>
-              <a:t>Most algorithms attempt to balance the</a:t>
-            </a:r>
-          </a:p>
-          <a:p>
-            <a:pPr lvl="1"/>
-            <a:r>
-              <a:rPr lang="en-US" dirty="0" smtClean="0"/>
-              <a:t>Magnitude</a:t>
-            </a:r>
-          </a:p>
-          <a:p>
-            <a:pPr lvl="1"/>
-            <a:r>
-              <a:rPr lang="en-US" dirty="0" smtClean="0"/>
-              <a:t>Angle</a:t>
-            </a:r>
-          </a:p>
-          <a:p>
-            <a:pPr lvl="1"/>
-            <a:endParaRPr lang="en-US" dirty="0" smtClean="0"/>
-          </a:p>
-        </p:txBody>
-      </p:sp>
-      <p:sp>
-        <p:nvSpPr>
-          <p:cNvPr id="4" name="Footer Placeholder 3"/>
-          <p:cNvSpPr>
-            <a:spLocks noGrp="1"/>
-          </p:cNvSpPr>
-          <p:nvPr>
-            <p:ph type="ftr" sz="quarter" idx="11"/>
-          </p:nvPr>
-        </p:nvSpPr>
-        <p:spPr/>
-        <p:txBody>
-          <a:bodyPr/>
-          <a:lstStyle/>
-          <a:p>
-            <a:r>
-              <a:rPr lang="en-US" smtClean="0"/>
-              <a:t>(c) ElephantScale.com 2014</a:t>
-            </a:r>
-            <a:endParaRPr lang="en-US"/>
-          </a:p>
-        </p:txBody>
-      </p:sp>
-      <p:sp>
-        <p:nvSpPr>
-          <p:cNvPr id="5" name="Slide Number Placeholder 4"/>
-          <p:cNvSpPr>
-            <a:spLocks noGrp="1"/>
-          </p:cNvSpPr>
-          <p:nvPr>
-            <p:ph type="sldNum" sz="quarter" idx="12"/>
-          </p:nvPr>
-        </p:nvSpPr>
-        <p:spPr/>
-        <p:txBody>
-          <a:bodyPr/>
-          <a:lstStyle/>
-          <a:p>
-            <a:fld id="{4AD8DDEF-9CD1-B641-ADE5-2BEE59567BE6}" type="slidenum">
-              <a:rPr lang="en-US" smtClean="0"/>
-              <a:pPr/>
-              <a:t>19</a:t>
-            </a:fld>
-            <a:endParaRPr lang="en-US"/>
-          </a:p>
-        </p:txBody>
-      </p:sp>
-    </p:spTree>
-    <p:extLst>
-      <p:ext uri="{BB962C8B-B14F-4D97-AF65-F5344CB8AC3E}">
-        <p14:creationId xmlns:p14="http://schemas.microsoft.com/office/powerpoint/2010/main" xmlns="" val="3017253226"/>
       </p:ext>
     </p:extLst>
   </p:cSld>
@@ -12380,7 +12257,7 @@
           <a:p>
             <a:r>
               <a:rPr lang="en-US" dirty="0" smtClean="0"/>
-              <a:t>K-Means Clustering Summary</a:t>
+              <a:t>K-Means Clustering</a:t>
             </a:r>
             <a:endParaRPr lang="en-US" dirty="0"/>
           </a:p>
@@ -12403,34 +12280,7 @@
           <a:p>
             <a:r>
               <a:rPr lang="en-US" dirty="0" smtClean="0"/>
-              <a:t>K-Means is simple</a:t>
-            </a:r>
-          </a:p>
-          <a:p>
-            <a:pPr lvl="1"/>
-            <a:r>
-              <a:rPr lang="en-US" dirty="0" smtClean="0"/>
-              <a:t>Well-Understood.</a:t>
-            </a:r>
-          </a:p>
-          <a:p>
-            <a:r>
-              <a:rPr lang="en-US" dirty="0" smtClean="0"/>
-              <a:t>Disadvantages are that:</a:t>
-            </a:r>
-          </a:p>
-          <a:p>
-            <a:pPr lvl="1"/>
-            <a:r>
-              <a:rPr lang="en-US" dirty="0" smtClean="0"/>
-              <a:t>Value of k must be known in advance – which may mean running the exercise many times to get optimum results.</a:t>
-            </a:r>
-          </a:p>
-          <a:p>
-            <a:pPr lvl="1"/>
-            <a:r>
-              <a:rPr lang="en-US" dirty="0" smtClean="0"/>
-              <a:t>Initial </a:t>
+              <a:t>Step 3: The </a:t>
             </a:r>
             <a:r>
               <a:rPr lang="en-US" dirty="0" err="1" smtClean="0"/>
@@ -12438,26 +12288,36 @@
             </a:r>
             <a:r>
               <a:rPr lang="en-US" dirty="0" smtClean="0"/>
-              <a:t> positions are important; may cause long convergence.</a:t>
-            </a:r>
-          </a:p>
-          <a:p>
-            <a:pPr lvl="1"/>
-            <a:r>
-              <a:rPr lang="en-US" dirty="0" smtClean="0"/>
-              <a:t>Dense groupings of points are not especially considered</a:t>
-            </a:r>
-          </a:p>
-          <a:p>
-            <a:pPr lvl="2"/>
-            <a:r>
-              <a:rPr lang="en-US" dirty="0" smtClean="0"/>
-              <a:t>Outliers may bias results.</a:t>
-            </a:r>
-          </a:p>
-          <a:p>
-            <a:pPr lvl="1"/>
+              <a:t> (geometric center) of the clustered points becomes the new </a:t>
+            </a:r>
+            <a:r>
+              <a:rPr lang="en-US" dirty="0" err="1" smtClean="0"/>
+              <a:t>centroid</a:t>
+            </a:r>
+            <a:r>
+              <a:rPr lang="en-US" dirty="0" smtClean="0"/>
+              <a:t> of that cluster. Each </a:t>
+            </a:r>
+            <a:r>
+              <a:rPr lang="en-US" dirty="0" err="1" smtClean="0"/>
+              <a:t>centroid</a:t>
+            </a:r>
+            <a:r>
+              <a:rPr lang="en-US" dirty="0" smtClean="0"/>
+              <a:t> is updated.</a:t>
+            </a:r>
+          </a:p>
+          <a:p>
             <a:endParaRPr lang="en-US" dirty="0" smtClean="0"/>
+          </a:p>
+          <a:p>
+            <a:endParaRPr lang="en-US" dirty="0" smtClean="0"/>
+          </a:p>
+          <a:p>
+            <a:r>
+              <a:rPr lang="en-US" dirty="0" smtClean="0"/>
+              <a:t>Step 4 : Repeat Steps 2 and 3 until convergence is reached (the points move less than the threshold amount).</a:t>
+            </a:r>
           </a:p>
         </p:txBody>
       </p:sp>
@@ -12508,10 +12368,58 @@
           </a:p>
         </p:txBody>
       </p:sp>
+      <p:pic>
+        <p:nvPicPr>
+          <p:cNvPr id="8" name="Picture 7" descr="197px-K_Means_Example_Step_3.svg.png"/>
+          <p:cNvPicPr>
+            <a:picLocks noChangeAspect="1"/>
+          </p:cNvPicPr>
+          <p:nvPr/>
+        </p:nvPicPr>
+        <p:blipFill>
+          <a:blip r:embed="rId2"/>
+          <a:stretch>
+            <a:fillRect/>
+          </a:stretch>
+        </p:blipFill>
+        <p:spPr>
+          <a:xfrm>
+            <a:off x="6429375" y="2373628"/>
+            <a:ext cx="2121958" cy="1831131"/>
+          </a:xfrm>
+          <a:prstGeom prst="rect">
+            <a:avLst/>
+          </a:prstGeom>
+        </p:spPr>
+      </p:pic>
+      <p:pic>
+        <p:nvPicPr>
+          <p:cNvPr id="9" name="Picture 8" descr="197px-K_Means_Example_Step_4.svg.png"/>
+          <p:cNvPicPr>
+            <a:picLocks noChangeAspect="1"/>
+          </p:cNvPicPr>
+          <p:nvPr/>
+        </p:nvPicPr>
+        <p:blipFill>
+          <a:blip r:embed="rId3"/>
+          <a:stretch>
+            <a:fillRect/>
+          </a:stretch>
+        </p:blipFill>
+        <p:spPr>
+          <a:xfrm>
+            <a:off x="6429375" y="4592454"/>
+            <a:ext cx="2121958" cy="1831131"/>
+          </a:xfrm>
+          <a:prstGeom prst="rect">
+            <a:avLst/>
+          </a:prstGeom>
+        </p:spPr>
+      </p:pic>
     </p:spTree>
     <p:extLst>
       <p:ext uri="{BB962C8B-B14F-4D97-AF65-F5344CB8AC3E}">
-        <p14:creationId xmlns:p14="http://schemas.microsoft.com/office/powerpoint/2010/main" xmlns="" val="1791869827"/>
+        <p14:creationId xmlns:p14="http://schemas.microsoft.com/office/powerpoint/2010/main" xmlns="" val="2238206800"/>
       </p:ext>
     </p:extLst>
   </p:cSld>
@@ -12562,215 +12470,83 @@
           <a:p>
             <a:r>
               <a:rPr lang="en-US" dirty="0" smtClean="0"/>
-              <a:t>K-Means in </a:t>
-            </a:r>
+              <a:t>K-Means Distance Measurements</a:t>
+            </a:r>
+            <a:endParaRPr lang="en-US" dirty="0"/>
+          </a:p>
+        </p:txBody>
+      </p:sp>
+      <p:sp>
+        <p:nvSpPr>
+          <p:cNvPr id="3" name="Content Placeholder 2"/>
+          <p:cNvSpPr>
+            <a:spLocks noGrp="1"/>
+          </p:cNvSpPr>
+          <p:nvPr>
+            <p:ph idx="1"/>
+          </p:nvPr>
+        </p:nvSpPr>
+        <p:spPr/>
+        <p:txBody>
+          <a:bodyPr/>
+          <a:lstStyle/>
+          <a:p>
+            <a:r>
+              <a:rPr lang="en-US" dirty="0" smtClean="0"/>
+              <a:t>Ways to Determine Distance</a:t>
+            </a:r>
+          </a:p>
+          <a:p>
+            <a:pPr lvl="1"/>
+            <a:r>
+              <a:rPr lang="en-US" dirty="0" smtClean="0"/>
+              <a:t>Euclidian distance – (most obvious) Euclidian, which takes the distance in Euclidian space</a:t>
+            </a:r>
+          </a:p>
+          <a:p>
+            <a:pPr lvl="1"/>
+            <a:r>
+              <a:rPr lang="en-US" dirty="0" smtClean="0"/>
+              <a:t>Cosine Distance – cosine of angle between vectors – ignores magnitude</a:t>
+            </a:r>
+          </a:p>
+          <a:p>
+            <a:pPr lvl="1"/>
+            <a:r>
+              <a:rPr lang="en-US" dirty="0" smtClean="0"/>
+              <a:t>Manhattan distance: Effectively counts the number of square blocks one would “walk” to get there without cutting corners.</a:t>
+            </a:r>
+          </a:p>
+          <a:p>
+            <a:pPr lvl="1"/>
             <a:r>
               <a:rPr lang="en-US" dirty="0" err="1" smtClean="0"/>
-              <a:t>MLlib</a:t>
-            </a:r>
-            <a:endParaRPr lang="en-US" dirty="0"/>
-          </a:p>
-        </p:txBody>
-      </p:sp>
-      <p:sp>
-        <p:nvSpPr>
-          <p:cNvPr id="3" name="Content Placeholder 2"/>
-          <p:cNvSpPr>
-            <a:spLocks noGrp="1"/>
-          </p:cNvSpPr>
-          <p:nvPr>
-            <p:ph idx="1"/>
-          </p:nvPr>
-        </p:nvSpPr>
-        <p:spPr/>
-        <p:txBody>
-          <a:bodyPr>
-            <a:normAutofit fontScale="92500" lnSpcReduction="20000"/>
-          </a:bodyPr>
-          <a:lstStyle/>
-          <a:p>
-            <a:r>
-              <a:rPr lang="en-US" dirty="0" err="1" smtClean="0"/>
-              <a:t>MLlib</a:t>
-            </a:r>
-            <a:r>
-              <a:rPr lang="en-US" dirty="0" smtClean="0"/>
-              <a:t> has a built-in function called </a:t>
-            </a:r>
-            <a:r>
-              <a:rPr lang="en-US" dirty="0" err="1" smtClean="0"/>
-              <a:t>kmeans</a:t>
-            </a:r>
-            <a:r>
-              <a:rPr lang="en-US" dirty="0" smtClean="0"/>
-              <a:t>, which performs the k-means clustering.</a:t>
+              <a:t>Tanimoto</a:t>
+            </a:r>
+            <a:r>
+              <a:rPr lang="en-US" dirty="0" smtClean="0"/>
+              <a:t> distance  Take both angle and magnitude into account.</a:t>
+            </a:r>
+          </a:p>
+          <a:p>
+            <a:r>
+              <a:rPr lang="en-US" dirty="0" smtClean="0"/>
+              <a:t>Most algorithms attempt to balance the</a:t>
             </a:r>
           </a:p>
           <a:p>
             <a:pPr lvl="1"/>
             <a:r>
-              <a:rPr lang="en-US" dirty="0" smtClean="0">
-                <a:latin typeface="Courier New" pitchFamily="49" charset="0"/>
-                <a:cs typeface="Courier New" pitchFamily="49" charset="0"/>
-              </a:rPr>
-              <a:t>import </a:t>
-            </a:r>
-            <a:r>
-              <a:rPr lang="en-US" dirty="0" err="1" smtClean="0">
-                <a:latin typeface="Courier New" pitchFamily="49" charset="0"/>
-                <a:cs typeface="Courier New" pitchFamily="49" charset="0"/>
-              </a:rPr>
-              <a:t>org.apache.spark.mllib.clustering.KMeans</a:t>
-            </a:r>
-            <a:endParaRPr lang="en-US" dirty="0" smtClean="0">
-              <a:latin typeface="Courier New" pitchFamily="49" charset="0"/>
-              <a:cs typeface="Courier New" pitchFamily="49" charset="0"/>
-            </a:endParaRPr>
-          </a:p>
-          <a:p>
-            <a:r>
-              <a:rPr lang="en-US" dirty="0" smtClean="0"/>
-              <a:t>Default values: just provide </a:t>
-            </a:r>
-            <a:r>
-              <a:rPr lang="en-US" dirty="0" err="1" smtClean="0"/>
-              <a:t>KMeans</a:t>
-            </a:r>
-            <a:r>
-              <a:rPr lang="en-US" dirty="0" smtClean="0"/>
-              <a:t>(</a:t>
-            </a:r>
-            <a:r>
-              <a:rPr lang="en-US" dirty="0" err="1" smtClean="0"/>
-              <a:t>df</a:t>
-            </a:r>
-            <a:r>
-              <a:rPr lang="en-US" dirty="0" smtClean="0"/>
-              <a:t>, value-of-k)</a:t>
+              <a:rPr lang="en-US" dirty="0" smtClean="0"/>
+              <a:t>Magnitude</a:t>
             </a:r>
           </a:p>
           <a:p>
             <a:pPr lvl="1"/>
             <a:r>
-              <a:rPr lang="en-US" dirty="0" err="1" smtClean="0">
-                <a:latin typeface="Courier New" pitchFamily="49" charset="0"/>
-                <a:cs typeface="Courier New" pitchFamily="49" charset="0"/>
-              </a:rPr>
-              <a:t>val</a:t>
-            </a:r>
-            <a:r>
-              <a:rPr lang="en-US" dirty="0" smtClean="0">
-                <a:latin typeface="Courier New" pitchFamily="49" charset="0"/>
-                <a:cs typeface="Courier New" pitchFamily="49" charset="0"/>
-              </a:rPr>
-              <a:t> clusters = </a:t>
-            </a:r>
-            <a:r>
-              <a:rPr lang="en-US" dirty="0" err="1" smtClean="0">
-                <a:latin typeface="Courier New" pitchFamily="49" charset="0"/>
-                <a:cs typeface="Courier New" pitchFamily="49" charset="0"/>
-              </a:rPr>
-              <a:t>KMeans.train</a:t>
-            </a:r>
-            <a:r>
-              <a:rPr lang="en-US" dirty="0" smtClean="0">
-                <a:latin typeface="Courier New" pitchFamily="49" charset="0"/>
-                <a:cs typeface="Courier New" pitchFamily="49" charset="0"/>
-              </a:rPr>
-              <a:t>(</a:t>
-            </a:r>
-            <a:r>
-              <a:rPr lang="en-US" dirty="0" err="1" smtClean="0">
-                <a:latin typeface="Courier New" pitchFamily="49" charset="0"/>
-                <a:cs typeface="Courier New" pitchFamily="49" charset="0"/>
-              </a:rPr>
-              <a:t>parsedData</a:t>
-            </a:r>
-            <a:r>
-              <a:rPr lang="en-US" dirty="0" smtClean="0">
-                <a:latin typeface="Courier New" pitchFamily="49" charset="0"/>
-                <a:cs typeface="Courier New" pitchFamily="49" charset="0"/>
-              </a:rPr>
-              <a:t>, </a:t>
-            </a:r>
-            <a:r>
-              <a:rPr lang="en-US" dirty="0" err="1" smtClean="0">
-                <a:latin typeface="Courier New" pitchFamily="49" charset="0"/>
-                <a:cs typeface="Courier New" pitchFamily="49" charset="0"/>
-              </a:rPr>
-              <a:t>numClusters</a:t>
-            </a:r>
-            <a:r>
-              <a:rPr lang="en-US" dirty="0" smtClean="0">
-                <a:latin typeface="Courier New" pitchFamily="49" charset="0"/>
-                <a:cs typeface="Courier New" pitchFamily="49" charset="0"/>
-              </a:rPr>
-              <a:t>, </a:t>
-            </a:r>
-            <a:r>
-              <a:rPr lang="en-US" dirty="0" err="1" smtClean="0">
-                <a:latin typeface="Courier New" pitchFamily="49" charset="0"/>
-                <a:cs typeface="Courier New" pitchFamily="49" charset="0"/>
-              </a:rPr>
-              <a:t>numIterations</a:t>
-            </a:r>
-            <a:r>
-              <a:rPr lang="en-US" dirty="0" smtClean="0">
-                <a:latin typeface="Courier New" pitchFamily="49" charset="0"/>
-                <a:cs typeface="Courier New" pitchFamily="49" charset="0"/>
-              </a:rPr>
-              <a:t>)</a:t>
-            </a:r>
-            <a:endParaRPr lang="en-US" dirty="0">
-              <a:latin typeface="Courier New" pitchFamily="49" charset="0"/>
-              <a:cs typeface="Courier New" pitchFamily="49" charset="0"/>
-            </a:endParaRPr>
-          </a:p>
-          <a:p>
-            <a:r>
-              <a:rPr lang="en-US" dirty="0" smtClean="0"/>
-              <a:t>How many iterations should you have?</a:t>
-            </a:r>
-          </a:p>
-          <a:p>
-            <a:pPr lvl="1"/>
-            <a:r>
-              <a:rPr lang="en-US" dirty="0" smtClean="0"/>
-              <a:t>“It depends”.. Too low and you might get bad results.  Try 10-25.</a:t>
-            </a:r>
-          </a:p>
-          <a:p>
-            <a:r>
-              <a:rPr lang="en-US" dirty="0" smtClean="0"/>
-              <a:t>What if you don’t know the value of k?</a:t>
-            </a:r>
-          </a:p>
-          <a:p>
-            <a:pPr lvl="1"/>
-            <a:r>
-              <a:rPr lang="en-US" dirty="0" smtClean="0"/>
-              <a:t>Iterate, Iterate, Iterate</a:t>
-            </a:r>
-          </a:p>
-          <a:p>
-            <a:pPr lvl="1"/>
-            <a:r>
-              <a:rPr lang="en-US" dirty="0" smtClean="0"/>
-              <a:t>Measure performance for values of k.</a:t>
-            </a:r>
-          </a:p>
-          <a:p>
-            <a:pPr lvl="1"/>
-            <a:r>
-              <a:rPr lang="en-US" dirty="0" smtClean="0"/>
-              <a:t>But how do you know the performance of the cluster model?</a:t>
-            </a:r>
-          </a:p>
-          <a:p>
-            <a:pPr>
-              <a:buNone/>
-            </a:pPr>
-            <a:endParaRPr lang="en-US" dirty="0" smtClean="0"/>
+              <a:rPr lang="en-US" dirty="0" smtClean="0"/>
+              <a:t>Angle</a:t>
+            </a:r>
           </a:p>
           <a:p>
             <a:pPr lvl="1"/>
@@ -12828,7 +12604,7 @@
     </p:spTree>
     <p:extLst>
       <p:ext uri="{BB962C8B-B14F-4D97-AF65-F5344CB8AC3E}">
-        <p14:creationId xmlns:p14="http://schemas.microsoft.com/office/powerpoint/2010/main" xmlns="" val="1791294177"/>
+        <p14:creationId xmlns:p14="http://schemas.microsoft.com/office/powerpoint/2010/main" xmlns="" val="3017253226"/>
       </p:ext>
     </p:extLst>
   </p:cSld>
@@ -12879,7 +12655,7 @@
           <a:p>
             <a:r>
               <a:rPr lang="en-US" dirty="0" smtClean="0"/>
-              <a:t>Evaluating Cluster Performance</a:t>
+              <a:t>K-Means Clustering Summary</a:t>
             </a:r>
             <a:endParaRPr lang="en-US" dirty="0"/>
           </a:p>
@@ -12902,72 +12678,265 @@
           <a:p>
             <a:r>
               <a:rPr lang="en-US" dirty="0" smtClean="0"/>
-              <a:t>WSSSE: Within Set Sum of Squared Errors</a:t>
+              <a:t>K-Means is simple</a:t>
             </a:r>
           </a:p>
           <a:p>
             <a:pPr lvl="1"/>
             <a:r>
+              <a:rPr lang="en-US" dirty="0" smtClean="0"/>
+              <a:t>Well-Understood.</a:t>
+            </a:r>
+          </a:p>
+          <a:p>
+            <a:r>
+              <a:rPr lang="en-US" dirty="0" smtClean="0"/>
+              <a:t>Disadvantages are that:</a:t>
+            </a:r>
+          </a:p>
+          <a:p>
+            <a:pPr lvl="1"/>
+            <a:r>
+              <a:rPr lang="en-US" dirty="0" smtClean="0"/>
+              <a:t>Value of k must be known in advance – which may mean running the exercise many times to get optimum results.</a:t>
+            </a:r>
+          </a:p>
+          <a:p>
+            <a:pPr lvl="1"/>
+            <a:r>
+              <a:rPr lang="en-US" dirty="0" smtClean="0"/>
+              <a:t>Initial </a:t>
+            </a:r>
+            <a:r>
               <a:rPr lang="en-US" dirty="0" err="1" smtClean="0"/>
-              <a:t>val</a:t>
-            </a:r>
-            <a:r>
-              <a:rPr lang="en-US" dirty="0" smtClean="0"/>
-              <a:t> WSSSE = </a:t>
+              <a:t>centroid</a:t>
+            </a:r>
+            <a:r>
+              <a:rPr lang="en-US" dirty="0" smtClean="0"/>
+              <a:t> positions are important; may cause long convergence.</a:t>
+            </a:r>
+          </a:p>
+          <a:p>
+            <a:pPr lvl="1"/>
+            <a:r>
+              <a:rPr lang="en-US" dirty="0" smtClean="0"/>
+              <a:t>Dense groupings of points are not especially considered</a:t>
+            </a:r>
+          </a:p>
+          <a:p>
+            <a:pPr lvl="2"/>
+            <a:r>
+              <a:rPr lang="en-US" dirty="0" smtClean="0"/>
+              <a:t>Outliers may bias results.</a:t>
+            </a:r>
+          </a:p>
+          <a:p>
+            <a:pPr lvl="1"/>
+            <a:endParaRPr lang="en-US" dirty="0" smtClean="0"/>
+          </a:p>
+        </p:txBody>
+      </p:sp>
+      <p:sp>
+        <p:nvSpPr>
+          <p:cNvPr id="4" name="Footer Placeholder 3"/>
+          <p:cNvSpPr>
+            <a:spLocks noGrp="1"/>
+          </p:cNvSpPr>
+          <p:nvPr>
+            <p:ph type="ftr" sz="quarter" idx="11"/>
+          </p:nvPr>
+        </p:nvSpPr>
+        <p:spPr/>
+        <p:txBody>
+          <a:bodyPr/>
+          <a:lstStyle/>
+          <a:p>
+            <a:r>
+              <a:rPr lang="en-US" smtClean="0"/>
+              <a:t>(c) ElephantScale.com 2014</a:t>
+            </a:r>
+            <a:endParaRPr lang="en-US"/>
+          </a:p>
+        </p:txBody>
+      </p:sp>
+      <p:sp>
+        <p:nvSpPr>
+          <p:cNvPr id="5" name="Slide Number Placeholder 4"/>
+          <p:cNvSpPr>
+            <a:spLocks noGrp="1"/>
+          </p:cNvSpPr>
+          <p:nvPr>
+            <p:ph type="sldNum" sz="quarter" idx="12"/>
+          </p:nvPr>
+        </p:nvSpPr>
+        <p:spPr/>
+        <p:txBody>
+          <a:bodyPr/>
+          <a:lstStyle/>
+          <a:p>
+            <a:fld id="{4AD8DDEF-9CD1-B641-ADE5-2BEE59567BE6}" type="slidenum">
+              <a:rPr lang="en-US" smtClean="0"/>
+              <a:pPr/>
+              <a:t>22</a:t>
+            </a:fld>
+            <a:endParaRPr lang="en-US"/>
+          </a:p>
+        </p:txBody>
+      </p:sp>
+    </p:spTree>
+    <p:extLst>
+      <p:ext uri="{BB962C8B-B14F-4D97-AF65-F5344CB8AC3E}">
+        <p14:creationId xmlns:p14="http://schemas.microsoft.com/office/powerpoint/2010/main" xmlns="" val="1791869827"/>
+      </p:ext>
+    </p:extLst>
+  </p:cSld>
+  <p:clrMapOvr>
+    <a:masterClrMapping/>
+  </p:clrMapOvr>
+  <p:timing>
+    <p:tnLst>
+      <p:par>
+        <p:cTn id="1" dur="indefinite" restart="never" nodeType="tmRoot"/>
+      </p:par>
+    </p:tnLst>
+  </p:timing>
+</p:sld>
+</file>
+
+<file path=ppt/slides/slide23.xml><?xml version="1.0" encoding="utf-8"?>
+<p:sld xmlns:a="http://schemas.openxmlformats.org/drawingml/2006/main" xmlns:r="http://schemas.openxmlformats.org/officeDocument/2006/relationships" xmlns:p="http://schemas.openxmlformats.org/presentationml/2006/main">
+  <p:cSld>
+    <p:spTree>
+      <p:nvGrpSpPr>
+        <p:cNvPr id="1" name=""/>
+        <p:cNvGrpSpPr/>
+        <p:nvPr/>
+      </p:nvGrpSpPr>
+      <p:grpSpPr>
+        <a:xfrm>
+          <a:off x="0" y="0"/>
+          <a:ext cx="0" cy="0"/>
+          <a:chOff x="0" y="0"/>
+          <a:chExt cx="0" cy="0"/>
+        </a:xfrm>
+      </p:grpSpPr>
+      <p:sp>
+        <p:nvSpPr>
+          <p:cNvPr id="2" name="Title 1"/>
+          <p:cNvSpPr>
+            <a:spLocks noGrp="1"/>
+          </p:cNvSpPr>
+          <p:nvPr>
+            <p:ph type="title"/>
+          </p:nvPr>
+        </p:nvSpPr>
+        <p:spPr/>
+        <p:txBody>
+          <a:bodyPr/>
+          <a:lstStyle/>
+          <a:p>
+            <a:r>
+              <a:rPr lang="en-US" dirty="0" smtClean="0"/>
+              <a:t>K-Means in </a:t>
             </a:r>
             <a:r>
               <a:rPr lang="en-US" dirty="0" err="1" smtClean="0"/>
-              <a:t>clusters.computeCost</a:t>
-            </a:r>
-            <a:r>
-              <a:rPr lang="en-US" dirty="0" smtClean="0"/>
-              <a:t>(</a:t>
-            </a:r>
+              <a:t>MLlib</a:t>
+            </a:r>
+            <a:endParaRPr lang="en-US" dirty="0"/>
+          </a:p>
+        </p:txBody>
+      </p:sp>
+      <p:sp>
+        <p:nvSpPr>
+          <p:cNvPr id="3" name="Content Placeholder 2"/>
+          <p:cNvSpPr>
+            <a:spLocks noGrp="1"/>
+          </p:cNvSpPr>
+          <p:nvPr>
+            <p:ph idx="1"/>
+          </p:nvPr>
+        </p:nvSpPr>
+        <p:spPr/>
+        <p:txBody>
+          <a:bodyPr/>
+          <a:lstStyle/>
+          <a:p>
             <a:r>
               <a:rPr lang="en-US" dirty="0" err="1" smtClean="0"/>
-              <a:t>parsedData</a:t>
-            </a:r>
-            <a:r>
-              <a:rPr lang="en-US" dirty="0" smtClean="0"/>
-              <a:t>)</a:t>
-            </a:r>
+              <a:t>Mllib</a:t>
+            </a:r>
+            <a:r>
+              <a:rPr lang="en-US" dirty="0" smtClean="0"/>
+              <a:t> has good support for k-means</a:t>
+            </a:r>
+          </a:p>
+          <a:p>
+            <a:r>
+              <a:rPr lang="en-US" dirty="0" smtClean="0"/>
+              <a:t>How to perform k-means clustering in </a:t>
+            </a:r>
+            <a:r>
+              <a:rPr lang="en-US" dirty="0" err="1" smtClean="0"/>
+              <a:t>MlLib</a:t>
+            </a:r>
+            <a:endParaRPr lang="en-US" dirty="0" smtClean="0"/>
           </a:p>
           <a:p>
             <a:pPr lvl="1"/>
             <a:r>
               <a:rPr lang="en-US" dirty="0" smtClean="0"/>
-              <a:t>COST = sum of squared distances of points to cluster center.</a:t>
-            </a:r>
-          </a:p>
-          <a:p>
-            <a:r>
-              <a:rPr lang="en-US" dirty="0" smtClean="0"/>
-              <a:t>What does this mean?</a:t>
+              <a:t>Convert data into Vectors</a:t>
             </a:r>
           </a:p>
           <a:p>
             <a:pPr lvl="1"/>
             <a:r>
               <a:rPr lang="en-US" dirty="0" smtClean="0"/>
-              <a:t>WSSSE will increase with increasing values of k.</a:t>
+              <a:t>Perform clustering with a specified number of iterations</a:t>
             </a:r>
           </a:p>
           <a:p>
             <a:pPr lvl="1"/>
             <a:r>
               <a:rPr lang="en-US" dirty="0" smtClean="0"/>
-              <a:t>“Law of Diminishing Returns” </a:t>
-            </a:r>
-          </a:p>
-          <a:p>
-            <a:pPr lvl="2"/>
-            <a:r>
-              <a:rPr lang="en-US" dirty="0" smtClean="0"/>
-              <a:t>High values of k give marginal gain.</a:t>
-            </a:r>
-          </a:p>
-          <a:p>
-            <a:endParaRPr lang="en-US" dirty="0"/>
+              <a:t>Evaluate the “fit” of the cluster.  Is it a good run?</a:t>
+            </a:r>
+          </a:p>
+          <a:p>
+            <a:pPr lvl="1"/>
+            <a:r>
+              <a:rPr lang="en-US" dirty="0" smtClean="0"/>
+              <a:t>If not, change the number of clusters (value of k).</a:t>
+            </a:r>
+          </a:p>
+          <a:p>
+            <a:pPr lvl="1"/>
+            <a:r>
+              <a:rPr lang="en-US" dirty="0" smtClean="0"/>
+              <a:t>Once we have a good clustering run:</a:t>
+            </a:r>
+          </a:p>
+          <a:p>
+            <a:pPr lvl="1"/>
+            <a:r>
+              <a:rPr lang="en-US" dirty="0" smtClean="0"/>
+              <a:t>Map each vector to its nearest cluster.</a:t>
+            </a:r>
+          </a:p>
+          <a:p>
+            <a:pPr lvl="1"/>
+            <a:r>
+              <a:rPr lang="en-US" dirty="0" smtClean="0"/>
+              <a:t>Group original data by its corresponding cluster.</a:t>
+            </a:r>
+          </a:p>
+          <a:p>
+            <a:pPr lvl="1"/>
+            <a:r>
+              <a:rPr lang="en-US" dirty="0" smtClean="0"/>
+              <a:t>Assign (predict) new vectors to their nearest cluster.</a:t>
+            </a:r>
           </a:p>
         </p:txBody>
       </p:sp>
@@ -13002,7 +12971,645 @@
 </p:sld>
 </file>
 
-<file path=ppt/slides/slide23.xml><?xml version="1.0" encoding="utf-8"?>
+<file path=ppt/slides/slide24.xml><?xml version="1.0" encoding="utf-8"?>
+<p:sld xmlns:a="http://schemas.openxmlformats.org/drawingml/2006/main" xmlns:r="http://schemas.openxmlformats.org/officeDocument/2006/relationships" xmlns:p="http://schemas.openxmlformats.org/presentationml/2006/main">
+  <p:cSld>
+    <p:spTree>
+      <p:nvGrpSpPr>
+        <p:cNvPr id="1" name=""/>
+        <p:cNvGrpSpPr/>
+        <p:nvPr/>
+      </p:nvGrpSpPr>
+      <p:grpSpPr>
+        <a:xfrm>
+          <a:off x="0" y="0"/>
+          <a:ext cx="0" cy="0"/>
+          <a:chOff x="0" y="0"/>
+          <a:chExt cx="0" cy="0"/>
+        </a:xfrm>
+      </p:grpSpPr>
+      <p:sp>
+        <p:nvSpPr>
+          <p:cNvPr id="2" name="Title 1"/>
+          <p:cNvSpPr>
+            <a:spLocks noGrp="1"/>
+          </p:cNvSpPr>
+          <p:nvPr>
+            <p:ph type="title"/>
+          </p:nvPr>
+        </p:nvSpPr>
+        <p:spPr/>
+        <p:txBody>
+          <a:bodyPr/>
+          <a:lstStyle/>
+          <a:p>
+            <a:r>
+              <a:rPr lang="en-US" dirty="0" smtClean="0"/>
+              <a:t>Creating Vectors for k-means in </a:t>
+            </a:r>
+            <a:r>
+              <a:rPr lang="en-US" dirty="0" err="1" smtClean="0"/>
+              <a:t>MLlib</a:t>
+            </a:r>
+            <a:endParaRPr lang="en-US" dirty="0"/>
+          </a:p>
+        </p:txBody>
+      </p:sp>
+      <p:sp>
+        <p:nvSpPr>
+          <p:cNvPr id="3" name="Content Placeholder 2"/>
+          <p:cNvSpPr>
+            <a:spLocks noGrp="1"/>
+          </p:cNvSpPr>
+          <p:nvPr>
+            <p:ph idx="1"/>
+          </p:nvPr>
+        </p:nvSpPr>
+        <p:spPr/>
+        <p:txBody>
+          <a:bodyPr/>
+          <a:lstStyle/>
+          <a:p>
+            <a:r>
+              <a:rPr lang="en-US" dirty="0" smtClean="0"/>
+              <a:t>The first step in </a:t>
+            </a:r>
+            <a:r>
+              <a:rPr lang="en-US" dirty="0" err="1" smtClean="0"/>
+              <a:t>MLlib</a:t>
+            </a:r>
+            <a:r>
+              <a:rPr lang="en-US" dirty="0" smtClean="0"/>
+              <a:t> is to turn the data into a vector.</a:t>
+            </a:r>
+          </a:p>
+          <a:p>
+            <a:r>
+              <a:rPr lang="en-US" dirty="0" smtClean="0"/>
+              <a:t>Choose from dense or sparse depending on data.</a:t>
+            </a:r>
+          </a:p>
+          <a:p>
+            <a:pPr lvl="1"/>
+            <a:r>
+              <a:rPr lang="en-US" dirty="0" smtClean="0"/>
+              <a:t>Example: one-hot encoding – use sparse.</a:t>
+            </a:r>
+          </a:p>
+          <a:p>
+            <a:r>
+              <a:rPr lang="en-US" dirty="0" smtClean="0"/>
+              <a:t>You need numeric vectors, so convert strings to doubles.</a:t>
+            </a:r>
+            <a:endParaRPr lang="en-US" dirty="0" smtClean="0"/>
+          </a:p>
+          <a:p>
+            <a:pPr lvl="1"/>
+            <a:r>
+              <a:rPr lang="en-US" dirty="0" smtClean="0"/>
+              <a:t>use .</a:t>
+            </a:r>
+            <a:r>
+              <a:rPr lang="en-US" dirty="0" err="1" smtClean="0"/>
+              <a:t>map.toDouble</a:t>
+            </a:r>
+            <a:endParaRPr lang="en-US" dirty="0" smtClean="0"/>
+          </a:p>
+          <a:p>
+            <a:r>
+              <a:rPr lang="en-US" dirty="0" smtClean="0"/>
+              <a:t>Once you have an array of doubles, pass it to </a:t>
+            </a:r>
+            <a:r>
+              <a:rPr lang="en-US" dirty="0" err="1" smtClean="0"/>
+              <a:t>Vector.dense</a:t>
+            </a:r>
+            <a:r>
+              <a:rPr lang="en-US" dirty="0" smtClean="0"/>
+              <a:t> or </a:t>
+            </a:r>
+            <a:r>
+              <a:rPr lang="en-US" dirty="0" err="1" smtClean="0"/>
+              <a:t>Vector.sparse</a:t>
+            </a:r>
+            <a:r>
+              <a:rPr lang="en-US" dirty="0" smtClean="0"/>
+              <a:t>.</a:t>
+            </a:r>
+            <a:endParaRPr lang="en-US" dirty="0" smtClean="0"/>
+          </a:p>
+        </p:txBody>
+      </p:sp>
+      <p:sp>
+        <p:nvSpPr>
+          <p:cNvPr id="4" name="Footer Placeholder 3"/>
+          <p:cNvSpPr>
+            <a:spLocks noGrp="1"/>
+          </p:cNvSpPr>
+          <p:nvPr>
+            <p:ph type="ftr" sz="quarter" idx="11"/>
+          </p:nvPr>
+        </p:nvSpPr>
+        <p:spPr/>
+        <p:txBody>
+          <a:bodyPr/>
+          <a:lstStyle/>
+          <a:p>
+            <a:r>
+              <a:rPr lang="en-US" smtClean="0"/>
+              <a:t>© Elephant Scale, 2014</a:t>
+            </a:r>
+            <a:endParaRPr lang="en-US" dirty="0"/>
+          </a:p>
+        </p:txBody>
+      </p:sp>
+    </p:spTree>
+  </p:cSld>
+  <p:clrMapOvr>
+    <a:masterClrMapping/>
+  </p:clrMapOvr>
+</p:sld>
+</file>
+
+<file path=ppt/slides/slide25.xml><?xml version="1.0" encoding="utf-8"?>
+<p:sld xmlns:a="http://schemas.openxmlformats.org/drawingml/2006/main" xmlns:r="http://schemas.openxmlformats.org/officeDocument/2006/relationships" xmlns:p="http://schemas.openxmlformats.org/presentationml/2006/main">
+  <p:cSld>
+    <p:spTree>
+      <p:nvGrpSpPr>
+        <p:cNvPr id="1" name=""/>
+        <p:cNvGrpSpPr/>
+        <p:nvPr/>
+      </p:nvGrpSpPr>
+      <p:grpSpPr>
+        <a:xfrm>
+          <a:off x="0" y="0"/>
+          <a:ext cx="0" cy="0"/>
+          <a:chOff x="0" y="0"/>
+          <a:chExt cx="0" cy="0"/>
+        </a:xfrm>
+      </p:grpSpPr>
+      <p:sp>
+        <p:nvSpPr>
+          <p:cNvPr id="2" name="Title 1"/>
+          <p:cNvSpPr>
+            <a:spLocks noGrp="1"/>
+          </p:cNvSpPr>
+          <p:nvPr>
+            <p:ph type="title"/>
+          </p:nvPr>
+        </p:nvSpPr>
+        <p:spPr/>
+        <p:txBody>
+          <a:bodyPr/>
+          <a:lstStyle/>
+          <a:p>
+            <a:r>
+              <a:rPr lang="en-US" dirty="0" smtClean="0"/>
+              <a:t>K-Means in </a:t>
+            </a:r>
+            <a:r>
+              <a:rPr lang="en-US" dirty="0" err="1" smtClean="0"/>
+              <a:t>MLlib</a:t>
+            </a:r>
+            <a:endParaRPr lang="en-US" dirty="0"/>
+          </a:p>
+        </p:txBody>
+      </p:sp>
+      <p:sp>
+        <p:nvSpPr>
+          <p:cNvPr id="3" name="Content Placeholder 2"/>
+          <p:cNvSpPr>
+            <a:spLocks noGrp="1"/>
+          </p:cNvSpPr>
+          <p:nvPr>
+            <p:ph idx="1"/>
+          </p:nvPr>
+        </p:nvSpPr>
+        <p:spPr/>
+        <p:txBody>
+          <a:bodyPr>
+            <a:normAutofit fontScale="92500" lnSpcReduction="20000"/>
+          </a:bodyPr>
+          <a:lstStyle/>
+          <a:p>
+            <a:r>
+              <a:rPr lang="en-US" dirty="0" err="1" smtClean="0"/>
+              <a:t>MLlib</a:t>
+            </a:r>
+            <a:r>
+              <a:rPr lang="en-US" dirty="0" smtClean="0"/>
+              <a:t> has a built-in function called </a:t>
+            </a:r>
+            <a:r>
+              <a:rPr lang="en-US" dirty="0" err="1" smtClean="0"/>
+              <a:t>kmeans</a:t>
+            </a:r>
+            <a:r>
+              <a:rPr lang="en-US" dirty="0" smtClean="0"/>
+              <a:t>, which performs the k-means clustering.</a:t>
+            </a:r>
+          </a:p>
+          <a:p>
+            <a:pPr lvl="1"/>
+            <a:r>
+              <a:rPr lang="en-US" dirty="0" smtClean="0">
+                <a:latin typeface="Courier New" pitchFamily="49" charset="0"/>
+                <a:cs typeface="Courier New" pitchFamily="49" charset="0"/>
+              </a:rPr>
+              <a:t>import </a:t>
+            </a:r>
+            <a:r>
+              <a:rPr lang="en-US" dirty="0" err="1" smtClean="0">
+                <a:latin typeface="Courier New" pitchFamily="49" charset="0"/>
+                <a:cs typeface="Courier New" pitchFamily="49" charset="0"/>
+              </a:rPr>
+              <a:t>org.apache.spark.mllib.clustering.KMeans</a:t>
+            </a:r>
+            <a:endParaRPr lang="en-US" dirty="0" smtClean="0">
+              <a:latin typeface="Courier New" pitchFamily="49" charset="0"/>
+              <a:cs typeface="Courier New" pitchFamily="49" charset="0"/>
+            </a:endParaRPr>
+          </a:p>
+          <a:p>
+            <a:r>
+              <a:rPr lang="en-US" dirty="0" smtClean="0"/>
+              <a:t>Default values: just provide </a:t>
+            </a:r>
+            <a:r>
+              <a:rPr lang="en-US" dirty="0" err="1" smtClean="0"/>
+              <a:t>KMeans</a:t>
+            </a:r>
+            <a:r>
+              <a:rPr lang="en-US" dirty="0" smtClean="0"/>
+              <a:t>(</a:t>
+            </a:r>
+            <a:r>
+              <a:rPr lang="en-US" dirty="0" err="1" smtClean="0"/>
+              <a:t>df</a:t>
+            </a:r>
+            <a:r>
+              <a:rPr lang="en-US" dirty="0" smtClean="0"/>
+              <a:t>, value-of-k)</a:t>
+            </a:r>
+          </a:p>
+          <a:p>
+            <a:pPr lvl="1"/>
+            <a:r>
+              <a:rPr lang="en-US" dirty="0" err="1" smtClean="0">
+                <a:latin typeface="Courier New" pitchFamily="49" charset="0"/>
+                <a:cs typeface="Courier New" pitchFamily="49" charset="0"/>
+              </a:rPr>
+              <a:t>val</a:t>
+            </a:r>
+            <a:r>
+              <a:rPr lang="en-US" dirty="0" smtClean="0">
+                <a:latin typeface="Courier New" pitchFamily="49" charset="0"/>
+                <a:cs typeface="Courier New" pitchFamily="49" charset="0"/>
+              </a:rPr>
+              <a:t> clusters = </a:t>
+            </a:r>
+            <a:r>
+              <a:rPr lang="en-US" dirty="0" err="1" smtClean="0">
+                <a:latin typeface="Courier New" pitchFamily="49" charset="0"/>
+                <a:cs typeface="Courier New" pitchFamily="49" charset="0"/>
+              </a:rPr>
+              <a:t>KMeans.train</a:t>
+            </a:r>
+            <a:r>
+              <a:rPr lang="en-US" dirty="0" smtClean="0">
+                <a:latin typeface="Courier New" pitchFamily="49" charset="0"/>
+                <a:cs typeface="Courier New" pitchFamily="49" charset="0"/>
+              </a:rPr>
+              <a:t>(vectors, </a:t>
+            </a:r>
+            <a:r>
+              <a:rPr lang="en-US" dirty="0" err="1" smtClean="0">
+                <a:latin typeface="Courier New" pitchFamily="49" charset="0"/>
+                <a:cs typeface="Courier New" pitchFamily="49" charset="0"/>
+              </a:rPr>
+              <a:t>numClusters</a:t>
+            </a:r>
+            <a:r>
+              <a:rPr lang="en-US" dirty="0" smtClean="0">
+                <a:latin typeface="Courier New" pitchFamily="49" charset="0"/>
+                <a:cs typeface="Courier New" pitchFamily="49" charset="0"/>
+              </a:rPr>
+              <a:t>, </a:t>
+            </a:r>
+            <a:r>
+              <a:rPr lang="en-US" dirty="0" err="1" smtClean="0">
+                <a:latin typeface="Courier New" pitchFamily="49" charset="0"/>
+                <a:cs typeface="Courier New" pitchFamily="49" charset="0"/>
+              </a:rPr>
+              <a:t>numIterations</a:t>
+            </a:r>
+            <a:r>
+              <a:rPr lang="en-US" dirty="0" smtClean="0">
+                <a:latin typeface="Courier New" pitchFamily="49" charset="0"/>
+                <a:cs typeface="Courier New" pitchFamily="49" charset="0"/>
+              </a:rPr>
+              <a:t>)</a:t>
+            </a:r>
+            <a:endParaRPr lang="en-US" dirty="0">
+              <a:latin typeface="Courier New" pitchFamily="49" charset="0"/>
+              <a:cs typeface="Courier New" pitchFamily="49" charset="0"/>
+            </a:endParaRPr>
+          </a:p>
+          <a:p>
+            <a:r>
+              <a:rPr lang="en-US" dirty="0" smtClean="0"/>
+              <a:t>How many iterations should you have?</a:t>
+            </a:r>
+          </a:p>
+          <a:p>
+            <a:pPr lvl="1"/>
+            <a:r>
+              <a:rPr lang="en-US" dirty="0" smtClean="0"/>
+              <a:t>“It depends”.. Too low and you might get bad results.  Try 10-25.</a:t>
+            </a:r>
+          </a:p>
+          <a:p>
+            <a:r>
+              <a:rPr lang="en-US" dirty="0" smtClean="0"/>
+              <a:t>What if you don’t know the value of k?</a:t>
+            </a:r>
+          </a:p>
+          <a:p>
+            <a:pPr lvl="1"/>
+            <a:r>
+              <a:rPr lang="en-US" dirty="0" smtClean="0"/>
+              <a:t>Iterate, Iterate, Iterate</a:t>
+            </a:r>
+          </a:p>
+          <a:p>
+            <a:pPr lvl="1"/>
+            <a:r>
+              <a:rPr lang="en-US" dirty="0" smtClean="0"/>
+              <a:t>Measure performance for values of k.</a:t>
+            </a:r>
+          </a:p>
+          <a:p>
+            <a:pPr lvl="1"/>
+            <a:r>
+              <a:rPr lang="en-US" dirty="0" smtClean="0"/>
+              <a:t>But how do you know the performance of the cluster model?</a:t>
+            </a:r>
+          </a:p>
+          <a:p>
+            <a:pPr>
+              <a:buNone/>
+            </a:pPr>
+            <a:endParaRPr lang="en-US" dirty="0" smtClean="0"/>
+          </a:p>
+          <a:p>
+            <a:pPr lvl="1"/>
+            <a:endParaRPr lang="en-US" dirty="0" smtClean="0"/>
+          </a:p>
+        </p:txBody>
+      </p:sp>
+      <p:sp>
+        <p:nvSpPr>
+          <p:cNvPr id="4" name="Footer Placeholder 3"/>
+          <p:cNvSpPr>
+            <a:spLocks noGrp="1"/>
+          </p:cNvSpPr>
+          <p:nvPr>
+            <p:ph type="ftr" sz="quarter" idx="11"/>
+          </p:nvPr>
+        </p:nvSpPr>
+        <p:spPr/>
+        <p:txBody>
+          <a:bodyPr/>
+          <a:lstStyle/>
+          <a:p>
+            <a:r>
+              <a:rPr lang="en-US" smtClean="0"/>
+              <a:t>(c) ElephantScale.com 2014</a:t>
+            </a:r>
+            <a:endParaRPr lang="en-US"/>
+          </a:p>
+        </p:txBody>
+      </p:sp>
+      <p:sp>
+        <p:nvSpPr>
+          <p:cNvPr id="5" name="Slide Number Placeholder 4"/>
+          <p:cNvSpPr>
+            <a:spLocks noGrp="1"/>
+          </p:cNvSpPr>
+          <p:nvPr>
+            <p:ph type="sldNum" sz="quarter" idx="12"/>
+          </p:nvPr>
+        </p:nvSpPr>
+        <p:spPr/>
+        <p:txBody>
+          <a:bodyPr/>
+          <a:lstStyle/>
+          <a:p>
+            <a:fld id="{4AD8DDEF-9CD1-B641-ADE5-2BEE59567BE6}" type="slidenum">
+              <a:rPr lang="en-US" smtClean="0"/>
+              <a:pPr/>
+              <a:t>25</a:t>
+            </a:fld>
+            <a:endParaRPr lang="en-US"/>
+          </a:p>
+        </p:txBody>
+      </p:sp>
+    </p:spTree>
+    <p:extLst>
+      <p:ext uri="{BB962C8B-B14F-4D97-AF65-F5344CB8AC3E}">
+        <p14:creationId xmlns:p14="http://schemas.microsoft.com/office/powerpoint/2010/main" xmlns="" val="1791294177"/>
+      </p:ext>
+    </p:extLst>
+  </p:cSld>
+  <p:clrMapOvr>
+    <a:masterClrMapping/>
+  </p:clrMapOvr>
+  <p:timing>
+    <p:tnLst>
+      <p:par>
+        <p:cTn id="1" dur="indefinite" restart="never" nodeType="tmRoot"/>
+      </p:par>
+    </p:tnLst>
+  </p:timing>
+</p:sld>
+</file>
+
+<file path=ppt/slides/slide26.xml><?xml version="1.0" encoding="utf-8"?>
+<p:sld xmlns:a="http://schemas.openxmlformats.org/drawingml/2006/main" xmlns:r="http://schemas.openxmlformats.org/officeDocument/2006/relationships" xmlns:p="http://schemas.openxmlformats.org/presentationml/2006/main">
+  <p:cSld>
+    <p:spTree>
+      <p:nvGrpSpPr>
+        <p:cNvPr id="1" name=""/>
+        <p:cNvGrpSpPr/>
+        <p:nvPr/>
+      </p:nvGrpSpPr>
+      <p:grpSpPr>
+        <a:xfrm>
+          <a:off x="0" y="0"/>
+          <a:ext cx="0" cy="0"/>
+          <a:chOff x="0" y="0"/>
+          <a:chExt cx="0" cy="0"/>
+        </a:xfrm>
+      </p:grpSpPr>
+      <p:sp>
+        <p:nvSpPr>
+          <p:cNvPr id="2" name="Title 1"/>
+          <p:cNvSpPr>
+            <a:spLocks noGrp="1"/>
+          </p:cNvSpPr>
+          <p:nvPr>
+            <p:ph type="title"/>
+          </p:nvPr>
+        </p:nvSpPr>
+        <p:spPr/>
+        <p:txBody>
+          <a:bodyPr/>
+          <a:lstStyle/>
+          <a:p>
+            <a:r>
+              <a:rPr lang="en-US" dirty="0" smtClean="0"/>
+              <a:t>Evaluating Cluster Performance</a:t>
+            </a:r>
+            <a:endParaRPr lang="en-US" dirty="0"/>
+          </a:p>
+        </p:txBody>
+      </p:sp>
+      <p:sp>
+        <p:nvSpPr>
+          <p:cNvPr id="3" name="Content Placeholder 2"/>
+          <p:cNvSpPr>
+            <a:spLocks noGrp="1"/>
+          </p:cNvSpPr>
+          <p:nvPr>
+            <p:ph idx="1"/>
+          </p:nvPr>
+        </p:nvSpPr>
+        <p:spPr/>
+        <p:txBody>
+          <a:bodyPr/>
+          <a:lstStyle/>
+          <a:p>
+            <a:r>
+              <a:rPr lang="en-US" dirty="0" smtClean="0"/>
+              <a:t>WSSSE: Within Set Sum of Squared Errors</a:t>
+            </a:r>
+          </a:p>
+          <a:p>
+            <a:pPr lvl="1"/>
+            <a:r>
+              <a:rPr lang="en-US" dirty="0" err="1" smtClean="0">
+                <a:latin typeface="Courier New" pitchFamily="49" charset="0"/>
+                <a:cs typeface="Courier New" pitchFamily="49" charset="0"/>
+              </a:rPr>
+              <a:t>val</a:t>
+            </a:r>
+            <a:r>
+              <a:rPr lang="en-US" dirty="0" smtClean="0">
+                <a:latin typeface="Courier New" pitchFamily="49" charset="0"/>
+                <a:cs typeface="Courier New" pitchFamily="49" charset="0"/>
+              </a:rPr>
+              <a:t> WSSSE = </a:t>
+            </a:r>
+            <a:r>
+              <a:rPr lang="en-US" dirty="0" err="1" smtClean="0">
+                <a:latin typeface="Courier New" pitchFamily="49" charset="0"/>
+                <a:cs typeface="Courier New" pitchFamily="49" charset="0"/>
+              </a:rPr>
+              <a:t>clusters.computeCost</a:t>
+            </a:r>
+            <a:r>
+              <a:rPr lang="en-US" dirty="0" smtClean="0">
+                <a:latin typeface="Courier New" pitchFamily="49" charset="0"/>
+                <a:cs typeface="Courier New" pitchFamily="49" charset="0"/>
+              </a:rPr>
+              <a:t>(</a:t>
+            </a:r>
+            <a:r>
+              <a:rPr lang="en-US" dirty="0" err="1" smtClean="0">
+                <a:latin typeface="Courier New" pitchFamily="49" charset="0"/>
+                <a:cs typeface="Courier New" pitchFamily="49" charset="0"/>
+              </a:rPr>
+              <a:t>parsedData</a:t>
+            </a:r>
+            <a:r>
+              <a:rPr lang="en-US" dirty="0" smtClean="0">
+                <a:latin typeface="Courier New" pitchFamily="49" charset="0"/>
+                <a:cs typeface="Courier New" pitchFamily="49" charset="0"/>
+              </a:rPr>
+              <a:t>)</a:t>
+            </a:r>
+          </a:p>
+          <a:p>
+            <a:pPr lvl="1"/>
+            <a:r>
+              <a:rPr lang="en-US" dirty="0" smtClean="0"/>
+              <a:t>COST = sum of squared distances of points to cluster center.</a:t>
+            </a:r>
+          </a:p>
+          <a:p>
+            <a:r>
+              <a:rPr lang="en-US" dirty="0" smtClean="0"/>
+              <a:t>What does this mean?</a:t>
+            </a:r>
+          </a:p>
+          <a:p>
+            <a:pPr lvl="1"/>
+            <a:r>
+              <a:rPr lang="en-US" dirty="0" smtClean="0"/>
+              <a:t>WSSSE will increase with increasing values of k.</a:t>
+            </a:r>
+          </a:p>
+          <a:p>
+            <a:pPr lvl="1"/>
+            <a:r>
+              <a:rPr lang="en-US" dirty="0" smtClean="0"/>
+              <a:t>“Law of Diminishing Returns” </a:t>
+            </a:r>
+          </a:p>
+          <a:p>
+            <a:pPr lvl="2"/>
+            <a:r>
+              <a:rPr lang="en-US" dirty="0" smtClean="0"/>
+              <a:t>High values of k give marginal gain.</a:t>
+            </a:r>
+          </a:p>
+          <a:p>
+            <a:endParaRPr lang="en-US" dirty="0"/>
+          </a:p>
+        </p:txBody>
+      </p:sp>
+      <p:sp>
+        <p:nvSpPr>
+          <p:cNvPr id="4" name="Footer Placeholder 3"/>
+          <p:cNvSpPr>
+            <a:spLocks noGrp="1"/>
+          </p:cNvSpPr>
+          <p:nvPr>
+            <p:ph type="ftr" sz="quarter" idx="11"/>
+          </p:nvPr>
+        </p:nvSpPr>
+        <p:spPr/>
+        <p:txBody>
+          <a:bodyPr/>
+          <a:lstStyle/>
+          <a:p>
+            <a:r>
+              <a:rPr lang="en-US" smtClean="0"/>
+              <a:t>© Elephant Scale, 2014</a:t>
+            </a:r>
+            <a:endParaRPr lang="en-US" dirty="0"/>
+          </a:p>
+        </p:txBody>
+      </p:sp>
+    </p:spTree>
+  </p:cSld>
+  <p:clrMapOvr>
+    <a:masterClrMapping/>
+  </p:clrMapOvr>
+</p:sld>
+</file>
+
+<file path=ppt/slides/slide27.xml><?xml version="1.0" encoding="utf-8"?>
 <p:sld xmlns:a="http://schemas.openxmlformats.org/drawingml/2006/main" xmlns:r="http://schemas.openxmlformats.org/officeDocument/2006/relationships" xmlns:p="http://schemas.openxmlformats.org/presentationml/2006/main">
   <p:cSld>
     <p:spTree>
@@ -13128,887 +13735,6 @@
 </p:sld>
 </file>
 
-<file path=ppt/slides/slide24.xml><?xml version="1.0" encoding="utf-8"?>
-<p:sld xmlns:a="http://schemas.openxmlformats.org/drawingml/2006/main" xmlns:r="http://schemas.openxmlformats.org/officeDocument/2006/relationships" xmlns:p="http://schemas.openxmlformats.org/presentationml/2006/main">
-  <p:cSld>
-    <p:spTree>
-      <p:nvGrpSpPr>
-        <p:cNvPr id="1" name=""/>
-        <p:cNvGrpSpPr/>
-        <p:nvPr/>
-      </p:nvGrpSpPr>
-      <p:grpSpPr>
-        <a:xfrm>
-          <a:off x="0" y="0"/>
-          <a:ext cx="0" cy="0"/>
-          <a:chOff x="0" y="0"/>
-          <a:chExt cx="0" cy="0"/>
-        </a:xfrm>
-      </p:grpSpPr>
-      <p:sp>
-        <p:nvSpPr>
-          <p:cNvPr id="2" name="Title 1"/>
-          <p:cNvSpPr>
-            <a:spLocks noGrp="1"/>
-          </p:cNvSpPr>
-          <p:nvPr>
-            <p:ph type="title"/>
-          </p:nvPr>
-        </p:nvSpPr>
-        <p:spPr/>
-        <p:txBody>
-          <a:bodyPr/>
-          <a:lstStyle/>
-          <a:p>
-            <a:r>
-              <a:rPr lang="en-US" dirty="0" smtClean="0"/>
-              <a:t>Clustering Lab</a:t>
-            </a:r>
-            <a:endParaRPr lang="en-US" dirty="0"/>
-          </a:p>
-        </p:txBody>
-      </p:sp>
-      <p:sp>
-        <p:nvSpPr>
-          <p:cNvPr id="3" name="Content Placeholder 2"/>
-          <p:cNvSpPr>
-            <a:spLocks noGrp="1"/>
-          </p:cNvSpPr>
-          <p:nvPr>
-            <p:ph idx="1"/>
-          </p:nvPr>
-        </p:nvSpPr>
-        <p:spPr/>
-        <p:txBody>
-          <a:bodyPr/>
-          <a:lstStyle/>
-          <a:p>
-            <a:r>
-              <a:rPr lang="en-US" dirty="0" err="1" smtClean="0"/>
-              <a:t>Mtcars</a:t>
-            </a:r>
-            <a:r>
-              <a:rPr lang="en-US" dirty="0" smtClean="0"/>
-              <a:t> dataset: data about car models.</a:t>
-            </a:r>
-          </a:p>
-          <a:p>
-            <a:r>
-              <a:rPr lang="en-US" dirty="0" smtClean="0"/>
-              <a:t>location   : </a:t>
-            </a:r>
-            <a:r>
-              <a:rPr lang="en-US" dirty="0" err="1" smtClean="0"/>
-              <a:t>mllib</a:t>
-            </a:r>
-            <a:r>
-              <a:rPr lang="en-US" dirty="0" smtClean="0"/>
-              <a:t>/</a:t>
-            </a:r>
-            <a:r>
-              <a:rPr lang="en-US" dirty="0" err="1" smtClean="0"/>
-              <a:t>kmeans</a:t>
-            </a:r>
-            <a:endParaRPr lang="en-US" dirty="0" smtClean="0"/>
-          </a:p>
-          <a:p>
-            <a:r>
-              <a:rPr lang="en-US" dirty="0" smtClean="0"/>
-              <a:t>Try out the solution line-by-line</a:t>
-            </a:r>
-          </a:p>
-        </p:txBody>
-      </p:sp>
-      <p:sp>
-        <p:nvSpPr>
-          <p:cNvPr id="4" name="Footer Placeholder 3"/>
-          <p:cNvSpPr>
-            <a:spLocks noGrp="1"/>
-          </p:cNvSpPr>
-          <p:nvPr>
-            <p:ph type="ftr" sz="quarter" idx="11"/>
-          </p:nvPr>
-        </p:nvSpPr>
-        <p:spPr/>
-        <p:txBody>
-          <a:bodyPr/>
-          <a:lstStyle/>
-          <a:p>
-            <a:r>
-              <a:rPr lang="en-US" smtClean="0"/>
-              <a:t>(c) ElephantScale.com 2014</a:t>
-            </a:r>
-            <a:endParaRPr lang="en-US"/>
-          </a:p>
-        </p:txBody>
-      </p:sp>
-      <p:sp>
-        <p:nvSpPr>
-          <p:cNvPr id="5" name="Slide Number Placeholder 4"/>
-          <p:cNvSpPr>
-            <a:spLocks noGrp="1"/>
-          </p:cNvSpPr>
-          <p:nvPr>
-            <p:ph type="sldNum" sz="quarter" idx="12"/>
-          </p:nvPr>
-        </p:nvSpPr>
-        <p:spPr/>
-        <p:txBody>
-          <a:bodyPr/>
-          <a:lstStyle/>
-          <a:p>
-            <a:fld id="{4AD8DDEF-9CD1-B641-ADE5-2BEE59567BE6}" type="slidenum">
-              <a:rPr lang="en-US" smtClean="0"/>
-              <a:pPr/>
-              <a:t>24</a:t>
-            </a:fld>
-            <a:endParaRPr lang="en-US"/>
-          </a:p>
-        </p:txBody>
-      </p:sp>
-    </p:spTree>
-    <p:extLst>
-      <p:ext uri="{BB962C8B-B14F-4D97-AF65-F5344CB8AC3E}">
-        <p14:creationId xmlns:p14="http://schemas.microsoft.com/office/powerpoint/2010/main" xmlns="" val="3599210062"/>
-      </p:ext>
-    </p:extLst>
-  </p:cSld>
-  <p:clrMapOvr>
-    <a:masterClrMapping/>
-  </p:clrMapOvr>
-  <p:timing>
-    <p:tnLst>
-      <p:par>
-        <p:cTn id="1" dur="indefinite" restart="never" nodeType="tmRoot"/>
-      </p:par>
-    </p:tnLst>
-  </p:timing>
-</p:sld>
-</file>
-
-<file path=ppt/slides/slide25.xml><?xml version="1.0" encoding="utf-8"?>
-<p:sld xmlns:a="http://schemas.openxmlformats.org/drawingml/2006/main" xmlns:r="http://schemas.openxmlformats.org/officeDocument/2006/relationships" xmlns:p="http://schemas.openxmlformats.org/presentationml/2006/main">
-  <p:cSld>
-    <p:spTree>
-      <p:nvGrpSpPr>
-        <p:cNvPr id="1" name=""/>
-        <p:cNvGrpSpPr/>
-        <p:nvPr/>
-      </p:nvGrpSpPr>
-      <p:grpSpPr>
-        <a:xfrm>
-          <a:off x="0" y="0"/>
-          <a:ext cx="0" cy="0"/>
-          <a:chOff x="0" y="0"/>
-          <a:chExt cx="0" cy="0"/>
-        </a:xfrm>
-      </p:grpSpPr>
-      <p:sp>
-        <p:nvSpPr>
-          <p:cNvPr id="2" name="Title 1"/>
-          <p:cNvSpPr>
-            <a:spLocks noGrp="1"/>
-          </p:cNvSpPr>
-          <p:nvPr>
-            <p:ph type="title"/>
-          </p:nvPr>
-        </p:nvSpPr>
-        <p:spPr/>
-        <p:txBody>
-          <a:bodyPr/>
-          <a:lstStyle/>
-          <a:p>
-            <a:r>
-              <a:rPr lang="en-US" dirty="0" smtClean="0"/>
-              <a:t>Streaming K-Means</a:t>
-            </a:r>
-            <a:endParaRPr lang="en-US" dirty="0"/>
-          </a:p>
-        </p:txBody>
-      </p:sp>
-      <p:sp>
-        <p:nvSpPr>
-          <p:cNvPr id="3" name="Content Placeholder 2"/>
-          <p:cNvSpPr>
-            <a:spLocks noGrp="1"/>
-          </p:cNvSpPr>
-          <p:nvPr>
-            <p:ph idx="1"/>
-          </p:nvPr>
-        </p:nvSpPr>
-        <p:spPr/>
-        <p:txBody>
-          <a:bodyPr/>
-          <a:lstStyle/>
-          <a:p>
-            <a:r>
-              <a:rPr lang="en-US" dirty="0" smtClean="0"/>
-              <a:t>How to use K-Means with Spark Streaming?</a:t>
-            </a:r>
-          </a:p>
-          <a:p>
-            <a:pPr lvl="1"/>
-            <a:r>
-              <a:rPr lang="en-US" dirty="0" smtClean="0"/>
-              <a:t>Ordinary K-means will cause </a:t>
-            </a:r>
-            <a:r>
-              <a:rPr lang="en-US" dirty="0" err="1" smtClean="0"/>
-              <a:t>centroids</a:t>
-            </a:r>
-            <a:r>
-              <a:rPr lang="en-US" dirty="0" smtClean="0"/>
-              <a:t> to converge.</a:t>
-            </a:r>
-          </a:p>
-          <a:p>
-            <a:pPr lvl="1"/>
-            <a:r>
-              <a:rPr lang="en-US" dirty="0" smtClean="0"/>
-              <a:t>New Data will not change </a:t>
-            </a:r>
-            <a:r>
-              <a:rPr lang="en-US" dirty="0" err="1" smtClean="0"/>
-              <a:t>centroids</a:t>
-            </a:r>
-            <a:r>
-              <a:rPr lang="en-US" dirty="0" smtClean="0"/>
-              <a:t> much.</a:t>
-            </a:r>
-          </a:p>
-          <a:p>
-            <a:r>
-              <a:rPr lang="en-US" dirty="0" smtClean="0"/>
-              <a:t>We really want to take advantage of incoming data</a:t>
-            </a:r>
-          </a:p>
-          <a:p>
-            <a:pPr lvl="1"/>
-            <a:r>
-              <a:rPr lang="en-US" dirty="0" smtClean="0"/>
-              <a:t>Make algorithm “forgetful” of older data.</a:t>
-            </a:r>
-          </a:p>
-          <a:p>
-            <a:pPr lvl="1"/>
-            <a:r>
-              <a:rPr lang="en-US" dirty="0" smtClean="0"/>
-              <a:t>New Parameter: </a:t>
-            </a:r>
-            <a:r>
-              <a:rPr lang="en-US" dirty="0" err="1" smtClean="0"/>
-              <a:t>DecayFactor</a:t>
-            </a:r>
-            <a:r>
-              <a:rPr lang="en-US" dirty="0" smtClean="0"/>
-              <a:t> (how quickly to “forget”)</a:t>
-            </a:r>
-          </a:p>
-          <a:p>
-            <a:pPr lvl="1"/>
-            <a:r>
-              <a:rPr lang="en-US" dirty="0" smtClean="0"/>
-              <a:t>New Parameter: </a:t>
-            </a:r>
-            <a:r>
-              <a:rPr lang="en-US" dirty="0" err="1" smtClean="0"/>
-              <a:t>NumDimensions</a:t>
-            </a:r>
-            <a:r>
-              <a:rPr lang="en-US" dirty="0" smtClean="0"/>
-              <a:t> (must specify number of dimensions in advance – haven’t seen data yet).</a:t>
-            </a:r>
-          </a:p>
-        </p:txBody>
-      </p:sp>
-      <p:sp>
-        <p:nvSpPr>
-          <p:cNvPr id="4" name="Footer Placeholder 3"/>
-          <p:cNvSpPr>
-            <a:spLocks noGrp="1"/>
-          </p:cNvSpPr>
-          <p:nvPr>
-            <p:ph type="ftr" sz="quarter" idx="11"/>
-          </p:nvPr>
-        </p:nvSpPr>
-        <p:spPr/>
-        <p:txBody>
-          <a:bodyPr/>
-          <a:lstStyle/>
-          <a:p>
-            <a:r>
-              <a:rPr lang="en-US" smtClean="0"/>
-              <a:t>© Elephant Scale, 2014</a:t>
-            </a:r>
-            <a:endParaRPr lang="en-US" dirty="0"/>
-          </a:p>
-        </p:txBody>
-      </p:sp>
-    </p:spTree>
-  </p:cSld>
-  <p:clrMapOvr>
-    <a:masterClrMapping/>
-  </p:clrMapOvr>
-</p:sld>
-</file>
-
-<file path=ppt/slides/slide26.xml><?xml version="1.0" encoding="utf-8"?>
-<p:sld xmlns:a="http://schemas.openxmlformats.org/drawingml/2006/main" xmlns:r="http://schemas.openxmlformats.org/officeDocument/2006/relationships" xmlns:p="http://schemas.openxmlformats.org/presentationml/2006/main">
-  <p:cSld>
-    <p:spTree>
-      <p:nvGrpSpPr>
-        <p:cNvPr id="1" name=""/>
-        <p:cNvGrpSpPr/>
-        <p:nvPr/>
-      </p:nvGrpSpPr>
-      <p:grpSpPr>
-        <a:xfrm>
-          <a:off x="0" y="0"/>
-          <a:ext cx="0" cy="0"/>
-          <a:chOff x="0" y="0"/>
-          <a:chExt cx="0" cy="0"/>
-        </a:xfrm>
-      </p:grpSpPr>
-      <p:sp>
-        <p:nvSpPr>
-          <p:cNvPr id="2" name="Title 1"/>
-          <p:cNvSpPr>
-            <a:spLocks noGrp="1"/>
-          </p:cNvSpPr>
-          <p:nvPr>
-            <p:ph type="title"/>
-          </p:nvPr>
-        </p:nvSpPr>
-        <p:spPr/>
-        <p:txBody>
-          <a:bodyPr/>
-          <a:lstStyle/>
-          <a:p>
-            <a:r>
-              <a:rPr lang="en-US" dirty="0" smtClean="0"/>
-              <a:t>Streaming </a:t>
-            </a:r>
-            <a:r>
-              <a:rPr lang="en-US" dirty="0" err="1" smtClean="0"/>
-              <a:t>Kmeans</a:t>
-            </a:r>
-            <a:r>
-              <a:rPr lang="en-US" dirty="0" smtClean="0"/>
-              <a:t> in </a:t>
-            </a:r>
-            <a:r>
-              <a:rPr lang="en-US" dirty="0" err="1" smtClean="0"/>
-              <a:t>MLlib</a:t>
-            </a:r>
-            <a:endParaRPr lang="en-US" dirty="0"/>
-          </a:p>
-        </p:txBody>
-      </p:sp>
-      <p:sp>
-        <p:nvSpPr>
-          <p:cNvPr id="3" name="Content Placeholder 2"/>
-          <p:cNvSpPr>
-            <a:spLocks noGrp="1"/>
-          </p:cNvSpPr>
-          <p:nvPr>
-            <p:ph idx="1"/>
-          </p:nvPr>
-        </p:nvSpPr>
-        <p:spPr/>
-        <p:txBody>
-          <a:bodyPr>
-            <a:normAutofit fontScale="77500" lnSpcReduction="20000"/>
-          </a:bodyPr>
-          <a:lstStyle/>
-          <a:p>
-            <a:r>
-              <a:rPr lang="en-US" dirty="0" err="1" smtClean="0"/>
-              <a:t>Scala</a:t>
-            </a:r>
-            <a:r>
-              <a:rPr lang="en-US" dirty="0" smtClean="0"/>
-              <a:t> code for </a:t>
-            </a:r>
-            <a:r>
-              <a:rPr lang="en-US" dirty="0" err="1" smtClean="0"/>
-              <a:t>StreamingKMeans</a:t>
-            </a:r>
-            <a:r>
-              <a:rPr lang="en-US" dirty="0" smtClean="0"/>
-              <a:t>:</a:t>
-            </a:r>
-          </a:p>
-          <a:p>
-            <a:pPr>
-              <a:buNone/>
-            </a:pPr>
-            <a:r>
-              <a:rPr lang="en-US" dirty="0" err="1" smtClean="0">
-                <a:latin typeface="Courier New" pitchFamily="49" charset="0"/>
-                <a:cs typeface="Courier New" pitchFamily="49" charset="0"/>
-              </a:rPr>
-              <a:t>val</a:t>
-            </a:r>
-            <a:r>
-              <a:rPr lang="en-US" dirty="0" smtClean="0">
-                <a:latin typeface="Courier New" pitchFamily="49" charset="0"/>
-                <a:cs typeface="Courier New" pitchFamily="49" charset="0"/>
-              </a:rPr>
-              <a:t> model = new </a:t>
-            </a:r>
-            <a:r>
-              <a:rPr lang="en-US" dirty="0" err="1" smtClean="0">
-                <a:latin typeface="Courier New" pitchFamily="49" charset="0"/>
-                <a:cs typeface="Courier New" pitchFamily="49" charset="0"/>
-              </a:rPr>
-              <a:t>StreamingKMeans</a:t>
-            </a:r>
-            <a:r>
-              <a:rPr lang="en-US" dirty="0" smtClean="0">
-                <a:latin typeface="Courier New" pitchFamily="49" charset="0"/>
-                <a:cs typeface="Courier New" pitchFamily="49" charset="0"/>
-              </a:rPr>
-              <a:t>()</a:t>
-            </a:r>
-          </a:p>
-          <a:p>
-            <a:pPr>
-              <a:buNone/>
-            </a:pPr>
-            <a:r>
-              <a:rPr lang="en-US" dirty="0" smtClean="0">
-                <a:latin typeface="Courier New" pitchFamily="49" charset="0"/>
-                <a:cs typeface="Courier New" pitchFamily="49" charset="0"/>
-              </a:rPr>
-              <a:t>  .</a:t>
-            </a:r>
-            <a:r>
-              <a:rPr lang="en-US" dirty="0" err="1" smtClean="0">
-                <a:latin typeface="Courier New" pitchFamily="49" charset="0"/>
-                <a:cs typeface="Courier New" pitchFamily="49" charset="0"/>
-              </a:rPr>
-              <a:t>setK</a:t>
-            </a:r>
-            <a:r>
-              <a:rPr lang="en-US" dirty="0" smtClean="0">
-                <a:latin typeface="Courier New" pitchFamily="49" charset="0"/>
-                <a:cs typeface="Courier New" pitchFamily="49" charset="0"/>
-              </a:rPr>
-              <a:t>(</a:t>
-            </a:r>
-            <a:r>
-              <a:rPr lang="en-US" dirty="0" err="1" smtClean="0">
-                <a:latin typeface="Courier New" pitchFamily="49" charset="0"/>
-                <a:cs typeface="Courier New" pitchFamily="49" charset="0"/>
-              </a:rPr>
-              <a:t>numClusters</a:t>
-            </a:r>
-            <a:r>
-              <a:rPr lang="en-US" dirty="0" smtClean="0">
-                <a:latin typeface="Courier New" pitchFamily="49" charset="0"/>
-                <a:cs typeface="Courier New" pitchFamily="49" charset="0"/>
-              </a:rPr>
-              <a:t>)</a:t>
-            </a:r>
-          </a:p>
-          <a:p>
-            <a:pPr>
-              <a:buNone/>
-            </a:pPr>
-            <a:r>
-              <a:rPr lang="en-US" dirty="0" smtClean="0">
-                <a:latin typeface="Courier New" pitchFamily="49" charset="0"/>
-                <a:cs typeface="Courier New" pitchFamily="49" charset="0"/>
-              </a:rPr>
-              <a:t>  .</a:t>
-            </a:r>
-            <a:r>
-              <a:rPr lang="en-US" dirty="0" err="1" smtClean="0">
-                <a:latin typeface="Courier New" pitchFamily="49" charset="0"/>
-                <a:cs typeface="Courier New" pitchFamily="49" charset="0"/>
-              </a:rPr>
-              <a:t>setDecayFactor</a:t>
-            </a:r>
-            <a:r>
-              <a:rPr lang="en-US" dirty="0" smtClean="0">
-                <a:latin typeface="Courier New" pitchFamily="49" charset="0"/>
-                <a:cs typeface="Courier New" pitchFamily="49" charset="0"/>
-              </a:rPr>
-              <a:t>(1.0)</a:t>
-            </a:r>
-          </a:p>
-          <a:p>
-            <a:pPr>
-              <a:buNone/>
-            </a:pPr>
-            <a:r>
-              <a:rPr lang="en-US" dirty="0" smtClean="0">
-                <a:latin typeface="Courier New" pitchFamily="49" charset="0"/>
-                <a:cs typeface="Courier New" pitchFamily="49" charset="0"/>
-              </a:rPr>
-              <a:t>  .</a:t>
-            </a:r>
-            <a:r>
-              <a:rPr lang="en-US" dirty="0" err="1" smtClean="0">
-                <a:latin typeface="Courier New" pitchFamily="49" charset="0"/>
-                <a:cs typeface="Courier New" pitchFamily="49" charset="0"/>
-              </a:rPr>
-              <a:t>setRandomCenters</a:t>
-            </a:r>
-            <a:r>
-              <a:rPr lang="en-US" dirty="0" smtClean="0">
-                <a:latin typeface="Courier New" pitchFamily="49" charset="0"/>
-                <a:cs typeface="Courier New" pitchFamily="49" charset="0"/>
-              </a:rPr>
-              <a:t>(</a:t>
-            </a:r>
-            <a:r>
-              <a:rPr lang="en-US" dirty="0" err="1" smtClean="0">
-                <a:latin typeface="Courier New" pitchFamily="49" charset="0"/>
-                <a:cs typeface="Courier New" pitchFamily="49" charset="0"/>
-              </a:rPr>
-              <a:t>numDimensions</a:t>
-            </a:r>
-            <a:r>
-              <a:rPr lang="en-US" dirty="0" smtClean="0">
-                <a:latin typeface="Courier New" pitchFamily="49" charset="0"/>
-                <a:cs typeface="Courier New" pitchFamily="49" charset="0"/>
-              </a:rPr>
-              <a:t>, 0.0</a:t>
-            </a:r>
-            <a:r>
-              <a:rPr lang="en-US" dirty="0" smtClean="0">
-                <a:latin typeface="Courier New" pitchFamily="49" charset="0"/>
-                <a:cs typeface="Courier New" pitchFamily="49" charset="0"/>
-              </a:rPr>
-              <a:t>)</a:t>
-            </a:r>
-          </a:p>
-          <a:p>
-            <a:pPr>
-              <a:buNone/>
-            </a:pPr>
-            <a:r>
-              <a:rPr lang="en-US" dirty="0" err="1" smtClean="0">
-                <a:latin typeface="Courier New" pitchFamily="49" charset="0"/>
-                <a:cs typeface="Courier New" pitchFamily="49" charset="0"/>
-              </a:rPr>
-              <a:t>model.trainOn</a:t>
-            </a:r>
-            <a:r>
-              <a:rPr lang="en-US" dirty="0" smtClean="0">
-                <a:latin typeface="Courier New" pitchFamily="49" charset="0"/>
-                <a:cs typeface="Courier New" pitchFamily="49" charset="0"/>
-              </a:rPr>
-              <a:t>(</a:t>
-            </a:r>
-            <a:r>
-              <a:rPr lang="en-US" dirty="0" err="1" smtClean="0">
-                <a:latin typeface="Courier New" pitchFamily="49" charset="0"/>
-                <a:cs typeface="Courier New" pitchFamily="49" charset="0"/>
-              </a:rPr>
-              <a:t>trainingData</a:t>
-            </a:r>
-            <a:r>
-              <a:rPr lang="en-US" dirty="0" smtClean="0">
-                <a:latin typeface="Courier New" pitchFamily="49" charset="0"/>
-                <a:cs typeface="Courier New" pitchFamily="49" charset="0"/>
-              </a:rPr>
-              <a:t>)</a:t>
-            </a:r>
-          </a:p>
-          <a:p>
-            <a:pPr>
-              <a:buNone/>
-            </a:pPr>
-            <a:r>
-              <a:rPr lang="en-US" dirty="0" err="1" smtClean="0">
-                <a:latin typeface="Courier New" pitchFamily="49" charset="0"/>
-                <a:cs typeface="Courier New" pitchFamily="49" charset="0"/>
-              </a:rPr>
-              <a:t>model.predictOnValues</a:t>
-            </a:r>
-            <a:r>
-              <a:rPr lang="en-US" dirty="0" smtClean="0">
-                <a:latin typeface="Courier New" pitchFamily="49" charset="0"/>
-                <a:cs typeface="Courier New" pitchFamily="49" charset="0"/>
-              </a:rPr>
-              <a:t>(testData.map(</a:t>
-            </a:r>
-            <a:r>
-              <a:rPr lang="en-US" dirty="0" err="1" smtClean="0">
-                <a:latin typeface="Courier New" pitchFamily="49" charset="0"/>
-                <a:cs typeface="Courier New" pitchFamily="49" charset="0"/>
-              </a:rPr>
-              <a:t>lp</a:t>
-            </a:r>
-            <a:r>
-              <a:rPr lang="en-US" dirty="0" smtClean="0">
-                <a:latin typeface="Courier New" pitchFamily="49" charset="0"/>
-                <a:cs typeface="Courier New" pitchFamily="49" charset="0"/>
-              </a:rPr>
-              <a:t> =&gt; (</a:t>
-            </a:r>
-            <a:r>
-              <a:rPr lang="en-US" dirty="0" err="1" smtClean="0">
-                <a:latin typeface="Courier New" pitchFamily="49" charset="0"/>
-                <a:cs typeface="Courier New" pitchFamily="49" charset="0"/>
-              </a:rPr>
-              <a:t>lp.label</a:t>
-            </a:r>
-            <a:r>
-              <a:rPr lang="en-US" dirty="0" smtClean="0">
-                <a:latin typeface="Courier New" pitchFamily="49" charset="0"/>
-                <a:cs typeface="Courier New" pitchFamily="49" charset="0"/>
-              </a:rPr>
-              <a:t>, </a:t>
-            </a:r>
-            <a:r>
-              <a:rPr lang="en-US" dirty="0" err="1" smtClean="0">
-                <a:latin typeface="Courier New" pitchFamily="49" charset="0"/>
-                <a:cs typeface="Courier New" pitchFamily="49" charset="0"/>
-              </a:rPr>
-              <a:t>lp.features</a:t>
-            </a:r>
-            <a:r>
-              <a:rPr lang="en-US" dirty="0" smtClean="0">
-                <a:latin typeface="Courier New" pitchFamily="49" charset="0"/>
-                <a:cs typeface="Courier New" pitchFamily="49" charset="0"/>
-              </a:rPr>
-              <a:t>))).print</a:t>
-            </a:r>
-            <a:r>
-              <a:rPr lang="en-US" dirty="0" smtClean="0">
-                <a:latin typeface="Courier New" pitchFamily="49" charset="0"/>
-                <a:cs typeface="Courier New" pitchFamily="49" charset="0"/>
-              </a:rPr>
-              <a:t>()</a:t>
-            </a:r>
-            <a:endParaRPr lang="en-US" dirty="0" smtClean="0">
-              <a:latin typeface="Courier New" pitchFamily="49" charset="0"/>
-              <a:cs typeface="Courier New" pitchFamily="49" charset="0"/>
-            </a:endParaRPr>
-          </a:p>
-          <a:p>
-            <a:pPr>
-              <a:buNone/>
-            </a:pPr>
-            <a:r>
-              <a:rPr lang="en-US" dirty="0" err="1" smtClean="0">
-                <a:latin typeface="Courier New" pitchFamily="49" charset="0"/>
-                <a:cs typeface="Courier New" pitchFamily="49" charset="0"/>
-              </a:rPr>
-              <a:t>ssc.start</a:t>
-            </a:r>
-            <a:r>
-              <a:rPr lang="en-US" dirty="0" smtClean="0">
-                <a:latin typeface="Courier New" pitchFamily="49" charset="0"/>
-                <a:cs typeface="Courier New" pitchFamily="49" charset="0"/>
-              </a:rPr>
-              <a:t>()</a:t>
-            </a:r>
-          </a:p>
-          <a:p>
-            <a:pPr>
-              <a:buNone/>
-            </a:pPr>
-            <a:r>
-              <a:rPr lang="en-US" dirty="0" err="1" smtClean="0">
-                <a:latin typeface="Courier New" pitchFamily="49" charset="0"/>
-                <a:cs typeface="Courier New" pitchFamily="49" charset="0"/>
-              </a:rPr>
-              <a:t>ssc.awaitTermination</a:t>
-            </a:r>
-            <a:r>
-              <a:rPr lang="en-US" dirty="0" smtClean="0">
-                <a:latin typeface="Courier New" pitchFamily="49" charset="0"/>
-                <a:cs typeface="Courier New" pitchFamily="49" charset="0"/>
-              </a:rPr>
-              <a:t>()</a:t>
-            </a:r>
-            <a:endParaRPr lang="en-US" dirty="0">
-              <a:latin typeface="Courier New" pitchFamily="49" charset="0"/>
-              <a:cs typeface="Courier New" pitchFamily="49" charset="0"/>
-            </a:endParaRPr>
-          </a:p>
-        </p:txBody>
-      </p:sp>
-      <p:sp>
-        <p:nvSpPr>
-          <p:cNvPr id="4" name="Footer Placeholder 3"/>
-          <p:cNvSpPr>
-            <a:spLocks noGrp="1"/>
-          </p:cNvSpPr>
-          <p:nvPr>
-            <p:ph type="ftr" sz="quarter" idx="11"/>
-          </p:nvPr>
-        </p:nvSpPr>
-        <p:spPr/>
-        <p:txBody>
-          <a:bodyPr/>
-          <a:lstStyle/>
-          <a:p>
-            <a:r>
-              <a:rPr lang="en-US" smtClean="0"/>
-              <a:t>© Elephant Scale, 2014</a:t>
-            </a:r>
-            <a:endParaRPr lang="en-US" dirty="0"/>
-          </a:p>
-        </p:txBody>
-      </p:sp>
-    </p:spTree>
-  </p:cSld>
-  <p:clrMapOvr>
-    <a:masterClrMapping/>
-  </p:clrMapOvr>
-</p:sld>
-</file>
-
-<file path=ppt/slides/slide27.xml><?xml version="1.0" encoding="utf-8"?>
-<p:sld xmlns:a="http://schemas.openxmlformats.org/drawingml/2006/main" xmlns:r="http://schemas.openxmlformats.org/officeDocument/2006/relationships" xmlns:p="http://schemas.openxmlformats.org/presentationml/2006/main">
-  <p:cSld>
-    <p:spTree>
-      <p:nvGrpSpPr>
-        <p:cNvPr id="1" name=""/>
-        <p:cNvGrpSpPr/>
-        <p:nvPr/>
-      </p:nvGrpSpPr>
-      <p:grpSpPr>
-        <a:xfrm>
-          <a:off x="0" y="0"/>
-          <a:ext cx="0" cy="0"/>
-          <a:chOff x="0" y="0"/>
-          <a:chExt cx="0" cy="0"/>
-        </a:xfrm>
-      </p:grpSpPr>
-      <p:sp>
-        <p:nvSpPr>
-          <p:cNvPr id="2" name="Title 1"/>
-          <p:cNvSpPr>
-            <a:spLocks noGrp="1"/>
-          </p:cNvSpPr>
-          <p:nvPr>
-            <p:ph type="title"/>
-          </p:nvPr>
-        </p:nvSpPr>
-        <p:spPr/>
-        <p:txBody>
-          <a:bodyPr/>
-          <a:lstStyle/>
-          <a:p>
-            <a:r>
-              <a:rPr lang="en-US" dirty="0" smtClean="0"/>
-              <a:t>Topic Discovery (Latent </a:t>
-            </a:r>
-            <a:r>
-              <a:rPr lang="en-US" dirty="0" err="1" smtClean="0"/>
-              <a:t>Dirichlet</a:t>
-            </a:r>
-            <a:r>
-              <a:rPr lang="en-US" dirty="0" smtClean="0"/>
-              <a:t> Allocation)</a:t>
-            </a:r>
-            <a:endParaRPr lang="en-US" dirty="0"/>
-          </a:p>
-        </p:txBody>
-      </p:sp>
-      <p:sp>
-        <p:nvSpPr>
-          <p:cNvPr id="3" name="Content Placeholder 2"/>
-          <p:cNvSpPr>
-            <a:spLocks noGrp="1"/>
-          </p:cNvSpPr>
-          <p:nvPr>
-            <p:ph idx="1"/>
-          </p:nvPr>
-        </p:nvSpPr>
-        <p:spPr/>
-        <p:txBody>
-          <a:bodyPr/>
-          <a:lstStyle/>
-          <a:p>
-            <a:r>
-              <a:rPr lang="en-US" dirty="0" smtClean="0"/>
-              <a:t>Topic Discovery = finding topics based on Document terms.</a:t>
-            </a:r>
-          </a:p>
-          <a:p>
-            <a:r>
-              <a:rPr lang="en-US" dirty="0" smtClean="0"/>
-              <a:t>Example: Twitter</a:t>
-            </a:r>
-          </a:p>
-          <a:p>
-            <a:pPr lvl="1"/>
-            <a:r>
-              <a:rPr lang="en-US" dirty="0" smtClean="0"/>
-              <a:t>What are the topics of a group of tweets</a:t>
-            </a:r>
-          </a:p>
-          <a:p>
-            <a:r>
-              <a:rPr lang="en-US" dirty="0" smtClean="0"/>
-              <a:t>This is a type of clustering.</a:t>
-            </a:r>
-          </a:p>
-          <a:p>
-            <a:r>
-              <a:rPr lang="en-US" dirty="0" smtClean="0"/>
-              <a:t>Each topic identified by top-N terms</a:t>
-            </a:r>
-          </a:p>
-          <a:p>
-            <a:r>
-              <a:rPr lang="en-US" dirty="0" smtClean="0"/>
-              <a:t>To prepare, first </a:t>
-            </a:r>
-            <a:r>
-              <a:rPr lang="en-US" dirty="0" err="1" smtClean="0"/>
-              <a:t>vectorize</a:t>
-            </a:r>
-            <a:r>
-              <a:rPr lang="en-US" dirty="0" smtClean="0"/>
-              <a:t> text using TF. </a:t>
-            </a:r>
-            <a:r>
-              <a:rPr lang="en-US" smtClean="0"/>
-              <a:t>(not TF/IDF).</a:t>
-            </a:r>
-            <a:endParaRPr lang="en-US" dirty="0"/>
-          </a:p>
-        </p:txBody>
-      </p:sp>
-      <p:sp>
-        <p:nvSpPr>
-          <p:cNvPr id="4" name="Footer Placeholder 3"/>
-          <p:cNvSpPr>
-            <a:spLocks noGrp="1"/>
-          </p:cNvSpPr>
-          <p:nvPr>
-            <p:ph type="ftr" sz="quarter" idx="11"/>
-          </p:nvPr>
-        </p:nvSpPr>
-        <p:spPr/>
-        <p:txBody>
-          <a:bodyPr/>
-          <a:lstStyle/>
-          <a:p>
-            <a:r>
-              <a:rPr lang="en-US" smtClean="0"/>
-              <a:t>© Elephant Scale, 2014</a:t>
-            </a:r>
-            <a:endParaRPr lang="en-US" dirty="0"/>
-          </a:p>
-        </p:txBody>
-      </p:sp>
-    </p:spTree>
-  </p:cSld>
-  <p:clrMapOvr>
-    <a:masterClrMapping/>
-  </p:clrMapOvr>
-</p:sld>
-</file>
-
 <file path=ppt/slides/slide28.xml><?xml version="1.0" encoding="utf-8"?>
 <p:sld xmlns:a="http://schemas.openxmlformats.org/drawingml/2006/main" xmlns:r="http://schemas.openxmlformats.org/officeDocument/2006/relationships" xmlns:p="http://schemas.openxmlformats.org/presentationml/2006/main">
   <p:cSld>
@@ -14043,7 +13769,7 @@
           <a:p>
             <a:r>
               <a:rPr lang="en-US" dirty="0" smtClean="0"/>
-              <a:t>Next : Recommendations</a:t>
+              <a:t>Clustering Lab</a:t>
             </a:r>
             <a:endParaRPr lang="en-US" dirty="0"/>
           </a:p>
@@ -14064,7 +13790,39 @@
           <a:bodyPr/>
           <a:lstStyle/>
           <a:p>
-            <a:endParaRPr lang="en-US"/>
+            <a:r>
+              <a:rPr lang="en-US" dirty="0" err="1" smtClean="0"/>
+              <a:t>Mtcars</a:t>
+            </a:r>
+            <a:r>
+              <a:rPr lang="en-US" dirty="0" smtClean="0"/>
+              <a:t> dataset: data about car models.</a:t>
+            </a:r>
+          </a:p>
+          <a:p>
+            <a:r>
+              <a:rPr lang="en-US" dirty="0" smtClean="0"/>
+              <a:t>location   : </a:t>
+            </a:r>
+            <a:r>
+              <a:rPr lang="en-US" dirty="0" err="1" smtClean="0"/>
+              <a:t>mllib</a:t>
+            </a:r>
+            <a:r>
+              <a:rPr lang="en-US" dirty="0" smtClean="0"/>
+              <a:t>/</a:t>
+            </a:r>
+            <a:r>
+              <a:rPr lang="en-US" dirty="0" err="1" smtClean="0"/>
+              <a:t>kmeans</a:t>
+            </a:r>
+            <a:endParaRPr lang="en-US" dirty="0" smtClean="0"/>
+          </a:p>
+          <a:p>
+            <a:r>
+              <a:rPr lang="en-US" dirty="0" smtClean="0"/>
+              <a:t>Try out the solution line-by-line</a:t>
+            </a:r>
           </a:p>
         </p:txBody>
       </p:sp>
@@ -14118,7 +13876,7 @@
     </p:spTree>
     <p:extLst>
       <p:ext uri="{BB962C8B-B14F-4D97-AF65-F5344CB8AC3E}">
-        <p14:creationId xmlns:p14="http://schemas.microsoft.com/office/powerpoint/2010/main" xmlns="" val="1934961268"/>
+        <p14:creationId xmlns:p14="http://schemas.microsoft.com/office/powerpoint/2010/main" xmlns="" val="3599210062"/>
       </p:ext>
     </p:extLst>
   </p:cSld>
@@ -14169,6 +13927,1052 @@
           <a:p>
             <a:r>
               <a:rPr lang="en-US" dirty="0" smtClean="0"/>
+              <a:t>Streaming K-Means</a:t>
+            </a:r>
+            <a:endParaRPr lang="en-US" dirty="0"/>
+          </a:p>
+        </p:txBody>
+      </p:sp>
+      <p:sp>
+        <p:nvSpPr>
+          <p:cNvPr id="3" name="Content Placeholder 2"/>
+          <p:cNvSpPr>
+            <a:spLocks noGrp="1"/>
+          </p:cNvSpPr>
+          <p:nvPr>
+            <p:ph idx="1"/>
+          </p:nvPr>
+        </p:nvSpPr>
+        <p:spPr/>
+        <p:txBody>
+          <a:bodyPr/>
+          <a:lstStyle/>
+          <a:p>
+            <a:r>
+              <a:rPr lang="en-US" dirty="0" smtClean="0"/>
+              <a:t>How to use K-Means with Spark Streaming?</a:t>
+            </a:r>
+          </a:p>
+          <a:p>
+            <a:pPr lvl="1"/>
+            <a:r>
+              <a:rPr lang="en-US" dirty="0" smtClean="0"/>
+              <a:t>Ordinary K-means will cause </a:t>
+            </a:r>
+            <a:r>
+              <a:rPr lang="en-US" dirty="0" err="1" smtClean="0"/>
+              <a:t>centroids</a:t>
+            </a:r>
+            <a:r>
+              <a:rPr lang="en-US" dirty="0" smtClean="0"/>
+              <a:t> to converge.</a:t>
+            </a:r>
+          </a:p>
+          <a:p>
+            <a:pPr lvl="1"/>
+            <a:r>
+              <a:rPr lang="en-US" dirty="0" smtClean="0"/>
+              <a:t>New Data will not change </a:t>
+            </a:r>
+            <a:r>
+              <a:rPr lang="en-US" dirty="0" err="1" smtClean="0"/>
+              <a:t>centroids</a:t>
+            </a:r>
+            <a:r>
+              <a:rPr lang="en-US" dirty="0" smtClean="0"/>
+              <a:t> much.</a:t>
+            </a:r>
+          </a:p>
+          <a:p>
+            <a:r>
+              <a:rPr lang="en-US" dirty="0" smtClean="0"/>
+              <a:t>We really want to take advantage of incoming data</a:t>
+            </a:r>
+          </a:p>
+          <a:p>
+            <a:pPr lvl="1"/>
+            <a:r>
+              <a:rPr lang="en-US" dirty="0" smtClean="0"/>
+              <a:t>Make algorithm “forgetful” of older data.</a:t>
+            </a:r>
+          </a:p>
+          <a:p>
+            <a:pPr lvl="1"/>
+            <a:r>
+              <a:rPr lang="en-US" dirty="0" smtClean="0"/>
+              <a:t>New Parameter: </a:t>
+            </a:r>
+            <a:r>
+              <a:rPr lang="en-US" dirty="0" err="1" smtClean="0"/>
+              <a:t>DecayFactor</a:t>
+            </a:r>
+            <a:r>
+              <a:rPr lang="en-US" dirty="0" smtClean="0"/>
+              <a:t> (how quickly to “forget”)</a:t>
+            </a:r>
+          </a:p>
+          <a:p>
+            <a:pPr lvl="1"/>
+            <a:r>
+              <a:rPr lang="en-US" dirty="0" smtClean="0"/>
+              <a:t>New Parameter: </a:t>
+            </a:r>
+            <a:r>
+              <a:rPr lang="en-US" dirty="0" err="1" smtClean="0"/>
+              <a:t>NumDimensions</a:t>
+            </a:r>
+            <a:r>
+              <a:rPr lang="en-US" dirty="0" smtClean="0"/>
+              <a:t> (must specify number of dimensions in advance – haven’t seen data yet).</a:t>
+            </a:r>
+          </a:p>
+        </p:txBody>
+      </p:sp>
+      <p:sp>
+        <p:nvSpPr>
+          <p:cNvPr id="4" name="Footer Placeholder 3"/>
+          <p:cNvSpPr>
+            <a:spLocks noGrp="1"/>
+          </p:cNvSpPr>
+          <p:nvPr>
+            <p:ph type="ftr" sz="quarter" idx="11"/>
+          </p:nvPr>
+        </p:nvSpPr>
+        <p:spPr/>
+        <p:txBody>
+          <a:bodyPr/>
+          <a:lstStyle/>
+          <a:p>
+            <a:r>
+              <a:rPr lang="en-US" smtClean="0"/>
+              <a:t>© Elephant Scale, 2014</a:t>
+            </a:r>
+            <a:endParaRPr lang="en-US" dirty="0"/>
+          </a:p>
+        </p:txBody>
+      </p:sp>
+    </p:spTree>
+  </p:cSld>
+  <p:clrMapOvr>
+    <a:masterClrMapping/>
+  </p:clrMapOvr>
+</p:sld>
+</file>
+
+<file path=ppt/slides/slide3.xml><?xml version="1.0" encoding="utf-8"?>
+<p:sld xmlns:a="http://schemas.openxmlformats.org/drawingml/2006/main" xmlns:r="http://schemas.openxmlformats.org/officeDocument/2006/relationships" xmlns:p="http://schemas.openxmlformats.org/presentationml/2006/main">
+  <p:cSld>
+    <p:spTree>
+      <p:nvGrpSpPr>
+        <p:cNvPr id="1" name=""/>
+        <p:cNvGrpSpPr/>
+        <p:nvPr/>
+      </p:nvGrpSpPr>
+      <p:grpSpPr>
+        <a:xfrm>
+          <a:off x="0" y="0"/>
+          <a:ext cx="0" cy="0"/>
+          <a:chOff x="0" y="0"/>
+          <a:chExt cx="0" cy="0"/>
+        </a:xfrm>
+      </p:grpSpPr>
+      <p:sp>
+        <p:nvSpPr>
+          <p:cNvPr id="2" name="Title 1"/>
+          <p:cNvSpPr>
+            <a:spLocks noGrp="1"/>
+          </p:cNvSpPr>
+          <p:nvPr>
+            <p:ph type="title"/>
+          </p:nvPr>
+        </p:nvSpPr>
+        <p:spPr/>
+        <p:txBody>
+          <a:bodyPr/>
+          <a:lstStyle/>
+          <a:p>
+            <a:r>
+              <a:rPr lang="en-US" dirty="0" smtClean="0"/>
+              <a:t>Machine Learning (ML Lib)</a:t>
+            </a:r>
+            <a:endParaRPr lang="en-US" dirty="0"/>
+          </a:p>
+        </p:txBody>
+      </p:sp>
+      <p:sp>
+        <p:nvSpPr>
+          <p:cNvPr id="3" name="Content Placeholder 2"/>
+          <p:cNvSpPr>
+            <a:spLocks noGrp="1"/>
+          </p:cNvSpPr>
+          <p:nvPr>
+            <p:ph idx="1"/>
+          </p:nvPr>
+        </p:nvSpPr>
+        <p:spPr/>
+        <p:txBody>
+          <a:bodyPr>
+            <a:normAutofit lnSpcReduction="10000"/>
+          </a:bodyPr>
+          <a:lstStyle/>
+          <a:p>
+            <a:pPr>
+              <a:defRPr/>
+            </a:pPr>
+            <a:r>
+              <a:rPr lang="en-US" dirty="0"/>
+              <a:t>Machine learning </a:t>
+            </a:r>
+            <a:r>
+              <a:rPr lang="en-US" dirty="0">
+                <a:solidFill>
+                  <a:srgbClr val="3366FF"/>
+                </a:solidFill>
+              </a:rPr>
+              <a:t>at </a:t>
+            </a:r>
+            <a:r>
+              <a:rPr lang="en-US" dirty="0" smtClean="0">
+                <a:solidFill>
+                  <a:srgbClr val="3366FF"/>
+                </a:solidFill>
+              </a:rPr>
+              <a:t>scale</a:t>
+            </a:r>
+          </a:p>
+          <a:p>
+            <a:pPr>
+              <a:defRPr/>
+            </a:pPr>
+            <a:r>
+              <a:rPr lang="en-US" smtClean="0"/>
+              <a:t>Out </a:t>
+            </a:r>
+            <a:r>
+              <a:rPr lang="en-US" dirty="0"/>
+              <a:t>of the box ML capabilities ! </a:t>
+            </a:r>
+          </a:p>
+          <a:p>
+            <a:pPr>
+              <a:defRPr/>
+            </a:pPr>
+            <a:r>
+              <a:rPr lang="en-US" dirty="0"/>
+              <a:t>Java / </a:t>
+            </a:r>
+            <a:r>
+              <a:rPr lang="en-US" dirty="0" err="1"/>
+              <a:t>Scala</a:t>
+            </a:r>
+            <a:r>
+              <a:rPr lang="en-US" dirty="0"/>
+              <a:t> / Python language support  </a:t>
+            </a:r>
+          </a:p>
+          <a:p>
+            <a:pPr>
+              <a:defRPr/>
+            </a:pPr>
+            <a:r>
+              <a:rPr lang="en-US" dirty="0"/>
+              <a:t>Lots of common algorithms are supported</a:t>
+            </a:r>
+          </a:p>
+          <a:p>
+            <a:pPr lvl="1">
+              <a:defRPr/>
+            </a:pPr>
+            <a:r>
+              <a:rPr lang="en-US" dirty="0"/>
+              <a:t>Classification / Regressions</a:t>
+            </a:r>
+          </a:p>
+          <a:p>
+            <a:pPr lvl="2">
+              <a:defRPr/>
+            </a:pPr>
+            <a:r>
+              <a:rPr lang="en-US" dirty="0"/>
+              <a:t>Linear models (linear R, logistic regression, SVM)</a:t>
+            </a:r>
+          </a:p>
+          <a:p>
+            <a:pPr lvl="2">
+              <a:defRPr/>
+            </a:pPr>
+            <a:r>
+              <a:rPr lang="en-US" dirty="0"/>
+              <a:t>Decision trees</a:t>
+            </a:r>
+          </a:p>
+          <a:p>
+            <a:pPr lvl="1">
+              <a:defRPr/>
+            </a:pPr>
+            <a:r>
+              <a:rPr lang="en-US" dirty="0"/>
+              <a:t>Collaborative filtering  (recommendations)</a:t>
+            </a:r>
+          </a:p>
+          <a:p>
+            <a:pPr lvl="1">
+              <a:defRPr/>
+            </a:pPr>
+            <a:r>
+              <a:rPr lang="en-US" dirty="0"/>
+              <a:t>K-Means clustering</a:t>
+            </a:r>
+          </a:p>
+          <a:p>
+            <a:pPr lvl="1">
+              <a:defRPr/>
+            </a:pPr>
+            <a:r>
+              <a:rPr lang="en-US" dirty="0"/>
+              <a:t>More to come</a:t>
+            </a:r>
+          </a:p>
+          <a:p>
+            <a:endParaRPr lang="en-US" dirty="0"/>
+          </a:p>
+        </p:txBody>
+      </p:sp>
+      <p:sp>
+        <p:nvSpPr>
+          <p:cNvPr id="4" name="Footer Placeholder 3"/>
+          <p:cNvSpPr>
+            <a:spLocks noGrp="1"/>
+          </p:cNvSpPr>
+          <p:nvPr>
+            <p:ph type="ftr" sz="quarter" idx="11"/>
+          </p:nvPr>
+        </p:nvSpPr>
+        <p:spPr/>
+        <p:txBody>
+          <a:bodyPr/>
+          <a:lstStyle/>
+          <a:p>
+            <a:r>
+              <a:rPr lang="en-US" smtClean="0"/>
+              <a:t>© Elephant Scale, 2014</a:t>
+            </a:r>
+            <a:endParaRPr lang="en-US" dirty="0"/>
+          </a:p>
+        </p:txBody>
+      </p:sp>
+    </p:spTree>
+    <p:extLst>
+      <p:ext uri="{BB962C8B-B14F-4D97-AF65-F5344CB8AC3E}">
+        <p14:creationId xmlns:p14="http://schemas.microsoft.com/office/powerpoint/2010/main" xmlns="" val="1286301917"/>
+      </p:ext>
+    </p:extLst>
+  </p:cSld>
+  <p:clrMapOvr>
+    <a:masterClrMapping/>
+  </p:clrMapOvr>
+</p:sld>
+</file>
+
+<file path=ppt/slides/slide30.xml><?xml version="1.0" encoding="utf-8"?>
+<p:sld xmlns:a="http://schemas.openxmlformats.org/drawingml/2006/main" xmlns:r="http://schemas.openxmlformats.org/officeDocument/2006/relationships" xmlns:p="http://schemas.openxmlformats.org/presentationml/2006/main">
+  <p:cSld>
+    <p:spTree>
+      <p:nvGrpSpPr>
+        <p:cNvPr id="1" name=""/>
+        <p:cNvGrpSpPr/>
+        <p:nvPr/>
+      </p:nvGrpSpPr>
+      <p:grpSpPr>
+        <a:xfrm>
+          <a:off x="0" y="0"/>
+          <a:ext cx="0" cy="0"/>
+          <a:chOff x="0" y="0"/>
+          <a:chExt cx="0" cy="0"/>
+        </a:xfrm>
+      </p:grpSpPr>
+      <p:sp>
+        <p:nvSpPr>
+          <p:cNvPr id="2" name="Title 1"/>
+          <p:cNvSpPr>
+            <a:spLocks noGrp="1"/>
+          </p:cNvSpPr>
+          <p:nvPr>
+            <p:ph type="title"/>
+          </p:nvPr>
+        </p:nvSpPr>
+        <p:spPr/>
+        <p:txBody>
+          <a:bodyPr/>
+          <a:lstStyle/>
+          <a:p>
+            <a:r>
+              <a:rPr lang="en-US" dirty="0" smtClean="0"/>
+              <a:t>Streaming </a:t>
+            </a:r>
+            <a:r>
+              <a:rPr lang="en-US" dirty="0" err="1" smtClean="0"/>
+              <a:t>Kmeans</a:t>
+            </a:r>
+            <a:r>
+              <a:rPr lang="en-US" dirty="0" smtClean="0"/>
+              <a:t> in </a:t>
+            </a:r>
+            <a:r>
+              <a:rPr lang="en-US" dirty="0" err="1" smtClean="0"/>
+              <a:t>MLlib</a:t>
+            </a:r>
+            <a:endParaRPr lang="en-US" dirty="0"/>
+          </a:p>
+        </p:txBody>
+      </p:sp>
+      <p:sp>
+        <p:nvSpPr>
+          <p:cNvPr id="3" name="Content Placeholder 2"/>
+          <p:cNvSpPr>
+            <a:spLocks noGrp="1"/>
+          </p:cNvSpPr>
+          <p:nvPr>
+            <p:ph idx="1"/>
+          </p:nvPr>
+        </p:nvSpPr>
+        <p:spPr/>
+        <p:txBody>
+          <a:bodyPr>
+            <a:normAutofit fontScale="77500" lnSpcReduction="20000"/>
+          </a:bodyPr>
+          <a:lstStyle/>
+          <a:p>
+            <a:r>
+              <a:rPr lang="en-US" dirty="0" err="1" smtClean="0"/>
+              <a:t>Scala</a:t>
+            </a:r>
+            <a:r>
+              <a:rPr lang="en-US" dirty="0" smtClean="0"/>
+              <a:t> code for </a:t>
+            </a:r>
+            <a:r>
+              <a:rPr lang="en-US" dirty="0" err="1" smtClean="0"/>
+              <a:t>StreamingKMeans</a:t>
+            </a:r>
+            <a:r>
+              <a:rPr lang="en-US" dirty="0" smtClean="0"/>
+              <a:t>:</a:t>
+            </a:r>
+          </a:p>
+          <a:p>
+            <a:pPr>
+              <a:buNone/>
+            </a:pPr>
+            <a:r>
+              <a:rPr lang="en-US" dirty="0" err="1" smtClean="0">
+                <a:latin typeface="Courier New" pitchFamily="49" charset="0"/>
+                <a:cs typeface="Courier New" pitchFamily="49" charset="0"/>
+              </a:rPr>
+              <a:t>val</a:t>
+            </a:r>
+            <a:r>
+              <a:rPr lang="en-US" dirty="0" smtClean="0">
+                <a:latin typeface="Courier New" pitchFamily="49" charset="0"/>
+                <a:cs typeface="Courier New" pitchFamily="49" charset="0"/>
+              </a:rPr>
+              <a:t> model = new </a:t>
+            </a:r>
+            <a:r>
+              <a:rPr lang="en-US" dirty="0" err="1" smtClean="0">
+                <a:latin typeface="Courier New" pitchFamily="49" charset="0"/>
+                <a:cs typeface="Courier New" pitchFamily="49" charset="0"/>
+              </a:rPr>
+              <a:t>StreamingKMeans</a:t>
+            </a:r>
+            <a:r>
+              <a:rPr lang="en-US" dirty="0" smtClean="0">
+                <a:latin typeface="Courier New" pitchFamily="49" charset="0"/>
+                <a:cs typeface="Courier New" pitchFamily="49" charset="0"/>
+              </a:rPr>
+              <a:t>()</a:t>
+            </a:r>
+          </a:p>
+          <a:p>
+            <a:pPr>
+              <a:buNone/>
+            </a:pPr>
+            <a:r>
+              <a:rPr lang="en-US" dirty="0" smtClean="0">
+                <a:latin typeface="Courier New" pitchFamily="49" charset="0"/>
+                <a:cs typeface="Courier New" pitchFamily="49" charset="0"/>
+              </a:rPr>
+              <a:t>  .</a:t>
+            </a:r>
+            <a:r>
+              <a:rPr lang="en-US" dirty="0" err="1" smtClean="0">
+                <a:latin typeface="Courier New" pitchFamily="49" charset="0"/>
+                <a:cs typeface="Courier New" pitchFamily="49" charset="0"/>
+              </a:rPr>
+              <a:t>setK</a:t>
+            </a:r>
+            <a:r>
+              <a:rPr lang="en-US" dirty="0" smtClean="0">
+                <a:latin typeface="Courier New" pitchFamily="49" charset="0"/>
+                <a:cs typeface="Courier New" pitchFamily="49" charset="0"/>
+              </a:rPr>
+              <a:t>(</a:t>
+            </a:r>
+            <a:r>
+              <a:rPr lang="en-US" dirty="0" err="1" smtClean="0">
+                <a:latin typeface="Courier New" pitchFamily="49" charset="0"/>
+                <a:cs typeface="Courier New" pitchFamily="49" charset="0"/>
+              </a:rPr>
+              <a:t>numClusters</a:t>
+            </a:r>
+            <a:r>
+              <a:rPr lang="en-US" dirty="0" smtClean="0">
+                <a:latin typeface="Courier New" pitchFamily="49" charset="0"/>
+                <a:cs typeface="Courier New" pitchFamily="49" charset="0"/>
+              </a:rPr>
+              <a:t>)</a:t>
+            </a:r>
+          </a:p>
+          <a:p>
+            <a:pPr>
+              <a:buNone/>
+            </a:pPr>
+            <a:r>
+              <a:rPr lang="en-US" dirty="0" smtClean="0">
+                <a:latin typeface="Courier New" pitchFamily="49" charset="0"/>
+                <a:cs typeface="Courier New" pitchFamily="49" charset="0"/>
+              </a:rPr>
+              <a:t>  .</a:t>
+            </a:r>
+            <a:r>
+              <a:rPr lang="en-US" dirty="0" err="1" smtClean="0">
+                <a:latin typeface="Courier New" pitchFamily="49" charset="0"/>
+                <a:cs typeface="Courier New" pitchFamily="49" charset="0"/>
+              </a:rPr>
+              <a:t>setDecayFactor</a:t>
+            </a:r>
+            <a:r>
+              <a:rPr lang="en-US" dirty="0" smtClean="0">
+                <a:latin typeface="Courier New" pitchFamily="49" charset="0"/>
+                <a:cs typeface="Courier New" pitchFamily="49" charset="0"/>
+              </a:rPr>
+              <a:t>(1.0)</a:t>
+            </a:r>
+          </a:p>
+          <a:p>
+            <a:pPr>
+              <a:buNone/>
+            </a:pPr>
+            <a:r>
+              <a:rPr lang="en-US" dirty="0" smtClean="0">
+                <a:latin typeface="Courier New" pitchFamily="49" charset="0"/>
+                <a:cs typeface="Courier New" pitchFamily="49" charset="0"/>
+              </a:rPr>
+              <a:t>  .</a:t>
+            </a:r>
+            <a:r>
+              <a:rPr lang="en-US" dirty="0" err="1" smtClean="0">
+                <a:latin typeface="Courier New" pitchFamily="49" charset="0"/>
+                <a:cs typeface="Courier New" pitchFamily="49" charset="0"/>
+              </a:rPr>
+              <a:t>setRandomCenters</a:t>
+            </a:r>
+            <a:r>
+              <a:rPr lang="en-US" dirty="0" smtClean="0">
+                <a:latin typeface="Courier New" pitchFamily="49" charset="0"/>
+                <a:cs typeface="Courier New" pitchFamily="49" charset="0"/>
+              </a:rPr>
+              <a:t>(</a:t>
+            </a:r>
+            <a:r>
+              <a:rPr lang="en-US" dirty="0" err="1" smtClean="0">
+                <a:latin typeface="Courier New" pitchFamily="49" charset="0"/>
+                <a:cs typeface="Courier New" pitchFamily="49" charset="0"/>
+              </a:rPr>
+              <a:t>numDimensions</a:t>
+            </a:r>
+            <a:r>
+              <a:rPr lang="en-US" dirty="0" smtClean="0">
+                <a:latin typeface="Courier New" pitchFamily="49" charset="0"/>
+                <a:cs typeface="Courier New" pitchFamily="49" charset="0"/>
+              </a:rPr>
+              <a:t>, 0.0)</a:t>
+            </a:r>
+          </a:p>
+          <a:p>
+            <a:pPr>
+              <a:buNone/>
+            </a:pPr>
+            <a:r>
+              <a:rPr lang="en-US" dirty="0" err="1" smtClean="0">
+                <a:latin typeface="Courier New" pitchFamily="49" charset="0"/>
+                <a:cs typeface="Courier New" pitchFamily="49" charset="0"/>
+              </a:rPr>
+              <a:t>model.trainOn</a:t>
+            </a:r>
+            <a:r>
+              <a:rPr lang="en-US" dirty="0" smtClean="0">
+                <a:latin typeface="Courier New" pitchFamily="49" charset="0"/>
+                <a:cs typeface="Courier New" pitchFamily="49" charset="0"/>
+              </a:rPr>
+              <a:t>(</a:t>
+            </a:r>
+            <a:r>
+              <a:rPr lang="en-US" dirty="0" err="1" smtClean="0">
+                <a:latin typeface="Courier New" pitchFamily="49" charset="0"/>
+                <a:cs typeface="Courier New" pitchFamily="49" charset="0"/>
+              </a:rPr>
+              <a:t>trainingData</a:t>
+            </a:r>
+            <a:r>
+              <a:rPr lang="en-US" dirty="0" smtClean="0">
+                <a:latin typeface="Courier New" pitchFamily="49" charset="0"/>
+                <a:cs typeface="Courier New" pitchFamily="49" charset="0"/>
+              </a:rPr>
+              <a:t>)</a:t>
+            </a:r>
+          </a:p>
+          <a:p>
+            <a:pPr>
+              <a:buNone/>
+            </a:pPr>
+            <a:r>
+              <a:rPr lang="en-US" dirty="0" err="1" smtClean="0">
+                <a:latin typeface="Courier New" pitchFamily="49" charset="0"/>
+                <a:cs typeface="Courier New" pitchFamily="49" charset="0"/>
+              </a:rPr>
+              <a:t>model.predictOnValues</a:t>
+            </a:r>
+            <a:r>
+              <a:rPr lang="en-US" dirty="0" smtClean="0">
+                <a:latin typeface="Courier New" pitchFamily="49" charset="0"/>
+                <a:cs typeface="Courier New" pitchFamily="49" charset="0"/>
+              </a:rPr>
+              <a:t>(testData.map(</a:t>
+            </a:r>
+            <a:r>
+              <a:rPr lang="en-US" dirty="0" err="1" smtClean="0">
+                <a:latin typeface="Courier New" pitchFamily="49" charset="0"/>
+                <a:cs typeface="Courier New" pitchFamily="49" charset="0"/>
+              </a:rPr>
+              <a:t>lp</a:t>
+            </a:r>
+            <a:r>
+              <a:rPr lang="en-US" dirty="0" smtClean="0">
+                <a:latin typeface="Courier New" pitchFamily="49" charset="0"/>
+                <a:cs typeface="Courier New" pitchFamily="49" charset="0"/>
+              </a:rPr>
+              <a:t> =&gt; (</a:t>
+            </a:r>
+            <a:r>
+              <a:rPr lang="en-US" dirty="0" err="1" smtClean="0">
+                <a:latin typeface="Courier New" pitchFamily="49" charset="0"/>
+                <a:cs typeface="Courier New" pitchFamily="49" charset="0"/>
+              </a:rPr>
+              <a:t>lp.label</a:t>
+            </a:r>
+            <a:r>
+              <a:rPr lang="en-US" dirty="0" smtClean="0">
+                <a:latin typeface="Courier New" pitchFamily="49" charset="0"/>
+                <a:cs typeface="Courier New" pitchFamily="49" charset="0"/>
+              </a:rPr>
+              <a:t>, </a:t>
+            </a:r>
+            <a:r>
+              <a:rPr lang="en-US" dirty="0" err="1" smtClean="0">
+                <a:latin typeface="Courier New" pitchFamily="49" charset="0"/>
+                <a:cs typeface="Courier New" pitchFamily="49" charset="0"/>
+              </a:rPr>
+              <a:t>lp.features</a:t>
+            </a:r>
+            <a:r>
+              <a:rPr lang="en-US" dirty="0" smtClean="0">
+                <a:latin typeface="Courier New" pitchFamily="49" charset="0"/>
+                <a:cs typeface="Courier New" pitchFamily="49" charset="0"/>
+              </a:rPr>
+              <a:t>))).print()</a:t>
+            </a:r>
+          </a:p>
+          <a:p>
+            <a:pPr>
+              <a:buNone/>
+            </a:pPr>
+            <a:r>
+              <a:rPr lang="en-US" dirty="0" err="1" smtClean="0">
+                <a:latin typeface="Courier New" pitchFamily="49" charset="0"/>
+                <a:cs typeface="Courier New" pitchFamily="49" charset="0"/>
+              </a:rPr>
+              <a:t>ssc.start</a:t>
+            </a:r>
+            <a:r>
+              <a:rPr lang="en-US" dirty="0" smtClean="0">
+                <a:latin typeface="Courier New" pitchFamily="49" charset="0"/>
+                <a:cs typeface="Courier New" pitchFamily="49" charset="0"/>
+              </a:rPr>
+              <a:t>()</a:t>
+            </a:r>
+          </a:p>
+          <a:p>
+            <a:pPr>
+              <a:buNone/>
+            </a:pPr>
+            <a:r>
+              <a:rPr lang="en-US" dirty="0" err="1" smtClean="0">
+                <a:latin typeface="Courier New" pitchFamily="49" charset="0"/>
+                <a:cs typeface="Courier New" pitchFamily="49" charset="0"/>
+              </a:rPr>
+              <a:t>ssc.awaitTermination</a:t>
+            </a:r>
+            <a:r>
+              <a:rPr lang="en-US" dirty="0" smtClean="0">
+                <a:latin typeface="Courier New" pitchFamily="49" charset="0"/>
+                <a:cs typeface="Courier New" pitchFamily="49" charset="0"/>
+              </a:rPr>
+              <a:t>()</a:t>
+            </a:r>
+            <a:endParaRPr lang="en-US" dirty="0">
+              <a:latin typeface="Courier New" pitchFamily="49" charset="0"/>
+              <a:cs typeface="Courier New" pitchFamily="49" charset="0"/>
+            </a:endParaRPr>
+          </a:p>
+        </p:txBody>
+      </p:sp>
+      <p:sp>
+        <p:nvSpPr>
+          <p:cNvPr id="4" name="Footer Placeholder 3"/>
+          <p:cNvSpPr>
+            <a:spLocks noGrp="1"/>
+          </p:cNvSpPr>
+          <p:nvPr>
+            <p:ph type="ftr" sz="quarter" idx="11"/>
+          </p:nvPr>
+        </p:nvSpPr>
+        <p:spPr/>
+        <p:txBody>
+          <a:bodyPr/>
+          <a:lstStyle/>
+          <a:p>
+            <a:r>
+              <a:rPr lang="en-US" smtClean="0"/>
+              <a:t>© Elephant Scale, 2014</a:t>
+            </a:r>
+            <a:endParaRPr lang="en-US" dirty="0"/>
+          </a:p>
+        </p:txBody>
+      </p:sp>
+    </p:spTree>
+  </p:cSld>
+  <p:clrMapOvr>
+    <a:masterClrMapping/>
+  </p:clrMapOvr>
+</p:sld>
+</file>
+
+<file path=ppt/slides/slide31.xml><?xml version="1.0" encoding="utf-8"?>
+<p:sld xmlns:a="http://schemas.openxmlformats.org/drawingml/2006/main" xmlns:r="http://schemas.openxmlformats.org/officeDocument/2006/relationships" xmlns:p="http://schemas.openxmlformats.org/presentationml/2006/main">
+  <p:cSld>
+    <p:spTree>
+      <p:nvGrpSpPr>
+        <p:cNvPr id="1" name=""/>
+        <p:cNvGrpSpPr/>
+        <p:nvPr/>
+      </p:nvGrpSpPr>
+      <p:grpSpPr>
+        <a:xfrm>
+          <a:off x="0" y="0"/>
+          <a:ext cx="0" cy="0"/>
+          <a:chOff x="0" y="0"/>
+          <a:chExt cx="0" cy="0"/>
+        </a:xfrm>
+      </p:grpSpPr>
+      <p:sp>
+        <p:nvSpPr>
+          <p:cNvPr id="2" name="Title 1"/>
+          <p:cNvSpPr>
+            <a:spLocks noGrp="1"/>
+          </p:cNvSpPr>
+          <p:nvPr>
+            <p:ph type="title"/>
+          </p:nvPr>
+        </p:nvSpPr>
+        <p:spPr/>
+        <p:txBody>
+          <a:bodyPr/>
+          <a:lstStyle/>
+          <a:p>
+            <a:r>
+              <a:rPr lang="en-US" dirty="0" smtClean="0"/>
+              <a:t>Topic Discovery (Latent </a:t>
+            </a:r>
+            <a:r>
+              <a:rPr lang="en-US" dirty="0" err="1" smtClean="0"/>
+              <a:t>Dirichlet</a:t>
+            </a:r>
+            <a:r>
+              <a:rPr lang="en-US" dirty="0" smtClean="0"/>
+              <a:t> Allocation)</a:t>
+            </a:r>
+            <a:endParaRPr lang="en-US" dirty="0"/>
+          </a:p>
+        </p:txBody>
+      </p:sp>
+      <p:sp>
+        <p:nvSpPr>
+          <p:cNvPr id="3" name="Content Placeholder 2"/>
+          <p:cNvSpPr>
+            <a:spLocks noGrp="1"/>
+          </p:cNvSpPr>
+          <p:nvPr>
+            <p:ph idx="1"/>
+          </p:nvPr>
+        </p:nvSpPr>
+        <p:spPr/>
+        <p:txBody>
+          <a:bodyPr/>
+          <a:lstStyle/>
+          <a:p>
+            <a:r>
+              <a:rPr lang="en-US" dirty="0" smtClean="0"/>
+              <a:t>Topic Discovery = finding topics based on Document terms.</a:t>
+            </a:r>
+          </a:p>
+          <a:p>
+            <a:r>
+              <a:rPr lang="en-US" dirty="0" smtClean="0"/>
+              <a:t>Example: Twitter</a:t>
+            </a:r>
+          </a:p>
+          <a:p>
+            <a:pPr lvl="1"/>
+            <a:r>
+              <a:rPr lang="en-US" dirty="0" smtClean="0"/>
+              <a:t>What are the topics of a group of tweets</a:t>
+            </a:r>
+          </a:p>
+          <a:p>
+            <a:r>
+              <a:rPr lang="en-US" dirty="0" smtClean="0"/>
+              <a:t>This is a type of clustering.</a:t>
+            </a:r>
+          </a:p>
+          <a:p>
+            <a:r>
+              <a:rPr lang="en-US" dirty="0" smtClean="0"/>
+              <a:t>Each topic identified by top-N terms</a:t>
+            </a:r>
+          </a:p>
+          <a:p>
+            <a:r>
+              <a:rPr lang="en-US" dirty="0" smtClean="0"/>
+              <a:t>To prepare, first </a:t>
+            </a:r>
+            <a:r>
+              <a:rPr lang="en-US" dirty="0" err="1" smtClean="0"/>
+              <a:t>vectorize</a:t>
+            </a:r>
+            <a:r>
+              <a:rPr lang="en-US" dirty="0" smtClean="0"/>
+              <a:t> text using TF. </a:t>
+            </a:r>
+            <a:r>
+              <a:rPr lang="en-US" smtClean="0"/>
+              <a:t>(not TF/IDF).</a:t>
+            </a:r>
+            <a:endParaRPr lang="en-US" dirty="0"/>
+          </a:p>
+        </p:txBody>
+      </p:sp>
+      <p:sp>
+        <p:nvSpPr>
+          <p:cNvPr id="4" name="Footer Placeholder 3"/>
+          <p:cNvSpPr>
+            <a:spLocks noGrp="1"/>
+          </p:cNvSpPr>
+          <p:nvPr>
+            <p:ph type="ftr" sz="quarter" idx="11"/>
+          </p:nvPr>
+        </p:nvSpPr>
+        <p:spPr/>
+        <p:txBody>
+          <a:bodyPr/>
+          <a:lstStyle/>
+          <a:p>
+            <a:r>
+              <a:rPr lang="en-US" smtClean="0"/>
+              <a:t>© Elephant Scale, 2014</a:t>
+            </a:r>
+            <a:endParaRPr lang="en-US" dirty="0"/>
+          </a:p>
+        </p:txBody>
+      </p:sp>
+    </p:spTree>
+  </p:cSld>
+  <p:clrMapOvr>
+    <a:masterClrMapping/>
+  </p:clrMapOvr>
+</p:sld>
+</file>
+
+<file path=ppt/slides/slide32.xml><?xml version="1.0" encoding="utf-8"?>
+<p:sld xmlns:a="http://schemas.openxmlformats.org/drawingml/2006/main" xmlns:r="http://schemas.openxmlformats.org/officeDocument/2006/relationships" xmlns:p="http://schemas.openxmlformats.org/presentationml/2006/main">
+  <p:cSld>
+    <p:spTree>
+      <p:nvGrpSpPr>
+        <p:cNvPr id="1" name=""/>
+        <p:cNvGrpSpPr/>
+        <p:nvPr/>
+      </p:nvGrpSpPr>
+      <p:grpSpPr>
+        <a:xfrm>
+          <a:off x="0" y="0"/>
+          <a:ext cx="0" cy="0"/>
+          <a:chOff x="0" y="0"/>
+          <a:chExt cx="0" cy="0"/>
+        </a:xfrm>
+      </p:grpSpPr>
+      <p:sp>
+        <p:nvSpPr>
+          <p:cNvPr id="2" name="Title 1"/>
+          <p:cNvSpPr>
+            <a:spLocks noGrp="1"/>
+          </p:cNvSpPr>
+          <p:nvPr>
+            <p:ph type="title"/>
+          </p:nvPr>
+        </p:nvSpPr>
+        <p:spPr/>
+        <p:txBody>
+          <a:bodyPr/>
+          <a:lstStyle/>
+          <a:p>
+            <a:r>
+              <a:rPr lang="en-US" dirty="0" smtClean="0"/>
+              <a:t>Next : Recommendations</a:t>
+            </a:r>
+            <a:endParaRPr lang="en-US" dirty="0"/>
+          </a:p>
+        </p:txBody>
+      </p:sp>
+      <p:sp>
+        <p:nvSpPr>
+          <p:cNvPr id="3" name="Content Placeholder 2"/>
+          <p:cNvSpPr>
+            <a:spLocks noGrp="1"/>
+          </p:cNvSpPr>
+          <p:nvPr>
+            <p:ph idx="1"/>
+          </p:nvPr>
+        </p:nvSpPr>
+        <p:spPr/>
+        <p:txBody>
+          <a:bodyPr/>
+          <a:lstStyle/>
+          <a:p>
+            <a:endParaRPr lang="en-US"/>
+          </a:p>
+        </p:txBody>
+      </p:sp>
+      <p:sp>
+        <p:nvSpPr>
+          <p:cNvPr id="4" name="Footer Placeholder 3"/>
+          <p:cNvSpPr>
+            <a:spLocks noGrp="1"/>
+          </p:cNvSpPr>
+          <p:nvPr>
+            <p:ph type="ftr" sz="quarter" idx="11"/>
+          </p:nvPr>
+        </p:nvSpPr>
+        <p:spPr/>
+        <p:txBody>
+          <a:bodyPr/>
+          <a:lstStyle/>
+          <a:p>
+            <a:r>
+              <a:rPr lang="en-US" smtClean="0"/>
+              <a:t>(c) ElephantScale.com 2014</a:t>
+            </a:r>
+            <a:endParaRPr lang="en-US"/>
+          </a:p>
+        </p:txBody>
+      </p:sp>
+      <p:sp>
+        <p:nvSpPr>
+          <p:cNvPr id="5" name="Slide Number Placeholder 4"/>
+          <p:cNvSpPr>
+            <a:spLocks noGrp="1"/>
+          </p:cNvSpPr>
+          <p:nvPr>
+            <p:ph type="sldNum" sz="quarter" idx="12"/>
+          </p:nvPr>
+        </p:nvSpPr>
+        <p:spPr/>
+        <p:txBody>
+          <a:bodyPr/>
+          <a:lstStyle/>
+          <a:p>
+            <a:fld id="{4AD8DDEF-9CD1-B641-ADE5-2BEE59567BE6}" type="slidenum">
+              <a:rPr lang="en-US" smtClean="0"/>
+              <a:pPr/>
+              <a:t>32</a:t>
+            </a:fld>
+            <a:endParaRPr lang="en-US"/>
+          </a:p>
+        </p:txBody>
+      </p:sp>
+    </p:spTree>
+    <p:extLst>
+      <p:ext uri="{BB962C8B-B14F-4D97-AF65-F5344CB8AC3E}">
+        <p14:creationId xmlns:p14="http://schemas.microsoft.com/office/powerpoint/2010/main" xmlns="" val="1934961268"/>
+      </p:ext>
+    </p:extLst>
+  </p:cSld>
+  <p:clrMapOvr>
+    <a:masterClrMapping/>
+  </p:clrMapOvr>
+  <p:timing>
+    <p:tnLst>
+      <p:par>
+        <p:cTn id="1" dur="indefinite" restart="never" nodeType="tmRoot"/>
+      </p:par>
+    </p:tnLst>
+  </p:timing>
+</p:sld>
+</file>
+
+<file path=ppt/slides/slide33.xml><?xml version="1.0" encoding="utf-8"?>
+<p:sld xmlns:a="http://schemas.openxmlformats.org/drawingml/2006/main" xmlns:r="http://schemas.openxmlformats.org/officeDocument/2006/relationships" xmlns:p="http://schemas.openxmlformats.org/presentationml/2006/main">
+  <p:cSld>
+    <p:spTree>
+      <p:nvGrpSpPr>
+        <p:cNvPr id="1" name=""/>
+        <p:cNvGrpSpPr/>
+        <p:nvPr/>
+      </p:nvGrpSpPr>
+      <p:grpSpPr>
+        <a:xfrm>
+          <a:off x="0" y="0"/>
+          <a:ext cx="0" cy="0"/>
+          <a:chOff x="0" y="0"/>
+          <a:chExt cx="0" cy="0"/>
+        </a:xfrm>
+      </p:grpSpPr>
+      <p:sp>
+        <p:nvSpPr>
+          <p:cNvPr id="2" name="Title 1"/>
+          <p:cNvSpPr>
+            <a:spLocks noGrp="1"/>
+          </p:cNvSpPr>
+          <p:nvPr>
+            <p:ph type="title"/>
+          </p:nvPr>
+        </p:nvSpPr>
+        <p:spPr/>
+        <p:txBody>
+          <a:bodyPr/>
+          <a:lstStyle/>
+          <a:p>
+            <a:r>
+              <a:rPr lang="en-US" dirty="0" smtClean="0"/>
               <a:t>Recommendations Are Everywhere : Amazon</a:t>
             </a:r>
             <a:endParaRPr lang="en-US" dirty="0"/>
@@ -14241,7 +15045,7 @@
             <a:fld id="{4AD8DDEF-9CD1-B641-ADE5-2BEE59567BE6}" type="slidenum">
               <a:rPr lang="en-US" smtClean="0"/>
               <a:pPr/>
-              <a:t>29</a:t>
+              <a:t>33</a:t>
             </a:fld>
             <a:endParaRPr lang="en-US"/>
           </a:p>
@@ -14267,222 +15071,7 @@
 </p:sld>
 </file>
 
-<file path=ppt/slides/slide3.xml><?xml version="1.0" encoding="utf-8"?>
-<p:sld xmlns:a="http://schemas.openxmlformats.org/drawingml/2006/main" xmlns:r="http://schemas.openxmlformats.org/officeDocument/2006/relationships" xmlns:p="http://schemas.openxmlformats.org/presentationml/2006/main">
-  <p:cSld>
-    <p:spTree>
-      <p:nvGrpSpPr>
-        <p:cNvPr id="1" name=""/>
-        <p:cNvGrpSpPr/>
-        <p:nvPr/>
-      </p:nvGrpSpPr>
-      <p:grpSpPr>
-        <a:xfrm>
-          <a:off x="0" y="0"/>
-          <a:ext cx="0" cy="0"/>
-          <a:chOff x="0" y="0"/>
-          <a:chExt cx="0" cy="0"/>
-        </a:xfrm>
-      </p:grpSpPr>
-      <p:sp>
-        <p:nvSpPr>
-          <p:cNvPr id="2" name="Title 1"/>
-          <p:cNvSpPr>
-            <a:spLocks noGrp="1"/>
-          </p:cNvSpPr>
-          <p:nvPr>
-            <p:ph type="title"/>
-          </p:nvPr>
-        </p:nvSpPr>
-        <p:spPr/>
-        <p:txBody>
-          <a:bodyPr/>
-          <a:lstStyle/>
-          <a:p>
-            <a:r>
-              <a:rPr lang="en-US" dirty="0" smtClean="0"/>
-              <a:t>Machine Learning (ML Lib)</a:t>
-            </a:r>
-            <a:endParaRPr lang="en-US" dirty="0"/>
-          </a:p>
-        </p:txBody>
-      </p:sp>
-      <p:sp>
-        <p:nvSpPr>
-          <p:cNvPr id="3" name="Content Placeholder 2"/>
-          <p:cNvSpPr>
-            <a:spLocks noGrp="1"/>
-          </p:cNvSpPr>
-          <p:nvPr>
-            <p:ph idx="1"/>
-          </p:nvPr>
-        </p:nvSpPr>
-        <p:spPr/>
-        <p:txBody>
-          <a:bodyPr>
-            <a:normAutofit lnSpcReduction="10000"/>
-          </a:bodyPr>
-          <a:lstStyle/>
-          <a:p>
-            <a:pPr>
-              <a:defRPr/>
-            </a:pPr>
-            <a:r>
-              <a:rPr lang="en-US" dirty="0"/>
-              <a:t>Machine learning </a:t>
-            </a:r>
-            <a:r>
-              <a:rPr lang="en-US" dirty="0">
-                <a:solidFill>
-                  <a:srgbClr val="3366FF"/>
-                </a:solidFill>
-              </a:rPr>
-              <a:t>at </a:t>
-            </a:r>
-            <a:r>
-              <a:rPr lang="en-US" dirty="0" smtClean="0">
-                <a:solidFill>
-                  <a:srgbClr val="3366FF"/>
-                </a:solidFill>
-              </a:rPr>
-              <a:t>scale</a:t>
-            </a:r>
-          </a:p>
-          <a:p>
-            <a:pPr>
-              <a:defRPr/>
-            </a:pPr>
-            <a:r>
-              <a:rPr lang="en-US" smtClean="0"/>
-              <a:t>Out </a:t>
-            </a:r>
-            <a:r>
-              <a:rPr lang="en-US" dirty="0"/>
-              <a:t>of the box ML capabilities ! </a:t>
-            </a:r>
-          </a:p>
-          <a:p>
-            <a:pPr>
-              <a:defRPr/>
-            </a:pPr>
-            <a:r>
-              <a:rPr lang="en-US" dirty="0"/>
-              <a:t>Java / </a:t>
-            </a:r>
-            <a:r>
-              <a:rPr lang="en-US" dirty="0" err="1"/>
-              <a:t>Scala</a:t>
-            </a:r>
-            <a:r>
-              <a:rPr lang="en-US" dirty="0"/>
-              <a:t> / Python language support  </a:t>
-            </a:r>
-          </a:p>
-          <a:p>
-            <a:pPr>
-              <a:defRPr/>
-            </a:pPr>
-            <a:r>
-              <a:rPr lang="en-US" dirty="0"/>
-              <a:t>Lots of common algorithms are supported</a:t>
-            </a:r>
-          </a:p>
-          <a:p>
-            <a:pPr lvl="1">
-              <a:defRPr/>
-            </a:pPr>
-            <a:r>
-              <a:rPr lang="en-US" dirty="0"/>
-              <a:t>Classification / Regressions</a:t>
-            </a:r>
-          </a:p>
-          <a:p>
-            <a:pPr lvl="2">
-              <a:defRPr/>
-            </a:pPr>
-            <a:r>
-              <a:rPr lang="en-US" dirty="0"/>
-              <a:t>Linear models (linear R, logistic regression, SVM)</a:t>
-            </a:r>
-          </a:p>
-          <a:p>
-            <a:pPr lvl="2">
-              <a:defRPr/>
-            </a:pPr>
-            <a:r>
-              <a:rPr lang="en-US" dirty="0"/>
-              <a:t>Decision trees</a:t>
-            </a:r>
-          </a:p>
-          <a:p>
-            <a:pPr lvl="1">
-              <a:defRPr/>
-            </a:pPr>
-            <a:r>
-              <a:rPr lang="en-US" dirty="0"/>
-              <a:t>Collaborative filtering  (recommendations)</a:t>
-            </a:r>
-          </a:p>
-          <a:p>
-            <a:pPr lvl="1">
-              <a:defRPr/>
-            </a:pPr>
-            <a:r>
-              <a:rPr lang="en-US" dirty="0"/>
-              <a:t>K-Means clustering</a:t>
-            </a:r>
-          </a:p>
-          <a:p>
-            <a:pPr lvl="1">
-              <a:defRPr/>
-            </a:pPr>
-            <a:r>
-              <a:rPr lang="en-US" dirty="0"/>
-              <a:t>More to come</a:t>
-            </a:r>
-          </a:p>
-          <a:p>
-            <a:endParaRPr lang="en-US" dirty="0"/>
-          </a:p>
-        </p:txBody>
-      </p:sp>
-      <p:sp>
-        <p:nvSpPr>
-          <p:cNvPr id="4" name="Footer Placeholder 3"/>
-          <p:cNvSpPr>
-            <a:spLocks noGrp="1"/>
-          </p:cNvSpPr>
-          <p:nvPr>
-            <p:ph type="ftr" sz="quarter" idx="11"/>
-          </p:nvPr>
-        </p:nvSpPr>
-        <p:spPr/>
-        <p:txBody>
-          <a:bodyPr/>
-          <a:lstStyle/>
-          <a:p>
-            <a:r>
-              <a:rPr lang="en-US" smtClean="0"/>
-              <a:t>© Elephant Scale, 2014</a:t>
-            </a:r>
-            <a:endParaRPr lang="en-US" dirty="0"/>
-          </a:p>
-        </p:txBody>
-      </p:sp>
-    </p:spTree>
-    <p:extLst>
-      <p:ext uri="{BB962C8B-B14F-4D97-AF65-F5344CB8AC3E}">
-        <p14:creationId xmlns:p14="http://schemas.microsoft.com/office/powerpoint/2010/main" xmlns="" val="1286301917"/>
-      </p:ext>
-    </p:extLst>
-  </p:cSld>
-  <p:clrMapOvr>
-    <a:masterClrMapping/>
-  </p:clrMapOvr>
-</p:sld>
-</file>
-
-<file path=ppt/slides/slide30.xml><?xml version="1.0" encoding="utf-8"?>
+<file path=ppt/slides/slide34.xml><?xml version="1.0" encoding="utf-8"?>
 <p:sld xmlns:a="http://schemas.openxmlformats.org/drawingml/2006/main" xmlns:r="http://schemas.openxmlformats.org/officeDocument/2006/relationships" xmlns:p="http://schemas.openxmlformats.org/presentationml/2006/main">
   <p:cSld>
     <p:spTree>
@@ -14706,7 +15295,7 @@
             <a:fld id="{4AD8DDEF-9CD1-B641-ADE5-2BEE59567BE6}" type="slidenum">
               <a:rPr lang="en-US" smtClean="0"/>
               <a:pPr/>
-              <a:t>30</a:t>
+              <a:t>34</a:t>
             </a:fld>
             <a:endParaRPr lang="en-US"/>
           </a:p>
@@ -14716,603 +15305,6 @@
     <p:extLst>
       <p:ext uri="{BB962C8B-B14F-4D97-AF65-F5344CB8AC3E}">
         <p14:creationId xmlns:p14="http://schemas.microsoft.com/office/powerpoint/2010/main" xmlns="" val="3527473027"/>
-      </p:ext>
-    </p:extLst>
-  </p:cSld>
-  <p:clrMapOvr>
-    <a:masterClrMapping/>
-  </p:clrMapOvr>
-  <p:timing>
-    <p:tnLst>
-      <p:par>
-        <p:cTn id="1" dur="indefinite" restart="never" nodeType="tmRoot"/>
-      </p:par>
-    </p:tnLst>
-  </p:timing>
-</p:sld>
-</file>
-
-<file path=ppt/slides/slide31.xml><?xml version="1.0" encoding="utf-8"?>
-<p:sld xmlns:a="http://schemas.openxmlformats.org/drawingml/2006/main" xmlns:r="http://schemas.openxmlformats.org/officeDocument/2006/relationships" xmlns:p="http://schemas.openxmlformats.org/presentationml/2006/main">
-  <p:cSld>
-    <p:spTree>
-      <p:nvGrpSpPr>
-        <p:cNvPr id="1" name=""/>
-        <p:cNvGrpSpPr/>
-        <p:nvPr/>
-      </p:nvGrpSpPr>
-      <p:grpSpPr>
-        <a:xfrm>
-          <a:off x="0" y="0"/>
-          <a:ext cx="0" cy="0"/>
-          <a:chOff x="0" y="0"/>
-          <a:chExt cx="0" cy="0"/>
-        </a:xfrm>
-      </p:grpSpPr>
-      <p:sp>
-        <p:nvSpPr>
-          <p:cNvPr id="2" name="Title 1"/>
-          <p:cNvSpPr>
-            <a:spLocks noGrp="1"/>
-          </p:cNvSpPr>
-          <p:nvPr>
-            <p:ph type="title"/>
-          </p:nvPr>
-        </p:nvSpPr>
-        <p:spPr/>
-        <p:txBody>
-          <a:bodyPr/>
-          <a:lstStyle/>
-          <a:p>
-            <a:r>
-              <a:rPr lang="en-US" dirty="0" smtClean="0"/>
-              <a:t>Recommendations From Netflix (With Profiles)</a:t>
-            </a:r>
-            <a:endParaRPr lang="en-US" dirty="0"/>
-          </a:p>
-        </p:txBody>
-      </p:sp>
-      <p:pic>
-        <p:nvPicPr>
-          <p:cNvPr id="4" name="Content Placeholder 3" descr="Screen Shot 2014-06-17 at 11.14.01 PM.png"/>
-          <p:cNvPicPr>
-            <a:picLocks noGrp="1" noChangeAspect="1"/>
-          </p:cNvPicPr>
-          <p:nvPr>
-            <p:ph idx="1"/>
-          </p:nvPr>
-        </p:nvPicPr>
-        <p:blipFill>
-          <a:blip r:embed="rId2">
-            <a:extLst>
-              <a:ext uri="{28A0092B-C50C-407E-A947-70E740481C1C}">
-                <a14:useLocalDpi xmlns:a14="http://schemas.microsoft.com/office/drawing/2010/main" xmlns="" val="0"/>
-              </a:ext>
-            </a:extLst>
-          </a:blip>
-          <a:srcRect t="-736" b="-736"/>
-          <a:stretch>
-            <a:fillRect/>
-          </a:stretch>
-        </p:blipFill>
-        <p:spPr/>
-      </p:pic>
-      <p:sp>
-        <p:nvSpPr>
-          <p:cNvPr id="3" name="Footer Placeholder 2"/>
-          <p:cNvSpPr>
-            <a:spLocks noGrp="1"/>
-          </p:cNvSpPr>
-          <p:nvPr>
-            <p:ph type="ftr" sz="quarter" idx="11"/>
-          </p:nvPr>
-        </p:nvSpPr>
-        <p:spPr/>
-        <p:txBody>
-          <a:bodyPr/>
-          <a:lstStyle/>
-          <a:p>
-            <a:r>
-              <a:rPr lang="en-US" smtClean="0"/>
-              <a:t>(c) ElephantScale.com 2014</a:t>
-            </a:r>
-            <a:endParaRPr lang="en-US"/>
-          </a:p>
-        </p:txBody>
-      </p:sp>
-      <p:sp>
-        <p:nvSpPr>
-          <p:cNvPr id="5" name="Slide Number Placeholder 4"/>
-          <p:cNvSpPr>
-            <a:spLocks noGrp="1"/>
-          </p:cNvSpPr>
-          <p:nvPr>
-            <p:ph type="sldNum" sz="quarter" idx="12"/>
-          </p:nvPr>
-        </p:nvSpPr>
-        <p:spPr/>
-        <p:txBody>
-          <a:bodyPr/>
-          <a:lstStyle/>
-          <a:p>
-            <a:fld id="{4AD8DDEF-9CD1-B641-ADE5-2BEE59567BE6}" type="slidenum">
-              <a:rPr lang="en-US" smtClean="0"/>
-              <a:pPr/>
-              <a:t>31</a:t>
-            </a:fld>
-            <a:endParaRPr lang="en-US"/>
-          </a:p>
-        </p:txBody>
-      </p:sp>
-    </p:spTree>
-    <p:extLst>
-      <p:ext uri="{BB962C8B-B14F-4D97-AF65-F5344CB8AC3E}">
-        <p14:creationId xmlns:p14="http://schemas.microsoft.com/office/powerpoint/2010/main" xmlns="" val="3992340815"/>
-      </p:ext>
-    </p:extLst>
-  </p:cSld>
-  <p:clrMapOvr>
-    <a:masterClrMapping/>
-  </p:clrMapOvr>
-  <p:timing>
-    <p:tnLst>
-      <p:par>
-        <p:cTn id="1" dur="indefinite" restart="never" nodeType="tmRoot"/>
-      </p:par>
-    </p:tnLst>
-  </p:timing>
-</p:sld>
-</file>
-
-<file path=ppt/slides/slide32.xml><?xml version="1.0" encoding="utf-8"?>
-<p:sld xmlns:a="http://schemas.openxmlformats.org/drawingml/2006/main" xmlns:r="http://schemas.openxmlformats.org/officeDocument/2006/relationships" xmlns:p="http://schemas.openxmlformats.org/presentationml/2006/main">
-  <p:cSld>
-    <p:spTree>
-      <p:nvGrpSpPr>
-        <p:cNvPr id="1" name=""/>
-        <p:cNvGrpSpPr/>
-        <p:nvPr/>
-      </p:nvGrpSpPr>
-      <p:grpSpPr>
-        <a:xfrm>
-          <a:off x="0" y="0"/>
-          <a:ext cx="0" cy="0"/>
-          <a:chOff x="0" y="0"/>
-          <a:chExt cx="0" cy="0"/>
-        </a:xfrm>
-      </p:grpSpPr>
-      <p:sp>
-        <p:nvSpPr>
-          <p:cNvPr id="2" name="Title 1"/>
-          <p:cNvSpPr>
-            <a:spLocks noGrp="1"/>
-          </p:cNvSpPr>
-          <p:nvPr>
-            <p:ph type="title"/>
-          </p:nvPr>
-        </p:nvSpPr>
-        <p:spPr/>
-        <p:txBody>
-          <a:bodyPr/>
-          <a:lstStyle/>
-          <a:p>
-            <a:r>
-              <a:rPr lang="en-US" dirty="0" smtClean="0"/>
-              <a:t>Recommendations</a:t>
-            </a:r>
-            <a:endParaRPr lang="en-US" dirty="0"/>
-          </a:p>
-        </p:txBody>
-      </p:sp>
-      <p:sp>
-        <p:nvSpPr>
-          <p:cNvPr id="3" name="Content Placeholder 2"/>
-          <p:cNvSpPr>
-            <a:spLocks noGrp="1"/>
-          </p:cNvSpPr>
-          <p:nvPr>
-            <p:ph idx="1"/>
-          </p:nvPr>
-        </p:nvSpPr>
-        <p:spPr/>
-        <p:txBody>
-          <a:bodyPr>
-            <a:normAutofit/>
-          </a:bodyPr>
-          <a:lstStyle/>
-          <a:p>
-            <a:r>
-              <a:rPr lang="en-US" dirty="0" smtClean="0"/>
-              <a:t>Recommendations are a straightforward application of the Collaborative Filtering algorithm.</a:t>
-            </a:r>
-          </a:p>
-          <a:p>
-            <a:pPr lvl="1"/>
-            <a:r>
-              <a:rPr lang="en-US" dirty="0" smtClean="0"/>
-              <a:t>Collaborative filtering relates set A to set B.</a:t>
-            </a:r>
-          </a:p>
-          <a:p>
-            <a:pPr lvl="1"/>
-            <a:r>
-              <a:rPr lang="en-US" dirty="0" smtClean="0"/>
-              <a:t>Variables in set A are given a similarity metric based on expressed relations with set B.</a:t>
-            </a:r>
-          </a:p>
-          <a:p>
-            <a:pPr lvl="1"/>
-            <a:r>
-              <a:rPr lang="en-US" dirty="0" smtClean="0"/>
-              <a:t>We can then make guess that relations between individual members of set A can be predicted by those similar.</a:t>
-            </a:r>
-          </a:p>
-          <a:p>
-            <a:r>
-              <a:rPr lang="en-US" dirty="0" smtClean="0"/>
-              <a:t>Recommendations</a:t>
-            </a:r>
-          </a:p>
-          <a:p>
-            <a:pPr lvl="1"/>
-            <a:r>
-              <a:rPr lang="en-US" dirty="0" smtClean="0"/>
-              <a:t>Let’s call set A: users and set B: items (as this is the most obvious application of CF.</a:t>
-            </a:r>
-            <a:endParaRPr lang="en-US" dirty="0"/>
-          </a:p>
-          <a:p>
-            <a:pPr lvl="1"/>
-            <a:r>
-              <a:rPr lang="en-US" dirty="0" smtClean="0"/>
-              <a:t>We recommend items to users based on users’ expressed preferences.</a:t>
-            </a:r>
-          </a:p>
-        </p:txBody>
-      </p:sp>
-      <p:sp>
-        <p:nvSpPr>
-          <p:cNvPr id="4" name="Footer Placeholder 3"/>
-          <p:cNvSpPr>
-            <a:spLocks noGrp="1"/>
-          </p:cNvSpPr>
-          <p:nvPr>
-            <p:ph type="ftr" sz="quarter" idx="11"/>
-          </p:nvPr>
-        </p:nvSpPr>
-        <p:spPr/>
-        <p:txBody>
-          <a:bodyPr/>
-          <a:lstStyle/>
-          <a:p>
-            <a:r>
-              <a:rPr lang="en-US" smtClean="0"/>
-              <a:t>(c) ElephantScale.com 2014</a:t>
-            </a:r>
-            <a:endParaRPr lang="en-US"/>
-          </a:p>
-        </p:txBody>
-      </p:sp>
-      <p:sp>
-        <p:nvSpPr>
-          <p:cNvPr id="5" name="Slide Number Placeholder 4"/>
-          <p:cNvSpPr>
-            <a:spLocks noGrp="1"/>
-          </p:cNvSpPr>
-          <p:nvPr>
-            <p:ph type="sldNum" sz="quarter" idx="12"/>
-          </p:nvPr>
-        </p:nvSpPr>
-        <p:spPr/>
-        <p:txBody>
-          <a:bodyPr/>
-          <a:lstStyle/>
-          <a:p>
-            <a:fld id="{4AD8DDEF-9CD1-B641-ADE5-2BEE59567BE6}" type="slidenum">
-              <a:rPr lang="en-US" smtClean="0"/>
-              <a:pPr/>
-              <a:t>32</a:t>
-            </a:fld>
-            <a:endParaRPr lang="en-US"/>
-          </a:p>
-        </p:txBody>
-      </p:sp>
-    </p:spTree>
-    <p:extLst>
-      <p:ext uri="{BB962C8B-B14F-4D97-AF65-F5344CB8AC3E}">
-        <p14:creationId xmlns:p14="http://schemas.microsoft.com/office/powerpoint/2010/main" xmlns="" val="2174042868"/>
-      </p:ext>
-    </p:extLst>
-  </p:cSld>
-  <p:clrMapOvr>
-    <a:masterClrMapping/>
-  </p:clrMapOvr>
-  <p:timing>
-    <p:tnLst>
-      <p:par>
-        <p:cTn id="1" dur="indefinite" restart="never" nodeType="tmRoot"/>
-      </p:par>
-    </p:tnLst>
-  </p:timing>
-</p:sld>
-</file>
-
-<file path=ppt/slides/slide33.xml><?xml version="1.0" encoding="utf-8"?>
-<p:sld xmlns:a="http://schemas.openxmlformats.org/drawingml/2006/main" xmlns:r="http://schemas.openxmlformats.org/officeDocument/2006/relationships" xmlns:p="http://schemas.openxmlformats.org/presentationml/2006/main">
-  <p:cSld>
-    <p:spTree>
-      <p:nvGrpSpPr>
-        <p:cNvPr id="1" name=""/>
-        <p:cNvGrpSpPr/>
-        <p:nvPr/>
-      </p:nvGrpSpPr>
-      <p:grpSpPr>
-        <a:xfrm>
-          <a:off x="0" y="0"/>
-          <a:ext cx="0" cy="0"/>
-          <a:chOff x="0" y="0"/>
-          <a:chExt cx="0" cy="0"/>
-        </a:xfrm>
-      </p:grpSpPr>
-      <p:sp>
-        <p:nvSpPr>
-          <p:cNvPr id="2" name="Title 1"/>
-          <p:cNvSpPr>
-            <a:spLocks noGrp="1"/>
-          </p:cNvSpPr>
-          <p:nvPr>
-            <p:ph type="title"/>
-          </p:nvPr>
-        </p:nvSpPr>
-        <p:spPr/>
-        <p:txBody>
-          <a:bodyPr/>
-          <a:lstStyle/>
-          <a:p>
-            <a:r>
-              <a:rPr lang="en-US" dirty="0" smtClean="0"/>
-              <a:t>Collaborative Filtering</a:t>
-            </a:r>
-            <a:endParaRPr lang="en-US" dirty="0"/>
-          </a:p>
-        </p:txBody>
-      </p:sp>
-      <p:sp>
-        <p:nvSpPr>
-          <p:cNvPr id="3" name="Content Placeholder 2"/>
-          <p:cNvSpPr>
-            <a:spLocks noGrp="1"/>
-          </p:cNvSpPr>
-          <p:nvPr>
-            <p:ph idx="1"/>
-          </p:nvPr>
-        </p:nvSpPr>
-        <p:spPr/>
-        <p:txBody>
-          <a:bodyPr/>
-          <a:lstStyle/>
-          <a:p>
-            <a:r>
-              <a:rPr lang="en-US" dirty="0" smtClean="0"/>
-              <a:t>Collaborative Filtering (CF) is commonly used in Recommendations “Recommended For You” or “More Like This” functionality</a:t>
-            </a:r>
-          </a:p>
-          <a:p>
-            <a:r>
-              <a:rPr lang="en-US" dirty="0" smtClean="0"/>
-              <a:t>Recommendations can be explicit (based on user ratings), or implicit (based on user interest)</a:t>
-            </a:r>
-          </a:p>
-          <a:p>
-            <a:r>
-              <a:rPr lang="en-US" dirty="0" smtClean="0"/>
-              <a:t>CF is expressed as Users -&gt; Items</a:t>
-            </a:r>
-          </a:p>
-          <a:p>
-            <a:pPr lvl="1"/>
-            <a:r>
-              <a:rPr lang="en-US" dirty="0" smtClean="0"/>
-              <a:t>However, any correlation could be modeled as users to items.</a:t>
-            </a:r>
-          </a:p>
-          <a:p>
-            <a:r>
-              <a:rPr lang="en-US" dirty="0" smtClean="0"/>
-              <a:t>Users and Items could be the same (example: dating site)</a:t>
-            </a:r>
-          </a:p>
-          <a:p>
-            <a:endParaRPr lang="en-US" dirty="0" smtClean="0"/>
-          </a:p>
-          <a:p>
-            <a:endParaRPr lang="en-US" dirty="0"/>
-          </a:p>
-        </p:txBody>
-      </p:sp>
-      <p:sp>
-        <p:nvSpPr>
-          <p:cNvPr id="4" name="Footer Placeholder 3"/>
-          <p:cNvSpPr>
-            <a:spLocks noGrp="1"/>
-          </p:cNvSpPr>
-          <p:nvPr>
-            <p:ph type="ftr" sz="quarter" idx="11"/>
-          </p:nvPr>
-        </p:nvSpPr>
-        <p:spPr/>
-        <p:txBody>
-          <a:bodyPr/>
-          <a:lstStyle/>
-          <a:p>
-            <a:r>
-              <a:rPr lang="en-US" smtClean="0"/>
-              <a:t>(c) ElephantScale.com 2014</a:t>
-            </a:r>
-            <a:endParaRPr lang="en-US"/>
-          </a:p>
-        </p:txBody>
-      </p:sp>
-      <p:sp>
-        <p:nvSpPr>
-          <p:cNvPr id="5" name="Slide Number Placeholder 4"/>
-          <p:cNvSpPr>
-            <a:spLocks noGrp="1"/>
-          </p:cNvSpPr>
-          <p:nvPr>
-            <p:ph type="sldNum" sz="quarter" idx="12"/>
-          </p:nvPr>
-        </p:nvSpPr>
-        <p:spPr/>
-        <p:txBody>
-          <a:bodyPr/>
-          <a:lstStyle/>
-          <a:p>
-            <a:fld id="{4AD8DDEF-9CD1-B641-ADE5-2BEE59567BE6}" type="slidenum">
-              <a:rPr lang="en-US" smtClean="0"/>
-              <a:pPr/>
-              <a:t>33</a:t>
-            </a:fld>
-            <a:endParaRPr lang="en-US"/>
-          </a:p>
-        </p:txBody>
-      </p:sp>
-    </p:spTree>
-    <p:extLst>
-      <p:ext uri="{BB962C8B-B14F-4D97-AF65-F5344CB8AC3E}">
-        <p14:creationId xmlns:p14="http://schemas.microsoft.com/office/powerpoint/2010/main" xmlns="" val="376185666"/>
-      </p:ext>
-    </p:extLst>
-  </p:cSld>
-  <p:clrMapOvr>
-    <a:masterClrMapping/>
-  </p:clrMapOvr>
-  <p:timing>
-    <p:tnLst>
-      <p:par>
-        <p:cTn id="1" dur="indefinite" restart="never" nodeType="tmRoot"/>
-      </p:par>
-    </p:tnLst>
-  </p:timing>
-</p:sld>
-</file>
-
-<file path=ppt/slides/slide34.xml><?xml version="1.0" encoding="utf-8"?>
-<p:sld xmlns:a="http://schemas.openxmlformats.org/drawingml/2006/main" xmlns:r="http://schemas.openxmlformats.org/officeDocument/2006/relationships" xmlns:p="http://schemas.openxmlformats.org/presentationml/2006/main">
-  <p:cSld>
-    <p:spTree>
-      <p:nvGrpSpPr>
-        <p:cNvPr id="1" name=""/>
-        <p:cNvGrpSpPr/>
-        <p:nvPr/>
-      </p:nvGrpSpPr>
-      <p:grpSpPr>
-        <a:xfrm>
-          <a:off x="0" y="0"/>
-          <a:ext cx="0" cy="0"/>
-          <a:chOff x="0" y="0"/>
-          <a:chExt cx="0" cy="0"/>
-        </a:xfrm>
-      </p:grpSpPr>
-      <p:sp>
-        <p:nvSpPr>
-          <p:cNvPr id="2" name="Title 1"/>
-          <p:cNvSpPr>
-            <a:spLocks noGrp="1"/>
-          </p:cNvSpPr>
-          <p:nvPr>
-            <p:ph type="title"/>
-          </p:nvPr>
-        </p:nvSpPr>
-        <p:spPr/>
-        <p:txBody>
-          <a:bodyPr/>
-          <a:lstStyle/>
-          <a:p>
-            <a:r>
-              <a:rPr lang="en-US" dirty="0" smtClean="0"/>
-              <a:t>Ratings Matrix : Users / Movies</a:t>
-            </a:r>
-            <a:endParaRPr lang="en-US" dirty="0"/>
-          </a:p>
-        </p:txBody>
-      </p:sp>
-      <p:pic>
-        <p:nvPicPr>
-          <p:cNvPr id="4" name="Content Placeholder 3" descr="Screen Shot 2014-06-17 at 11.20.02 PM.png"/>
-          <p:cNvPicPr>
-            <a:picLocks noGrp="1" noChangeAspect="1"/>
-          </p:cNvPicPr>
-          <p:nvPr>
-            <p:ph idx="1"/>
-          </p:nvPr>
-        </p:nvPicPr>
-        <p:blipFill>
-          <a:blip r:embed="rId2">
-            <a:extLst>
-              <a:ext uri="{28A0092B-C50C-407E-A947-70E740481C1C}">
-                <a14:useLocalDpi xmlns:a14="http://schemas.microsoft.com/office/drawing/2010/main" xmlns="" val="0"/>
-              </a:ext>
-            </a:extLst>
-          </a:blip>
-          <a:srcRect t="-13879" b="-13879"/>
-          <a:stretch>
-            <a:fillRect/>
-          </a:stretch>
-        </p:blipFill>
-        <p:spPr/>
-      </p:pic>
-      <p:sp>
-        <p:nvSpPr>
-          <p:cNvPr id="3" name="Footer Placeholder 2"/>
-          <p:cNvSpPr>
-            <a:spLocks noGrp="1"/>
-          </p:cNvSpPr>
-          <p:nvPr>
-            <p:ph type="ftr" sz="quarter" idx="11"/>
-          </p:nvPr>
-        </p:nvSpPr>
-        <p:spPr/>
-        <p:txBody>
-          <a:bodyPr/>
-          <a:lstStyle/>
-          <a:p>
-            <a:r>
-              <a:rPr lang="en-US" smtClean="0"/>
-              <a:t>(c) ElephantScale.com 2014</a:t>
-            </a:r>
-            <a:endParaRPr lang="en-US"/>
-          </a:p>
-        </p:txBody>
-      </p:sp>
-      <p:sp>
-        <p:nvSpPr>
-          <p:cNvPr id="5" name="Slide Number Placeholder 4"/>
-          <p:cNvSpPr>
-            <a:spLocks noGrp="1"/>
-          </p:cNvSpPr>
-          <p:nvPr>
-            <p:ph type="sldNum" sz="quarter" idx="12"/>
-          </p:nvPr>
-        </p:nvSpPr>
-        <p:spPr/>
-        <p:txBody>
-          <a:bodyPr/>
-          <a:lstStyle/>
-          <a:p>
-            <a:fld id="{4AD8DDEF-9CD1-B641-ADE5-2BEE59567BE6}" type="slidenum">
-              <a:rPr lang="en-US" smtClean="0"/>
-              <a:pPr/>
-              <a:t>34</a:t>
-            </a:fld>
-            <a:endParaRPr lang="en-US"/>
-          </a:p>
-        </p:txBody>
-      </p:sp>
-    </p:spTree>
-    <p:extLst>
-      <p:ext uri="{BB962C8B-B14F-4D97-AF65-F5344CB8AC3E}">
-        <p14:creationId xmlns:p14="http://schemas.microsoft.com/office/powerpoint/2010/main" xmlns="" val="3658327973"/>
       </p:ext>
     </p:extLst>
   </p:cSld>
@@ -15363,7 +15355,7 @@
           <a:p>
             <a:r>
               <a:rPr lang="en-US" dirty="0" smtClean="0"/>
-              <a:t>Item Ratings Matrix</a:t>
+              <a:t>Recommendations From Netflix (With Profiles)</a:t>
             </a:r>
             <a:endParaRPr lang="en-US" dirty="0"/>
           </a:p>
@@ -15371,7 +15363,7 @@
       </p:sp>
       <p:pic>
         <p:nvPicPr>
-          <p:cNvPr id="4" name="Content Placeholder 3" descr="Screen Shot 2014-06-17 at 11.29.51 PM.png"/>
+          <p:cNvPr id="4" name="Content Placeholder 3" descr="Screen Shot 2014-06-17 at 11.14.01 PM.png"/>
           <p:cNvPicPr>
             <a:picLocks noGrp="1" noChangeAspect="1"/>
           </p:cNvPicPr>
@@ -15387,7 +15379,7 @@
               </a:ext>
             </a:extLst>
           </a:blip>
-          <a:srcRect l="-14843" r="-14843"/>
+          <a:srcRect t="-736" b="-736"/>
           <a:stretch>
             <a:fillRect/>
           </a:stretch>
@@ -15410,10 +15402,10 @@
           <a:lstStyle/>
           <a:p>
             <a:r>
-              <a:rPr lang="en-US" dirty="0" smtClean="0"/>
+              <a:rPr lang="en-US" smtClean="0"/>
               <a:t>(c) ElephantScale.com 2014</a:t>
             </a:r>
-            <a:endParaRPr lang="en-US" dirty="0"/>
+            <a:endParaRPr lang="en-US"/>
           </a:p>
         </p:txBody>
       </p:sp>
@@ -15437,14 +15429,14 @@
               <a:pPr/>
               <a:t>35</a:t>
             </a:fld>
-            <a:endParaRPr lang="en-US" dirty="0"/>
+            <a:endParaRPr lang="en-US"/>
           </a:p>
         </p:txBody>
       </p:sp>
     </p:spTree>
     <p:extLst>
       <p:ext uri="{BB962C8B-B14F-4D97-AF65-F5344CB8AC3E}">
-        <p14:creationId xmlns:p14="http://schemas.microsoft.com/office/powerpoint/2010/main" xmlns="" val="2784375879"/>
+        <p14:creationId xmlns:p14="http://schemas.microsoft.com/office/powerpoint/2010/main" xmlns="" val="3992340815"/>
       </p:ext>
     </p:extLst>
   </p:cSld>
@@ -15494,12 +15486,8 @@
           <a:lstStyle/>
           <a:p>
             <a:r>
-              <a:rPr lang="en-US" dirty="0" err="1" smtClean="0"/>
-              <a:t>MLlib</a:t>
-            </a:r>
-            <a:r>
-              <a:rPr lang="en-US" dirty="0" smtClean="0"/>
-              <a:t> &amp; Recommendations</a:t>
+              <a:rPr lang="en-US" dirty="0" smtClean="0"/>
+              <a:t>Recommendations</a:t>
             </a:r>
             <a:endParaRPr lang="en-US" dirty="0"/>
           </a:p>
@@ -15518,260 +15506,56 @@
         <p:spPr/>
         <p:txBody>
           <a:bodyPr>
-            <a:normAutofit lnSpcReduction="10000"/>
+            <a:normAutofit/>
           </a:bodyPr>
           <a:lstStyle/>
           <a:p>
             <a:r>
               <a:rPr lang="en-US" dirty="0" smtClean="0"/>
-              <a:t>Uses the Recommendations.ALS</a:t>
-            </a:r>
-          </a:p>
-          <a:p>
-            <a:r>
-              <a:rPr lang="en-US" dirty="0" smtClean="0"/>
-              <a:t>ALS = Alternating Least Squares algorithm</a:t>
-            </a:r>
-          </a:p>
-          <a:p>
-            <a:r>
-              <a:rPr lang="en-US" dirty="0" smtClean="0"/>
-              <a:t>Train Model using number of iterations and rank.</a:t>
-            </a:r>
-          </a:p>
-          <a:p>
-            <a:r>
-              <a:rPr lang="en-US" dirty="0" smtClean="0"/>
-              <a:t>Class “Rating”, contains a </a:t>
-            </a:r>
-            <a:r>
-              <a:rPr lang="en-US" dirty="0" err="1" smtClean="0"/>
-              <a:t>UserId</a:t>
-            </a:r>
-            <a:r>
-              <a:rPr lang="en-US" dirty="0" smtClean="0"/>
-              <a:t>, </a:t>
-            </a:r>
-            <a:r>
-              <a:rPr lang="en-US" dirty="0" err="1" smtClean="0"/>
-              <a:t>ItemId</a:t>
-            </a:r>
-            <a:r>
-              <a:rPr lang="en-US" dirty="0" smtClean="0"/>
-              <a:t>, and numeric rating (i.e. 0-5).  </a:t>
+              <a:t>Recommendations are a straightforward application of the Collaborative Filtering algorithm.</a:t>
             </a:r>
           </a:p>
           <a:p>
             <a:pPr lvl="1"/>
             <a:r>
-              <a:rPr lang="en-US" b="1" dirty="0" err="1" smtClean="0">
-                <a:latin typeface="Courier New" pitchFamily="49" charset="0"/>
-                <a:cs typeface="Courier New" pitchFamily="49" charset="0"/>
-              </a:rPr>
-              <a:t>val</a:t>
-            </a:r>
-            <a:r>
-              <a:rPr lang="en-US" dirty="0" smtClean="0">
-                <a:latin typeface="Courier New" pitchFamily="49" charset="0"/>
-                <a:cs typeface="Courier New" pitchFamily="49" charset="0"/>
-              </a:rPr>
-              <a:t> ratings </a:t>
-            </a:r>
-            <a:r>
-              <a:rPr lang="en-US" b="1" dirty="0" smtClean="0">
-                <a:latin typeface="Courier New" pitchFamily="49" charset="0"/>
-                <a:cs typeface="Courier New" pitchFamily="49" charset="0"/>
-              </a:rPr>
-              <a:t>=</a:t>
-            </a:r>
-            <a:r>
-              <a:rPr lang="en-US" dirty="0" smtClean="0">
-                <a:latin typeface="Courier New" pitchFamily="49" charset="0"/>
-                <a:cs typeface="Courier New" pitchFamily="49" charset="0"/>
-              </a:rPr>
-              <a:t> data.map(</a:t>
-            </a:r>
-            <a:r>
-              <a:rPr lang="en-US" b="1" dirty="0" smtClean="0">
-                <a:latin typeface="Courier New" pitchFamily="49" charset="0"/>
-                <a:cs typeface="Courier New" pitchFamily="49" charset="0"/>
-              </a:rPr>
-              <a:t>_</a:t>
-            </a:r>
-            <a:r>
-              <a:rPr lang="en-US" dirty="0" smtClean="0">
-                <a:latin typeface="Courier New" pitchFamily="49" charset="0"/>
-                <a:cs typeface="Courier New" pitchFamily="49" charset="0"/>
-              </a:rPr>
-              <a:t>.split(',') </a:t>
-            </a:r>
-            <a:r>
-              <a:rPr lang="en-US" b="1" dirty="0" smtClean="0">
-                <a:latin typeface="Courier New" pitchFamily="49" charset="0"/>
-                <a:cs typeface="Courier New" pitchFamily="49" charset="0"/>
-              </a:rPr>
-              <a:t>match</a:t>
-            </a:r>
-            <a:r>
-              <a:rPr lang="en-US" dirty="0" smtClean="0">
-                <a:latin typeface="Courier New" pitchFamily="49" charset="0"/>
-                <a:cs typeface="Courier New" pitchFamily="49" charset="0"/>
-              </a:rPr>
-              <a:t> { </a:t>
-            </a:r>
-            <a:r>
-              <a:rPr lang="en-US" b="1" dirty="0" smtClean="0">
-                <a:latin typeface="Courier New" pitchFamily="49" charset="0"/>
-                <a:cs typeface="Courier New" pitchFamily="49" charset="0"/>
-              </a:rPr>
-              <a:t>case</a:t>
-            </a:r>
-            <a:r>
-              <a:rPr lang="en-US" dirty="0" smtClean="0">
-                <a:latin typeface="Courier New" pitchFamily="49" charset="0"/>
-                <a:cs typeface="Courier New" pitchFamily="49" charset="0"/>
-              </a:rPr>
-              <a:t> </a:t>
-            </a:r>
-            <a:r>
-              <a:rPr lang="en-US" b="1" dirty="0" smtClean="0">
-                <a:latin typeface="Courier New" pitchFamily="49" charset="0"/>
-                <a:cs typeface="Courier New" pitchFamily="49" charset="0"/>
-              </a:rPr>
-              <a:t>Array</a:t>
-            </a:r>
-            <a:r>
-              <a:rPr lang="en-US" dirty="0" smtClean="0">
-                <a:latin typeface="Courier New" pitchFamily="49" charset="0"/>
-                <a:cs typeface="Courier New" pitchFamily="49" charset="0"/>
-              </a:rPr>
-              <a:t>(user, item, rate) </a:t>
-            </a:r>
-            <a:r>
-              <a:rPr lang="en-US" b="1" dirty="0" smtClean="0">
-                <a:latin typeface="Courier New" pitchFamily="49" charset="0"/>
-                <a:cs typeface="Courier New" pitchFamily="49" charset="0"/>
-              </a:rPr>
-              <a:t>=&gt;</a:t>
-            </a:r>
-            <a:r>
-              <a:rPr lang="en-US" dirty="0" smtClean="0">
-                <a:latin typeface="Courier New" pitchFamily="49" charset="0"/>
-                <a:cs typeface="Courier New" pitchFamily="49" charset="0"/>
-              </a:rPr>
-              <a:t> </a:t>
-            </a:r>
-            <a:r>
-              <a:rPr lang="en-US" b="1" dirty="0" smtClean="0">
-                <a:latin typeface="Courier New" pitchFamily="49" charset="0"/>
-                <a:cs typeface="Courier New" pitchFamily="49" charset="0"/>
-              </a:rPr>
-              <a:t>Rating</a:t>
-            </a:r>
-            <a:r>
-              <a:rPr lang="en-US" dirty="0" smtClean="0">
-                <a:latin typeface="Courier New" pitchFamily="49" charset="0"/>
-                <a:cs typeface="Courier New" pitchFamily="49" charset="0"/>
-              </a:rPr>
-              <a:t>(</a:t>
-            </a:r>
-            <a:r>
-              <a:rPr lang="en-US" dirty="0" err="1" smtClean="0">
-                <a:latin typeface="Courier New" pitchFamily="49" charset="0"/>
-                <a:cs typeface="Courier New" pitchFamily="49" charset="0"/>
-              </a:rPr>
-              <a:t>user.toInt</a:t>
-            </a:r>
-            <a:r>
-              <a:rPr lang="en-US" dirty="0" smtClean="0">
-                <a:latin typeface="Courier New" pitchFamily="49" charset="0"/>
-                <a:cs typeface="Courier New" pitchFamily="49" charset="0"/>
-              </a:rPr>
-              <a:t>, </a:t>
-            </a:r>
-            <a:r>
-              <a:rPr lang="en-US" dirty="0" err="1" smtClean="0">
-                <a:latin typeface="Courier New" pitchFamily="49" charset="0"/>
-                <a:cs typeface="Courier New" pitchFamily="49" charset="0"/>
-              </a:rPr>
-              <a:t>item.toInt</a:t>
-            </a:r>
-            <a:r>
-              <a:rPr lang="en-US" dirty="0" smtClean="0">
-                <a:latin typeface="Courier New" pitchFamily="49" charset="0"/>
-                <a:cs typeface="Courier New" pitchFamily="49" charset="0"/>
-              </a:rPr>
-              <a:t>, </a:t>
-            </a:r>
-            <a:r>
-              <a:rPr lang="en-US" dirty="0" err="1" smtClean="0">
-                <a:latin typeface="Courier New" pitchFamily="49" charset="0"/>
-                <a:cs typeface="Courier New" pitchFamily="49" charset="0"/>
-              </a:rPr>
-              <a:t>rate.toDouble</a:t>
-            </a:r>
-            <a:r>
-              <a:rPr lang="en-US" dirty="0" smtClean="0">
-                <a:latin typeface="Courier New" pitchFamily="49" charset="0"/>
-                <a:cs typeface="Courier New" pitchFamily="49" charset="0"/>
-              </a:rPr>
-              <a:t>) })</a:t>
-            </a:r>
-          </a:p>
-          <a:p>
-            <a:r>
-              <a:rPr lang="en-US" dirty="0" smtClean="0"/>
-              <a:t>Train model using training data:</a:t>
+              <a:rPr lang="en-US" dirty="0" smtClean="0"/>
+              <a:t>Collaborative filtering relates set A to set B.</a:t>
             </a:r>
           </a:p>
           <a:p>
             <a:pPr lvl="1"/>
             <a:r>
-              <a:rPr lang="sv-SE" b="1" dirty="0" smtClean="0">
-                <a:latin typeface="Courier New" pitchFamily="49" charset="0"/>
-                <a:cs typeface="Courier New" pitchFamily="49" charset="0"/>
-              </a:rPr>
-              <a:t>val</a:t>
-            </a:r>
-            <a:r>
-              <a:rPr lang="sv-SE" dirty="0" smtClean="0">
-                <a:latin typeface="Courier New" pitchFamily="49" charset="0"/>
-                <a:cs typeface="Courier New" pitchFamily="49" charset="0"/>
-              </a:rPr>
-              <a:t> model </a:t>
-            </a:r>
-            <a:r>
-              <a:rPr lang="sv-SE" b="1" dirty="0" smtClean="0">
-                <a:latin typeface="Courier New" pitchFamily="49" charset="0"/>
-                <a:cs typeface="Courier New" pitchFamily="49" charset="0"/>
-              </a:rPr>
-              <a:t>=</a:t>
-            </a:r>
-            <a:r>
-              <a:rPr lang="sv-SE" dirty="0" smtClean="0">
-                <a:latin typeface="Courier New" pitchFamily="49" charset="0"/>
-                <a:cs typeface="Courier New" pitchFamily="49" charset="0"/>
-              </a:rPr>
-              <a:t> </a:t>
-            </a:r>
-            <a:r>
-              <a:rPr lang="sv-SE" b="1" dirty="0" smtClean="0">
-                <a:latin typeface="Courier New" pitchFamily="49" charset="0"/>
-                <a:cs typeface="Courier New" pitchFamily="49" charset="0"/>
-              </a:rPr>
-              <a:t>ALS</a:t>
-            </a:r>
-            <a:r>
-              <a:rPr lang="sv-SE" dirty="0" smtClean="0">
-                <a:latin typeface="Courier New" pitchFamily="49" charset="0"/>
-                <a:cs typeface="Courier New" pitchFamily="49" charset="0"/>
-              </a:rPr>
-              <a:t>.train(ratings, rank, numIterations, 0.01)</a:t>
+              <a:rPr lang="en-US" dirty="0" smtClean="0"/>
+              <a:t>Variables in set A are given a similarity metric based on expressed relations with set B.</a:t>
             </a:r>
           </a:p>
           <a:p>
             <a:pPr lvl="1"/>
+            <a:r>
+              <a:rPr lang="en-US" dirty="0" smtClean="0"/>
+              <a:t>We can then make guess that relations between individual members of set A can be predicted by those similar.</a:t>
+            </a:r>
+          </a:p>
+          <a:p>
+            <a:r>
+              <a:rPr lang="en-US" dirty="0" smtClean="0"/>
+              <a:t>Recommendations</a:t>
+            </a:r>
+          </a:p>
+          <a:p>
+            <a:pPr lvl="1"/>
+            <a:r>
+              <a:rPr lang="en-US" dirty="0" smtClean="0"/>
+              <a:t>Let’s call set A: users and set B: items (as this is the most obvious application of CF.</a:t>
+            </a:r>
             <a:endParaRPr lang="en-US" dirty="0"/>
+          </a:p>
+          <a:p>
+            <a:pPr lvl="1"/>
+            <a:r>
+              <a:rPr lang="en-US" dirty="0" smtClean="0"/>
+              <a:t>We recommend items to users based on users’ expressed preferences.</a:t>
+            </a:r>
           </a:p>
         </p:txBody>
       </p:sp>
@@ -15825,7 +15609,7 @@
     </p:spTree>
     <p:extLst>
       <p:ext uri="{BB962C8B-B14F-4D97-AF65-F5344CB8AC3E}">
-        <p14:creationId xmlns:p14="http://schemas.microsoft.com/office/powerpoint/2010/main" xmlns="" val="1251454248"/>
+        <p14:creationId xmlns:p14="http://schemas.microsoft.com/office/powerpoint/2010/main" xmlns="" val="2174042868"/>
       </p:ext>
     </p:extLst>
   </p:cSld>
@@ -15876,7 +15660,7 @@
           <a:p>
             <a:r>
               <a:rPr lang="en-US" dirty="0" smtClean="0"/>
-              <a:t>Making a Prediction</a:t>
+              <a:t>Collaborative Filtering</a:t>
             </a:r>
             <a:endParaRPr lang="en-US" dirty="0"/>
           </a:p>
@@ -15899,97 +15683,38 @@
           <a:p>
             <a:r>
               <a:rPr lang="en-US" dirty="0" smtClean="0"/>
-              <a:t>Use predict method on model (like regression/classification) </a:t>
+              <a:t>Collaborative Filtering (CF) is commonly used in Recommendations “Recommended For You” or “More Like This” functionality</a:t>
+            </a:r>
+          </a:p>
+          <a:p>
+            <a:r>
+              <a:rPr lang="en-US" dirty="0" smtClean="0"/>
+              <a:t>Recommendations can be explicit (based on user ratings), or implicit (based on user interest)</a:t>
+            </a:r>
+          </a:p>
+          <a:p>
+            <a:r>
+              <a:rPr lang="en-US" dirty="0" smtClean="0"/>
+              <a:t>CF is expressed as Users -&gt; Items</a:t>
             </a:r>
           </a:p>
           <a:p>
             <a:pPr lvl="1"/>
             <a:r>
-              <a:rPr lang="en-US" dirty="0" smtClean="0">
-                <a:latin typeface="Courier New" pitchFamily="49" charset="0"/>
-                <a:cs typeface="Courier New" pitchFamily="49" charset="0"/>
-              </a:rPr>
-              <a:t>import </a:t>
-            </a:r>
-            <a:r>
-              <a:rPr lang="en-US" dirty="0" err="1" smtClean="0">
-                <a:latin typeface="Courier New" pitchFamily="49" charset="0"/>
-                <a:cs typeface="Courier New" pitchFamily="49" charset="0"/>
-              </a:rPr>
-              <a:t>org.apache.spark.mllib.recommendation.ALS</a:t>
-            </a:r>
-            <a:endParaRPr lang="en-US" dirty="0" smtClean="0">
-              <a:latin typeface="Courier New" pitchFamily="49" charset="0"/>
-              <a:cs typeface="Courier New" pitchFamily="49" charset="0"/>
-            </a:endParaRPr>
-          </a:p>
-          <a:p>
-            <a:pPr lvl="1">
-              <a:buNone/>
-            </a:pPr>
-            <a:r>
-              <a:rPr lang="en-US" dirty="0" smtClean="0">
-                <a:latin typeface="Courier New" pitchFamily="49" charset="0"/>
-                <a:cs typeface="Courier New" pitchFamily="49" charset="0"/>
-              </a:rPr>
-              <a:t> import </a:t>
-            </a:r>
-            <a:r>
-              <a:rPr lang="en-US" dirty="0" err="1" smtClean="0">
-                <a:latin typeface="Courier New" pitchFamily="49" charset="0"/>
-                <a:cs typeface="Courier New" pitchFamily="49" charset="0"/>
-              </a:rPr>
-              <a:t>org.apache.spark.mllib.recommendation.Rating</a:t>
-            </a:r>
-            <a:endParaRPr lang="en-US" dirty="0" smtClean="0">
-              <a:latin typeface="Courier New" pitchFamily="49" charset="0"/>
-              <a:cs typeface="Courier New" pitchFamily="49" charset="0"/>
-            </a:endParaRPr>
-          </a:p>
-          <a:p>
-            <a:pPr lvl="1"/>
-            <a:r>
-              <a:rPr lang="en-US" dirty="0" err="1" smtClean="0">
-                <a:latin typeface="Courier New" pitchFamily="49" charset="0"/>
-                <a:cs typeface="Courier New" pitchFamily="49" charset="0"/>
-              </a:rPr>
-              <a:t>Model.predict</a:t>
-            </a:r>
-            <a:r>
-              <a:rPr lang="en-US" dirty="0" smtClean="0">
-                <a:latin typeface="Courier New" pitchFamily="49" charset="0"/>
-                <a:cs typeface="Courier New" pitchFamily="49" charset="0"/>
-              </a:rPr>
-              <a:t>(</a:t>
-            </a:r>
-            <a:r>
-              <a:rPr lang="en-US" dirty="0" err="1" smtClean="0">
-                <a:latin typeface="Courier New" pitchFamily="49" charset="0"/>
-                <a:cs typeface="Courier New" pitchFamily="49" charset="0"/>
-              </a:rPr>
-              <a:t>RDDUsersItems</a:t>
-            </a:r>
-            <a:r>
-              <a:rPr lang="en-US" dirty="0" smtClean="0">
-                <a:latin typeface="Courier New" pitchFamily="49" charset="0"/>
-                <a:cs typeface="Courier New" pitchFamily="49" charset="0"/>
-              </a:rPr>
-              <a:t>)</a:t>
-            </a:r>
-          </a:p>
-          <a:p>
-            <a:pPr lvl="1"/>
-            <a:r>
-              <a:rPr lang="en-US" dirty="0" smtClean="0"/>
-              <a:t>Input Takes an RDD of user – item pairs as argument(NOT Ratings)</a:t>
-            </a:r>
-          </a:p>
-          <a:p>
-            <a:pPr lvl="1"/>
-            <a:r>
-              <a:rPr lang="en-US" dirty="0" smtClean="0"/>
-              <a:t>Returns RDD of Rating (user, item, double rating)</a:t>
-            </a:r>
+              <a:rPr lang="en-US" dirty="0" smtClean="0"/>
+              <a:t>However, any correlation could be modeled as users to items.</a:t>
+            </a:r>
+          </a:p>
+          <a:p>
+            <a:r>
+              <a:rPr lang="en-US" dirty="0" smtClean="0"/>
+              <a:t>Users and Items could be the same (example: dating site)</a:t>
+            </a:r>
+          </a:p>
+          <a:p>
+            <a:endParaRPr lang="en-US" dirty="0" smtClean="0"/>
+          </a:p>
+          <a:p>
             <a:endParaRPr lang="en-US" dirty="0"/>
           </a:p>
         </p:txBody>
@@ -16011,17 +15736,53 @@
           <a:p>
             <a:r>
               <a:rPr lang="en-US" smtClean="0"/>
-              <a:t>© Elephant Scale, 2014</a:t>
-            </a:r>
-            <a:endParaRPr lang="en-US" dirty="0"/>
+              <a:t>(c) ElephantScale.com 2014</a:t>
+            </a:r>
+            <a:endParaRPr lang="en-US"/>
+          </a:p>
+        </p:txBody>
+      </p:sp>
+      <p:sp>
+        <p:nvSpPr>
+          <p:cNvPr id="5" name="Slide Number Placeholder 4"/>
+          <p:cNvSpPr>
+            <a:spLocks noGrp="1"/>
+          </p:cNvSpPr>
+          <p:nvPr>
+            <p:ph type="sldNum" sz="quarter" idx="12"/>
+          </p:nvPr>
+        </p:nvSpPr>
+        <p:spPr/>
+        <p:txBody>
+          <a:bodyPr/>
+          <a:lstStyle/>
+          <a:p>
+            <a:fld id="{4AD8DDEF-9CD1-B641-ADE5-2BEE59567BE6}" type="slidenum">
+              <a:rPr lang="en-US" smtClean="0"/>
+              <a:pPr/>
+              <a:t>37</a:t>
+            </a:fld>
+            <a:endParaRPr lang="en-US"/>
           </a:p>
         </p:txBody>
       </p:sp>
     </p:spTree>
+    <p:extLst>
+      <p:ext uri="{BB962C8B-B14F-4D97-AF65-F5344CB8AC3E}">
+        <p14:creationId xmlns:p14="http://schemas.microsoft.com/office/powerpoint/2010/main" xmlns="" val="376185666"/>
+      </p:ext>
+    </p:extLst>
   </p:cSld>
   <p:clrMapOvr>
     <a:masterClrMapping/>
   </p:clrMapOvr>
+  <p:timing>
+    <p:tnLst>
+      <p:par>
+        <p:cTn id="1" dur="indefinite" restart="never" nodeType="tmRoot"/>
+      </p:par>
+    </p:tnLst>
+  </p:timing>
 </p:sld>
 </file>
 
@@ -16059,142 +15820,40 @@
           <a:p>
             <a:r>
               <a:rPr lang="en-US" dirty="0" smtClean="0"/>
-              <a:t>Measuring CF Performance</a:t>
+              <a:t>Ratings Matrix : Users / Movies</a:t>
             </a:r>
             <a:endParaRPr lang="en-US" dirty="0"/>
           </a:p>
         </p:txBody>
       </p:sp>
-      <p:sp>
-        <p:nvSpPr>
-          <p:cNvPr id="3" name="Content Placeholder 2"/>
-          <p:cNvSpPr>
-            <a:spLocks noGrp="1"/>
-          </p:cNvSpPr>
+      <p:pic>
+        <p:nvPicPr>
+          <p:cNvPr id="4" name="Content Placeholder 3" descr="Screen Shot 2014-06-17 at 11.20.02 PM.png"/>
+          <p:cNvPicPr>
+            <a:picLocks noGrp="1" noChangeAspect="1"/>
+          </p:cNvPicPr>
           <p:nvPr>
             <p:ph idx="1"/>
           </p:nvPr>
-        </p:nvSpPr>
-        <p:spPr/>
-        <p:txBody>
-          <a:bodyPr/>
-          <a:lstStyle/>
-          <a:p>
-            <a:r>
-              <a:rPr lang="en-US" dirty="0" smtClean="0"/>
-              <a:t>CF in Spark is treated as a “supervised” ML task.</a:t>
-            </a:r>
-          </a:p>
-          <a:p>
-            <a:pPr lvl="1"/>
-            <a:r>
-              <a:rPr lang="en-US" dirty="0" smtClean="0"/>
-              <a:t>Best if we have some test data not part of training set to compare.</a:t>
-            </a:r>
-          </a:p>
-          <a:p>
-            <a:pPr lvl="1"/>
-            <a:r>
-              <a:rPr lang="en-US" dirty="0" smtClean="0"/>
-              <a:t>If not, can use some training data.</a:t>
-            </a:r>
-          </a:p>
-          <a:p>
-            <a:r>
-              <a:rPr lang="en-US" dirty="0" smtClean="0"/>
-              <a:t>Calculate error = difference in predicted preference to actual.</a:t>
-            </a:r>
-          </a:p>
-          <a:p>
-            <a:pPr lvl="1"/>
-            <a:r>
-              <a:rPr lang="en-US" dirty="0" smtClean="0"/>
-              <a:t>Aggregate error as MSE (Mean Squared Error).</a:t>
-            </a:r>
-          </a:p>
-          <a:p>
-            <a:pPr lvl="1">
-              <a:buNone/>
-            </a:pPr>
-            <a:r>
-              <a:rPr lang="en-US" dirty="0" err="1" smtClean="0">
-                <a:latin typeface="Courier New" pitchFamily="49" charset="0"/>
-                <a:cs typeface="Courier New" pitchFamily="49" charset="0"/>
-              </a:rPr>
-              <a:t>val</a:t>
-            </a:r>
-            <a:r>
-              <a:rPr lang="en-US" dirty="0" smtClean="0">
-                <a:latin typeface="Courier New" pitchFamily="49" charset="0"/>
-                <a:cs typeface="Courier New" pitchFamily="49" charset="0"/>
-              </a:rPr>
-              <a:t> MSE = ratingsAndRecs.map { case ((user, item), (r1, r2)) =&gt; </a:t>
-            </a:r>
-          </a:p>
-          <a:p>
-            <a:pPr lvl="1">
-              <a:buNone/>
-            </a:pPr>
-            <a:r>
-              <a:rPr lang="en-US" dirty="0" smtClean="0">
-                <a:latin typeface="Courier New" pitchFamily="49" charset="0"/>
-                <a:cs typeface="Courier New" pitchFamily="49" charset="0"/>
-              </a:rPr>
-              <a:t>  </a:t>
-            </a:r>
-            <a:r>
-              <a:rPr lang="en-US" dirty="0" err="1" smtClean="0">
-                <a:latin typeface="Courier New" pitchFamily="49" charset="0"/>
-                <a:cs typeface="Courier New" pitchFamily="49" charset="0"/>
-              </a:rPr>
-              <a:t>val</a:t>
-            </a:r>
-            <a:r>
-              <a:rPr lang="en-US" dirty="0" smtClean="0">
-                <a:latin typeface="Courier New" pitchFamily="49" charset="0"/>
-                <a:cs typeface="Courier New" pitchFamily="49" charset="0"/>
-              </a:rPr>
-              <a:t> err = (r1 - r2)</a:t>
-            </a:r>
-          </a:p>
-          <a:p>
-            <a:pPr lvl="1">
-              <a:buNone/>
-            </a:pPr>
-            <a:r>
-              <a:rPr lang="en-US" dirty="0" smtClean="0">
-                <a:latin typeface="Courier New" pitchFamily="49" charset="0"/>
-                <a:cs typeface="Courier New" pitchFamily="49" charset="0"/>
-              </a:rPr>
-              <a:t>  err * err</a:t>
-            </a:r>
-          </a:p>
-          <a:p>
-            <a:pPr lvl="1">
-              <a:buNone/>
-            </a:pPr>
-            <a:r>
-              <a:rPr lang="en-US" dirty="0" smtClean="0">
-                <a:latin typeface="Courier New" pitchFamily="49" charset="0"/>
-                <a:cs typeface="Courier New" pitchFamily="49" charset="0"/>
-              </a:rPr>
-              <a:t>}.mean()</a:t>
-            </a:r>
-          </a:p>
-          <a:p>
-            <a:pPr lvl="1">
-              <a:buNone/>
-            </a:pPr>
-            <a:endParaRPr lang="en-US" dirty="0" smtClean="0"/>
-          </a:p>
-          <a:p>
-            <a:endParaRPr lang="en-US" dirty="0" smtClean="0"/>
-          </a:p>
-        </p:txBody>
-      </p:sp>
-      <p:sp>
-        <p:nvSpPr>
-          <p:cNvPr id="4" name="Footer Placeholder 3"/>
+        </p:nvPicPr>
+        <p:blipFill>
+          <a:blip r:embed="rId2">
+            <a:extLst>
+              <a:ext uri="{28A0092B-C50C-407E-A947-70E740481C1C}">
+                <a14:useLocalDpi xmlns:a14="http://schemas.microsoft.com/office/drawing/2010/main" xmlns="" val="0"/>
+              </a:ext>
+            </a:extLst>
+          </a:blip>
+          <a:srcRect t="-13879" b="-13879"/>
+          <a:stretch>
+            <a:fillRect/>
+          </a:stretch>
+        </p:blipFill>
+        <p:spPr/>
+      </p:pic>
+      <p:sp>
+        <p:nvSpPr>
+          <p:cNvPr id="3" name="Footer Placeholder 2"/>
           <p:cNvSpPr>
             <a:spLocks noGrp="1"/>
           </p:cNvSpPr>
@@ -16208,18 +15867,54 @@
           <a:lstStyle/>
           <a:p>
             <a:r>
-              <a:rPr lang="en-US" dirty="0" smtClean="0"/>
-              <a:t>© Elephant Scale, 2014</a:t>
-            </a:r>
-            <a:endParaRPr lang="en-US" dirty="0"/>
+              <a:rPr lang="en-US" smtClean="0"/>
+              <a:t>(c) ElephantScale.com 2014</a:t>
+            </a:r>
+            <a:endParaRPr lang="en-US"/>
+          </a:p>
+        </p:txBody>
+      </p:sp>
+      <p:sp>
+        <p:nvSpPr>
+          <p:cNvPr id="5" name="Slide Number Placeholder 4"/>
+          <p:cNvSpPr>
+            <a:spLocks noGrp="1"/>
+          </p:cNvSpPr>
+          <p:nvPr>
+            <p:ph type="sldNum" sz="quarter" idx="12"/>
+          </p:nvPr>
+        </p:nvSpPr>
+        <p:spPr/>
+        <p:txBody>
+          <a:bodyPr/>
+          <a:lstStyle/>
+          <a:p>
+            <a:fld id="{4AD8DDEF-9CD1-B641-ADE5-2BEE59567BE6}" type="slidenum">
+              <a:rPr lang="en-US" smtClean="0"/>
+              <a:pPr/>
+              <a:t>38</a:t>
+            </a:fld>
+            <a:endParaRPr lang="en-US"/>
           </a:p>
         </p:txBody>
       </p:sp>
     </p:spTree>
+    <p:extLst>
+      <p:ext uri="{BB962C8B-B14F-4D97-AF65-F5344CB8AC3E}">
+        <p14:creationId xmlns:p14="http://schemas.microsoft.com/office/powerpoint/2010/main" xmlns="" val="3658327973"/>
+      </p:ext>
+    </p:extLst>
   </p:cSld>
   <p:clrMapOvr>
     <a:masterClrMapping/>
   </p:clrMapOvr>
+  <p:timing>
+    <p:tnLst>
+      <p:par>
+        <p:cTn id="1" dur="indefinite" restart="never" nodeType="tmRoot"/>
+      </p:par>
+    </p:tnLst>
+  </p:timing>
 </p:sld>
 </file>
 
@@ -16257,67 +15952,40 @@
           <a:p>
             <a:r>
               <a:rPr lang="en-US" dirty="0" smtClean="0"/>
-              <a:t>Recommendations Lab</a:t>
+              <a:t>Item Ratings Matrix</a:t>
             </a:r>
             <a:endParaRPr lang="en-US" dirty="0"/>
           </a:p>
         </p:txBody>
       </p:sp>
-      <p:sp>
-        <p:nvSpPr>
-          <p:cNvPr id="3" name="Content Placeholder 2"/>
-          <p:cNvSpPr>
-            <a:spLocks noGrp="1"/>
-          </p:cNvSpPr>
+      <p:pic>
+        <p:nvPicPr>
+          <p:cNvPr id="4" name="Content Placeholder 3" descr="Screen Shot 2014-06-17 at 11.29.51 PM.png"/>
+          <p:cNvPicPr>
+            <a:picLocks noGrp="1" noChangeAspect="1"/>
+          </p:cNvPicPr>
           <p:nvPr>
             <p:ph idx="1"/>
           </p:nvPr>
-        </p:nvSpPr>
-        <p:spPr/>
-        <p:txBody>
-          <a:bodyPr/>
-          <a:lstStyle/>
-          <a:p>
-            <a:r>
-              <a:rPr lang="en-US" dirty="0" smtClean="0"/>
-              <a:t>We will use data from a Czech dating website: </a:t>
-            </a:r>
-            <a:r>
-              <a:rPr lang="en-US" dirty="0" err="1" smtClean="0"/>
-              <a:t>libimseti</a:t>
-            </a:r>
-            <a:endParaRPr lang="en-US" dirty="0" smtClean="0"/>
-          </a:p>
-          <a:p>
-            <a:r>
-              <a:rPr lang="en-US" dirty="0" smtClean="0"/>
-              <a:t>location   : </a:t>
-            </a:r>
-            <a:r>
-              <a:rPr lang="en-US" dirty="0" err="1" smtClean="0"/>
-              <a:t>mllib</a:t>
-            </a:r>
-            <a:r>
-              <a:rPr lang="en-US" dirty="0" smtClean="0"/>
-              <a:t>/</a:t>
-            </a:r>
-            <a:r>
-              <a:rPr lang="en-US" dirty="0" err="1" smtClean="0"/>
-              <a:t>recs</a:t>
-            </a:r>
-            <a:endParaRPr lang="en-US" dirty="0" smtClean="0"/>
-          </a:p>
-          <a:p>
-            <a:r>
-              <a:rPr lang="en-US" dirty="0" smtClean="0"/>
-              <a:t>Try out the solution line-by-line</a:t>
-            </a:r>
-          </a:p>
-        </p:txBody>
-      </p:sp>
-      <p:sp>
-        <p:nvSpPr>
-          <p:cNvPr id="4" name="Footer Placeholder 3"/>
+        </p:nvPicPr>
+        <p:blipFill>
+          <a:blip r:embed="rId2">
+            <a:extLst>
+              <a:ext uri="{28A0092B-C50C-407E-A947-70E740481C1C}">
+                <a14:useLocalDpi xmlns:a14="http://schemas.microsoft.com/office/drawing/2010/main" xmlns="" val="0"/>
+              </a:ext>
+            </a:extLst>
+          </a:blip>
+          <a:srcRect l="-14843" r="-14843"/>
+          <a:stretch>
+            <a:fillRect/>
+          </a:stretch>
+        </p:blipFill>
+        <p:spPr/>
+      </p:pic>
+      <p:sp>
+        <p:nvSpPr>
+          <p:cNvPr id="3" name="Footer Placeholder 2"/>
           <p:cNvSpPr>
             <a:spLocks noGrp="1"/>
           </p:cNvSpPr>
@@ -16331,10 +15999,10 @@
           <a:lstStyle/>
           <a:p>
             <a:r>
-              <a:rPr lang="en-US" smtClean="0"/>
+              <a:rPr lang="en-US" dirty="0" smtClean="0"/>
               <a:t>(c) ElephantScale.com 2014</a:t>
             </a:r>
-            <a:endParaRPr lang="en-US"/>
+            <a:endParaRPr lang="en-US" dirty="0"/>
           </a:p>
         </p:txBody>
       </p:sp>
@@ -16358,14 +16026,14 @@
               <a:pPr/>
               <a:t>39</a:t>
             </a:fld>
-            <a:endParaRPr lang="en-US"/>
+            <a:endParaRPr lang="en-US" dirty="0"/>
           </a:p>
         </p:txBody>
       </p:sp>
     </p:spTree>
     <p:extLst>
       <p:ext uri="{BB962C8B-B14F-4D97-AF65-F5344CB8AC3E}">
-        <p14:creationId xmlns:p14="http://schemas.microsoft.com/office/powerpoint/2010/main" xmlns="" val="3599210062"/>
+        <p14:creationId xmlns:p14="http://schemas.microsoft.com/office/powerpoint/2010/main" xmlns="" val="2784375879"/>
       </p:ext>
     </p:extLst>
   </p:cSld>
@@ -16554,8 +16222,12 @@
           <a:lstStyle/>
           <a:p>
             <a:r>
-              <a:rPr lang="en-US" dirty="0" smtClean="0"/>
-              <a:t>Next : Classifications</a:t>
+              <a:rPr lang="en-US" dirty="0" err="1" smtClean="0"/>
+              <a:t>MLlib</a:t>
+            </a:r>
+            <a:r>
+              <a:rPr lang="en-US" dirty="0" smtClean="0"/>
+              <a:t> &amp; Recommendations</a:t>
             </a:r>
             <a:endParaRPr lang="en-US" dirty="0"/>
           </a:p>
@@ -16573,10 +16245,261 @@
         </p:nvSpPr>
         <p:spPr/>
         <p:txBody>
-          <a:bodyPr/>
-          <a:lstStyle/>
-          <a:p>
-            <a:endParaRPr lang="en-US"/>
+          <a:bodyPr>
+            <a:normAutofit lnSpcReduction="10000"/>
+          </a:bodyPr>
+          <a:lstStyle/>
+          <a:p>
+            <a:r>
+              <a:rPr lang="en-US" dirty="0" smtClean="0"/>
+              <a:t>Uses the Recommendations.ALS</a:t>
+            </a:r>
+          </a:p>
+          <a:p>
+            <a:r>
+              <a:rPr lang="en-US" dirty="0" smtClean="0"/>
+              <a:t>ALS = Alternating Least Squares algorithm</a:t>
+            </a:r>
+          </a:p>
+          <a:p>
+            <a:r>
+              <a:rPr lang="en-US" dirty="0" smtClean="0"/>
+              <a:t>Train Model using number of iterations and rank.</a:t>
+            </a:r>
+          </a:p>
+          <a:p>
+            <a:r>
+              <a:rPr lang="en-US" dirty="0" smtClean="0"/>
+              <a:t>Class “Rating”, contains a </a:t>
+            </a:r>
+            <a:r>
+              <a:rPr lang="en-US" dirty="0" err="1" smtClean="0"/>
+              <a:t>UserId</a:t>
+            </a:r>
+            <a:r>
+              <a:rPr lang="en-US" dirty="0" smtClean="0"/>
+              <a:t>, </a:t>
+            </a:r>
+            <a:r>
+              <a:rPr lang="en-US" dirty="0" err="1" smtClean="0"/>
+              <a:t>ItemId</a:t>
+            </a:r>
+            <a:r>
+              <a:rPr lang="en-US" dirty="0" smtClean="0"/>
+              <a:t>, and numeric rating (i.e. 0-5).  </a:t>
+            </a:r>
+          </a:p>
+          <a:p>
+            <a:pPr lvl="1"/>
+            <a:r>
+              <a:rPr lang="en-US" b="1" dirty="0" err="1" smtClean="0">
+                <a:latin typeface="Courier New" pitchFamily="49" charset="0"/>
+                <a:cs typeface="Courier New" pitchFamily="49" charset="0"/>
+              </a:rPr>
+              <a:t>val</a:t>
+            </a:r>
+            <a:r>
+              <a:rPr lang="en-US" dirty="0" smtClean="0">
+                <a:latin typeface="Courier New" pitchFamily="49" charset="0"/>
+                <a:cs typeface="Courier New" pitchFamily="49" charset="0"/>
+              </a:rPr>
+              <a:t> ratings </a:t>
+            </a:r>
+            <a:r>
+              <a:rPr lang="en-US" b="1" dirty="0" smtClean="0">
+                <a:latin typeface="Courier New" pitchFamily="49" charset="0"/>
+                <a:cs typeface="Courier New" pitchFamily="49" charset="0"/>
+              </a:rPr>
+              <a:t>=</a:t>
+            </a:r>
+            <a:r>
+              <a:rPr lang="en-US" dirty="0" smtClean="0">
+                <a:latin typeface="Courier New" pitchFamily="49" charset="0"/>
+                <a:cs typeface="Courier New" pitchFamily="49" charset="0"/>
+              </a:rPr>
+              <a:t> data.map(</a:t>
+            </a:r>
+            <a:r>
+              <a:rPr lang="en-US" b="1" dirty="0" smtClean="0">
+                <a:latin typeface="Courier New" pitchFamily="49" charset="0"/>
+                <a:cs typeface="Courier New" pitchFamily="49" charset="0"/>
+              </a:rPr>
+              <a:t>_</a:t>
+            </a:r>
+            <a:r>
+              <a:rPr lang="en-US" dirty="0" smtClean="0">
+                <a:latin typeface="Courier New" pitchFamily="49" charset="0"/>
+                <a:cs typeface="Courier New" pitchFamily="49" charset="0"/>
+              </a:rPr>
+              <a:t>.split(',') </a:t>
+            </a:r>
+            <a:r>
+              <a:rPr lang="en-US" b="1" dirty="0" smtClean="0">
+                <a:latin typeface="Courier New" pitchFamily="49" charset="0"/>
+                <a:cs typeface="Courier New" pitchFamily="49" charset="0"/>
+              </a:rPr>
+              <a:t>match</a:t>
+            </a:r>
+            <a:r>
+              <a:rPr lang="en-US" dirty="0" smtClean="0">
+                <a:latin typeface="Courier New" pitchFamily="49" charset="0"/>
+                <a:cs typeface="Courier New" pitchFamily="49" charset="0"/>
+              </a:rPr>
+              <a:t> { </a:t>
+            </a:r>
+            <a:r>
+              <a:rPr lang="en-US" b="1" dirty="0" smtClean="0">
+                <a:latin typeface="Courier New" pitchFamily="49" charset="0"/>
+                <a:cs typeface="Courier New" pitchFamily="49" charset="0"/>
+              </a:rPr>
+              <a:t>case</a:t>
+            </a:r>
+            <a:r>
+              <a:rPr lang="en-US" dirty="0" smtClean="0">
+                <a:latin typeface="Courier New" pitchFamily="49" charset="0"/>
+                <a:cs typeface="Courier New" pitchFamily="49" charset="0"/>
+              </a:rPr>
+              <a:t> </a:t>
+            </a:r>
+            <a:r>
+              <a:rPr lang="en-US" b="1" dirty="0" smtClean="0">
+                <a:latin typeface="Courier New" pitchFamily="49" charset="0"/>
+                <a:cs typeface="Courier New" pitchFamily="49" charset="0"/>
+              </a:rPr>
+              <a:t>Array</a:t>
+            </a:r>
+            <a:r>
+              <a:rPr lang="en-US" dirty="0" smtClean="0">
+                <a:latin typeface="Courier New" pitchFamily="49" charset="0"/>
+                <a:cs typeface="Courier New" pitchFamily="49" charset="0"/>
+              </a:rPr>
+              <a:t>(user, item, rate) </a:t>
+            </a:r>
+            <a:r>
+              <a:rPr lang="en-US" b="1" dirty="0" smtClean="0">
+                <a:latin typeface="Courier New" pitchFamily="49" charset="0"/>
+                <a:cs typeface="Courier New" pitchFamily="49" charset="0"/>
+              </a:rPr>
+              <a:t>=&gt;</a:t>
+            </a:r>
+            <a:r>
+              <a:rPr lang="en-US" dirty="0" smtClean="0">
+                <a:latin typeface="Courier New" pitchFamily="49" charset="0"/>
+                <a:cs typeface="Courier New" pitchFamily="49" charset="0"/>
+              </a:rPr>
+              <a:t> </a:t>
+            </a:r>
+            <a:r>
+              <a:rPr lang="en-US" b="1" dirty="0" smtClean="0">
+                <a:latin typeface="Courier New" pitchFamily="49" charset="0"/>
+                <a:cs typeface="Courier New" pitchFamily="49" charset="0"/>
+              </a:rPr>
+              <a:t>Rating</a:t>
+            </a:r>
+            <a:r>
+              <a:rPr lang="en-US" dirty="0" smtClean="0">
+                <a:latin typeface="Courier New" pitchFamily="49" charset="0"/>
+                <a:cs typeface="Courier New" pitchFamily="49" charset="0"/>
+              </a:rPr>
+              <a:t>(</a:t>
+            </a:r>
+            <a:r>
+              <a:rPr lang="en-US" dirty="0" err="1" smtClean="0">
+                <a:latin typeface="Courier New" pitchFamily="49" charset="0"/>
+                <a:cs typeface="Courier New" pitchFamily="49" charset="0"/>
+              </a:rPr>
+              <a:t>user.toInt</a:t>
+            </a:r>
+            <a:r>
+              <a:rPr lang="en-US" dirty="0" smtClean="0">
+                <a:latin typeface="Courier New" pitchFamily="49" charset="0"/>
+                <a:cs typeface="Courier New" pitchFamily="49" charset="0"/>
+              </a:rPr>
+              <a:t>, </a:t>
+            </a:r>
+            <a:r>
+              <a:rPr lang="en-US" dirty="0" err="1" smtClean="0">
+                <a:latin typeface="Courier New" pitchFamily="49" charset="0"/>
+                <a:cs typeface="Courier New" pitchFamily="49" charset="0"/>
+              </a:rPr>
+              <a:t>item.toInt</a:t>
+            </a:r>
+            <a:r>
+              <a:rPr lang="en-US" dirty="0" smtClean="0">
+                <a:latin typeface="Courier New" pitchFamily="49" charset="0"/>
+                <a:cs typeface="Courier New" pitchFamily="49" charset="0"/>
+              </a:rPr>
+              <a:t>, </a:t>
+            </a:r>
+            <a:r>
+              <a:rPr lang="en-US" dirty="0" err="1" smtClean="0">
+                <a:latin typeface="Courier New" pitchFamily="49" charset="0"/>
+                <a:cs typeface="Courier New" pitchFamily="49" charset="0"/>
+              </a:rPr>
+              <a:t>rate.toDouble</a:t>
+            </a:r>
+            <a:r>
+              <a:rPr lang="en-US" dirty="0" smtClean="0">
+                <a:latin typeface="Courier New" pitchFamily="49" charset="0"/>
+                <a:cs typeface="Courier New" pitchFamily="49" charset="0"/>
+              </a:rPr>
+              <a:t>) })</a:t>
+            </a:r>
+          </a:p>
+          <a:p>
+            <a:r>
+              <a:rPr lang="en-US" dirty="0" smtClean="0"/>
+              <a:t>Train model using training data:</a:t>
+            </a:r>
+          </a:p>
+          <a:p>
+            <a:pPr lvl="1"/>
+            <a:r>
+              <a:rPr lang="sv-SE" b="1" dirty="0" smtClean="0">
+                <a:latin typeface="Courier New" pitchFamily="49" charset="0"/>
+                <a:cs typeface="Courier New" pitchFamily="49" charset="0"/>
+              </a:rPr>
+              <a:t>val</a:t>
+            </a:r>
+            <a:r>
+              <a:rPr lang="sv-SE" dirty="0" smtClean="0">
+                <a:latin typeface="Courier New" pitchFamily="49" charset="0"/>
+                <a:cs typeface="Courier New" pitchFamily="49" charset="0"/>
+              </a:rPr>
+              <a:t> model </a:t>
+            </a:r>
+            <a:r>
+              <a:rPr lang="sv-SE" b="1" dirty="0" smtClean="0">
+                <a:latin typeface="Courier New" pitchFamily="49" charset="0"/>
+                <a:cs typeface="Courier New" pitchFamily="49" charset="0"/>
+              </a:rPr>
+              <a:t>=</a:t>
+            </a:r>
+            <a:r>
+              <a:rPr lang="sv-SE" dirty="0" smtClean="0">
+                <a:latin typeface="Courier New" pitchFamily="49" charset="0"/>
+                <a:cs typeface="Courier New" pitchFamily="49" charset="0"/>
+              </a:rPr>
+              <a:t> </a:t>
+            </a:r>
+            <a:r>
+              <a:rPr lang="sv-SE" b="1" dirty="0" smtClean="0">
+                <a:latin typeface="Courier New" pitchFamily="49" charset="0"/>
+                <a:cs typeface="Courier New" pitchFamily="49" charset="0"/>
+              </a:rPr>
+              <a:t>ALS</a:t>
+            </a:r>
+            <a:r>
+              <a:rPr lang="sv-SE" dirty="0" smtClean="0">
+                <a:latin typeface="Courier New" pitchFamily="49" charset="0"/>
+                <a:cs typeface="Courier New" pitchFamily="49" charset="0"/>
+              </a:rPr>
+              <a:t>.train(ratings, rank, numIterations, 0.01)</a:t>
+            </a:r>
+          </a:p>
+          <a:p>
+            <a:pPr lvl="1"/>
+            <a:endParaRPr lang="en-US" dirty="0"/>
           </a:p>
         </p:txBody>
       </p:sp>
@@ -16630,7 +16553,7 @@
     </p:spTree>
     <p:extLst>
       <p:ext uri="{BB962C8B-B14F-4D97-AF65-F5344CB8AC3E}">
-        <p14:creationId xmlns:p14="http://schemas.microsoft.com/office/powerpoint/2010/main" xmlns="" val="3435585138"/>
+        <p14:creationId xmlns:p14="http://schemas.microsoft.com/office/powerpoint/2010/main" xmlns="" val="1251454248"/>
       </p:ext>
     </p:extLst>
   </p:cSld>
@@ -16681,6 +16604,672 @@
           <a:p>
             <a:r>
               <a:rPr lang="en-US" dirty="0" smtClean="0"/>
+              <a:t>Making a Prediction</a:t>
+            </a:r>
+            <a:endParaRPr lang="en-US" dirty="0"/>
+          </a:p>
+        </p:txBody>
+      </p:sp>
+      <p:sp>
+        <p:nvSpPr>
+          <p:cNvPr id="3" name="Content Placeholder 2"/>
+          <p:cNvSpPr>
+            <a:spLocks noGrp="1"/>
+          </p:cNvSpPr>
+          <p:nvPr>
+            <p:ph idx="1"/>
+          </p:nvPr>
+        </p:nvSpPr>
+        <p:spPr/>
+        <p:txBody>
+          <a:bodyPr/>
+          <a:lstStyle/>
+          <a:p>
+            <a:r>
+              <a:rPr lang="en-US" dirty="0" smtClean="0"/>
+              <a:t>Use predict method on model (like regression/classification) </a:t>
+            </a:r>
+          </a:p>
+          <a:p>
+            <a:pPr lvl="1"/>
+            <a:r>
+              <a:rPr lang="en-US" dirty="0" smtClean="0">
+                <a:latin typeface="Courier New" pitchFamily="49" charset="0"/>
+                <a:cs typeface="Courier New" pitchFamily="49" charset="0"/>
+              </a:rPr>
+              <a:t>import </a:t>
+            </a:r>
+            <a:r>
+              <a:rPr lang="en-US" dirty="0" err="1" smtClean="0">
+                <a:latin typeface="Courier New" pitchFamily="49" charset="0"/>
+                <a:cs typeface="Courier New" pitchFamily="49" charset="0"/>
+              </a:rPr>
+              <a:t>org.apache.spark.mllib.recommendation.ALS</a:t>
+            </a:r>
+            <a:endParaRPr lang="en-US" dirty="0" smtClean="0">
+              <a:latin typeface="Courier New" pitchFamily="49" charset="0"/>
+              <a:cs typeface="Courier New" pitchFamily="49" charset="0"/>
+            </a:endParaRPr>
+          </a:p>
+          <a:p>
+            <a:pPr lvl="1">
+              <a:buNone/>
+            </a:pPr>
+            <a:r>
+              <a:rPr lang="en-US" dirty="0" smtClean="0">
+                <a:latin typeface="Courier New" pitchFamily="49" charset="0"/>
+                <a:cs typeface="Courier New" pitchFamily="49" charset="0"/>
+              </a:rPr>
+              <a:t> import </a:t>
+            </a:r>
+            <a:r>
+              <a:rPr lang="en-US" dirty="0" err="1" smtClean="0">
+                <a:latin typeface="Courier New" pitchFamily="49" charset="0"/>
+                <a:cs typeface="Courier New" pitchFamily="49" charset="0"/>
+              </a:rPr>
+              <a:t>org.apache.spark.mllib.recommendation.Rating</a:t>
+            </a:r>
+            <a:endParaRPr lang="en-US" dirty="0" smtClean="0">
+              <a:latin typeface="Courier New" pitchFamily="49" charset="0"/>
+              <a:cs typeface="Courier New" pitchFamily="49" charset="0"/>
+            </a:endParaRPr>
+          </a:p>
+          <a:p>
+            <a:pPr lvl="1"/>
+            <a:r>
+              <a:rPr lang="en-US" dirty="0" err="1" smtClean="0">
+                <a:latin typeface="Courier New" pitchFamily="49" charset="0"/>
+                <a:cs typeface="Courier New" pitchFamily="49" charset="0"/>
+              </a:rPr>
+              <a:t>Model.predict</a:t>
+            </a:r>
+            <a:r>
+              <a:rPr lang="en-US" dirty="0" smtClean="0">
+                <a:latin typeface="Courier New" pitchFamily="49" charset="0"/>
+                <a:cs typeface="Courier New" pitchFamily="49" charset="0"/>
+              </a:rPr>
+              <a:t>(</a:t>
+            </a:r>
+            <a:r>
+              <a:rPr lang="en-US" dirty="0" err="1" smtClean="0">
+                <a:latin typeface="Courier New" pitchFamily="49" charset="0"/>
+                <a:cs typeface="Courier New" pitchFamily="49" charset="0"/>
+              </a:rPr>
+              <a:t>RDDUsersItems</a:t>
+            </a:r>
+            <a:r>
+              <a:rPr lang="en-US" dirty="0" smtClean="0">
+                <a:latin typeface="Courier New" pitchFamily="49" charset="0"/>
+                <a:cs typeface="Courier New" pitchFamily="49" charset="0"/>
+              </a:rPr>
+              <a:t>)</a:t>
+            </a:r>
+          </a:p>
+          <a:p>
+            <a:pPr lvl="1"/>
+            <a:r>
+              <a:rPr lang="en-US" dirty="0" smtClean="0"/>
+              <a:t>Input Takes an RDD of user – item pairs as argument(NOT Ratings)</a:t>
+            </a:r>
+          </a:p>
+          <a:p>
+            <a:pPr lvl="1"/>
+            <a:r>
+              <a:rPr lang="en-US" dirty="0" smtClean="0"/>
+              <a:t>Returns RDD of Rating (user, item, double rating)</a:t>
+            </a:r>
+            <a:endParaRPr lang="en-US" dirty="0"/>
+          </a:p>
+        </p:txBody>
+      </p:sp>
+      <p:sp>
+        <p:nvSpPr>
+          <p:cNvPr id="4" name="Footer Placeholder 3"/>
+          <p:cNvSpPr>
+            <a:spLocks noGrp="1"/>
+          </p:cNvSpPr>
+          <p:nvPr>
+            <p:ph type="ftr" sz="quarter" idx="11"/>
+          </p:nvPr>
+        </p:nvSpPr>
+        <p:spPr/>
+        <p:txBody>
+          <a:bodyPr/>
+          <a:lstStyle/>
+          <a:p>
+            <a:r>
+              <a:rPr lang="en-US" smtClean="0"/>
+              <a:t>© Elephant Scale, 2014</a:t>
+            </a:r>
+            <a:endParaRPr lang="en-US" dirty="0"/>
+          </a:p>
+        </p:txBody>
+      </p:sp>
+    </p:spTree>
+  </p:cSld>
+  <p:clrMapOvr>
+    <a:masterClrMapping/>
+  </p:clrMapOvr>
+</p:sld>
+</file>
+
+<file path=ppt/slides/slide42.xml><?xml version="1.0" encoding="utf-8"?>
+<p:sld xmlns:a="http://schemas.openxmlformats.org/drawingml/2006/main" xmlns:r="http://schemas.openxmlformats.org/officeDocument/2006/relationships" xmlns:p="http://schemas.openxmlformats.org/presentationml/2006/main">
+  <p:cSld>
+    <p:spTree>
+      <p:nvGrpSpPr>
+        <p:cNvPr id="1" name=""/>
+        <p:cNvGrpSpPr/>
+        <p:nvPr/>
+      </p:nvGrpSpPr>
+      <p:grpSpPr>
+        <a:xfrm>
+          <a:off x="0" y="0"/>
+          <a:ext cx="0" cy="0"/>
+          <a:chOff x="0" y="0"/>
+          <a:chExt cx="0" cy="0"/>
+        </a:xfrm>
+      </p:grpSpPr>
+      <p:sp>
+        <p:nvSpPr>
+          <p:cNvPr id="2" name="Title 1"/>
+          <p:cNvSpPr>
+            <a:spLocks noGrp="1"/>
+          </p:cNvSpPr>
+          <p:nvPr>
+            <p:ph type="title"/>
+          </p:nvPr>
+        </p:nvSpPr>
+        <p:spPr/>
+        <p:txBody>
+          <a:bodyPr/>
+          <a:lstStyle/>
+          <a:p>
+            <a:r>
+              <a:rPr lang="en-US" dirty="0" smtClean="0"/>
+              <a:t>Measuring CF Performance</a:t>
+            </a:r>
+            <a:endParaRPr lang="en-US" dirty="0"/>
+          </a:p>
+        </p:txBody>
+      </p:sp>
+      <p:sp>
+        <p:nvSpPr>
+          <p:cNvPr id="3" name="Content Placeholder 2"/>
+          <p:cNvSpPr>
+            <a:spLocks noGrp="1"/>
+          </p:cNvSpPr>
+          <p:nvPr>
+            <p:ph idx="1"/>
+          </p:nvPr>
+        </p:nvSpPr>
+        <p:spPr/>
+        <p:txBody>
+          <a:bodyPr/>
+          <a:lstStyle/>
+          <a:p>
+            <a:r>
+              <a:rPr lang="en-US" dirty="0" smtClean="0"/>
+              <a:t>CF in Spark is treated as a “supervised” ML task.</a:t>
+            </a:r>
+          </a:p>
+          <a:p>
+            <a:pPr lvl="1"/>
+            <a:r>
+              <a:rPr lang="en-US" dirty="0" smtClean="0"/>
+              <a:t>Best if we have some test data not part of training set to compare.</a:t>
+            </a:r>
+          </a:p>
+          <a:p>
+            <a:pPr lvl="1"/>
+            <a:r>
+              <a:rPr lang="en-US" dirty="0" smtClean="0"/>
+              <a:t>If not, can use some training data.</a:t>
+            </a:r>
+          </a:p>
+          <a:p>
+            <a:r>
+              <a:rPr lang="en-US" dirty="0" smtClean="0"/>
+              <a:t>Calculate error = difference in predicted preference to actual.</a:t>
+            </a:r>
+          </a:p>
+          <a:p>
+            <a:pPr lvl="1"/>
+            <a:r>
+              <a:rPr lang="en-US" dirty="0" smtClean="0"/>
+              <a:t>Aggregate error as MSE (Mean Squared Error).</a:t>
+            </a:r>
+          </a:p>
+          <a:p>
+            <a:pPr lvl="1">
+              <a:buNone/>
+            </a:pPr>
+            <a:r>
+              <a:rPr lang="en-US" dirty="0" err="1" smtClean="0">
+                <a:latin typeface="Courier New" pitchFamily="49" charset="0"/>
+                <a:cs typeface="Courier New" pitchFamily="49" charset="0"/>
+              </a:rPr>
+              <a:t>val</a:t>
+            </a:r>
+            <a:r>
+              <a:rPr lang="en-US" dirty="0" smtClean="0">
+                <a:latin typeface="Courier New" pitchFamily="49" charset="0"/>
+                <a:cs typeface="Courier New" pitchFamily="49" charset="0"/>
+              </a:rPr>
+              <a:t> MSE = ratingsAndRecs.map { case ((user, item), (r1, r2)) =&gt; </a:t>
+            </a:r>
+          </a:p>
+          <a:p>
+            <a:pPr lvl="1">
+              <a:buNone/>
+            </a:pPr>
+            <a:r>
+              <a:rPr lang="en-US" dirty="0" smtClean="0">
+                <a:latin typeface="Courier New" pitchFamily="49" charset="0"/>
+                <a:cs typeface="Courier New" pitchFamily="49" charset="0"/>
+              </a:rPr>
+              <a:t>  </a:t>
+            </a:r>
+            <a:r>
+              <a:rPr lang="en-US" dirty="0" err="1" smtClean="0">
+                <a:latin typeface="Courier New" pitchFamily="49" charset="0"/>
+                <a:cs typeface="Courier New" pitchFamily="49" charset="0"/>
+              </a:rPr>
+              <a:t>val</a:t>
+            </a:r>
+            <a:r>
+              <a:rPr lang="en-US" dirty="0" smtClean="0">
+                <a:latin typeface="Courier New" pitchFamily="49" charset="0"/>
+                <a:cs typeface="Courier New" pitchFamily="49" charset="0"/>
+              </a:rPr>
+              <a:t> err = (r1 - r2)</a:t>
+            </a:r>
+          </a:p>
+          <a:p>
+            <a:pPr lvl="1">
+              <a:buNone/>
+            </a:pPr>
+            <a:r>
+              <a:rPr lang="en-US" dirty="0" smtClean="0">
+                <a:latin typeface="Courier New" pitchFamily="49" charset="0"/>
+                <a:cs typeface="Courier New" pitchFamily="49" charset="0"/>
+              </a:rPr>
+              <a:t>  err * err</a:t>
+            </a:r>
+          </a:p>
+          <a:p>
+            <a:pPr lvl="1">
+              <a:buNone/>
+            </a:pPr>
+            <a:r>
+              <a:rPr lang="en-US" dirty="0" smtClean="0">
+                <a:latin typeface="Courier New" pitchFamily="49" charset="0"/>
+                <a:cs typeface="Courier New" pitchFamily="49" charset="0"/>
+              </a:rPr>
+              <a:t>}.mean()</a:t>
+            </a:r>
+          </a:p>
+          <a:p>
+            <a:pPr lvl="1">
+              <a:buNone/>
+            </a:pPr>
+            <a:endParaRPr lang="en-US" dirty="0" smtClean="0"/>
+          </a:p>
+          <a:p>
+            <a:endParaRPr lang="en-US" dirty="0" smtClean="0"/>
+          </a:p>
+        </p:txBody>
+      </p:sp>
+      <p:sp>
+        <p:nvSpPr>
+          <p:cNvPr id="4" name="Footer Placeholder 3"/>
+          <p:cNvSpPr>
+            <a:spLocks noGrp="1"/>
+          </p:cNvSpPr>
+          <p:nvPr>
+            <p:ph type="ftr" sz="quarter" idx="11"/>
+          </p:nvPr>
+        </p:nvSpPr>
+        <p:spPr/>
+        <p:txBody>
+          <a:bodyPr/>
+          <a:lstStyle/>
+          <a:p>
+            <a:r>
+              <a:rPr lang="en-US" dirty="0" smtClean="0"/>
+              <a:t>© Elephant Scale, 2014</a:t>
+            </a:r>
+            <a:endParaRPr lang="en-US" dirty="0"/>
+          </a:p>
+        </p:txBody>
+      </p:sp>
+    </p:spTree>
+  </p:cSld>
+  <p:clrMapOvr>
+    <a:masterClrMapping/>
+  </p:clrMapOvr>
+</p:sld>
+</file>
+
+<file path=ppt/slides/slide43.xml><?xml version="1.0" encoding="utf-8"?>
+<p:sld xmlns:a="http://schemas.openxmlformats.org/drawingml/2006/main" xmlns:r="http://schemas.openxmlformats.org/officeDocument/2006/relationships" xmlns:p="http://schemas.openxmlformats.org/presentationml/2006/main">
+  <p:cSld>
+    <p:spTree>
+      <p:nvGrpSpPr>
+        <p:cNvPr id="1" name=""/>
+        <p:cNvGrpSpPr/>
+        <p:nvPr/>
+      </p:nvGrpSpPr>
+      <p:grpSpPr>
+        <a:xfrm>
+          <a:off x="0" y="0"/>
+          <a:ext cx="0" cy="0"/>
+          <a:chOff x="0" y="0"/>
+          <a:chExt cx="0" cy="0"/>
+        </a:xfrm>
+      </p:grpSpPr>
+      <p:sp>
+        <p:nvSpPr>
+          <p:cNvPr id="2" name="Title 1"/>
+          <p:cNvSpPr>
+            <a:spLocks noGrp="1"/>
+          </p:cNvSpPr>
+          <p:nvPr>
+            <p:ph type="title"/>
+          </p:nvPr>
+        </p:nvSpPr>
+        <p:spPr/>
+        <p:txBody>
+          <a:bodyPr/>
+          <a:lstStyle/>
+          <a:p>
+            <a:r>
+              <a:rPr lang="en-US" dirty="0" smtClean="0"/>
+              <a:t>Recommendations Lab</a:t>
+            </a:r>
+            <a:endParaRPr lang="en-US" dirty="0"/>
+          </a:p>
+        </p:txBody>
+      </p:sp>
+      <p:sp>
+        <p:nvSpPr>
+          <p:cNvPr id="3" name="Content Placeholder 2"/>
+          <p:cNvSpPr>
+            <a:spLocks noGrp="1"/>
+          </p:cNvSpPr>
+          <p:nvPr>
+            <p:ph idx="1"/>
+          </p:nvPr>
+        </p:nvSpPr>
+        <p:spPr/>
+        <p:txBody>
+          <a:bodyPr/>
+          <a:lstStyle/>
+          <a:p>
+            <a:r>
+              <a:rPr lang="en-US" dirty="0" smtClean="0"/>
+              <a:t>We will use data from a Czech dating website: </a:t>
+            </a:r>
+            <a:r>
+              <a:rPr lang="en-US" dirty="0" err="1" smtClean="0"/>
+              <a:t>libimseti</a:t>
+            </a:r>
+            <a:endParaRPr lang="en-US" dirty="0" smtClean="0"/>
+          </a:p>
+          <a:p>
+            <a:r>
+              <a:rPr lang="en-US" dirty="0" smtClean="0"/>
+              <a:t>location   : </a:t>
+            </a:r>
+            <a:r>
+              <a:rPr lang="en-US" dirty="0" err="1" smtClean="0"/>
+              <a:t>mllib</a:t>
+            </a:r>
+            <a:r>
+              <a:rPr lang="en-US" dirty="0" smtClean="0"/>
+              <a:t>/</a:t>
+            </a:r>
+            <a:r>
+              <a:rPr lang="en-US" dirty="0" err="1" smtClean="0"/>
+              <a:t>recs</a:t>
+            </a:r>
+            <a:endParaRPr lang="en-US" dirty="0" smtClean="0"/>
+          </a:p>
+          <a:p>
+            <a:r>
+              <a:rPr lang="en-US" dirty="0" smtClean="0"/>
+              <a:t>Try out the solution line-by-line</a:t>
+            </a:r>
+          </a:p>
+        </p:txBody>
+      </p:sp>
+      <p:sp>
+        <p:nvSpPr>
+          <p:cNvPr id="4" name="Footer Placeholder 3"/>
+          <p:cNvSpPr>
+            <a:spLocks noGrp="1"/>
+          </p:cNvSpPr>
+          <p:nvPr>
+            <p:ph type="ftr" sz="quarter" idx="11"/>
+          </p:nvPr>
+        </p:nvSpPr>
+        <p:spPr/>
+        <p:txBody>
+          <a:bodyPr/>
+          <a:lstStyle/>
+          <a:p>
+            <a:r>
+              <a:rPr lang="en-US" smtClean="0"/>
+              <a:t>(c) ElephantScale.com 2014</a:t>
+            </a:r>
+            <a:endParaRPr lang="en-US"/>
+          </a:p>
+        </p:txBody>
+      </p:sp>
+      <p:sp>
+        <p:nvSpPr>
+          <p:cNvPr id="5" name="Slide Number Placeholder 4"/>
+          <p:cNvSpPr>
+            <a:spLocks noGrp="1"/>
+          </p:cNvSpPr>
+          <p:nvPr>
+            <p:ph type="sldNum" sz="quarter" idx="12"/>
+          </p:nvPr>
+        </p:nvSpPr>
+        <p:spPr/>
+        <p:txBody>
+          <a:bodyPr/>
+          <a:lstStyle/>
+          <a:p>
+            <a:fld id="{4AD8DDEF-9CD1-B641-ADE5-2BEE59567BE6}" type="slidenum">
+              <a:rPr lang="en-US" smtClean="0"/>
+              <a:pPr/>
+              <a:t>43</a:t>
+            </a:fld>
+            <a:endParaRPr lang="en-US"/>
+          </a:p>
+        </p:txBody>
+      </p:sp>
+    </p:spTree>
+    <p:extLst>
+      <p:ext uri="{BB962C8B-B14F-4D97-AF65-F5344CB8AC3E}">
+        <p14:creationId xmlns:p14="http://schemas.microsoft.com/office/powerpoint/2010/main" xmlns="" val="3599210062"/>
+      </p:ext>
+    </p:extLst>
+  </p:cSld>
+  <p:clrMapOvr>
+    <a:masterClrMapping/>
+  </p:clrMapOvr>
+  <p:timing>
+    <p:tnLst>
+      <p:par>
+        <p:cTn id="1" dur="indefinite" restart="never" nodeType="tmRoot"/>
+      </p:par>
+    </p:tnLst>
+  </p:timing>
+</p:sld>
+</file>
+
+<file path=ppt/slides/slide44.xml><?xml version="1.0" encoding="utf-8"?>
+<p:sld xmlns:a="http://schemas.openxmlformats.org/drawingml/2006/main" xmlns:r="http://schemas.openxmlformats.org/officeDocument/2006/relationships" xmlns:p="http://schemas.openxmlformats.org/presentationml/2006/main">
+  <p:cSld>
+    <p:spTree>
+      <p:nvGrpSpPr>
+        <p:cNvPr id="1" name=""/>
+        <p:cNvGrpSpPr/>
+        <p:nvPr/>
+      </p:nvGrpSpPr>
+      <p:grpSpPr>
+        <a:xfrm>
+          <a:off x="0" y="0"/>
+          <a:ext cx="0" cy="0"/>
+          <a:chOff x="0" y="0"/>
+          <a:chExt cx="0" cy="0"/>
+        </a:xfrm>
+      </p:grpSpPr>
+      <p:sp>
+        <p:nvSpPr>
+          <p:cNvPr id="2" name="Title 1"/>
+          <p:cNvSpPr>
+            <a:spLocks noGrp="1"/>
+          </p:cNvSpPr>
+          <p:nvPr>
+            <p:ph type="title"/>
+          </p:nvPr>
+        </p:nvSpPr>
+        <p:spPr/>
+        <p:txBody>
+          <a:bodyPr/>
+          <a:lstStyle/>
+          <a:p>
+            <a:r>
+              <a:rPr lang="en-US" dirty="0" smtClean="0"/>
+              <a:t>Next : Classifications</a:t>
+            </a:r>
+            <a:endParaRPr lang="en-US" dirty="0"/>
+          </a:p>
+        </p:txBody>
+      </p:sp>
+      <p:sp>
+        <p:nvSpPr>
+          <p:cNvPr id="3" name="Content Placeholder 2"/>
+          <p:cNvSpPr>
+            <a:spLocks noGrp="1"/>
+          </p:cNvSpPr>
+          <p:nvPr>
+            <p:ph idx="1"/>
+          </p:nvPr>
+        </p:nvSpPr>
+        <p:spPr/>
+        <p:txBody>
+          <a:bodyPr/>
+          <a:lstStyle/>
+          <a:p>
+            <a:endParaRPr lang="en-US"/>
+          </a:p>
+        </p:txBody>
+      </p:sp>
+      <p:sp>
+        <p:nvSpPr>
+          <p:cNvPr id="4" name="Footer Placeholder 3"/>
+          <p:cNvSpPr>
+            <a:spLocks noGrp="1"/>
+          </p:cNvSpPr>
+          <p:nvPr>
+            <p:ph type="ftr" sz="quarter" idx="11"/>
+          </p:nvPr>
+        </p:nvSpPr>
+        <p:spPr/>
+        <p:txBody>
+          <a:bodyPr/>
+          <a:lstStyle/>
+          <a:p>
+            <a:r>
+              <a:rPr lang="en-US" smtClean="0"/>
+              <a:t>(c) ElephantScale.com 2014</a:t>
+            </a:r>
+            <a:endParaRPr lang="en-US"/>
+          </a:p>
+        </p:txBody>
+      </p:sp>
+      <p:sp>
+        <p:nvSpPr>
+          <p:cNvPr id="5" name="Slide Number Placeholder 4"/>
+          <p:cNvSpPr>
+            <a:spLocks noGrp="1"/>
+          </p:cNvSpPr>
+          <p:nvPr>
+            <p:ph type="sldNum" sz="quarter" idx="12"/>
+          </p:nvPr>
+        </p:nvSpPr>
+        <p:spPr/>
+        <p:txBody>
+          <a:bodyPr/>
+          <a:lstStyle/>
+          <a:p>
+            <a:fld id="{4AD8DDEF-9CD1-B641-ADE5-2BEE59567BE6}" type="slidenum">
+              <a:rPr lang="en-US" smtClean="0"/>
+              <a:pPr/>
+              <a:t>44</a:t>
+            </a:fld>
+            <a:endParaRPr lang="en-US"/>
+          </a:p>
+        </p:txBody>
+      </p:sp>
+    </p:spTree>
+    <p:extLst>
+      <p:ext uri="{BB962C8B-B14F-4D97-AF65-F5344CB8AC3E}">
+        <p14:creationId xmlns:p14="http://schemas.microsoft.com/office/powerpoint/2010/main" xmlns="" val="3435585138"/>
+      </p:ext>
+    </p:extLst>
+  </p:cSld>
+  <p:clrMapOvr>
+    <a:masterClrMapping/>
+  </p:clrMapOvr>
+  <p:timing>
+    <p:tnLst>
+      <p:par>
+        <p:cTn id="1" dur="indefinite" restart="never" nodeType="tmRoot"/>
+      </p:par>
+    </p:tnLst>
+  </p:timing>
+</p:sld>
+</file>
+
+<file path=ppt/slides/slide45.xml><?xml version="1.0" encoding="utf-8"?>
+<p:sld xmlns:a="http://schemas.openxmlformats.org/drawingml/2006/main" xmlns:r="http://schemas.openxmlformats.org/officeDocument/2006/relationships" xmlns:p="http://schemas.openxmlformats.org/presentationml/2006/main">
+  <p:cSld>
+    <p:spTree>
+      <p:nvGrpSpPr>
+        <p:cNvPr id="1" name=""/>
+        <p:cNvGrpSpPr/>
+        <p:nvPr/>
+      </p:nvGrpSpPr>
+      <p:grpSpPr>
+        <a:xfrm>
+          <a:off x="0" y="0"/>
+          <a:ext cx="0" cy="0"/>
+          <a:chOff x="0" y="0"/>
+          <a:chExt cx="0" cy="0"/>
+        </a:xfrm>
+      </p:grpSpPr>
+      <p:sp>
+        <p:nvSpPr>
+          <p:cNvPr id="2" name="Title 1"/>
+          <p:cNvSpPr>
+            <a:spLocks noGrp="1"/>
+          </p:cNvSpPr>
+          <p:nvPr>
+            <p:ph type="title"/>
+          </p:nvPr>
+        </p:nvSpPr>
+        <p:spPr/>
+        <p:txBody>
+          <a:bodyPr/>
+          <a:lstStyle/>
+          <a:p>
+            <a:r>
+              <a:rPr lang="en-US" dirty="0" smtClean="0"/>
               <a:t>Classification Applications</a:t>
             </a:r>
             <a:endParaRPr lang="en-US" dirty="0"/>
@@ -16756,7 +17345,7 @@
             <a:fld id="{4AD8DDEF-9CD1-B641-ADE5-2BEE59567BE6}" type="slidenum">
               <a:rPr lang="en-US" smtClean="0"/>
               <a:pPr/>
-              <a:t>41</a:t>
+              <a:t>45</a:t>
             </a:fld>
             <a:endParaRPr lang="en-US"/>
           </a:p>
@@ -16839,7 +17428,7 @@
 </p:sld>
 </file>
 
-<file path=ppt/slides/slide42.xml><?xml version="1.0" encoding="utf-8"?>
+<file path=ppt/slides/slide46.xml><?xml version="1.0" encoding="utf-8"?>
 <p:sld xmlns:a="http://schemas.openxmlformats.org/drawingml/2006/main" xmlns:r="http://schemas.openxmlformats.org/officeDocument/2006/relationships" xmlns:p="http://schemas.openxmlformats.org/presentationml/2006/main">
   <p:cSld>
     <p:spTree>
@@ -16908,7 +17497,7 @@
           <a:p>
             <a:r>
               <a:rPr lang="en-US" dirty="0" smtClean="0"/>
-              <a:t>Classification (and regression) are generally thought of as supervised (or at least semi-supervised) methods.</a:t>
+              <a:t>Classification (and regression) are supervised (or at least semi-supervised) methods.</a:t>
             </a:r>
           </a:p>
           <a:p>
@@ -16960,7 +17549,7 @@
             <a:fld id="{4AD8DDEF-9CD1-B641-ADE5-2BEE59567BE6}" type="slidenum">
               <a:rPr lang="en-US" smtClean="0"/>
               <a:pPr/>
-              <a:t>42</a:t>
+              <a:t>46</a:t>
             </a:fld>
             <a:endParaRPr lang="en-US"/>
           </a:p>
@@ -16986,7 +17575,7 @@
 </p:sld>
 </file>
 
-<file path=ppt/slides/slide43.xml><?xml version="1.0" encoding="utf-8"?>
+<file path=ppt/slides/slide47.xml><?xml version="1.0" encoding="utf-8"?>
 <p:sld xmlns:a="http://schemas.openxmlformats.org/drawingml/2006/main" xmlns:r="http://schemas.openxmlformats.org/officeDocument/2006/relationships" xmlns:p="http://schemas.openxmlformats.org/presentationml/2006/main">
   <p:cSld>
     <p:spTree>
@@ -17142,7 +17731,7 @@
             <a:fld id="{4AD8DDEF-9CD1-B641-ADE5-2BEE59567BE6}" type="slidenum">
               <a:rPr lang="en-US" smtClean="0"/>
               <a:pPr/>
-              <a:t>43</a:t>
+              <a:t>47</a:t>
             </a:fld>
             <a:endParaRPr lang="en-US"/>
           </a:p>
@@ -17168,529 +17757,6 @@
 </p:sld>
 </file>
 
-<file path=ppt/slides/slide44.xml><?xml version="1.0" encoding="utf-8"?>
-<p:sld xmlns:a="http://schemas.openxmlformats.org/drawingml/2006/main" xmlns:r="http://schemas.openxmlformats.org/officeDocument/2006/relationships" xmlns:p="http://schemas.openxmlformats.org/presentationml/2006/main">
-  <p:cSld>
-    <p:spTree>
-      <p:nvGrpSpPr>
-        <p:cNvPr id="1" name=""/>
-        <p:cNvGrpSpPr/>
-        <p:nvPr/>
-      </p:nvGrpSpPr>
-      <p:grpSpPr>
-        <a:xfrm>
-          <a:off x="0" y="0"/>
-          <a:ext cx="0" cy="0"/>
-          <a:chOff x="0" y="0"/>
-          <a:chExt cx="0" cy="0"/>
-        </a:xfrm>
-      </p:grpSpPr>
-      <p:sp>
-        <p:nvSpPr>
-          <p:cNvPr id="2" name="Title 1"/>
-          <p:cNvSpPr>
-            <a:spLocks noGrp="1"/>
-          </p:cNvSpPr>
-          <p:nvPr>
-            <p:ph type="title"/>
-          </p:nvPr>
-        </p:nvSpPr>
-        <p:spPr/>
-        <p:txBody>
-          <a:bodyPr/>
-          <a:lstStyle/>
-          <a:p>
-            <a:r>
-              <a:rPr lang="en-US" dirty="0" smtClean="0"/>
-              <a:t>Decision Tree</a:t>
-            </a:r>
-            <a:endParaRPr lang="en-US" dirty="0"/>
-          </a:p>
-        </p:txBody>
-      </p:sp>
-      <p:pic>
-        <p:nvPicPr>
-          <p:cNvPr id="6" name="Content Placeholder 5"/>
-          <p:cNvPicPr>
-            <a:picLocks noGrp="1" noChangeAspect="1"/>
-          </p:cNvPicPr>
-          <p:nvPr>
-            <p:ph idx="1"/>
-          </p:nvPr>
-        </p:nvPicPr>
-        <p:blipFill>
-          <a:blip r:embed="rId2"/>
-          <a:srcRect l="-46386" r="-46386"/>
-          <a:stretch>
-            <a:fillRect/>
-          </a:stretch>
-        </p:blipFill>
-        <p:spPr/>
-      </p:pic>
-      <p:sp>
-        <p:nvSpPr>
-          <p:cNvPr id="4" name="Footer Placeholder 3"/>
-          <p:cNvSpPr>
-            <a:spLocks noGrp="1"/>
-          </p:cNvSpPr>
-          <p:nvPr>
-            <p:ph type="ftr" sz="quarter" idx="11"/>
-          </p:nvPr>
-        </p:nvSpPr>
-        <p:spPr/>
-        <p:txBody>
-          <a:bodyPr/>
-          <a:lstStyle/>
-          <a:p>
-            <a:r>
-              <a:rPr lang="en-US" smtClean="0"/>
-              <a:t>(c) ElephantScale.com 2014</a:t>
-            </a:r>
-            <a:endParaRPr lang="en-US"/>
-          </a:p>
-        </p:txBody>
-      </p:sp>
-      <p:sp>
-        <p:nvSpPr>
-          <p:cNvPr id="5" name="Slide Number Placeholder 4"/>
-          <p:cNvSpPr>
-            <a:spLocks noGrp="1"/>
-          </p:cNvSpPr>
-          <p:nvPr>
-            <p:ph type="sldNum" sz="quarter" idx="12"/>
-          </p:nvPr>
-        </p:nvSpPr>
-        <p:spPr/>
-        <p:txBody>
-          <a:bodyPr/>
-          <a:lstStyle/>
-          <a:p>
-            <a:fld id="{4AD8DDEF-9CD1-B641-ADE5-2BEE59567BE6}" type="slidenum">
-              <a:rPr lang="en-US" smtClean="0"/>
-              <a:pPr/>
-              <a:t>44</a:t>
-            </a:fld>
-            <a:endParaRPr lang="en-US"/>
-          </a:p>
-        </p:txBody>
-      </p:sp>
-    </p:spTree>
-    <p:extLst>
-      <p:ext uri="{BB962C8B-B14F-4D97-AF65-F5344CB8AC3E}">
-        <p14:creationId xmlns:p14="http://schemas.microsoft.com/office/powerpoint/2010/main" xmlns="" val="2819361914"/>
-      </p:ext>
-    </p:extLst>
-  </p:cSld>
-  <p:clrMapOvr>
-    <a:masterClrMapping/>
-  </p:clrMapOvr>
-</p:sld>
-</file>
-
-<file path=ppt/slides/slide45.xml><?xml version="1.0" encoding="utf-8"?>
-<p:sld xmlns:a="http://schemas.openxmlformats.org/drawingml/2006/main" xmlns:r="http://schemas.openxmlformats.org/officeDocument/2006/relationships" xmlns:p="http://schemas.openxmlformats.org/presentationml/2006/main">
-  <p:cSld>
-    <p:spTree>
-      <p:nvGrpSpPr>
-        <p:cNvPr id="1" name=""/>
-        <p:cNvGrpSpPr/>
-        <p:nvPr/>
-      </p:nvGrpSpPr>
-      <p:grpSpPr>
-        <a:xfrm>
-          <a:off x="0" y="0"/>
-          <a:ext cx="0" cy="0"/>
-          <a:chOff x="0" y="0"/>
-          <a:chExt cx="0" cy="0"/>
-        </a:xfrm>
-      </p:grpSpPr>
-      <p:sp>
-        <p:nvSpPr>
-          <p:cNvPr id="2" name="Title 1"/>
-          <p:cNvSpPr>
-            <a:spLocks noGrp="1"/>
-          </p:cNvSpPr>
-          <p:nvPr>
-            <p:ph type="title"/>
-          </p:nvPr>
-        </p:nvSpPr>
-        <p:spPr/>
-        <p:txBody>
-          <a:bodyPr/>
-          <a:lstStyle/>
-          <a:p>
-            <a:r>
-              <a:rPr lang="en-US" dirty="0" smtClean="0"/>
-              <a:t>Classification Support in </a:t>
-            </a:r>
-            <a:r>
-              <a:rPr lang="en-US" dirty="0" err="1" smtClean="0"/>
-              <a:t>MLlib</a:t>
-            </a:r>
-            <a:endParaRPr lang="en-US" dirty="0"/>
-          </a:p>
-        </p:txBody>
-      </p:sp>
-      <p:sp>
-        <p:nvSpPr>
-          <p:cNvPr id="3" name="Content Placeholder 2"/>
-          <p:cNvSpPr>
-            <a:spLocks noGrp="1"/>
-          </p:cNvSpPr>
-          <p:nvPr>
-            <p:ph idx="1"/>
-          </p:nvPr>
-        </p:nvSpPr>
-        <p:spPr/>
-        <p:txBody>
-          <a:bodyPr/>
-          <a:lstStyle/>
-          <a:p>
-            <a:pPr lvl="1"/>
-            <a:r>
-              <a:rPr lang="en-US" dirty="0" smtClean="0"/>
-              <a:t>The following algorithms are well-represented in </a:t>
-            </a:r>
-            <a:r>
-              <a:rPr lang="en-US" dirty="0" err="1" smtClean="0"/>
-              <a:t>MLlib</a:t>
-            </a:r>
-            <a:r>
-              <a:rPr lang="en-US" dirty="0" smtClean="0"/>
-              <a:t>:</a:t>
-            </a:r>
-          </a:p>
-          <a:p>
-            <a:pPr lvl="2"/>
-            <a:r>
-              <a:rPr lang="en-US" dirty="0" smtClean="0"/>
-              <a:t>Linear Methods: SVM, Logistic Regression</a:t>
-            </a:r>
-          </a:p>
-          <a:p>
-            <a:pPr lvl="2"/>
-            <a:r>
-              <a:rPr lang="en-US" dirty="0" smtClean="0"/>
-              <a:t>Decision Trees</a:t>
-            </a:r>
-          </a:p>
-          <a:p>
-            <a:pPr lvl="2"/>
-            <a:r>
-              <a:rPr lang="en-US" dirty="0" smtClean="0"/>
-              <a:t>Ensemble Decision Trees (Random Forests, Gradient Boosted Trees)</a:t>
-            </a:r>
-          </a:p>
-          <a:p>
-            <a:pPr lvl="2"/>
-            <a:r>
-              <a:rPr lang="en-US" dirty="0" smtClean="0"/>
-              <a:t>Naïve </a:t>
-            </a:r>
-            <a:r>
-              <a:rPr lang="en-US" dirty="0" err="1" smtClean="0"/>
-              <a:t>Bayes</a:t>
-            </a:r>
-            <a:endParaRPr lang="en-US" dirty="0" smtClean="0"/>
-          </a:p>
-        </p:txBody>
-      </p:sp>
-      <p:sp>
-        <p:nvSpPr>
-          <p:cNvPr id="4" name="Footer Placeholder 3"/>
-          <p:cNvSpPr>
-            <a:spLocks noGrp="1"/>
-          </p:cNvSpPr>
-          <p:nvPr>
-            <p:ph type="ftr" sz="quarter" idx="11"/>
-          </p:nvPr>
-        </p:nvSpPr>
-        <p:spPr/>
-        <p:txBody>
-          <a:bodyPr/>
-          <a:lstStyle/>
-          <a:p>
-            <a:r>
-              <a:rPr lang="en-US" smtClean="0"/>
-              <a:t>(c) ElephantScale.com 2014</a:t>
-            </a:r>
-            <a:endParaRPr lang="en-US"/>
-          </a:p>
-        </p:txBody>
-      </p:sp>
-      <p:sp>
-        <p:nvSpPr>
-          <p:cNvPr id="5" name="Slide Number Placeholder 4"/>
-          <p:cNvSpPr>
-            <a:spLocks noGrp="1"/>
-          </p:cNvSpPr>
-          <p:nvPr>
-            <p:ph type="sldNum" sz="quarter" idx="12"/>
-          </p:nvPr>
-        </p:nvSpPr>
-        <p:spPr/>
-        <p:txBody>
-          <a:bodyPr/>
-          <a:lstStyle/>
-          <a:p>
-            <a:fld id="{4AD8DDEF-9CD1-B641-ADE5-2BEE59567BE6}" type="slidenum">
-              <a:rPr lang="en-US" smtClean="0"/>
-              <a:pPr/>
-              <a:t>45</a:t>
-            </a:fld>
-            <a:endParaRPr lang="en-US"/>
-          </a:p>
-        </p:txBody>
-      </p:sp>
-    </p:spTree>
-    <p:extLst>
-      <p:ext uri="{BB962C8B-B14F-4D97-AF65-F5344CB8AC3E}">
-        <p14:creationId xmlns:p14="http://schemas.microsoft.com/office/powerpoint/2010/main" xmlns="" val="234258616"/>
-      </p:ext>
-    </p:extLst>
-  </p:cSld>
-  <p:clrMapOvr>
-    <a:masterClrMapping/>
-  </p:clrMapOvr>
-  <p:timing>
-    <p:tnLst>
-      <p:par>
-        <p:cTn id="1" dur="indefinite" restart="never" nodeType="tmRoot"/>
-      </p:par>
-    </p:tnLst>
-  </p:timing>
-</p:sld>
-</file>
-
-<file path=ppt/slides/slide46.xml><?xml version="1.0" encoding="utf-8"?>
-<p:sld xmlns:a="http://schemas.openxmlformats.org/drawingml/2006/main" xmlns:r="http://schemas.openxmlformats.org/officeDocument/2006/relationships" xmlns:p="http://schemas.openxmlformats.org/presentationml/2006/main">
-  <p:cSld>
-    <p:spTree>
-      <p:nvGrpSpPr>
-        <p:cNvPr id="1" name=""/>
-        <p:cNvGrpSpPr/>
-        <p:nvPr/>
-      </p:nvGrpSpPr>
-      <p:grpSpPr>
-        <a:xfrm>
-          <a:off x="0" y="0"/>
-          <a:ext cx="0" cy="0"/>
-          <a:chOff x="0" y="0"/>
-          <a:chExt cx="0" cy="0"/>
-        </a:xfrm>
-      </p:grpSpPr>
-      <p:sp>
-        <p:nvSpPr>
-          <p:cNvPr id="2" name="Title 1"/>
-          <p:cNvSpPr>
-            <a:spLocks noGrp="1"/>
-          </p:cNvSpPr>
-          <p:nvPr>
-            <p:ph type="title"/>
-          </p:nvPr>
-        </p:nvSpPr>
-        <p:spPr/>
-        <p:txBody>
-          <a:bodyPr/>
-          <a:lstStyle/>
-          <a:p>
-            <a:r>
-              <a:rPr lang="en-US" dirty="0" smtClean="0"/>
-              <a:t>Making a Prediction</a:t>
-            </a:r>
-            <a:endParaRPr lang="en-US" dirty="0"/>
-          </a:p>
-        </p:txBody>
-      </p:sp>
-      <p:sp>
-        <p:nvSpPr>
-          <p:cNvPr id="3" name="Content Placeholder 2"/>
-          <p:cNvSpPr>
-            <a:spLocks noGrp="1"/>
-          </p:cNvSpPr>
-          <p:nvPr>
-            <p:ph idx="1"/>
-          </p:nvPr>
-        </p:nvSpPr>
-        <p:spPr/>
-        <p:txBody>
-          <a:bodyPr/>
-          <a:lstStyle/>
-          <a:p>
-            <a:r>
-              <a:rPr lang="en-US" dirty="0" smtClean="0"/>
-              <a:t>How do we use the model to predict new data?</a:t>
-            </a:r>
-          </a:p>
-          <a:p>
-            <a:r>
-              <a:rPr lang="en-US" dirty="0" smtClean="0"/>
-              <a:t>Use the predict method.</a:t>
-            </a:r>
-            <a:endParaRPr lang="en-US" dirty="0"/>
-          </a:p>
-        </p:txBody>
-      </p:sp>
-      <p:sp>
-        <p:nvSpPr>
-          <p:cNvPr id="4" name="Footer Placeholder 3"/>
-          <p:cNvSpPr>
-            <a:spLocks noGrp="1"/>
-          </p:cNvSpPr>
-          <p:nvPr>
-            <p:ph type="ftr" sz="quarter" idx="11"/>
-          </p:nvPr>
-        </p:nvSpPr>
-        <p:spPr/>
-        <p:txBody>
-          <a:bodyPr/>
-          <a:lstStyle/>
-          <a:p>
-            <a:r>
-              <a:rPr lang="en-US" smtClean="0"/>
-              <a:t>© Elephant Scale, 2014</a:t>
-            </a:r>
-            <a:endParaRPr lang="en-US" dirty="0"/>
-          </a:p>
-        </p:txBody>
-      </p:sp>
-    </p:spTree>
-  </p:cSld>
-  <p:clrMapOvr>
-    <a:masterClrMapping/>
-  </p:clrMapOvr>
-</p:sld>
-</file>
-
-<file path=ppt/slides/slide47.xml><?xml version="1.0" encoding="utf-8"?>
-<p:sld xmlns:a="http://schemas.openxmlformats.org/drawingml/2006/main" xmlns:r="http://schemas.openxmlformats.org/officeDocument/2006/relationships" xmlns:p="http://schemas.openxmlformats.org/presentationml/2006/main">
-  <p:cSld>
-    <p:spTree>
-      <p:nvGrpSpPr>
-        <p:cNvPr id="1" name=""/>
-        <p:cNvGrpSpPr/>
-        <p:nvPr/>
-      </p:nvGrpSpPr>
-      <p:grpSpPr>
-        <a:xfrm>
-          <a:off x="0" y="0"/>
-          <a:ext cx="0" cy="0"/>
-          <a:chOff x="0" y="0"/>
-          <a:chExt cx="0" cy="0"/>
-        </a:xfrm>
-      </p:grpSpPr>
-      <p:sp>
-        <p:nvSpPr>
-          <p:cNvPr id="2" name="Title 1"/>
-          <p:cNvSpPr>
-            <a:spLocks noGrp="1"/>
-          </p:cNvSpPr>
-          <p:nvPr>
-            <p:ph type="title"/>
-          </p:nvPr>
-        </p:nvSpPr>
-        <p:spPr/>
-        <p:txBody>
-          <a:bodyPr/>
-          <a:lstStyle/>
-          <a:p>
-            <a:r>
-              <a:rPr lang="en-US" dirty="0" smtClean="0"/>
-              <a:t>Measuring Performance of Classifier</a:t>
-            </a:r>
-            <a:endParaRPr lang="en-US" dirty="0"/>
-          </a:p>
-        </p:txBody>
-      </p:sp>
-      <p:sp>
-        <p:nvSpPr>
-          <p:cNvPr id="3" name="Content Placeholder 2"/>
-          <p:cNvSpPr>
-            <a:spLocks noGrp="1"/>
-          </p:cNvSpPr>
-          <p:nvPr>
-            <p:ph idx="1"/>
-          </p:nvPr>
-        </p:nvSpPr>
-        <p:spPr/>
-        <p:txBody>
-          <a:bodyPr/>
-          <a:lstStyle/>
-          <a:p>
-            <a:r>
-              <a:rPr lang="en-US" dirty="0" smtClean="0"/>
-              <a:t>Use a Test Dataset (similar to ALS / Recommendations)</a:t>
-            </a:r>
-          </a:p>
-          <a:p>
-            <a:r>
-              <a:rPr lang="en-US" dirty="0" smtClean="0"/>
-              <a:t>Binary classifiers are often compared by using the ROC curve</a:t>
-            </a:r>
-          </a:p>
-          <a:p>
-            <a:pPr lvl="1"/>
-            <a:r>
-              <a:rPr lang="en-US" dirty="0" smtClean="0"/>
-              <a:t>Receiver Operating Characteristic</a:t>
-            </a:r>
-          </a:p>
-          <a:p>
-            <a:pPr lvl="1"/>
-            <a:r>
-              <a:rPr lang="en-US" dirty="0" smtClean="0"/>
-              <a:t>Measure by area under ROC curve.</a:t>
-            </a:r>
-          </a:p>
-          <a:p>
-            <a:pPr lvl="1"/>
-            <a:r>
-              <a:rPr lang="en-US" dirty="0" smtClean="0"/>
-              <a:t>import </a:t>
-            </a:r>
-            <a:r>
-              <a:rPr lang="en-US" dirty="0" err="1" smtClean="0"/>
-              <a:t>org.apache.spark.mllib.evaluation.BinaryClassificationMetrics</a:t>
-            </a:r>
-            <a:endParaRPr lang="en-US" dirty="0" smtClean="0"/>
-          </a:p>
-          <a:p>
-            <a:pPr lvl="1"/>
-            <a:endParaRPr lang="en-US" dirty="0"/>
-          </a:p>
-        </p:txBody>
-      </p:sp>
-      <p:sp>
-        <p:nvSpPr>
-          <p:cNvPr id="4" name="Footer Placeholder 3"/>
-          <p:cNvSpPr>
-            <a:spLocks noGrp="1"/>
-          </p:cNvSpPr>
-          <p:nvPr>
-            <p:ph type="ftr" sz="quarter" idx="11"/>
-          </p:nvPr>
-        </p:nvSpPr>
-        <p:spPr/>
-        <p:txBody>
-          <a:bodyPr/>
-          <a:lstStyle/>
-          <a:p>
-            <a:r>
-              <a:rPr lang="en-US" smtClean="0"/>
-              <a:t>© Elephant Scale, 2014</a:t>
-            </a:r>
-            <a:endParaRPr lang="en-US" dirty="0"/>
-          </a:p>
-        </p:txBody>
-      </p:sp>
-    </p:spTree>
-  </p:cSld>
-  <p:clrMapOvr>
-    <a:masterClrMapping/>
-  </p:clrMapOvr>
-</p:sld>
-</file>
-
 <file path=ppt/slides/slide48.xml><?xml version="1.0" encoding="utf-8"?>
 <p:sld xmlns:a="http://schemas.openxmlformats.org/drawingml/2006/main" xmlns:r="http://schemas.openxmlformats.org/officeDocument/2006/relationships" xmlns:p="http://schemas.openxmlformats.org/presentationml/2006/main">
   <p:cSld>
@@ -17725,37 +17791,96 @@
           <a:p>
             <a:r>
               <a:rPr lang="en-US" dirty="0" smtClean="0"/>
-              <a:t>ROC Curve</a:t>
+              <a:t>Support Vector Machines (SVMs)</a:t>
             </a:r>
             <a:endParaRPr lang="en-US" dirty="0"/>
           </a:p>
         </p:txBody>
       </p:sp>
-      <p:pic>
-        <p:nvPicPr>
-          <p:cNvPr id="6" name="Content Placeholder 5" descr="ROC_space.png"/>
-          <p:cNvPicPr>
-            <a:picLocks noGrp="1" noChangeAspect="1"/>
-          </p:cNvPicPr>
+      <p:sp>
+        <p:nvSpPr>
+          <p:cNvPr id="3" name="Content Placeholder 2"/>
+          <p:cNvSpPr>
+            <a:spLocks noGrp="1"/>
+          </p:cNvSpPr>
           <p:nvPr>
             <p:ph idx="1"/>
           </p:nvPr>
-        </p:nvPicPr>
-        <p:blipFill>
-          <a:blip r:embed="rId2">
-            <a:extLst>
-              <a:ext uri="{28A0092B-C50C-407E-A947-70E740481C1C}">
-                <a14:useLocalDpi xmlns:a14="http://schemas.microsoft.com/office/drawing/2010/main" xmlns="" val="0"/>
-              </a:ext>
-            </a:extLst>
-          </a:blip>
-          <a:srcRect l="-43632" r="-43632"/>
-          <a:stretch>
-            <a:fillRect/>
-          </a:stretch>
-        </p:blipFill>
-        <p:spPr/>
-      </p:pic>
+        </p:nvSpPr>
+        <p:spPr/>
+        <p:txBody>
+          <a:bodyPr/>
+          <a:lstStyle/>
+          <a:p>
+            <a:r>
+              <a:rPr lang="en-US" dirty="0" smtClean="0"/>
+              <a:t>Support Vector Machine is a classification method that is:</a:t>
+            </a:r>
+          </a:p>
+          <a:p>
+            <a:pPr lvl="1"/>
+            <a:r>
+              <a:rPr lang="en-US" dirty="0" smtClean="0"/>
+              <a:t>Supervised (trained)</a:t>
+            </a:r>
+          </a:p>
+          <a:p>
+            <a:pPr lvl="1"/>
+            <a:r>
+              <a:rPr lang="en-US" dirty="0" smtClean="0"/>
+              <a:t>Linear</a:t>
+            </a:r>
+          </a:p>
+          <a:p>
+            <a:pPr lvl="1"/>
+            <a:r>
+              <a:rPr lang="en-US" dirty="0" smtClean="0"/>
+              <a:t>Binary (splits into 2 classes)</a:t>
+            </a:r>
+          </a:p>
+          <a:p>
+            <a:pPr lvl="1"/>
+            <a:r>
+              <a:rPr lang="en-US" dirty="0" smtClean="0"/>
+              <a:t>Crisp (not fuzzy, not </a:t>
+            </a:r>
+            <a:r>
+              <a:rPr lang="en-US" dirty="0" err="1" smtClean="0"/>
+              <a:t>probablistic</a:t>
+            </a:r>
+            <a:r>
+              <a:rPr lang="en-US" dirty="0" smtClean="0"/>
+              <a:t>)</a:t>
+            </a:r>
+          </a:p>
+          <a:p>
+            <a:r>
+              <a:rPr lang="en-US" dirty="0" smtClean="0"/>
+              <a:t>How does it work?</a:t>
+            </a:r>
+          </a:p>
+          <a:p>
+            <a:pPr lvl="1"/>
+            <a:r>
+              <a:rPr lang="en-US" dirty="0" smtClean="0"/>
+              <a:t>Draw a line (</a:t>
+            </a:r>
+            <a:r>
+              <a:rPr lang="en-US" dirty="0" err="1" smtClean="0"/>
+              <a:t>hyperplane</a:t>
+            </a:r>
+            <a:r>
+              <a:rPr lang="en-US" dirty="0" smtClean="0"/>
+              <a:t>) that separates the </a:t>
+            </a:r>
+            <a:r>
+              <a:rPr lang="en-US" smtClean="0"/>
+              <a:t>two classes</a:t>
+            </a:r>
+            <a:endParaRPr lang="en-US" dirty="0"/>
+          </a:p>
+        </p:txBody>
+      </p:sp>
       <p:sp>
         <p:nvSpPr>
           <p:cNvPr id="4" name="Footer Placeholder 3"/>
@@ -17773,122 +17898,17 @@
           <a:p>
             <a:r>
               <a:rPr lang="en-US" smtClean="0"/>
-              <a:t>(c) ElephantScale.com 2014</a:t>
-            </a:r>
-            <a:endParaRPr lang="en-US"/>
-          </a:p>
-        </p:txBody>
-      </p:sp>
-      <p:sp>
-        <p:nvSpPr>
-          <p:cNvPr id="5" name="Slide Number Placeholder 4"/>
-          <p:cNvSpPr>
-            <a:spLocks noGrp="1"/>
-          </p:cNvSpPr>
-          <p:nvPr>
-            <p:ph type="sldNum" sz="quarter" idx="12"/>
-          </p:nvPr>
-        </p:nvSpPr>
-        <p:spPr/>
-        <p:txBody>
-          <a:bodyPr/>
-          <a:lstStyle/>
-          <a:p>
-            <a:fld id="{4AD8DDEF-9CD1-B641-ADE5-2BEE59567BE6}" type="slidenum">
-              <a:rPr lang="en-US" smtClean="0"/>
-              <a:pPr/>
-              <a:t>48</a:t>
-            </a:fld>
-            <a:endParaRPr lang="en-US"/>
-          </a:p>
-        </p:txBody>
-      </p:sp>
-      <p:sp>
-        <p:nvSpPr>
-          <p:cNvPr id="7" name="TextBox 6"/>
-          <p:cNvSpPr txBox="1"/>
-          <p:nvPr/>
-        </p:nvSpPr>
-        <p:spPr>
-          <a:xfrm>
-            <a:off x="2647643" y="6402948"/>
-            <a:ext cx="5658157" cy="307777"/>
-          </a:xfrm>
-          <a:prstGeom prst="rect">
-            <a:avLst/>
-          </a:prstGeom>
-          <a:noFill/>
-        </p:spPr>
-        <p:txBody>
-          <a:bodyPr wrap="none" rtlCol="0">
-            <a:spAutoFit/>
-          </a:bodyPr>
-          <a:lstStyle/>
-          <a:p>
-            <a:r>
-              <a:rPr lang="en-US" sz="1400" dirty="0">
-                <a:solidFill>
-                  <a:schemeClr val="bg1">
-                    <a:lumMod val="65000"/>
-                  </a:schemeClr>
-                </a:solidFill>
-              </a:rPr>
-              <a:t>Source : http://</a:t>
-            </a:r>
-            <a:r>
-              <a:rPr lang="en-US" sz="1400" dirty="0" err="1">
-                <a:solidFill>
-                  <a:schemeClr val="bg1">
-                    <a:lumMod val="65000"/>
-                  </a:schemeClr>
-                </a:solidFill>
-              </a:rPr>
-              <a:t>commons.wikimedia.org</a:t>
-            </a:r>
-            <a:r>
-              <a:rPr lang="en-US" sz="1400" dirty="0">
-                <a:solidFill>
-                  <a:schemeClr val="bg1">
-                    <a:lumMod val="65000"/>
-                  </a:schemeClr>
-                </a:solidFill>
-              </a:rPr>
-              <a:t>/wiki/</a:t>
-            </a:r>
-            <a:r>
-              <a:rPr lang="en-US" sz="1400" dirty="0" err="1">
-                <a:solidFill>
-                  <a:schemeClr val="bg1">
-                    <a:lumMod val="65000"/>
-                  </a:schemeClr>
-                </a:solidFill>
-              </a:rPr>
-              <a:t>File:ROC_space.png</a:t>
-            </a:r>
-            <a:r>
-              <a:rPr lang="en-US" sz="1400" dirty="0"/>
-              <a:t> </a:t>
-            </a:r>
+              <a:t>© Elephant Scale, 2014</a:t>
+            </a:r>
+            <a:endParaRPr lang="en-US" dirty="0"/>
           </a:p>
         </p:txBody>
       </p:sp>
     </p:spTree>
-    <p:extLst>
-      <p:ext uri="{BB962C8B-B14F-4D97-AF65-F5344CB8AC3E}">
-        <p14:creationId xmlns:p14="http://schemas.microsoft.com/office/powerpoint/2010/main" xmlns="" val="2886531117"/>
-      </p:ext>
-    </p:extLst>
   </p:cSld>
   <p:clrMapOvr>
     <a:masterClrMapping/>
   </p:clrMapOvr>
-  <p:timing>
-    <p:tnLst>
-      <p:par>
-        <p:cTn id="1" dur="indefinite" restart="never" nodeType="tmRoot"/>
-      </p:par>
-    </p:tnLst>
-  </p:timing>
 </p:sld>
 </file>
 
@@ -17926,59 +17946,31 @@
           <a:p>
             <a:r>
               <a:rPr lang="en-US" dirty="0" smtClean="0"/>
-              <a:t>Classification Lab</a:t>
+              <a:t>Decision Tree</a:t>
             </a:r>
             <a:endParaRPr lang="en-US" dirty="0"/>
           </a:p>
         </p:txBody>
       </p:sp>
-      <p:sp>
-        <p:nvSpPr>
-          <p:cNvPr id="3" name="Content Placeholder 2"/>
-          <p:cNvSpPr>
-            <a:spLocks noGrp="1"/>
-          </p:cNvSpPr>
+      <p:pic>
+        <p:nvPicPr>
+          <p:cNvPr id="6" name="Content Placeholder 5"/>
+          <p:cNvPicPr>
+            <a:picLocks noGrp="1" noChangeAspect="1"/>
+          </p:cNvPicPr>
           <p:nvPr>
             <p:ph idx="1"/>
           </p:nvPr>
-        </p:nvSpPr>
-        <p:spPr/>
-        <p:txBody>
-          <a:bodyPr/>
-          <a:lstStyle/>
-          <a:p>
-            <a:r>
-              <a:rPr lang="en-US" dirty="0" smtClean="0"/>
-              <a:t>Use the “churn” dataset for telecom churn prediction</a:t>
-            </a:r>
-          </a:p>
-          <a:p>
-            <a:r>
-              <a:rPr lang="en-US" dirty="0" smtClean="0"/>
-              <a:t>location   : </a:t>
-            </a:r>
-            <a:r>
-              <a:rPr lang="en-US" dirty="0" err="1" smtClean="0"/>
-              <a:t>mllib</a:t>
-            </a:r>
-            <a:r>
-              <a:rPr lang="en-US" dirty="0" smtClean="0"/>
-              <a:t>/</a:t>
-            </a:r>
-            <a:r>
-              <a:rPr lang="en-US" dirty="0" err="1" smtClean="0"/>
-              <a:t>classifation</a:t>
-            </a:r>
-            <a:endParaRPr lang="en-US" dirty="0" smtClean="0"/>
-          </a:p>
-          <a:p>
-            <a:r>
-              <a:rPr lang="en-US" dirty="0" smtClean="0"/>
-              <a:t>Try out the solution line-by-line</a:t>
-            </a:r>
-          </a:p>
-        </p:txBody>
-      </p:sp>
+        </p:nvPicPr>
+        <p:blipFill>
+          <a:blip r:embed="rId2"/>
+          <a:srcRect l="-46386" r="-46386"/>
+          <a:stretch>
+            <a:fillRect/>
+          </a:stretch>
+        </p:blipFill>
+        <p:spPr/>
+      </p:pic>
       <p:sp>
         <p:nvSpPr>
           <p:cNvPr id="4" name="Footer Placeholder 3"/>
@@ -18029,20 +18021,13 @@
     </p:spTree>
     <p:extLst>
       <p:ext uri="{BB962C8B-B14F-4D97-AF65-F5344CB8AC3E}">
-        <p14:creationId xmlns:p14="http://schemas.microsoft.com/office/powerpoint/2010/main" xmlns="" val="3599210062"/>
+        <p14:creationId xmlns:p14="http://schemas.microsoft.com/office/powerpoint/2010/main" xmlns="" val="2819361914"/>
       </p:ext>
     </p:extLst>
   </p:cSld>
   <p:clrMapOvr>
     <a:masterClrMapping/>
   </p:clrMapOvr>
-  <p:timing>
-    <p:tnLst>
-      <p:par>
-        <p:cTn id="1" dur="indefinite" restart="never" nodeType="tmRoot"/>
-      </p:par>
-    </p:tnLst>
-  </p:timing>
 </p:sld>
 </file>
 
@@ -18300,6 +18285,765 @@
           <a:p>
             <a:r>
               <a:rPr lang="en-US" dirty="0" smtClean="0"/>
+              <a:t>Classification Support in </a:t>
+            </a:r>
+            <a:r>
+              <a:rPr lang="en-US" dirty="0" err="1" smtClean="0"/>
+              <a:t>MLlib</a:t>
+            </a:r>
+            <a:endParaRPr lang="en-US" dirty="0"/>
+          </a:p>
+        </p:txBody>
+      </p:sp>
+      <p:sp>
+        <p:nvSpPr>
+          <p:cNvPr id="3" name="Content Placeholder 2"/>
+          <p:cNvSpPr>
+            <a:spLocks noGrp="1"/>
+          </p:cNvSpPr>
+          <p:nvPr>
+            <p:ph idx="1"/>
+          </p:nvPr>
+        </p:nvSpPr>
+        <p:spPr/>
+        <p:txBody>
+          <a:bodyPr/>
+          <a:lstStyle/>
+          <a:p>
+            <a:pPr lvl="1"/>
+            <a:r>
+              <a:rPr lang="en-US" dirty="0" smtClean="0"/>
+              <a:t>The following algorithms are well-represented in </a:t>
+            </a:r>
+            <a:r>
+              <a:rPr lang="en-US" dirty="0" err="1" smtClean="0"/>
+              <a:t>MLlib</a:t>
+            </a:r>
+            <a:r>
+              <a:rPr lang="en-US" dirty="0" smtClean="0"/>
+              <a:t>:</a:t>
+            </a:r>
+          </a:p>
+          <a:p>
+            <a:pPr lvl="2"/>
+            <a:r>
+              <a:rPr lang="en-US" dirty="0" smtClean="0"/>
+              <a:t>Linear Methods: SVM, Logistic Regression</a:t>
+            </a:r>
+          </a:p>
+          <a:p>
+            <a:pPr lvl="2"/>
+            <a:r>
+              <a:rPr lang="en-US" dirty="0" smtClean="0"/>
+              <a:t>Decision Trees</a:t>
+            </a:r>
+          </a:p>
+          <a:p>
+            <a:pPr lvl="2"/>
+            <a:r>
+              <a:rPr lang="en-US" dirty="0" smtClean="0"/>
+              <a:t>Ensemble Decision Trees (Random Forests, Gradient Boosted Trees)</a:t>
+            </a:r>
+          </a:p>
+          <a:p>
+            <a:pPr lvl="2"/>
+            <a:r>
+              <a:rPr lang="en-US" dirty="0" smtClean="0"/>
+              <a:t>Naïve </a:t>
+            </a:r>
+            <a:r>
+              <a:rPr lang="en-US" dirty="0" err="1" smtClean="0"/>
+              <a:t>Bayes</a:t>
+            </a:r>
+            <a:endParaRPr lang="en-US" dirty="0" smtClean="0"/>
+          </a:p>
+        </p:txBody>
+      </p:sp>
+      <p:sp>
+        <p:nvSpPr>
+          <p:cNvPr id="4" name="Footer Placeholder 3"/>
+          <p:cNvSpPr>
+            <a:spLocks noGrp="1"/>
+          </p:cNvSpPr>
+          <p:nvPr>
+            <p:ph type="ftr" sz="quarter" idx="11"/>
+          </p:nvPr>
+        </p:nvSpPr>
+        <p:spPr/>
+        <p:txBody>
+          <a:bodyPr/>
+          <a:lstStyle/>
+          <a:p>
+            <a:r>
+              <a:rPr lang="en-US" smtClean="0"/>
+              <a:t>(c) ElephantScale.com 2014</a:t>
+            </a:r>
+            <a:endParaRPr lang="en-US"/>
+          </a:p>
+        </p:txBody>
+      </p:sp>
+      <p:sp>
+        <p:nvSpPr>
+          <p:cNvPr id="5" name="Slide Number Placeholder 4"/>
+          <p:cNvSpPr>
+            <a:spLocks noGrp="1"/>
+          </p:cNvSpPr>
+          <p:nvPr>
+            <p:ph type="sldNum" sz="quarter" idx="12"/>
+          </p:nvPr>
+        </p:nvSpPr>
+        <p:spPr/>
+        <p:txBody>
+          <a:bodyPr/>
+          <a:lstStyle/>
+          <a:p>
+            <a:fld id="{4AD8DDEF-9CD1-B641-ADE5-2BEE59567BE6}" type="slidenum">
+              <a:rPr lang="en-US" smtClean="0"/>
+              <a:pPr/>
+              <a:t>50</a:t>
+            </a:fld>
+            <a:endParaRPr lang="en-US"/>
+          </a:p>
+        </p:txBody>
+      </p:sp>
+    </p:spTree>
+    <p:extLst>
+      <p:ext uri="{BB962C8B-B14F-4D97-AF65-F5344CB8AC3E}">
+        <p14:creationId xmlns:p14="http://schemas.microsoft.com/office/powerpoint/2010/main" xmlns="" val="234258616"/>
+      </p:ext>
+    </p:extLst>
+  </p:cSld>
+  <p:clrMapOvr>
+    <a:masterClrMapping/>
+  </p:clrMapOvr>
+  <p:timing>
+    <p:tnLst>
+      <p:par>
+        <p:cTn id="1" dur="indefinite" restart="never" nodeType="tmRoot"/>
+      </p:par>
+    </p:tnLst>
+  </p:timing>
+</p:sld>
+</file>
+
+<file path=ppt/slides/slide51.xml><?xml version="1.0" encoding="utf-8"?>
+<p:sld xmlns:a="http://schemas.openxmlformats.org/drawingml/2006/main" xmlns:r="http://schemas.openxmlformats.org/officeDocument/2006/relationships" xmlns:p="http://schemas.openxmlformats.org/presentationml/2006/main">
+  <p:cSld>
+    <p:spTree>
+      <p:nvGrpSpPr>
+        <p:cNvPr id="1" name=""/>
+        <p:cNvGrpSpPr/>
+        <p:nvPr/>
+      </p:nvGrpSpPr>
+      <p:grpSpPr>
+        <a:xfrm>
+          <a:off x="0" y="0"/>
+          <a:ext cx="0" cy="0"/>
+          <a:chOff x="0" y="0"/>
+          <a:chExt cx="0" cy="0"/>
+        </a:xfrm>
+      </p:grpSpPr>
+      <p:sp>
+        <p:nvSpPr>
+          <p:cNvPr id="2" name="Title 1"/>
+          <p:cNvSpPr>
+            <a:spLocks noGrp="1"/>
+          </p:cNvSpPr>
+          <p:nvPr>
+            <p:ph type="title"/>
+          </p:nvPr>
+        </p:nvSpPr>
+        <p:spPr/>
+        <p:txBody>
+          <a:bodyPr/>
+          <a:lstStyle/>
+          <a:p>
+            <a:r>
+              <a:rPr lang="en-US" dirty="0" smtClean="0"/>
+              <a:t>Making a Prediction</a:t>
+            </a:r>
+            <a:endParaRPr lang="en-US" dirty="0"/>
+          </a:p>
+        </p:txBody>
+      </p:sp>
+      <p:sp>
+        <p:nvSpPr>
+          <p:cNvPr id="3" name="Content Placeholder 2"/>
+          <p:cNvSpPr>
+            <a:spLocks noGrp="1"/>
+          </p:cNvSpPr>
+          <p:nvPr>
+            <p:ph idx="1"/>
+          </p:nvPr>
+        </p:nvSpPr>
+        <p:spPr/>
+        <p:txBody>
+          <a:bodyPr/>
+          <a:lstStyle/>
+          <a:p>
+            <a:r>
+              <a:rPr lang="en-US" dirty="0" smtClean="0"/>
+              <a:t>How do we use the model to predict new data?</a:t>
+            </a:r>
+          </a:p>
+          <a:p>
+            <a:r>
+              <a:rPr lang="en-US" dirty="0" smtClean="0"/>
+              <a:t>Use the predict method.</a:t>
+            </a:r>
+            <a:endParaRPr lang="en-US" dirty="0"/>
+          </a:p>
+        </p:txBody>
+      </p:sp>
+      <p:sp>
+        <p:nvSpPr>
+          <p:cNvPr id="4" name="Footer Placeholder 3"/>
+          <p:cNvSpPr>
+            <a:spLocks noGrp="1"/>
+          </p:cNvSpPr>
+          <p:nvPr>
+            <p:ph type="ftr" sz="quarter" idx="11"/>
+          </p:nvPr>
+        </p:nvSpPr>
+        <p:spPr/>
+        <p:txBody>
+          <a:bodyPr/>
+          <a:lstStyle/>
+          <a:p>
+            <a:r>
+              <a:rPr lang="en-US" smtClean="0"/>
+              <a:t>© Elephant Scale, 2014</a:t>
+            </a:r>
+            <a:endParaRPr lang="en-US" dirty="0"/>
+          </a:p>
+        </p:txBody>
+      </p:sp>
+    </p:spTree>
+  </p:cSld>
+  <p:clrMapOvr>
+    <a:masterClrMapping/>
+  </p:clrMapOvr>
+</p:sld>
+</file>
+
+<file path=ppt/slides/slide52.xml><?xml version="1.0" encoding="utf-8"?>
+<p:sld xmlns:a="http://schemas.openxmlformats.org/drawingml/2006/main" xmlns:r="http://schemas.openxmlformats.org/officeDocument/2006/relationships" xmlns:p="http://schemas.openxmlformats.org/presentationml/2006/main">
+  <p:cSld>
+    <p:spTree>
+      <p:nvGrpSpPr>
+        <p:cNvPr id="1" name=""/>
+        <p:cNvGrpSpPr/>
+        <p:nvPr/>
+      </p:nvGrpSpPr>
+      <p:grpSpPr>
+        <a:xfrm>
+          <a:off x="0" y="0"/>
+          <a:ext cx="0" cy="0"/>
+          <a:chOff x="0" y="0"/>
+          <a:chExt cx="0" cy="0"/>
+        </a:xfrm>
+      </p:grpSpPr>
+      <p:sp>
+        <p:nvSpPr>
+          <p:cNvPr id="2" name="Title 1"/>
+          <p:cNvSpPr>
+            <a:spLocks noGrp="1"/>
+          </p:cNvSpPr>
+          <p:nvPr>
+            <p:ph type="title"/>
+          </p:nvPr>
+        </p:nvSpPr>
+        <p:spPr/>
+        <p:txBody>
+          <a:bodyPr/>
+          <a:lstStyle/>
+          <a:p>
+            <a:r>
+              <a:rPr lang="en-US" dirty="0" smtClean="0"/>
+              <a:t>Measuring Performance of Classifier</a:t>
+            </a:r>
+            <a:endParaRPr lang="en-US" dirty="0"/>
+          </a:p>
+        </p:txBody>
+      </p:sp>
+      <p:sp>
+        <p:nvSpPr>
+          <p:cNvPr id="3" name="Content Placeholder 2"/>
+          <p:cNvSpPr>
+            <a:spLocks noGrp="1"/>
+          </p:cNvSpPr>
+          <p:nvPr>
+            <p:ph idx="1"/>
+          </p:nvPr>
+        </p:nvSpPr>
+        <p:spPr/>
+        <p:txBody>
+          <a:bodyPr/>
+          <a:lstStyle/>
+          <a:p>
+            <a:r>
+              <a:rPr lang="en-US" dirty="0" smtClean="0"/>
+              <a:t>Use a Test Dataset (similar to ALS / Recommendations)</a:t>
+            </a:r>
+          </a:p>
+          <a:p>
+            <a:r>
+              <a:rPr lang="en-US" dirty="0" smtClean="0"/>
+              <a:t>Binary classifiers are often compared by using the ROC curve</a:t>
+            </a:r>
+          </a:p>
+          <a:p>
+            <a:pPr lvl="1"/>
+            <a:r>
+              <a:rPr lang="en-US" dirty="0" smtClean="0"/>
+              <a:t>Receiver Operating Characteristic</a:t>
+            </a:r>
+          </a:p>
+          <a:p>
+            <a:pPr lvl="1"/>
+            <a:r>
+              <a:rPr lang="en-US" dirty="0" smtClean="0"/>
+              <a:t>Measure by area under ROC curve.</a:t>
+            </a:r>
+          </a:p>
+          <a:p>
+            <a:pPr lvl="1"/>
+            <a:r>
+              <a:rPr lang="en-US" dirty="0" smtClean="0"/>
+              <a:t>import </a:t>
+            </a:r>
+            <a:r>
+              <a:rPr lang="en-US" dirty="0" err="1" smtClean="0"/>
+              <a:t>org.apache.spark.mllib.evaluation.BinaryClassificationMetrics</a:t>
+            </a:r>
+            <a:endParaRPr lang="en-US" dirty="0" smtClean="0"/>
+          </a:p>
+          <a:p>
+            <a:pPr lvl="1"/>
+            <a:endParaRPr lang="en-US" dirty="0"/>
+          </a:p>
+        </p:txBody>
+      </p:sp>
+      <p:sp>
+        <p:nvSpPr>
+          <p:cNvPr id="4" name="Footer Placeholder 3"/>
+          <p:cNvSpPr>
+            <a:spLocks noGrp="1"/>
+          </p:cNvSpPr>
+          <p:nvPr>
+            <p:ph type="ftr" sz="quarter" idx="11"/>
+          </p:nvPr>
+        </p:nvSpPr>
+        <p:spPr/>
+        <p:txBody>
+          <a:bodyPr/>
+          <a:lstStyle/>
+          <a:p>
+            <a:r>
+              <a:rPr lang="en-US" smtClean="0"/>
+              <a:t>© Elephant Scale, 2014</a:t>
+            </a:r>
+            <a:endParaRPr lang="en-US" dirty="0"/>
+          </a:p>
+        </p:txBody>
+      </p:sp>
+    </p:spTree>
+  </p:cSld>
+  <p:clrMapOvr>
+    <a:masterClrMapping/>
+  </p:clrMapOvr>
+</p:sld>
+</file>
+
+<file path=ppt/slides/slide53.xml><?xml version="1.0" encoding="utf-8"?>
+<p:sld xmlns:a="http://schemas.openxmlformats.org/drawingml/2006/main" xmlns:r="http://schemas.openxmlformats.org/officeDocument/2006/relationships" xmlns:p="http://schemas.openxmlformats.org/presentationml/2006/main">
+  <p:cSld>
+    <p:spTree>
+      <p:nvGrpSpPr>
+        <p:cNvPr id="1" name=""/>
+        <p:cNvGrpSpPr/>
+        <p:nvPr/>
+      </p:nvGrpSpPr>
+      <p:grpSpPr>
+        <a:xfrm>
+          <a:off x="0" y="0"/>
+          <a:ext cx="0" cy="0"/>
+          <a:chOff x="0" y="0"/>
+          <a:chExt cx="0" cy="0"/>
+        </a:xfrm>
+      </p:grpSpPr>
+      <p:sp>
+        <p:nvSpPr>
+          <p:cNvPr id="2" name="Title 1"/>
+          <p:cNvSpPr>
+            <a:spLocks noGrp="1"/>
+          </p:cNvSpPr>
+          <p:nvPr>
+            <p:ph type="title"/>
+          </p:nvPr>
+        </p:nvSpPr>
+        <p:spPr/>
+        <p:txBody>
+          <a:bodyPr/>
+          <a:lstStyle/>
+          <a:p>
+            <a:r>
+              <a:rPr lang="en-US" dirty="0" smtClean="0"/>
+              <a:t>ROC Curve</a:t>
+            </a:r>
+            <a:endParaRPr lang="en-US" dirty="0"/>
+          </a:p>
+        </p:txBody>
+      </p:sp>
+      <p:pic>
+        <p:nvPicPr>
+          <p:cNvPr id="6" name="Content Placeholder 5" descr="ROC_space.png"/>
+          <p:cNvPicPr>
+            <a:picLocks noGrp="1" noChangeAspect="1"/>
+          </p:cNvPicPr>
+          <p:nvPr>
+            <p:ph idx="1"/>
+          </p:nvPr>
+        </p:nvPicPr>
+        <p:blipFill>
+          <a:blip r:embed="rId2">
+            <a:extLst>
+              <a:ext uri="{28A0092B-C50C-407E-A947-70E740481C1C}">
+                <a14:useLocalDpi xmlns:a14="http://schemas.microsoft.com/office/drawing/2010/main" xmlns="" val="0"/>
+              </a:ext>
+            </a:extLst>
+          </a:blip>
+          <a:srcRect l="-43632" r="-43632"/>
+          <a:stretch>
+            <a:fillRect/>
+          </a:stretch>
+        </p:blipFill>
+        <p:spPr/>
+      </p:pic>
+      <p:sp>
+        <p:nvSpPr>
+          <p:cNvPr id="4" name="Footer Placeholder 3"/>
+          <p:cNvSpPr>
+            <a:spLocks noGrp="1"/>
+          </p:cNvSpPr>
+          <p:nvPr>
+            <p:ph type="ftr" sz="quarter" idx="11"/>
+          </p:nvPr>
+        </p:nvSpPr>
+        <p:spPr/>
+        <p:txBody>
+          <a:bodyPr/>
+          <a:lstStyle/>
+          <a:p>
+            <a:r>
+              <a:rPr lang="en-US" smtClean="0"/>
+              <a:t>(c) ElephantScale.com 2014</a:t>
+            </a:r>
+            <a:endParaRPr lang="en-US"/>
+          </a:p>
+        </p:txBody>
+      </p:sp>
+      <p:sp>
+        <p:nvSpPr>
+          <p:cNvPr id="5" name="Slide Number Placeholder 4"/>
+          <p:cNvSpPr>
+            <a:spLocks noGrp="1"/>
+          </p:cNvSpPr>
+          <p:nvPr>
+            <p:ph type="sldNum" sz="quarter" idx="12"/>
+          </p:nvPr>
+        </p:nvSpPr>
+        <p:spPr/>
+        <p:txBody>
+          <a:bodyPr/>
+          <a:lstStyle/>
+          <a:p>
+            <a:fld id="{4AD8DDEF-9CD1-B641-ADE5-2BEE59567BE6}" type="slidenum">
+              <a:rPr lang="en-US" smtClean="0"/>
+              <a:pPr/>
+              <a:t>53</a:t>
+            </a:fld>
+            <a:endParaRPr lang="en-US"/>
+          </a:p>
+        </p:txBody>
+      </p:sp>
+      <p:sp>
+        <p:nvSpPr>
+          <p:cNvPr id="7" name="TextBox 6"/>
+          <p:cNvSpPr txBox="1"/>
+          <p:nvPr/>
+        </p:nvSpPr>
+        <p:spPr>
+          <a:xfrm>
+            <a:off x="2647643" y="6402948"/>
+            <a:ext cx="5658157" cy="307777"/>
+          </a:xfrm>
+          <a:prstGeom prst="rect">
+            <a:avLst/>
+          </a:prstGeom>
+          <a:noFill/>
+        </p:spPr>
+        <p:txBody>
+          <a:bodyPr wrap="none" rtlCol="0">
+            <a:spAutoFit/>
+          </a:bodyPr>
+          <a:lstStyle/>
+          <a:p>
+            <a:r>
+              <a:rPr lang="en-US" sz="1400" dirty="0">
+                <a:solidFill>
+                  <a:schemeClr val="bg1">
+                    <a:lumMod val="65000"/>
+                  </a:schemeClr>
+                </a:solidFill>
+              </a:rPr>
+              <a:t>Source : http://</a:t>
+            </a:r>
+            <a:r>
+              <a:rPr lang="en-US" sz="1400" dirty="0" err="1">
+                <a:solidFill>
+                  <a:schemeClr val="bg1">
+                    <a:lumMod val="65000"/>
+                  </a:schemeClr>
+                </a:solidFill>
+              </a:rPr>
+              <a:t>commons.wikimedia.org</a:t>
+            </a:r>
+            <a:r>
+              <a:rPr lang="en-US" sz="1400" dirty="0">
+                <a:solidFill>
+                  <a:schemeClr val="bg1">
+                    <a:lumMod val="65000"/>
+                  </a:schemeClr>
+                </a:solidFill>
+              </a:rPr>
+              <a:t>/wiki/</a:t>
+            </a:r>
+            <a:r>
+              <a:rPr lang="en-US" sz="1400" dirty="0" err="1">
+                <a:solidFill>
+                  <a:schemeClr val="bg1">
+                    <a:lumMod val="65000"/>
+                  </a:schemeClr>
+                </a:solidFill>
+              </a:rPr>
+              <a:t>File:ROC_space.png</a:t>
+            </a:r>
+            <a:r>
+              <a:rPr lang="en-US" sz="1400" dirty="0"/>
+              <a:t> </a:t>
+            </a:r>
+          </a:p>
+        </p:txBody>
+      </p:sp>
+    </p:spTree>
+    <p:extLst>
+      <p:ext uri="{BB962C8B-B14F-4D97-AF65-F5344CB8AC3E}">
+        <p14:creationId xmlns:p14="http://schemas.microsoft.com/office/powerpoint/2010/main" xmlns="" val="2886531117"/>
+      </p:ext>
+    </p:extLst>
+  </p:cSld>
+  <p:clrMapOvr>
+    <a:masterClrMapping/>
+  </p:clrMapOvr>
+  <p:timing>
+    <p:tnLst>
+      <p:par>
+        <p:cTn id="1" dur="indefinite" restart="never" nodeType="tmRoot"/>
+      </p:par>
+    </p:tnLst>
+  </p:timing>
+</p:sld>
+</file>
+
+<file path=ppt/slides/slide54.xml><?xml version="1.0" encoding="utf-8"?>
+<p:sld xmlns:a="http://schemas.openxmlformats.org/drawingml/2006/main" xmlns:r="http://schemas.openxmlformats.org/officeDocument/2006/relationships" xmlns:p="http://schemas.openxmlformats.org/presentationml/2006/main">
+  <p:cSld>
+    <p:spTree>
+      <p:nvGrpSpPr>
+        <p:cNvPr id="1" name=""/>
+        <p:cNvGrpSpPr/>
+        <p:nvPr/>
+      </p:nvGrpSpPr>
+      <p:grpSpPr>
+        <a:xfrm>
+          <a:off x="0" y="0"/>
+          <a:ext cx="0" cy="0"/>
+          <a:chOff x="0" y="0"/>
+          <a:chExt cx="0" cy="0"/>
+        </a:xfrm>
+      </p:grpSpPr>
+      <p:sp>
+        <p:nvSpPr>
+          <p:cNvPr id="2" name="Title 1"/>
+          <p:cNvSpPr>
+            <a:spLocks noGrp="1"/>
+          </p:cNvSpPr>
+          <p:nvPr>
+            <p:ph type="title"/>
+          </p:nvPr>
+        </p:nvSpPr>
+        <p:spPr/>
+        <p:txBody>
+          <a:bodyPr/>
+          <a:lstStyle/>
+          <a:p>
+            <a:r>
+              <a:rPr lang="en-US" dirty="0" smtClean="0"/>
+              <a:t>Classification Lab</a:t>
+            </a:r>
+            <a:endParaRPr lang="en-US" dirty="0"/>
+          </a:p>
+        </p:txBody>
+      </p:sp>
+      <p:sp>
+        <p:nvSpPr>
+          <p:cNvPr id="3" name="Content Placeholder 2"/>
+          <p:cNvSpPr>
+            <a:spLocks noGrp="1"/>
+          </p:cNvSpPr>
+          <p:nvPr>
+            <p:ph idx="1"/>
+          </p:nvPr>
+        </p:nvSpPr>
+        <p:spPr/>
+        <p:txBody>
+          <a:bodyPr/>
+          <a:lstStyle/>
+          <a:p>
+            <a:r>
+              <a:rPr lang="en-US" dirty="0" smtClean="0"/>
+              <a:t>Use the “churn” dataset for telecom churn prediction</a:t>
+            </a:r>
+          </a:p>
+          <a:p>
+            <a:r>
+              <a:rPr lang="en-US" dirty="0" smtClean="0"/>
+              <a:t>location   : </a:t>
+            </a:r>
+            <a:r>
+              <a:rPr lang="en-US" dirty="0" err="1" smtClean="0"/>
+              <a:t>mllib</a:t>
+            </a:r>
+            <a:r>
+              <a:rPr lang="en-US" dirty="0" smtClean="0"/>
+              <a:t>/</a:t>
+            </a:r>
+            <a:r>
+              <a:rPr lang="en-US" dirty="0" err="1" smtClean="0"/>
+              <a:t>classifation</a:t>
+            </a:r>
+            <a:endParaRPr lang="en-US" dirty="0" smtClean="0"/>
+          </a:p>
+          <a:p>
+            <a:r>
+              <a:rPr lang="en-US" dirty="0" smtClean="0"/>
+              <a:t>Try out the solution line-by-line</a:t>
+            </a:r>
+          </a:p>
+        </p:txBody>
+      </p:sp>
+      <p:sp>
+        <p:nvSpPr>
+          <p:cNvPr id="4" name="Footer Placeholder 3"/>
+          <p:cNvSpPr>
+            <a:spLocks noGrp="1"/>
+          </p:cNvSpPr>
+          <p:nvPr>
+            <p:ph type="ftr" sz="quarter" idx="11"/>
+          </p:nvPr>
+        </p:nvSpPr>
+        <p:spPr/>
+        <p:txBody>
+          <a:bodyPr/>
+          <a:lstStyle/>
+          <a:p>
+            <a:r>
+              <a:rPr lang="en-US" smtClean="0"/>
+              <a:t>(c) ElephantScale.com 2014</a:t>
+            </a:r>
+            <a:endParaRPr lang="en-US"/>
+          </a:p>
+        </p:txBody>
+      </p:sp>
+      <p:sp>
+        <p:nvSpPr>
+          <p:cNvPr id="5" name="Slide Number Placeholder 4"/>
+          <p:cNvSpPr>
+            <a:spLocks noGrp="1"/>
+          </p:cNvSpPr>
+          <p:nvPr>
+            <p:ph type="sldNum" sz="quarter" idx="12"/>
+          </p:nvPr>
+        </p:nvSpPr>
+        <p:spPr/>
+        <p:txBody>
+          <a:bodyPr/>
+          <a:lstStyle/>
+          <a:p>
+            <a:fld id="{4AD8DDEF-9CD1-B641-ADE5-2BEE59567BE6}" type="slidenum">
+              <a:rPr lang="en-US" smtClean="0"/>
+              <a:pPr/>
+              <a:t>54</a:t>
+            </a:fld>
+            <a:endParaRPr lang="en-US"/>
+          </a:p>
+        </p:txBody>
+      </p:sp>
+    </p:spTree>
+    <p:extLst>
+      <p:ext uri="{BB962C8B-B14F-4D97-AF65-F5344CB8AC3E}">
+        <p14:creationId xmlns:p14="http://schemas.microsoft.com/office/powerpoint/2010/main" xmlns="" val="3599210062"/>
+      </p:ext>
+    </p:extLst>
+  </p:cSld>
+  <p:clrMapOvr>
+    <a:masterClrMapping/>
+  </p:clrMapOvr>
+  <p:timing>
+    <p:tnLst>
+      <p:par>
+        <p:cTn id="1" dur="indefinite" restart="never" nodeType="tmRoot"/>
+      </p:par>
+    </p:tnLst>
+  </p:timing>
+</p:sld>
+</file>
+
+<file path=ppt/slides/slide55.xml><?xml version="1.0" encoding="utf-8"?>
+<p:sld xmlns:a="http://schemas.openxmlformats.org/drawingml/2006/main" xmlns:r="http://schemas.openxmlformats.org/officeDocument/2006/relationships" xmlns:p="http://schemas.openxmlformats.org/presentationml/2006/main">
+  <p:cSld>
+    <p:spTree>
+      <p:nvGrpSpPr>
+        <p:cNvPr id="1" name=""/>
+        <p:cNvGrpSpPr/>
+        <p:nvPr/>
+      </p:nvGrpSpPr>
+      <p:grpSpPr>
+        <a:xfrm>
+          <a:off x="0" y="0"/>
+          <a:ext cx="0" cy="0"/>
+          <a:chOff x="0" y="0"/>
+          <a:chExt cx="0" cy="0"/>
+        </a:xfrm>
+      </p:grpSpPr>
+      <p:sp>
+        <p:nvSpPr>
+          <p:cNvPr id="2" name="Title 1"/>
+          <p:cNvSpPr>
+            <a:spLocks noGrp="1"/>
+          </p:cNvSpPr>
+          <p:nvPr>
+            <p:ph type="title"/>
+          </p:nvPr>
+        </p:nvSpPr>
+        <p:spPr/>
+        <p:txBody>
+          <a:bodyPr/>
+          <a:lstStyle/>
+          <a:p>
+            <a:r>
+              <a:rPr lang="en-US" dirty="0" smtClean="0"/>
               <a:t>Thanks! &amp; Questions !</a:t>
             </a:r>
             <a:endParaRPr lang="en-US" dirty="0"/>
@@ -18361,7 +19105,7 @@
 </p:sld>
 </file>
 
-<file path=ppt/slides/slide51.xml><?xml version="1.0" encoding="utf-8"?>
+<file path=ppt/slides/slide56.xml><?xml version="1.0" encoding="utf-8"?>
 <p:sld xmlns:a="http://schemas.openxmlformats.org/drawingml/2006/main" xmlns:r="http://schemas.openxmlformats.org/officeDocument/2006/relationships" xmlns:p="http://schemas.openxmlformats.org/presentationml/2006/main">
   <p:cSld>
     <p:spTree>

--- a/slides/MLLib.pptx
+++ b/slides/MLLib.pptx
@@ -5,10 +5,10 @@
     <p:sldMasterId id="2147483672" r:id="rId1"/>
   </p:sldMasterIdLst>
   <p:notesMasterIdLst>
-    <p:notesMasterId r:id="rId58"/>
+    <p:notesMasterId r:id="rId65"/>
   </p:notesMasterIdLst>
   <p:handoutMasterIdLst>
-    <p:handoutMasterId r:id="rId59"/>
+    <p:handoutMasterId r:id="rId66"/>
   </p:handoutMasterIdLst>
   <p:sldIdLst>
     <p:sldId id="258" r:id="rId2"/>
@@ -38,35 +38,42 @@
     <p:sldId id="344" r:id="rId26"/>
     <p:sldId id="373" r:id="rId27"/>
     <p:sldId id="374" r:id="rId28"/>
-    <p:sldId id="371" r:id="rId29"/>
-    <p:sldId id="383" r:id="rId30"/>
-    <p:sldId id="384" r:id="rId31"/>
-    <p:sldId id="385" r:id="rId32"/>
-    <p:sldId id="346" r:id="rId33"/>
-    <p:sldId id="348" r:id="rId34"/>
-    <p:sldId id="349" r:id="rId35"/>
-    <p:sldId id="350" r:id="rId36"/>
-    <p:sldId id="351" r:id="rId37"/>
-    <p:sldId id="352" r:id="rId38"/>
-    <p:sldId id="353" r:id="rId39"/>
-    <p:sldId id="354" r:id="rId40"/>
-    <p:sldId id="355" r:id="rId41"/>
-    <p:sldId id="376" r:id="rId42"/>
-    <p:sldId id="375" r:id="rId43"/>
-    <p:sldId id="356" r:id="rId44"/>
-    <p:sldId id="360" r:id="rId45"/>
-    <p:sldId id="361" r:id="rId46"/>
-    <p:sldId id="362" r:id="rId47"/>
-    <p:sldId id="363" r:id="rId48"/>
-    <p:sldId id="386" r:id="rId49"/>
-    <p:sldId id="364" r:id="rId50"/>
-    <p:sldId id="365" r:id="rId51"/>
-    <p:sldId id="379" r:id="rId52"/>
-    <p:sldId id="378" r:id="rId53"/>
-    <p:sldId id="377" r:id="rId54"/>
-    <p:sldId id="370" r:id="rId55"/>
-    <p:sldId id="328" r:id="rId56"/>
-    <p:sldId id="275" r:id="rId57"/>
+    <p:sldId id="391" r:id="rId29"/>
+    <p:sldId id="392" r:id="rId30"/>
+    <p:sldId id="393" r:id="rId31"/>
+    <p:sldId id="371" r:id="rId32"/>
+    <p:sldId id="383" r:id="rId33"/>
+    <p:sldId id="384" r:id="rId34"/>
+    <p:sldId id="385" r:id="rId35"/>
+    <p:sldId id="394" r:id="rId36"/>
+    <p:sldId id="395" r:id="rId37"/>
+    <p:sldId id="346" r:id="rId38"/>
+    <p:sldId id="348" r:id="rId39"/>
+    <p:sldId id="349" r:id="rId40"/>
+    <p:sldId id="350" r:id="rId41"/>
+    <p:sldId id="351" r:id="rId42"/>
+    <p:sldId id="352" r:id="rId43"/>
+    <p:sldId id="353" r:id="rId44"/>
+    <p:sldId id="354" r:id="rId45"/>
+    <p:sldId id="397" r:id="rId46"/>
+    <p:sldId id="355" r:id="rId47"/>
+    <p:sldId id="376" r:id="rId48"/>
+    <p:sldId id="375" r:id="rId49"/>
+    <p:sldId id="396" r:id="rId50"/>
+    <p:sldId id="356" r:id="rId51"/>
+    <p:sldId id="360" r:id="rId52"/>
+    <p:sldId id="361" r:id="rId53"/>
+    <p:sldId id="362" r:id="rId54"/>
+    <p:sldId id="363" r:id="rId55"/>
+    <p:sldId id="386" r:id="rId56"/>
+    <p:sldId id="364" r:id="rId57"/>
+    <p:sldId id="365" r:id="rId58"/>
+    <p:sldId id="379" r:id="rId59"/>
+    <p:sldId id="378" r:id="rId60"/>
+    <p:sldId id="377" r:id="rId61"/>
+    <p:sldId id="370" r:id="rId62"/>
+    <p:sldId id="328" r:id="rId63"/>
+    <p:sldId id="275" r:id="rId64"/>
   </p:sldIdLst>
   <p:sldSz cx="9144000" cy="6858000" type="screen4x3"/>
   <p:notesSz cx="6858000" cy="9144000"/>
@@ -251,7 +258,7 @@
             <a:fld id="{F417C17C-C22B-5A4D-86C6-03CADFB916E7}" type="datetimeFigureOut">
               <a:rPr lang="en-US" smtClean="0"/>
               <a:pPr/>
-              <a:t>4/9/2015</a:t>
+              <a:t>4/11/2015</a:t>
             </a:fld>
             <a:endParaRPr lang="en-US"/>
           </a:p>
@@ -419,7 +426,7 @@
             <a:fld id="{F94EDEDA-1CEA-BB4E-9B95-2149BD5068F1}" type="datetimeFigureOut">
               <a:rPr lang="en-US" smtClean="0"/>
               <a:pPr/>
-              <a:t>4/9/2015</a:t>
+              <a:t>4/11/2015</a:t>
             </a:fld>
             <a:endParaRPr lang="en-US"/>
           </a:p>
@@ -689,6 +696,170 @@
 </p:notesMaster>
 </file>
 
+<file path=ppt/notesSlides/notesSlide1.xml><?xml version="1.0" encoding="utf-8"?>
+<p:notes xmlns:a="http://schemas.openxmlformats.org/drawingml/2006/main" xmlns:r="http://schemas.openxmlformats.org/officeDocument/2006/relationships" xmlns:p="http://schemas.openxmlformats.org/presentationml/2006/main">
+  <p:cSld>
+    <p:spTree>
+      <p:nvGrpSpPr>
+        <p:cNvPr id="1" name=""/>
+        <p:cNvGrpSpPr/>
+        <p:nvPr/>
+      </p:nvGrpSpPr>
+      <p:grpSpPr>
+        <a:xfrm>
+          <a:off x="0" y="0"/>
+          <a:ext cx="0" cy="0"/>
+          <a:chOff x="0" y="0"/>
+          <a:chExt cx="0" cy="0"/>
+        </a:xfrm>
+      </p:grpSpPr>
+      <p:sp>
+        <p:nvSpPr>
+          <p:cNvPr id="2" name="Slide Image Placeholder 1"/>
+          <p:cNvSpPr>
+            <a:spLocks noGrp="1" noRot="1" noChangeAspect="1"/>
+          </p:cNvSpPr>
+          <p:nvPr>
+            <p:ph type="sldImg"/>
+          </p:nvPr>
+        </p:nvSpPr>
+        <p:spPr/>
+      </p:sp>
+      <p:sp>
+        <p:nvSpPr>
+          <p:cNvPr id="3" name="Notes Placeholder 2"/>
+          <p:cNvSpPr>
+            <a:spLocks noGrp="1"/>
+          </p:cNvSpPr>
+          <p:nvPr>
+            <p:ph type="body" idx="1"/>
+          </p:nvPr>
+        </p:nvSpPr>
+        <p:spPr/>
+        <p:txBody>
+          <a:bodyPr>
+            <a:normAutofit/>
+          </a:bodyPr>
+          <a:lstStyle/>
+          <a:p>
+            <a:endParaRPr lang="en-US" dirty="0"/>
+          </a:p>
+        </p:txBody>
+      </p:sp>
+      <p:sp>
+        <p:nvSpPr>
+          <p:cNvPr id="4" name="Slide Number Placeholder 3"/>
+          <p:cNvSpPr>
+            <a:spLocks noGrp="1"/>
+          </p:cNvSpPr>
+          <p:nvPr>
+            <p:ph type="sldNum" sz="quarter" idx="10"/>
+          </p:nvPr>
+        </p:nvSpPr>
+        <p:spPr/>
+        <p:txBody>
+          <a:bodyPr/>
+          <a:lstStyle/>
+          <a:p>
+            <a:fld id="{1CC4B0A8-AEC9-8A47-9FCE-A1CBD16A493F}" type="slidenum">
+              <a:rPr lang="en-US" smtClean="0"/>
+              <a:pPr/>
+              <a:t>29</a:t>
+            </a:fld>
+            <a:endParaRPr lang="en-US"/>
+          </a:p>
+        </p:txBody>
+      </p:sp>
+    </p:spTree>
+  </p:cSld>
+  <p:clrMapOvr>
+    <a:masterClrMapping/>
+  </p:clrMapOvr>
+</p:notes>
+</file>
+
+<file path=ppt/notesSlides/notesSlide2.xml><?xml version="1.0" encoding="utf-8"?>
+<p:notes xmlns:a="http://schemas.openxmlformats.org/drawingml/2006/main" xmlns:r="http://schemas.openxmlformats.org/officeDocument/2006/relationships" xmlns:p="http://schemas.openxmlformats.org/presentationml/2006/main">
+  <p:cSld>
+    <p:spTree>
+      <p:nvGrpSpPr>
+        <p:cNvPr id="1" name=""/>
+        <p:cNvGrpSpPr/>
+        <p:nvPr/>
+      </p:nvGrpSpPr>
+      <p:grpSpPr>
+        <a:xfrm>
+          <a:off x="0" y="0"/>
+          <a:ext cx="0" cy="0"/>
+          <a:chOff x="0" y="0"/>
+          <a:chExt cx="0" cy="0"/>
+        </a:xfrm>
+      </p:grpSpPr>
+      <p:sp>
+        <p:nvSpPr>
+          <p:cNvPr id="2" name="Slide Image Placeholder 1"/>
+          <p:cNvSpPr>
+            <a:spLocks noGrp="1" noRot="1" noChangeAspect="1"/>
+          </p:cNvSpPr>
+          <p:nvPr>
+            <p:ph type="sldImg"/>
+          </p:nvPr>
+        </p:nvSpPr>
+        <p:spPr/>
+      </p:sp>
+      <p:sp>
+        <p:nvSpPr>
+          <p:cNvPr id="3" name="Notes Placeholder 2"/>
+          <p:cNvSpPr>
+            <a:spLocks noGrp="1"/>
+          </p:cNvSpPr>
+          <p:nvPr>
+            <p:ph type="body" idx="1"/>
+          </p:nvPr>
+        </p:nvSpPr>
+        <p:spPr/>
+        <p:txBody>
+          <a:bodyPr>
+            <a:normAutofit/>
+          </a:bodyPr>
+          <a:lstStyle/>
+          <a:p>
+            <a:endParaRPr lang="en-US" dirty="0"/>
+          </a:p>
+        </p:txBody>
+      </p:sp>
+      <p:sp>
+        <p:nvSpPr>
+          <p:cNvPr id="4" name="Slide Number Placeholder 3"/>
+          <p:cNvSpPr>
+            <a:spLocks noGrp="1"/>
+          </p:cNvSpPr>
+          <p:nvPr>
+            <p:ph type="sldNum" sz="quarter" idx="10"/>
+          </p:nvPr>
+        </p:nvSpPr>
+        <p:spPr/>
+        <p:txBody>
+          <a:bodyPr/>
+          <a:lstStyle/>
+          <a:p>
+            <a:fld id="{1CC4B0A8-AEC9-8A47-9FCE-A1CBD16A493F}" type="slidenum">
+              <a:rPr lang="en-US" smtClean="0"/>
+              <a:pPr/>
+              <a:t>55</a:t>
+            </a:fld>
+            <a:endParaRPr lang="en-US"/>
+          </a:p>
+        </p:txBody>
+      </p:sp>
+    </p:spTree>
+  </p:cSld>
+  <p:clrMapOvr>
+    <a:masterClrMapping/>
+  </p:clrMapOvr>
+</p:notes>
+</file>
+
 <file path=ppt/slideLayouts/slideLayout1.xml><?xml version="1.0" encoding="utf-8"?>
 <p:sldLayout xmlns:a="http://schemas.openxmlformats.org/drawingml/2006/main" xmlns:r="http://schemas.openxmlformats.org/officeDocument/2006/relationships" xmlns:p="http://schemas.openxmlformats.org/presentationml/2006/main" showMasterSp="0" type="title" preserve="1">
   <p:cSld name="Title Slide">
@@ -891,7 +1062,7 @@
             <a:fld id="{9F1B846B-8A2D-1B40-9656-03CBE7C30F89}" type="datetime1">
               <a:rPr lang="en-US" smtClean="0"/>
               <a:pPr/>
-              <a:t>4/9/2015</a:t>
+              <a:t>4/11/2015</a:t>
             </a:fld>
             <a:endParaRPr lang="en-US"/>
           </a:p>
@@ -1350,7 +1521,7 @@
             <a:fld id="{3AC6D651-2F6B-4F44-9AC2-2874A650DFFF}" type="datetime1">
               <a:rPr lang="en-US" smtClean="0"/>
               <a:pPr/>
-              <a:t>4/9/2015</a:t>
+              <a:t>4/11/2015</a:t>
             </a:fld>
             <a:endParaRPr lang="en-US"/>
           </a:p>
@@ -1899,7 +2070,7 @@
             <a:fld id="{2F9368DD-AF8D-A84E-B015-C56E16CCA0B8}" type="datetime1">
               <a:rPr lang="en-US" smtClean="0"/>
               <a:pPr/>
-              <a:t>4/9/2015</a:t>
+              <a:t>4/11/2015</a:t>
             </a:fld>
             <a:endParaRPr lang="en-US"/>
           </a:p>
@@ -2041,7 +2212,7 @@
             <a:fld id="{51EECA03-0EFE-AE49-AEC4-FF5FAA3318FF}" type="datetime1">
               <a:rPr lang="en-US" smtClean="0"/>
               <a:pPr/>
-              <a:t>4/9/2015</a:t>
+              <a:t>4/11/2015</a:t>
             </a:fld>
             <a:endParaRPr lang="en-US"/>
           </a:p>
@@ -2385,7 +2556,7 @@
             <a:fld id="{AC99F442-9D35-CD43-AF7C-482407A7E448}" type="datetime1">
               <a:rPr lang="en-US" smtClean="0"/>
               <a:pPr/>
-              <a:t>4/9/2015</a:t>
+              <a:t>4/11/2015</a:t>
             </a:fld>
             <a:endParaRPr lang="en-US"/>
           </a:p>
@@ -2716,7 +2887,7 @@
             <a:fld id="{6FF29FFD-6E86-7D41-8B06-D97C95FD9989}" type="datetime1">
               <a:rPr lang="en-US" smtClean="0"/>
               <a:pPr/>
-              <a:t>4/9/2015</a:t>
+              <a:t>4/11/2015</a:t>
             </a:fld>
             <a:endParaRPr lang="en-US"/>
           </a:p>
@@ -3020,7 +3191,7 @@
             <a:fld id="{A7DDD598-7C70-AD4A-A0DD-92D30AAA5510}" type="datetime1">
               <a:rPr lang="en-US" smtClean="0"/>
               <a:pPr/>
-              <a:t>4/9/2015</a:t>
+              <a:t>4/11/2015</a:t>
             </a:fld>
             <a:endParaRPr lang="en-US"/>
           </a:p>
@@ -3413,7 +3584,7 @@
             <a:fld id="{69AB95C5-5C4D-2440-955D-3D443FE41120}" type="datetime1">
               <a:rPr lang="en-US" smtClean="0"/>
               <a:pPr/>
-              <a:t>4/9/2015</a:t>
+              <a:t>4/11/2015</a:t>
             </a:fld>
             <a:endParaRPr lang="en-US"/>
           </a:p>
@@ -3839,7 +4010,7 @@
             <a:fld id="{7A3B19C7-97AD-7A44-9B9C-A4CD352EDF8C}" type="datetime1">
               <a:rPr lang="en-US" smtClean="0"/>
               <a:pPr/>
-              <a:t>4/9/2015</a:t>
+              <a:t>4/11/2015</a:t>
             </a:fld>
             <a:endParaRPr lang="en-US"/>
           </a:p>
@@ -4393,7 +4564,7 @@
             <a:fld id="{400A512E-66E8-C943-9CDD-ABCDE7307FC5}" type="datetime1">
               <a:rPr lang="en-US" smtClean="0"/>
               <a:pPr/>
-              <a:t>4/9/2015</a:t>
+              <a:t>4/11/2015</a:t>
             </a:fld>
             <a:endParaRPr lang="en-US"/>
           </a:p>
@@ -4757,7 +4928,7 @@
             <a:fld id="{275737D3-87B9-8A41-9F3E-456EAA10E2F7}" type="datetime1">
               <a:rPr lang="en-US" smtClean="0"/>
               <a:pPr/>
-              <a:t>4/9/2015</a:t>
+              <a:t>4/11/2015</a:t>
             </a:fld>
             <a:endParaRPr lang="en-US"/>
           </a:p>
@@ -4978,7 +5149,7 @@
             <a:fld id="{3B13B7C4-28A5-CB48-9F90-61EEE4FDDD8B}" type="datetime1">
               <a:rPr lang="en-US" smtClean="0"/>
               <a:pPr/>
-              <a:t>4/9/2015</a:t>
+              <a:t>4/11/2015</a:t>
             </a:fld>
             <a:endParaRPr lang="en-US"/>
           </a:p>
@@ -5291,7 +5462,7 @@
             <a:fld id="{FB820ADC-A989-0B43-894B-CC8B88A6A058}" type="datetime1">
               <a:rPr lang="en-US" smtClean="0"/>
               <a:pPr/>
-              <a:t>4/9/2015</a:t>
+              <a:t>4/11/2015</a:t>
             </a:fld>
             <a:endParaRPr lang="en-US"/>
           </a:p>
@@ -5553,7 +5724,7 @@
             <a:fld id="{6EFD7B0D-1D9A-AA44-8AA0-36F432394321}" type="datetime1">
               <a:rPr lang="en-US" smtClean="0"/>
               <a:pPr/>
-              <a:t>4/9/2015</a:t>
+              <a:t>4/11/2015</a:t>
             </a:fld>
             <a:endParaRPr lang="en-US"/>
           </a:p>
@@ -5948,7 +6119,7 @@
             <a:fld id="{8391D6BE-CC5A-F441-BF5C-132B93EAE0B9}" type="datetime1">
               <a:rPr lang="en-US" smtClean="0"/>
               <a:pPr/>
-              <a:t>4/9/2015</a:t>
+              <a:t>4/11/2015</a:t>
             </a:fld>
             <a:endParaRPr lang="en-US"/>
           </a:p>
@@ -6542,7 +6713,7 @@
             <a:fld id="{7F9E5D33-2821-C642-A5E0-67CD027085C0}" type="datetime1">
               <a:rPr lang="en-US" smtClean="0"/>
               <a:pPr/>
-              <a:t>4/9/2015</a:t>
+              <a:t>4/11/2015</a:t>
             </a:fld>
             <a:endParaRPr lang="en-US"/>
           </a:p>
@@ -7063,7 +7234,7 @@
             <a:fld id="{B4EE926D-75E4-7C4A-80EF-E6F745BAF0A6}" type="datetime1">
               <a:rPr lang="en-US" smtClean="0"/>
               <a:pPr/>
-              <a:t>4/9/2015</a:t>
+              <a:t>4/11/2015</a:t>
             </a:fld>
             <a:endParaRPr lang="en-US"/>
           </a:p>
@@ -7442,7 +7613,7 @@
             <a:fld id="{1799AEC9-6A91-FD48-8C26-85D761A9AB9A}" type="datetime1">
               <a:rPr lang="en-US" smtClean="0"/>
               <a:pPr/>
-              <a:t>4/9/2015</a:t>
+              <a:t>4/11/2015</a:t>
             </a:fld>
             <a:endParaRPr lang="en-US"/>
           </a:p>
@@ -7847,7 +8018,7 @@
             <a:fld id="{72AB3F87-F2CF-AA47-8A3C-25D7BBB8800D}" type="datetime1">
               <a:rPr lang="en-US" smtClean="0"/>
               <a:pPr/>
-              <a:t>4/9/2015</a:t>
+              <a:t>4/11/2015</a:t>
             </a:fld>
             <a:endParaRPr lang="en-US"/>
           </a:p>
@@ -8273,7 +8444,7 @@
             <a:fld id="{017A4C3A-78B7-E146-B561-C5924296E830}" type="datetime1">
               <a:rPr lang="en-US" smtClean="0"/>
               <a:pPr/>
-              <a:t>4/9/2015</a:t>
+              <a:t>4/11/2015</a:t>
             </a:fld>
             <a:endParaRPr lang="en-US"/>
           </a:p>
@@ -8662,7 +8833,7 @@
             <a:fld id="{9F7D4429-93BD-BC4F-94A7-C9B3C2CD0DC0}" type="datetime1">
               <a:rPr lang="en-US" smtClean="0"/>
               <a:pPr/>
-              <a:t>4/9/2015</a:t>
+              <a:t>4/11/2015</a:t>
             </a:fld>
             <a:endParaRPr lang="en-US"/>
           </a:p>
@@ -9656,7 +9827,7 @@
             </a:r>
             <a:r>
               <a:rPr lang="en-US" dirty="0" smtClean="0"/>
-              <a:t>) – only works if there’s a few possible values</a:t>
+              <a:t>) – only works if there’s a limited number of possible values</a:t>
             </a:r>
           </a:p>
           <a:p>
@@ -12673,7 +12844,9 @@
         </p:nvSpPr>
         <p:spPr/>
         <p:txBody>
-          <a:bodyPr/>
+          <a:bodyPr>
+            <a:normAutofit lnSpcReduction="10000"/>
+          </a:bodyPr>
           <a:lstStyle/>
           <a:p>
             <a:r>
@@ -12686,6 +12859,13 @@
             <a:r>
               <a:rPr lang="en-US" dirty="0" smtClean="0"/>
               <a:t>Well-Understood.</a:t>
+            </a:r>
+          </a:p>
+          <a:p>
+            <a:pPr lvl="1"/>
+            <a:r>
+              <a:rPr lang="en-US" dirty="0" smtClean="0"/>
+              <a:t>Easy to Parallelize</a:t>
             </a:r>
           </a:p>
           <a:p>
@@ -12732,7 +12912,17 @@
           </a:p>
           <a:p>
             <a:pPr lvl="1"/>
-            <a:endParaRPr lang="en-US" dirty="0" smtClean="0"/>
+            <a:r>
+              <a:rPr lang="en-US" dirty="0" smtClean="0"/>
+              <a:t>Clusters not broadly (hyper)spherical don’t work well for k-means.</a:t>
+            </a:r>
+          </a:p>
+          <a:p>
+            <a:pPr lvl="2"/>
+            <a:r>
+              <a:rPr lang="en-US" dirty="0" smtClean="0"/>
+              <a:t>Use hierarchical clustering for these situations.</a:t>
+            </a:r>
           </a:p>
         </p:txBody>
       </p:sp>
@@ -13061,7 +13251,6 @@
               <a:rPr lang="en-US" dirty="0" smtClean="0"/>
               <a:t>You need numeric vectors, so convert strings to doubles.</a:t>
             </a:r>
-            <a:endParaRPr lang="en-US" dirty="0" smtClean="0"/>
           </a:p>
           <a:p>
             <a:pPr lvl="1"/>
@@ -13096,7 +13285,6 @@
               <a:rPr lang="en-US" dirty="0" smtClean="0"/>
               <a:t>.</a:t>
             </a:r>
-            <a:endParaRPr lang="en-US" dirty="0" smtClean="0"/>
           </a:p>
         </p:txBody>
       </p:sp>
@@ -13259,7 +13447,7 @@
                 <a:latin typeface="Courier New" pitchFamily="49" charset="0"/>
                 <a:cs typeface="Courier New" pitchFamily="49" charset="0"/>
               </a:rPr>
-              <a:t>val</a:t>
+              <a:t>KMeansModel</a:t>
             </a:r>
             <a:r>
               <a:rPr lang="en-US" dirty="0" smtClean="0">
@@ -13325,7 +13513,21 @@
             <a:pPr lvl="1"/>
             <a:r>
               <a:rPr lang="en-US" dirty="0" smtClean="0"/>
-              <a:t>“It depends”.. Too low and you might get bad results.  Try 10-25.</a:t>
+              <a:t>“It depends”.. Too low and you might get bad results.</a:t>
+            </a:r>
+          </a:p>
+          <a:p>
+            <a:pPr lvl="1"/>
+            <a:r>
+              <a:rPr lang="en-US" dirty="0" smtClean="0"/>
+              <a:t>Too many and you waste time</a:t>
+            </a:r>
+          </a:p>
+          <a:p>
+            <a:pPr lvl="1"/>
+            <a:r>
+              <a:rPr lang="en-US" dirty="0" smtClean="0"/>
+              <a:t>Try 10-20</a:t>
             </a:r>
           </a:p>
           <a:p>
@@ -13338,21 +13540,7 @@
             <a:pPr lvl="1"/>
             <a:r>
               <a:rPr lang="en-US" dirty="0" smtClean="0"/>
-              <a:t>Iterate, Iterate, Iterate</a:t>
-            </a:r>
-          </a:p>
-          <a:p>
-            <a:pPr lvl="1"/>
-            <a:r>
-              <a:rPr lang="en-US" dirty="0" smtClean="0"/>
-              <a:t>Measure performance for values of k.</a:t>
-            </a:r>
-          </a:p>
-          <a:p>
-            <a:pPr lvl="1"/>
-            <a:r>
-              <a:rPr lang="en-US" dirty="0" smtClean="0"/>
-              <a:t>But how do you know the performance of the cluster model?</a:t>
+              <a:t>Iterate, Iterate, Iterate.  But how do you know if the results are good?</a:t>
             </a:r>
           </a:p>
           <a:p>
@@ -13497,18 +13685,11 @@
           <a:p>
             <a:pPr lvl="1"/>
             <a:r>
-              <a:rPr lang="en-US" dirty="0" err="1" smtClean="0">
-                <a:latin typeface="Courier New" pitchFamily="49" charset="0"/>
-                <a:cs typeface="Courier New" pitchFamily="49" charset="0"/>
-              </a:rPr>
-              <a:t>val</a:t>
-            </a:r>
-            <a:r>
               <a:rPr lang="en-US" dirty="0" smtClean="0">
                 <a:latin typeface="Courier New" pitchFamily="49" charset="0"/>
                 <a:cs typeface="Courier New" pitchFamily="49" charset="0"/>
               </a:rPr>
-              <a:t> WSSSE = </a:t>
+              <a:t>Double WSSSSE = </a:t>
             </a:r>
             <a:r>
               <a:rPr lang="en-US" dirty="0" err="1" smtClean="0">
@@ -13522,21 +13703,7 @@
                 <a:latin typeface="Courier New" pitchFamily="49" charset="0"/>
                 <a:cs typeface="Courier New" pitchFamily="49" charset="0"/>
               </a:rPr>
-              <a:t>(</a:t>
-            </a:r>
-            <a:r>
-              <a:rPr lang="en-US" dirty="0" err="1" smtClean="0">
-                <a:latin typeface="Courier New" pitchFamily="49" charset="0"/>
-                <a:cs typeface="Courier New" pitchFamily="49" charset="0"/>
-              </a:rPr>
-              <a:t>parsedData</a:t>
-            </a:r>
-            <a:r>
-              <a:rPr lang="en-US" dirty="0" smtClean="0">
-                <a:latin typeface="Courier New" pitchFamily="49" charset="0"/>
-                <a:cs typeface="Courier New" pitchFamily="49" charset="0"/>
-              </a:rPr>
-              <a:t>)</a:t>
+              <a:t>(RDD&lt;Vector&gt;)</a:t>
             </a:r>
           </a:p>
           <a:p>
@@ -13574,6 +13741,10 @@
             </a:r>
           </a:p>
           <a:p>
+            <a:r>
+              <a:rPr lang="en-US" dirty="0" smtClean="0"/>
+              <a:t>We can iterate across k until we get good results.</a:t>
+            </a:r>
             <a:endParaRPr lang="en-US" dirty="0"/>
           </a:p>
         </p:txBody>
@@ -13769,7 +13940,11 @@
           <a:p>
             <a:r>
               <a:rPr lang="en-US" dirty="0" smtClean="0"/>
-              <a:t>Clustering Lab</a:t>
+              <a:t>Using </a:t>
+            </a:r>
+            <a:r>
+              <a:rPr lang="en-US" dirty="0" err="1" smtClean="0"/>
+              <a:t>KMeansModel</a:t>
             </a:r>
             <a:endParaRPr lang="en-US" dirty="0"/>
           </a:p>
@@ -13791,38 +13966,152 @@
           <a:lstStyle/>
           <a:p>
             <a:r>
+              <a:rPr lang="en-US" dirty="0" smtClean="0"/>
+              <a:t>How to apply the model to data?</a:t>
+            </a:r>
+          </a:p>
+          <a:p>
+            <a:r>
+              <a:rPr lang="en-US" dirty="0" smtClean="0"/>
+              <a:t>Use predict:</a:t>
+            </a:r>
+          </a:p>
+          <a:p>
+            <a:pPr lvl="1"/>
+            <a:r>
               <a:rPr lang="en-US" dirty="0" err="1" smtClean="0"/>
-              <a:t>Mtcars</a:t>
-            </a:r>
-            <a:r>
-              <a:rPr lang="en-US" dirty="0" smtClean="0"/>
-              <a:t> dataset: data about car models.</a:t>
-            </a:r>
-          </a:p>
-          <a:p>
-            <a:r>
-              <a:rPr lang="en-US" dirty="0" smtClean="0"/>
-              <a:t>location   : </a:t>
-            </a:r>
-            <a:r>
-              <a:rPr lang="en-US" dirty="0" err="1" smtClean="0"/>
-              <a:t>mllib</a:t>
-            </a:r>
-            <a:r>
-              <a:rPr lang="en-US" dirty="0" smtClean="0"/>
-              <a:t>/</a:t>
-            </a:r>
-            <a:r>
-              <a:rPr lang="en-US" dirty="0" err="1" smtClean="0"/>
-              <a:t>kmeans</a:t>
-            </a:r>
-            <a:endParaRPr lang="en-US" dirty="0" smtClean="0"/>
-          </a:p>
-          <a:p>
-            <a:r>
-              <a:rPr lang="en-US" dirty="0" smtClean="0"/>
-              <a:t>Try out the solution line-by-line</a:t>
-            </a:r>
+              <a:t>KMeansModel.predict</a:t>
+            </a:r>
+            <a:r>
+              <a:rPr lang="en-US" dirty="0" smtClean="0"/>
+              <a:t>(Vector)</a:t>
+            </a:r>
+          </a:p>
+          <a:p>
+            <a:pPr lvl="1"/>
+            <a:r>
+              <a:rPr lang="en-US" dirty="0" err="1" smtClean="0">
+                <a:latin typeface="Courier New" pitchFamily="49" charset="0"/>
+                <a:cs typeface="Courier New" pitchFamily="49" charset="0"/>
+              </a:rPr>
+              <a:t>int</a:t>
+            </a:r>
+            <a:r>
+              <a:rPr lang="en-US" dirty="0" smtClean="0">
+                <a:latin typeface="Courier New" pitchFamily="49" charset="0"/>
+                <a:cs typeface="Courier New" pitchFamily="49" charset="0"/>
+              </a:rPr>
+              <a:t> </a:t>
+            </a:r>
+            <a:r>
+              <a:rPr lang="en-US" dirty="0" err="1" smtClean="0">
+                <a:latin typeface="Courier New" pitchFamily="49" charset="0"/>
+                <a:cs typeface="Courier New" pitchFamily="49" charset="0"/>
+              </a:rPr>
+              <a:t>clusterId</a:t>
+            </a:r>
+            <a:r>
+              <a:rPr lang="en-US" dirty="0" smtClean="0">
+                <a:latin typeface="Courier New" pitchFamily="49" charset="0"/>
+                <a:cs typeface="Courier New" pitchFamily="49" charset="0"/>
+              </a:rPr>
+              <a:t> = </a:t>
+            </a:r>
+            <a:r>
+              <a:rPr lang="en-US" dirty="0" err="1" smtClean="0">
+                <a:latin typeface="Courier New" pitchFamily="49" charset="0"/>
+                <a:cs typeface="Courier New" pitchFamily="49" charset="0"/>
+              </a:rPr>
+              <a:t>model.predict</a:t>
+            </a:r>
+            <a:r>
+              <a:rPr lang="en-US" dirty="0" smtClean="0">
+                <a:latin typeface="Courier New" pitchFamily="49" charset="0"/>
+                <a:cs typeface="Courier New" pitchFamily="49" charset="0"/>
+              </a:rPr>
+              <a:t>(</a:t>
+            </a:r>
+            <a:r>
+              <a:rPr lang="en-US" dirty="0" err="1" smtClean="0">
+                <a:latin typeface="Courier New" pitchFamily="49" charset="0"/>
+                <a:cs typeface="Courier New" pitchFamily="49" charset="0"/>
+              </a:rPr>
+              <a:t>Vector.dense</a:t>
+            </a:r>
+            <a:r>
+              <a:rPr lang="en-US" dirty="0" smtClean="0">
+                <a:latin typeface="Courier New" pitchFamily="49" charset="0"/>
+                <a:cs typeface="Courier New" pitchFamily="49" charset="0"/>
+              </a:rPr>
+              <a:t>())</a:t>
+            </a:r>
+          </a:p>
+          <a:p>
+            <a:pPr lvl="1"/>
+            <a:r>
+              <a:rPr lang="en-US" dirty="0" smtClean="0">
+                <a:latin typeface="Courier New" pitchFamily="49" charset="0"/>
+                <a:cs typeface="Courier New" pitchFamily="49" charset="0"/>
+              </a:rPr>
+              <a:t>RDD&lt;</a:t>
+            </a:r>
+            <a:r>
+              <a:rPr lang="en-US" dirty="0" err="1" smtClean="0">
+                <a:latin typeface="Courier New" pitchFamily="49" charset="0"/>
+                <a:cs typeface="Courier New" pitchFamily="49" charset="0"/>
+              </a:rPr>
+              <a:t>int</a:t>
+            </a:r>
+            <a:r>
+              <a:rPr lang="en-US" dirty="0" smtClean="0">
+                <a:latin typeface="Courier New" pitchFamily="49" charset="0"/>
+                <a:cs typeface="Courier New" pitchFamily="49" charset="0"/>
+              </a:rPr>
+              <a:t>&gt; = </a:t>
+            </a:r>
+            <a:r>
+              <a:rPr lang="en-US" dirty="0" err="1" smtClean="0">
+                <a:latin typeface="Courier New" pitchFamily="49" charset="0"/>
+                <a:cs typeface="Courier New" pitchFamily="49" charset="0"/>
+              </a:rPr>
+              <a:t>model.predict</a:t>
+            </a:r>
+            <a:r>
+              <a:rPr lang="en-US" dirty="0" smtClean="0">
+                <a:latin typeface="Courier New" pitchFamily="49" charset="0"/>
+                <a:cs typeface="Courier New" pitchFamily="49" charset="0"/>
+              </a:rPr>
+              <a:t>(RDD&lt;Vector&gt;)</a:t>
+            </a:r>
+          </a:p>
+          <a:p>
+            <a:r>
+              <a:rPr lang="en-US" dirty="0" smtClean="0">
+                <a:cs typeface="Courier New" pitchFamily="49" charset="0"/>
+              </a:rPr>
+              <a:t>Predict returns an integer</a:t>
+            </a:r>
+          </a:p>
+          <a:p>
+            <a:pPr lvl="1"/>
+            <a:r>
+              <a:rPr lang="en-US" dirty="0" smtClean="0">
+                <a:cs typeface="Courier New" pitchFamily="49" charset="0"/>
+              </a:rPr>
+              <a:t>Cluster number, i.e., 0, 1, 2, 3… (k-1).</a:t>
+            </a:r>
+          </a:p>
+          <a:p>
+            <a:pPr lvl="1"/>
+            <a:endParaRPr lang="en-US" dirty="0" smtClean="0">
+              <a:cs typeface="Courier New" pitchFamily="49" charset="0"/>
+            </a:endParaRPr>
+          </a:p>
+          <a:p>
+            <a:pPr lvl="1">
+              <a:buNone/>
+            </a:pPr>
+            <a:endParaRPr lang="en-US" dirty="0"/>
           </a:p>
         </p:txBody>
       </p:sp>
@@ -13843,53 +14132,17 @@
           <a:p>
             <a:r>
               <a:rPr lang="en-US" smtClean="0"/>
-              <a:t>(c) ElephantScale.com 2014</a:t>
-            </a:r>
-            <a:endParaRPr lang="en-US"/>
-          </a:p>
-        </p:txBody>
-      </p:sp>
-      <p:sp>
-        <p:nvSpPr>
-          <p:cNvPr id="5" name="Slide Number Placeholder 4"/>
-          <p:cNvSpPr>
-            <a:spLocks noGrp="1"/>
-          </p:cNvSpPr>
-          <p:nvPr>
-            <p:ph type="sldNum" sz="quarter" idx="12"/>
-          </p:nvPr>
-        </p:nvSpPr>
-        <p:spPr/>
-        <p:txBody>
-          <a:bodyPr/>
-          <a:lstStyle/>
-          <a:p>
-            <a:fld id="{4AD8DDEF-9CD1-B641-ADE5-2BEE59567BE6}" type="slidenum">
-              <a:rPr lang="en-US" smtClean="0"/>
-              <a:pPr/>
-              <a:t>28</a:t>
-            </a:fld>
-            <a:endParaRPr lang="en-US"/>
+              <a:t>© Elephant Scale, 2014</a:t>
+            </a:r>
+            <a:endParaRPr lang="en-US" dirty="0"/>
           </a:p>
         </p:txBody>
       </p:sp>
     </p:spTree>
-    <p:extLst>
-      <p:ext uri="{BB962C8B-B14F-4D97-AF65-F5344CB8AC3E}">
-        <p14:creationId xmlns:p14="http://schemas.microsoft.com/office/powerpoint/2010/main" xmlns="" val="3599210062"/>
-      </p:ext>
-    </p:extLst>
   </p:cSld>
   <p:clrMapOvr>
     <a:masterClrMapping/>
   </p:clrMapOvr>
-  <p:timing>
-    <p:tnLst>
-      <p:par>
-        <p:cTn id="1" dur="indefinite" restart="never" nodeType="tmRoot"/>
-      </p:par>
-    </p:tnLst>
-  </p:timing>
 </p:sld>
 </file>
 
@@ -13927,7 +14180,7 @@
           <a:p>
             <a:r>
               <a:rPr lang="en-US" dirty="0" smtClean="0"/>
-              <a:t>Streaming K-Means</a:t>
+              <a:t>Relating Original Data to Clustered Data</a:t>
             </a:r>
             <a:endParaRPr lang="en-US" dirty="0"/>
           </a:p>
@@ -13949,82 +14202,163 @@
           <a:lstStyle/>
           <a:p>
             <a:r>
-              <a:rPr lang="en-US" dirty="0" smtClean="0"/>
-              <a:t>How to use K-Means with Spark Streaming?</a:t>
+              <a:rPr lang="en-US" dirty="0" err="1" smtClean="0"/>
+              <a:t>MLLib</a:t>
+            </a:r>
+            <a:r>
+              <a:rPr lang="en-US" dirty="0" smtClean="0"/>
+              <a:t> clusters vectors, not the original data.</a:t>
+            </a:r>
+          </a:p>
+          <a:p>
+            <a:r>
+              <a:rPr lang="en-US" dirty="0" smtClean="0"/>
+              <a:t>Vectors have no id or name property in </a:t>
+            </a:r>
+            <a:r>
+              <a:rPr lang="en-US" dirty="0" err="1" smtClean="0"/>
+              <a:t>MLLib</a:t>
+            </a:r>
+            <a:r>
+              <a:rPr lang="en-US" dirty="0" smtClean="0"/>
+              <a:t>,</a:t>
             </a:r>
           </a:p>
           <a:p>
             <a:pPr lvl="1"/>
             <a:r>
               <a:rPr lang="en-US" dirty="0" smtClean="0"/>
-              <a:t>Ordinary K-means will cause </a:t>
+              <a:t>Unlike Mahout’s </a:t>
             </a:r>
             <a:r>
               <a:rPr lang="en-US" dirty="0" err="1" smtClean="0"/>
-              <a:t>centroids</a:t>
-            </a:r>
-            <a:r>
-              <a:rPr lang="en-US" dirty="0" smtClean="0"/>
-              <a:t> to converge.</a:t>
-            </a:r>
+              <a:t>NamedVector</a:t>
+            </a:r>
+            <a:r>
+              <a:rPr lang="en-US" dirty="0" smtClean="0"/>
+              <a:t> class</a:t>
+            </a:r>
+          </a:p>
+          <a:p>
+            <a:r>
+              <a:rPr lang="en-US" dirty="0" smtClean="0"/>
+              <a:t>Relate Vectors to Data by creating an RDD of </a:t>
+            </a:r>
+            <a:r>
+              <a:rPr lang="en-US" dirty="0" err="1" smtClean="0"/>
+              <a:t>tuples</a:t>
+            </a:r>
+            <a:endParaRPr lang="en-US" dirty="0" smtClean="0"/>
           </a:p>
           <a:p>
             <a:pPr lvl="1"/>
             <a:r>
-              <a:rPr lang="en-US" dirty="0" smtClean="0"/>
-              <a:t>New Data will not change </a:t>
-            </a:r>
-            <a:r>
               <a:rPr lang="en-US" dirty="0" err="1" smtClean="0"/>
-              <a:t>centroids</a:t>
-            </a:r>
-            <a:r>
-              <a:rPr lang="en-US" dirty="0" smtClean="0"/>
-              <a:t> much.</a:t>
-            </a:r>
-          </a:p>
-          <a:p>
-            <a:r>
-              <a:rPr lang="en-US" dirty="0" smtClean="0"/>
-              <a:t>We really want to take advantage of incoming data</a:t>
+              <a:t>NamesAndData</a:t>
+            </a:r>
+            <a:r>
+              <a:rPr lang="en-US" dirty="0" smtClean="0"/>
+              <a:t> as RDD (name, </a:t>
+            </a:r>
+            <a:r>
+              <a:rPr lang="en-US" dirty="0" err="1" smtClean="0"/>
+              <a:t>Vector.dense</a:t>
+            </a:r>
+            <a:r>
+              <a:rPr lang="en-US" dirty="0" smtClean="0"/>
+              <a:t>)</a:t>
             </a:r>
           </a:p>
           <a:p>
             <a:pPr lvl="1"/>
             <a:r>
               <a:rPr lang="en-US" dirty="0" smtClean="0"/>
-              <a:t>Make algorithm “forgetful” of older data.</a:t>
+              <a:t>Use </a:t>
+            </a:r>
+            <a:r>
+              <a:rPr lang="en-US" dirty="0" err="1" smtClean="0"/>
+              <a:t>groupBy</a:t>
+            </a:r>
+            <a:r>
+              <a:rPr lang="en-US" dirty="0" smtClean="0"/>
+              <a:t> to relate one to the other</a:t>
             </a:r>
           </a:p>
           <a:p>
             <a:pPr lvl="1"/>
             <a:r>
-              <a:rPr lang="en-US" dirty="0" smtClean="0"/>
-              <a:t>New Parameter: </a:t>
-            </a:r>
-            <a:r>
-              <a:rPr lang="en-US" dirty="0" err="1" smtClean="0"/>
-              <a:t>DecayFactor</a:t>
-            </a:r>
-            <a:r>
-              <a:rPr lang="en-US" dirty="0" smtClean="0"/>
-              <a:t> (how quickly to “forget”)</a:t>
-            </a:r>
-          </a:p>
-          <a:p>
-            <a:pPr lvl="1"/>
-            <a:r>
-              <a:rPr lang="en-US" dirty="0" smtClean="0"/>
-              <a:t>New Parameter: </a:t>
-            </a:r>
-            <a:r>
-              <a:rPr lang="en-US" dirty="0" err="1" smtClean="0"/>
-              <a:t>NumDimensions</a:t>
-            </a:r>
-            <a:r>
-              <a:rPr lang="en-US" dirty="0" smtClean="0"/>
-              <a:t> (must specify number of dimensions in advance – haven’t seen data yet).</a:t>
-            </a:r>
+              <a:rPr lang="en-US" dirty="0" err="1" smtClean="0">
+                <a:latin typeface="Courier New" pitchFamily="49" charset="0"/>
+                <a:cs typeface="Courier New" pitchFamily="49" charset="0"/>
+              </a:rPr>
+              <a:t>val</a:t>
+            </a:r>
+            <a:r>
+              <a:rPr lang="en-US" dirty="0" smtClean="0">
+                <a:latin typeface="Courier New" pitchFamily="49" charset="0"/>
+                <a:cs typeface="Courier New" pitchFamily="49" charset="0"/>
+              </a:rPr>
+              <a:t> </a:t>
+            </a:r>
+            <a:r>
+              <a:rPr lang="en-US" dirty="0" err="1" smtClean="0">
+                <a:latin typeface="Courier New" pitchFamily="49" charset="0"/>
+                <a:cs typeface="Courier New" pitchFamily="49" charset="0"/>
+              </a:rPr>
+              <a:t>groupedClusters</a:t>
+            </a:r>
+            <a:r>
+              <a:rPr lang="en-US" dirty="0" smtClean="0">
+                <a:latin typeface="Courier New" pitchFamily="49" charset="0"/>
+                <a:cs typeface="Courier New" pitchFamily="49" charset="0"/>
+              </a:rPr>
+              <a:t> = </a:t>
+            </a:r>
+            <a:r>
+              <a:rPr lang="en-US" dirty="0" err="1" smtClean="0">
+                <a:latin typeface="Courier New" pitchFamily="49" charset="0"/>
+                <a:cs typeface="Courier New" pitchFamily="49" charset="0"/>
+              </a:rPr>
+              <a:t>NamesandData.groupBy</a:t>
+            </a:r>
+            <a:r>
+              <a:rPr lang="en-US" dirty="0" smtClean="0">
+                <a:latin typeface="Courier New" pitchFamily="49" charset="0"/>
+                <a:cs typeface="Courier New" pitchFamily="49" charset="0"/>
+              </a:rPr>
+              <a:t>{</a:t>
+            </a:r>
+            <a:r>
+              <a:rPr lang="en-US" dirty="0" err="1" smtClean="0">
+                <a:latin typeface="Courier New" pitchFamily="49" charset="0"/>
+                <a:cs typeface="Courier New" pitchFamily="49" charset="0"/>
+              </a:rPr>
+              <a:t>rdd</a:t>
+            </a:r>
+            <a:r>
+              <a:rPr lang="en-US" dirty="0" smtClean="0">
+                <a:latin typeface="Courier New" pitchFamily="49" charset="0"/>
+                <a:cs typeface="Courier New" pitchFamily="49" charset="0"/>
+              </a:rPr>
+              <a:t> =&gt; </a:t>
+            </a:r>
+            <a:r>
+              <a:rPr lang="en-US" dirty="0" err="1" smtClean="0">
+                <a:latin typeface="Courier New" pitchFamily="49" charset="0"/>
+                <a:cs typeface="Courier New" pitchFamily="49" charset="0"/>
+              </a:rPr>
+              <a:t>clusters.predict</a:t>
+            </a:r>
+            <a:r>
+              <a:rPr lang="en-US" dirty="0" smtClean="0">
+                <a:latin typeface="Courier New" pitchFamily="49" charset="0"/>
+                <a:cs typeface="Courier New" pitchFamily="49" charset="0"/>
+              </a:rPr>
+              <a:t>(rdd._2)}.collect()</a:t>
+            </a:r>
+          </a:p>
+          <a:p>
+            <a:endParaRPr lang="en-US" dirty="0" smtClean="0"/>
           </a:p>
         </p:txBody>
       </p:sp>
@@ -14308,332 +14642,85 @@
           <a:p>
             <a:r>
               <a:rPr lang="en-US" dirty="0" smtClean="0"/>
-              <a:t>Streaming </a:t>
-            </a:r>
+              <a:t>Handling New Data</a:t>
+            </a:r>
+            <a:endParaRPr lang="en-US" dirty="0"/>
+          </a:p>
+        </p:txBody>
+      </p:sp>
+      <p:sp>
+        <p:nvSpPr>
+          <p:cNvPr id="3" name="Content Placeholder 2"/>
+          <p:cNvSpPr>
+            <a:spLocks noGrp="1"/>
+          </p:cNvSpPr>
+          <p:nvPr>
+            <p:ph idx="1"/>
+          </p:nvPr>
+        </p:nvSpPr>
+        <p:spPr/>
+        <p:txBody>
+          <a:bodyPr/>
+          <a:lstStyle/>
+          <a:p>
+            <a:r>
+              <a:rPr lang="en-US" dirty="0" smtClean="0"/>
+              <a:t>New Data be assigned on the existing model:</a:t>
+            </a:r>
+          </a:p>
+          <a:p>
+            <a:r>
+              <a:rPr lang="en-US" dirty="0" smtClean="0"/>
+              <a:t>Make a Vector out of the new Data</a:t>
+            </a:r>
+          </a:p>
+          <a:p>
+            <a:pPr lvl="1"/>
             <a:r>
               <a:rPr lang="en-US" dirty="0" err="1" smtClean="0"/>
-              <a:t>Kmeans</a:t>
-            </a:r>
-            <a:r>
-              <a:rPr lang="en-US" dirty="0" smtClean="0"/>
-              <a:t> in </a:t>
+              <a:t>Vectors.Dense</a:t>
+            </a:r>
+            <a:r>
+              <a:rPr lang="en-US" dirty="0" smtClean="0"/>
+              <a:t>(</a:t>
             </a:r>
             <a:r>
               <a:rPr lang="en-US" dirty="0" err="1" smtClean="0"/>
-              <a:t>MLlib</a:t>
+              <a:t>oldData</a:t>
+            </a:r>
+            <a:r>
+              <a:rPr lang="en-US" dirty="0" smtClean="0"/>
+              <a:t>)</a:t>
+            </a:r>
+          </a:p>
+          <a:p>
+            <a:r>
+              <a:rPr lang="en-US" dirty="0" smtClean="0"/>
+              <a:t>Call </a:t>
+            </a:r>
+            <a:r>
+              <a:rPr lang="en-US" dirty="0" err="1" smtClean="0"/>
+              <a:t>KMeansModel.predict</a:t>
+            </a:r>
+            <a:r>
+              <a:rPr lang="en-US" dirty="0" smtClean="0"/>
+              <a:t>(vector), to get cluster membership as a number (integer)</a:t>
+            </a:r>
+          </a:p>
+          <a:p>
+            <a:r>
+              <a:rPr lang="en-US" dirty="0" smtClean="0"/>
+              <a:t>The new data will not affect the </a:t>
+            </a:r>
+            <a:r>
+              <a:rPr lang="en-US" dirty="0" smtClean="0"/>
+              <a:t>existing cluster </a:t>
+            </a:r>
+            <a:r>
+              <a:rPr lang="en-US" dirty="0" smtClean="0"/>
+              <a:t>locations.</a:t>
             </a:r>
             <a:endParaRPr lang="en-US" dirty="0"/>
-          </a:p>
-        </p:txBody>
-      </p:sp>
-      <p:sp>
-        <p:nvSpPr>
-          <p:cNvPr id="3" name="Content Placeholder 2"/>
-          <p:cNvSpPr>
-            <a:spLocks noGrp="1"/>
-          </p:cNvSpPr>
-          <p:nvPr>
-            <p:ph idx="1"/>
-          </p:nvPr>
-        </p:nvSpPr>
-        <p:spPr/>
-        <p:txBody>
-          <a:bodyPr>
-            <a:normAutofit fontScale="77500" lnSpcReduction="20000"/>
-          </a:bodyPr>
-          <a:lstStyle/>
-          <a:p>
-            <a:r>
-              <a:rPr lang="en-US" dirty="0" err="1" smtClean="0"/>
-              <a:t>Scala</a:t>
-            </a:r>
-            <a:r>
-              <a:rPr lang="en-US" dirty="0" smtClean="0"/>
-              <a:t> code for </a:t>
-            </a:r>
-            <a:r>
-              <a:rPr lang="en-US" dirty="0" err="1" smtClean="0"/>
-              <a:t>StreamingKMeans</a:t>
-            </a:r>
-            <a:r>
-              <a:rPr lang="en-US" dirty="0" smtClean="0"/>
-              <a:t>:</a:t>
-            </a:r>
-          </a:p>
-          <a:p>
-            <a:pPr>
-              <a:buNone/>
-            </a:pPr>
-            <a:r>
-              <a:rPr lang="en-US" dirty="0" err="1" smtClean="0">
-                <a:latin typeface="Courier New" pitchFamily="49" charset="0"/>
-                <a:cs typeface="Courier New" pitchFamily="49" charset="0"/>
-              </a:rPr>
-              <a:t>val</a:t>
-            </a:r>
-            <a:r>
-              <a:rPr lang="en-US" dirty="0" smtClean="0">
-                <a:latin typeface="Courier New" pitchFamily="49" charset="0"/>
-                <a:cs typeface="Courier New" pitchFamily="49" charset="0"/>
-              </a:rPr>
-              <a:t> model = new </a:t>
-            </a:r>
-            <a:r>
-              <a:rPr lang="en-US" dirty="0" err="1" smtClean="0">
-                <a:latin typeface="Courier New" pitchFamily="49" charset="0"/>
-                <a:cs typeface="Courier New" pitchFamily="49" charset="0"/>
-              </a:rPr>
-              <a:t>StreamingKMeans</a:t>
-            </a:r>
-            <a:r>
-              <a:rPr lang="en-US" dirty="0" smtClean="0">
-                <a:latin typeface="Courier New" pitchFamily="49" charset="0"/>
-                <a:cs typeface="Courier New" pitchFamily="49" charset="0"/>
-              </a:rPr>
-              <a:t>()</a:t>
-            </a:r>
-          </a:p>
-          <a:p>
-            <a:pPr>
-              <a:buNone/>
-            </a:pPr>
-            <a:r>
-              <a:rPr lang="en-US" dirty="0" smtClean="0">
-                <a:latin typeface="Courier New" pitchFamily="49" charset="0"/>
-                <a:cs typeface="Courier New" pitchFamily="49" charset="0"/>
-              </a:rPr>
-              <a:t>  .</a:t>
-            </a:r>
-            <a:r>
-              <a:rPr lang="en-US" dirty="0" err="1" smtClean="0">
-                <a:latin typeface="Courier New" pitchFamily="49" charset="0"/>
-                <a:cs typeface="Courier New" pitchFamily="49" charset="0"/>
-              </a:rPr>
-              <a:t>setK</a:t>
-            </a:r>
-            <a:r>
-              <a:rPr lang="en-US" dirty="0" smtClean="0">
-                <a:latin typeface="Courier New" pitchFamily="49" charset="0"/>
-                <a:cs typeface="Courier New" pitchFamily="49" charset="0"/>
-              </a:rPr>
-              <a:t>(</a:t>
-            </a:r>
-            <a:r>
-              <a:rPr lang="en-US" dirty="0" err="1" smtClean="0">
-                <a:latin typeface="Courier New" pitchFamily="49" charset="0"/>
-                <a:cs typeface="Courier New" pitchFamily="49" charset="0"/>
-              </a:rPr>
-              <a:t>numClusters</a:t>
-            </a:r>
-            <a:r>
-              <a:rPr lang="en-US" dirty="0" smtClean="0">
-                <a:latin typeface="Courier New" pitchFamily="49" charset="0"/>
-                <a:cs typeface="Courier New" pitchFamily="49" charset="0"/>
-              </a:rPr>
-              <a:t>)</a:t>
-            </a:r>
-          </a:p>
-          <a:p>
-            <a:pPr>
-              <a:buNone/>
-            </a:pPr>
-            <a:r>
-              <a:rPr lang="en-US" dirty="0" smtClean="0">
-                <a:latin typeface="Courier New" pitchFamily="49" charset="0"/>
-                <a:cs typeface="Courier New" pitchFamily="49" charset="0"/>
-              </a:rPr>
-              <a:t>  .</a:t>
-            </a:r>
-            <a:r>
-              <a:rPr lang="en-US" dirty="0" err="1" smtClean="0">
-                <a:latin typeface="Courier New" pitchFamily="49" charset="0"/>
-                <a:cs typeface="Courier New" pitchFamily="49" charset="0"/>
-              </a:rPr>
-              <a:t>setDecayFactor</a:t>
-            </a:r>
-            <a:r>
-              <a:rPr lang="en-US" dirty="0" smtClean="0">
-                <a:latin typeface="Courier New" pitchFamily="49" charset="0"/>
-                <a:cs typeface="Courier New" pitchFamily="49" charset="0"/>
-              </a:rPr>
-              <a:t>(1.0)</a:t>
-            </a:r>
-          </a:p>
-          <a:p>
-            <a:pPr>
-              <a:buNone/>
-            </a:pPr>
-            <a:r>
-              <a:rPr lang="en-US" dirty="0" smtClean="0">
-                <a:latin typeface="Courier New" pitchFamily="49" charset="0"/>
-                <a:cs typeface="Courier New" pitchFamily="49" charset="0"/>
-              </a:rPr>
-              <a:t>  .</a:t>
-            </a:r>
-            <a:r>
-              <a:rPr lang="en-US" dirty="0" err="1" smtClean="0">
-                <a:latin typeface="Courier New" pitchFamily="49" charset="0"/>
-                <a:cs typeface="Courier New" pitchFamily="49" charset="0"/>
-              </a:rPr>
-              <a:t>setRandomCenters</a:t>
-            </a:r>
-            <a:r>
-              <a:rPr lang="en-US" dirty="0" smtClean="0">
-                <a:latin typeface="Courier New" pitchFamily="49" charset="0"/>
-                <a:cs typeface="Courier New" pitchFamily="49" charset="0"/>
-              </a:rPr>
-              <a:t>(</a:t>
-            </a:r>
-            <a:r>
-              <a:rPr lang="en-US" dirty="0" err="1" smtClean="0">
-                <a:latin typeface="Courier New" pitchFamily="49" charset="0"/>
-                <a:cs typeface="Courier New" pitchFamily="49" charset="0"/>
-              </a:rPr>
-              <a:t>numDimensions</a:t>
-            </a:r>
-            <a:r>
-              <a:rPr lang="en-US" dirty="0" smtClean="0">
-                <a:latin typeface="Courier New" pitchFamily="49" charset="0"/>
-                <a:cs typeface="Courier New" pitchFamily="49" charset="0"/>
-              </a:rPr>
-              <a:t>, 0.0)</a:t>
-            </a:r>
-          </a:p>
-          <a:p>
-            <a:pPr>
-              <a:buNone/>
-            </a:pPr>
-            <a:r>
-              <a:rPr lang="en-US" dirty="0" err="1" smtClean="0">
-                <a:latin typeface="Courier New" pitchFamily="49" charset="0"/>
-                <a:cs typeface="Courier New" pitchFamily="49" charset="0"/>
-              </a:rPr>
-              <a:t>model.trainOn</a:t>
-            </a:r>
-            <a:r>
-              <a:rPr lang="en-US" dirty="0" smtClean="0">
-                <a:latin typeface="Courier New" pitchFamily="49" charset="0"/>
-                <a:cs typeface="Courier New" pitchFamily="49" charset="0"/>
-              </a:rPr>
-              <a:t>(</a:t>
-            </a:r>
-            <a:r>
-              <a:rPr lang="en-US" dirty="0" err="1" smtClean="0">
-                <a:latin typeface="Courier New" pitchFamily="49" charset="0"/>
-                <a:cs typeface="Courier New" pitchFamily="49" charset="0"/>
-              </a:rPr>
-              <a:t>trainingData</a:t>
-            </a:r>
-            <a:r>
-              <a:rPr lang="en-US" dirty="0" smtClean="0">
-                <a:latin typeface="Courier New" pitchFamily="49" charset="0"/>
-                <a:cs typeface="Courier New" pitchFamily="49" charset="0"/>
-              </a:rPr>
-              <a:t>)</a:t>
-            </a:r>
-          </a:p>
-          <a:p>
-            <a:pPr>
-              <a:buNone/>
-            </a:pPr>
-            <a:r>
-              <a:rPr lang="en-US" dirty="0" err="1" smtClean="0">
-                <a:latin typeface="Courier New" pitchFamily="49" charset="0"/>
-                <a:cs typeface="Courier New" pitchFamily="49" charset="0"/>
-              </a:rPr>
-              <a:t>model.predictOnValues</a:t>
-            </a:r>
-            <a:r>
-              <a:rPr lang="en-US" dirty="0" smtClean="0">
-                <a:latin typeface="Courier New" pitchFamily="49" charset="0"/>
-                <a:cs typeface="Courier New" pitchFamily="49" charset="0"/>
-              </a:rPr>
-              <a:t>(testData.map(</a:t>
-            </a:r>
-            <a:r>
-              <a:rPr lang="en-US" dirty="0" err="1" smtClean="0">
-                <a:latin typeface="Courier New" pitchFamily="49" charset="0"/>
-                <a:cs typeface="Courier New" pitchFamily="49" charset="0"/>
-              </a:rPr>
-              <a:t>lp</a:t>
-            </a:r>
-            <a:r>
-              <a:rPr lang="en-US" dirty="0" smtClean="0">
-                <a:latin typeface="Courier New" pitchFamily="49" charset="0"/>
-                <a:cs typeface="Courier New" pitchFamily="49" charset="0"/>
-              </a:rPr>
-              <a:t> =&gt; (</a:t>
-            </a:r>
-            <a:r>
-              <a:rPr lang="en-US" dirty="0" err="1" smtClean="0">
-                <a:latin typeface="Courier New" pitchFamily="49" charset="0"/>
-                <a:cs typeface="Courier New" pitchFamily="49" charset="0"/>
-              </a:rPr>
-              <a:t>lp.label</a:t>
-            </a:r>
-            <a:r>
-              <a:rPr lang="en-US" dirty="0" smtClean="0">
-                <a:latin typeface="Courier New" pitchFamily="49" charset="0"/>
-                <a:cs typeface="Courier New" pitchFamily="49" charset="0"/>
-              </a:rPr>
-              <a:t>, </a:t>
-            </a:r>
-            <a:r>
-              <a:rPr lang="en-US" dirty="0" err="1" smtClean="0">
-                <a:latin typeface="Courier New" pitchFamily="49" charset="0"/>
-                <a:cs typeface="Courier New" pitchFamily="49" charset="0"/>
-              </a:rPr>
-              <a:t>lp.features</a:t>
-            </a:r>
-            <a:r>
-              <a:rPr lang="en-US" dirty="0" smtClean="0">
-                <a:latin typeface="Courier New" pitchFamily="49" charset="0"/>
-                <a:cs typeface="Courier New" pitchFamily="49" charset="0"/>
-              </a:rPr>
-              <a:t>))).print()</a:t>
-            </a:r>
-          </a:p>
-          <a:p>
-            <a:pPr>
-              <a:buNone/>
-            </a:pPr>
-            <a:r>
-              <a:rPr lang="en-US" dirty="0" err="1" smtClean="0">
-                <a:latin typeface="Courier New" pitchFamily="49" charset="0"/>
-                <a:cs typeface="Courier New" pitchFamily="49" charset="0"/>
-              </a:rPr>
-              <a:t>ssc.start</a:t>
-            </a:r>
-            <a:r>
-              <a:rPr lang="en-US" dirty="0" smtClean="0">
-                <a:latin typeface="Courier New" pitchFamily="49" charset="0"/>
-                <a:cs typeface="Courier New" pitchFamily="49" charset="0"/>
-              </a:rPr>
-              <a:t>()</a:t>
-            </a:r>
-          </a:p>
-          <a:p>
-            <a:pPr>
-              <a:buNone/>
-            </a:pPr>
-            <a:r>
-              <a:rPr lang="en-US" dirty="0" err="1" smtClean="0">
-                <a:latin typeface="Courier New" pitchFamily="49" charset="0"/>
-                <a:cs typeface="Courier New" pitchFamily="49" charset="0"/>
-              </a:rPr>
-              <a:t>ssc.awaitTermination</a:t>
-            </a:r>
-            <a:r>
-              <a:rPr lang="en-US" dirty="0" smtClean="0">
-                <a:latin typeface="Courier New" pitchFamily="49" charset="0"/>
-                <a:cs typeface="Courier New" pitchFamily="49" charset="0"/>
-              </a:rPr>
-              <a:t>()</a:t>
-            </a:r>
-            <a:endParaRPr lang="en-US" dirty="0">
-              <a:latin typeface="Courier New" pitchFamily="49" charset="0"/>
-              <a:cs typeface="Courier New" pitchFamily="49" charset="0"/>
-            </a:endParaRPr>
           </a:p>
         </p:txBody>
       </p:sp>
@@ -14702,83 +14789,60 @@
           <a:p>
             <a:r>
               <a:rPr lang="en-US" dirty="0" smtClean="0"/>
-              <a:t>Topic Discovery (Latent </a:t>
-            </a:r>
+              <a:t>Clustering Lab</a:t>
+            </a:r>
+            <a:endParaRPr lang="en-US" dirty="0"/>
+          </a:p>
+        </p:txBody>
+      </p:sp>
+      <p:sp>
+        <p:nvSpPr>
+          <p:cNvPr id="3" name="Content Placeholder 2"/>
+          <p:cNvSpPr>
+            <a:spLocks noGrp="1"/>
+          </p:cNvSpPr>
+          <p:nvPr>
+            <p:ph idx="1"/>
+          </p:nvPr>
+        </p:nvSpPr>
+        <p:spPr/>
+        <p:txBody>
+          <a:bodyPr/>
+          <a:lstStyle/>
+          <a:p>
             <a:r>
               <a:rPr lang="en-US" dirty="0" err="1" smtClean="0"/>
-              <a:t>Dirichlet</a:t>
-            </a:r>
-            <a:r>
-              <a:rPr lang="en-US" dirty="0" smtClean="0"/>
-              <a:t> Allocation)</a:t>
-            </a:r>
-            <a:endParaRPr lang="en-US" dirty="0"/>
-          </a:p>
-        </p:txBody>
-      </p:sp>
-      <p:sp>
-        <p:nvSpPr>
-          <p:cNvPr id="3" name="Content Placeholder 2"/>
-          <p:cNvSpPr>
-            <a:spLocks noGrp="1"/>
-          </p:cNvSpPr>
-          <p:nvPr>
-            <p:ph idx="1"/>
-          </p:nvPr>
-        </p:nvSpPr>
-        <p:spPr/>
-        <p:txBody>
-          <a:bodyPr/>
-          <a:lstStyle/>
-          <a:p>
-            <a:r>
-              <a:rPr lang="en-US" dirty="0" smtClean="0"/>
-              <a:t>Topic Discovery = finding topics based on Document terms.</a:t>
-            </a:r>
-          </a:p>
-          <a:p>
-            <a:r>
-              <a:rPr lang="en-US" dirty="0" smtClean="0"/>
-              <a:t>Example: Twitter</a:t>
-            </a:r>
-          </a:p>
-          <a:p>
-            <a:pPr lvl="1"/>
-            <a:r>
-              <a:rPr lang="en-US" dirty="0" smtClean="0"/>
-              <a:t>What are the topics of a group of tweets</a:t>
-            </a:r>
-          </a:p>
-          <a:p>
-            <a:r>
-              <a:rPr lang="en-US" dirty="0" smtClean="0"/>
-              <a:t>This is a type of clustering.</a:t>
-            </a:r>
-          </a:p>
-          <a:p>
-            <a:r>
-              <a:rPr lang="en-US" dirty="0" smtClean="0"/>
-              <a:t>Each topic identified by top-N terms</a:t>
-            </a:r>
-          </a:p>
-          <a:p>
-            <a:r>
-              <a:rPr lang="en-US" dirty="0" smtClean="0"/>
-              <a:t>To prepare, first </a:t>
+              <a:t>Mtcars</a:t>
+            </a:r>
+            <a:r>
+              <a:rPr lang="en-US" dirty="0" smtClean="0"/>
+              <a:t> dataset: data about car models.</a:t>
+            </a:r>
+          </a:p>
+          <a:p>
+            <a:r>
+              <a:rPr lang="en-US" dirty="0" smtClean="0"/>
+              <a:t>location   : </a:t>
             </a:r>
             <a:r>
               <a:rPr lang="en-US" dirty="0" err="1" smtClean="0"/>
-              <a:t>vectorize</a:t>
-            </a:r>
-            <a:r>
-              <a:rPr lang="en-US" dirty="0" smtClean="0"/>
-              <a:t> text using TF. </a:t>
-            </a:r>
-            <a:r>
-              <a:rPr lang="en-US" smtClean="0"/>
-              <a:t>(not TF/IDF).</a:t>
-            </a:r>
-            <a:endParaRPr lang="en-US" dirty="0"/>
+              <a:t>mllib</a:t>
+            </a:r>
+            <a:r>
+              <a:rPr lang="en-US" dirty="0" smtClean="0"/>
+              <a:t>/</a:t>
+            </a:r>
+            <a:r>
+              <a:rPr lang="en-US" dirty="0" err="1" smtClean="0"/>
+              <a:t>kmeans</a:t>
+            </a:r>
+            <a:endParaRPr lang="en-US" dirty="0" smtClean="0"/>
+          </a:p>
+          <a:p>
+            <a:r>
+              <a:rPr lang="en-US" dirty="0" smtClean="0"/>
+              <a:t>Try out the solution line-by-line</a:t>
+            </a:r>
           </a:p>
         </p:txBody>
       </p:sp>
@@ -14799,17 +14863,53 @@
           <a:p>
             <a:r>
               <a:rPr lang="en-US" smtClean="0"/>
-              <a:t>© Elephant Scale, 2014</a:t>
-            </a:r>
-            <a:endParaRPr lang="en-US" dirty="0"/>
+              <a:t>(c) ElephantScale.com 2014</a:t>
+            </a:r>
+            <a:endParaRPr lang="en-US"/>
+          </a:p>
+        </p:txBody>
+      </p:sp>
+      <p:sp>
+        <p:nvSpPr>
+          <p:cNvPr id="5" name="Slide Number Placeholder 4"/>
+          <p:cNvSpPr>
+            <a:spLocks noGrp="1"/>
+          </p:cNvSpPr>
+          <p:nvPr>
+            <p:ph type="sldNum" sz="quarter" idx="12"/>
+          </p:nvPr>
+        </p:nvSpPr>
+        <p:spPr/>
+        <p:txBody>
+          <a:bodyPr/>
+          <a:lstStyle/>
+          <a:p>
+            <a:fld id="{4AD8DDEF-9CD1-B641-ADE5-2BEE59567BE6}" type="slidenum">
+              <a:rPr lang="en-US" smtClean="0"/>
+              <a:pPr/>
+              <a:t>31</a:t>
+            </a:fld>
+            <a:endParaRPr lang="en-US"/>
           </a:p>
         </p:txBody>
       </p:sp>
     </p:spTree>
+    <p:extLst>
+      <p:ext uri="{BB962C8B-B14F-4D97-AF65-F5344CB8AC3E}">
+        <p14:creationId xmlns:p14="http://schemas.microsoft.com/office/powerpoint/2010/main" xmlns="" val="3599210062"/>
+      </p:ext>
+    </p:extLst>
   </p:cSld>
   <p:clrMapOvr>
     <a:masterClrMapping/>
   </p:clrMapOvr>
+  <p:timing>
+    <p:tnLst>
+      <p:par>
+        <p:cTn id="1" dur="indefinite" restart="never" nodeType="tmRoot"/>
+      </p:par>
+    </p:tnLst>
+  </p:timing>
 </p:sld>
 </file>
 
@@ -14847,6 +14947,1600 @@
           <a:p>
             <a:r>
               <a:rPr lang="en-US" dirty="0" smtClean="0"/>
+              <a:t>Streaming K-Means</a:t>
+            </a:r>
+            <a:endParaRPr lang="en-US" dirty="0"/>
+          </a:p>
+        </p:txBody>
+      </p:sp>
+      <p:sp>
+        <p:nvSpPr>
+          <p:cNvPr id="3" name="Content Placeholder 2"/>
+          <p:cNvSpPr>
+            <a:spLocks noGrp="1"/>
+          </p:cNvSpPr>
+          <p:nvPr>
+            <p:ph idx="1"/>
+          </p:nvPr>
+        </p:nvSpPr>
+        <p:spPr/>
+        <p:txBody>
+          <a:bodyPr/>
+          <a:lstStyle/>
+          <a:p>
+            <a:r>
+              <a:rPr lang="en-US" dirty="0" smtClean="0"/>
+              <a:t>How to use K-Means with Spark Streaming?</a:t>
+            </a:r>
+          </a:p>
+          <a:p>
+            <a:pPr lvl="1"/>
+            <a:r>
+              <a:rPr lang="en-US" dirty="0" smtClean="0"/>
+              <a:t>Ordinary K-means will cause </a:t>
+            </a:r>
+            <a:r>
+              <a:rPr lang="en-US" dirty="0" err="1" smtClean="0"/>
+              <a:t>centroids</a:t>
+            </a:r>
+            <a:r>
+              <a:rPr lang="en-US" dirty="0" smtClean="0"/>
+              <a:t> to converge.</a:t>
+            </a:r>
+          </a:p>
+          <a:p>
+            <a:pPr lvl="1"/>
+            <a:r>
+              <a:rPr lang="en-US" dirty="0" smtClean="0"/>
+              <a:t>New Data will not change </a:t>
+            </a:r>
+            <a:r>
+              <a:rPr lang="en-US" dirty="0" err="1" smtClean="0"/>
+              <a:t>centroids</a:t>
+            </a:r>
+            <a:r>
+              <a:rPr lang="en-US" dirty="0" smtClean="0"/>
+              <a:t> much.</a:t>
+            </a:r>
+          </a:p>
+          <a:p>
+            <a:r>
+              <a:rPr lang="en-US" dirty="0" smtClean="0"/>
+              <a:t>We really want to take advantage of incoming data</a:t>
+            </a:r>
+          </a:p>
+          <a:p>
+            <a:pPr lvl="1"/>
+            <a:r>
+              <a:rPr lang="en-US" dirty="0" smtClean="0"/>
+              <a:t>Make algorithm “forgetful” of older data.</a:t>
+            </a:r>
+          </a:p>
+          <a:p>
+            <a:pPr lvl="1"/>
+            <a:r>
+              <a:rPr lang="en-US" dirty="0" smtClean="0"/>
+              <a:t>New Parameter: </a:t>
+            </a:r>
+            <a:r>
+              <a:rPr lang="en-US" dirty="0" err="1" smtClean="0"/>
+              <a:t>DecayFactor</a:t>
+            </a:r>
+            <a:r>
+              <a:rPr lang="en-US" dirty="0" smtClean="0"/>
+              <a:t> (how quickly to “forget”)</a:t>
+            </a:r>
+          </a:p>
+          <a:p>
+            <a:pPr lvl="1"/>
+            <a:r>
+              <a:rPr lang="en-US" dirty="0" smtClean="0"/>
+              <a:t>New Parameter: </a:t>
+            </a:r>
+            <a:r>
+              <a:rPr lang="en-US" dirty="0" err="1" smtClean="0"/>
+              <a:t>NumDimensions</a:t>
+            </a:r>
+            <a:r>
+              <a:rPr lang="en-US" dirty="0" smtClean="0"/>
+              <a:t> (must specify number of dimensions in advance – haven’t seen data yet).</a:t>
+            </a:r>
+          </a:p>
+        </p:txBody>
+      </p:sp>
+      <p:sp>
+        <p:nvSpPr>
+          <p:cNvPr id="4" name="Footer Placeholder 3"/>
+          <p:cNvSpPr>
+            <a:spLocks noGrp="1"/>
+          </p:cNvSpPr>
+          <p:nvPr>
+            <p:ph type="ftr" sz="quarter" idx="11"/>
+          </p:nvPr>
+        </p:nvSpPr>
+        <p:spPr/>
+        <p:txBody>
+          <a:bodyPr/>
+          <a:lstStyle/>
+          <a:p>
+            <a:r>
+              <a:rPr lang="en-US" smtClean="0"/>
+              <a:t>© Elephant Scale, 2014</a:t>
+            </a:r>
+            <a:endParaRPr lang="en-US" dirty="0"/>
+          </a:p>
+        </p:txBody>
+      </p:sp>
+    </p:spTree>
+  </p:cSld>
+  <p:clrMapOvr>
+    <a:masterClrMapping/>
+  </p:clrMapOvr>
+</p:sld>
+</file>
+
+<file path=ppt/slides/slide33.xml><?xml version="1.0" encoding="utf-8"?>
+<p:sld xmlns:a="http://schemas.openxmlformats.org/drawingml/2006/main" xmlns:r="http://schemas.openxmlformats.org/officeDocument/2006/relationships" xmlns:p="http://schemas.openxmlformats.org/presentationml/2006/main">
+  <p:cSld>
+    <p:spTree>
+      <p:nvGrpSpPr>
+        <p:cNvPr id="1" name=""/>
+        <p:cNvGrpSpPr/>
+        <p:nvPr/>
+      </p:nvGrpSpPr>
+      <p:grpSpPr>
+        <a:xfrm>
+          <a:off x="0" y="0"/>
+          <a:ext cx="0" cy="0"/>
+          <a:chOff x="0" y="0"/>
+          <a:chExt cx="0" cy="0"/>
+        </a:xfrm>
+      </p:grpSpPr>
+      <p:sp>
+        <p:nvSpPr>
+          <p:cNvPr id="2" name="Title 1"/>
+          <p:cNvSpPr>
+            <a:spLocks noGrp="1"/>
+          </p:cNvSpPr>
+          <p:nvPr>
+            <p:ph type="title"/>
+          </p:nvPr>
+        </p:nvSpPr>
+        <p:spPr/>
+        <p:txBody>
+          <a:bodyPr/>
+          <a:lstStyle/>
+          <a:p>
+            <a:r>
+              <a:rPr lang="en-US" dirty="0" smtClean="0"/>
+              <a:t>Streaming </a:t>
+            </a:r>
+            <a:r>
+              <a:rPr lang="en-US" dirty="0" err="1" smtClean="0"/>
+              <a:t>Kmeans</a:t>
+            </a:r>
+            <a:r>
+              <a:rPr lang="en-US" dirty="0" smtClean="0"/>
+              <a:t> in </a:t>
+            </a:r>
+            <a:r>
+              <a:rPr lang="en-US" dirty="0" err="1" smtClean="0"/>
+              <a:t>MLlib</a:t>
+            </a:r>
+            <a:endParaRPr lang="en-US" dirty="0"/>
+          </a:p>
+        </p:txBody>
+      </p:sp>
+      <p:sp>
+        <p:nvSpPr>
+          <p:cNvPr id="3" name="Content Placeholder 2"/>
+          <p:cNvSpPr>
+            <a:spLocks noGrp="1"/>
+          </p:cNvSpPr>
+          <p:nvPr>
+            <p:ph idx="1"/>
+          </p:nvPr>
+        </p:nvSpPr>
+        <p:spPr/>
+        <p:txBody>
+          <a:bodyPr>
+            <a:normAutofit fontScale="77500" lnSpcReduction="20000"/>
+          </a:bodyPr>
+          <a:lstStyle/>
+          <a:p>
+            <a:r>
+              <a:rPr lang="en-US" dirty="0" err="1" smtClean="0"/>
+              <a:t>Scala</a:t>
+            </a:r>
+            <a:r>
+              <a:rPr lang="en-US" dirty="0" smtClean="0"/>
+              <a:t> code for </a:t>
+            </a:r>
+            <a:r>
+              <a:rPr lang="en-US" dirty="0" err="1" smtClean="0"/>
+              <a:t>StreamingKMeans</a:t>
+            </a:r>
+            <a:r>
+              <a:rPr lang="en-US" dirty="0" smtClean="0"/>
+              <a:t>:</a:t>
+            </a:r>
+          </a:p>
+          <a:p>
+            <a:pPr>
+              <a:buNone/>
+            </a:pPr>
+            <a:r>
+              <a:rPr lang="en-US" dirty="0" err="1" smtClean="0">
+                <a:latin typeface="Courier New" pitchFamily="49" charset="0"/>
+                <a:cs typeface="Courier New" pitchFamily="49" charset="0"/>
+              </a:rPr>
+              <a:t>val</a:t>
+            </a:r>
+            <a:r>
+              <a:rPr lang="en-US" dirty="0" smtClean="0">
+                <a:latin typeface="Courier New" pitchFamily="49" charset="0"/>
+                <a:cs typeface="Courier New" pitchFamily="49" charset="0"/>
+              </a:rPr>
+              <a:t> model = new </a:t>
+            </a:r>
+            <a:r>
+              <a:rPr lang="en-US" dirty="0" err="1" smtClean="0">
+                <a:latin typeface="Courier New" pitchFamily="49" charset="0"/>
+                <a:cs typeface="Courier New" pitchFamily="49" charset="0"/>
+              </a:rPr>
+              <a:t>StreamingKMeans</a:t>
+            </a:r>
+            <a:r>
+              <a:rPr lang="en-US" dirty="0" smtClean="0">
+                <a:latin typeface="Courier New" pitchFamily="49" charset="0"/>
+                <a:cs typeface="Courier New" pitchFamily="49" charset="0"/>
+              </a:rPr>
+              <a:t>()</a:t>
+            </a:r>
+          </a:p>
+          <a:p>
+            <a:pPr>
+              <a:buNone/>
+            </a:pPr>
+            <a:r>
+              <a:rPr lang="en-US" dirty="0" smtClean="0">
+                <a:latin typeface="Courier New" pitchFamily="49" charset="0"/>
+                <a:cs typeface="Courier New" pitchFamily="49" charset="0"/>
+              </a:rPr>
+              <a:t>  .</a:t>
+            </a:r>
+            <a:r>
+              <a:rPr lang="en-US" dirty="0" err="1" smtClean="0">
+                <a:latin typeface="Courier New" pitchFamily="49" charset="0"/>
+                <a:cs typeface="Courier New" pitchFamily="49" charset="0"/>
+              </a:rPr>
+              <a:t>setK</a:t>
+            </a:r>
+            <a:r>
+              <a:rPr lang="en-US" dirty="0" smtClean="0">
+                <a:latin typeface="Courier New" pitchFamily="49" charset="0"/>
+                <a:cs typeface="Courier New" pitchFamily="49" charset="0"/>
+              </a:rPr>
+              <a:t>(</a:t>
+            </a:r>
+            <a:r>
+              <a:rPr lang="en-US" dirty="0" err="1" smtClean="0">
+                <a:latin typeface="Courier New" pitchFamily="49" charset="0"/>
+                <a:cs typeface="Courier New" pitchFamily="49" charset="0"/>
+              </a:rPr>
+              <a:t>numClusters</a:t>
+            </a:r>
+            <a:r>
+              <a:rPr lang="en-US" dirty="0" smtClean="0">
+                <a:latin typeface="Courier New" pitchFamily="49" charset="0"/>
+                <a:cs typeface="Courier New" pitchFamily="49" charset="0"/>
+              </a:rPr>
+              <a:t>)</a:t>
+            </a:r>
+          </a:p>
+          <a:p>
+            <a:pPr>
+              <a:buNone/>
+            </a:pPr>
+            <a:r>
+              <a:rPr lang="en-US" dirty="0" smtClean="0">
+                <a:latin typeface="Courier New" pitchFamily="49" charset="0"/>
+                <a:cs typeface="Courier New" pitchFamily="49" charset="0"/>
+              </a:rPr>
+              <a:t>  .</a:t>
+            </a:r>
+            <a:r>
+              <a:rPr lang="en-US" dirty="0" err="1" smtClean="0">
+                <a:latin typeface="Courier New" pitchFamily="49" charset="0"/>
+                <a:cs typeface="Courier New" pitchFamily="49" charset="0"/>
+              </a:rPr>
+              <a:t>setDecayFactor</a:t>
+            </a:r>
+            <a:r>
+              <a:rPr lang="en-US" dirty="0" smtClean="0">
+                <a:latin typeface="Courier New" pitchFamily="49" charset="0"/>
+                <a:cs typeface="Courier New" pitchFamily="49" charset="0"/>
+              </a:rPr>
+              <a:t>(1.0)</a:t>
+            </a:r>
+          </a:p>
+          <a:p>
+            <a:pPr>
+              <a:buNone/>
+            </a:pPr>
+            <a:r>
+              <a:rPr lang="en-US" dirty="0" smtClean="0">
+                <a:latin typeface="Courier New" pitchFamily="49" charset="0"/>
+                <a:cs typeface="Courier New" pitchFamily="49" charset="0"/>
+              </a:rPr>
+              <a:t>  .</a:t>
+            </a:r>
+            <a:r>
+              <a:rPr lang="en-US" dirty="0" err="1" smtClean="0">
+                <a:latin typeface="Courier New" pitchFamily="49" charset="0"/>
+                <a:cs typeface="Courier New" pitchFamily="49" charset="0"/>
+              </a:rPr>
+              <a:t>setRandomCenters</a:t>
+            </a:r>
+            <a:r>
+              <a:rPr lang="en-US" dirty="0" smtClean="0">
+                <a:latin typeface="Courier New" pitchFamily="49" charset="0"/>
+                <a:cs typeface="Courier New" pitchFamily="49" charset="0"/>
+              </a:rPr>
+              <a:t>(</a:t>
+            </a:r>
+            <a:r>
+              <a:rPr lang="en-US" dirty="0" err="1" smtClean="0">
+                <a:latin typeface="Courier New" pitchFamily="49" charset="0"/>
+                <a:cs typeface="Courier New" pitchFamily="49" charset="0"/>
+              </a:rPr>
+              <a:t>numDimensions</a:t>
+            </a:r>
+            <a:r>
+              <a:rPr lang="en-US" dirty="0" smtClean="0">
+                <a:latin typeface="Courier New" pitchFamily="49" charset="0"/>
+                <a:cs typeface="Courier New" pitchFamily="49" charset="0"/>
+              </a:rPr>
+              <a:t>, 0.0)</a:t>
+            </a:r>
+          </a:p>
+          <a:p>
+            <a:pPr>
+              <a:buNone/>
+            </a:pPr>
+            <a:r>
+              <a:rPr lang="en-US" dirty="0" err="1" smtClean="0">
+                <a:latin typeface="Courier New" pitchFamily="49" charset="0"/>
+                <a:cs typeface="Courier New" pitchFamily="49" charset="0"/>
+              </a:rPr>
+              <a:t>model.trainOn</a:t>
+            </a:r>
+            <a:r>
+              <a:rPr lang="en-US" dirty="0" smtClean="0">
+                <a:latin typeface="Courier New" pitchFamily="49" charset="0"/>
+                <a:cs typeface="Courier New" pitchFamily="49" charset="0"/>
+              </a:rPr>
+              <a:t>(</a:t>
+            </a:r>
+            <a:r>
+              <a:rPr lang="en-US" dirty="0" err="1" smtClean="0">
+                <a:latin typeface="Courier New" pitchFamily="49" charset="0"/>
+                <a:cs typeface="Courier New" pitchFamily="49" charset="0"/>
+              </a:rPr>
+              <a:t>trainingData</a:t>
+            </a:r>
+            <a:r>
+              <a:rPr lang="en-US" dirty="0" smtClean="0">
+                <a:latin typeface="Courier New" pitchFamily="49" charset="0"/>
+                <a:cs typeface="Courier New" pitchFamily="49" charset="0"/>
+              </a:rPr>
+              <a:t>)</a:t>
+            </a:r>
+          </a:p>
+          <a:p>
+            <a:pPr>
+              <a:buNone/>
+            </a:pPr>
+            <a:r>
+              <a:rPr lang="en-US" dirty="0" err="1" smtClean="0">
+                <a:latin typeface="Courier New" pitchFamily="49" charset="0"/>
+                <a:cs typeface="Courier New" pitchFamily="49" charset="0"/>
+              </a:rPr>
+              <a:t>model.predictOnValues</a:t>
+            </a:r>
+            <a:r>
+              <a:rPr lang="en-US" dirty="0" smtClean="0">
+                <a:latin typeface="Courier New" pitchFamily="49" charset="0"/>
+                <a:cs typeface="Courier New" pitchFamily="49" charset="0"/>
+              </a:rPr>
+              <a:t>(testData.map(</a:t>
+            </a:r>
+            <a:r>
+              <a:rPr lang="en-US" dirty="0" err="1" smtClean="0">
+                <a:latin typeface="Courier New" pitchFamily="49" charset="0"/>
+                <a:cs typeface="Courier New" pitchFamily="49" charset="0"/>
+              </a:rPr>
+              <a:t>lp</a:t>
+            </a:r>
+            <a:r>
+              <a:rPr lang="en-US" dirty="0" smtClean="0">
+                <a:latin typeface="Courier New" pitchFamily="49" charset="0"/>
+                <a:cs typeface="Courier New" pitchFamily="49" charset="0"/>
+              </a:rPr>
+              <a:t> =&gt; (</a:t>
+            </a:r>
+            <a:r>
+              <a:rPr lang="en-US" dirty="0" err="1" smtClean="0">
+                <a:latin typeface="Courier New" pitchFamily="49" charset="0"/>
+                <a:cs typeface="Courier New" pitchFamily="49" charset="0"/>
+              </a:rPr>
+              <a:t>lp.label</a:t>
+            </a:r>
+            <a:r>
+              <a:rPr lang="en-US" dirty="0" smtClean="0">
+                <a:latin typeface="Courier New" pitchFamily="49" charset="0"/>
+                <a:cs typeface="Courier New" pitchFamily="49" charset="0"/>
+              </a:rPr>
+              <a:t>, </a:t>
+            </a:r>
+            <a:r>
+              <a:rPr lang="en-US" dirty="0" err="1" smtClean="0">
+                <a:latin typeface="Courier New" pitchFamily="49" charset="0"/>
+                <a:cs typeface="Courier New" pitchFamily="49" charset="0"/>
+              </a:rPr>
+              <a:t>lp.features</a:t>
+            </a:r>
+            <a:r>
+              <a:rPr lang="en-US" dirty="0" smtClean="0">
+                <a:latin typeface="Courier New" pitchFamily="49" charset="0"/>
+                <a:cs typeface="Courier New" pitchFamily="49" charset="0"/>
+              </a:rPr>
+              <a:t>))).print()</a:t>
+            </a:r>
+          </a:p>
+          <a:p>
+            <a:pPr>
+              <a:buNone/>
+            </a:pPr>
+            <a:r>
+              <a:rPr lang="en-US" dirty="0" err="1" smtClean="0">
+                <a:latin typeface="Courier New" pitchFamily="49" charset="0"/>
+                <a:cs typeface="Courier New" pitchFamily="49" charset="0"/>
+              </a:rPr>
+              <a:t>ssc.start</a:t>
+            </a:r>
+            <a:r>
+              <a:rPr lang="en-US" dirty="0" smtClean="0">
+                <a:latin typeface="Courier New" pitchFamily="49" charset="0"/>
+                <a:cs typeface="Courier New" pitchFamily="49" charset="0"/>
+              </a:rPr>
+              <a:t>()</a:t>
+            </a:r>
+          </a:p>
+          <a:p>
+            <a:pPr>
+              <a:buNone/>
+            </a:pPr>
+            <a:r>
+              <a:rPr lang="en-US" dirty="0" err="1" smtClean="0">
+                <a:latin typeface="Courier New" pitchFamily="49" charset="0"/>
+                <a:cs typeface="Courier New" pitchFamily="49" charset="0"/>
+              </a:rPr>
+              <a:t>ssc.awaitTermination</a:t>
+            </a:r>
+            <a:r>
+              <a:rPr lang="en-US" dirty="0" smtClean="0">
+                <a:latin typeface="Courier New" pitchFamily="49" charset="0"/>
+                <a:cs typeface="Courier New" pitchFamily="49" charset="0"/>
+              </a:rPr>
+              <a:t>()</a:t>
+            </a:r>
+            <a:endParaRPr lang="en-US" dirty="0">
+              <a:latin typeface="Courier New" pitchFamily="49" charset="0"/>
+              <a:cs typeface="Courier New" pitchFamily="49" charset="0"/>
+            </a:endParaRPr>
+          </a:p>
+        </p:txBody>
+      </p:sp>
+      <p:sp>
+        <p:nvSpPr>
+          <p:cNvPr id="4" name="Footer Placeholder 3"/>
+          <p:cNvSpPr>
+            <a:spLocks noGrp="1"/>
+          </p:cNvSpPr>
+          <p:nvPr>
+            <p:ph type="ftr" sz="quarter" idx="11"/>
+          </p:nvPr>
+        </p:nvSpPr>
+        <p:spPr/>
+        <p:txBody>
+          <a:bodyPr/>
+          <a:lstStyle/>
+          <a:p>
+            <a:r>
+              <a:rPr lang="en-US" smtClean="0"/>
+              <a:t>© Elephant Scale, 2014</a:t>
+            </a:r>
+            <a:endParaRPr lang="en-US" dirty="0"/>
+          </a:p>
+        </p:txBody>
+      </p:sp>
+    </p:spTree>
+  </p:cSld>
+  <p:clrMapOvr>
+    <a:masterClrMapping/>
+  </p:clrMapOvr>
+</p:sld>
+</file>
+
+<file path=ppt/slides/slide34.xml><?xml version="1.0" encoding="utf-8"?>
+<p:sld xmlns:a="http://schemas.openxmlformats.org/drawingml/2006/main" xmlns:r="http://schemas.openxmlformats.org/officeDocument/2006/relationships" xmlns:p="http://schemas.openxmlformats.org/presentationml/2006/main">
+  <p:cSld>
+    <p:spTree>
+      <p:nvGrpSpPr>
+        <p:cNvPr id="1" name=""/>
+        <p:cNvGrpSpPr/>
+        <p:nvPr/>
+      </p:nvGrpSpPr>
+      <p:grpSpPr>
+        <a:xfrm>
+          <a:off x="0" y="0"/>
+          <a:ext cx="0" cy="0"/>
+          <a:chOff x="0" y="0"/>
+          <a:chExt cx="0" cy="0"/>
+        </a:xfrm>
+      </p:grpSpPr>
+      <p:sp>
+        <p:nvSpPr>
+          <p:cNvPr id="2" name="Title 1"/>
+          <p:cNvSpPr>
+            <a:spLocks noGrp="1"/>
+          </p:cNvSpPr>
+          <p:nvPr>
+            <p:ph type="title"/>
+          </p:nvPr>
+        </p:nvSpPr>
+        <p:spPr/>
+        <p:txBody>
+          <a:bodyPr/>
+          <a:lstStyle/>
+          <a:p>
+            <a:r>
+              <a:rPr lang="en-US" dirty="0" smtClean="0"/>
+              <a:t>Topic Discovery (Latent </a:t>
+            </a:r>
+            <a:r>
+              <a:rPr lang="en-US" dirty="0" err="1" smtClean="0"/>
+              <a:t>Dirichlet</a:t>
+            </a:r>
+            <a:r>
+              <a:rPr lang="en-US" dirty="0" smtClean="0"/>
+              <a:t> Allocation)</a:t>
+            </a:r>
+            <a:endParaRPr lang="en-US" dirty="0"/>
+          </a:p>
+        </p:txBody>
+      </p:sp>
+      <p:sp>
+        <p:nvSpPr>
+          <p:cNvPr id="3" name="Content Placeholder 2"/>
+          <p:cNvSpPr>
+            <a:spLocks noGrp="1"/>
+          </p:cNvSpPr>
+          <p:nvPr>
+            <p:ph idx="1"/>
+          </p:nvPr>
+        </p:nvSpPr>
+        <p:spPr/>
+        <p:txBody>
+          <a:bodyPr/>
+          <a:lstStyle/>
+          <a:p>
+            <a:r>
+              <a:rPr lang="en-US" dirty="0" smtClean="0"/>
+              <a:t>Topic Discovery = finding topics based on Document terms.</a:t>
+            </a:r>
+          </a:p>
+          <a:p>
+            <a:r>
+              <a:rPr lang="en-US" dirty="0" smtClean="0"/>
+              <a:t>Example: Twitter</a:t>
+            </a:r>
+          </a:p>
+          <a:p>
+            <a:pPr lvl="1"/>
+            <a:r>
+              <a:rPr lang="en-US" dirty="0" smtClean="0"/>
+              <a:t>What are the topics of a group of tweets</a:t>
+            </a:r>
+          </a:p>
+          <a:p>
+            <a:r>
+              <a:rPr lang="en-US" dirty="0" smtClean="0"/>
+              <a:t>This is a type of clustering.</a:t>
+            </a:r>
+          </a:p>
+          <a:p>
+            <a:r>
+              <a:rPr lang="en-US" dirty="0" smtClean="0"/>
+              <a:t>Each topic identified by top-N terms</a:t>
+            </a:r>
+          </a:p>
+          <a:p>
+            <a:r>
+              <a:rPr lang="en-US" dirty="0" smtClean="0"/>
+              <a:t>To prepare, first </a:t>
+            </a:r>
+            <a:r>
+              <a:rPr lang="en-US" dirty="0" err="1" smtClean="0"/>
+              <a:t>vectorize</a:t>
+            </a:r>
+            <a:r>
+              <a:rPr lang="en-US" dirty="0" smtClean="0"/>
+              <a:t> text using TF. (not TF/IDF</a:t>
+            </a:r>
+            <a:r>
+              <a:rPr lang="en-US" dirty="0" smtClean="0"/>
+              <a:t>).</a:t>
+            </a:r>
+          </a:p>
+          <a:p>
+            <a:pPr lvl="1"/>
+            <a:r>
+              <a:rPr lang="en-US" dirty="0" err="1" smtClean="0">
+                <a:latin typeface="Courier New" pitchFamily="49" charset="0"/>
+                <a:cs typeface="Courier New" pitchFamily="49" charset="0"/>
+              </a:rPr>
+              <a:t>val</a:t>
+            </a:r>
+            <a:r>
+              <a:rPr lang="en-US" dirty="0" smtClean="0">
+                <a:latin typeface="Courier New" pitchFamily="49" charset="0"/>
+                <a:cs typeface="Courier New" pitchFamily="49" charset="0"/>
+              </a:rPr>
+              <a:t> </a:t>
+            </a:r>
+            <a:r>
+              <a:rPr lang="en-US" dirty="0" err="1" smtClean="0">
+                <a:latin typeface="Courier New" pitchFamily="49" charset="0"/>
+                <a:cs typeface="Courier New" pitchFamily="49" charset="0"/>
+              </a:rPr>
+              <a:t>hashingTF</a:t>
+            </a:r>
+            <a:r>
+              <a:rPr lang="en-US" dirty="0" smtClean="0">
+                <a:latin typeface="Courier New" pitchFamily="49" charset="0"/>
+                <a:cs typeface="Courier New" pitchFamily="49" charset="0"/>
+              </a:rPr>
+              <a:t> = new </a:t>
+            </a:r>
+            <a:r>
+              <a:rPr lang="en-US" dirty="0" err="1" smtClean="0">
+                <a:latin typeface="Courier New" pitchFamily="49" charset="0"/>
+                <a:cs typeface="Courier New" pitchFamily="49" charset="0"/>
+              </a:rPr>
+              <a:t>HashingTF</a:t>
+            </a:r>
+            <a:r>
+              <a:rPr lang="en-US" dirty="0" smtClean="0">
+                <a:latin typeface="Courier New" pitchFamily="49" charset="0"/>
+                <a:cs typeface="Courier New" pitchFamily="49" charset="0"/>
+              </a:rPr>
+              <a:t>()</a:t>
+            </a:r>
+          </a:p>
+          <a:p>
+            <a:pPr lvl="1">
+              <a:buNone/>
+            </a:pPr>
+            <a:r>
+              <a:rPr lang="en-US" dirty="0" smtClean="0">
+                <a:latin typeface="Courier New" pitchFamily="49" charset="0"/>
+                <a:cs typeface="Courier New" pitchFamily="49" charset="0"/>
+              </a:rPr>
+              <a:t>	</a:t>
+            </a:r>
+            <a:r>
+              <a:rPr lang="en-US" dirty="0" err="1" smtClean="0">
+                <a:latin typeface="Courier New" pitchFamily="49" charset="0"/>
+                <a:cs typeface="Courier New" pitchFamily="49" charset="0"/>
+              </a:rPr>
+              <a:t>val</a:t>
+            </a:r>
+            <a:r>
+              <a:rPr lang="en-US" dirty="0" smtClean="0">
+                <a:latin typeface="Courier New" pitchFamily="49" charset="0"/>
+                <a:cs typeface="Courier New" pitchFamily="49" charset="0"/>
+              </a:rPr>
+              <a:t> </a:t>
+            </a:r>
+            <a:r>
+              <a:rPr lang="en-US" dirty="0" err="1" smtClean="0">
+                <a:latin typeface="Courier New" pitchFamily="49" charset="0"/>
+                <a:cs typeface="Courier New" pitchFamily="49" charset="0"/>
+              </a:rPr>
+              <a:t>tf</a:t>
+            </a:r>
+            <a:r>
+              <a:rPr lang="en-US" dirty="0" smtClean="0">
+                <a:latin typeface="Courier New" pitchFamily="49" charset="0"/>
+                <a:cs typeface="Courier New" pitchFamily="49" charset="0"/>
+              </a:rPr>
+              <a:t>: RDD[Vector] = </a:t>
+            </a:r>
+            <a:r>
+              <a:rPr lang="en-US" dirty="0" err="1" smtClean="0">
+                <a:latin typeface="Courier New" pitchFamily="49" charset="0"/>
+                <a:cs typeface="Courier New" pitchFamily="49" charset="0"/>
+              </a:rPr>
+              <a:t>hashingTF.transform</a:t>
+            </a:r>
+            <a:r>
+              <a:rPr lang="en-US" dirty="0" smtClean="0">
+                <a:latin typeface="Courier New" pitchFamily="49" charset="0"/>
+                <a:cs typeface="Courier New" pitchFamily="49" charset="0"/>
+              </a:rPr>
+              <a:t>(documents</a:t>
+            </a:r>
+            <a:r>
+              <a:rPr lang="en-US" dirty="0" smtClean="0">
+                <a:latin typeface="Courier New" pitchFamily="49" charset="0"/>
+                <a:cs typeface="Courier New" pitchFamily="49" charset="0"/>
+              </a:rPr>
+              <a:t>)</a:t>
+            </a:r>
+            <a:endParaRPr lang="en-US" dirty="0" smtClean="0">
+              <a:latin typeface="Courier New" pitchFamily="49" charset="0"/>
+              <a:cs typeface="Courier New" pitchFamily="49" charset="0"/>
+            </a:endParaRPr>
+          </a:p>
+          <a:p>
+            <a:pPr lvl="1">
+              <a:buNone/>
+            </a:pPr>
+            <a:endParaRPr lang="en-US" dirty="0"/>
+          </a:p>
+        </p:txBody>
+      </p:sp>
+      <p:sp>
+        <p:nvSpPr>
+          <p:cNvPr id="4" name="Footer Placeholder 3"/>
+          <p:cNvSpPr>
+            <a:spLocks noGrp="1"/>
+          </p:cNvSpPr>
+          <p:nvPr>
+            <p:ph type="ftr" sz="quarter" idx="11"/>
+          </p:nvPr>
+        </p:nvSpPr>
+        <p:spPr/>
+        <p:txBody>
+          <a:bodyPr/>
+          <a:lstStyle/>
+          <a:p>
+            <a:r>
+              <a:rPr lang="en-US" smtClean="0"/>
+              <a:t>© Elephant Scale, 2014</a:t>
+            </a:r>
+            <a:endParaRPr lang="en-US" dirty="0"/>
+          </a:p>
+        </p:txBody>
+      </p:sp>
+    </p:spTree>
+  </p:cSld>
+  <p:clrMapOvr>
+    <a:masterClrMapping/>
+  </p:clrMapOvr>
+</p:sld>
+</file>
+
+<file path=ppt/slides/slide35.xml><?xml version="1.0" encoding="utf-8"?>
+<p:sld xmlns:a="http://schemas.openxmlformats.org/drawingml/2006/main" xmlns:r="http://schemas.openxmlformats.org/officeDocument/2006/relationships" xmlns:p="http://schemas.openxmlformats.org/presentationml/2006/main">
+  <p:cSld>
+    <p:spTree>
+      <p:nvGrpSpPr>
+        <p:cNvPr id="1" name=""/>
+        <p:cNvGrpSpPr/>
+        <p:nvPr/>
+      </p:nvGrpSpPr>
+      <p:grpSpPr>
+        <a:xfrm>
+          <a:off x="0" y="0"/>
+          <a:ext cx="0" cy="0"/>
+          <a:chOff x="0" y="0"/>
+          <a:chExt cx="0" cy="0"/>
+        </a:xfrm>
+      </p:grpSpPr>
+      <p:sp>
+        <p:nvSpPr>
+          <p:cNvPr id="2" name="Title 1"/>
+          <p:cNvSpPr>
+            <a:spLocks noGrp="1"/>
+          </p:cNvSpPr>
+          <p:nvPr>
+            <p:ph type="title"/>
+          </p:nvPr>
+        </p:nvSpPr>
+        <p:spPr/>
+        <p:txBody>
+          <a:bodyPr/>
+          <a:lstStyle/>
+          <a:p>
+            <a:r>
+              <a:rPr lang="en-US" dirty="0" smtClean="0"/>
+              <a:t>LDA</a:t>
+            </a:r>
+            <a:endParaRPr lang="en-US" dirty="0"/>
+          </a:p>
+        </p:txBody>
+      </p:sp>
+      <p:sp>
+        <p:nvSpPr>
+          <p:cNvPr id="3" name="Content Placeholder 2"/>
+          <p:cNvSpPr>
+            <a:spLocks noGrp="1"/>
+          </p:cNvSpPr>
+          <p:nvPr>
+            <p:ph idx="1"/>
+          </p:nvPr>
+        </p:nvSpPr>
+        <p:spPr/>
+        <p:txBody>
+          <a:bodyPr/>
+          <a:lstStyle/>
+          <a:p>
+            <a:r>
+              <a:rPr lang="en-US" dirty="0" smtClean="0"/>
+              <a:t>We can build a topic discovery model from the TF Vectors</a:t>
+            </a:r>
+          </a:p>
+          <a:p>
+            <a:pPr lvl="1"/>
+            <a:r>
+              <a:rPr lang="en-US" dirty="0" err="1" smtClean="0"/>
+              <a:t>val</a:t>
+            </a:r>
+            <a:r>
+              <a:rPr lang="en-US" dirty="0" smtClean="0"/>
+              <a:t> corpus = </a:t>
+            </a:r>
+            <a:r>
+              <a:rPr lang="en-US" dirty="0" err="1" smtClean="0"/>
+              <a:t>parsedData.zipWithIndex.map</a:t>
+            </a:r>
+            <a:r>
+              <a:rPr lang="en-US" dirty="0" smtClean="0"/>
+              <a:t>(_.swap</a:t>
+            </a:r>
+            <a:r>
+              <a:rPr lang="en-US" dirty="0" smtClean="0"/>
+              <a:t>)</a:t>
+            </a:r>
+          </a:p>
+          <a:p>
+            <a:pPr lvl="1"/>
+            <a:r>
+              <a:rPr lang="en-US" dirty="0" err="1" smtClean="0"/>
+              <a:t>val</a:t>
+            </a:r>
+            <a:r>
+              <a:rPr lang="en-US" dirty="0" smtClean="0"/>
+              <a:t> </a:t>
+            </a:r>
+            <a:r>
+              <a:rPr lang="en-US" dirty="0" err="1" smtClean="0"/>
+              <a:t>ldaModel</a:t>
+            </a:r>
+            <a:r>
+              <a:rPr lang="en-US" dirty="0" smtClean="0"/>
+              <a:t> = new LDA().</a:t>
+            </a:r>
+            <a:r>
+              <a:rPr lang="en-US" dirty="0" err="1" smtClean="0"/>
+              <a:t>setK</a:t>
+            </a:r>
+            <a:r>
+              <a:rPr lang="en-US" dirty="0" smtClean="0"/>
+              <a:t>(3).run(corpus</a:t>
+            </a:r>
+            <a:r>
+              <a:rPr lang="en-US" dirty="0" smtClean="0"/>
+              <a:t>)</a:t>
+            </a:r>
+          </a:p>
+          <a:p>
+            <a:r>
+              <a:rPr lang="en-US" dirty="0" smtClean="0"/>
+              <a:t>Retrieving the topics from the model.</a:t>
+            </a:r>
+          </a:p>
+          <a:p>
+            <a:pPr lvl="1">
+              <a:buNone/>
+            </a:pPr>
+            <a:r>
+              <a:rPr lang="en-US" dirty="0" err="1" smtClean="0"/>
+              <a:t>val</a:t>
+            </a:r>
+            <a:r>
+              <a:rPr lang="en-US" dirty="0" smtClean="0"/>
+              <a:t> topics = </a:t>
+            </a:r>
+            <a:r>
+              <a:rPr lang="en-US" dirty="0" err="1" smtClean="0"/>
+              <a:t>ldaModel.topicsMatrix</a:t>
+            </a:r>
+            <a:endParaRPr lang="en-US" dirty="0" smtClean="0"/>
+          </a:p>
+          <a:p>
+            <a:pPr lvl="1">
+              <a:buNone/>
+            </a:pPr>
+            <a:r>
+              <a:rPr lang="en-US" dirty="0" smtClean="0"/>
+              <a:t>for (topic &lt;- Range(0, 3)) {</a:t>
+            </a:r>
+          </a:p>
+          <a:p>
+            <a:pPr lvl="1">
+              <a:buNone/>
+            </a:pPr>
+            <a:r>
+              <a:rPr lang="en-US" dirty="0" smtClean="0"/>
+              <a:t>  print("Topic " + topic + ":")</a:t>
+            </a:r>
+          </a:p>
+          <a:p>
+            <a:pPr lvl="1">
+              <a:buNone/>
+            </a:pPr>
+            <a:r>
+              <a:rPr lang="en-US" dirty="0" smtClean="0"/>
+              <a:t>  for (word &lt;- Range(0, </a:t>
+            </a:r>
+            <a:r>
+              <a:rPr lang="en-US" dirty="0" err="1" smtClean="0"/>
+              <a:t>ldaModel.vocabSize</a:t>
+            </a:r>
+            <a:r>
+              <a:rPr lang="en-US" dirty="0" smtClean="0"/>
+              <a:t>)) { print(" " + topics(word, topic)); }</a:t>
+            </a:r>
+          </a:p>
+          <a:p>
+            <a:pPr lvl="1">
+              <a:buNone/>
+            </a:pPr>
+            <a:r>
+              <a:rPr lang="en-US" dirty="0" smtClean="0"/>
+              <a:t>  </a:t>
+            </a:r>
+            <a:r>
+              <a:rPr lang="en-US" dirty="0" err="1" smtClean="0"/>
+              <a:t>println</a:t>
+            </a:r>
+            <a:r>
+              <a:rPr lang="en-US" dirty="0" smtClean="0"/>
+              <a:t>()</a:t>
+            </a:r>
+          </a:p>
+          <a:p>
+            <a:pPr lvl="1">
+              <a:buNone/>
+            </a:pPr>
+            <a:r>
+              <a:rPr lang="en-US" dirty="0" smtClean="0"/>
+              <a:t>} </a:t>
+            </a:r>
+            <a:endParaRPr lang="en-US" dirty="0"/>
+          </a:p>
+        </p:txBody>
+      </p:sp>
+      <p:sp>
+        <p:nvSpPr>
+          <p:cNvPr id="4" name="Footer Placeholder 3"/>
+          <p:cNvSpPr>
+            <a:spLocks noGrp="1"/>
+          </p:cNvSpPr>
+          <p:nvPr>
+            <p:ph type="ftr" sz="quarter" idx="11"/>
+          </p:nvPr>
+        </p:nvSpPr>
+        <p:spPr/>
+        <p:txBody>
+          <a:bodyPr/>
+          <a:lstStyle/>
+          <a:p>
+            <a:r>
+              <a:rPr lang="en-US" smtClean="0"/>
+              <a:t>© Elephant Scale, 2014</a:t>
+            </a:r>
+            <a:endParaRPr lang="en-US" dirty="0"/>
+          </a:p>
+        </p:txBody>
+      </p:sp>
+    </p:spTree>
+  </p:cSld>
+  <p:clrMapOvr>
+    <a:masterClrMapping/>
+  </p:clrMapOvr>
+</p:sld>
+</file>
+
+<file path=ppt/slides/slide36.xml><?xml version="1.0" encoding="utf-8"?>
+<p:sld xmlns:a="http://schemas.openxmlformats.org/drawingml/2006/main" xmlns:r="http://schemas.openxmlformats.org/officeDocument/2006/relationships" xmlns:p="http://schemas.openxmlformats.org/presentationml/2006/main">
+  <p:cSld>
+    <p:spTree>
+      <p:nvGrpSpPr>
+        <p:cNvPr id="1" name=""/>
+        <p:cNvGrpSpPr/>
+        <p:nvPr/>
+      </p:nvGrpSpPr>
+      <p:grpSpPr>
+        <a:xfrm>
+          <a:off x="0" y="0"/>
+          <a:ext cx="0" cy="0"/>
+          <a:chOff x="0" y="0"/>
+          <a:chExt cx="0" cy="0"/>
+        </a:xfrm>
+      </p:grpSpPr>
+      <p:sp>
+        <p:nvSpPr>
+          <p:cNvPr id="2" name="Title 1"/>
+          <p:cNvSpPr>
+            <a:spLocks noGrp="1"/>
+          </p:cNvSpPr>
+          <p:nvPr>
+            <p:ph type="title"/>
+          </p:nvPr>
+        </p:nvSpPr>
+        <p:spPr/>
+        <p:txBody>
+          <a:bodyPr/>
+          <a:lstStyle/>
+          <a:p>
+            <a:r>
+              <a:rPr lang="en-US" dirty="0" smtClean="0"/>
+              <a:t>LDA Example</a:t>
+            </a:r>
+            <a:endParaRPr lang="en-US" dirty="0"/>
+          </a:p>
+        </p:txBody>
+      </p:sp>
+      <p:graphicFrame>
+        <p:nvGraphicFramePr>
+          <p:cNvPr id="5" name="Content Placeholder 4"/>
+          <p:cNvGraphicFramePr>
+            <a:graphicFrameLocks noGrp="1"/>
+          </p:cNvGraphicFramePr>
+          <p:nvPr>
+            <p:ph idx="1"/>
+          </p:nvPr>
+        </p:nvGraphicFramePr>
+        <p:xfrm>
+          <a:off x="498475" y="1981200"/>
+          <a:ext cx="7556502" cy="2123440"/>
+        </p:xfrm>
+        <a:graphic>
+          <a:graphicData uri="http://schemas.openxmlformats.org/drawingml/2006/table">
+            <a:tbl>
+              <a:tblPr firstRow="1" bandRow="1">
+                <a:tableStyleId>{5C22544A-7EE6-4342-B048-85BDC9FD1C3A}</a:tableStyleId>
+              </a:tblPr>
+              <a:tblGrid>
+                <a:gridCol w="1259417"/>
+                <a:gridCol w="1259417"/>
+                <a:gridCol w="1259417"/>
+                <a:gridCol w="1259417"/>
+                <a:gridCol w="1259417"/>
+                <a:gridCol w="1259417"/>
+              </a:tblGrid>
+              <a:tr h="370840">
+                <a:tc>
+                  <a:txBody>
+                    <a:bodyPr/>
+                    <a:lstStyle/>
+                    <a:p>
+                      <a:r>
+                        <a:rPr lang="en-US" dirty="0" smtClean="0"/>
+                        <a:t>Topic</a:t>
+                      </a:r>
+                      <a:r>
+                        <a:rPr lang="en-US" baseline="0" dirty="0" smtClean="0"/>
+                        <a:t> 1 Term</a:t>
+                      </a:r>
+                      <a:endParaRPr lang="en-US" dirty="0"/>
+                    </a:p>
+                  </a:txBody>
+                  <a:tcPr/>
+                </a:tc>
+                <a:tc>
+                  <a:txBody>
+                    <a:bodyPr/>
+                    <a:lstStyle/>
+                    <a:p>
+                      <a:r>
+                        <a:rPr lang="en-US" dirty="0" smtClean="0"/>
+                        <a:t>Topic 1 Weight</a:t>
+                      </a:r>
+                      <a:endParaRPr lang="en-US" dirty="0"/>
+                    </a:p>
+                  </a:txBody>
+                  <a:tcPr/>
+                </a:tc>
+                <a:tc>
+                  <a:txBody>
+                    <a:bodyPr/>
+                    <a:lstStyle/>
+                    <a:p>
+                      <a:r>
+                        <a:rPr lang="en-US" dirty="0" smtClean="0"/>
+                        <a:t>Topic 2 Term</a:t>
+                      </a:r>
+                      <a:endParaRPr lang="en-US" dirty="0"/>
+                    </a:p>
+                  </a:txBody>
+                  <a:tcPr/>
+                </a:tc>
+                <a:tc>
+                  <a:txBody>
+                    <a:bodyPr/>
+                    <a:lstStyle/>
+                    <a:p>
+                      <a:r>
+                        <a:rPr lang="en-US" dirty="0" smtClean="0"/>
+                        <a:t>Topic</a:t>
+                      </a:r>
+                      <a:r>
+                        <a:rPr lang="en-US" baseline="0" dirty="0" smtClean="0"/>
+                        <a:t> 2 Weight</a:t>
+                      </a:r>
+                      <a:endParaRPr lang="en-US" dirty="0"/>
+                    </a:p>
+                  </a:txBody>
+                  <a:tcPr/>
+                </a:tc>
+                <a:tc>
+                  <a:txBody>
+                    <a:bodyPr/>
+                    <a:lstStyle/>
+                    <a:p>
+                      <a:r>
+                        <a:rPr lang="en-US" dirty="0" smtClean="0"/>
+                        <a:t>Topic 3 Term</a:t>
+                      </a:r>
+                      <a:endParaRPr lang="en-US" dirty="0"/>
+                    </a:p>
+                  </a:txBody>
+                  <a:tcPr/>
+                </a:tc>
+                <a:tc>
+                  <a:txBody>
+                    <a:bodyPr/>
+                    <a:lstStyle/>
+                    <a:p>
+                      <a:r>
+                        <a:rPr lang="en-US" dirty="0" smtClean="0"/>
+                        <a:t>Topic 3 Weight</a:t>
+                      </a:r>
+                      <a:endParaRPr lang="en-US" dirty="0"/>
+                    </a:p>
+                  </a:txBody>
+                  <a:tcPr/>
+                </a:tc>
+              </a:tr>
+              <a:tr h="370840">
+                <a:tc>
+                  <a:txBody>
+                    <a:bodyPr/>
+                    <a:lstStyle/>
+                    <a:p>
+                      <a:r>
+                        <a:rPr lang="en-US" sz="1600" dirty="0" smtClean="0"/>
+                        <a:t>football</a:t>
+                      </a:r>
+                      <a:endParaRPr lang="en-US" sz="1600" dirty="0"/>
+                    </a:p>
+                  </a:txBody>
+                  <a:tcPr/>
+                </a:tc>
+                <a:tc>
+                  <a:txBody>
+                    <a:bodyPr/>
+                    <a:lstStyle/>
+                    <a:p>
+                      <a:r>
+                        <a:rPr lang="en-US" sz="1600" dirty="0" smtClean="0"/>
+                        <a:t>0.020</a:t>
+                      </a:r>
+                      <a:endParaRPr lang="en-US" sz="1600" dirty="0"/>
+                    </a:p>
+                  </a:txBody>
+                  <a:tcPr/>
+                </a:tc>
+                <a:tc>
+                  <a:txBody>
+                    <a:bodyPr/>
+                    <a:lstStyle/>
+                    <a:p>
+                      <a:r>
+                        <a:rPr lang="en-US" sz="1600" dirty="0" err="1" smtClean="0"/>
+                        <a:t>obama</a:t>
+                      </a:r>
+                      <a:endParaRPr lang="en-US" sz="1600" dirty="0"/>
+                    </a:p>
+                  </a:txBody>
+                  <a:tcPr/>
+                </a:tc>
+                <a:tc>
+                  <a:txBody>
+                    <a:bodyPr/>
+                    <a:lstStyle/>
+                    <a:p>
+                      <a:r>
+                        <a:rPr lang="en-US" sz="1600" dirty="0" smtClean="0"/>
+                        <a:t>0.021</a:t>
+                      </a:r>
+                      <a:endParaRPr lang="en-US" sz="1600" dirty="0"/>
+                    </a:p>
+                  </a:txBody>
+                  <a:tcPr/>
+                </a:tc>
+                <a:tc>
+                  <a:txBody>
+                    <a:bodyPr/>
+                    <a:lstStyle/>
+                    <a:p>
+                      <a:r>
+                        <a:rPr lang="en-US" sz="1600" dirty="0" err="1" smtClean="0"/>
+                        <a:t>dow</a:t>
+                      </a:r>
+                      <a:endParaRPr lang="en-US" sz="1600" dirty="0"/>
+                    </a:p>
+                  </a:txBody>
+                  <a:tcPr/>
+                </a:tc>
+                <a:tc>
+                  <a:txBody>
+                    <a:bodyPr/>
+                    <a:lstStyle/>
+                    <a:p>
+                      <a:r>
+                        <a:rPr lang="en-US" sz="1600" dirty="0" smtClean="0"/>
+                        <a:t>0.019</a:t>
+                      </a:r>
+                      <a:endParaRPr lang="en-US" sz="1600" dirty="0"/>
+                    </a:p>
+                  </a:txBody>
+                  <a:tcPr/>
+                </a:tc>
+              </a:tr>
+              <a:tr h="370840">
+                <a:tc>
+                  <a:txBody>
+                    <a:bodyPr/>
+                    <a:lstStyle/>
+                    <a:p>
+                      <a:r>
+                        <a:rPr lang="en-US" sz="1600" dirty="0" smtClean="0"/>
+                        <a:t>quarterback</a:t>
+                      </a:r>
+                      <a:endParaRPr lang="en-US" sz="1600" dirty="0"/>
+                    </a:p>
+                  </a:txBody>
+                  <a:tcPr/>
+                </a:tc>
+                <a:tc>
+                  <a:txBody>
+                    <a:bodyPr/>
+                    <a:lstStyle/>
+                    <a:p>
+                      <a:r>
+                        <a:rPr lang="en-US" sz="1600" dirty="0" smtClean="0"/>
+                        <a:t>0.018</a:t>
+                      </a:r>
+                      <a:endParaRPr lang="en-US" sz="1600" dirty="0"/>
+                    </a:p>
+                  </a:txBody>
+                  <a:tcPr/>
+                </a:tc>
+                <a:tc>
+                  <a:txBody>
+                    <a:bodyPr/>
+                    <a:lstStyle/>
+                    <a:p>
+                      <a:r>
+                        <a:rPr lang="en-US" sz="1600" dirty="0" smtClean="0"/>
+                        <a:t>president</a:t>
+                      </a:r>
+                      <a:endParaRPr lang="en-US" sz="1600" dirty="0"/>
+                    </a:p>
+                  </a:txBody>
+                  <a:tcPr/>
+                </a:tc>
+                <a:tc>
+                  <a:txBody>
+                    <a:bodyPr/>
+                    <a:lstStyle/>
+                    <a:p>
+                      <a:r>
+                        <a:rPr lang="en-US" sz="1600" dirty="0" smtClean="0"/>
+                        <a:t>0.019</a:t>
+                      </a:r>
+                      <a:endParaRPr lang="en-US" sz="1600" dirty="0"/>
+                    </a:p>
+                  </a:txBody>
+                  <a:tcPr/>
+                </a:tc>
+                <a:tc>
+                  <a:txBody>
+                    <a:bodyPr/>
+                    <a:lstStyle/>
+                    <a:p>
+                      <a:r>
+                        <a:rPr lang="en-US" sz="1600" dirty="0" smtClean="0"/>
+                        <a:t>stock</a:t>
+                      </a:r>
+                      <a:endParaRPr lang="en-US" sz="1600" dirty="0"/>
+                    </a:p>
+                  </a:txBody>
+                  <a:tcPr/>
+                </a:tc>
+                <a:tc>
+                  <a:txBody>
+                    <a:bodyPr/>
+                    <a:lstStyle/>
+                    <a:p>
+                      <a:r>
+                        <a:rPr lang="en-US" sz="1600" dirty="0" smtClean="0"/>
+                        <a:t>0.018</a:t>
+                      </a:r>
+                      <a:endParaRPr lang="en-US" sz="1600" dirty="0"/>
+                    </a:p>
+                  </a:txBody>
+                  <a:tcPr/>
+                </a:tc>
+              </a:tr>
+              <a:tr h="370840">
+                <a:tc>
+                  <a:txBody>
+                    <a:bodyPr/>
+                    <a:lstStyle/>
+                    <a:p>
+                      <a:r>
+                        <a:rPr lang="en-US" sz="1600" dirty="0" smtClean="0"/>
+                        <a:t>team</a:t>
+                      </a:r>
+                      <a:endParaRPr lang="en-US" sz="1600" dirty="0"/>
+                    </a:p>
+                  </a:txBody>
+                  <a:tcPr/>
+                </a:tc>
+                <a:tc>
+                  <a:txBody>
+                    <a:bodyPr/>
+                    <a:lstStyle/>
+                    <a:p>
+                      <a:r>
+                        <a:rPr lang="en-US" sz="1600" dirty="0" smtClean="0"/>
+                        <a:t>0.015</a:t>
+                      </a:r>
+                      <a:endParaRPr lang="en-US" sz="1600" dirty="0"/>
+                    </a:p>
+                  </a:txBody>
+                  <a:tcPr/>
+                </a:tc>
+                <a:tc>
+                  <a:txBody>
+                    <a:bodyPr/>
+                    <a:lstStyle/>
+                    <a:p>
+                      <a:r>
+                        <a:rPr lang="en-US" sz="1600" dirty="0" smtClean="0"/>
+                        <a:t>speech</a:t>
+                      </a:r>
+                      <a:endParaRPr lang="en-US" sz="1600" dirty="0"/>
+                    </a:p>
+                  </a:txBody>
+                  <a:tcPr/>
+                </a:tc>
+                <a:tc>
+                  <a:txBody>
+                    <a:bodyPr/>
+                    <a:lstStyle/>
+                    <a:p>
+                      <a:r>
+                        <a:rPr lang="en-US" sz="1600" dirty="0" smtClean="0"/>
+                        <a:t>0.015</a:t>
+                      </a:r>
+                      <a:endParaRPr lang="en-US" sz="1600" dirty="0"/>
+                    </a:p>
+                  </a:txBody>
+                  <a:tcPr/>
+                </a:tc>
+                <a:tc>
+                  <a:txBody>
+                    <a:bodyPr/>
+                    <a:lstStyle/>
+                    <a:p>
+                      <a:r>
+                        <a:rPr lang="en-US" sz="1600" dirty="0" smtClean="0"/>
+                        <a:t>index</a:t>
+                      </a:r>
+                      <a:endParaRPr lang="en-US" sz="1600" dirty="0"/>
+                    </a:p>
+                  </a:txBody>
+                  <a:tcPr/>
+                </a:tc>
+                <a:tc>
+                  <a:txBody>
+                    <a:bodyPr/>
+                    <a:lstStyle/>
+                    <a:p>
+                      <a:r>
+                        <a:rPr lang="en-US" sz="1600" dirty="0" smtClean="0"/>
+                        <a:t>0.015</a:t>
+                      </a:r>
+                      <a:endParaRPr lang="en-US" sz="1600" dirty="0"/>
+                    </a:p>
+                  </a:txBody>
+                  <a:tcPr/>
+                </a:tc>
+              </a:tr>
+              <a:tr h="370840">
+                <a:tc>
+                  <a:txBody>
+                    <a:bodyPr/>
+                    <a:lstStyle/>
+                    <a:p>
+                      <a:r>
+                        <a:rPr lang="en-US" sz="1600" dirty="0" err="1" smtClean="0"/>
+                        <a:t>nfl</a:t>
+                      </a:r>
+                      <a:endParaRPr lang="en-US" sz="1600" dirty="0"/>
+                    </a:p>
+                  </a:txBody>
+                  <a:tcPr/>
+                </a:tc>
+                <a:tc>
+                  <a:txBody>
+                    <a:bodyPr/>
+                    <a:lstStyle/>
+                    <a:p>
+                      <a:r>
+                        <a:rPr lang="en-US" sz="1600" dirty="0" smtClean="0"/>
+                        <a:t>0.013</a:t>
+                      </a:r>
+                      <a:endParaRPr lang="en-US" sz="1600" dirty="0"/>
+                    </a:p>
+                  </a:txBody>
+                  <a:tcPr/>
+                </a:tc>
+                <a:tc>
+                  <a:txBody>
+                    <a:bodyPr/>
+                    <a:lstStyle/>
+                    <a:p>
+                      <a:r>
+                        <a:rPr lang="en-US" sz="1600" dirty="0" smtClean="0"/>
+                        <a:t>bill</a:t>
+                      </a:r>
+                      <a:endParaRPr lang="en-US" sz="1600" dirty="0"/>
+                    </a:p>
+                  </a:txBody>
+                  <a:tcPr/>
+                </a:tc>
+                <a:tc>
+                  <a:txBody>
+                    <a:bodyPr/>
+                    <a:lstStyle/>
+                    <a:p>
+                      <a:r>
+                        <a:rPr lang="en-US" sz="1600" dirty="0" smtClean="0"/>
+                        <a:t>0.014</a:t>
+                      </a:r>
+                      <a:endParaRPr lang="en-US" sz="1600" dirty="0"/>
+                    </a:p>
+                  </a:txBody>
+                  <a:tcPr/>
+                </a:tc>
+                <a:tc>
+                  <a:txBody>
+                    <a:bodyPr/>
+                    <a:lstStyle/>
+                    <a:p>
+                      <a:r>
+                        <a:rPr lang="en-US" sz="1600" dirty="0" smtClean="0"/>
+                        <a:t>market</a:t>
+                      </a:r>
+                      <a:endParaRPr lang="en-US" sz="1600" dirty="0"/>
+                    </a:p>
+                  </a:txBody>
+                  <a:tcPr/>
+                </a:tc>
+                <a:tc>
+                  <a:txBody>
+                    <a:bodyPr/>
+                    <a:lstStyle/>
+                    <a:p>
+                      <a:r>
+                        <a:rPr lang="en-US" sz="1600" dirty="0" smtClean="0"/>
+                        <a:t>0.013</a:t>
+                      </a:r>
+                      <a:endParaRPr lang="en-US" sz="1600" dirty="0"/>
+                    </a:p>
+                  </a:txBody>
+                  <a:tcPr/>
+                </a:tc>
+              </a:tr>
+            </a:tbl>
+          </a:graphicData>
+        </a:graphic>
+      </p:graphicFrame>
+      <p:sp>
+        <p:nvSpPr>
+          <p:cNvPr id="4" name="Footer Placeholder 3"/>
+          <p:cNvSpPr>
+            <a:spLocks noGrp="1"/>
+          </p:cNvSpPr>
+          <p:nvPr>
+            <p:ph type="ftr" sz="quarter" idx="11"/>
+          </p:nvPr>
+        </p:nvSpPr>
+        <p:spPr/>
+        <p:txBody>
+          <a:bodyPr/>
+          <a:lstStyle/>
+          <a:p>
+            <a:r>
+              <a:rPr lang="en-US" smtClean="0"/>
+              <a:t>© Elephant Scale, 2014</a:t>
+            </a:r>
+            <a:endParaRPr lang="en-US" dirty="0"/>
+          </a:p>
+        </p:txBody>
+      </p:sp>
+    </p:spTree>
+  </p:cSld>
+  <p:clrMapOvr>
+    <a:masterClrMapping/>
+  </p:clrMapOvr>
+</p:sld>
+</file>
+
+<file path=ppt/slides/slide37.xml><?xml version="1.0" encoding="utf-8"?>
+<p:sld xmlns:a="http://schemas.openxmlformats.org/drawingml/2006/main" xmlns:r="http://schemas.openxmlformats.org/officeDocument/2006/relationships" xmlns:p="http://schemas.openxmlformats.org/presentationml/2006/main">
+  <p:cSld>
+    <p:spTree>
+      <p:nvGrpSpPr>
+        <p:cNvPr id="1" name=""/>
+        <p:cNvGrpSpPr/>
+        <p:nvPr/>
+      </p:nvGrpSpPr>
+      <p:grpSpPr>
+        <a:xfrm>
+          <a:off x="0" y="0"/>
+          <a:ext cx="0" cy="0"/>
+          <a:chOff x="0" y="0"/>
+          <a:chExt cx="0" cy="0"/>
+        </a:xfrm>
+      </p:grpSpPr>
+      <p:sp>
+        <p:nvSpPr>
+          <p:cNvPr id="2" name="Title 1"/>
+          <p:cNvSpPr>
+            <a:spLocks noGrp="1"/>
+          </p:cNvSpPr>
+          <p:nvPr>
+            <p:ph type="title"/>
+          </p:nvPr>
+        </p:nvSpPr>
+        <p:spPr/>
+        <p:txBody>
+          <a:bodyPr/>
+          <a:lstStyle/>
+          <a:p>
+            <a:r>
+              <a:rPr lang="en-US" dirty="0" smtClean="0"/>
               <a:t>Next : Recommendations</a:t>
             </a:r>
             <a:endParaRPr lang="en-US" dirty="0"/>
@@ -14913,7 +16607,7 @@
             <a:fld id="{4AD8DDEF-9CD1-B641-ADE5-2BEE59567BE6}" type="slidenum">
               <a:rPr lang="en-US" smtClean="0"/>
               <a:pPr/>
-              <a:t>32</a:t>
+              <a:t>37</a:t>
             </a:fld>
             <a:endParaRPr lang="en-US"/>
           </a:p>
@@ -14939,7 +16633,7 @@
 </p:sld>
 </file>
 
-<file path=ppt/slides/slide33.xml><?xml version="1.0" encoding="utf-8"?>
+<file path=ppt/slides/slide38.xml><?xml version="1.0" encoding="utf-8"?>
 <p:sld xmlns:a="http://schemas.openxmlformats.org/drawingml/2006/main" xmlns:r="http://schemas.openxmlformats.org/officeDocument/2006/relationships" xmlns:p="http://schemas.openxmlformats.org/presentationml/2006/main">
   <p:cSld>
     <p:spTree>
@@ -15045,7 +16739,7 @@
             <a:fld id="{4AD8DDEF-9CD1-B641-ADE5-2BEE59567BE6}" type="slidenum">
               <a:rPr lang="en-US" smtClean="0"/>
               <a:pPr/>
-              <a:t>33</a:t>
+              <a:t>38</a:t>
             </a:fld>
             <a:endParaRPr lang="en-US"/>
           </a:p>
@@ -15071,7 +16765,7 @@
 </p:sld>
 </file>
 
-<file path=ppt/slides/slide34.xml><?xml version="1.0" encoding="utf-8"?>
+<file path=ppt/slides/slide39.xml><?xml version="1.0" encoding="utf-8"?>
 <p:sld xmlns:a="http://schemas.openxmlformats.org/drawingml/2006/main" xmlns:r="http://schemas.openxmlformats.org/officeDocument/2006/relationships" xmlns:p="http://schemas.openxmlformats.org/presentationml/2006/main">
   <p:cSld>
     <p:spTree>
@@ -15295,7 +16989,7 @@
             <a:fld id="{4AD8DDEF-9CD1-B641-ADE5-2BEE59567BE6}" type="slidenum">
               <a:rPr lang="en-US" smtClean="0"/>
               <a:pPr/>
-              <a:t>34</a:t>
+              <a:t>39</a:t>
             </a:fld>
             <a:endParaRPr lang="en-US"/>
           </a:p>
@@ -15305,735 +16999,6 @@
     <p:extLst>
       <p:ext uri="{BB962C8B-B14F-4D97-AF65-F5344CB8AC3E}">
         <p14:creationId xmlns:p14="http://schemas.microsoft.com/office/powerpoint/2010/main" xmlns="" val="3527473027"/>
-      </p:ext>
-    </p:extLst>
-  </p:cSld>
-  <p:clrMapOvr>
-    <a:masterClrMapping/>
-  </p:clrMapOvr>
-  <p:timing>
-    <p:tnLst>
-      <p:par>
-        <p:cTn id="1" dur="indefinite" restart="never" nodeType="tmRoot"/>
-      </p:par>
-    </p:tnLst>
-  </p:timing>
-</p:sld>
-</file>
-
-<file path=ppt/slides/slide35.xml><?xml version="1.0" encoding="utf-8"?>
-<p:sld xmlns:a="http://schemas.openxmlformats.org/drawingml/2006/main" xmlns:r="http://schemas.openxmlformats.org/officeDocument/2006/relationships" xmlns:p="http://schemas.openxmlformats.org/presentationml/2006/main">
-  <p:cSld>
-    <p:spTree>
-      <p:nvGrpSpPr>
-        <p:cNvPr id="1" name=""/>
-        <p:cNvGrpSpPr/>
-        <p:nvPr/>
-      </p:nvGrpSpPr>
-      <p:grpSpPr>
-        <a:xfrm>
-          <a:off x="0" y="0"/>
-          <a:ext cx="0" cy="0"/>
-          <a:chOff x="0" y="0"/>
-          <a:chExt cx="0" cy="0"/>
-        </a:xfrm>
-      </p:grpSpPr>
-      <p:sp>
-        <p:nvSpPr>
-          <p:cNvPr id="2" name="Title 1"/>
-          <p:cNvSpPr>
-            <a:spLocks noGrp="1"/>
-          </p:cNvSpPr>
-          <p:nvPr>
-            <p:ph type="title"/>
-          </p:nvPr>
-        </p:nvSpPr>
-        <p:spPr/>
-        <p:txBody>
-          <a:bodyPr/>
-          <a:lstStyle/>
-          <a:p>
-            <a:r>
-              <a:rPr lang="en-US" dirty="0" smtClean="0"/>
-              <a:t>Recommendations From Netflix (With Profiles)</a:t>
-            </a:r>
-            <a:endParaRPr lang="en-US" dirty="0"/>
-          </a:p>
-        </p:txBody>
-      </p:sp>
-      <p:pic>
-        <p:nvPicPr>
-          <p:cNvPr id="4" name="Content Placeholder 3" descr="Screen Shot 2014-06-17 at 11.14.01 PM.png"/>
-          <p:cNvPicPr>
-            <a:picLocks noGrp="1" noChangeAspect="1"/>
-          </p:cNvPicPr>
-          <p:nvPr>
-            <p:ph idx="1"/>
-          </p:nvPr>
-        </p:nvPicPr>
-        <p:blipFill>
-          <a:blip r:embed="rId2">
-            <a:extLst>
-              <a:ext uri="{28A0092B-C50C-407E-A947-70E740481C1C}">
-                <a14:useLocalDpi xmlns:a14="http://schemas.microsoft.com/office/drawing/2010/main" xmlns="" val="0"/>
-              </a:ext>
-            </a:extLst>
-          </a:blip>
-          <a:srcRect t="-736" b="-736"/>
-          <a:stretch>
-            <a:fillRect/>
-          </a:stretch>
-        </p:blipFill>
-        <p:spPr/>
-      </p:pic>
-      <p:sp>
-        <p:nvSpPr>
-          <p:cNvPr id="3" name="Footer Placeholder 2"/>
-          <p:cNvSpPr>
-            <a:spLocks noGrp="1"/>
-          </p:cNvSpPr>
-          <p:nvPr>
-            <p:ph type="ftr" sz="quarter" idx="11"/>
-          </p:nvPr>
-        </p:nvSpPr>
-        <p:spPr/>
-        <p:txBody>
-          <a:bodyPr/>
-          <a:lstStyle/>
-          <a:p>
-            <a:r>
-              <a:rPr lang="en-US" smtClean="0"/>
-              <a:t>(c) ElephantScale.com 2014</a:t>
-            </a:r>
-            <a:endParaRPr lang="en-US"/>
-          </a:p>
-        </p:txBody>
-      </p:sp>
-      <p:sp>
-        <p:nvSpPr>
-          <p:cNvPr id="5" name="Slide Number Placeholder 4"/>
-          <p:cNvSpPr>
-            <a:spLocks noGrp="1"/>
-          </p:cNvSpPr>
-          <p:nvPr>
-            <p:ph type="sldNum" sz="quarter" idx="12"/>
-          </p:nvPr>
-        </p:nvSpPr>
-        <p:spPr/>
-        <p:txBody>
-          <a:bodyPr/>
-          <a:lstStyle/>
-          <a:p>
-            <a:fld id="{4AD8DDEF-9CD1-B641-ADE5-2BEE59567BE6}" type="slidenum">
-              <a:rPr lang="en-US" smtClean="0"/>
-              <a:pPr/>
-              <a:t>35</a:t>
-            </a:fld>
-            <a:endParaRPr lang="en-US"/>
-          </a:p>
-        </p:txBody>
-      </p:sp>
-    </p:spTree>
-    <p:extLst>
-      <p:ext uri="{BB962C8B-B14F-4D97-AF65-F5344CB8AC3E}">
-        <p14:creationId xmlns:p14="http://schemas.microsoft.com/office/powerpoint/2010/main" xmlns="" val="3992340815"/>
-      </p:ext>
-    </p:extLst>
-  </p:cSld>
-  <p:clrMapOvr>
-    <a:masterClrMapping/>
-  </p:clrMapOvr>
-  <p:timing>
-    <p:tnLst>
-      <p:par>
-        <p:cTn id="1" dur="indefinite" restart="never" nodeType="tmRoot"/>
-      </p:par>
-    </p:tnLst>
-  </p:timing>
-</p:sld>
-</file>
-
-<file path=ppt/slides/slide36.xml><?xml version="1.0" encoding="utf-8"?>
-<p:sld xmlns:a="http://schemas.openxmlformats.org/drawingml/2006/main" xmlns:r="http://schemas.openxmlformats.org/officeDocument/2006/relationships" xmlns:p="http://schemas.openxmlformats.org/presentationml/2006/main">
-  <p:cSld>
-    <p:spTree>
-      <p:nvGrpSpPr>
-        <p:cNvPr id="1" name=""/>
-        <p:cNvGrpSpPr/>
-        <p:nvPr/>
-      </p:nvGrpSpPr>
-      <p:grpSpPr>
-        <a:xfrm>
-          <a:off x="0" y="0"/>
-          <a:ext cx="0" cy="0"/>
-          <a:chOff x="0" y="0"/>
-          <a:chExt cx="0" cy="0"/>
-        </a:xfrm>
-      </p:grpSpPr>
-      <p:sp>
-        <p:nvSpPr>
-          <p:cNvPr id="2" name="Title 1"/>
-          <p:cNvSpPr>
-            <a:spLocks noGrp="1"/>
-          </p:cNvSpPr>
-          <p:nvPr>
-            <p:ph type="title"/>
-          </p:nvPr>
-        </p:nvSpPr>
-        <p:spPr/>
-        <p:txBody>
-          <a:bodyPr/>
-          <a:lstStyle/>
-          <a:p>
-            <a:r>
-              <a:rPr lang="en-US" dirty="0" smtClean="0"/>
-              <a:t>Recommendations</a:t>
-            </a:r>
-            <a:endParaRPr lang="en-US" dirty="0"/>
-          </a:p>
-        </p:txBody>
-      </p:sp>
-      <p:sp>
-        <p:nvSpPr>
-          <p:cNvPr id="3" name="Content Placeholder 2"/>
-          <p:cNvSpPr>
-            <a:spLocks noGrp="1"/>
-          </p:cNvSpPr>
-          <p:nvPr>
-            <p:ph idx="1"/>
-          </p:nvPr>
-        </p:nvSpPr>
-        <p:spPr/>
-        <p:txBody>
-          <a:bodyPr>
-            <a:normAutofit/>
-          </a:bodyPr>
-          <a:lstStyle/>
-          <a:p>
-            <a:r>
-              <a:rPr lang="en-US" dirty="0" smtClean="0"/>
-              <a:t>Recommendations are a straightforward application of the Collaborative Filtering algorithm.</a:t>
-            </a:r>
-          </a:p>
-          <a:p>
-            <a:pPr lvl="1"/>
-            <a:r>
-              <a:rPr lang="en-US" dirty="0" smtClean="0"/>
-              <a:t>Collaborative filtering relates set A to set B.</a:t>
-            </a:r>
-          </a:p>
-          <a:p>
-            <a:pPr lvl="1"/>
-            <a:r>
-              <a:rPr lang="en-US" dirty="0" smtClean="0"/>
-              <a:t>Variables in set A are given a similarity metric based on expressed relations with set B.</a:t>
-            </a:r>
-          </a:p>
-          <a:p>
-            <a:pPr lvl="1"/>
-            <a:r>
-              <a:rPr lang="en-US" dirty="0" smtClean="0"/>
-              <a:t>We can then make guess that relations between individual members of set A can be predicted by those similar.</a:t>
-            </a:r>
-          </a:p>
-          <a:p>
-            <a:r>
-              <a:rPr lang="en-US" dirty="0" smtClean="0"/>
-              <a:t>Recommendations</a:t>
-            </a:r>
-          </a:p>
-          <a:p>
-            <a:pPr lvl="1"/>
-            <a:r>
-              <a:rPr lang="en-US" dirty="0" smtClean="0"/>
-              <a:t>Let’s call set A: users and set B: items (as this is the most obvious application of CF.</a:t>
-            </a:r>
-            <a:endParaRPr lang="en-US" dirty="0"/>
-          </a:p>
-          <a:p>
-            <a:pPr lvl="1"/>
-            <a:r>
-              <a:rPr lang="en-US" dirty="0" smtClean="0"/>
-              <a:t>We recommend items to users based on users’ expressed preferences.</a:t>
-            </a:r>
-          </a:p>
-        </p:txBody>
-      </p:sp>
-      <p:sp>
-        <p:nvSpPr>
-          <p:cNvPr id="4" name="Footer Placeholder 3"/>
-          <p:cNvSpPr>
-            <a:spLocks noGrp="1"/>
-          </p:cNvSpPr>
-          <p:nvPr>
-            <p:ph type="ftr" sz="quarter" idx="11"/>
-          </p:nvPr>
-        </p:nvSpPr>
-        <p:spPr/>
-        <p:txBody>
-          <a:bodyPr/>
-          <a:lstStyle/>
-          <a:p>
-            <a:r>
-              <a:rPr lang="en-US" smtClean="0"/>
-              <a:t>(c) ElephantScale.com 2014</a:t>
-            </a:r>
-            <a:endParaRPr lang="en-US"/>
-          </a:p>
-        </p:txBody>
-      </p:sp>
-      <p:sp>
-        <p:nvSpPr>
-          <p:cNvPr id="5" name="Slide Number Placeholder 4"/>
-          <p:cNvSpPr>
-            <a:spLocks noGrp="1"/>
-          </p:cNvSpPr>
-          <p:nvPr>
-            <p:ph type="sldNum" sz="quarter" idx="12"/>
-          </p:nvPr>
-        </p:nvSpPr>
-        <p:spPr/>
-        <p:txBody>
-          <a:bodyPr/>
-          <a:lstStyle/>
-          <a:p>
-            <a:fld id="{4AD8DDEF-9CD1-B641-ADE5-2BEE59567BE6}" type="slidenum">
-              <a:rPr lang="en-US" smtClean="0"/>
-              <a:pPr/>
-              <a:t>36</a:t>
-            </a:fld>
-            <a:endParaRPr lang="en-US"/>
-          </a:p>
-        </p:txBody>
-      </p:sp>
-    </p:spTree>
-    <p:extLst>
-      <p:ext uri="{BB962C8B-B14F-4D97-AF65-F5344CB8AC3E}">
-        <p14:creationId xmlns:p14="http://schemas.microsoft.com/office/powerpoint/2010/main" xmlns="" val="2174042868"/>
-      </p:ext>
-    </p:extLst>
-  </p:cSld>
-  <p:clrMapOvr>
-    <a:masterClrMapping/>
-  </p:clrMapOvr>
-  <p:timing>
-    <p:tnLst>
-      <p:par>
-        <p:cTn id="1" dur="indefinite" restart="never" nodeType="tmRoot"/>
-      </p:par>
-    </p:tnLst>
-  </p:timing>
-</p:sld>
-</file>
-
-<file path=ppt/slides/slide37.xml><?xml version="1.0" encoding="utf-8"?>
-<p:sld xmlns:a="http://schemas.openxmlformats.org/drawingml/2006/main" xmlns:r="http://schemas.openxmlformats.org/officeDocument/2006/relationships" xmlns:p="http://schemas.openxmlformats.org/presentationml/2006/main">
-  <p:cSld>
-    <p:spTree>
-      <p:nvGrpSpPr>
-        <p:cNvPr id="1" name=""/>
-        <p:cNvGrpSpPr/>
-        <p:nvPr/>
-      </p:nvGrpSpPr>
-      <p:grpSpPr>
-        <a:xfrm>
-          <a:off x="0" y="0"/>
-          <a:ext cx="0" cy="0"/>
-          <a:chOff x="0" y="0"/>
-          <a:chExt cx="0" cy="0"/>
-        </a:xfrm>
-      </p:grpSpPr>
-      <p:sp>
-        <p:nvSpPr>
-          <p:cNvPr id="2" name="Title 1"/>
-          <p:cNvSpPr>
-            <a:spLocks noGrp="1"/>
-          </p:cNvSpPr>
-          <p:nvPr>
-            <p:ph type="title"/>
-          </p:nvPr>
-        </p:nvSpPr>
-        <p:spPr/>
-        <p:txBody>
-          <a:bodyPr/>
-          <a:lstStyle/>
-          <a:p>
-            <a:r>
-              <a:rPr lang="en-US" dirty="0" smtClean="0"/>
-              <a:t>Collaborative Filtering</a:t>
-            </a:r>
-            <a:endParaRPr lang="en-US" dirty="0"/>
-          </a:p>
-        </p:txBody>
-      </p:sp>
-      <p:sp>
-        <p:nvSpPr>
-          <p:cNvPr id="3" name="Content Placeholder 2"/>
-          <p:cNvSpPr>
-            <a:spLocks noGrp="1"/>
-          </p:cNvSpPr>
-          <p:nvPr>
-            <p:ph idx="1"/>
-          </p:nvPr>
-        </p:nvSpPr>
-        <p:spPr/>
-        <p:txBody>
-          <a:bodyPr/>
-          <a:lstStyle/>
-          <a:p>
-            <a:r>
-              <a:rPr lang="en-US" dirty="0" smtClean="0"/>
-              <a:t>Collaborative Filtering (CF) is commonly used in Recommendations “Recommended For You” or “More Like This” functionality</a:t>
-            </a:r>
-          </a:p>
-          <a:p>
-            <a:r>
-              <a:rPr lang="en-US" dirty="0" smtClean="0"/>
-              <a:t>Recommendations can be explicit (based on user ratings), or implicit (based on user interest)</a:t>
-            </a:r>
-          </a:p>
-          <a:p>
-            <a:r>
-              <a:rPr lang="en-US" dirty="0" smtClean="0"/>
-              <a:t>CF is expressed as Users -&gt; Items</a:t>
-            </a:r>
-          </a:p>
-          <a:p>
-            <a:pPr lvl="1"/>
-            <a:r>
-              <a:rPr lang="en-US" dirty="0" smtClean="0"/>
-              <a:t>However, any correlation could be modeled as users to items.</a:t>
-            </a:r>
-          </a:p>
-          <a:p>
-            <a:r>
-              <a:rPr lang="en-US" dirty="0" smtClean="0"/>
-              <a:t>Users and Items could be the same (example: dating site)</a:t>
-            </a:r>
-          </a:p>
-          <a:p>
-            <a:endParaRPr lang="en-US" dirty="0" smtClean="0"/>
-          </a:p>
-          <a:p>
-            <a:endParaRPr lang="en-US" dirty="0"/>
-          </a:p>
-        </p:txBody>
-      </p:sp>
-      <p:sp>
-        <p:nvSpPr>
-          <p:cNvPr id="4" name="Footer Placeholder 3"/>
-          <p:cNvSpPr>
-            <a:spLocks noGrp="1"/>
-          </p:cNvSpPr>
-          <p:nvPr>
-            <p:ph type="ftr" sz="quarter" idx="11"/>
-          </p:nvPr>
-        </p:nvSpPr>
-        <p:spPr/>
-        <p:txBody>
-          <a:bodyPr/>
-          <a:lstStyle/>
-          <a:p>
-            <a:r>
-              <a:rPr lang="en-US" smtClean="0"/>
-              <a:t>(c) ElephantScale.com 2014</a:t>
-            </a:r>
-            <a:endParaRPr lang="en-US"/>
-          </a:p>
-        </p:txBody>
-      </p:sp>
-      <p:sp>
-        <p:nvSpPr>
-          <p:cNvPr id="5" name="Slide Number Placeholder 4"/>
-          <p:cNvSpPr>
-            <a:spLocks noGrp="1"/>
-          </p:cNvSpPr>
-          <p:nvPr>
-            <p:ph type="sldNum" sz="quarter" idx="12"/>
-          </p:nvPr>
-        </p:nvSpPr>
-        <p:spPr/>
-        <p:txBody>
-          <a:bodyPr/>
-          <a:lstStyle/>
-          <a:p>
-            <a:fld id="{4AD8DDEF-9CD1-B641-ADE5-2BEE59567BE6}" type="slidenum">
-              <a:rPr lang="en-US" smtClean="0"/>
-              <a:pPr/>
-              <a:t>37</a:t>
-            </a:fld>
-            <a:endParaRPr lang="en-US"/>
-          </a:p>
-        </p:txBody>
-      </p:sp>
-    </p:spTree>
-    <p:extLst>
-      <p:ext uri="{BB962C8B-B14F-4D97-AF65-F5344CB8AC3E}">
-        <p14:creationId xmlns:p14="http://schemas.microsoft.com/office/powerpoint/2010/main" xmlns="" val="376185666"/>
-      </p:ext>
-    </p:extLst>
-  </p:cSld>
-  <p:clrMapOvr>
-    <a:masterClrMapping/>
-  </p:clrMapOvr>
-  <p:timing>
-    <p:tnLst>
-      <p:par>
-        <p:cTn id="1" dur="indefinite" restart="never" nodeType="tmRoot"/>
-      </p:par>
-    </p:tnLst>
-  </p:timing>
-</p:sld>
-</file>
-
-<file path=ppt/slides/slide38.xml><?xml version="1.0" encoding="utf-8"?>
-<p:sld xmlns:a="http://schemas.openxmlformats.org/drawingml/2006/main" xmlns:r="http://schemas.openxmlformats.org/officeDocument/2006/relationships" xmlns:p="http://schemas.openxmlformats.org/presentationml/2006/main">
-  <p:cSld>
-    <p:spTree>
-      <p:nvGrpSpPr>
-        <p:cNvPr id="1" name=""/>
-        <p:cNvGrpSpPr/>
-        <p:nvPr/>
-      </p:nvGrpSpPr>
-      <p:grpSpPr>
-        <a:xfrm>
-          <a:off x="0" y="0"/>
-          <a:ext cx="0" cy="0"/>
-          <a:chOff x="0" y="0"/>
-          <a:chExt cx="0" cy="0"/>
-        </a:xfrm>
-      </p:grpSpPr>
-      <p:sp>
-        <p:nvSpPr>
-          <p:cNvPr id="2" name="Title 1"/>
-          <p:cNvSpPr>
-            <a:spLocks noGrp="1"/>
-          </p:cNvSpPr>
-          <p:nvPr>
-            <p:ph type="title"/>
-          </p:nvPr>
-        </p:nvSpPr>
-        <p:spPr/>
-        <p:txBody>
-          <a:bodyPr/>
-          <a:lstStyle/>
-          <a:p>
-            <a:r>
-              <a:rPr lang="en-US" dirty="0" smtClean="0"/>
-              <a:t>Ratings Matrix : Users / Movies</a:t>
-            </a:r>
-            <a:endParaRPr lang="en-US" dirty="0"/>
-          </a:p>
-        </p:txBody>
-      </p:sp>
-      <p:pic>
-        <p:nvPicPr>
-          <p:cNvPr id="4" name="Content Placeholder 3" descr="Screen Shot 2014-06-17 at 11.20.02 PM.png"/>
-          <p:cNvPicPr>
-            <a:picLocks noGrp="1" noChangeAspect="1"/>
-          </p:cNvPicPr>
-          <p:nvPr>
-            <p:ph idx="1"/>
-          </p:nvPr>
-        </p:nvPicPr>
-        <p:blipFill>
-          <a:blip r:embed="rId2">
-            <a:extLst>
-              <a:ext uri="{28A0092B-C50C-407E-A947-70E740481C1C}">
-                <a14:useLocalDpi xmlns:a14="http://schemas.microsoft.com/office/drawing/2010/main" xmlns="" val="0"/>
-              </a:ext>
-            </a:extLst>
-          </a:blip>
-          <a:srcRect t="-13879" b="-13879"/>
-          <a:stretch>
-            <a:fillRect/>
-          </a:stretch>
-        </p:blipFill>
-        <p:spPr/>
-      </p:pic>
-      <p:sp>
-        <p:nvSpPr>
-          <p:cNvPr id="3" name="Footer Placeholder 2"/>
-          <p:cNvSpPr>
-            <a:spLocks noGrp="1"/>
-          </p:cNvSpPr>
-          <p:nvPr>
-            <p:ph type="ftr" sz="quarter" idx="11"/>
-          </p:nvPr>
-        </p:nvSpPr>
-        <p:spPr/>
-        <p:txBody>
-          <a:bodyPr/>
-          <a:lstStyle/>
-          <a:p>
-            <a:r>
-              <a:rPr lang="en-US" smtClean="0"/>
-              <a:t>(c) ElephantScale.com 2014</a:t>
-            </a:r>
-            <a:endParaRPr lang="en-US"/>
-          </a:p>
-        </p:txBody>
-      </p:sp>
-      <p:sp>
-        <p:nvSpPr>
-          <p:cNvPr id="5" name="Slide Number Placeholder 4"/>
-          <p:cNvSpPr>
-            <a:spLocks noGrp="1"/>
-          </p:cNvSpPr>
-          <p:nvPr>
-            <p:ph type="sldNum" sz="quarter" idx="12"/>
-          </p:nvPr>
-        </p:nvSpPr>
-        <p:spPr/>
-        <p:txBody>
-          <a:bodyPr/>
-          <a:lstStyle/>
-          <a:p>
-            <a:fld id="{4AD8DDEF-9CD1-B641-ADE5-2BEE59567BE6}" type="slidenum">
-              <a:rPr lang="en-US" smtClean="0"/>
-              <a:pPr/>
-              <a:t>38</a:t>
-            </a:fld>
-            <a:endParaRPr lang="en-US"/>
-          </a:p>
-        </p:txBody>
-      </p:sp>
-    </p:spTree>
-    <p:extLst>
-      <p:ext uri="{BB962C8B-B14F-4D97-AF65-F5344CB8AC3E}">
-        <p14:creationId xmlns:p14="http://schemas.microsoft.com/office/powerpoint/2010/main" xmlns="" val="3658327973"/>
-      </p:ext>
-    </p:extLst>
-  </p:cSld>
-  <p:clrMapOvr>
-    <a:masterClrMapping/>
-  </p:clrMapOvr>
-  <p:timing>
-    <p:tnLst>
-      <p:par>
-        <p:cTn id="1" dur="indefinite" restart="never" nodeType="tmRoot"/>
-      </p:par>
-    </p:tnLst>
-  </p:timing>
-</p:sld>
-</file>
-
-<file path=ppt/slides/slide39.xml><?xml version="1.0" encoding="utf-8"?>
-<p:sld xmlns:a="http://schemas.openxmlformats.org/drawingml/2006/main" xmlns:r="http://schemas.openxmlformats.org/officeDocument/2006/relationships" xmlns:p="http://schemas.openxmlformats.org/presentationml/2006/main">
-  <p:cSld>
-    <p:spTree>
-      <p:nvGrpSpPr>
-        <p:cNvPr id="1" name=""/>
-        <p:cNvGrpSpPr/>
-        <p:nvPr/>
-      </p:nvGrpSpPr>
-      <p:grpSpPr>
-        <a:xfrm>
-          <a:off x="0" y="0"/>
-          <a:ext cx="0" cy="0"/>
-          <a:chOff x="0" y="0"/>
-          <a:chExt cx="0" cy="0"/>
-        </a:xfrm>
-      </p:grpSpPr>
-      <p:sp>
-        <p:nvSpPr>
-          <p:cNvPr id="2" name="Title 1"/>
-          <p:cNvSpPr>
-            <a:spLocks noGrp="1"/>
-          </p:cNvSpPr>
-          <p:nvPr>
-            <p:ph type="title"/>
-          </p:nvPr>
-        </p:nvSpPr>
-        <p:spPr/>
-        <p:txBody>
-          <a:bodyPr/>
-          <a:lstStyle/>
-          <a:p>
-            <a:r>
-              <a:rPr lang="en-US" dirty="0" smtClean="0"/>
-              <a:t>Item Ratings Matrix</a:t>
-            </a:r>
-            <a:endParaRPr lang="en-US" dirty="0"/>
-          </a:p>
-        </p:txBody>
-      </p:sp>
-      <p:pic>
-        <p:nvPicPr>
-          <p:cNvPr id="4" name="Content Placeholder 3" descr="Screen Shot 2014-06-17 at 11.29.51 PM.png"/>
-          <p:cNvPicPr>
-            <a:picLocks noGrp="1" noChangeAspect="1"/>
-          </p:cNvPicPr>
-          <p:nvPr>
-            <p:ph idx="1"/>
-          </p:nvPr>
-        </p:nvPicPr>
-        <p:blipFill>
-          <a:blip r:embed="rId2">
-            <a:extLst>
-              <a:ext uri="{28A0092B-C50C-407E-A947-70E740481C1C}">
-                <a14:useLocalDpi xmlns:a14="http://schemas.microsoft.com/office/drawing/2010/main" xmlns="" val="0"/>
-              </a:ext>
-            </a:extLst>
-          </a:blip>
-          <a:srcRect l="-14843" r="-14843"/>
-          <a:stretch>
-            <a:fillRect/>
-          </a:stretch>
-        </p:blipFill>
-        <p:spPr/>
-      </p:pic>
-      <p:sp>
-        <p:nvSpPr>
-          <p:cNvPr id="3" name="Footer Placeholder 2"/>
-          <p:cNvSpPr>
-            <a:spLocks noGrp="1"/>
-          </p:cNvSpPr>
-          <p:nvPr>
-            <p:ph type="ftr" sz="quarter" idx="11"/>
-          </p:nvPr>
-        </p:nvSpPr>
-        <p:spPr/>
-        <p:txBody>
-          <a:bodyPr/>
-          <a:lstStyle/>
-          <a:p>
-            <a:r>
-              <a:rPr lang="en-US" dirty="0" smtClean="0"/>
-              <a:t>(c) ElephantScale.com 2014</a:t>
-            </a:r>
-            <a:endParaRPr lang="en-US" dirty="0"/>
-          </a:p>
-        </p:txBody>
-      </p:sp>
-      <p:sp>
-        <p:nvSpPr>
-          <p:cNvPr id="5" name="Slide Number Placeholder 4"/>
-          <p:cNvSpPr>
-            <a:spLocks noGrp="1"/>
-          </p:cNvSpPr>
-          <p:nvPr>
-            <p:ph type="sldNum" sz="quarter" idx="12"/>
-          </p:nvPr>
-        </p:nvSpPr>
-        <p:spPr/>
-        <p:txBody>
-          <a:bodyPr/>
-          <a:lstStyle/>
-          <a:p>
-            <a:fld id="{4AD8DDEF-9CD1-B641-ADE5-2BEE59567BE6}" type="slidenum">
-              <a:rPr lang="en-US" smtClean="0"/>
-              <a:pPr/>
-              <a:t>39</a:t>
-            </a:fld>
-            <a:endParaRPr lang="en-US" dirty="0"/>
-          </a:p>
-        </p:txBody>
-      </p:sp>
-    </p:spTree>
-    <p:extLst>
-      <p:ext uri="{BB962C8B-B14F-4D97-AF65-F5344CB8AC3E}">
-        <p14:creationId xmlns:p14="http://schemas.microsoft.com/office/powerpoint/2010/main" xmlns="" val="2784375879"/>
       </p:ext>
     </p:extLst>
   </p:cSld>
@@ -16222,290 +17187,41 @@
           <a:lstStyle/>
           <a:p>
             <a:r>
-              <a:rPr lang="en-US" dirty="0" err="1" smtClean="0"/>
-              <a:t>MLlib</a:t>
-            </a:r>
-            <a:r>
-              <a:rPr lang="en-US" dirty="0" smtClean="0"/>
-              <a:t> &amp; Recommendations</a:t>
+              <a:rPr lang="en-US" dirty="0" smtClean="0"/>
+              <a:t>Recommendations From Netflix (With Profiles)</a:t>
             </a:r>
             <a:endParaRPr lang="en-US" dirty="0"/>
           </a:p>
         </p:txBody>
       </p:sp>
-      <p:sp>
-        <p:nvSpPr>
-          <p:cNvPr id="3" name="Content Placeholder 2"/>
-          <p:cNvSpPr>
-            <a:spLocks noGrp="1"/>
-          </p:cNvSpPr>
+      <p:pic>
+        <p:nvPicPr>
+          <p:cNvPr id="4" name="Content Placeholder 3" descr="Screen Shot 2014-06-17 at 11.14.01 PM.png"/>
+          <p:cNvPicPr>
+            <a:picLocks noGrp="1" noChangeAspect="1"/>
+          </p:cNvPicPr>
           <p:nvPr>
             <p:ph idx="1"/>
           </p:nvPr>
-        </p:nvSpPr>
-        <p:spPr/>
-        <p:txBody>
-          <a:bodyPr>
-            <a:normAutofit lnSpcReduction="10000"/>
-          </a:bodyPr>
-          <a:lstStyle/>
-          <a:p>
-            <a:r>
-              <a:rPr lang="en-US" dirty="0" smtClean="0"/>
-              <a:t>Uses the Recommendations.ALS</a:t>
-            </a:r>
-          </a:p>
-          <a:p>
-            <a:r>
-              <a:rPr lang="en-US" dirty="0" smtClean="0"/>
-              <a:t>ALS = Alternating Least Squares algorithm</a:t>
-            </a:r>
-          </a:p>
-          <a:p>
-            <a:r>
-              <a:rPr lang="en-US" dirty="0" smtClean="0"/>
-              <a:t>Train Model using number of iterations and rank.</a:t>
-            </a:r>
-          </a:p>
-          <a:p>
-            <a:r>
-              <a:rPr lang="en-US" dirty="0" smtClean="0"/>
-              <a:t>Class “Rating”, contains a </a:t>
-            </a:r>
-            <a:r>
-              <a:rPr lang="en-US" dirty="0" err="1" smtClean="0"/>
-              <a:t>UserId</a:t>
-            </a:r>
-            <a:r>
-              <a:rPr lang="en-US" dirty="0" smtClean="0"/>
-              <a:t>, </a:t>
-            </a:r>
-            <a:r>
-              <a:rPr lang="en-US" dirty="0" err="1" smtClean="0"/>
-              <a:t>ItemId</a:t>
-            </a:r>
-            <a:r>
-              <a:rPr lang="en-US" dirty="0" smtClean="0"/>
-              <a:t>, and numeric rating (i.e. 0-5).  </a:t>
-            </a:r>
-          </a:p>
-          <a:p>
-            <a:pPr lvl="1"/>
-            <a:r>
-              <a:rPr lang="en-US" b="1" dirty="0" err="1" smtClean="0">
-                <a:latin typeface="Courier New" pitchFamily="49" charset="0"/>
-                <a:cs typeface="Courier New" pitchFamily="49" charset="0"/>
-              </a:rPr>
-              <a:t>val</a:t>
-            </a:r>
-            <a:r>
-              <a:rPr lang="en-US" dirty="0" smtClean="0">
-                <a:latin typeface="Courier New" pitchFamily="49" charset="0"/>
-                <a:cs typeface="Courier New" pitchFamily="49" charset="0"/>
-              </a:rPr>
-              <a:t> ratings </a:t>
-            </a:r>
-            <a:r>
-              <a:rPr lang="en-US" b="1" dirty="0" smtClean="0">
-                <a:latin typeface="Courier New" pitchFamily="49" charset="0"/>
-                <a:cs typeface="Courier New" pitchFamily="49" charset="0"/>
-              </a:rPr>
-              <a:t>=</a:t>
-            </a:r>
-            <a:r>
-              <a:rPr lang="en-US" dirty="0" smtClean="0">
-                <a:latin typeface="Courier New" pitchFamily="49" charset="0"/>
-                <a:cs typeface="Courier New" pitchFamily="49" charset="0"/>
-              </a:rPr>
-              <a:t> data.map(</a:t>
-            </a:r>
-            <a:r>
-              <a:rPr lang="en-US" b="1" dirty="0" smtClean="0">
-                <a:latin typeface="Courier New" pitchFamily="49" charset="0"/>
-                <a:cs typeface="Courier New" pitchFamily="49" charset="0"/>
-              </a:rPr>
-              <a:t>_</a:t>
-            </a:r>
-            <a:r>
-              <a:rPr lang="en-US" dirty="0" smtClean="0">
-                <a:latin typeface="Courier New" pitchFamily="49" charset="0"/>
-                <a:cs typeface="Courier New" pitchFamily="49" charset="0"/>
-              </a:rPr>
-              <a:t>.split(',') </a:t>
-            </a:r>
-            <a:r>
-              <a:rPr lang="en-US" b="1" dirty="0" smtClean="0">
-                <a:latin typeface="Courier New" pitchFamily="49" charset="0"/>
-                <a:cs typeface="Courier New" pitchFamily="49" charset="0"/>
-              </a:rPr>
-              <a:t>match</a:t>
-            </a:r>
-            <a:r>
-              <a:rPr lang="en-US" dirty="0" smtClean="0">
-                <a:latin typeface="Courier New" pitchFamily="49" charset="0"/>
-                <a:cs typeface="Courier New" pitchFamily="49" charset="0"/>
-              </a:rPr>
-              <a:t> { </a:t>
-            </a:r>
-            <a:r>
-              <a:rPr lang="en-US" b="1" dirty="0" smtClean="0">
-                <a:latin typeface="Courier New" pitchFamily="49" charset="0"/>
-                <a:cs typeface="Courier New" pitchFamily="49" charset="0"/>
-              </a:rPr>
-              <a:t>case</a:t>
-            </a:r>
-            <a:r>
-              <a:rPr lang="en-US" dirty="0" smtClean="0">
-                <a:latin typeface="Courier New" pitchFamily="49" charset="0"/>
-                <a:cs typeface="Courier New" pitchFamily="49" charset="0"/>
-              </a:rPr>
-              <a:t> </a:t>
-            </a:r>
-            <a:r>
-              <a:rPr lang="en-US" b="1" dirty="0" smtClean="0">
-                <a:latin typeface="Courier New" pitchFamily="49" charset="0"/>
-                <a:cs typeface="Courier New" pitchFamily="49" charset="0"/>
-              </a:rPr>
-              <a:t>Array</a:t>
-            </a:r>
-            <a:r>
-              <a:rPr lang="en-US" dirty="0" smtClean="0">
-                <a:latin typeface="Courier New" pitchFamily="49" charset="0"/>
-                <a:cs typeface="Courier New" pitchFamily="49" charset="0"/>
-              </a:rPr>
-              <a:t>(user, item, rate) </a:t>
-            </a:r>
-            <a:r>
-              <a:rPr lang="en-US" b="1" dirty="0" smtClean="0">
-                <a:latin typeface="Courier New" pitchFamily="49" charset="0"/>
-                <a:cs typeface="Courier New" pitchFamily="49" charset="0"/>
-              </a:rPr>
-              <a:t>=&gt;</a:t>
-            </a:r>
-            <a:r>
-              <a:rPr lang="en-US" dirty="0" smtClean="0">
-                <a:latin typeface="Courier New" pitchFamily="49" charset="0"/>
-                <a:cs typeface="Courier New" pitchFamily="49" charset="0"/>
-              </a:rPr>
-              <a:t> </a:t>
-            </a:r>
-            <a:r>
-              <a:rPr lang="en-US" b="1" dirty="0" smtClean="0">
-                <a:latin typeface="Courier New" pitchFamily="49" charset="0"/>
-                <a:cs typeface="Courier New" pitchFamily="49" charset="0"/>
-              </a:rPr>
-              <a:t>Rating</a:t>
-            </a:r>
-            <a:r>
-              <a:rPr lang="en-US" dirty="0" smtClean="0">
-                <a:latin typeface="Courier New" pitchFamily="49" charset="0"/>
-                <a:cs typeface="Courier New" pitchFamily="49" charset="0"/>
-              </a:rPr>
-              <a:t>(</a:t>
-            </a:r>
-            <a:r>
-              <a:rPr lang="en-US" dirty="0" err="1" smtClean="0">
-                <a:latin typeface="Courier New" pitchFamily="49" charset="0"/>
-                <a:cs typeface="Courier New" pitchFamily="49" charset="0"/>
-              </a:rPr>
-              <a:t>user.toInt</a:t>
-            </a:r>
-            <a:r>
-              <a:rPr lang="en-US" dirty="0" smtClean="0">
-                <a:latin typeface="Courier New" pitchFamily="49" charset="0"/>
-                <a:cs typeface="Courier New" pitchFamily="49" charset="0"/>
-              </a:rPr>
-              <a:t>, </a:t>
-            </a:r>
-            <a:r>
-              <a:rPr lang="en-US" dirty="0" err="1" smtClean="0">
-                <a:latin typeface="Courier New" pitchFamily="49" charset="0"/>
-                <a:cs typeface="Courier New" pitchFamily="49" charset="0"/>
-              </a:rPr>
-              <a:t>item.toInt</a:t>
-            </a:r>
-            <a:r>
-              <a:rPr lang="en-US" dirty="0" smtClean="0">
-                <a:latin typeface="Courier New" pitchFamily="49" charset="0"/>
-                <a:cs typeface="Courier New" pitchFamily="49" charset="0"/>
-              </a:rPr>
-              <a:t>, </a:t>
-            </a:r>
-            <a:r>
-              <a:rPr lang="en-US" dirty="0" err="1" smtClean="0">
-                <a:latin typeface="Courier New" pitchFamily="49" charset="0"/>
-                <a:cs typeface="Courier New" pitchFamily="49" charset="0"/>
-              </a:rPr>
-              <a:t>rate.toDouble</a:t>
-            </a:r>
-            <a:r>
-              <a:rPr lang="en-US" dirty="0" smtClean="0">
-                <a:latin typeface="Courier New" pitchFamily="49" charset="0"/>
-                <a:cs typeface="Courier New" pitchFamily="49" charset="0"/>
-              </a:rPr>
-              <a:t>) })</a:t>
-            </a:r>
-          </a:p>
-          <a:p>
-            <a:r>
-              <a:rPr lang="en-US" dirty="0" smtClean="0"/>
-              <a:t>Train model using training data:</a:t>
-            </a:r>
-          </a:p>
-          <a:p>
-            <a:pPr lvl="1"/>
-            <a:r>
-              <a:rPr lang="sv-SE" b="1" dirty="0" smtClean="0">
-                <a:latin typeface="Courier New" pitchFamily="49" charset="0"/>
-                <a:cs typeface="Courier New" pitchFamily="49" charset="0"/>
-              </a:rPr>
-              <a:t>val</a:t>
-            </a:r>
-            <a:r>
-              <a:rPr lang="sv-SE" dirty="0" smtClean="0">
-                <a:latin typeface="Courier New" pitchFamily="49" charset="0"/>
-                <a:cs typeface="Courier New" pitchFamily="49" charset="0"/>
-              </a:rPr>
-              <a:t> model </a:t>
-            </a:r>
-            <a:r>
-              <a:rPr lang="sv-SE" b="1" dirty="0" smtClean="0">
-                <a:latin typeface="Courier New" pitchFamily="49" charset="0"/>
-                <a:cs typeface="Courier New" pitchFamily="49" charset="0"/>
-              </a:rPr>
-              <a:t>=</a:t>
-            </a:r>
-            <a:r>
-              <a:rPr lang="sv-SE" dirty="0" smtClean="0">
-                <a:latin typeface="Courier New" pitchFamily="49" charset="0"/>
-                <a:cs typeface="Courier New" pitchFamily="49" charset="0"/>
-              </a:rPr>
-              <a:t> </a:t>
-            </a:r>
-            <a:r>
-              <a:rPr lang="sv-SE" b="1" dirty="0" smtClean="0">
-                <a:latin typeface="Courier New" pitchFamily="49" charset="0"/>
-                <a:cs typeface="Courier New" pitchFamily="49" charset="0"/>
-              </a:rPr>
-              <a:t>ALS</a:t>
-            </a:r>
-            <a:r>
-              <a:rPr lang="sv-SE" dirty="0" smtClean="0">
-                <a:latin typeface="Courier New" pitchFamily="49" charset="0"/>
-                <a:cs typeface="Courier New" pitchFamily="49" charset="0"/>
-              </a:rPr>
-              <a:t>.train(ratings, rank, numIterations, 0.01)</a:t>
-            </a:r>
-          </a:p>
-          <a:p>
-            <a:pPr lvl="1"/>
-            <a:endParaRPr lang="en-US" dirty="0"/>
-          </a:p>
-        </p:txBody>
-      </p:sp>
-      <p:sp>
-        <p:nvSpPr>
-          <p:cNvPr id="4" name="Footer Placeholder 3"/>
+        </p:nvPicPr>
+        <p:blipFill>
+          <a:blip r:embed="rId2">
+            <a:extLst>
+              <a:ext uri="{28A0092B-C50C-407E-A947-70E740481C1C}">
+                <a14:useLocalDpi xmlns:a14="http://schemas.microsoft.com/office/drawing/2010/main" xmlns="" val="0"/>
+              </a:ext>
+            </a:extLst>
+          </a:blip>
+          <a:srcRect t="-736" b="-736"/>
+          <a:stretch>
+            <a:fillRect/>
+          </a:stretch>
+        </p:blipFill>
+        <p:spPr/>
+      </p:pic>
+      <p:sp>
+        <p:nvSpPr>
+          <p:cNvPr id="3" name="Footer Placeholder 2"/>
           <p:cNvSpPr>
             <a:spLocks noGrp="1"/>
           </p:cNvSpPr>
@@ -16553,7 +17269,7 @@
     </p:spTree>
     <p:extLst>
       <p:ext uri="{BB962C8B-B14F-4D97-AF65-F5344CB8AC3E}">
-        <p14:creationId xmlns:p14="http://schemas.microsoft.com/office/powerpoint/2010/main" xmlns="" val="1251454248"/>
+        <p14:creationId xmlns:p14="http://schemas.microsoft.com/office/powerpoint/2010/main" xmlns="" val="3992340815"/>
       </p:ext>
     </p:extLst>
   </p:cSld>
@@ -16604,7 +17320,7 @@
           <a:p>
             <a:r>
               <a:rPr lang="en-US" dirty="0" smtClean="0"/>
-              <a:t>Making a Prediction</a:t>
+              <a:t>Recommendations</a:t>
             </a:r>
             <a:endParaRPr lang="en-US" dirty="0"/>
           </a:p>
@@ -16622,104 +17338,58 @@
         </p:nvSpPr>
         <p:spPr/>
         <p:txBody>
-          <a:bodyPr/>
-          <a:lstStyle/>
-          <a:p>
-            <a:r>
-              <a:rPr lang="en-US" dirty="0" smtClean="0"/>
-              <a:t>Use predict method on model (like regression/classification) </a:t>
+          <a:bodyPr>
+            <a:normAutofit/>
+          </a:bodyPr>
+          <a:lstStyle/>
+          <a:p>
+            <a:r>
+              <a:rPr lang="en-US" dirty="0" smtClean="0"/>
+              <a:t>Recommendations are a straightforward application of the Collaborative Filtering algorithm.</a:t>
             </a:r>
           </a:p>
           <a:p>
             <a:pPr lvl="1"/>
             <a:r>
-              <a:rPr lang="en-US" dirty="0" smtClean="0">
-                <a:latin typeface="Courier New" pitchFamily="49" charset="0"/>
-                <a:cs typeface="Courier New" pitchFamily="49" charset="0"/>
-              </a:rPr>
-              <a:t>import </a:t>
-            </a:r>
-            <a:r>
-              <a:rPr lang="en-US" dirty="0" err="1" smtClean="0">
-                <a:latin typeface="Courier New" pitchFamily="49" charset="0"/>
-                <a:cs typeface="Courier New" pitchFamily="49" charset="0"/>
-              </a:rPr>
-              <a:t>org.apache.spark.mllib.recommendation.ALS</a:t>
-            </a:r>
-            <a:endParaRPr lang="en-US" dirty="0" smtClean="0">
-              <a:latin typeface="Courier New" pitchFamily="49" charset="0"/>
-              <a:cs typeface="Courier New" pitchFamily="49" charset="0"/>
-            </a:endParaRPr>
-          </a:p>
-          <a:p>
-            <a:pPr lvl="1">
-              <a:buNone/>
-            </a:pPr>
-            <a:r>
-              <a:rPr lang="en-US" dirty="0" smtClean="0">
-                <a:latin typeface="Courier New" pitchFamily="49" charset="0"/>
-                <a:cs typeface="Courier New" pitchFamily="49" charset="0"/>
-              </a:rPr>
-              <a:t> import </a:t>
-            </a:r>
-            <a:r>
-              <a:rPr lang="en-US" dirty="0" err="1" smtClean="0">
-                <a:latin typeface="Courier New" pitchFamily="49" charset="0"/>
-                <a:cs typeface="Courier New" pitchFamily="49" charset="0"/>
-              </a:rPr>
-              <a:t>org.apache.spark.mllib.recommendation.Rating</a:t>
-            </a:r>
-            <a:endParaRPr lang="en-US" dirty="0" smtClean="0">
-              <a:latin typeface="Courier New" pitchFamily="49" charset="0"/>
-              <a:cs typeface="Courier New" pitchFamily="49" charset="0"/>
-            </a:endParaRPr>
+              <a:rPr lang="en-US" dirty="0" smtClean="0"/>
+              <a:t>Collaborative filtering relates set A to set B.</a:t>
+            </a:r>
           </a:p>
           <a:p>
             <a:pPr lvl="1"/>
             <a:r>
-              <a:rPr lang="en-US" dirty="0" err="1" smtClean="0">
-                <a:latin typeface="Courier New" pitchFamily="49" charset="0"/>
-                <a:cs typeface="Courier New" pitchFamily="49" charset="0"/>
-              </a:rPr>
-              <a:t>Model.predict</a:t>
-            </a:r>
-            <a:r>
-              <a:rPr lang="en-US" dirty="0" smtClean="0">
-                <a:latin typeface="Courier New" pitchFamily="49" charset="0"/>
-                <a:cs typeface="Courier New" pitchFamily="49" charset="0"/>
-              </a:rPr>
-              <a:t>(</a:t>
-            </a:r>
-            <a:r>
-              <a:rPr lang="en-US" dirty="0" err="1" smtClean="0">
-                <a:latin typeface="Courier New" pitchFamily="49" charset="0"/>
-                <a:cs typeface="Courier New" pitchFamily="49" charset="0"/>
-              </a:rPr>
-              <a:t>RDDUsersItems</a:t>
-            </a:r>
-            <a:r>
-              <a:rPr lang="en-US" dirty="0" smtClean="0">
-                <a:latin typeface="Courier New" pitchFamily="49" charset="0"/>
-                <a:cs typeface="Courier New" pitchFamily="49" charset="0"/>
-              </a:rPr>
-              <a:t>)</a:t>
+              <a:rPr lang="en-US" dirty="0" smtClean="0"/>
+              <a:t>Variables in set A are given a similarity metric based on expressed relations with set B.</a:t>
             </a:r>
           </a:p>
           <a:p>
             <a:pPr lvl="1"/>
             <a:r>
               <a:rPr lang="en-US" dirty="0" smtClean="0"/>
-              <a:t>Input Takes an RDD of user – item pairs as argument(NOT Ratings)</a:t>
+              <a:t>We can then make guess that relations between individual members of set A can be predicted by those similar.</a:t>
+            </a:r>
+          </a:p>
+          <a:p>
+            <a:r>
+              <a:rPr lang="en-US" dirty="0" smtClean="0"/>
+              <a:t>Recommendations</a:t>
             </a:r>
           </a:p>
           <a:p>
             <a:pPr lvl="1"/>
             <a:r>
               <a:rPr lang="en-US" dirty="0" smtClean="0"/>
-              <a:t>Returns RDD of Rating (user, item, double rating)</a:t>
+              <a:t>Let’s call set A: users and set B: items (as this is the most obvious application of CF.</a:t>
             </a:r>
             <a:endParaRPr lang="en-US" dirty="0"/>
           </a:p>
+          <a:p>
+            <a:pPr lvl="1"/>
+            <a:r>
+              <a:rPr lang="en-US" dirty="0" smtClean="0"/>
+              <a:t>We recommend items to users based on users’ expressed preferences.</a:t>
+            </a:r>
+          </a:p>
         </p:txBody>
       </p:sp>
       <p:sp>
@@ -16739,17 +17409,53 @@
           <a:p>
             <a:r>
               <a:rPr lang="en-US" smtClean="0"/>
-              <a:t>© Elephant Scale, 2014</a:t>
-            </a:r>
-            <a:endParaRPr lang="en-US" dirty="0"/>
+              <a:t>(c) ElephantScale.com 2014</a:t>
+            </a:r>
+            <a:endParaRPr lang="en-US"/>
+          </a:p>
+        </p:txBody>
+      </p:sp>
+      <p:sp>
+        <p:nvSpPr>
+          <p:cNvPr id="5" name="Slide Number Placeholder 4"/>
+          <p:cNvSpPr>
+            <a:spLocks noGrp="1"/>
+          </p:cNvSpPr>
+          <p:nvPr>
+            <p:ph type="sldNum" sz="quarter" idx="12"/>
+          </p:nvPr>
+        </p:nvSpPr>
+        <p:spPr/>
+        <p:txBody>
+          <a:bodyPr/>
+          <a:lstStyle/>
+          <a:p>
+            <a:fld id="{4AD8DDEF-9CD1-B641-ADE5-2BEE59567BE6}" type="slidenum">
+              <a:rPr lang="en-US" smtClean="0"/>
+              <a:pPr/>
+              <a:t>41</a:t>
+            </a:fld>
+            <a:endParaRPr lang="en-US"/>
           </a:p>
         </p:txBody>
       </p:sp>
     </p:spTree>
+    <p:extLst>
+      <p:ext uri="{BB962C8B-B14F-4D97-AF65-F5344CB8AC3E}">
+        <p14:creationId xmlns:p14="http://schemas.microsoft.com/office/powerpoint/2010/main" xmlns="" val="2174042868"/>
+      </p:ext>
+    </p:extLst>
   </p:cSld>
   <p:clrMapOvr>
     <a:masterClrMapping/>
   </p:clrMapOvr>
+  <p:timing>
+    <p:tnLst>
+      <p:par>
+        <p:cTn id="1" dur="indefinite" restart="never" nodeType="tmRoot"/>
+      </p:par>
+    </p:tnLst>
+  </p:timing>
 </p:sld>
 </file>
 
@@ -16787,7 +17493,7 @@
           <a:p>
             <a:r>
               <a:rPr lang="en-US" dirty="0" smtClean="0"/>
-              <a:t>Measuring CF Performance</a:t>
+              <a:t>Collaborative Filtering</a:t>
             </a:r>
             <a:endParaRPr lang="en-US" dirty="0"/>
           </a:p>
@@ -16810,113 +17516,39 @@
           <a:p>
             <a:r>
               <a:rPr lang="en-US" dirty="0" smtClean="0"/>
-              <a:t>CF in Spark is treated as a “supervised” ML task.</a:t>
+              <a:t>Collaborative Filtering (CF) is commonly used in Recommendations “Recommended For You” or “More Like This” functionality</a:t>
+            </a:r>
+          </a:p>
+          <a:p>
+            <a:r>
+              <a:rPr lang="en-US" dirty="0" smtClean="0"/>
+              <a:t>Recommendations can be explicit (based on user ratings), or implicit (based on user interest)</a:t>
+            </a:r>
+          </a:p>
+          <a:p>
+            <a:r>
+              <a:rPr lang="en-US" dirty="0" smtClean="0"/>
+              <a:t>CF is expressed as Users -&gt; Items</a:t>
             </a:r>
           </a:p>
           <a:p>
             <a:pPr lvl="1"/>
             <a:r>
               <a:rPr lang="en-US" dirty="0" smtClean="0"/>
-              <a:t>Best if we have some test data not part of training set to compare.</a:t>
-            </a:r>
-          </a:p>
-          <a:p>
-            <a:pPr lvl="1"/>
-            <a:r>
-              <a:rPr lang="en-US" dirty="0" smtClean="0"/>
-              <a:t>If not, can use some training data.</a:t>
-            </a:r>
-          </a:p>
-          <a:p>
-            <a:r>
-              <a:rPr lang="en-US" dirty="0" smtClean="0"/>
-              <a:t>Calculate error = difference in predicted preference to actual.</a:t>
-            </a:r>
-          </a:p>
-          <a:p>
-            <a:pPr lvl="1"/>
-            <a:r>
-              <a:rPr lang="en-US" dirty="0" smtClean="0"/>
-              <a:t>Aggregate error as MSE (Mean Squared Error).</a:t>
-            </a:r>
-          </a:p>
-          <a:p>
-            <a:pPr lvl="1">
-              <a:buNone/>
-            </a:pPr>
-            <a:r>
-              <a:rPr lang="en-US" dirty="0" err="1" smtClean="0">
-                <a:latin typeface="Courier New" pitchFamily="49" charset="0"/>
-                <a:cs typeface="Courier New" pitchFamily="49" charset="0"/>
-              </a:rPr>
-              <a:t>val</a:t>
-            </a:r>
-            <a:r>
-              <a:rPr lang="en-US" dirty="0" smtClean="0">
-                <a:latin typeface="Courier New" pitchFamily="49" charset="0"/>
-                <a:cs typeface="Courier New" pitchFamily="49" charset="0"/>
-              </a:rPr>
-              <a:t> MSE = ratingsAndRecs.map { case ((user, item), (r1, r2)) =&gt; </a:t>
-            </a:r>
-          </a:p>
-          <a:p>
-            <a:pPr lvl="1">
-              <a:buNone/>
-            </a:pPr>
-            <a:r>
-              <a:rPr lang="en-US" dirty="0" smtClean="0">
-                <a:latin typeface="Courier New" pitchFamily="49" charset="0"/>
-                <a:cs typeface="Courier New" pitchFamily="49" charset="0"/>
-              </a:rPr>
-              <a:t>  </a:t>
-            </a:r>
-            <a:r>
-              <a:rPr lang="en-US" dirty="0" err="1" smtClean="0">
-                <a:latin typeface="Courier New" pitchFamily="49" charset="0"/>
-                <a:cs typeface="Courier New" pitchFamily="49" charset="0"/>
-              </a:rPr>
-              <a:t>val</a:t>
-            </a:r>
-            <a:r>
-              <a:rPr lang="en-US" dirty="0" smtClean="0">
-                <a:latin typeface="Courier New" pitchFamily="49" charset="0"/>
-                <a:cs typeface="Courier New" pitchFamily="49" charset="0"/>
-              </a:rPr>
-              <a:t> err = (r1 - r2)</a:t>
-            </a:r>
-          </a:p>
-          <a:p>
-            <a:pPr lvl="1">
-              <a:buNone/>
-            </a:pPr>
-            <a:r>
-              <a:rPr lang="en-US" dirty="0" smtClean="0">
-                <a:latin typeface="Courier New" pitchFamily="49" charset="0"/>
-                <a:cs typeface="Courier New" pitchFamily="49" charset="0"/>
-              </a:rPr>
-              <a:t>  err * err</a:t>
-            </a:r>
-          </a:p>
-          <a:p>
-            <a:pPr lvl="1">
-              <a:buNone/>
-            </a:pPr>
-            <a:r>
-              <a:rPr lang="en-US" dirty="0" smtClean="0">
-                <a:latin typeface="Courier New" pitchFamily="49" charset="0"/>
-                <a:cs typeface="Courier New" pitchFamily="49" charset="0"/>
-              </a:rPr>
-              <a:t>}.mean()</a:t>
-            </a:r>
-          </a:p>
-          <a:p>
-            <a:pPr lvl="1">
-              <a:buNone/>
-            </a:pPr>
+              <a:t>However, any correlation could be modeled as users to items.</a:t>
+            </a:r>
+          </a:p>
+          <a:p>
+            <a:r>
+              <a:rPr lang="en-US" dirty="0" smtClean="0"/>
+              <a:t>Users and Items could be the same (example: dating site)</a:t>
+            </a:r>
+          </a:p>
+          <a:p>
             <a:endParaRPr lang="en-US" dirty="0" smtClean="0"/>
           </a:p>
           <a:p>
-            <a:endParaRPr lang="en-US" dirty="0" smtClean="0"/>
+            <a:endParaRPr lang="en-US" dirty="0"/>
           </a:p>
         </p:txBody>
       </p:sp>
@@ -16936,18 +17568,54 @@
           <a:lstStyle/>
           <a:p>
             <a:r>
-              <a:rPr lang="en-US" dirty="0" smtClean="0"/>
-              <a:t>© Elephant Scale, 2014</a:t>
-            </a:r>
-            <a:endParaRPr lang="en-US" dirty="0"/>
+              <a:rPr lang="en-US" smtClean="0"/>
+              <a:t>(c) ElephantScale.com 2014</a:t>
+            </a:r>
+            <a:endParaRPr lang="en-US"/>
+          </a:p>
+        </p:txBody>
+      </p:sp>
+      <p:sp>
+        <p:nvSpPr>
+          <p:cNvPr id="5" name="Slide Number Placeholder 4"/>
+          <p:cNvSpPr>
+            <a:spLocks noGrp="1"/>
+          </p:cNvSpPr>
+          <p:nvPr>
+            <p:ph type="sldNum" sz="quarter" idx="12"/>
+          </p:nvPr>
+        </p:nvSpPr>
+        <p:spPr/>
+        <p:txBody>
+          <a:bodyPr/>
+          <a:lstStyle/>
+          <a:p>
+            <a:fld id="{4AD8DDEF-9CD1-B641-ADE5-2BEE59567BE6}" type="slidenum">
+              <a:rPr lang="en-US" smtClean="0"/>
+              <a:pPr/>
+              <a:t>42</a:t>
+            </a:fld>
+            <a:endParaRPr lang="en-US"/>
           </a:p>
         </p:txBody>
       </p:sp>
     </p:spTree>
+    <p:extLst>
+      <p:ext uri="{BB962C8B-B14F-4D97-AF65-F5344CB8AC3E}">
+        <p14:creationId xmlns:p14="http://schemas.microsoft.com/office/powerpoint/2010/main" xmlns="" val="376185666"/>
+      </p:ext>
+    </p:extLst>
   </p:cSld>
   <p:clrMapOvr>
     <a:masterClrMapping/>
   </p:clrMapOvr>
+  <p:timing>
+    <p:tnLst>
+      <p:par>
+        <p:cTn id="1" dur="indefinite" restart="never" nodeType="tmRoot"/>
+      </p:par>
+    </p:tnLst>
+  </p:timing>
 </p:sld>
 </file>
 
@@ -16985,67 +17653,40 @@
           <a:p>
             <a:r>
               <a:rPr lang="en-US" dirty="0" smtClean="0"/>
-              <a:t>Recommendations Lab</a:t>
+              <a:t>Ratings Matrix : Users / Movies</a:t>
             </a:r>
             <a:endParaRPr lang="en-US" dirty="0"/>
           </a:p>
         </p:txBody>
       </p:sp>
-      <p:sp>
-        <p:nvSpPr>
-          <p:cNvPr id="3" name="Content Placeholder 2"/>
-          <p:cNvSpPr>
-            <a:spLocks noGrp="1"/>
-          </p:cNvSpPr>
+      <p:pic>
+        <p:nvPicPr>
+          <p:cNvPr id="4" name="Content Placeholder 3" descr="Screen Shot 2014-06-17 at 11.20.02 PM.png"/>
+          <p:cNvPicPr>
+            <a:picLocks noGrp="1" noChangeAspect="1"/>
+          </p:cNvPicPr>
           <p:nvPr>
             <p:ph idx="1"/>
           </p:nvPr>
-        </p:nvSpPr>
-        <p:spPr/>
-        <p:txBody>
-          <a:bodyPr/>
-          <a:lstStyle/>
-          <a:p>
-            <a:r>
-              <a:rPr lang="en-US" dirty="0" smtClean="0"/>
-              <a:t>We will use data from a Czech dating website: </a:t>
-            </a:r>
-            <a:r>
-              <a:rPr lang="en-US" dirty="0" err="1" smtClean="0"/>
-              <a:t>libimseti</a:t>
-            </a:r>
-            <a:endParaRPr lang="en-US" dirty="0" smtClean="0"/>
-          </a:p>
-          <a:p>
-            <a:r>
-              <a:rPr lang="en-US" dirty="0" smtClean="0"/>
-              <a:t>location   : </a:t>
-            </a:r>
-            <a:r>
-              <a:rPr lang="en-US" dirty="0" err="1" smtClean="0"/>
-              <a:t>mllib</a:t>
-            </a:r>
-            <a:r>
-              <a:rPr lang="en-US" dirty="0" smtClean="0"/>
-              <a:t>/</a:t>
-            </a:r>
-            <a:r>
-              <a:rPr lang="en-US" dirty="0" err="1" smtClean="0"/>
-              <a:t>recs</a:t>
-            </a:r>
-            <a:endParaRPr lang="en-US" dirty="0" smtClean="0"/>
-          </a:p>
-          <a:p>
-            <a:r>
-              <a:rPr lang="en-US" dirty="0" smtClean="0"/>
-              <a:t>Try out the solution line-by-line</a:t>
-            </a:r>
-          </a:p>
-        </p:txBody>
-      </p:sp>
-      <p:sp>
-        <p:nvSpPr>
-          <p:cNvPr id="4" name="Footer Placeholder 3"/>
+        </p:nvPicPr>
+        <p:blipFill>
+          <a:blip r:embed="rId2">
+            <a:extLst>
+              <a:ext uri="{28A0092B-C50C-407E-A947-70E740481C1C}">
+                <a14:useLocalDpi xmlns:a14="http://schemas.microsoft.com/office/drawing/2010/main" xmlns="" val="0"/>
+              </a:ext>
+            </a:extLst>
+          </a:blip>
+          <a:srcRect t="-13879" b="-13879"/>
+          <a:stretch>
+            <a:fillRect/>
+          </a:stretch>
+        </p:blipFill>
+        <p:spPr/>
+      </p:pic>
+      <p:sp>
+        <p:nvSpPr>
+          <p:cNvPr id="3" name="Footer Placeholder 2"/>
           <p:cNvSpPr>
             <a:spLocks noGrp="1"/>
           </p:cNvSpPr>
@@ -17093,7 +17734,7 @@
     </p:spTree>
     <p:extLst>
       <p:ext uri="{BB962C8B-B14F-4D97-AF65-F5344CB8AC3E}">
-        <p14:creationId xmlns:p14="http://schemas.microsoft.com/office/powerpoint/2010/main" xmlns="" val="3599210062"/>
+        <p14:creationId xmlns:p14="http://schemas.microsoft.com/office/powerpoint/2010/main" xmlns="" val="3658327973"/>
       </p:ext>
     </p:extLst>
   </p:cSld>
@@ -17144,34 +17785,40 @@
           <a:p>
             <a:r>
               <a:rPr lang="en-US" dirty="0" smtClean="0"/>
-              <a:t>Next : Classifications</a:t>
+              <a:t>Item Ratings Matrix</a:t>
             </a:r>
             <a:endParaRPr lang="en-US" dirty="0"/>
           </a:p>
         </p:txBody>
       </p:sp>
-      <p:sp>
-        <p:nvSpPr>
-          <p:cNvPr id="3" name="Content Placeholder 2"/>
-          <p:cNvSpPr>
-            <a:spLocks noGrp="1"/>
-          </p:cNvSpPr>
+      <p:pic>
+        <p:nvPicPr>
+          <p:cNvPr id="4" name="Content Placeholder 3" descr="Screen Shot 2014-06-17 at 11.29.51 PM.png"/>
+          <p:cNvPicPr>
+            <a:picLocks noGrp="1" noChangeAspect="1"/>
+          </p:cNvPicPr>
           <p:nvPr>
             <p:ph idx="1"/>
           </p:nvPr>
-        </p:nvSpPr>
-        <p:spPr/>
-        <p:txBody>
-          <a:bodyPr/>
-          <a:lstStyle/>
-          <a:p>
-            <a:endParaRPr lang="en-US"/>
-          </a:p>
-        </p:txBody>
-      </p:sp>
-      <p:sp>
-        <p:nvSpPr>
-          <p:cNvPr id="4" name="Footer Placeholder 3"/>
+        </p:nvPicPr>
+        <p:blipFill>
+          <a:blip r:embed="rId2">
+            <a:extLst>
+              <a:ext uri="{28A0092B-C50C-407E-A947-70E740481C1C}">
+                <a14:useLocalDpi xmlns:a14="http://schemas.microsoft.com/office/drawing/2010/main" xmlns="" val="0"/>
+              </a:ext>
+            </a:extLst>
+          </a:blip>
+          <a:srcRect l="-14843" r="-14843"/>
+          <a:stretch>
+            <a:fillRect/>
+          </a:stretch>
+        </p:blipFill>
+        <p:spPr/>
+      </p:pic>
+      <p:sp>
+        <p:nvSpPr>
+          <p:cNvPr id="3" name="Footer Placeholder 2"/>
           <p:cNvSpPr>
             <a:spLocks noGrp="1"/>
           </p:cNvSpPr>
@@ -17185,10 +17832,10 @@
           <a:lstStyle/>
           <a:p>
             <a:r>
-              <a:rPr lang="en-US" smtClean="0"/>
+              <a:rPr lang="en-US" dirty="0" smtClean="0"/>
               <a:t>(c) ElephantScale.com 2014</a:t>
             </a:r>
-            <a:endParaRPr lang="en-US"/>
+            <a:endParaRPr lang="en-US" dirty="0"/>
           </a:p>
         </p:txBody>
       </p:sp>
@@ -17212,14 +17859,14 @@
               <a:pPr/>
               <a:t>44</a:t>
             </a:fld>
-            <a:endParaRPr lang="en-US"/>
+            <a:endParaRPr lang="en-US" dirty="0"/>
           </a:p>
         </p:txBody>
       </p:sp>
     </p:spTree>
     <p:extLst>
       <p:ext uri="{BB962C8B-B14F-4D97-AF65-F5344CB8AC3E}">
-        <p14:creationId xmlns:p14="http://schemas.microsoft.com/office/powerpoint/2010/main" xmlns="" val="3435585138"/>
+        <p14:creationId xmlns:p14="http://schemas.microsoft.com/office/powerpoint/2010/main" xmlns="" val="2784375879"/>
       </p:ext>
     </p:extLst>
   </p:cSld>
@@ -17270,6 +17917,1589 @@
           <a:p>
             <a:r>
               <a:rPr lang="en-US" dirty="0" smtClean="0"/>
+              <a:t>Preparing Data for </a:t>
+            </a:r>
+            <a:r>
+              <a:rPr lang="en-US" dirty="0" err="1" smtClean="0"/>
+              <a:t>MLLib</a:t>
+            </a:r>
+            <a:endParaRPr lang="en-US" dirty="0"/>
+          </a:p>
+        </p:txBody>
+      </p:sp>
+      <p:sp>
+        <p:nvSpPr>
+          <p:cNvPr id="3" name="Content Placeholder 2"/>
+          <p:cNvSpPr>
+            <a:spLocks noGrp="1"/>
+          </p:cNvSpPr>
+          <p:nvPr>
+            <p:ph idx="1"/>
+          </p:nvPr>
+        </p:nvSpPr>
+        <p:spPr/>
+        <p:txBody>
+          <a:bodyPr>
+            <a:normAutofit/>
+          </a:bodyPr>
+          <a:lstStyle/>
+          <a:p>
+            <a:r>
+              <a:rPr lang="en-US" dirty="0" err="1" smtClean="0"/>
+              <a:t>MLLib</a:t>
+            </a:r>
+            <a:r>
+              <a:rPr lang="en-US" dirty="0" smtClean="0"/>
+              <a:t> only looks at integer </a:t>
+            </a:r>
+            <a:r>
+              <a:rPr lang="en-US" dirty="0" err="1" smtClean="0"/>
+              <a:t>userid</a:t>
+            </a:r>
+            <a:r>
+              <a:rPr lang="en-US" dirty="0" smtClean="0"/>
+              <a:t> and </a:t>
+            </a:r>
+            <a:r>
+              <a:rPr lang="en-US" dirty="0" err="1" smtClean="0"/>
+              <a:t>itemid</a:t>
+            </a:r>
+            <a:r>
+              <a:rPr lang="en-US" dirty="0" smtClean="0"/>
+              <a:t>.</a:t>
+            </a:r>
+          </a:p>
+          <a:p>
+            <a:pPr lvl="1"/>
+            <a:r>
+              <a:rPr lang="en-US" dirty="0" smtClean="0"/>
+              <a:t>Assign your data with unique integer </a:t>
+            </a:r>
+            <a:r>
+              <a:rPr lang="en-US" dirty="0" err="1" smtClean="0"/>
+              <a:t>userid</a:t>
+            </a:r>
+            <a:r>
+              <a:rPr lang="en-US" dirty="0" smtClean="0"/>
+              <a:t> and </a:t>
+            </a:r>
+            <a:r>
+              <a:rPr lang="en-US" dirty="0" err="1" smtClean="0"/>
+              <a:t>itemid</a:t>
+            </a:r>
+            <a:r>
+              <a:rPr lang="en-US" dirty="0" smtClean="0"/>
+              <a:t>.</a:t>
+            </a:r>
+          </a:p>
+          <a:p>
+            <a:r>
+              <a:rPr lang="en-US" dirty="0" smtClean="0"/>
+              <a:t>Preferences are expressed as a Double (higher is better)</a:t>
+            </a:r>
+          </a:p>
+          <a:p>
+            <a:pPr lvl="1"/>
+            <a:r>
+              <a:rPr lang="en-US" dirty="0" smtClean="0"/>
+              <a:t>What if your preferences are binary (yes/no)?</a:t>
+            </a:r>
+          </a:p>
+          <a:p>
+            <a:pPr lvl="2"/>
+            <a:r>
+              <a:rPr lang="en-US" dirty="0" smtClean="0"/>
+              <a:t>Assign a number, say, 5.0 for yes, and 1.0 for no.</a:t>
+            </a:r>
+          </a:p>
+          <a:p>
+            <a:pPr lvl="1"/>
+            <a:r>
+              <a:rPr lang="en-US" dirty="0" smtClean="0"/>
+              <a:t>What if preferences are just “implied”?</a:t>
+            </a:r>
+          </a:p>
+          <a:p>
+            <a:pPr lvl="2"/>
+            <a:r>
+              <a:rPr lang="en-US" dirty="0" smtClean="0"/>
+              <a:t>User viewed item as 5.0, no data for unviewed item.</a:t>
+            </a:r>
+          </a:p>
+          <a:p>
+            <a:r>
+              <a:rPr lang="en-US" dirty="0" err="1" smtClean="0"/>
+              <a:t>MLLib</a:t>
+            </a:r>
+            <a:r>
+              <a:rPr lang="en-US" dirty="0" smtClean="0"/>
+              <a:t> Rating: Integer, Integer, Double</a:t>
+            </a:r>
+          </a:p>
+          <a:p>
+            <a:pPr lvl="1"/>
+            <a:r>
+              <a:rPr lang="en-US" dirty="0" err="1" smtClean="0"/>
+              <a:t>val</a:t>
+            </a:r>
+            <a:r>
+              <a:rPr lang="en-US" dirty="0" smtClean="0"/>
+              <a:t> ratings = data.map(_.split(',') match { case Array(user, item, rating) </a:t>
+            </a:r>
+            <a:r>
+              <a:rPr lang="en-US" dirty="0" smtClean="0"/>
+              <a:t>=&gt;  </a:t>
+            </a:r>
+            <a:r>
+              <a:rPr lang="en-US" dirty="0" smtClean="0"/>
+              <a:t>Rating(</a:t>
+            </a:r>
+            <a:r>
+              <a:rPr lang="en-US" dirty="0" err="1" smtClean="0"/>
+              <a:t>user.toInt</a:t>
+            </a:r>
+            <a:r>
+              <a:rPr lang="en-US" dirty="0" smtClean="0"/>
+              <a:t>, </a:t>
+            </a:r>
+            <a:r>
+              <a:rPr lang="en-US" dirty="0" err="1" smtClean="0"/>
+              <a:t>item.toInt</a:t>
+            </a:r>
+            <a:r>
+              <a:rPr lang="en-US" dirty="0" smtClean="0"/>
+              <a:t>, </a:t>
+            </a:r>
+            <a:r>
+              <a:rPr lang="en-US" dirty="0" err="1" smtClean="0"/>
+              <a:t>rating.toDouble</a:t>
+            </a:r>
+            <a:r>
+              <a:rPr lang="en-US" dirty="0" smtClean="0"/>
+              <a:t>)   </a:t>
+            </a:r>
+            <a:r>
+              <a:rPr lang="en-US" dirty="0" smtClean="0"/>
+              <a:t>})</a:t>
+            </a:r>
+          </a:p>
+          <a:p>
+            <a:pPr lvl="1"/>
+            <a:endParaRPr lang="en-US" dirty="0"/>
+          </a:p>
+        </p:txBody>
+      </p:sp>
+      <p:sp>
+        <p:nvSpPr>
+          <p:cNvPr id="4" name="Footer Placeholder 3"/>
+          <p:cNvSpPr>
+            <a:spLocks noGrp="1"/>
+          </p:cNvSpPr>
+          <p:nvPr>
+            <p:ph type="ftr" sz="quarter" idx="11"/>
+          </p:nvPr>
+        </p:nvSpPr>
+        <p:spPr/>
+        <p:txBody>
+          <a:bodyPr/>
+          <a:lstStyle/>
+          <a:p>
+            <a:r>
+              <a:rPr lang="en-US" smtClean="0"/>
+              <a:t>© Elephant Scale, 2014</a:t>
+            </a:r>
+            <a:endParaRPr lang="en-US" dirty="0"/>
+          </a:p>
+        </p:txBody>
+      </p:sp>
+    </p:spTree>
+  </p:cSld>
+  <p:clrMapOvr>
+    <a:masterClrMapping/>
+  </p:clrMapOvr>
+</p:sld>
+</file>
+
+<file path=ppt/slides/slide46.xml><?xml version="1.0" encoding="utf-8"?>
+<p:sld xmlns:a="http://schemas.openxmlformats.org/drawingml/2006/main" xmlns:r="http://schemas.openxmlformats.org/officeDocument/2006/relationships" xmlns:p="http://schemas.openxmlformats.org/presentationml/2006/main">
+  <p:cSld>
+    <p:spTree>
+      <p:nvGrpSpPr>
+        <p:cNvPr id="1" name=""/>
+        <p:cNvGrpSpPr/>
+        <p:nvPr/>
+      </p:nvGrpSpPr>
+      <p:grpSpPr>
+        <a:xfrm>
+          <a:off x="0" y="0"/>
+          <a:ext cx="0" cy="0"/>
+          <a:chOff x="0" y="0"/>
+          <a:chExt cx="0" cy="0"/>
+        </a:xfrm>
+      </p:grpSpPr>
+      <p:sp>
+        <p:nvSpPr>
+          <p:cNvPr id="2" name="Title 1"/>
+          <p:cNvSpPr>
+            <a:spLocks noGrp="1"/>
+          </p:cNvSpPr>
+          <p:nvPr>
+            <p:ph type="title"/>
+          </p:nvPr>
+        </p:nvSpPr>
+        <p:spPr/>
+        <p:txBody>
+          <a:bodyPr/>
+          <a:lstStyle/>
+          <a:p>
+            <a:r>
+              <a:rPr lang="en-US" dirty="0" err="1" smtClean="0"/>
+              <a:t>MLlib</a:t>
+            </a:r>
+            <a:r>
+              <a:rPr lang="en-US" dirty="0" smtClean="0"/>
+              <a:t> </a:t>
+            </a:r>
+            <a:r>
+              <a:rPr lang="en-US" dirty="0" smtClean="0"/>
+              <a:t>Recommendations Model (ALS)</a:t>
+            </a:r>
+            <a:endParaRPr lang="en-US" dirty="0"/>
+          </a:p>
+        </p:txBody>
+      </p:sp>
+      <p:sp>
+        <p:nvSpPr>
+          <p:cNvPr id="3" name="Content Placeholder 2"/>
+          <p:cNvSpPr>
+            <a:spLocks noGrp="1"/>
+          </p:cNvSpPr>
+          <p:nvPr>
+            <p:ph idx="1"/>
+          </p:nvPr>
+        </p:nvSpPr>
+        <p:spPr/>
+        <p:txBody>
+          <a:bodyPr>
+            <a:normAutofit/>
+          </a:bodyPr>
+          <a:lstStyle/>
+          <a:p>
+            <a:r>
+              <a:rPr lang="en-US" dirty="0" smtClean="0"/>
+              <a:t>Uses the Recommendations.ALS</a:t>
+            </a:r>
+          </a:p>
+          <a:p>
+            <a:r>
+              <a:rPr lang="en-US" dirty="0" smtClean="0"/>
+              <a:t>ALS = Alternating Least Squares algorithm</a:t>
+            </a:r>
+          </a:p>
+          <a:p>
+            <a:r>
+              <a:rPr lang="en-US" dirty="0" smtClean="0"/>
+              <a:t>Train Model using number of iterations and rank.</a:t>
+            </a:r>
+          </a:p>
+          <a:p>
+            <a:r>
+              <a:rPr lang="en-US" dirty="0" smtClean="0"/>
+              <a:t>Class “Rating”, contains a </a:t>
+            </a:r>
+            <a:r>
+              <a:rPr lang="en-US" dirty="0" err="1" smtClean="0"/>
+              <a:t>UserId</a:t>
+            </a:r>
+            <a:r>
+              <a:rPr lang="en-US" dirty="0" smtClean="0"/>
+              <a:t>, </a:t>
+            </a:r>
+            <a:r>
+              <a:rPr lang="en-US" dirty="0" err="1" smtClean="0"/>
+              <a:t>ItemId</a:t>
+            </a:r>
+            <a:r>
+              <a:rPr lang="en-US" dirty="0" smtClean="0"/>
+              <a:t>, and numeric rating (i.e. 0-5).  </a:t>
+            </a:r>
+          </a:p>
+          <a:p>
+            <a:r>
+              <a:rPr lang="en-US" dirty="0" smtClean="0"/>
+              <a:t>Train </a:t>
+            </a:r>
+            <a:r>
+              <a:rPr lang="en-US" dirty="0" smtClean="0"/>
+              <a:t>model using training data:</a:t>
+            </a:r>
+          </a:p>
+          <a:p>
+            <a:pPr lvl="1"/>
+            <a:r>
+              <a:rPr lang="sv-SE" b="1" dirty="0" smtClean="0">
+                <a:latin typeface="Courier New" pitchFamily="49" charset="0"/>
+                <a:cs typeface="Courier New" pitchFamily="49" charset="0"/>
+              </a:rPr>
+              <a:t>val</a:t>
+            </a:r>
+            <a:r>
+              <a:rPr lang="sv-SE" dirty="0" smtClean="0">
+                <a:latin typeface="Courier New" pitchFamily="49" charset="0"/>
+                <a:cs typeface="Courier New" pitchFamily="49" charset="0"/>
+              </a:rPr>
+              <a:t> model </a:t>
+            </a:r>
+            <a:r>
+              <a:rPr lang="sv-SE" b="1" dirty="0" smtClean="0">
+                <a:latin typeface="Courier New" pitchFamily="49" charset="0"/>
+                <a:cs typeface="Courier New" pitchFamily="49" charset="0"/>
+              </a:rPr>
+              <a:t>=</a:t>
+            </a:r>
+            <a:r>
+              <a:rPr lang="sv-SE" dirty="0" smtClean="0">
+                <a:latin typeface="Courier New" pitchFamily="49" charset="0"/>
+                <a:cs typeface="Courier New" pitchFamily="49" charset="0"/>
+              </a:rPr>
+              <a:t> </a:t>
+            </a:r>
+            <a:r>
+              <a:rPr lang="sv-SE" b="1" dirty="0" smtClean="0">
+                <a:latin typeface="Courier New" pitchFamily="49" charset="0"/>
+                <a:cs typeface="Courier New" pitchFamily="49" charset="0"/>
+              </a:rPr>
+              <a:t>ALS</a:t>
+            </a:r>
+            <a:r>
+              <a:rPr lang="sv-SE" dirty="0" smtClean="0">
+                <a:latin typeface="Courier New" pitchFamily="49" charset="0"/>
+                <a:cs typeface="Courier New" pitchFamily="49" charset="0"/>
+              </a:rPr>
+              <a:t>.train(ratings, rank, numIterations, 0.01)</a:t>
+            </a:r>
+          </a:p>
+          <a:p>
+            <a:pPr lvl="1">
+              <a:buNone/>
+            </a:pPr>
+            <a:endParaRPr lang="en-US" dirty="0"/>
+          </a:p>
+        </p:txBody>
+      </p:sp>
+      <p:sp>
+        <p:nvSpPr>
+          <p:cNvPr id="4" name="Footer Placeholder 3"/>
+          <p:cNvSpPr>
+            <a:spLocks noGrp="1"/>
+          </p:cNvSpPr>
+          <p:nvPr>
+            <p:ph type="ftr" sz="quarter" idx="11"/>
+          </p:nvPr>
+        </p:nvSpPr>
+        <p:spPr/>
+        <p:txBody>
+          <a:bodyPr/>
+          <a:lstStyle/>
+          <a:p>
+            <a:r>
+              <a:rPr lang="en-US" smtClean="0"/>
+              <a:t>(c) ElephantScale.com 2014</a:t>
+            </a:r>
+            <a:endParaRPr lang="en-US"/>
+          </a:p>
+        </p:txBody>
+      </p:sp>
+      <p:sp>
+        <p:nvSpPr>
+          <p:cNvPr id="5" name="Slide Number Placeholder 4"/>
+          <p:cNvSpPr>
+            <a:spLocks noGrp="1"/>
+          </p:cNvSpPr>
+          <p:nvPr>
+            <p:ph type="sldNum" sz="quarter" idx="12"/>
+          </p:nvPr>
+        </p:nvSpPr>
+        <p:spPr/>
+        <p:txBody>
+          <a:bodyPr/>
+          <a:lstStyle/>
+          <a:p>
+            <a:fld id="{4AD8DDEF-9CD1-B641-ADE5-2BEE59567BE6}" type="slidenum">
+              <a:rPr lang="en-US" smtClean="0"/>
+              <a:pPr/>
+              <a:t>46</a:t>
+            </a:fld>
+            <a:endParaRPr lang="en-US"/>
+          </a:p>
+        </p:txBody>
+      </p:sp>
+    </p:spTree>
+    <p:extLst>
+      <p:ext uri="{BB962C8B-B14F-4D97-AF65-F5344CB8AC3E}">
+        <p14:creationId xmlns:p14="http://schemas.microsoft.com/office/powerpoint/2010/main" xmlns="" val="1251454248"/>
+      </p:ext>
+    </p:extLst>
+  </p:cSld>
+  <p:clrMapOvr>
+    <a:masterClrMapping/>
+  </p:clrMapOvr>
+  <p:timing>
+    <p:tnLst>
+      <p:par>
+        <p:cTn id="1" dur="indefinite" restart="never" nodeType="tmRoot"/>
+      </p:par>
+    </p:tnLst>
+  </p:timing>
+</p:sld>
+</file>
+
+<file path=ppt/slides/slide47.xml><?xml version="1.0" encoding="utf-8"?>
+<p:sld xmlns:a="http://schemas.openxmlformats.org/drawingml/2006/main" xmlns:r="http://schemas.openxmlformats.org/officeDocument/2006/relationships" xmlns:p="http://schemas.openxmlformats.org/presentationml/2006/main">
+  <p:cSld>
+    <p:spTree>
+      <p:nvGrpSpPr>
+        <p:cNvPr id="1" name=""/>
+        <p:cNvGrpSpPr/>
+        <p:nvPr/>
+      </p:nvGrpSpPr>
+      <p:grpSpPr>
+        <a:xfrm>
+          <a:off x="0" y="0"/>
+          <a:ext cx="0" cy="0"/>
+          <a:chOff x="0" y="0"/>
+          <a:chExt cx="0" cy="0"/>
+        </a:xfrm>
+      </p:grpSpPr>
+      <p:sp>
+        <p:nvSpPr>
+          <p:cNvPr id="2" name="Title 1"/>
+          <p:cNvSpPr>
+            <a:spLocks noGrp="1"/>
+          </p:cNvSpPr>
+          <p:nvPr>
+            <p:ph type="title"/>
+          </p:nvPr>
+        </p:nvSpPr>
+        <p:spPr/>
+        <p:txBody>
+          <a:bodyPr/>
+          <a:lstStyle/>
+          <a:p>
+            <a:r>
+              <a:rPr lang="en-US" dirty="0" smtClean="0"/>
+              <a:t>Making a Prediction</a:t>
+            </a:r>
+            <a:endParaRPr lang="en-US" dirty="0"/>
+          </a:p>
+        </p:txBody>
+      </p:sp>
+      <p:sp>
+        <p:nvSpPr>
+          <p:cNvPr id="3" name="Content Placeholder 2"/>
+          <p:cNvSpPr>
+            <a:spLocks noGrp="1"/>
+          </p:cNvSpPr>
+          <p:nvPr>
+            <p:ph idx="1"/>
+          </p:nvPr>
+        </p:nvSpPr>
+        <p:spPr/>
+        <p:txBody>
+          <a:bodyPr/>
+          <a:lstStyle/>
+          <a:p>
+            <a:r>
+              <a:rPr lang="en-US" dirty="0" smtClean="0"/>
+              <a:t>Use predict method on model (like regression/classification) </a:t>
+            </a:r>
+          </a:p>
+          <a:p>
+            <a:pPr lvl="1"/>
+            <a:r>
+              <a:rPr lang="en-US" dirty="0" smtClean="0">
+                <a:latin typeface="Courier New" pitchFamily="49" charset="0"/>
+                <a:cs typeface="Courier New" pitchFamily="49" charset="0"/>
+              </a:rPr>
+              <a:t>import </a:t>
+            </a:r>
+            <a:r>
+              <a:rPr lang="en-US" dirty="0" err="1" smtClean="0">
+                <a:latin typeface="Courier New" pitchFamily="49" charset="0"/>
+                <a:cs typeface="Courier New" pitchFamily="49" charset="0"/>
+              </a:rPr>
+              <a:t>org.apache.spark.mllib.recommendation.ALS</a:t>
+            </a:r>
+            <a:endParaRPr lang="en-US" dirty="0" smtClean="0">
+              <a:latin typeface="Courier New" pitchFamily="49" charset="0"/>
+              <a:cs typeface="Courier New" pitchFamily="49" charset="0"/>
+            </a:endParaRPr>
+          </a:p>
+          <a:p>
+            <a:pPr lvl="1">
+              <a:buNone/>
+            </a:pPr>
+            <a:r>
+              <a:rPr lang="en-US" dirty="0" smtClean="0">
+                <a:latin typeface="Courier New" pitchFamily="49" charset="0"/>
+                <a:cs typeface="Courier New" pitchFamily="49" charset="0"/>
+              </a:rPr>
+              <a:t> import </a:t>
+            </a:r>
+            <a:r>
+              <a:rPr lang="en-US" dirty="0" err="1" smtClean="0">
+                <a:latin typeface="Courier New" pitchFamily="49" charset="0"/>
+                <a:cs typeface="Courier New" pitchFamily="49" charset="0"/>
+              </a:rPr>
+              <a:t>org.apache.spark.mllib.recommendation.Rating</a:t>
+            </a:r>
+            <a:endParaRPr lang="en-US" dirty="0" smtClean="0">
+              <a:latin typeface="Courier New" pitchFamily="49" charset="0"/>
+              <a:cs typeface="Courier New" pitchFamily="49" charset="0"/>
+            </a:endParaRPr>
+          </a:p>
+          <a:p>
+            <a:pPr lvl="1"/>
+            <a:r>
+              <a:rPr lang="en-US" dirty="0" err="1" smtClean="0">
+                <a:latin typeface="Courier New" pitchFamily="49" charset="0"/>
+                <a:cs typeface="Courier New" pitchFamily="49" charset="0"/>
+              </a:rPr>
+              <a:t>Model.predict</a:t>
+            </a:r>
+            <a:r>
+              <a:rPr lang="en-US" dirty="0" smtClean="0">
+                <a:latin typeface="Courier New" pitchFamily="49" charset="0"/>
+                <a:cs typeface="Courier New" pitchFamily="49" charset="0"/>
+              </a:rPr>
+              <a:t>(</a:t>
+            </a:r>
+            <a:r>
+              <a:rPr lang="en-US" dirty="0" err="1" smtClean="0">
+                <a:latin typeface="Courier New" pitchFamily="49" charset="0"/>
+                <a:cs typeface="Courier New" pitchFamily="49" charset="0"/>
+              </a:rPr>
+              <a:t>RDDUsersItems</a:t>
+            </a:r>
+            <a:r>
+              <a:rPr lang="en-US" dirty="0" smtClean="0">
+                <a:latin typeface="Courier New" pitchFamily="49" charset="0"/>
+                <a:cs typeface="Courier New" pitchFamily="49" charset="0"/>
+              </a:rPr>
+              <a:t>)</a:t>
+            </a:r>
+          </a:p>
+          <a:p>
+            <a:pPr lvl="1"/>
+            <a:r>
+              <a:rPr lang="en-US" dirty="0" smtClean="0"/>
+              <a:t>Input Takes an RDD of user – item pairs as argument(NOT Ratings)</a:t>
+            </a:r>
+          </a:p>
+          <a:p>
+            <a:pPr lvl="1"/>
+            <a:r>
+              <a:rPr lang="en-US" dirty="0" smtClean="0"/>
+              <a:t>Returns RDD of Rating (user, item, double rating)</a:t>
+            </a:r>
+            <a:endParaRPr lang="en-US" dirty="0"/>
+          </a:p>
+        </p:txBody>
+      </p:sp>
+      <p:sp>
+        <p:nvSpPr>
+          <p:cNvPr id="4" name="Footer Placeholder 3"/>
+          <p:cNvSpPr>
+            <a:spLocks noGrp="1"/>
+          </p:cNvSpPr>
+          <p:nvPr>
+            <p:ph type="ftr" sz="quarter" idx="11"/>
+          </p:nvPr>
+        </p:nvSpPr>
+        <p:spPr/>
+        <p:txBody>
+          <a:bodyPr/>
+          <a:lstStyle/>
+          <a:p>
+            <a:r>
+              <a:rPr lang="en-US" smtClean="0"/>
+              <a:t>© Elephant Scale, 2014</a:t>
+            </a:r>
+            <a:endParaRPr lang="en-US" dirty="0"/>
+          </a:p>
+        </p:txBody>
+      </p:sp>
+    </p:spTree>
+  </p:cSld>
+  <p:clrMapOvr>
+    <a:masterClrMapping/>
+  </p:clrMapOvr>
+</p:sld>
+</file>
+
+<file path=ppt/slides/slide48.xml><?xml version="1.0" encoding="utf-8"?>
+<p:sld xmlns:a="http://schemas.openxmlformats.org/drawingml/2006/main" xmlns:r="http://schemas.openxmlformats.org/officeDocument/2006/relationships" xmlns:p="http://schemas.openxmlformats.org/presentationml/2006/main">
+  <p:cSld>
+    <p:spTree>
+      <p:nvGrpSpPr>
+        <p:cNvPr id="1" name=""/>
+        <p:cNvGrpSpPr/>
+        <p:nvPr/>
+      </p:nvGrpSpPr>
+      <p:grpSpPr>
+        <a:xfrm>
+          <a:off x="0" y="0"/>
+          <a:ext cx="0" cy="0"/>
+          <a:chOff x="0" y="0"/>
+          <a:chExt cx="0" cy="0"/>
+        </a:xfrm>
+      </p:grpSpPr>
+      <p:sp>
+        <p:nvSpPr>
+          <p:cNvPr id="2" name="Title 1"/>
+          <p:cNvSpPr>
+            <a:spLocks noGrp="1"/>
+          </p:cNvSpPr>
+          <p:nvPr>
+            <p:ph type="title"/>
+          </p:nvPr>
+        </p:nvSpPr>
+        <p:spPr/>
+        <p:txBody>
+          <a:bodyPr/>
+          <a:lstStyle/>
+          <a:p>
+            <a:r>
+              <a:rPr lang="en-US" dirty="0" smtClean="0"/>
+              <a:t>Measuring CF Performance</a:t>
+            </a:r>
+            <a:endParaRPr lang="en-US" dirty="0"/>
+          </a:p>
+        </p:txBody>
+      </p:sp>
+      <p:sp>
+        <p:nvSpPr>
+          <p:cNvPr id="3" name="Content Placeholder 2"/>
+          <p:cNvSpPr>
+            <a:spLocks noGrp="1"/>
+          </p:cNvSpPr>
+          <p:nvPr>
+            <p:ph idx="1"/>
+          </p:nvPr>
+        </p:nvSpPr>
+        <p:spPr/>
+        <p:txBody>
+          <a:bodyPr/>
+          <a:lstStyle/>
+          <a:p>
+            <a:r>
+              <a:rPr lang="en-US" dirty="0" smtClean="0"/>
+              <a:t>CF in Spark is treated as a “supervised” ML task.</a:t>
+            </a:r>
+          </a:p>
+          <a:p>
+            <a:pPr lvl="1"/>
+            <a:r>
+              <a:rPr lang="en-US" dirty="0" smtClean="0"/>
+              <a:t>Best if we have some test data not part of training set to compare.</a:t>
+            </a:r>
+          </a:p>
+          <a:p>
+            <a:pPr lvl="1"/>
+            <a:r>
+              <a:rPr lang="en-US" dirty="0" smtClean="0"/>
+              <a:t>If not, can use some training data.</a:t>
+            </a:r>
+          </a:p>
+          <a:p>
+            <a:r>
+              <a:rPr lang="en-US" dirty="0" smtClean="0"/>
+              <a:t>Calculate error = difference in predicted preference to actual.</a:t>
+            </a:r>
+          </a:p>
+          <a:p>
+            <a:pPr lvl="1"/>
+            <a:r>
+              <a:rPr lang="en-US" dirty="0" smtClean="0"/>
+              <a:t>Aggregate error as MSE (Mean Squared Error).</a:t>
+            </a:r>
+          </a:p>
+          <a:p>
+            <a:pPr lvl="1">
+              <a:buNone/>
+            </a:pPr>
+            <a:r>
+              <a:rPr lang="en-US" dirty="0" err="1" smtClean="0">
+                <a:latin typeface="Courier New" pitchFamily="49" charset="0"/>
+                <a:cs typeface="Courier New" pitchFamily="49" charset="0"/>
+              </a:rPr>
+              <a:t>val</a:t>
+            </a:r>
+            <a:r>
+              <a:rPr lang="en-US" dirty="0" smtClean="0">
+                <a:latin typeface="Courier New" pitchFamily="49" charset="0"/>
+                <a:cs typeface="Courier New" pitchFamily="49" charset="0"/>
+              </a:rPr>
+              <a:t> MSE = ratingsAndRecs.map { case ((user, item), (r1, r2)) =&gt; </a:t>
+            </a:r>
+          </a:p>
+          <a:p>
+            <a:pPr lvl="1">
+              <a:buNone/>
+            </a:pPr>
+            <a:r>
+              <a:rPr lang="en-US" dirty="0" smtClean="0">
+                <a:latin typeface="Courier New" pitchFamily="49" charset="0"/>
+                <a:cs typeface="Courier New" pitchFamily="49" charset="0"/>
+              </a:rPr>
+              <a:t>  </a:t>
+            </a:r>
+            <a:r>
+              <a:rPr lang="en-US" dirty="0" err="1" smtClean="0">
+                <a:latin typeface="Courier New" pitchFamily="49" charset="0"/>
+                <a:cs typeface="Courier New" pitchFamily="49" charset="0"/>
+              </a:rPr>
+              <a:t>val</a:t>
+            </a:r>
+            <a:r>
+              <a:rPr lang="en-US" dirty="0" smtClean="0">
+                <a:latin typeface="Courier New" pitchFamily="49" charset="0"/>
+                <a:cs typeface="Courier New" pitchFamily="49" charset="0"/>
+              </a:rPr>
+              <a:t> err = (r1 - r2)</a:t>
+            </a:r>
+          </a:p>
+          <a:p>
+            <a:pPr lvl="1">
+              <a:buNone/>
+            </a:pPr>
+            <a:r>
+              <a:rPr lang="en-US" dirty="0" smtClean="0">
+                <a:latin typeface="Courier New" pitchFamily="49" charset="0"/>
+                <a:cs typeface="Courier New" pitchFamily="49" charset="0"/>
+              </a:rPr>
+              <a:t>  err * err</a:t>
+            </a:r>
+          </a:p>
+          <a:p>
+            <a:pPr lvl="1">
+              <a:buNone/>
+            </a:pPr>
+            <a:r>
+              <a:rPr lang="en-US" dirty="0" smtClean="0">
+                <a:latin typeface="Courier New" pitchFamily="49" charset="0"/>
+                <a:cs typeface="Courier New" pitchFamily="49" charset="0"/>
+              </a:rPr>
+              <a:t>}.mean()</a:t>
+            </a:r>
+          </a:p>
+          <a:p>
+            <a:pPr lvl="1">
+              <a:buNone/>
+            </a:pPr>
+            <a:endParaRPr lang="en-US" dirty="0" smtClean="0"/>
+          </a:p>
+          <a:p>
+            <a:endParaRPr lang="en-US" dirty="0" smtClean="0"/>
+          </a:p>
+        </p:txBody>
+      </p:sp>
+      <p:sp>
+        <p:nvSpPr>
+          <p:cNvPr id="4" name="Footer Placeholder 3"/>
+          <p:cNvSpPr>
+            <a:spLocks noGrp="1"/>
+          </p:cNvSpPr>
+          <p:nvPr>
+            <p:ph type="ftr" sz="quarter" idx="11"/>
+          </p:nvPr>
+        </p:nvSpPr>
+        <p:spPr/>
+        <p:txBody>
+          <a:bodyPr/>
+          <a:lstStyle/>
+          <a:p>
+            <a:r>
+              <a:rPr lang="en-US" dirty="0" smtClean="0"/>
+              <a:t>© Elephant Scale, 2014</a:t>
+            </a:r>
+            <a:endParaRPr lang="en-US" dirty="0"/>
+          </a:p>
+        </p:txBody>
+      </p:sp>
+    </p:spTree>
+  </p:cSld>
+  <p:clrMapOvr>
+    <a:masterClrMapping/>
+  </p:clrMapOvr>
+</p:sld>
+</file>
+
+<file path=ppt/slides/slide49.xml><?xml version="1.0" encoding="utf-8"?>
+<p:sld xmlns:a="http://schemas.openxmlformats.org/drawingml/2006/main" xmlns:r="http://schemas.openxmlformats.org/officeDocument/2006/relationships" xmlns:p="http://schemas.openxmlformats.org/presentationml/2006/main">
+  <p:cSld>
+    <p:spTree>
+      <p:nvGrpSpPr>
+        <p:cNvPr id="1" name=""/>
+        <p:cNvGrpSpPr/>
+        <p:nvPr/>
+      </p:nvGrpSpPr>
+      <p:grpSpPr>
+        <a:xfrm>
+          <a:off x="0" y="0"/>
+          <a:ext cx="0" cy="0"/>
+          <a:chOff x="0" y="0"/>
+          <a:chExt cx="0" cy="0"/>
+        </a:xfrm>
+      </p:grpSpPr>
+      <p:sp>
+        <p:nvSpPr>
+          <p:cNvPr id="2" name="Title 1"/>
+          <p:cNvSpPr>
+            <a:spLocks noGrp="1"/>
+          </p:cNvSpPr>
+          <p:nvPr>
+            <p:ph type="title"/>
+          </p:nvPr>
+        </p:nvSpPr>
+        <p:spPr/>
+        <p:txBody>
+          <a:bodyPr/>
+          <a:lstStyle/>
+          <a:p>
+            <a:r>
+              <a:rPr lang="en-US" dirty="0" smtClean="0"/>
+              <a:t>Applying Results of Recommendations</a:t>
+            </a:r>
+            <a:endParaRPr lang="en-US" dirty="0"/>
+          </a:p>
+        </p:txBody>
+      </p:sp>
+      <p:sp>
+        <p:nvSpPr>
+          <p:cNvPr id="3" name="Content Placeholder 2"/>
+          <p:cNvSpPr>
+            <a:spLocks noGrp="1"/>
+          </p:cNvSpPr>
+          <p:nvPr>
+            <p:ph idx="1"/>
+          </p:nvPr>
+        </p:nvSpPr>
+        <p:spPr/>
+        <p:txBody>
+          <a:bodyPr/>
+          <a:lstStyle/>
+          <a:p>
+            <a:r>
+              <a:rPr lang="en-US" dirty="0" smtClean="0"/>
+              <a:t>Results is RDD[Rating]; Rating is (user, item, rating)</a:t>
+            </a:r>
+          </a:p>
+          <a:p>
+            <a:r>
+              <a:rPr lang="en-US" dirty="0" smtClean="0"/>
+              <a:t>Finding top-4 recommendations for each user:</a:t>
+            </a:r>
+          </a:p>
+          <a:p>
+            <a:pPr lvl="1"/>
+            <a:r>
+              <a:rPr lang="en-US" dirty="0" err="1" smtClean="0"/>
+              <a:t>val</a:t>
+            </a:r>
+            <a:r>
+              <a:rPr lang="en-US" dirty="0" smtClean="0"/>
+              <a:t> </a:t>
+            </a:r>
+            <a:r>
+              <a:rPr lang="en-US" dirty="0" err="1" smtClean="0"/>
+              <a:t>recsForEachUser</a:t>
+            </a:r>
+            <a:r>
+              <a:rPr lang="en-US" dirty="0" smtClean="0"/>
+              <a:t> = recs.map { case </a:t>
+            </a:r>
+            <a:r>
+              <a:rPr lang="en-US" dirty="0" smtClean="0"/>
+              <a:t>Rating(user</a:t>
+            </a:r>
+            <a:r>
+              <a:rPr lang="en-US" dirty="0" smtClean="0"/>
+              <a:t>, </a:t>
+            </a:r>
+            <a:r>
+              <a:rPr lang="en-US" dirty="0" smtClean="0"/>
+              <a:t>item, </a:t>
+            </a:r>
+            <a:r>
+              <a:rPr lang="en-US" dirty="0" smtClean="0"/>
+              <a:t>rating) =&gt; (user, item, rating</a:t>
+            </a:r>
+            <a:r>
+              <a:rPr lang="en-US" dirty="0" smtClean="0"/>
+              <a:t>) </a:t>
+            </a:r>
+            <a:r>
+              <a:rPr lang="en-US" dirty="0" smtClean="0"/>
+              <a:t>}.collect</a:t>
+            </a:r>
+            <a:r>
+              <a:rPr lang="en-US" dirty="0" smtClean="0"/>
+              <a:t>.</a:t>
+            </a:r>
+          </a:p>
+          <a:p>
+            <a:pPr lvl="2">
+              <a:buNone/>
+            </a:pPr>
+            <a:r>
+              <a:rPr lang="en-US" dirty="0" err="1" smtClean="0"/>
+              <a:t>groupBy</a:t>
+            </a:r>
+            <a:r>
+              <a:rPr lang="en-US" dirty="0" smtClean="0"/>
+              <a:t>(_._1</a:t>
+            </a:r>
+            <a:r>
+              <a:rPr lang="en-US" dirty="0" smtClean="0"/>
+              <a:t>).   // Group By User</a:t>
+            </a:r>
+          </a:p>
+          <a:p>
+            <a:pPr lvl="2">
+              <a:buNone/>
+            </a:pPr>
+            <a:r>
+              <a:rPr lang="en-US" dirty="0" err="1" smtClean="0"/>
+              <a:t>mapValues</a:t>
+            </a:r>
+            <a:r>
+              <a:rPr lang="en-US" dirty="0" smtClean="0"/>
+              <a:t>(_.</a:t>
+            </a:r>
+            <a:r>
+              <a:rPr lang="en-US" dirty="0" err="1" smtClean="0"/>
+              <a:t>sortBy</a:t>
+            </a:r>
+            <a:r>
+              <a:rPr lang="en-US" dirty="0" smtClean="0"/>
+              <a:t>(_._</a:t>
+            </a:r>
+            <a:r>
+              <a:rPr lang="en-US" dirty="0" smtClean="0"/>
+              <a:t>3</a:t>
+            </a:r>
+            <a:r>
+              <a:rPr lang="en-US" dirty="0" smtClean="0"/>
+              <a:t>). // Sort by Rating</a:t>
+            </a:r>
+          </a:p>
+          <a:p>
+            <a:pPr lvl="2">
+              <a:buNone/>
+            </a:pPr>
+            <a:r>
+              <a:rPr lang="en-US" dirty="0" smtClean="0"/>
+              <a:t>take(4)).  // Get top 4 ratings</a:t>
+            </a:r>
+          </a:p>
+          <a:p>
+            <a:pPr lvl="2">
+              <a:buNone/>
+            </a:pPr>
+            <a:r>
+              <a:rPr lang="en-US" dirty="0" err="1" smtClean="0"/>
+              <a:t>mapValues</a:t>
+            </a:r>
+            <a:r>
+              <a:rPr lang="en-US" dirty="0" smtClean="0"/>
+              <a:t>(_.map(_._2</a:t>
+            </a:r>
+            <a:r>
+              <a:rPr lang="en-US" dirty="0" smtClean="0"/>
+              <a:t>))  // Store Items for each rating</a:t>
+            </a:r>
+            <a:endParaRPr lang="en-US" dirty="0" smtClean="0"/>
+          </a:p>
+          <a:p>
+            <a:pPr lvl="1"/>
+            <a:endParaRPr lang="en-US" dirty="0" smtClean="0"/>
+          </a:p>
+          <a:p>
+            <a:endParaRPr lang="en-US" dirty="0"/>
+          </a:p>
+        </p:txBody>
+      </p:sp>
+      <p:sp>
+        <p:nvSpPr>
+          <p:cNvPr id="4" name="Footer Placeholder 3"/>
+          <p:cNvSpPr>
+            <a:spLocks noGrp="1"/>
+          </p:cNvSpPr>
+          <p:nvPr>
+            <p:ph type="ftr" sz="quarter" idx="11"/>
+          </p:nvPr>
+        </p:nvSpPr>
+        <p:spPr/>
+        <p:txBody>
+          <a:bodyPr/>
+          <a:lstStyle/>
+          <a:p>
+            <a:r>
+              <a:rPr lang="en-US" smtClean="0"/>
+              <a:t>© Elephant Scale, 2014</a:t>
+            </a:r>
+            <a:endParaRPr lang="en-US" dirty="0"/>
+          </a:p>
+        </p:txBody>
+      </p:sp>
+    </p:spTree>
+  </p:cSld>
+  <p:clrMapOvr>
+    <a:masterClrMapping/>
+  </p:clrMapOvr>
+</p:sld>
+</file>
+
+<file path=ppt/slides/slide5.xml><?xml version="1.0" encoding="utf-8"?>
+<p:sld xmlns:a="http://schemas.openxmlformats.org/drawingml/2006/main" xmlns:r="http://schemas.openxmlformats.org/officeDocument/2006/relationships" xmlns:p="http://schemas.openxmlformats.org/presentationml/2006/main">
+  <p:cSld>
+    <p:spTree>
+      <p:nvGrpSpPr>
+        <p:cNvPr id="1" name=""/>
+        <p:cNvGrpSpPr/>
+        <p:nvPr/>
+      </p:nvGrpSpPr>
+      <p:grpSpPr>
+        <a:xfrm>
+          <a:off x="0" y="0"/>
+          <a:ext cx="0" cy="0"/>
+          <a:chOff x="0" y="0"/>
+          <a:chExt cx="0" cy="0"/>
+        </a:xfrm>
+      </p:grpSpPr>
+      <p:sp>
+        <p:nvSpPr>
+          <p:cNvPr id="2" name="Title 1"/>
+          <p:cNvSpPr>
+            <a:spLocks noGrp="1"/>
+          </p:cNvSpPr>
+          <p:nvPr>
+            <p:ph type="title"/>
+          </p:nvPr>
+        </p:nvSpPr>
+        <p:spPr/>
+        <p:txBody>
+          <a:bodyPr/>
+          <a:lstStyle/>
+          <a:p>
+            <a:r>
+              <a:rPr lang="en-US" dirty="0" smtClean="0"/>
+              <a:t>Types of Machine Learning</a:t>
+            </a:r>
+            <a:endParaRPr lang="en-US" dirty="0"/>
+          </a:p>
+        </p:txBody>
+      </p:sp>
+      <p:sp>
+        <p:nvSpPr>
+          <p:cNvPr id="3" name="Content Placeholder 2"/>
+          <p:cNvSpPr>
+            <a:spLocks noGrp="1"/>
+          </p:cNvSpPr>
+          <p:nvPr>
+            <p:ph idx="1"/>
+          </p:nvPr>
+        </p:nvSpPr>
+        <p:spPr/>
+        <p:txBody>
+          <a:bodyPr>
+            <a:normAutofit fontScale="92500" lnSpcReduction="10000"/>
+          </a:bodyPr>
+          <a:lstStyle/>
+          <a:p>
+            <a:pPr>
+              <a:defRPr/>
+            </a:pPr>
+            <a:r>
+              <a:rPr lang="en-US" dirty="0" smtClean="0"/>
+              <a:t>Supervised Machine Learning:</a:t>
+            </a:r>
+          </a:p>
+          <a:p>
+            <a:pPr lvl="1">
+              <a:defRPr/>
+            </a:pPr>
+            <a:r>
+              <a:rPr lang="en-US" dirty="0" smtClean="0">
+                <a:solidFill>
+                  <a:schemeClr val="tx1"/>
+                </a:solidFill>
+              </a:rPr>
+              <a:t>A model is “trained” with human labeled training data.</a:t>
+            </a:r>
+          </a:p>
+          <a:p>
+            <a:pPr lvl="1">
+              <a:defRPr/>
+            </a:pPr>
+            <a:r>
+              <a:rPr lang="en-US" dirty="0" smtClean="0">
+                <a:solidFill>
+                  <a:schemeClr val="tx1"/>
+                </a:solidFill>
+              </a:rPr>
+              <a:t>Model then tested on other training data to see performance</a:t>
+            </a:r>
+          </a:p>
+          <a:p>
+            <a:pPr lvl="1">
+              <a:defRPr/>
+            </a:pPr>
+            <a:r>
+              <a:rPr lang="en-US" dirty="0" smtClean="0">
+                <a:solidFill>
+                  <a:schemeClr val="tx1"/>
+                </a:solidFill>
+              </a:rPr>
+              <a:t>Model can then be applied to unknown data.</a:t>
+            </a:r>
+          </a:p>
+          <a:p>
+            <a:pPr lvl="1">
+              <a:defRPr/>
+            </a:pPr>
+            <a:r>
+              <a:rPr lang="en-US" dirty="0" smtClean="0">
+                <a:solidFill>
+                  <a:schemeClr val="tx1"/>
+                </a:solidFill>
+              </a:rPr>
+              <a:t>Classification &amp; regression usually supervised.</a:t>
+            </a:r>
+          </a:p>
+          <a:p>
+            <a:pPr>
+              <a:defRPr/>
+            </a:pPr>
+            <a:r>
+              <a:rPr lang="en-US" dirty="0" smtClean="0"/>
+              <a:t>Unsupervised Machine Learning</a:t>
+            </a:r>
+          </a:p>
+          <a:p>
+            <a:pPr lvl="1">
+              <a:defRPr/>
+            </a:pPr>
+            <a:r>
+              <a:rPr lang="en-US" dirty="0" smtClean="0"/>
+              <a:t>Model tries to find natural patterns in the data.</a:t>
+            </a:r>
+          </a:p>
+          <a:p>
+            <a:pPr lvl="1">
+              <a:defRPr/>
+            </a:pPr>
+            <a:r>
+              <a:rPr lang="en-US" dirty="0" smtClean="0"/>
+              <a:t>No human input except parameters of the model.</a:t>
+            </a:r>
+          </a:p>
+          <a:p>
+            <a:pPr lvl="1">
+              <a:defRPr/>
+            </a:pPr>
+            <a:r>
+              <a:rPr lang="en-US" dirty="0" smtClean="0"/>
+              <a:t>Example: Clustering</a:t>
+            </a:r>
+            <a:endParaRPr lang="en-US" dirty="0"/>
+          </a:p>
+          <a:p>
+            <a:pPr>
+              <a:defRPr/>
+            </a:pPr>
+            <a:r>
+              <a:rPr lang="en-US" dirty="0" smtClean="0"/>
+              <a:t>Semi-Supervised Learning</a:t>
+            </a:r>
+          </a:p>
+          <a:p>
+            <a:pPr lvl="1">
+              <a:defRPr/>
+            </a:pPr>
+            <a:r>
+              <a:rPr lang="en-US" dirty="0" smtClean="0"/>
+              <a:t>Model is trained with a training set which contains mix of trained and untrained data</a:t>
+            </a:r>
+            <a:endParaRPr lang="en-US" dirty="0"/>
+          </a:p>
+          <a:p>
+            <a:pPr>
+              <a:defRPr/>
+            </a:pPr>
+            <a:endParaRPr lang="en-US" dirty="0"/>
+          </a:p>
+          <a:p>
+            <a:endParaRPr lang="en-US" dirty="0"/>
+          </a:p>
+        </p:txBody>
+      </p:sp>
+      <p:sp>
+        <p:nvSpPr>
+          <p:cNvPr id="4" name="Footer Placeholder 3"/>
+          <p:cNvSpPr>
+            <a:spLocks noGrp="1"/>
+          </p:cNvSpPr>
+          <p:nvPr>
+            <p:ph type="ftr" sz="quarter" idx="11"/>
+          </p:nvPr>
+        </p:nvSpPr>
+        <p:spPr/>
+        <p:txBody>
+          <a:bodyPr/>
+          <a:lstStyle/>
+          <a:p>
+            <a:r>
+              <a:rPr lang="en-US" smtClean="0"/>
+              <a:t>© Elephant Scale, 2014</a:t>
+            </a:r>
+            <a:endParaRPr lang="en-US" dirty="0"/>
+          </a:p>
+        </p:txBody>
+      </p:sp>
+    </p:spTree>
+    <p:extLst>
+      <p:ext uri="{BB962C8B-B14F-4D97-AF65-F5344CB8AC3E}">
+        <p14:creationId xmlns:p14="http://schemas.microsoft.com/office/powerpoint/2010/main" xmlns="" val="1286301917"/>
+      </p:ext>
+    </p:extLst>
+  </p:cSld>
+  <p:clrMapOvr>
+    <a:masterClrMapping/>
+  </p:clrMapOvr>
+</p:sld>
+</file>
+
+<file path=ppt/slides/slide50.xml><?xml version="1.0" encoding="utf-8"?>
+<p:sld xmlns:a="http://schemas.openxmlformats.org/drawingml/2006/main" xmlns:r="http://schemas.openxmlformats.org/officeDocument/2006/relationships" xmlns:p="http://schemas.openxmlformats.org/presentationml/2006/main">
+  <p:cSld>
+    <p:spTree>
+      <p:nvGrpSpPr>
+        <p:cNvPr id="1" name=""/>
+        <p:cNvGrpSpPr/>
+        <p:nvPr/>
+      </p:nvGrpSpPr>
+      <p:grpSpPr>
+        <a:xfrm>
+          <a:off x="0" y="0"/>
+          <a:ext cx="0" cy="0"/>
+          <a:chOff x="0" y="0"/>
+          <a:chExt cx="0" cy="0"/>
+        </a:xfrm>
+      </p:grpSpPr>
+      <p:sp>
+        <p:nvSpPr>
+          <p:cNvPr id="2" name="Title 1"/>
+          <p:cNvSpPr>
+            <a:spLocks noGrp="1"/>
+          </p:cNvSpPr>
+          <p:nvPr>
+            <p:ph type="title"/>
+          </p:nvPr>
+        </p:nvSpPr>
+        <p:spPr/>
+        <p:txBody>
+          <a:bodyPr/>
+          <a:lstStyle/>
+          <a:p>
+            <a:r>
+              <a:rPr lang="en-US" dirty="0" smtClean="0"/>
+              <a:t>Recommendations Lab</a:t>
+            </a:r>
+            <a:endParaRPr lang="en-US" dirty="0"/>
+          </a:p>
+        </p:txBody>
+      </p:sp>
+      <p:sp>
+        <p:nvSpPr>
+          <p:cNvPr id="3" name="Content Placeholder 2"/>
+          <p:cNvSpPr>
+            <a:spLocks noGrp="1"/>
+          </p:cNvSpPr>
+          <p:nvPr>
+            <p:ph idx="1"/>
+          </p:nvPr>
+        </p:nvSpPr>
+        <p:spPr/>
+        <p:txBody>
+          <a:bodyPr/>
+          <a:lstStyle/>
+          <a:p>
+            <a:r>
+              <a:rPr lang="en-US" dirty="0" smtClean="0"/>
+              <a:t>We will use data from a Czech dating website: </a:t>
+            </a:r>
+            <a:r>
+              <a:rPr lang="en-US" dirty="0" err="1" smtClean="0"/>
+              <a:t>libimseti</a:t>
+            </a:r>
+            <a:endParaRPr lang="en-US" dirty="0" smtClean="0"/>
+          </a:p>
+          <a:p>
+            <a:r>
+              <a:rPr lang="en-US" dirty="0" smtClean="0"/>
+              <a:t>location   : </a:t>
+            </a:r>
+            <a:r>
+              <a:rPr lang="en-US" dirty="0" err="1" smtClean="0"/>
+              <a:t>mllib</a:t>
+            </a:r>
+            <a:r>
+              <a:rPr lang="en-US" dirty="0" smtClean="0"/>
+              <a:t>/</a:t>
+            </a:r>
+            <a:r>
+              <a:rPr lang="en-US" dirty="0" err="1" smtClean="0"/>
+              <a:t>recs</a:t>
+            </a:r>
+            <a:endParaRPr lang="en-US" dirty="0" smtClean="0"/>
+          </a:p>
+          <a:p>
+            <a:r>
+              <a:rPr lang="en-US" dirty="0" smtClean="0"/>
+              <a:t>Try out the solution line-by-line</a:t>
+            </a:r>
+          </a:p>
+        </p:txBody>
+      </p:sp>
+      <p:sp>
+        <p:nvSpPr>
+          <p:cNvPr id="4" name="Footer Placeholder 3"/>
+          <p:cNvSpPr>
+            <a:spLocks noGrp="1"/>
+          </p:cNvSpPr>
+          <p:nvPr>
+            <p:ph type="ftr" sz="quarter" idx="11"/>
+          </p:nvPr>
+        </p:nvSpPr>
+        <p:spPr/>
+        <p:txBody>
+          <a:bodyPr/>
+          <a:lstStyle/>
+          <a:p>
+            <a:r>
+              <a:rPr lang="en-US" smtClean="0"/>
+              <a:t>(c) ElephantScale.com 2014</a:t>
+            </a:r>
+            <a:endParaRPr lang="en-US"/>
+          </a:p>
+        </p:txBody>
+      </p:sp>
+      <p:sp>
+        <p:nvSpPr>
+          <p:cNvPr id="5" name="Slide Number Placeholder 4"/>
+          <p:cNvSpPr>
+            <a:spLocks noGrp="1"/>
+          </p:cNvSpPr>
+          <p:nvPr>
+            <p:ph type="sldNum" sz="quarter" idx="12"/>
+          </p:nvPr>
+        </p:nvSpPr>
+        <p:spPr/>
+        <p:txBody>
+          <a:bodyPr/>
+          <a:lstStyle/>
+          <a:p>
+            <a:fld id="{4AD8DDEF-9CD1-B641-ADE5-2BEE59567BE6}" type="slidenum">
+              <a:rPr lang="en-US" smtClean="0"/>
+              <a:pPr/>
+              <a:t>50</a:t>
+            </a:fld>
+            <a:endParaRPr lang="en-US"/>
+          </a:p>
+        </p:txBody>
+      </p:sp>
+    </p:spTree>
+    <p:extLst>
+      <p:ext uri="{BB962C8B-B14F-4D97-AF65-F5344CB8AC3E}">
+        <p14:creationId xmlns:p14="http://schemas.microsoft.com/office/powerpoint/2010/main" xmlns="" val="3599210062"/>
+      </p:ext>
+    </p:extLst>
+  </p:cSld>
+  <p:clrMapOvr>
+    <a:masterClrMapping/>
+  </p:clrMapOvr>
+  <p:timing>
+    <p:tnLst>
+      <p:par>
+        <p:cTn id="1" dur="indefinite" restart="never" nodeType="tmRoot"/>
+      </p:par>
+    </p:tnLst>
+  </p:timing>
+</p:sld>
+</file>
+
+<file path=ppt/slides/slide51.xml><?xml version="1.0" encoding="utf-8"?>
+<p:sld xmlns:a="http://schemas.openxmlformats.org/drawingml/2006/main" xmlns:r="http://schemas.openxmlformats.org/officeDocument/2006/relationships" xmlns:p="http://schemas.openxmlformats.org/presentationml/2006/main">
+  <p:cSld>
+    <p:spTree>
+      <p:nvGrpSpPr>
+        <p:cNvPr id="1" name=""/>
+        <p:cNvGrpSpPr/>
+        <p:nvPr/>
+      </p:nvGrpSpPr>
+      <p:grpSpPr>
+        <a:xfrm>
+          <a:off x="0" y="0"/>
+          <a:ext cx="0" cy="0"/>
+          <a:chOff x="0" y="0"/>
+          <a:chExt cx="0" cy="0"/>
+        </a:xfrm>
+      </p:grpSpPr>
+      <p:sp>
+        <p:nvSpPr>
+          <p:cNvPr id="2" name="Title 1"/>
+          <p:cNvSpPr>
+            <a:spLocks noGrp="1"/>
+          </p:cNvSpPr>
+          <p:nvPr>
+            <p:ph type="title"/>
+          </p:nvPr>
+        </p:nvSpPr>
+        <p:spPr/>
+        <p:txBody>
+          <a:bodyPr/>
+          <a:lstStyle/>
+          <a:p>
+            <a:r>
+              <a:rPr lang="en-US" dirty="0" smtClean="0"/>
+              <a:t>Next : Classifications</a:t>
+            </a:r>
+            <a:endParaRPr lang="en-US" dirty="0"/>
+          </a:p>
+        </p:txBody>
+      </p:sp>
+      <p:sp>
+        <p:nvSpPr>
+          <p:cNvPr id="3" name="Content Placeholder 2"/>
+          <p:cNvSpPr>
+            <a:spLocks noGrp="1"/>
+          </p:cNvSpPr>
+          <p:nvPr>
+            <p:ph idx="1"/>
+          </p:nvPr>
+        </p:nvSpPr>
+        <p:spPr/>
+        <p:txBody>
+          <a:bodyPr/>
+          <a:lstStyle/>
+          <a:p>
+            <a:endParaRPr lang="en-US"/>
+          </a:p>
+        </p:txBody>
+      </p:sp>
+      <p:sp>
+        <p:nvSpPr>
+          <p:cNvPr id="4" name="Footer Placeholder 3"/>
+          <p:cNvSpPr>
+            <a:spLocks noGrp="1"/>
+          </p:cNvSpPr>
+          <p:nvPr>
+            <p:ph type="ftr" sz="quarter" idx="11"/>
+          </p:nvPr>
+        </p:nvSpPr>
+        <p:spPr/>
+        <p:txBody>
+          <a:bodyPr/>
+          <a:lstStyle/>
+          <a:p>
+            <a:r>
+              <a:rPr lang="en-US" smtClean="0"/>
+              <a:t>(c) ElephantScale.com 2014</a:t>
+            </a:r>
+            <a:endParaRPr lang="en-US"/>
+          </a:p>
+        </p:txBody>
+      </p:sp>
+      <p:sp>
+        <p:nvSpPr>
+          <p:cNvPr id="5" name="Slide Number Placeholder 4"/>
+          <p:cNvSpPr>
+            <a:spLocks noGrp="1"/>
+          </p:cNvSpPr>
+          <p:nvPr>
+            <p:ph type="sldNum" sz="quarter" idx="12"/>
+          </p:nvPr>
+        </p:nvSpPr>
+        <p:spPr/>
+        <p:txBody>
+          <a:bodyPr/>
+          <a:lstStyle/>
+          <a:p>
+            <a:fld id="{4AD8DDEF-9CD1-B641-ADE5-2BEE59567BE6}" type="slidenum">
+              <a:rPr lang="en-US" smtClean="0"/>
+              <a:pPr/>
+              <a:t>51</a:t>
+            </a:fld>
+            <a:endParaRPr lang="en-US"/>
+          </a:p>
+        </p:txBody>
+      </p:sp>
+    </p:spTree>
+    <p:extLst>
+      <p:ext uri="{BB962C8B-B14F-4D97-AF65-F5344CB8AC3E}">
+        <p14:creationId xmlns:p14="http://schemas.microsoft.com/office/powerpoint/2010/main" xmlns="" val="3435585138"/>
+      </p:ext>
+    </p:extLst>
+  </p:cSld>
+  <p:clrMapOvr>
+    <a:masterClrMapping/>
+  </p:clrMapOvr>
+  <p:timing>
+    <p:tnLst>
+      <p:par>
+        <p:cTn id="1" dur="indefinite" restart="never" nodeType="tmRoot"/>
+      </p:par>
+    </p:tnLst>
+  </p:timing>
+</p:sld>
+</file>
+
+<file path=ppt/slides/slide52.xml><?xml version="1.0" encoding="utf-8"?>
+<p:sld xmlns:a="http://schemas.openxmlformats.org/drawingml/2006/main" xmlns:r="http://schemas.openxmlformats.org/officeDocument/2006/relationships" xmlns:p="http://schemas.openxmlformats.org/presentationml/2006/main">
+  <p:cSld>
+    <p:spTree>
+      <p:nvGrpSpPr>
+        <p:cNvPr id="1" name=""/>
+        <p:cNvGrpSpPr/>
+        <p:nvPr/>
+      </p:nvGrpSpPr>
+      <p:grpSpPr>
+        <a:xfrm>
+          <a:off x="0" y="0"/>
+          <a:ext cx="0" cy="0"/>
+          <a:chOff x="0" y="0"/>
+          <a:chExt cx="0" cy="0"/>
+        </a:xfrm>
+      </p:grpSpPr>
+      <p:sp>
+        <p:nvSpPr>
+          <p:cNvPr id="2" name="Title 1"/>
+          <p:cNvSpPr>
+            <a:spLocks noGrp="1"/>
+          </p:cNvSpPr>
+          <p:nvPr>
+            <p:ph type="title"/>
+          </p:nvPr>
+        </p:nvSpPr>
+        <p:spPr/>
+        <p:txBody>
+          <a:bodyPr/>
+          <a:lstStyle/>
+          <a:p>
+            <a:r>
+              <a:rPr lang="en-US" dirty="0" smtClean="0"/>
               <a:t>Classification Applications</a:t>
             </a:r>
             <a:endParaRPr lang="en-US" dirty="0"/>
@@ -17345,7 +19575,7 @@
             <a:fld id="{4AD8DDEF-9CD1-B641-ADE5-2BEE59567BE6}" type="slidenum">
               <a:rPr lang="en-US" smtClean="0"/>
               <a:pPr/>
-              <a:t>45</a:t>
+              <a:t>52</a:t>
             </a:fld>
             <a:endParaRPr lang="en-US"/>
           </a:p>
@@ -17428,1233 +19658,6 @@
 </p:sld>
 </file>
 
-<file path=ppt/slides/slide46.xml><?xml version="1.0" encoding="utf-8"?>
-<p:sld xmlns:a="http://schemas.openxmlformats.org/drawingml/2006/main" xmlns:r="http://schemas.openxmlformats.org/officeDocument/2006/relationships" xmlns:p="http://schemas.openxmlformats.org/presentationml/2006/main">
-  <p:cSld>
-    <p:spTree>
-      <p:nvGrpSpPr>
-        <p:cNvPr id="1" name=""/>
-        <p:cNvGrpSpPr/>
-        <p:nvPr/>
-      </p:nvGrpSpPr>
-      <p:grpSpPr>
-        <a:xfrm>
-          <a:off x="0" y="0"/>
-          <a:ext cx="0" cy="0"/>
-          <a:chOff x="0" y="0"/>
-          <a:chExt cx="0" cy="0"/>
-        </a:xfrm>
-      </p:grpSpPr>
-      <p:sp>
-        <p:nvSpPr>
-          <p:cNvPr id="2" name="Title 1"/>
-          <p:cNvSpPr>
-            <a:spLocks noGrp="1"/>
-          </p:cNvSpPr>
-          <p:nvPr>
-            <p:ph type="title"/>
-          </p:nvPr>
-        </p:nvSpPr>
-        <p:spPr/>
-        <p:txBody>
-          <a:bodyPr/>
-          <a:lstStyle/>
-          <a:p>
-            <a:r>
-              <a:rPr lang="en-US" dirty="0" smtClean="0"/>
-              <a:t>Classification</a:t>
-            </a:r>
-            <a:endParaRPr lang="en-US" dirty="0"/>
-          </a:p>
-        </p:txBody>
-      </p:sp>
-      <p:sp>
-        <p:nvSpPr>
-          <p:cNvPr id="3" name="Content Placeholder 2"/>
-          <p:cNvSpPr>
-            <a:spLocks noGrp="1"/>
-          </p:cNvSpPr>
-          <p:nvPr>
-            <p:ph idx="1"/>
-          </p:nvPr>
-        </p:nvSpPr>
-        <p:spPr/>
-        <p:txBody>
-          <a:bodyPr/>
-          <a:lstStyle/>
-          <a:p>
-            <a:r>
-              <a:rPr lang="en-US" dirty="0" smtClean="0"/>
-              <a:t>Classification is a model which learns from data in order to identify data into classes.</a:t>
-            </a:r>
-          </a:p>
-          <a:p>
-            <a:r>
-              <a:rPr lang="en-US" dirty="0" smtClean="0"/>
-              <a:t>Same as regression – except categorical rather than numeric</a:t>
-            </a:r>
-          </a:p>
-          <a:p>
-            <a:r>
-              <a:rPr lang="en-US" dirty="0" smtClean="0"/>
-              <a:t>Classification (and regression) are supervised (or at least semi-supervised) methods.</a:t>
-            </a:r>
-          </a:p>
-          <a:p>
-            <a:r>
-              <a:rPr lang="en-US" dirty="0" smtClean="0"/>
-              <a:t>A special category of classification is binary classification: a yes/no response.</a:t>
-            </a:r>
-          </a:p>
-        </p:txBody>
-      </p:sp>
-      <p:sp>
-        <p:nvSpPr>
-          <p:cNvPr id="4" name="Footer Placeholder 3"/>
-          <p:cNvSpPr>
-            <a:spLocks noGrp="1"/>
-          </p:cNvSpPr>
-          <p:nvPr>
-            <p:ph type="ftr" sz="quarter" idx="11"/>
-          </p:nvPr>
-        </p:nvSpPr>
-        <p:spPr/>
-        <p:txBody>
-          <a:bodyPr/>
-          <a:lstStyle/>
-          <a:p>
-            <a:r>
-              <a:rPr lang="en-US" smtClean="0"/>
-              <a:t>(c) ElephantScale.com 2014</a:t>
-            </a:r>
-            <a:endParaRPr lang="en-US"/>
-          </a:p>
-        </p:txBody>
-      </p:sp>
-      <p:sp>
-        <p:nvSpPr>
-          <p:cNvPr id="5" name="Slide Number Placeholder 4"/>
-          <p:cNvSpPr>
-            <a:spLocks noGrp="1"/>
-          </p:cNvSpPr>
-          <p:nvPr>
-            <p:ph type="sldNum" sz="quarter" idx="12"/>
-          </p:nvPr>
-        </p:nvSpPr>
-        <p:spPr/>
-        <p:txBody>
-          <a:bodyPr/>
-          <a:lstStyle/>
-          <a:p>
-            <a:fld id="{4AD8DDEF-9CD1-B641-ADE5-2BEE59567BE6}" type="slidenum">
-              <a:rPr lang="en-US" smtClean="0"/>
-              <a:pPr/>
-              <a:t>46</a:t>
-            </a:fld>
-            <a:endParaRPr lang="en-US"/>
-          </a:p>
-        </p:txBody>
-      </p:sp>
-    </p:spTree>
-    <p:extLst>
-      <p:ext uri="{BB962C8B-B14F-4D97-AF65-F5344CB8AC3E}">
-        <p14:creationId xmlns:p14="http://schemas.microsoft.com/office/powerpoint/2010/main" xmlns="" val="1883103018"/>
-      </p:ext>
-    </p:extLst>
-  </p:cSld>
-  <p:clrMapOvr>
-    <a:masterClrMapping/>
-  </p:clrMapOvr>
-  <p:timing>
-    <p:tnLst>
-      <p:par>
-        <p:cTn id="1" dur="indefinite" restart="never" nodeType="tmRoot"/>
-      </p:par>
-    </p:tnLst>
-  </p:timing>
-</p:sld>
-</file>
-
-<file path=ppt/slides/slide47.xml><?xml version="1.0" encoding="utf-8"?>
-<p:sld xmlns:a="http://schemas.openxmlformats.org/drawingml/2006/main" xmlns:r="http://schemas.openxmlformats.org/officeDocument/2006/relationships" xmlns:p="http://schemas.openxmlformats.org/presentationml/2006/main">
-  <p:cSld>
-    <p:spTree>
-      <p:nvGrpSpPr>
-        <p:cNvPr id="1" name=""/>
-        <p:cNvGrpSpPr/>
-        <p:nvPr/>
-      </p:nvGrpSpPr>
-      <p:grpSpPr>
-        <a:xfrm>
-          <a:off x="0" y="0"/>
-          <a:ext cx="0" cy="0"/>
-          <a:chOff x="0" y="0"/>
-          <a:chExt cx="0" cy="0"/>
-        </a:xfrm>
-      </p:grpSpPr>
-      <p:sp>
-        <p:nvSpPr>
-          <p:cNvPr id="2" name="Title 1"/>
-          <p:cNvSpPr>
-            <a:spLocks noGrp="1"/>
-          </p:cNvSpPr>
-          <p:nvPr>
-            <p:ph type="title"/>
-          </p:nvPr>
-        </p:nvSpPr>
-        <p:spPr/>
-        <p:txBody>
-          <a:bodyPr/>
-          <a:lstStyle/>
-          <a:p>
-            <a:r>
-              <a:rPr lang="en-US" dirty="0" smtClean="0"/>
-              <a:t>Review of Classification Algorithms</a:t>
-            </a:r>
-            <a:endParaRPr lang="en-US" dirty="0"/>
-          </a:p>
-        </p:txBody>
-      </p:sp>
-      <p:sp>
-        <p:nvSpPr>
-          <p:cNvPr id="3" name="Content Placeholder 2"/>
-          <p:cNvSpPr>
-            <a:spLocks noGrp="1"/>
-          </p:cNvSpPr>
-          <p:nvPr>
-            <p:ph idx="1"/>
-          </p:nvPr>
-        </p:nvSpPr>
-        <p:spPr/>
-        <p:txBody>
-          <a:bodyPr/>
-          <a:lstStyle/>
-          <a:p>
-            <a:pPr lvl="1"/>
-            <a:r>
-              <a:rPr lang="en-US" dirty="0" smtClean="0"/>
-              <a:t>Naïve </a:t>
-            </a:r>
-            <a:r>
-              <a:rPr lang="en-US" dirty="0" err="1" smtClean="0"/>
-              <a:t>Bayes</a:t>
-            </a:r>
-            <a:endParaRPr lang="en-US" dirty="0" smtClean="0"/>
-          </a:p>
-          <a:p>
-            <a:pPr lvl="1"/>
-            <a:r>
-              <a:rPr lang="en-US" dirty="0" smtClean="0"/>
-              <a:t>Support Vector Machines (using Stochastic Gradient Descent)</a:t>
-            </a:r>
-          </a:p>
-          <a:p>
-            <a:pPr lvl="1"/>
-            <a:r>
-              <a:rPr lang="en-US" dirty="0" smtClean="0"/>
-              <a:t>Logistic Regression / </a:t>
-            </a:r>
-            <a:r>
-              <a:rPr lang="en-US" dirty="0" err="1" smtClean="0"/>
-              <a:t>MaxEntropy</a:t>
-            </a:r>
-            <a:endParaRPr lang="en-US" dirty="0" smtClean="0"/>
-          </a:p>
-          <a:p>
-            <a:pPr lvl="1"/>
-            <a:r>
-              <a:rPr lang="en-US" dirty="0" smtClean="0"/>
-              <a:t>Decision Trees</a:t>
-            </a:r>
-          </a:p>
-          <a:p>
-            <a:pPr lvl="2"/>
-            <a:r>
-              <a:rPr lang="en-US" dirty="0" smtClean="0"/>
-              <a:t>A basic decision tree is pretty simple. </a:t>
-            </a:r>
-          </a:p>
-          <a:p>
-            <a:pPr lvl="2"/>
-            <a:r>
-              <a:rPr lang="en-US" dirty="0" smtClean="0"/>
-              <a:t>It is a set of rules collect the rule</a:t>
-            </a:r>
-          </a:p>
-          <a:p>
-            <a:pPr lvl="2"/>
-            <a:r>
-              <a:rPr lang="en-US" dirty="0" smtClean="0"/>
-              <a:t>Decision tree learning is a means of inferring an appropriate decision tree from the data.</a:t>
-            </a:r>
-          </a:p>
-        </p:txBody>
-      </p:sp>
-      <p:sp>
-        <p:nvSpPr>
-          <p:cNvPr id="4" name="Footer Placeholder 3"/>
-          <p:cNvSpPr>
-            <a:spLocks noGrp="1"/>
-          </p:cNvSpPr>
-          <p:nvPr>
-            <p:ph type="ftr" sz="quarter" idx="11"/>
-          </p:nvPr>
-        </p:nvSpPr>
-        <p:spPr/>
-        <p:txBody>
-          <a:bodyPr/>
-          <a:lstStyle/>
-          <a:p>
-            <a:r>
-              <a:rPr lang="en-US" smtClean="0"/>
-              <a:t>(c) ElephantScale.com 2014</a:t>
-            </a:r>
-            <a:endParaRPr lang="en-US"/>
-          </a:p>
-        </p:txBody>
-      </p:sp>
-      <p:sp>
-        <p:nvSpPr>
-          <p:cNvPr id="5" name="Slide Number Placeholder 4"/>
-          <p:cNvSpPr>
-            <a:spLocks noGrp="1"/>
-          </p:cNvSpPr>
-          <p:nvPr>
-            <p:ph type="sldNum" sz="quarter" idx="12"/>
-          </p:nvPr>
-        </p:nvSpPr>
-        <p:spPr/>
-        <p:txBody>
-          <a:bodyPr/>
-          <a:lstStyle/>
-          <a:p>
-            <a:fld id="{4AD8DDEF-9CD1-B641-ADE5-2BEE59567BE6}" type="slidenum">
-              <a:rPr lang="en-US" smtClean="0"/>
-              <a:pPr/>
-              <a:t>47</a:t>
-            </a:fld>
-            <a:endParaRPr lang="en-US"/>
-          </a:p>
-        </p:txBody>
-      </p:sp>
-    </p:spTree>
-    <p:extLst>
-      <p:ext uri="{BB962C8B-B14F-4D97-AF65-F5344CB8AC3E}">
-        <p14:creationId xmlns:p14="http://schemas.microsoft.com/office/powerpoint/2010/main" xmlns="" val="1098878060"/>
-      </p:ext>
-    </p:extLst>
-  </p:cSld>
-  <p:clrMapOvr>
-    <a:masterClrMapping/>
-  </p:clrMapOvr>
-  <p:timing>
-    <p:tnLst>
-      <p:par>
-        <p:cTn id="1" dur="indefinite" restart="never" nodeType="tmRoot"/>
-      </p:par>
-    </p:tnLst>
-  </p:timing>
-</p:sld>
-</file>
-
-<file path=ppt/slides/slide48.xml><?xml version="1.0" encoding="utf-8"?>
-<p:sld xmlns:a="http://schemas.openxmlformats.org/drawingml/2006/main" xmlns:r="http://schemas.openxmlformats.org/officeDocument/2006/relationships" xmlns:p="http://schemas.openxmlformats.org/presentationml/2006/main">
-  <p:cSld>
-    <p:spTree>
-      <p:nvGrpSpPr>
-        <p:cNvPr id="1" name=""/>
-        <p:cNvGrpSpPr/>
-        <p:nvPr/>
-      </p:nvGrpSpPr>
-      <p:grpSpPr>
-        <a:xfrm>
-          <a:off x="0" y="0"/>
-          <a:ext cx="0" cy="0"/>
-          <a:chOff x="0" y="0"/>
-          <a:chExt cx="0" cy="0"/>
-        </a:xfrm>
-      </p:grpSpPr>
-      <p:sp>
-        <p:nvSpPr>
-          <p:cNvPr id="2" name="Title 1"/>
-          <p:cNvSpPr>
-            <a:spLocks noGrp="1"/>
-          </p:cNvSpPr>
-          <p:nvPr>
-            <p:ph type="title"/>
-          </p:nvPr>
-        </p:nvSpPr>
-        <p:spPr/>
-        <p:txBody>
-          <a:bodyPr/>
-          <a:lstStyle/>
-          <a:p>
-            <a:r>
-              <a:rPr lang="en-US" dirty="0" smtClean="0"/>
-              <a:t>Support Vector Machines (SVMs)</a:t>
-            </a:r>
-            <a:endParaRPr lang="en-US" dirty="0"/>
-          </a:p>
-        </p:txBody>
-      </p:sp>
-      <p:sp>
-        <p:nvSpPr>
-          <p:cNvPr id="3" name="Content Placeholder 2"/>
-          <p:cNvSpPr>
-            <a:spLocks noGrp="1"/>
-          </p:cNvSpPr>
-          <p:nvPr>
-            <p:ph idx="1"/>
-          </p:nvPr>
-        </p:nvSpPr>
-        <p:spPr/>
-        <p:txBody>
-          <a:bodyPr/>
-          <a:lstStyle/>
-          <a:p>
-            <a:r>
-              <a:rPr lang="en-US" dirty="0" smtClean="0"/>
-              <a:t>Support Vector Machine is a classification method that is:</a:t>
-            </a:r>
-          </a:p>
-          <a:p>
-            <a:pPr lvl="1"/>
-            <a:r>
-              <a:rPr lang="en-US" dirty="0" smtClean="0"/>
-              <a:t>Supervised (trained)</a:t>
-            </a:r>
-          </a:p>
-          <a:p>
-            <a:pPr lvl="1"/>
-            <a:r>
-              <a:rPr lang="en-US" dirty="0" smtClean="0"/>
-              <a:t>Linear</a:t>
-            </a:r>
-          </a:p>
-          <a:p>
-            <a:pPr lvl="1"/>
-            <a:r>
-              <a:rPr lang="en-US" dirty="0" smtClean="0"/>
-              <a:t>Binary (splits into 2 classes)</a:t>
-            </a:r>
-          </a:p>
-          <a:p>
-            <a:pPr lvl="1"/>
-            <a:r>
-              <a:rPr lang="en-US" dirty="0" smtClean="0"/>
-              <a:t>Crisp (not fuzzy, not </a:t>
-            </a:r>
-            <a:r>
-              <a:rPr lang="en-US" dirty="0" err="1" smtClean="0"/>
-              <a:t>probablistic</a:t>
-            </a:r>
-            <a:r>
-              <a:rPr lang="en-US" dirty="0" smtClean="0"/>
-              <a:t>)</a:t>
-            </a:r>
-          </a:p>
-          <a:p>
-            <a:r>
-              <a:rPr lang="en-US" dirty="0" smtClean="0"/>
-              <a:t>How does it work?</a:t>
-            </a:r>
-          </a:p>
-          <a:p>
-            <a:pPr lvl="1"/>
-            <a:r>
-              <a:rPr lang="en-US" dirty="0" smtClean="0"/>
-              <a:t>Draw a line (</a:t>
-            </a:r>
-            <a:r>
-              <a:rPr lang="en-US" dirty="0" err="1" smtClean="0"/>
-              <a:t>hyperplane</a:t>
-            </a:r>
-            <a:r>
-              <a:rPr lang="en-US" dirty="0" smtClean="0"/>
-              <a:t>) that separates the </a:t>
-            </a:r>
-            <a:r>
-              <a:rPr lang="en-US" smtClean="0"/>
-              <a:t>two classes</a:t>
-            </a:r>
-            <a:endParaRPr lang="en-US" dirty="0"/>
-          </a:p>
-        </p:txBody>
-      </p:sp>
-      <p:sp>
-        <p:nvSpPr>
-          <p:cNvPr id="4" name="Footer Placeholder 3"/>
-          <p:cNvSpPr>
-            <a:spLocks noGrp="1"/>
-          </p:cNvSpPr>
-          <p:nvPr>
-            <p:ph type="ftr" sz="quarter" idx="11"/>
-          </p:nvPr>
-        </p:nvSpPr>
-        <p:spPr/>
-        <p:txBody>
-          <a:bodyPr/>
-          <a:lstStyle/>
-          <a:p>
-            <a:r>
-              <a:rPr lang="en-US" smtClean="0"/>
-              <a:t>© Elephant Scale, 2014</a:t>
-            </a:r>
-            <a:endParaRPr lang="en-US" dirty="0"/>
-          </a:p>
-        </p:txBody>
-      </p:sp>
-    </p:spTree>
-  </p:cSld>
-  <p:clrMapOvr>
-    <a:masterClrMapping/>
-  </p:clrMapOvr>
-</p:sld>
-</file>
-
-<file path=ppt/slides/slide49.xml><?xml version="1.0" encoding="utf-8"?>
-<p:sld xmlns:a="http://schemas.openxmlformats.org/drawingml/2006/main" xmlns:r="http://schemas.openxmlformats.org/officeDocument/2006/relationships" xmlns:p="http://schemas.openxmlformats.org/presentationml/2006/main">
-  <p:cSld>
-    <p:spTree>
-      <p:nvGrpSpPr>
-        <p:cNvPr id="1" name=""/>
-        <p:cNvGrpSpPr/>
-        <p:nvPr/>
-      </p:nvGrpSpPr>
-      <p:grpSpPr>
-        <a:xfrm>
-          <a:off x="0" y="0"/>
-          <a:ext cx="0" cy="0"/>
-          <a:chOff x="0" y="0"/>
-          <a:chExt cx="0" cy="0"/>
-        </a:xfrm>
-      </p:grpSpPr>
-      <p:sp>
-        <p:nvSpPr>
-          <p:cNvPr id="2" name="Title 1"/>
-          <p:cNvSpPr>
-            <a:spLocks noGrp="1"/>
-          </p:cNvSpPr>
-          <p:nvPr>
-            <p:ph type="title"/>
-          </p:nvPr>
-        </p:nvSpPr>
-        <p:spPr/>
-        <p:txBody>
-          <a:bodyPr/>
-          <a:lstStyle/>
-          <a:p>
-            <a:r>
-              <a:rPr lang="en-US" dirty="0" smtClean="0"/>
-              <a:t>Decision Tree</a:t>
-            </a:r>
-            <a:endParaRPr lang="en-US" dirty="0"/>
-          </a:p>
-        </p:txBody>
-      </p:sp>
-      <p:pic>
-        <p:nvPicPr>
-          <p:cNvPr id="6" name="Content Placeholder 5"/>
-          <p:cNvPicPr>
-            <a:picLocks noGrp="1" noChangeAspect="1"/>
-          </p:cNvPicPr>
-          <p:nvPr>
-            <p:ph idx="1"/>
-          </p:nvPr>
-        </p:nvPicPr>
-        <p:blipFill>
-          <a:blip r:embed="rId2"/>
-          <a:srcRect l="-46386" r="-46386"/>
-          <a:stretch>
-            <a:fillRect/>
-          </a:stretch>
-        </p:blipFill>
-        <p:spPr/>
-      </p:pic>
-      <p:sp>
-        <p:nvSpPr>
-          <p:cNvPr id="4" name="Footer Placeholder 3"/>
-          <p:cNvSpPr>
-            <a:spLocks noGrp="1"/>
-          </p:cNvSpPr>
-          <p:nvPr>
-            <p:ph type="ftr" sz="quarter" idx="11"/>
-          </p:nvPr>
-        </p:nvSpPr>
-        <p:spPr/>
-        <p:txBody>
-          <a:bodyPr/>
-          <a:lstStyle/>
-          <a:p>
-            <a:r>
-              <a:rPr lang="en-US" smtClean="0"/>
-              <a:t>(c) ElephantScale.com 2014</a:t>
-            </a:r>
-            <a:endParaRPr lang="en-US"/>
-          </a:p>
-        </p:txBody>
-      </p:sp>
-      <p:sp>
-        <p:nvSpPr>
-          <p:cNvPr id="5" name="Slide Number Placeholder 4"/>
-          <p:cNvSpPr>
-            <a:spLocks noGrp="1"/>
-          </p:cNvSpPr>
-          <p:nvPr>
-            <p:ph type="sldNum" sz="quarter" idx="12"/>
-          </p:nvPr>
-        </p:nvSpPr>
-        <p:spPr/>
-        <p:txBody>
-          <a:bodyPr/>
-          <a:lstStyle/>
-          <a:p>
-            <a:fld id="{4AD8DDEF-9CD1-B641-ADE5-2BEE59567BE6}" type="slidenum">
-              <a:rPr lang="en-US" smtClean="0"/>
-              <a:pPr/>
-              <a:t>49</a:t>
-            </a:fld>
-            <a:endParaRPr lang="en-US"/>
-          </a:p>
-        </p:txBody>
-      </p:sp>
-    </p:spTree>
-    <p:extLst>
-      <p:ext uri="{BB962C8B-B14F-4D97-AF65-F5344CB8AC3E}">
-        <p14:creationId xmlns:p14="http://schemas.microsoft.com/office/powerpoint/2010/main" xmlns="" val="2819361914"/>
-      </p:ext>
-    </p:extLst>
-  </p:cSld>
-  <p:clrMapOvr>
-    <a:masterClrMapping/>
-  </p:clrMapOvr>
-</p:sld>
-</file>
-
-<file path=ppt/slides/slide5.xml><?xml version="1.0" encoding="utf-8"?>
-<p:sld xmlns:a="http://schemas.openxmlformats.org/drawingml/2006/main" xmlns:r="http://schemas.openxmlformats.org/officeDocument/2006/relationships" xmlns:p="http://schemas.openxmlformats.org/presentationml/2006/main">
-  <p:cSld>
-    <p:spTree>
-      <p:nvGrpSpPr>
-        <p:cNvPr id="1" name=""/>
-        <p:cNvGrpSpPr/>
-        <p:nvPr/>
-      </p:nvGrpSpPr>
-      <p:grpSpPr>
-        <a:xfrm>
-          <a:off x="0" y="0"/>
-          <a:ext cx="0" cy="0"/>
-          <a:chOff x="0" y="0"/>
-          <a:chExt cx="0" cy="0"/>
-        </a:xfrm>
-      </p:grpSpPr>
-      <p:sp>
-        <p:nvSpPr>
-          <p:cNvPr id="2" name="Title 1"/>
-          <p:cNvSpPr>
-            <a:spLocks noGrp="1"/>
-          </p:cNvSpPr>
-          <p:nvPr>
-            <p:ph type="title"/>
-          </p:nvPr>
-        </p:nvSpPr>
-        <p:spPr/>
-        <p:txBody>
-          <a:bodyPr/>
-          <a:lstStyle/>
-          <a:p>
-            <a:r>
-              <a:rPr lang="en-US" dirty="0" smtClean="0"/>
-              <a:t>Types of Machine Learning</a:t>
-            </a:r>
-            <a:endParaRPr lang="en-US" dirty="0"/>
-          </a:p>
-        </p:txBody>
-      </p:sp>
-      <p:sp>
-        <p:nvSpPr>
-          <p:cNvPr id="3" name="Content Placeholder 2"/>
-          <p:cNvSpPr>
-            <a:spLocks noGrp="1"/>
-          </p:cNvSpPr>
-          <p:nvPr>
-            <p:ph idx="1"/>
-          </p:nvPr>
-        </p:nvSpPr>
-        <p:spPr/>
-        <p:txBody>
-          <a:bodyPr>
-            <a:normAutofit fontScale="92500" lnSpcReduction="10000"/>
-          </a:bodyPr>
-          <a:lstStyle/>
-          <a:p>
-            <a:pPr>
-              <a:defRPr/>
-            </a:pPr>
-            <a:r>
-              <a:rPr lang="en-US" dirty="0" smtClean="0"/>
-              <a:t>Supervised Machine Learning:</a:t>
-            </a:r>
-          </a:p>
-          <a:p>
-            <a:pPr lvl="1">
-              <a:defRPr/>
-            </a:pPr>
-            <a:r>
-              <a:rPr lang="en-US" dirty="0" smtClean="0">
-                <a:solidFill>
-                  <a:schemeClr val="tx1"/>
-                </a:solidFill>
-              </a:rPr>
-              <a:t>A model is “trained” with human labeled training data.</a:t>
-            </a:r>
-          </a:p>
-          <a:p>
-            <a:pPr lvl="1">
-              <a:defRPr/>
-            </a:pPr>
-            <a:r>
-              <a:rPr lang="en-US" dirty="0" smtClean="0">
-                <a:solidFill>
-                  <a:schemeClr val="tx1"/>
-                </a:solidFill>
-              </a:rPr>
-              <a:t>Model then tested on other training data to see performance</a:t>
-            </a:r>
-          </a:p>
-          <a:p>
-            <a:pPr lvl="1">
-              <a:defRPr/>
-            </a:pPr>
-            <a:r>
-              <a:rPr lang="en-US" dirty="0" smtClean="0">
-                <a:solidFill>
-                  <a:schemeClr val="tx1"/>
-                </a:solidFill>
-              </a:rPr>
-              <a:t>Model can then be applied to unknown data.</a:t>
-            </a:r>
-          </a:p>
-          <a:p>
-            <a:pPr lvl="1">
-              <a:defRPr/>
-            </a:pPr>
-            <a:r>
-              <a:rPr lang="en-US" dirty="0" smtClean="0">
-                <a:solidFill>
-                  <a:schemeClr val="tx1"/>
-                </a:solidFill>
-              </a:rPr>
-              <a:t>Classification &amp; regression usually supervised.</a:t>
-            </a:r>
-          </a:p>
-          <a:p>
-            <a:pPr>
-              <a:defRPr/>
-            </a:pPr>
-            <a:r>
-              <a:rPr lang="en-US" dirty="0" smtClean="0"/>
-              <a:t>Unsupervised Machine Learning</a:t>
-            </a:r>
-          </a:p>
-          <a:p>
-            <a:pPr lvl="1">
-              <a:defRPr/>
-            </a:pPr>
-            <a:r>
-              <a:rPr lang="en-US" dirty="0" smtClean="0"/>
-              <a:t>Model tries to find natural patterns in the data.</a:t>
-            </a:r>
-          </a:p>
-          <a:p>
-            <a:pPr lvl="1">
-              <a:defRPr/>
-            </a:pPr>
-            <a:r>
-              <a:rPr lang="en-US" dirty="0" smtClean="0"/>
-              <a:t>No human input except parameters of the model.</a:t>
-            </a:r>
-          </a:p>
-          <a:p>
-            <a:pPr lvl="1">
-              <a:defRPr/>
-            </a:pPr>
-            <a:r>
-              <a:rPr lang="en-US" dirty="0" smtClean="0"/>
-              <a:t>Example: Clustering</a:t>
-            </a:r>
-            <a:endParaRPr lang="en-US" dirty="0"/>
-          </a:p>
-          <a:p>
-            <a:pPr>
-              <a:defRPr/>
-            </a:pPr>
-            <a:r>
-              <a:rPr lang="en-US" dirty="0" smtClean="0"/>
-              <a:t>Semi-Supervised Learning</a:t>
-            </a:r>
-          </a:p>
-          <a:p>
-            <a:pPr lvl="1">
-              <a:defRPr/>
-            </a:pPr>
-            <a:r>
-              <a:rPr lang="en-US" dirty="0" smtClean="0"/>
-              <a:t>Model is trained with a training set which contains mix of trained and untrained data</a:t>
-            </a:r>
-            <a:endParaRPr lang="en-US" dirty="0"/>
-          </a:p>
-          <a:p>
-            <a:pPr>
-              <a:defRPr/>
-            </a:pPr>
-            <a:endParaRPr lang="en-US" dirty="0"/>
-          </a:p>
-          <a:p>
-            <a:endParaRPr lang="en-US" dirty="0"/>
-          </a:p>
-        </p:txBody>
-      </p:sp>
-      <p:sp>
-        <p:nvSpPr>
-          <p:cNvPr id="4" name="Footer Placeholder 3"/>
-          <p:cNvSpPr>
-            <a:spLocks noGrp="1"/>
-          </p:cNvSpPr>
-          <p:nvPr>
-            <p:ph type="ftr" sz="quarter" idx="11"/>
-          </p:nvPr>
-        </p:nvSpPr>
-        <p:spPr/>
-        <p:txBody>
-          <a:bodyPr/>
-          <a:lstStyle/>
-          <a:p>
-            <a:r>
-              <a:rPr lang="en-US" smtClean="0"/>
-              <a:t>© Elephant Scale, 2014</a:t>
-            </a:r>
-            <a:endParaRPr lang="en-US" dirty="0"/>
-          </a:p>
-        </p:txBody>
-      </p:sp>
-    </p:spTree>
-    <p:extLst>
-      <p:ext uri="{BB962C8B-B14F-4D97-AF65-F5344CB8AC3E}">
-        <p14:creationId xmlns:p14="http://schemas.microsoft.com/office/powerpoint/2010/main" xmlns="" val="1286301917"/>
-      </p:ext>
-    </p:extLst>
-  </p:cSld>
-  <p:clrMapOvr>
-    <a:masterClrMapping/>
-  </p:clrMapOvr>
-</p:sld>
-</file>
-
-<file path=ppt/slides/slide50.xml><?xml version="1.0" encoding="utf-8"?>
-<p:sld xmlns:a="http://schemas.openxmlformats.org/drawingml/2006/main" xmlns:r="http://schemas.openxmlformats.org/officeDocument/2006/relationships" xmlns:p="http://schemas.openxmlformats.org/presentationml/2006/main">
-  <p:cSld>
-    <p:spTree>
-      <p:nvGrpSpPr>
-        <p:cNvPr id="1" name=""/>
-        <p:cNvGrpSpPr/>
-        <p:nvPr/>
-      </p:nvGrpSpPr>
-      <p:grpSpPr>
-        <a:xfrm>
-          <a:off x="0" y="0"/>
-          <a:ext cx="0" cy="0"/>
-          <a:chOff x="0" y="0"/>
-          <a:chExt cx="0" cy="0"/>
-        </a:xfrm>
-      </p:grpSpPr>
-      <p:sp>
-        <p:nvSpPr>
-          <p:cNvPr id="2" name="Title 1"/>
-          <p:cNvSpPr>
-            <a:spLocks noGrp="1"/>
-          </p:cNvSpPr>
-          <p:nvPr>
-            <p:ph type="title"/>
-          </p:nvPr>
-        </p:nvSpPr>
-        <p:spPr/>
-        <p:txBody>
-          <a:bodyPr/>
-          <a:lstStyle/>
-          <a:p>
-            <a:r>
-              <a:rPr lang="en-US" dirty="0" smtClean="0"/>
-              <a:t>Classification Support in </a:t>
-            </a:r>
-            <a:r>
-              <a:rPr lang="en-US" dirty="0" err="1" smtClean="0"/>
-              <a:t>MLlib</a:t>
-            </a:r>
-            <a:endParaRPr lang="en-US" dirty="0"/>
-          </a:p>
-        </p:txBody>
-      </p:sp>
-      <p:sp>
-        <p:nvSpPr>
-          <p:cNvPr id="3" name="Content Placeholder 2"/>
-          <p:cNvSpPr>
-            <a:spLocks noGrp="1"/>
-          </p:cNvSpPr>
-          <p:nvPr>
-            <p:ph idx="1"/>
-          </p:nvPr>
-        </p:nvSpPr>
-        <p:spPr/>
-        <p:txBody>
-          <a:bodyPr/>
-          <a:lstStyle/>
-          <a:p>
-            <a:pPr lvl="1"/>
-            <a:r>
-              <a:rPr lang="en-US" dirty="0" smtClean="0"/>
-              <a:t>The following algorithms are well-represented in </a:t>
-            </a:r>
-            <a:r>
-              <a:rPr lang="en-US" dirty="0" err="1" smtClean="0"/>
-              <a:t>MLlib</a:t>
-            </a:r>
-            <a:r>
-              <a:rPr lang="en-US" dirty="0" smtClean="0"/>
-              <a:t>:</a:t>
-            </a:r>
-          </a:p>
-          <a:p>
-            <a:pPr lvl="2"/>
-            <a:r>
-              <a:rPr lang="en-US" dirty="0" smtClean="0"/>
-              <a:t>Linear Methods: SVM, Logistic Regression</a:t>
-            </a:r>
-          </a:p>
-          <a:p>
-            <a:pPr lvl="2"/>
-            <a:r>
-              <a:rPr lang="en-US" dirty="0" smtClean="0"/>
-              <a:t>Decision Trees</a:t>
-            </a:r>
-          </a:p>
-          <a:p>
-            <a:pPr lvl="2"/>
-            <a:r>
-              <a:rPr lang="en-US" dirty="0" smtClean="0"/>
-              <a:t>Ensemble Decision Trees (Random Forests, Gradient Boosted Trees)</a:t>
-            </a:r>
-          </a:p>
-          <a:p>
-            <a:pPr lvl="2"/>
-            <a:r>
-              <a:rPr lang="en-US" dirty="0" smtClean="0"/>
-              <a:t>Naïve </a:t>
-            </a:r>
-            <a:r>
-              <a:rPr lang="en-US" dirty="0" err="1" smtClean="0"/>
-              <a:t>Bayes</a:t>
-            </a:r>
-            <a:endParaRPr lang="en-US" dirty="0" smtClean="0"/>
-          </a:p>
-        </p:txBody>
-      </p:sp>
-      <p:sp>
-        <p:nvSpPr>
-          <p:cNvPr id="4" name="Footer Placeholder 3"/>
-          <p:cNvSpPr>
-            <a:spLocks noGrp="1"/>
-          </p:cNvSpPr>
-          <p:nvPr>
-            <p:ph type="ftr" sz="quarter" idx="11"/>
-          </p:nvPr>
-        </p:nvSpPr>
-        <p:spPr/>
-        <p:txBody>
-          <a:bodyPr/>
-          <a:lstStyle/>
-          <a:p>
-            <a:r>
-              <a:rPr lang="en-US" smtClean="0"/>
-              <a:t>(c) ElephantScale.com 2014</a:t>
-            </a:r>
-            <a:endParaRPr lang="en-US"/>
-          </a:p>
-        </p:txBody>
-      </p:sp>
-      <p:sp>
-        <p:nvSpPr>
-          <p:cNvPr id="5" name="Slide Number Placeholder 4"/>
-          <p:cNvSpPr>
-            <a:spLocks noGrp="1"/>
-          </p:cNvSpPr>
-          <p:nvPr>
-            <p:ph type="sldNum" sz="quarter" idx="12"/>
-          </p:nvPr>
-        </p:nvSpPr>
-        <p:spPr/>
-        <p:txBody>
-          <a:bodyPr/>
-          <a:lstStyle/>
-          <a:p>
-            <a:fld id="{4AD8DDEF-9CD1-B641-ADE5-2BEE59567BE6}" type="slidenum">
-              <a:rPr lang="en-US" smtClean="0"/>
-              <a:pPr/>
-              <a:t>50</a:t>
-            </a:fld>
-            <a:endParaRPr lang="en-US"/>
-          </a:p>
-        </p:txBody>
-      </p:sp>
-    </p:spTree>
-    <p:extLst>
-      <p:ext uri="{BB962C8B-B14F-4D97-AF65-F5344CB8AC3E}">
-        <p14:creationId xmlns:p14="http://schemas.microsoft.com/office/powerpoint/2010/main" xmlns="" val="234258616"/>
-      </p:ext>
-    </p:extLst>
-  </p:cSld>
-  <p:clrMapOvr>
-    <a:masterClrMapping/>
-  </p:clrMapOvr>
-  <p:timing>
-    <p:tnLst>
-      <p:par>
-        <p:cTn id="1" dur="indefinite" restart="never" nodeType="tmRoot"/>
-      </p:par>
-    </p:tnLst>
-  </p:timing>
-</p:sld>
-</file>
-
-<file path=ppt/slides/slide51.xml><?xml version="1.0" encoding="utf-8"?>
-<p:sld xmlns:a="http://schemas.openxmlformats.org/drawingml/2006/main" xmlns:r="http://schemas.openxmlformats.org/officeDocument/2006/relationships" xmlns:p="http://schemas.openxmlformats.org/presentationml/2006/main">
-  <p:cSld>
-    <p:spTree>
-      <p:nvGrpSpPr>
-        <p:cNvPr id="1" name=""/>
-        <p:cNvGrpSpPr/>
-        <p:nvPr/>
-      </p:nvGrpSpPr>
-      <p:grpSpPr>
-        <a:xfrm>
-          <a:off x="0" y="0"/>
-          <a:ext cx="0" cy="0"/>
-          <a:chOff x="0" y="0"/>
-          <a:chExt cx="0" cy="0"/>
-        </a:xfrm>
-      </p:grpSpPr>
-      <p:sp>
-        <p:nvSpPr>
-          <p:cNvPr id="2" name="Title 1"/>
-          <p:cNvSpPr>
-            <a:spLocks noGrp="1"/>
-          </p:cNvSpPr>
-          <p:nvPr>
-            <p:ph type="title"/>
-          </p:nvPr>
-        </p:nvSpPr>
-        <p:spPr/>
-        <p:txBody>
-          <a:bodyPr/>
-          <a:lstStyle/>
-          <a:p>
-            <a:r>
-              <a:rPr lang="en-US" dirty="0" smtClean="0"/>
-              <a:t>Making a Prediction</a:t>
-            </a:r>
-            <a:endParaRPr lang="en-US" dirty="0"/>
-          </a:p>
-        </p:txBody>
-      </p:sp>
-      <p:sp>
-        <p:nvSpPr>
-          <p:cNvPr id="3" name="Content Placeholder 2"/>
-          <p:cNvSpPr>
-            <a:spLocks noGrp="1"/>
-          </p:cNvSpPr>
-          <p:nvPr>
-            <p:ph idx="1"/>
-          </p:nvPr>
-        </p:nvSpPr>
-        <p:spPr/>
-        <p:txBody>
-          <a:bodyPr/>
-          <a:lstStyle/>
-          <a:p>
-            <a:r>
-              <a:rPr lang="en-US" dirty="0" smtClean="0"/>
-              <a:t>How do we use the model to predict new data?</a:t>
-            </a:r>
-          </a:p>
-          <a:p>
-            <a:r>
-              <a:rPr lang="en-US" dirty="0" smtClean="0"/>
-              <a:t>Use the predict method.</a:t>
-            </a:r>
-            <a:endParaRPr lang="en-US" dirty="0"/>
-          </a:p>
-        </p:txBody>
-      </p:sp>
-      <p:sp>
-        <p:nvSpPr>
-          <p:cNvPr id="4" name="Footer Placeholder 3"/>
-          <p:cNvSpPr>
-            <a:spLocks noGrp="1"/>
-          </p:cNvSpPr>
-          <p:nvPr>
-            <p:ph type="ftr" sz="quarter" idx="11"/>
-          </p:nvPr>
-        </p:nvSpPr>
-        <p:spPr/>
-        <p:txBody>
-          <a:bodyPr/>
-          <a:lstStyle/>
-          <a:p>
-            <a:r>
-              <a:rPr lang="en-US" smtClean="0"/>
-              <a:t>© Elephant Scale, 2014</a:t>
-            </a:r>
-            <a:endParaRPr lang="en-US" dirty="0"/>
-          </a:p>
-        </p:txBody>
-      </p:sp>
-    </p:spTree>
-  </p:cSld>
-  <p:clrMapOvr>
-    <a:masterClrMapping/>
-  </p:clrMapOvr>
-</p:sld>
-</file>
-
-<file path=ppt/slides/slide52.xml><?xml version="1.0" encoding="utf-8"?>
-<p:sld xmlns:a="http://schemas.openxmlformats.org/drawingml/2006/main" xmlns:r="http://schemas.openxmlformats.org/officeDocument/2006/relationships" xmlns:p="http://schemas.openxmlformats.org/presentationml/2006/main">
-  <p:cSld>
-    <p:spTree>
-      <p:nvGrpSpPr>
-        <p:cNvPr id="1" name=""/>
-        <p:cNvGrpSpPr/>
-        <p:nvPr/>
-      </p:nvGrpSpPr>
-      <p:grpSpPr>
-        <a:xfrm>
-          <a:off x="0" y="0"/>
-          <a:ext cx="0" cy="0"/>
-          <a:chOff x="0" y="0"/>
-          <a:chExt cx="0" cy="0"/>
-        </a:xfrm>
-      </p:grpSpPr>
-      <p:sp>
-        <p:nvSpPr>
-          <p:cNvPr id="2" name="Title 1"/>
-          <p:cNvSpPr>
-            <a:spLocks noGrp="1"/>
-          </p:cNvSpPr>
-          <p:nvPr>
-            <p:ph type="title"/>
-          </p:nvPr>
-        </p:nvSpPr>
-        <p:spPr/>
-        <p:txBody>
-          <a:bodyPr/>
-          <a:lstStyle/>
-          <a:p>
-            <a:r>
-              <a:rPr lang="en-US" dirty="0" smtClean="0"/>
-              <a:t>Measuring Performance of Classifier</a:t>
-            </a:r>
-            <a:endParaRPr lang="en-US" dirty="0"/>
-          </a:p>
-        </p:txBody>
-      </p:sp>
-      <p:sp>
-        <p:nvSpPr>
-          <p:cNvPr id="3" name="Content Placeholder 2"/>
-          <p:cNvSpPr>
-            <a:spLocks noGrp="1"/>
-          </p:cNvSpPr>
-          <p:nvPr>
-            <p:ph idx="1"/>
-          </p:nvPr>
-        </p:nvSpPr>
-        <p:spPr/>
-        <p:txBody>
-          <a:bodyPr/>
-          <a:lstStyle/>
-          <a:p>
-            <a:r>
-              <a:rPr lang="en-US" dirty="0" smtClean="0"/>
-              <a:t>Use a Test Dataset (similar to ALS / Recommendations)</a:t>
-            </a:r>
-          </a:p>
-          <a:p>
-            <a:r>
-              <a:rPr lang="en-US" dirty="0" smtClean="0"/>
-              <a:t>Binary classifiers are often compared by using the ROC curve</a:t>
-            </a:r>
-          </a:p>
-          <a:p>
-            <a:pPr lvl="1"/>
-            <a:r>
-              <a:rPr lang="en-US" dirty="0" smtClean="0"/>
-              <a:t>Receiver Operating Characteristic</a:t>
-            </a:r>
-          </a:p>
-          <a:p>
-            <a:pPr lvl="1"/>
-            <a:r>
-              <a:rPr lang="en-US" dirty="0" smtClean="0"/>
-              <a:t>Measure by area under ROC curve.</a:t>
-            </a:r>
-          </a:p>
-          <a:p>
-            <a:pPr lvl="1"/>
-            <a:r>
-              <a:rPr lang="en-US" dirty="0" smtClean="0"/>
-              <a:t>import </a:t>
-            </a:r>
-            <a:r>
-              <a:rPr lang="en-US" dirty="0" err="1" smtClean="0"/>
-              <a:t>org.apache.spark.mllib.evaluation.BinaryClassificationMetrics</a:t>
-            </a:r>
-            <a:endParaRPr lang="en-US" dirty="0" smtClean="0"/>
-          </a:p>
-          <a:p>
-            <a:pPr lvl="1"/>
-            <a:endParaRPr lang="en-US" dirty="0"/>
-          </a:p>
-        </p:txBody>
-      </p:sp>
-      <p:sp>
-        <p:nvSpPr>
-          <p:cNvPr id="4" name="Footer Placeholder 3"/>
-          <p:cNvSpPr>
-            <a:spLocks noGrp="1"/>
-          </p:cNvSpPr>
-          <p:nvPr>
-            <p:ph type="ftr" sz="quarter" idx="11"/>
-          </p:nvPr>
-        </p:nvSpPr>
-        <p:spPr/>
-        <p:txBody>
-          <a:bodyPr/>
-          <a:lstStyle/>
-          <a:p>
-            <a:r>
-              <a:rPr lang="en-US" smtClean="0"/>
-              <a:t>© Elephant Scale, 2014</a:t>
-            </a:r>
-            <a:endParaRPr lang="en-US" dirty="0"/>
-          </a:p>
-        </p:txBody>
-      </p:sp>
-    </p:spTree>
-  </p:cSld>
-  <p:clrMapOvr>
-    <a:masterClrMapping/>
-  </p:clrMapOvr>
-</p:sld>
-</file>
-
 <file path=ppt/slides/slide53.xml><?xml version="1.0" encoding="utf-8"?>
 <p:sld xmlns:a="http://schemas.openxmlformats.org/drawingml/2006/main" xmlns:r="http://schemas.openxmlformats.org/officeDocument/2006/relationships" xmlns:p="http://schemas.openxmlformats.org/presentationml/2006/main">
   <p:cSld>
@@ -18689,37 +19692,52 @@
           <a:p>
             <a:r>
               <a:rPr lang="en-US" dirty="0" smtClean="0"/>
-              <a:t>ROC Curve</a:t>
+              <a:t>Classification</a:t>
             </a:r>
             <a:endParaRPr lang="en-US" dirty="0"/>
           </a:p>
         </p:txBody>
       </p:sp>
-      <p:pic>
-        <p:nvPicPr>
-          <p:cNvPr id="6" name="Content Placeholder 5" descr="ROC_space.png"/>
-          <p:cNvPicPr>
-            <a:picLocks noGrp="1" noChangeAspect="1"/>
-          </p:cNvPicPr>
+      <p:sp>
+        <p:nvSpPr>
+          <p:cNvPr id="3" name="Content Placeholder 2"/>
+          <p:cNvSpPr>
+            <a:spLocks noGrp="1"/>
+          </p:cNvSpPr>
           <p:nvPr>
             <p:ph idx="1"/>
           </p:nvPr>
-        </p:nvPicPr>
-        <p:blipFill>
-          <a:blip r:embed="rId2">
-            <a:extLst>
-              <a:ext uri="{28A0092B-C50C-407E-A947-70E740481C1C}">
-                <a14:useLocalDpi xmlns:a14="http://schemas.microsoft.com/office/drawing/2010/main" xmlns="" val="0"/>
-              </a:ext>
-            </a:extLst>
-          </a:blip>
-          <a:srcRect l="-43632" r="-43632"/>
-          <a:stretch>
-            <a:fillRect/>
-          </a:stretch>
-        </p:blipFill>
-        <p:spPr/>
-      </p:pic>
+        </p:nvSpPr>
+        <p:spPr/>
+        <p:txBody>
+          <a:bodyPr/>
+          <a:lstStyle/>
+          <a:p>
+            <a:r>
+              <a:rPr lang="en-US" dirty="0" smtClean="0"/>
+              <a:t>Classification is a model which learns from data in order to identify data into classes.</a:t>
+            </a:r>
+          </a:p>
+          <a:p>
+            <a:r>
+              <a:rPr lang="en-US" dirty="0" smtClean="0"/>
+              <a:t>Same as regression – except categorical rather than numeric</a:t>
+            </a:r>
+          </a:p>
+          <a:p>
+            <a:r>
+              <a:rPr lang="en-US" dirty="0" smtClean="0"/>
+              <a:t>Classification (and regression) are supervised (or at least semi-supervised) methods.</a:t>
+            </a:r>
+          </a:p>
+          <a:p>
+            <a:r>
+              <a:rPr lang="en-US" dirty="0" smtClean="0"/>
+              <a:t>A special category of classification is binary classification: a yes/no response.</a:t>
+            </a:r>
+          </a:p>
+        </p:txBody>
+      </p:sp>
       <p:sp>
         <p:nvSpPr>
           <p:cNvPr id="4" name="Footer Placeholder 3"/>
@@ -18767,79 +19785,10 @@
           </a:p>
         </p:txBody>
       </p:sp>
-      <p:sp>
-        <p:nvSpPr>
-          <p:cNvPr id="7" name="TextBox 6"/>
-          <p:cNvSpPr txBox="1"/>
-          <p:nvPr/>
-        </p:nvSpPr>
-        <p:spPr>
-          <a:xfrm>
-            <a:off x="2647643" y="6402948"/>
-            <a:ext cx="5658157" cy="307777"/>
-          </a:xfrm>
-          <a:prstGeom prst="rect">
-            <a:avLst/>
-          </a:prstGeom>
-          <a:noFill/>
-        </p:spPr>
-        <p:txBody>
-          <a:bodyPr wrap="none" rtlCol="0">
-            <a:spAutoFit/>
-          </a:bodyPr>
-          <a:lstStyle/>
-          <a:p>
-            <a:r>
-              <a:rPr lang="en-US" sz="1400" dirty="0">
-                <a:solidFill>
-                  <a:schemeClr val="bg1">
-                    <a:lumMod val="65000"/>
-                  </a:schemeClr>
-                </a:solidFill>
-              </a:rPr>
-              <a:t>Source : http://</a:t>
-            </a:r>
-            <a:r>
-              <a:rPr lang="en-US" sz="1400" dirty="0" err="1">
-                <a:solidFill>
-                  <a:schemeClr val="bg1">
-                    <a:lumMod val="65000"/>
-                  </a:schemeClr>
-                </a:solidFill>
-              </a:rPr>
-              <a:t>commons.wikimedia.org</a:t>
-            </a:r>
-            <a:r>
-              <a:rPr lang="en-US" sz="1400" dirty="0">
-                <a:solidFill>
-                  <a:schemeClr val="bg1">
-                    <a:lumMod val="65000"/>
-                  </a:schemeClr>
-                </a:solidFill>
-              </a:rPr>
-              <a:t>/wiki/</a:t>
-            </a:r>
-            <a:r>
-              <a:rPr lang="en-US" sz="1400" dirty="0" err="1">
-                <a:solidFill>
-                  <a:schemeClr val="bg1">
-                    <a:lumMod val="65000"/>
-                  </a:schemeClr>
-                </a:solidFill>
-              </a:rPr>
-              <a:t>File:ROC_space.png</a:t>
-            </a:r>
-            <a:r>
-              <a:rPr lang="en-US" sz="1400" dirty="0"/>
-              <a:t> </a:t>
-            </a:r>
-          </a:p>
-        </p:txBody>
-      </p:sp>
     </p:spTree>
     <p:extLst>
       <p:ext uri="{BB962C8B-B14F-4D97-AF65-F5344CB8AC3E}">
-        <p14:creationId xmlns:p14="http://schemas.microsoft.com/office/powerpoint/2010/main" xmlns="" val="2886531117"/>
+        <p14:creationId xmlns:p14="http://schemas.microsoft.com/office/powerpoint/2010/main" xmlns="" val="1883103018"/>
       </p:ext>
     </p:extLst>
   </p:cSld>
@@ -18890,7 +19839,7 @@
           <a:p>
             <a:r>
               <a:rPr lang="en-US" dirty="0" smtClean="0"/>
-              <a:t>Classification Lab</a:t>
+              <a:t>Review of Classification Algorithms</a:t>
             </a:r>
             <a:endParaRPr lang="en-US" dirty="0"/>
           </a:p>
@@ -18911,34 +19860,62 @@
           <a:bodyPr/>
           <a:lstStyle/>
           <a:p>
-            <a:r>
-              <a:rPr lang="en-US" dirty="0" smtClean="0"/>
-              <a:t>Use the “churn” dataset for telecom churn prediction</a:t>
-            </a:r>
-          </a:p>
-          <a:p>
-            <a:r>
-              <a:rPr lang="en-US" dirty="0" smtClean="0"/>
-              <a:t>location   : </a:t>
+            <a:pPr lvl="1"/>
+            <a:r>
+              <a:rPr lang="en-US" dirty="0" smtClean="0"/>
+              <a:t>Naïve </a:t>
             </a:r>
             <a:r>
               <a:rPr lang="en-US" dirty="0" err="1" smtClean="0"/>
-              <a:t>mllib</a:t>
-            </a:r>
-            <a:r>
-              <a:rPr lang="en-US" dirty="0" smtClean="0"/>
-              <a:t>/</a:t>
+              <a:t>Bayes</a:t>
+            </a:r>
+            <a:endParaRPr lang="en-US" dirty="0" smtClean="0"/>
+          </a:p>
+          <a:p>
+            <a:pPr lvl="1"/>
+            <a:r>
+              <a:rPr lang="en-US" dirty="0" smtClean="0"/>
+              <a:t>Support Vector Machines (using Stochastic Gradient Descent)</a:t>
+            </a:r>
+          </a:p>
+          <a:p>
+            <a:pPr lvl="1"/>
+            <a:r>
+              <a:rPr lang="en-US" dirty="0" smtClean="0"/>
+              <a:t>Logistic Regression / </a:t>
             </a:r>
             <a:r>
               <a:rPr lang="en-US" dirty="0" err="1" smtClean="0"/>
-              <a:t>classifation</a:t>
+              <a:t>MaxEntropy</a:t>
             </a:r>
             <a:endParaRPr lang="en-US" dirty="0" smtClean="0"/>
           </a:p>
           <a:p>
-            <a:r>
-              <a:rPr lang="en-US" dirty="0" smtClean="0"/>
-              <a:t>Try out the solution line-by-line</a:t>
+            <a:pPr lvl="1"/>
+            <a:r>
+              <a:rPr lang="en-US" dirty="0" smtClean="0"/>
+              <a:t>Decision Trees</a:t>
+            </a:r>
+          </a:p>
+          <a:p>
+            <a:pPr lvl="2"/>
+            <a:r>
+              <a:rPr lang="en-US" dirty="0" smtClean="0"/>
+              <a:t>A basic decision tree is pretty simple. </a:t>
+            </a:r>
+          </a:p>
+          <a:p>
+            <a:pPr lvl="2"/>
+            <a:r>
+              <a:rPr lang="en-US" dirty="0" smtClean="0"/>
+              <a:t>It is a set of rules collect the rule</a:t>
+            </a:r>
+          </a:p>
+          <a:p>
+            <a:pPr lvl="2"/>
+            <a:r>
+              <a:rPr lang="en-US" dirty="0" smtClean="0"/>
+              <a:t>Decision tree learning is a means of inferring an appropriate decision tree from the data.</a:t>
             </a:r>
           </a:p>
         </p:txBody>
@@ -18993,7 +19970,7 @@
     </p:spTree>
     <p:extLst>
       <p:ext uri="{BB962C8B-B14F-4D97-AF65-F5344CB8AC3E}">
-        <p14:creationId xmlns:p14="http://schemas.microsoft.com/office/powerpoint/2010/main" xmlns="" val="3599210062"/>
+        <p14:creationId xmlns:p14="http://schemas.microsoft.com/office/powerpoint/2010/main" xmlns="" val="1098878060"/>
       </p:ext>
     </p:extLst>
   </p:cSld>
@@ -19044,7 +20021,7 @@
           <a:p>
             <a:r>
               <a:rPr lang="en-US" dirty="0" smtClean="0"/>
-              <a:t>Thanks! &amp; Questions !</a:t>
+              <a:t>Support Vector Machines (SVMs)</a:t>
             </a:r>
             <a:endParaRPr lang="en-US" dirty="0"/>
           </a:p>
@@ -19065,7 +20042,86 @@
           <a:bodyPr/>
           <a:lstStyle/>
           <a:p>
-            <a:endParaRPr lang="en-US"/>
+            <a:r>
+              <a:rPr lang="en-US" dirty="0" smtClean="0"/>
+              <a:t>Support Vector Machine is a classification method that is:</a:t>
+            </a:r>
+          </a:p>
+          <a:p>
+            <a:pPr lvl="1"/>
+            <a:r>
+              <a:rPr lang="en-US" dirty="0" smtClean="0"/>
+              <a:t>Supervised (trained)</a:t>
+            </a:r>
+          </a:p>
+          <a:p>
+            <a:pPr lvl="1"/>
+            <a:r>
+              <a:rPr lang="en-US" dirty="0" smtClean="0"/>
+              <a:t>Linear</a:t>
+            </a:r>
+          </a:p>
+          <a:p>
+            <a:pPr lvl="1"/>
+            <a:r>
+              <a:rPr lang="en-US" dirty="0" smtClean="0"/>
+              <a:t>Binary (splits into 2 classes)</a:t>
+            </a:r>
+          </a:p>
+          <a:p>
+            <a:pPr lvl="1"/>
+            <a:r>
+              <a:rPr lang="en-US" dirty="0" smtClean="0"/>
+              <a:t>Crisp (not fuzzy, not </a:t>
+            </a:r>
+            <a:r>
+              <a:rPr lang="en-US" dirty="0" err="1" smtClean="0"/>
+              <a:t>probablistic</a:t>
+            </a:r>
+            <a:r>
+              <a:rPr lang="en-US" dirty="0" smtClean="0"/>
+              <a:t>)</a:t>
+            </a:r>
+          </a:p>
+          <a:p>
+            <a:r>
+              <a:rPr lang="en-US" dirty="0" smtClean="0"/>
+              <a:t>How does it work?</a:t>
+            </a:r>
+          </a:p>
+          <a:p>
+            <a:pPr lvl="1"/>
+            <a:r>
+              <a:rPr lang="en-US" dirty="0" smtClean="0"/>
+              <a:t>Draw a line (</a:t>
+            </a:r>
+            <a:r>
+              <a:rPr lang="en-US" dirty="0" err="1" smtClean="0"/>
+              <a:t>hyperplane</a:t>
+            </a:r>
+            <a:r>
+              <a:rPr lang="en-US" dirty="0" smtClean="0"/>
+              <a:t>) that separates the two </a:t>
+            </a:r>
+            <a:r>
+              <a:rPr lang="en-US" dirty="0" smtClean="0"/>
+              <a:t>classes</a:t>
+            </a:r>
+          </a:p>
+          <a:p>
+            <a:pPr lvl="1"/>
+            <a:r>
+              <a:rPr lang="en-US" dirty="0" smtClean="0"/>
+              <a:t>Line should perform best possible separation</a:t>
+            </a:r>
+          </a:p>
+          <a:p>
+            <a:pPr lvl="1"/>
+            <a:r>
+              <a:rPr lang="en-US" dirty="0" smtClean="0"/>
+              <a:t>Maximize distance between line and closest points.</a:t>
+            </a:r>
+            <a:endParaRPr lang="en-US" dirty="0"/>
           </a:p>
         </p:txBody>
       </p:sp>
@@ -19093,11 +20149,6 @@
         </p:txBody>
       </p:sp>
     </p:spTree>
-    <p:extLst>
-      <p:ext uri="{BB962C8B-B14F-4D97-AF65-F5344CB8AC3E}">
-        <p14:creationId xmlns:p14="http://schemas.microsoft.com/office/powerpoint/2010/main" xmlns="" val="3695882192"/>
-      </p:ext>
-    </p:extLst>
   </p:cSld>
   <p:clrMapOvr>
     <a:masterClrMapping/>
@@ -19139,61 +20190,31 @@
           <a:p>
             <a:r>
               <a:rPr lang="en-US" dirty="0" smtClean="0"/>
-              <a:t>Credits </a:t>
+              <a:t>Decision Tree</a:t>
             </a:r>
             <a:endParaRPr lang="en-US" dirty="0"/>
           </a:p>
         </p:txBody>
       </p:sp>
-      <p:sp>
-        <p:nvSpPr>
-          <p:cNvPr id="3" name="Content Placeholder 2"/>
-          <p:cNvSpPr>
-            <a:spLocks noGrp="1"/>
-          </p:cNvSpPr>
+      <p:pic>
+        <p:nvPicPr>
+          <p:cNvPr id="6" name="Content Placeholder 5"/>
+          <p:cNvPicPr>
+            <a:picLocks noGrp="1" noChangeAspect="1"/>
+          </p:cNvPicPr>
           <p:nvPr>
             <p:ph idx="1"/>
           </p:nvPr>
-        </p:nvSpPr>
-        <p:spPr/>
-        <p:txBody>
-          <a:bodyPr/>
-          <a:lstStyle/>
-          <a:p>
-            <a:r>
-              <a:rPr lang="en-US" dirty="0">
-                <a:hlinkClick r:id="rId2"/>
-              </a:rPr>
-              <a:t>http://spark.apache.org</a:t>
-            </a:r>
-            <a:r>
-              <a:rPr lang="en-US" dirty="0" smtClean="0">
-                <a:hlinkClick r:id="rId2"/>
-              </a:rPr>
-              <a:t>/</a:t>
-            </a:r>
-            <a:endParaRPr lang="en-US" dirty="0" smtClean="0"/>
-          </a:p>
-          <a:p>
-            <a:r>
-              <a:rPr lang="en-US" dirty="0">
-                <a:hlinkClick r:id="rId3"/>
-              </a:rPr>
-              <a:t>http://</a:t>
-            </a:r>
-            <a:r>
-              <a:rPr lang="en-US" dirty="0" smtClean="0">
-                <a:hlinkClick r:id="rId3"/>
-              </a:rPr>
-              <a:t>www.strategictechplanning.com</a:t>
-            </a:r>
-            <a:endParaRPr lang="en-US" dirty="0"/>
-          </a:p>
-          <a:p>
-            <a:endParaRPr lang="en-US" dirty="0"/>
-          </a:p>
-        </p:txBody>
-      </p:sp>
+        </p:nvPicPr>
+        <p:blipFill>
+          <a:blip r:embed="rId2"/>
+          <a:srcRect l="-46386" r="-46386"/>
+          <a:stretch>
+            <a:fillRect/>
+          </a:stretch>
+        </p:blipFill>
+        <p:spPr/>
+      </p:pic>
       <p:sp>
         <p:nvSpPr>
           <p:cNvPr id="4" name="Footer Placeholder 3"/>
@@ -19211,18 +20232,446 @@
           <a:p>
             <a:r>
               <a:rPr lang="en-US" smtClean="0"/>
-              <a:t>© Elephant Scale, 2014</a:t>
-            </a:r>
-            <a:endParaRPr lang="en-US" dirty="0"/>
+              <a:t>(c) ElephantScale.com 2014</a:t>
+            </a:r>
+            <a:endParaRPr lang="en-US"/>
+          </a:p>
+        </p:txBody>
+      </p:sp>
+      <p:sp>
+        <p:nvSpPr>
+          <p:cNvPr id="5" name="Slide Number Placeholder 4"/>
+          <p:cNvSpPr>
+            <a:spLocks noGrp="1"/>
+          </p:cNvSpPr>
+          <p:nvPr>
+            <p:ph type="sldNum" sz="quarter" idx="12"/>
+          </p:nvPr>
+        </p:nvSpPr>
+        <p:spPr/>
+        <p:txBody>
+          <a:bodyPr/>
+          <a:lstStyle/>
+          <a:p>
+            <a:fld id="{4AD8DDEF-9CD1-B641-ADE5-2BEE59567BE6}" type="slidenum">
+              <a:rPr lang="en-US" smtClean="0"/>
+              <a:pPr/>
+              <a:t>56</a:t>
+            </a:fld>
+            <a:endParaRPr lang="en-US"/>
           </a:p>
         </p:txBody>
       </p:sp>
     </p:spTree>
     <p:extLst>
       <p:ext uri="{BB962C8B-B14F-4D97-AF65-F5344CB8AC3E}">
-        <p14:creationId xmlns:p14="http://schemas.microsoft.com/office/powerpoint/2010/main" xmlns="" val="3799230133"/>
+        <p14:creationId xmlns:p14="http://schemas.microsoft.com/office/powerpoint/2010/main" xmlns="" val="2819361914"/>
       </p:ext>
     </p:extLst>
+  </p:cSld>
+  <p:clrMapOvr>
+    <a:masterClrMapping/>
+  </p:clrMapOvr>
+</p:sld>
+</file>
+
+<file path=ppt/slides/slide57.xml><?xml version="1.0" encoding="utf-8"?>
+<p:sld xmlns:a="http://schemas.openxmlformats.org/drawingml/2006/main" xmlns:r="http://schemas.openxmlformats.org/officeDocument/2006/relationships" xmlns:p="http://schemas.openxmlformats.org/presentationml/2006/main">
+  <p:cSld>
+    <p:spTree>
+      <p:nvGrpSpPr>
+        <p:cNvPr id="1" name=""/>
+        <p:cNvGrpSpPr/>
+        <p:nvPr/>
+      </p:nvGrpSpPr>
+      <p:grpSpPr>
+        <a:xfrm>
+          <a:off x="0" y="0"/>
+          <a:ext cx="0" cy="0"/>
+          <a:chOff x="0" y="0"/>
+          <a:chExt cx="0" cy="0"/>
+        </a:xfrm>
+      </p:grpSpPr>
+      <p:sp>
+        <p:nvSpPr>
+          <p:cNvPr id="2" name="Title 1"/>
+          <p:cNvSpPr>
+            <a:spLocks noGrp="1"/>
+          </p:cNvSpPr>
+          <p:nvPr>
+            <p:ph type="title"/>
+          </p:nvPr>
+        </p:nvSpPr>
+        <p:spPr/>
+        <p:txBody>
+          <a:bodyPr/>
+          <a:lstStyle/>
+          <a:p>
+            <a:r>
+              <a:rPr lang="en-US" dirty="0" smtClean="0"/>
+              <a:t>Classification Support in </a:t>
+            </a:r>
+            <a:r>
+              <a:rPr lang="en-US" dirty="0" err="1" smtClean="0"/>
+              <a:t>MLlib</a:t>
+            </a:r>
+            <a:endParaRPr lang="en-US" dirty="0"/>
+          </a:p>
+        </p:txBody>
+      </p:sp>
+      <p:sp>
+        <p:nvSpPr>
+          <p:cNvPr id="3" name="Content Placeholder 2"/>
+          <p:cNvSpPr>
+            <a:spLocks noGrp="1"/>
+          </p:cNvSpPr>
+          <p:nvPr>
+            <p:ph idx="1"/>
+          </p:nvPr>
+        </p:nvSpPr>
+        <p:spPr/>
+        <p:txBody>
+          <a:bodyPr/>
+          <a:lstStyle/>
+          <a:p>
+            <a:pPr lvl="1"/>
+            <a:r>
+              <a:rPr lang="en-US" dirty="0" smtClean="0"/>
+              <a:t>The following algorithms are well-represented in </a:t>
+            </a:r>
+            <a:r>
+              <a:rPr lang="en-US" dirty="0" err="1" smtClean="0"/>
+              <a:t>MLlib</a:t>
+            </a:r>
+            <a:r>
+              <a:rPr lang="en-US" dirty="0" smtClean="0"/>
+              <a:t>:</a:t>
+            </a:r>
+          </a:p>
+          <a:p>
+            <a:pPr lvl="2"/>
+            <a:r>
+              <a:rPr lang="en-US" dirty="0" smtClean="0"/>
+              <a:t>Linear Methods: SVM, Logistic Regression</a:t>
+            </a:r>
+          </a:p>
+          <a:p>
+            <a:pPr lvl="2"/>
+            <a:r>
+              <a:rPr lang="en-US" dirty="0" smtClean="0"/>
+              <a:t>Decision Trees</a:t>
+            </a:r>
+          </a:p>
+          <a:p>
+            <a:pPr lvl="2"/>
+            <a:r>
+              <a:rPr lang="en-US" dirty="0" smtClean="0"/>
+              <a:t>Ensemble Decision Trees (Random Forests, Gradient Boosted Trees)</a:t>
+            </a:r>
+          </a:p>
+          <a:p>
+            <a:pPr lvl="2"/>
+            <a:r>
+              <a:rPr lang="en-US" dirty="0" smtClean="0"/>
+              <a:t>Naïve </a:t>
+            </a:r>
+            <a:r>
+              <a:rPr lang="en-US" dirty="0" err="1" smtClean="0"/>
+              <a:t>Bayes</a:t>
+            </a:r>
+            <a:endParaRPr lang="en-US" dirty="0" smtClean="0"/>
+          </a:p>
+        </p:txBody>
+      </p:sp>
+      <p:sp>
+        <p:nvSpPr>
+          <p:cNvPr id="4" name="Footer Placeholder 3"/>
+          <p:cNvSpPr>
+            <a:spLocks noGrp="1"/>
+          </p:cNvSpPr>
+          <p:nvPr>
+            <p:ph type="ftr" sz="quarter" idx="11"/>
+          </p:nvPr>
+        </p:nvSpPr>
+        <p:spPr/>
+        <p:txBody>
+          <a:bodyPr/>
+          <a:lstStyle/>
+          <a:p>
+            <a:r>
+              <a:rPr lang="en-US" smtClean="0"/>
+              <a:t>(c) ElephantScale.com 2014</a:t>
+            </a:r>
+            <a:endParaRPr lang="en-US"/>
+          </a:p>
+        </p:txBody>
+      </p:sp>
+      <p:sp>
+        <p:nvSpPr>
+          <p:cNvPr id="5" name="Slide Number Placeholder 4"/>
+          <p:cNvSpPr>
+            <a:spLocks noGrp="1"/>
+          </p:cNvSpPr>
+          <p:nvPr>
+            <p:ph type="sldNum" sz="quarter" idx="12"/>
+          </p:nvPr>
+        </p:nvSpPr>
+        <p:spPr/>
+        <p:txBody>
+          <a:bodyPr/>
+          <a:lstStyle/>
+          <a:p>
+            <a:fld id="{4AD8DDEF-9CD1-B641-ADE5-2BEE59567BE6}" type="slidenum">
+              <a:rPr lang="en-US" smtClean="0"/>
+              <a:pPr/>
+              <a:t>57</a:t>
+            </a:fld>
+            <a:endParaRPr lang="en-US"/>
+          </a:p>
+        </p:txBody>
+      </p:sp>
+    </p:spTree>
+    <p:extLst>
+      <p:ext uri="{BB962C8B-B14F-4D97-AF65-F5344CB8AC3E}">
+        <p14:creationId xmlns:p14="http://schemas.microsoft.com/office/powerpoint/2010/main" xmlns="" val="234258616"/>
+      </p:ext>
+    </p:extLst>
+  </p:cSld>
+  <p:clrMapOvr>
+    <a:masterClrMapping/>
+  </p:clrMapOvr>
+  <p:timing>
+    <p:tnLst>
+      <p:par>
+        <p:cTn id="1" dur="indefinite" restart="never" nodeType="tmRoot"/>
+      </p:par>
+    </p:tnLst>
+  </p:timing>
+</p:sld>
+</file>
+
+<file path=ppt/slides/slide58.xml><?xml version="1.0" encoding="utf-8"?>
+<p:sld xmlns:a="http://schemas.openxmlformats.org/drawingml/2006/main" xmlns:r="http://schemas.openxmlformats.org/officeDocument/2006/relationships" xmlns:p="http://schemas.openxmlformats.org/presentationml/2006/main">
+  <p:cSld>
+    <p:spTree>
+      <p:nvGrpSpPr>
+        <p:cNvPr id="1" name=""/>
+        <p:cNvGrpSpPr/>
+        <p:nvPr/>
+      </p:nvGrpSpPr>
+      <p:grpSpPr>
+        <a:xfrm>
+          <a:off x="0" y="0"/>
+          <a:ext cx="0" cy="0"/>
+          <a:chOff x="0" y="0"/>
+          <a:chExt cx="0" cy="0"/>
+        </a:xfrm>
+      </p:grpSpPr>
+      <p:sp>
+        <p:nvSpPr>
+          <p:cNvPr id="2" name="Title 1"/>
+          <p:cNvSpPr>
+            <a:spLocks noGrp="1"/>
+          </p:cNvSpPr>
+          <p:nvPr>
+            <p:ph type="title"/>
+          </p:nvPr>
+        </p:nvSpPr>
+        <p:spPr/>
+        <p:txBody>
+          <a:bodyPr/>
+          <a:lstStyle/>
+          <a:p>
+            <a:r>
+              <a:rPr lang="en-US" dirty="0" smtClean="0"/>
+              <a:t>Making a Prediction</a:t>
+            </a:r>
+            <a:endParaRPr lang="en-US" dirty="0"/>
+          </a:p>
+        </p:txBody>
+      </p:sp>
+      <p:sp>
+        <p:nvSpPr>
+          <p:cNvPr id="3" name="Content Placeholder 2"/>
+          <p:cNvSpPr>
+            <a:spLocks noGrp="1"/>
+          </p:cNvSpPr>
+          <p:nvPr>
+            <p:ph idx="1"/>
+          </p:nvPr>
+        </p:nvSpPr>
+        <p:spPr/>
+        <p:txBody>
+          <a:bodyPr/>
+          <a:lstStyle/>
+          <a:p>
+            <a:r>
+              <a:rPr lang="en-US" dirty="0" smtClean="0"/>
+              <a:t>How do we use the model to predict new data?</a:t>
+            </a:r>
+          </a:p>
+          <a:p>
+            <a:r>
+              <a:rPr lang="en-US" dirty="0" smtClean="0"/>
+              <a:t>Use the predict method.</a:t>
+            </a:r>
+            <a:endParaRPr lang="en-US" dirty="0"/>
+          </a:p>
+        </p:txBody>
+      </p:sp>
+      <p:sp>
+        <p:nvSpPr>
+          <p:cNvPr id="4" name="Footer Placeholder 3"/>
+          <p:cNvSpPr>
+            <a:spLocks noGrp="1"/>
+          </p:cNvSpPr>
+          <p:nvPr>
+            <p:ph type="ftr" sz="quarter" idx="11"/>
+          </p:nvPr>
+        </p:nvSpPr>
+        <p:spPr/>
+        <p:txBody>
+          <a:bodyPr/>
+          <a:lstStyle/>
+          <a:p>
+            <a:r>
+              <a:rPr lang="en-US" smtClean="0"/>
+              <a:t>© Elephant Scale, 2014</a:t>
+            </a:r>
+            <a:endParaRPr lang="en-US" dirty="0"/>
+          </a:p>
+        </p:txBody>
+      </p:sp>
+    </p:spTree>
+  </p:cSld>
+  <p:clrMapOvr>
+    <a:masterClrMapping/>
+  </p:clrMapOvr>
+</p:sld>
+</file>
+
+<file path=ppt/slides/slide59.xml><?xml version="1.0" encoding="utf-8"?>
+<p:sld xmlns:a="http://schemas.openxmlformats.org/drawingml/2006/main" xmlns:r="http://schemas.openxmlformats.org/officeDocument/2006/relationships" xmlns:p="http://schemas.openxmlformats.org/presentationml/2006/main">
+  <p:cSld>
+    <p:spTree>
+      <p:nvGrpSpPr>
+        <p:cNvPr id="1" name=""/>
+        <p:cNvGrpSpPr/>
+        <p:nvPr/>
+      </p:nvGrpSpPr>
+      <p:grpSpPr>
+        <a:xfrm>
+          <a:off x="0" y="0"/>
+          <a:ext cx="0" cy="0"/>
+          <a:chOff x="0" y="0"/>
+          <a:chExt cx="0" cy="0"/>
+        </a:xfrm>
+      </p:grpSpPr>
+      <p:sp>
+        <p:nvSpPr>
+          <p:cNvPr id="2" name="Title 1"/>
+          <p:cNvSpPr>
+            <a:spLocks noGrp="1"/>
+          </p:cNvSpPr>
+          <p:nvPr>
+            <p:ph type="title"/>
+          </p:nvPr>
+        </p:nvSpPr>
+        <p:spPr/>
+        <p:txBody>
+          <a:bodyPr/>
+          <a:lstStyle/>
+          <a:p>
+            <a:r>
+              <a:rPr lang="en-US" dirty="0" smtClean="0"/>
+              <a:t>Measuring Performance of Classifier</a:t>
+            </a:r>
+            <a:endParaRPr lang="en-US" dirty="0"/>
+          </a:p>
+        </p:txBody>
+      </p:sp>
+      <p:sp>
+        <p:nvSpPr>
+          <p:cNvPr id="3" name="Content Placeholder 2"/>
+          <p:cNvSpPr>
+            <a:spLocks noGrp="1"/>
+          </p:cNvSpPr>
+          <p:nvPr>
+            <p:ph idx="1"/>
+          </p:nvPr>
+        </p:nvSpPr>
+        <p:spPr/>
+        <p:txBody>
+          <a:bodyPr/>
+          <a:lstStyle/>
+          <a:p>
+            <a:r>
+              <a:rPr lang="en-US" dirty="0" smtClean="0"/>
+              <a:t>Use a Test Dataset (similar to ALS / Recommendations)</a:t>
+            </a:r>
+          </a:p>
+          <a:p>
+            <a:r>
+              <a:rPr lang="en-US" dirty="0" smtClean="0"/>
+              <a:t>Binary classifiers are often compared by using the ROC curve</a:t>
+            </a:r>
+          </a:p>
+          <a:p>
+            <a:pPr lvl="1"/>
+            <a:r>
+              <a:rPr lang="en-US" dirty="0" smtClean="0"/>
+              <a:t>Receiver Operating Characteristic</a:t>
+            </a:r>
+          </a:p>
+          <a:p>
+            <a:pPr lvl="1"/>
+            <a:r>
+              <a:rPr lang="en-US" dirty="0" smtClean="0"/>
+              <a:t>Measure by area under ROC curve.</a:t>
+            </a:r>
+          </a:p>
+          <a:p>
+            <a:pPr lvl="1"/>
+            <a:r>
+              <a:rPr lang="en-US" dirty="0" smtClean="0"/>
+              <a:t>import </a:t>
+            </a:r>
+            <a:r>
+              <a:rPr lang="en-US" dirty="0" err="1" smtClean="0"/>
+              <a:t>org.apache.spark.mllib.evaluation.BinaryClassificationMetrics</a:t>
+            </a:r>
+            <a:endParaRPr lang="en-US" dirty="0" smtClean="0"/>
+          </a:p>
+          <a:p>
+            <a:pPr lvl="1"/>
+            <a:endParaRPr lang="en-US" dirty="0"/>
+          </a:p>
+        </p:txBody>
+      </p:sp>
+      <p:sp>
+        <p:nvSpPr>
+          <p:cNvPr id="4" name="Footer Placeholder 3"/>
+          <p:cNvSpPr>
+            <a:spLocks noGrp="1"/>
+          </p:cNvSpPr>
+          <p:nvPr>
+            <p:ph type="ftr" sz="quarter" idx="11"/>
+          </p:nvPr>
+        </p:nvSpPr>
+        <p:spPr/>
+        <p:txBody>
+          <a:bodyPr/>
+          <a:lstStyle/>
+          <a:p>
+            <a:r>
+              <a:rPr lang="en-US" smtClean="0"/>
+              <a:t>© Elephant Scale, 2014</a:t>
+            </a:r>
+            <a:endParaRPr lang="en-US" dirty="0"/>
+          </a:p>
+        </p:txBody>
+      </p:sp>
+    </p:spTree>
   </p:cSld>
   <p:clrMapOvr>
     <a:masterClrMapping/>
@@ -19391,6 +20840,581 @@
         </p:txBody>
       </p:sp>
     </p:spTree>
+  </p:cSld>
+  <p:clrMapOvr>
+    <a:masterClrMapping/>
+  </p:clrMapOvr>
+</p:sld>
+</file>
+
+<file path=ppt/slides/slide60.xml><?xml version="1.0" encoding="utf-8"?>
+<p:sld xmlns:a="http://schemas.openxmlformats.org/drawingml/2006/main" xmlns:r="http://schemas.openxmlformats.org/officeDocument/2006/relationships" xmlns:p="http://schemas.openxmlformats.org/presentationml/2006/main">
+  <p:cSld>
+    <p:spTree>
+      <p:nvGrpSpPr>
+        <p:cNvPr id="1" name=""/>
+        <p:cNvGrpSpPr/>
+        <p:nvPr/>
+      </p:nvGrpSpPr>
+      <p:grpSpPr>
+        <a:xfrm>
+          <a:off x="0" y="0"/>
+          <a:ext cx="0" cy="0"/>
+          <a:chOff x="0" y="0"/>
+          <a:chExt cx="0" cy="0"/>
+        </a:xfrm>
+      </p:grpSpPr>
+      <p:sp>
+        <p:nvSpPr>
+          <p:cNvPr id="2" name="Title 1"/>
+          <p:cNvSpPr>
+            <a:spLocks noGrp="1"/>
+          </p:cNvSpPr>
+          <p:nvPr>
+            <p:ph type="title"/>
+          </p:nvPr>
+        </p:nvSpPr>
+        <p:spPr/>
+        <p:txBody>
+          <a:bodyPr/>
+          <a:lstStyle/>
+          <a:p>
+            <a:r>
+              <a:rPr lang="en-US" dirty="0" smtClean="0"/>
+              <a:t>ROC Curve</a:t>
+            </a:r>
+            <a:endParaRPr lang="en-US" dirty="0"/>
+          </a:p>
+        </p:txBody>
+      </p:sp>
+      <p:pic>
+        <p:nvPicPr>
+          <p:cNvPr id="6" name="Content Placeholder 5" descr="ROC_space.png"/>
+          <p:cNvPicPr>
+            <a:picLocks noGrp="1" noChangeAspect="1"/>
+          </p:cNvPicPr>
+          <p:nvPr>
+            <p:ph idx="1"/>
+          </p:nvPr>
+        </p:nvPicPr>
+        <p:blipFill>
+          <a:blip r:embed="rId2">
+            <a:extLst>
+              <a:ext uri="{28A0092B-C50C-407E-A947-70E740481C1C}">
+                <a14:useLocalDpi xmlns:a14="http://schemas.microsoft.com/office/drawing/2010/main" xmlns="" val="0"/>
+              </a:ext>
+            </a:extLst>
+          </a:blip>
+          <a:srcRect l="-43632" r="-43632"/>
+          <a:stretch>
+            <a:fillRect/>
+          </a:stretch>
+        </p:blipFill>
+        <p:spPr/>
+      </p:pic>
+      <p:sp>
+        <p:nvSpPr>
+          <p:cNvPr id="4" name="Footer Placeholder 3"/>
+          <p:cNvSpPr>
+            <a:spLocks noGrp="1"/>
+          </p:cNvSpPr>
+          <p:nvPr>
+            <p:ph type="ftr" sz="quarter" idx="11"/>
+          </p:nvPr>
+        </p:nvSpPr>
+        <p:spPr/>
+        <p:txBody>
+          <a:bodyPr/>
+          <a:lstStyle/>
+          <a:p>
+            <a:r>
+              <a:rPr lang="en-US" smtClean="0"/>
+              <a:t>(c) ElephantScale.com 2014</a:t>
+            </a:r>
+            <a:endParaRPr lang="en-US"/>
+          </a:p>
+        </p:txBody>
+      </p:sp>
+      <p:sp>
+        <p:nvSpPr>
+          <p:cNvPr id="5" name="Slide Number Placeholder 4"/>
+          <p:cNvSpPr>
+            <a:spLocks noGrp="1"/>
+          </p:cNvSpPr>
+          <p:nvPr>
+            <p:ph type="sldNum" sz="quarter" idx="12"/>
+          </p:nvPr>
+        </p:nvSpPr>
+        <p:spPr/>
+        <p:txBody>
+          <a:bodyPr/>
+          <a:lstStyle/>
+          <a:p>
+            <a:fld id="{4AD8DDEF-9CD1-B641-ADE5-2BEE59567BE6}" type="slidenum">
+              <a:rPr lang="en-US" smtClean="0"/>
+              <a:pPr/>
+              <a:t>60</a:t>
+            </a:fld>
+            <a:endParaRPr lang="en-US"/>
+          </a:p>
+        </p:txBody>
+      </p:sp>
+      <p:sp>
+        <p:nvSpPr>
+          <p:cNvPr id="7" name="TextBox 6"/>
+          <p:cNvSpPr txBox="1"/>
+          <p:nvPr/>
+        </p:nvSpPr>
+        <p:spPr>
+          <a:xfrm>
+            <a:off x="2647643" y="6402948"/>
+            <a:ext cx="5658157" cy="307777"/>
+          </a:xfrm>
+          <a:prstGeom prst="rect">
+            <a:avLst/>
+          </a:prstGeom>
+          <a:noFill/>
+        </p:spPr>
+        <p:txBody>
+          <a:bodyPr wrap="none" rtlCol="0">
+            <a:spAutoFit/>
+          </a:bodyPr>
+          <a:lstStyle/>
+          <a:p>
+            <a:r>
+              <a:rPr lang="en-US" sz="1400" dirty="0">
+                <a:solidFill>
+                  <a:schemeClr val="bg1">
+                    <a:lumMod val="65000"/>
+                  </a:schemeClr>
+                </a:solidFill>
+              </a:rPr>
+              <a:t>Source : http://</a:t>
+            </a:r>
+            <a:r>
+              <a:rPr lang="en-US" sz="1400" dirty="0" err="1">
+                <a:solidFill>
+                  <a:schemeClr val="bg1">
+                    <a:lumMod val="65000"/>
+                  </a:schemeClr>
+                </a:solidFill>
+              </a:rPr>
+              <a:t>commons.wikimedia.org</a:t>
+            </a:r>
+            <a:r>
+              <a:rPr lang="en-US" sz="1400" dirty="0">
+                <a:solidFill>
+                  <a:schemeClr val="bg1">
+                    <a:lumMod val="65000"/>
+                  </a:schemeClr>
+                </a:solidFill>
+              </a:rPr>
+              <a:t>/wiki/</a:t>
+            </a:r>
+            <a:r>
+              <a:rPr lang="en-US" sz="1400" dirty="0" err="1">
+                <a:solidFill>
+                  <a:schemeClr val="bg1">
+                    <a:lumMod val="65000"/>
+                  </a:schemeClr>
+                </a:solidFill>
+              </a:rPr>
+              <a:t>File:ROC_space.png</a:t>
+            </a:r>
+            <a:r>
+              <a:rPr lang="en-US" sz="1400" dirty="0"/>
+              <a:t> </a:t>
+            </a:r>
+          </a:p>
+        </p:txBody>
+      </p:sp>
+    </p:spTree>
+    <p:extLst>
+      <p:ext uri="{BB962C8B-B14F-4D97-AF65-F5344CB8AC3E}">
+        <p14:creationId xmlns:p14="http://schemas.microsoft.com/office/powerpoint/2010/main" xmlns="" val="2886531117"/>
+      </p:ext>
+    </p:extLst>
+  </p:cSld>
+  <p:clrMapOvr>
+    <a:masterClrMapping/>
+  </p:clrMapOvr>
+  <p:timing>
+    <p:tnLst>
+      <p:par>
+        <p:cTn id="1" dur="indefinite" restart="never" nodeType="tmRoot"/>
+      </p:par>
+    </p:tnLst>
+  </p:timing>
+</p:sld>
+</file>
+
+<file path=ppt/slides/slide61.xml><?xml version="1.0" encoding="utf-8"?>
+<p:sld xmlns:a="http://schemas.openxmlformats.org/drawingml/2006/main" xmlns:r="http://schemas.openxmlformats.org/officeDocument/2006/relationships" xmlns:p="http://schemas.openxmlformats.org/presentationml/2006/main">
+  <p:cSld>
+    <p:spTree>
+      <p:nvGrpSpPr>
+        <p:cNvPr id="1" name=""/>
+        <p:cNvGrpSpPr/>
+        <p:nvPr/>
+      </p:nvGrpSpPr>
+      <p:grpSpPr>
+        <a:xfrm>
+          <a:off x="0" y="0"/>
+          <a:ext cx="0" cy="0"/>
+          <a:chOff x="0" y="0"/>
+          <a:chExt cx="0" cy="0"/>
+        </a:xfrm>
+      </p:grpSpPr>
+      <p:sp>
+        <p:nvSpPr>
+          <p:cNvPr id="2" name="Title 1"/>
+          <p:cNvSpPr>
+            <a:spLocks noGrp="1"/>
+          </p:cNvSpPr>
+          <p:nvPr>
+            <p:ph type="title"/>
+          </p:nvPr>
+        </p:nvSpPr>
+        <p:spPr/>
+        <p:txBody>
+          <a:bodyPr/>
+          <a:lstStyle/>
+          <a:p>
+            <a:r>
+              <a:rPr lang="en-US" dirty="0" smtClean="0"/>
+              <a:t>Classification Lab</a:t>
+            </a:r>
+            <a:endParaRPr lang="en-US" dirty="0"/>
+          </a:p>
+        </p:txBody>
+      </p:sp>
+      <p:sp>
+        <p:nvSpPr>
+          <p:cNvPr id="3" name="Content Placeholder 2"/>
+          <p:cNvSpPr>
+            <a:spLocks noGrp="1"/>
+          </p:cNvSpPr>
+          <p:nvPr>
+            <p:ph idx="1"/>
+          </p:nvPr>
+        </p:nvSpPr>
+        <p:spPr/>
+        <p:txBody>
+          <a:bodyPr/>
+          <a:lstStyle/>
+          <a:p>
+            <a:r>
+              <a:rPr lang="en-US" dirty="0" smtClean="0"/>
+              <a:t>Use the “churn” dataset for telecom churn prediction</a:t>
+            </a:r>
+          </a:p>
+          <a:p>
+            <a:r>
+              <a:rPr lang="en-US" dirty="0" smtClean="0"/>
+              <a:t>location   : </a:t>
+            </a:r>
+            <a:r>
+              <a:rPr lang="en-US" dirty="0" err="1" smtClean="0"/>
+              <a:t>mllib</a:t>
+            </a:r>
+            <a:r>
+              <a:rPr lang="en-US" dirty="0" smtClean="0"/>
+              <a:t>/</a:t>
+            </a:r>
+            <a:r>
+              <a:rPr lang="en-US" dirty="0" err="1" smtClean="0"/>
+              <a:t>classifation</a:t>
+            </a:r>
+            <a:endParaRPr lang="en-US" dirty="0" smtClean="0"/>
+          </a:p>
+          <a:p>
+            <a:r>
+              <a:rPr lang="en-US" dirty="0" smtClean="0"/>
+              <a:t>Try out the solution line-by-line</a:t>
+            </a:r>
+          </a:p>
+        </p:txBody>
+      </p:sp>
+      <p:sp>
+        <p:nvSpPr>
+          <p:cNvPr id="4" name="Footer Placeholder 3"/>
+          <p:cNvSpPr>
+            <a:spLocks noGrp="1"/>
+          </p:cNvSpPr>
+          <p:nvPr>
+            <p:ph type="ftr" sz="quarter" idx="11"/>
+          </p:nvPr>
+        </p:nvSpPr>
+        <p:spPr/>
+        <p:txBody>
+          <a:bodyPr/>
+          <a:lstStyle/>
+          <a:p>
+            <a:r>
+              <a:rPr lang="en-US" smtClean="0"/>
+              <a:t>(c) ElephantScale.com 2014</a:t>
+            </a:r>
+            <a:endParaRPr lang="en-US"/>
+          </a:p>
+        </p:txBody>
+      </p:sp>
+      <p:sp>
+        <p:nvSpPr>
+          <p:cNvPr id="5" name="Slide Number Placeholder 4"/>
+          <p:cNvSpPr>
+            <a:spLocks noGrp="1"/>
+          </p:cNvSpPr>
+          <p:nvPr>
+            <p:ph type="sldNum" sz="quarter" idx="12"/>
+          </p:nvPr>
+        </p:nvSpPr>
+        <p:spPr/>
+        <p:txBody>
+          <a:bodyPr/>
+          <a:lstStyle/>
+          <a:p>
+            <a:fld id="{4AD8DDEF-9CD1-B641-ADE5-2BEE59567BE6}" type="slidenum">
+              <a:rPr lang="en-US" smtClean="0"/>
+              <a:pPr/>
+              <a:t>61</a:t>
+            </a:fld>
+            <a:endParaRPr lang="en-US"/>
+          </a:p>
+        </p:txBody>
+      </p:sp>
+    </p:spTree>
+    <p:extLst>
+      <p:ext uri="{BB962C8B-B14F-4D97-AF65-F5344CB8AC3E}">
+        <p14:creationId xmlns:p14="http://schemas.microsoft.com/office/powerpoint/2010/main" xmlns="" val="3599210062"/>
+      </p:ext>
+    </p:extLst>
+  </p:cSld>
+  <p:clrMapOvr>
+    <a:masterClrMapping/>
+  </p:clrMapOvr>
+  <p:timing>
+    <p:tnLst>
+      <p:par>
+        <p:cTn id="1" dur="indefinite" restart="never" nodeType="tmRoot"/>
+      </p:par>
+    </p:tnLst>
+  </p:timing>
+</p:sld>
+</file>
+
+<file path=ppt/slides/slide62.xml><?xml version="1.0" encoding="utf-8"?>
+<p:sld xmlns:a="http://schemas.openxmlformats.org/drawingml/2006/main" xmlns:r="http://schemas.openxmlformats.org/officeDocument/2006/relationships" xmlns:p="http://schemas.openxmlformats.org/presentationml/2006/main">
+  <p:cSld>
+    <p:spTree>
+      <p:nvGrpSpPr>
+        <p:cNvPr id="1" name=""/>
+        <p:cNvGrpSpPr/>
+        <p:nvPr/>
+      </p:nvGrpSpPr>
+      <p:grpSpPr>
+        <a:xfrm>
+          <a:off x="0" y="0"/>
+          <a:ext cx="0" cy="0"/>
+          <a:chOff x="0" y="0"/>
+          <a:chExt cx="0" cy="0"/>
+        </a:xfrm>
+      </p:grpSpPr>
+      <p:sp>
+        <p:nvSpPr>
+          <p:cNvPr id="2" name="Title 1"/>
+          <p:cNvSpPr>
+            <a:spLocks noGrp="1"/>
+          </p:cNvSpPr>
+          <p:nvPr>
+            <p:ph type="title"/>
+          </p:nvPr>
+        </p:nvSpPr>
+        <p:spPr/>
+        <p:txBody>
+          <a:bodyPr/>
+          <a:lstStyle/>
+          <a:p>
+            <a:r>
+              <a:rPr lang="en-US" dirty="0" smtClean="0"/>
+              <a:t>Thanks! &amp; Questions !</a:t>
+            </a:r>
+            <a:endParaRPr lang="en-US" dirty="0"/>
+          </a:p>
+        </p:txBody>
+      </p:sp>
+      <p:sp>
+        <p:nvSpPr>
+          <p:cNvPr id="3" name="Content Placeholder 2"/>
+          <p:cNvSpPr>
+            <a:spLocks noGrp="1"/>
+          </p:cNvSpPr>
+          <p:nvPr>
+            <p:ph idx="1"/>
+          </p:nvPr>
+        </p:nvSpPr>
+        <p:spPr/>
+        <p:txBody>
+          <a:bodyPr/>
+          <a:lstStyle/>
+          <a:p>
+            <a:endParaRPr lang="en-US"/>
+          </a:p>
+        </p:txBody>
+      </p:sp>
+      <p:sp>
+        <p:nvSpPr>
+          <p:cNvPr id="4" name="Footer Placeholder 3"/>
+          <p:cNvSpPr>
+            <a:spLocks noGrp="1"/>
+          </p:cNvSpPr>
+          <p:nvPr>
+            <p:ph type="ftr" sz="quarter" idx="11"/>
+          </p:nvPr>
+        </p:nvSpPr>
+        <p:spPr/>
+        <p:txBody>
+          <a:bodyPr/>
+          <a:lstStyle/>
+          <a:p>
+            <a:r>
+              <a:rPr lang="en-US" smtClean="0"/>
+              <a:t>© Elephant Scale, 2014</a:t>
+            </a:r>
+            <a:endParaRPr lang="en-US" dirty="0"/>
+          </a:p>
+        </p:txBody>
+      </p:sp>
+    </p:spTree>
+    <p:extLst>
+      <p:ext uri="{BB962C8B-B14F-4D97-AF65-F5344CB8AC3E}">
+        <p14:creationId xmlns:p14="http://schemas.microsoft.com/office/powerpoint/2010/main" xmlns="" val="3695882192"/>
+      </p:ext>
+    </p:extLst>
+  </p:cSld>
+  <p:clrMapOvr>
+    <a:masterClrMapping/>
+  </p:clrMapOvr>
+</p:sld>
+</file>
+
+<file path=ppt/slides/slide63.xml><?xml version="1.0" encoding="utf-8"?>
+<p:sld xmlns:a="http://schemas.openxmlformats.org/drawingml/2006/main" xmlns:r="http://schemas.openxmlformats.org/officeDocument/2006/relationships" xmlns:p="http://schemas.openxmlformats.org/presentationml/2006/main">
+  <p:cSld>
+    <p:spTree>
+      <p:nvGrpSpPr>
+        <p:cNvPr id="1" name=""/>
+        <p:cNvGrpSpPr/>
+        <p:nvPr/>
+      </p:nvGrpSpPr>
+      <p:grpSpPr>
+        <a:xfrm>
+          <a:off x="0" y="0"/>
+          <a:ext cx="0" cy="0"/>
+          <a:chOff x="0" y="0"/>
+          <a:chExt cx="0" cy="0"/>
+        </a:xfrm>
+      </p:grpSpPr>
+      <p:sp>
+        <p:nvSpPr>
+          <p:cNvPr id="2" name="Title 1"/>
+          <p:cNvSpPr>
+            <a:spLocks noGrp="1"/>
+          </p:cNvSpPr>
+          <p:nvPr>
+            <p:ph type="title"/>
+          </p:nvPr>
+        </p:nvSpPr>
+        <p:spPr/>
+        <p:txBody>
+          <a:bodyPr/>
+          <a:lstStyle/>
+          <a:p>
+            <a:r>
+              <a:rPr lang="en-US" dirty="0" smtClean="0"/>
+              <a:t>Credits </a:t>
+            </a:r>
+            <a:endParaRPr lang="en-US" dirty="0"/>
+          </a:p>
+        </p:txBody>
+      </p:sp>
+      <p:sp>
+        <p:nvSpPr>
+          <p:cNvPr id="3" name="Content Placeholder 2"/>
+          <p:cNvSpPr>
+            <a:spLocks noGrp="1"/>
+          </p:cNvSpPr>
+          <p:nvPr>
+            <p:ph idx="1"/>
+          </p:nvPr>
+        </p:nvSpPr>
+        <p:spPr/>
+        <p:txBody>
+          <a:bodyPr/>
+          <a:lstStyle/>
+          <a:p>
+            <a:r>
+              <a:rPr lang="en-US" dirty="0">
+                <a:hlinkClick r:id="rId2"/>
+              </a:rPr>
+              <a:t>http://spark.apache.org</a:t>
+            </a:r>
+            <a:r>
+              <a:rPr lang="en-US" dirty="0" smtClean="0">
+                <a:hlinkClick r:id="rId2"/>
+              </a:rPr>
+              <a:t>/</a:t>
+            </a:r>
+            <a:endParaRPr lang="en-US" dirty="0" smtClean="0"/>
+          </a:p>
+          <a:p>
+            <a:r>
+              <a:rPr lang="en-US" dirty="0">
+                <a:hlinkClick r:id="rId3"/>
+              </a:rPr>
+              <a:t>http://</a:t>
+            </a:r>
+            <a:r>
+              <a:rPr lang="en-US" dirty="0" smtClean="0">
+                <a:hlinkClick r:id="rId3"/>
+              </a:rPr>
+              <a:t>www.strategictechplanning.com</a:t>
+            </a:r>
+            <a:endParaRPr lang="en-US" dirty="0"/>
+          </a:p>
+          <a:p>
+            <a:endParaRPr lang="en-US" dirty="0"/>
+          </a:p>
+        </p:txBody>
+      </p:sp>
+      <p:sp>
+        <p:nvSpPr>
+          <p:cNvPr id="4" name="Footer Placeholder 3"/>
+          <p:cNvSpPr>
+            <a:spLocks noGrp="1"/>
+          </p:cNvSpPr>
+          <p:nvPr>
+            <p:ph type="ftr" sz="quarter" idx="11"/>
+          </p:nvPr>
+        </p:nvSpPr>
+        <p:spPr/>
+        <p:txBody>
+          <a:bodyPr/>
+          <a:lstStyle/>
+          <a:p>
+            <a:r>
+              <a:rPr lang="en-US" smtClean="0"/>
+              <a:t>© Elephant Scale, 2014</a:t>
+            </a:r>
+            <a:endParaRPr lang="en-US" dirty="0"/>
+          </a:p>
+        </p:txBody>
+      </p:sp>
+    </p:spTree>
+    <p:extLst>
+      <p:ext uri="{BB962C8B-B14F-4D97-AF65-F5344CB8AC3E}">
+        <p14:creationId xmlns:p14="http://schemas.microsoft.com/office/powerpoint/2010/main" xmlns="" val="3799230133"/>
+      </p:ext>
+    </p:extLst>
   </p:cSld>
   <p:clrMapOvr>
     <a:masterClrMapping/>
